--- a/开题报告演讲PPT.pptx
+++ b/开题报告演讲PPT.pptx
@@ -120,7 +120,7 @@
   <p:extLst>
     <p:ext uri="{EFAFB233-063F-42B5-8137-9DF3F51BA10A}">
       <p15:sldGuideLst xmlns:p15="http://schemas.microsoft.com/office/powerpoint/2012/main">
-        <p15:guide id="1" orient="horz" pos="2132" userDrawn="1">
+        <p15:guide id="1" orient="horz" pos="2188" userDrawn="1">
           <p15:clr>
             <a:srgbClr val="A4A3A4"/>
           </p15:clr>
@@ -3554,7 +3554,7 @@
         </p:nvSpPr>
         <p:spPr>
           <a:xfrm>
-            <a:off x="2842895" y="3106420"/>
+            <a:off x="2842895" y="2475865"/>
             <a:ext cx="6626225" cy="368300"/>
           </a:xfrm>
           <a:prstGeom prst="rect">
@@ -3570,7 +3570,6 @@
             <a:pPr indent="0" algn="ctr" fontAlgn="auto"/>
             <a:r>
               <a:rPr>
-                <a:ln/>
                 <a:solidFill>
                   <a:schemeClr val="tx1"/>
                 </a:solidFill>
@@ -3586,7 +3585,6 @@
             </a:r>
             <a:r>
               <a:rPr lang="zh-CN">
-                <a:ln/>
                 <a:solidFill>
                   <a:schemeClr val="tx1"/>
                 </a:solidFill>
@@ -3602,7 +3600,6 @@
             </a:r>
             <a:r>
               <a:rPr>
-                <a:ln/>
                 <a:solidFill>
                   <a:schemeClr val="tx1"/>
                 </a:solidFill>
@@ -3617,7 +3614,6 @@
               <a:t>设计与实现</a:t>
             </a:r>
             <a:endParaRPr>
-              <a:ln/>
               <a:solidFill>
                 <a:schemeClr val="tx1"/>
               </a:solidFill>
@@ -3892,6 +3888,463 @@
           </a:p>
         </p:txBody>
       </p:sp>
+      <p:sp>
+        <p:nvSpPr>
+          <p:cNvPr id="7" name="文本框 6"/>
+          <p:cNvSpPr txBox="1"/>
+          <p:nvPr/>
+        </p:nvSpPr>
+        <p:spPr>
+          <a:xfrm>
+            <a:off x="3758565" y="1553845"/>
+            <a:ext cx="4794885" cy="750570"/>
+          </a:xfrm>
+          <a:prstGeom prst="rect">
+            <a:avLst/>
+          </a:prstGeom>
+          <a:noFill/>
+        </p:spPr>
+        <p:txBody>
+          <a:bodyPr wrap="square" rtlCol="0">
+            <a:noAutofit/>
+          </a:bodyPr>
+          <a:p>
+            <a:pPr algn="ctr"/>
+            <a:r>
+              <a:rPr lang="zh-CN" altLang="en-US" sz="2400" b="1">
+                <a:ln/>
+                <a:solidFill>
+                  <a:srgbClr val="FFBA55"/>
+                </a:solidFill>
+                <a:effectLst>
+                  <a:outerShdw blurRad="38100" dist="19050" dir="2700000" algn="tl" rotWithShape="0">
+                    <a:schemeClr val="dk1">
+                      <a:alpha val="40000"/>
+                    </a:schemeClr>
+                  </a:outerShdw>
+                </a:effectLst>
+              </a:rPr>
+              <a:t>开</a:t>
+            </a:r>
+            <a:r>
+              <a:rPr lang="en-US" altLang="zh-CN" sz="2400" b="1">
+                <a:ln/>
+                <a:solidFill>
+                  <a:srgbClr val="FFBA55"/>
+                </a:solidFill>
+                <a:effectLst>
+                  <a:outerShdw blurRad="38100" dist="19050" dir="2700000" algn="tl" rotWithShape="0">
+                    <a:schemeClr val="dk1">
+                      <a:alpha val="40000"/>
+                    </a:schemeClr>
+                  </a:outerShdw>
+                </a:effectLst>
+              </a:rPr>
+              <a:t> </a:t>
+            </a:r>
+            <a:r>
+              <a:rPr lang="zh-CN" altLang="en-US" sz="2400" b="1">
+                <a:ln/>
+                <a:solidFill>
+                  <a:srgbClr val="FFBA55"/>
+                </a:solidFill>
+                <a:effectLst>
+                  <a:outerShdw blurRad="38100" dist="19050" dir="2700000" algn="tl" rotWithShape="0">
+                    <a:schemeClr val="dk1">
+                      <a:alpha val="40000"/>
+                    </a:schemeClr>
+                  </a:outerShdw>
+                </a:effectLst>
+              </a:rPr>
+              <a:t>题</a:t>
+            </a:r>
+            <a:r>
+              <a:rPr lang="en-US" altLang="zh-CN" sz="2400" b="1">
+                <a:ln/>
+                <a:solidFill>
+                  <a:srgbClr val="FFBA55"/>
+                </a:solidFill>
+                <a:effectLst>
+                  <a:outerShdw blurRad="38100" dist="19050" dir="2700000" algn="tl" rotWithShape="0">
+                    <a:schemeClr val="dk1">
+                      <a:alpha val="40000"/>
+                    </a:schemeClr>
+                  </a:outerShdw>
+                </a:effectLst>
+              </a:rPr>
+              <a:t> </a:t>
+            </a:r>
+            <a:r>
+              <a:rPr lang="zh-CN" altLang="en-US" sz="2400" b="1">
+                <a:ln/>
+                <a:solidFill>
+                  <a:srgbClr val="FFBA55"/>
+                </a:solidFill>
+                <a:effectLst>
+                  <a:outerShdw blurRad="38100" dist="19050" dir="2700000" algn="tl" rotWithShape="0">
+                    <a:schemeClr val="dk1">
+                      <a:alpha val="40000"/>
+                    </a:schemeClr>
+                  </a:outerShdw>
+                </a:effectLst>
+              </a:rPr>
+              <a:t>报</a:t>
+            </a:r>
+            <a:r>
+              <a:rPr lang="en-US" altLang="zh-CN" sz="2400" b="1">
+                <a:ln/>
+                <a:solidFill>
+                  <a:srgbClr val="FFBA55"/>
+                </a:solidFill>
+                <a:effectLst>
+                  <a:outerShdw blurRad="38100" dist="19050" dir="2700000" algn="tl" rotWithShape="0">
+                    <a:schemeClr val="dk1">
+                      <a:alpha val="40000"/>
+                    </a:schemeClr>
+                  </a:outerShdw>
+                </a:effectLst>
+              </a:rPr>
+              <a:t> </a:t>
+            </a:r>
+            <a:r>
+              <a:rPr lang="zh-CN" altLang="en-US" sz="2400" b="1">
+                <a:ln/>
+                <a:solidFill>
+                  <a:srgbClr val="FFBA55"/>
+                </a:solidFill>
+                <a:effectLst>
+                  <a:outerShdw blurRad="38100" dist="19050" dir="2700000" algn="tl" rotWithShape="0">
+                    <a:schemeClr val="dk1">
+                      <a:alpha val="40000"/>
+                    </a:schemeClr>
+                  </a:outerShdw>
+                </a:effectLst>
+              </a:rPr>
+              <a:t>告</a:t>
+            </a:r>
+            <a:endParaRPr lang="zh-CN" altLang="en-US" sz="2400" b="1">
+              <a:ln/>
+              <a:solidFill>
+                <a:srgbClr val="FFBA55"/>
+              </a:solidFill>
+              <a:effectLst>
+                <a:outerShdw blurRad="38100" dist="19050" dir="2700000" algn="tl" rotWithShape="0">
+                  <a:schemeClr val="dk1">
+                    <a:alpha val="40000"/>
+                  </a:schemeClr>
+                </a:outerShdw>
+              </a:effectLst>
+            </a:endParaRPr>
+          </a:p>
+        </p:txBody>
+      </p:sp>
+      <p:sp>
+        <p:nvSpPr>
+          <p:cNvPr id="12" name="文本框 11"/>
+          <p:cNvSpPr txBox="1"/>
+          <p:nvPr/>
+        </p:nvSpPr>
+        <p:spPr>
+          <a:xfrm>
+            <a:off x="8046720" y="4273550"/>
+            <a:ext cx="6626225" cy="922020"/>
+          </a:xfrm>
+          <a:prstGeom prst="rect">
+            <a:avLst/>
+          </a:prstGeom>
+          <a:noFill/>
+        </p:spPr>
+        <p:txBody>
+          <a:bodyPr wrap="square" rtlCol="0">
+            <a:spAutoFit/>
+          </a:bodyPr>
+          <a:p>
+            <a:pPr indent="0" algn="l" fontAlgn="auto"/>
+            <a:r>
+              <a:rPr lang="zh-CN">
+                <a:solidFill>
+                  <a:schemeClr val="tx1"/>
+                </a:solidFill>
+                <a:effectLst>
+                  <a:outerShdw blurRad="38100" dist="19050" dir="2700000" algn="tl" rotWithShape="0">
+                    <a:schemeClr val="dk1">
+                      <a:alpha val="40000"/>
+                    </a:schemeClr>
+                  </a:outerShdw>
+                </a:effectLst>
+              </a:rPr>
+              <a:t>报</a:t>
+            </a:r>
+            <a:r>
+              <a:rPr lang="en-US" altLang="zh-CN">
+                <a:solidFill>
+                  <a:schemeClr val="tx1"/>
+                </a:solidFill>
+                <a:effectLst>
+                  <a:outerShdw blurRad="38100" dist="19050" dir="2700000" algn="tl" rotWithShape="0">
+                    <a:schemeClr val="dk1">
+                      <a:alpha val="40000"/>
+                    </a:schemeClr>
+                  </a:outerShdw>
+                </a:effectLst>
+              </a:rPr>
+              <a:t>   </a:t>
+            </a:r>
+            <a:r>
+              <a:rPr lang="zh-CN">
+                <a:solidFill>
+                  <a:schemeClr val="tx1"/>
+                </a:solidFill>
+                <a:effectLst>
+                  <a:outerShdw blurRad="38100" dist="19050" dir="2700000" algn="tl" rotWithShape="0">
+                    <a:schemeClr val="dk1">
+                      <a:alpha val="40000"/>
+                    </a:schemeClr>
+                  </a:outerShdw>
+                </a:effectLst>
+              </a:rPr>
+              <a:t>告</a:t>
+            </a:r>
+            <a:r>
+              <a:rPr lang="en-US" altLang="zh-CN">
+                <a:solidFill>
+                  <a:schemeClr val="tx1"/>
+                </a:solidFill>
+                <a:effectLst>
+                  <a:outerShdw blurRad="38100" dist="19050" dir="2700000" algn="tl" rotWithShape="0">
+                    <a:schemeClr val="dk1">
+                      <a:alpha val="40000"/>
+                    </a:schemeClr>
+                  </a:outerShdw>
+                </a:effectLst>
+              </a:rPr>
+              <a:t>   </a:t>
+            </a:r>
+            <a:r>
+              <a:rPr lang="zh-CN">
+                <a:solidFill>
+                  <a:schemeClr val="tx1"/>
+                </a:solidFill>
+                <a:effectLst>
+                  <a:outerShdw blurRad="38100" dist="19050" dir="2700000" algn="tl" rotWithShape="0">
+                    <a:schemeClr val="dk1">
+                      <a:alpha val="40000"/>
+                    </a:schemeClr>
+                  </a:outerShdw>
+                </a:effectLst>
+              </a:rPr>
+              <a:t>人：</a:t>
+            </a:r>
+            <a:r>
+              <a:rPr lang="zh-CN" altLang="en-US">
+                <a:solidFill>
+                  <a:schemeClr val="tx1"/>
+                </a:solidFill>
+                <a:effectLst>
+                  <a:outerShdw blurRad="38100" dist="19050" dir="2700000" algn="tl" rotWithShape="0">
+                    <a:schemeClr val="dk1">
+                      <a:alpha val="40000"/>
+                    </a:schemeClr>
+                  </a:outerShdw>
+                </a:effectLst>
+              </a:rPr>
+              <a:t>吴玉配</a:t>
+            </a:r>
+            <a:r>
+              <a:rPr lang="en-US" altLang="zh-CN">
+                <a:solidFill>
+                  <a:schemeClr val="tx1"/>
+                </a:solidFill>
+                <a:effectLst>
+                  <a:outerShdw blurRad="38100" dist="19050" dir="2700000" algn="tl" rotWithShape="0">
+                    <a:schemeClr val="dk1">
+                      <a:alpha val="40000"/>
+                    </a:schemeClr>
+                  </a:outerShdw>
+                </a:effectLst>
+              </a:rPr>
+              <a:t>         </a:t>
+            </a:r>
+            <a:endParaRPr lang="en-US" altLang="zh-CN">
+              <a:solidFill>
+                <a:schemeClr val="tx1"/>
+              </a:solidFill>
+              <a:effectLst>
+                <a:outerShdw blurRad="38100" dist="19050" dir="2700000" algn="tl" rotWithShape="0">
+                  <a:schemeClr val="dk1">
+                    <a:alpha val="40000"/>
+                  </a:schemeClr>
+                </a:outerShdw>
+              </a:effectLst>
+            </a:endParaRPr>
+          </a:p>
+          <a:p>
+            <a:pPr indent="0" algn="l" fontAlgn="auto"/>
+            <a:r>
+              <a:rPr lang="en-US" altLang="zh-CN">
+                <a:solidFill>
+                  <a:schemeClr val="tx1"/>
+                </a:solidFill>
+                <a:effectLst>
+                  <a:outerShdw blurRad="38100" dist="19050" dir="2700000" algn="tl" rotWithShape="0">
+                    <a:schemeClr val="dk1">
+                      <a:alpha val="40000"/>
+                    </a:schemeClr>
+                  </a:outerShdw>
+                </a:effectLst>
+              </a:rPr>
+              <a:t>                     </a:t>
+            </a:r>
+            <a:endParaRPr lang="en-US" altLang="zh-CN">
+              <a:solidFill>
+                <a:schemeClr val="tx1"/>
+              </a:solidFill>
+              <a:effectLst>
+                <a:outerShdw blurRad="38100" dist="19050" dir="2700000" algn="tl" rotWithShape="0">
+                  <a:schemeClr val="dk1">
+                    <a:alpha val="40000"/>
+                  </a:schemeClr>
+                </a:outerShdw>
+              </a:effectLst>
+            </a:endParaRPr>
+          </a:p>
+          <a:p>
+            <a:pPr indent="0" algn="l" fontAlgn="auto"/>
+            <a:r>
+              <a:rPr lang="zh-CN" altLang="en-US">
+                <a:solidFill>
+                  <a:schemeClr val="tx1"/>
+                </a:solidFill>
+                <a:effectLst>
+                  <a:outerShdw blurRad="38100" dist="19050" dir="2700000" algn="tl" rotWithShape="0">
+                    <a:schemeClr val="dk1">
+                      <a:alpha val="40000"/>
+                    </a:schemeClr>
+                  </a:outerShdw>
+                </a:effectLst>
+              </a:rPr>
+              <a:t>报</a:t>
+            </a:r>
+            <a:r>
+              <a:rPr lang="en-US" altLang="zh-CN">
+                <a:solidFill>
+                  <a:schemeClr val="tx1"/>
+                </a:solidFill>
+                <a:effectLst>
+                  <a:outerShdw blurRad="38100" dist="19050" dir="2700000" algn="tl" rotWithShape="0">
+                    <a:schemeClr val="dk1">
+                      <a:alpha val="40000"/>
+                    </a:schemeClr>
+                  </a:outerShdw>
+                </a:effectLst>
+              </a:rPr>
+              <a:t> </a:t>
+            </a:r>
+            <a:r>
+              <a:rPr lang="zh-CN" altLang="en-US">
+                <a:solidFill>
+                  <a:schemeClr val="tx1"/>
+                </a:solidFill>
+                <a:effectLst>
+                  <a:outerShdw blurRad="38100" dist="19050" dir="2700000" algn="tl" rotWithShape="0">
+                    <a:schemeClr val="dk1">
+                      <a:alpha val="40000"/>
+                    </a:schemeClr>
+                  </a:outerShdw>
+                </a:effectLst>
+              </a:rPr>
+              <a:t>告</a:t>
+            </a:r>
+            <a:r>
+              <a:rPr lang="en-US" altLang="zh-CN">
+                <a:solidFill>
+                  <a:schemeClr val="tx1"/>
+                </a:solidFill>
+                <a:effectLst>
+                  <a:outerShdw blurRad="38100" dist="19050" dir="2700000" algn="tl" rotWithShape="0">
+                    <a:schemeClr val="dk1">
+                      <a:alpha val="40000"/>
+                    </a:schemeClr>
+                  </a:outerShdw>
+                </a:effectLst>
+              </a:rPr>
+              <a:t> </a:t>
+            </a:r>
+            <a:r>
+              <a:rPr lang="zh-CN" altLang="en-US">
+                <a:solidFill>
+                  <a:schemeClr val="tx1"/>
+                </a:solidFill>
+                <a:effectLst>
+                  <a:outerShdw blurRad="38100" dist="19050" dir="2700000" algn="tl" rotWithShape="0">
+                    <a:schemeClr val="dk1">
+                      <a:alpha val="40000"/>
+                    </a:schemeClr>
+                  </a:outerShdw>
+                </a:effectLst>
+              </a:rPr>
+              <a:t>日</a:t>
+            </a:r>
+            <a:r>
+              <a:rPr lang="en-US" altLang="zh-CN">
+                <a:solidFill>
+                  <a:schemeClr val="tx1"/>
+                </a:solidFill>
+                <a:effectLst>
+                  <a:outerShdw blurRad="38100" dist="19050" dir="2700000" algn="tl" rotWithShape="0">
+                    <a:schemeClr val="dk1">
+                      <a:alpha val="40000"/>
+                    </a:schemeClr>
+                  </a:outerShdw>
+                </a:effectLst>
+              </a:rPr>
+              <a:t> </a:t>
+            </a:r>
+            <a:r>
+              <a:rPr lang="zh-CN" altLang="en-US">
+                <a:solidFill>
+                  <a:schemeClr val="tx1"/>
+                </a:solidFill>
+                <a:effectLst>
+                  <a:outerShdw blurRad="38100" dist="19050" dir="2700000" algn="tl" rotWithShape="0">
+                    <a:schemeClr val="dk1">
+                      <a:alpha val="40000"/>
+                    </a:schemeClr>
+                  </a:outerShdw>
+                </a:effectLst>
+              </a:rPr>
+              <a:t>期：</a:t>
+            </a:r>
+            <a:r>
+              <a:rPr lang="en-US" altLang="zh-CN">
+                <a:solidFill>
+                  <a:schemeClr val="tx1"/>
+                </a:solidFill>
+                <a:effectLst>
+                  <a:outerShdw blurRad="38100" dist="19050" dir="2700000" algn="tl" rotWithShape="0">
+                    <a:schemeClr val="dk1">
+                      <a:alpha val="40000"/>
+                    </a:schemeClr>
+                  </a:outerShdw>
+                </a:effectLst>
+              </a:rPr>
+              <a:t>2023/02/21</a:t>
+            </a:r>
+            <a:endParaRPr lang="zh-CN" altLang="en-US">
+              <a:solidFill>
+                <a:schemeClr val="tx1"/>
+              </a:solidFill>
+              <a:effectLst>
+                <a:outerShdw blurRad="38100" dist="19050" dir="2700000" algn="tl" rotWithShape="0">
+                  <a:schemeClr val="dk1">
+                    <a:alpha val="40000"/>
+                  </a:schemeClr>
+                </a:outerShdw>
+              </a:effectLst>
+            </a:endParaRPr>
+          </a:p>
+        </p:txBody>
+      </p:sp>
     </p:spTree>
     <p:custDataLst>
       <p:tags r:id="rId4"/>
@@ -3900,6 +4353,281 @@
   <p:clrMapOvr>
     <a:masterClrMapping/>
   </p:clrMapOvr>
+  <p:timing>
+    <p:tnLst>
+      <p:par>
+        <p:cTn id="1" dur="indefinite" restart="never" nodeType="tmRoot">
+          <p:childTnLst>
+            <p:seq concurrent="1" nextAc="seek">
+              <p:cTn id="2" dur="indefinite" nodeType="mainSeq">
+                <p:childTnLst>
+                  <p:par>
+                    <p:cTn id="3" fill="hold">
+                      <p:stCondLst>
+                        <p:cond delay="indefinite"/>
+                      </p:stCondLst>
+                      <p:childTnLst>
+                        <p:par>
+                          <p:cTn id="4" fill="hold">
+                            <p:stCondLst>
+                              <p:cond delay="0"/>
+                            </p:stCondLst>
+                            <p:childTnLst>
+                              <p:par>
+                                <p:cTn id="5" presetID="2" presetClass="entr" presetSubtype="4" fill="hold" grpId="0" nodeType="clickEffect">
+                                  <p:stCondLst>
+                                    <p:cond delay="0"/>
+                                  </p:stCondLst>
+                                  <p:childTnLst>
+                                    <p:set>
+                                      <p:cBhvr>
+                                        <p:cTn id="6" dur="1" fill="hold">
+                                          <p:stCondLst>
+                                            <p:cond delay="0"/>
+                                          </p:stCondLst>
+                                        </p:cTn>
+                                        <p:tgtEl>
+                                          <p:spTgt spid="12"/>
+                                        </p:tgtEl>
+                                        <p:attrNameLst>
+                                          <p:attrName>style.visibility</p:attrName>
+                                        </p:attrNameLst>
+                                      </p:cBhvr>
+                                      <p:to>
+                                        <p:strVal val="visible"/>
+                                      </p:to>
+                                    </p:set>
+                                    <p:anim calcmode="lin" valueType="num">
+                                      <p:cBhvr additive="base">
+                                        <p:cTn id="7" dur="500" fill="hold"/>
+                                        <p:tgtEl>
+                                          <p:spTgt spid="12"/>
+                                        </p:tgtEl>
+                                        <p:attrNameLst>
+                                          <p:attrName>ppt_x</p:attrName>
+                                        </p:attrNameLst>
+                                      </p:cBhvr>
+                                      <p:tavLst>
+                                        <p:tav tm="0">
+                                          <p:val>
+                                            <p:strVal val="#ppt_x"/>
+                                          </p:val>
+                                        </p:tav>
+                                        <p:tav tm="100000">
+                                          <p:val>
+                                            <p:strVal val="#ppt_x"/>
+                                          </p:val>
+                                        </p:tav>
+                                      </p:tavLst>
+                                    </p:anim>
+                                    <p:anim calcmode="lin" valueType="num">
+                                      <p:cBhvr additive="base">
+                                        <p:cTn id="8" dur="500" fill="hold"/>
+                                        <p:tgtEl>
+                                          <p:spTgt spid="12"/>
+                                        </p:tgtEl>
+                                        <p:attrNameLst>
+                                          <p:attrName>ppt_y</p:attrName>
+                                        </p:attrNameLst>
+                                      </p:cBhvr>
+                                      <p:tavLst>
+                                        <p:tav tm="0">
+                                          <p:val>
+                                            <p:strVal val="1+#ppt_h/2"/>
+                                          </p:val>
+                                        </p:tav>
+                                        <p:tav tm="100000">
+                                          <p:val>
+                                            <p:strVal val="#ppt_y"/>
+                                          </p:val>
+                                        </p:tav>
+                                      </p:tavLst>
+                                    </p:anim>
+                                  </p:childTnLst>
+                                </p:cTn>
+                              </p:par>
+                              <p:par>
+                                <p:cTn id="9" presetID="2" presetClass="entr" presetSubtype="4" fill="hold" grpId="0" nodeType="withEffect">
+                                  <p:stCondLst>
+                                    <p:cond delay="0"/>
+                                  </p:stCondLst>
+                                  <p:childTnLst>
+                                    <p:set>
+                                      <p:cBhvr>
+                                        <p:cTn id="10" dur="1" fill="hold">
+                                          <p:stCondLst>
+                                            <p:cond delay="0"/>
+                                          </p:stCondLst>
+                                        </p:cTn>
+                                        <p:tgtEl>
+                                          <p:spTgt spid="4"/>
+                                        </p:tgtEl>
+                                        <p:attrNameLst>
+                                          <p:attrName>style.visibility</p:attrName>
+                                        </p:attrNameLst>
+                                      </p:cBhvr>
+                                      <p:to>
+                                        <p:strVal val="visible"/>
+                                      </p:to>
+                                    </p:set>
+                                    <p:anim calcmode="lin" valueType="num">
+                                      <p:cBhvr additive="base">
+                                        <p:cTn id="11" dur="500" fill="hold"/>
+                                        <p:tgtEl>
+                                          <p:spTgt spid="4"/>
+                                        </p:tgtEl>
+                                        <p:attrNameLst>
+                                          <p:attrName>ppt_x</p:attrName>
+                                        </p:attrNameLst>
+                                      </p:cBhvr>
+                                      <p:tavLst>
+                                        <p:tav tm="0">
+                                          <p:val>
+                                            <p:strVal val="#ppt_x"/>
+                                          </p:val>
+                                        </p:tav>
+                                        <p:tav tm="100000">
+                                          <p:val>
+                                            <p:strVal val="#ppt_x"/>
+                                          </p:val>
+                                        </p:tav>
+                                      </p:tavLst>
+                                    </p:anim>
+                                    <p:anim calcmode="lin" valueType="num">
+                                      <p:cBhvr additive="base">
+                                        <p:cTn id="12" dur="500" fill="hold"/>
+                                        <p:tgtEl>
+                                          <p:spTgt spid="4"/>
+                                        </p:tgtEl>
+                                        <p:attrNameLst>
+                                          <p:attrName>ppt_y</p:attrName>
+                                        </p:attrNameLst>
+                                      </p:cBhvr>
+                                      <p:tavLst>
+                                        <p:tav tm="0">
+                                          <p:val>
+                                            <p:strVal val="1+#ppt_h/2"/>
+                                          </p:val>
+                                        </p:tav>
+                                        <p:tav tm="100000">
+                                          <p:val>
+                                            <p:strVal val="#ppt_y"/>
+                                          </p:val>
+                                        </p:tav>
+                                      </p:tavLst>
+                                    </p:anim>
+                                  </p:childTnLst>
+                                </p:cTn>
+                              </p:par>
+                              <p:par>
+                                <p:cTn id="13" presetID="2" presetClass="entr" presetSubtype="4" fill="hold" grpId="0" nodeType="withEffect">
+                                  <p:stCondLst>
+                                    <p:cond delay="0"/>
+                                  </p:stCondLst>
+                                  <p:childTnLst>
+                                    <p:set>
+                                      <p:cBhvr>
+                                        <p:cTn id="14" dur="1" fill="hold">
+                                          <p:stCondLst>
+                                            <p:cond delay="0"/>
+                                          </p:stCondLst>
+                                        </p:cTn>
+                                        <p:tgtEl>
+                                          <p:spTgt spid="7"/>
+                                        </p:tgtEl>
+                                        <p:attrNameLst>
+                                          <p:attrName>style.visibility</p:attrName>
+                                        </p:attrNameLst>
+                                      </p:cBhvr>
+                                      <p:to>
+                                        <p:strVal val="visible"/>
+                                      </p:to>
+                                    </p:set>
+                                    <p:anim calcmode="lin" valueType="num">
+                                      <p:cBhvr additive="base">
+                                        <p:cTn id="15" dur="500" fill="hold"/>
+                                        <p:tgtEl>
+                                          <p:spTgt spid="7"/>
+                                        </p:tgtEl>
+                                        <p:attrNameLst>
+                                          <p:attrName>ppt_x</p:attrName>
+                                        </p:attrNameLst>
+                                      </p:cBhvr>
+                                      <p:tavLst>
+                                        <p:tav tm="0">
+                                          <p:val>
+                                            <p:strVal val="#ppt_x"/>
+                                          </p:val>
+                                        </p:tav>
+                                        <p:tav tm="100000">
+                                          <p:val>
+                                            <p:strVal val="#ppt_x"/>
+                                          </p:val>
+                                        </p:tav>
+                                      </p:tavLst>
+                                    </p:anim>
+                                    <p:anim calcmode="lin" valueType="num">
+                                      <p:cBhvr additive="base">
+                                        <p:cTn id="16" dur="500" fill="hold"/>
+                                        <p:tgtEl>
+                                          <p:spTgt spid="7"/>
+                                        </p:tgtEl>
+                                        <p:attrNameLst>
+                                          <p:attrName>ppt_y</p:attrName>
+                                        </p:attrNameLst>
+                                      </p:cBhvr>
+                                      <p:tavLst>
+                                        <p:tav tm="0">
+                                          <p:val>
+                                            <p:strVal val="1+#ppt_h/2"/>
+                                          </p:val>
+                                        </p:tav>
+                                        <p:tav tm="100000">
+                                          <p:val>
+                                            <p:strVal val="#ppt_y"/>
+                                          </p:val>
+                                        </p:tav>
+                                      </p:tavLst>
+                                    </p:anim>
+                                  </p:childTnLst>
+                                </p:cTn>
+                              </p:par>
+                            </p:childTnLst>
+                          </p:cTn>
+                        </p:par>
+                      </p:childTnLst>
+                    </p:cTn>
+                  </p:par>
+                </p:childTnLst>
+              </p:cTn>
+              <p:prevCondLst>
+                <p:cond evt="onPrev" delay="0">
+                  <p:tgtEl>
+                    <p:sldTgt/>
+                  </p:tgtEl>
+                </p:cond>
+              </p:prevCondLst>
+              <p:nextCondLst>
+                <p:cond evt="onNext" delay="0">
+                  <p:tgtEl>
+                    <p:sldTgt/>
+                  </p:tgtEl>
+                </p:cond>
+              </p:nextCondLst>
+            </p:seq>
+          </p:childTnLst>
+        </p:cTn>
+      </p:par>
+    </p:tnLst>
+    <p:bldLst>
+      <p:bldP spid="12" grpId="0"/>
+      <p:bldP spid="4" grpId="0"/>
+      <p:bldP spid="7" grpId="0"/>
+      <p:bldP spid="12" grpId="1"/>
+      <p:bldP spid="4" grpId="1"/>
+      <p:bldP spid="7" grpId="1"/>
+    </p:bldLst>
+  </p:timing>
 </p:sld>
 </file>
 
@@ -3920,6 +4648,112 @@
           <a:chExt cx="0" cy="0"/>
         </a:xfrm>
       </p:grpSpPr>
+      <p:sp>
+        <p:nvSpPr>
+          <p:cNvPr id="58" name="圆角矩形 57"/>
+          <p:cNvSpPr/>
+          <p:nvPr>
+            <p:custDataLst>
+              <p:tags r:id="rId1"/>
+            </p:custDataLst>
+          </p:nvPr>
+        </p:nvSpPr>
+        <p:spPr>
+          <a:xfrm>
+            <a:off x="10287000" y="6149975"/>
+            <a:ext cx="481965" cy="463550"/>
+          </a:xfrm>
+          <a:prstGeom prst="roundRect">
+            <a:avLst/>
+          </a:prstGeom>
+          <a:ln>
+            <a:noFill/>
+          </a:ln>
+          <a:effectLst>
+            <a:outerShdw blurRad="152400" dist="76200" dir="8040000" algn="ctr" rotWithShape="0">
+              <a:srgbClr val="C8C8C8">
+                <a:alpha val="58000"/>
+              </a:srgbClr>
+            </a:outerShdw>
+          </a:effectLst>
+        </p:spPr>
+        <p:style>
+          <a:lnRef idx="2">
+            <a:schemeClr val="accent4">
+              <a:shade val="50000"/>
+            </a:schemeClr>
+          </a:lnRef>
+          <a:fillRef idx="1">
+            <a:schemeClr val="accent4"/>
+          </a:fillRef>
+          <a:effectRef idx="0">
+            <a:schemeClr val="accent4"/>
+          </a:effectRef>
+          <a:fontRef idx="minor">
+            <a:schemeClr val="lt1"/>
+          </a:fontRef>
+        </p:style>
+        <p:txBody>
+          <a:bodyPr rtlCol="0" anchor="ctr"/>
+          <a:p>
+            <a:pPr algn="ctr"/>
+            <a:endParaRPr lang="zh-CN" altLang="en-US"/>
+          </a:p>
+        </p:txBody>
+      </p:sp>
+      <p:sp>
+        <p:nvSpPr>
+          <p:cNvPr id="57" name="圆角矩形 56"/>
+          <p:cNvSpPr/>
+          <p:nvPr>
+            <p:custDataLst>
+              <p:tags r:id="rId2"/>
+            </p:custDataLst>
+          </p:nvPr>
+        </p:nvSpPr>
+        <p:spPr>
+          <a:xfrm>
+            <a:off x="11040745" y="5195570"/>
+            <a:ext cx="860425" cy="871220"/>
+          </a:xfrm>
+          <a:prstGeom prst="roundRect">
+            <a:avLst/>
+          </a:prstGeom>
+          <a:ln>
+            <a:noFill/>
+          </a:ln>
+          <a:effectLst>
+            <a:outerShdw blurRad="152400" dist="76200" dir="8040000" algn="ctr" rotWithShape="0">
+              <a:srgbClr val="C8C8C8">
+                <a:alpha val="58000"/>
+              </a:srgbClr>
+            </a:outerShdw>
+          </a:effectLst>
+        </p:spPr>
+        <p:style>
+          <a:lnRef idx="2">
+            <a:schemeClr val="accent4">
+              <a:shade val="50000"/>
+            </a:schemeClr>
+          </a:lnRef>
+          <a:fillRef idx="1">
+            <a:schemeClr val="accent4"/>
+          </a:fillRef>
+          <a:effectRef idx="0">
+            <a:schemeClr val="accent4"/>
+          </a:effectRef>
+          <a:fontRef idx="minor">
+            <a:schemeClr val="lt1"/>
+          </a:fontRef>
+        </p:style>
+        <p:txBody>
+          <a:bodyPr rtlCol="0" anchor="ctr"/>
+          <a:p>
+            <a:pPr algn="ctr"/>
+            <a:endParaRPr lang="zh-CN" altLang="en-US"/>
+          </a:p>
+        </p:txBody>
+      </p:sp>
       <p:cxnSp>
         <p:nvCxnSpPr>
           <p:cNvPr id="2" name="直接连接符 1"/>
@@ -3928,7 +4762,7 @@
         </p:nvCxnSpPr>
         <p:spPr>
           <a:xfrm flipV="1">
-            <a:off x="245745" y="561975"/>
+            <a:off x="321945" y="691515"/>
             <a:ext cx="11729720" cy="3810"/>
           </a:xfrm>
           <a:prstGeom prst="line">
@@ -3963,7 +4797,7 @@
         </p:nvSpPr>
         <p:spPr>
           <a:xfrm rot="19500000">
-            <a:off x="51435" y="107950"/>
+            <a:off x="127635" y="237490"/>
             <a:ext cx="480060" cy="332105"/>
           </a:xfrm>
           <a:prstGeom prst="roundRect">
@@ -4010,7 +4844,7 @@
         </p:nvSpPr>
         <p:spPr>
           <a:xfrm>
-            <a:off x="584200" y="90170"/>
+            <a:off x="660400" y="219710"/>
             <a:ext cx="4239260" cy="368300"/>
           </a:xfrm>
           <a:prstGeom prst="rect">
@@ -4025,7 +4859,6 @@
           <a:p>
             <a:r>
               <a:rPr lang="zh-CN" altLang="en-US">
-                <a:ln/>
                 <a:solidFill>
                   <a:srgbClr val="FFBA55"/>
                 </a:solidFill>
@@ -4041,7 +4874,6 @@
             </a:r>
             <a:r>
               <a:rPr lang="en-US" altLang="zh-CN">
-                <a:ln/>
                 <a:solidFill>
                   <a:srgbClr val="FFBA55"/>
                 </a:solidFill>
@@ -4053,10 +4885,24 @@
                   </a:outerShdw>
                 </a:effectLst>
               </a:rPr>
-              <a:t>.</a:t>
+              <a:t>. </a:t>
             </a:r>
-            <a:endParaRPr lang="en-US" altLang="zh-CN">
-              <a:ln/>
+            <a:r>
+              <a:rPr lang="zh-CN" altLang="en-US">
+                <a:solidFill>
+                  <a:srgbClr val="FFBA55"/>
+                </a:solidFill>
+                <a:effectLst>
+                  <a:outerShdw blurRad="38100" dist="19050" dir="2700000" algn="tl" rotWithShape="0">
+                    <a:schemeClr val="dk1">
+                      <a:alpha val="40000"/>
+                    </a:schemeClr>
+                  </a:outerShdw>
+                </a:effectLst>
+              </a:rPr>
+              <a:t>研究的背景、目的和意义</a:t>
+            </a:r>
+            <a:endParaRPr lang="zh-CN" altLang="en-US">
               <a:solidFill>
                 <a:srgbClr val="FFBA55"/>
               </a:solidFill>
@@ -4071,14 +4917,1139 @@
           </a:p>
         </p:txBody>
       </p:sp>
+      <p:sp>
+        <p:nvSpPr>
+          <p:cNvPr id="3" name="文本框 2"/>
+          <p:cNvSpPr txBox="1"/>
+          <p:nvPr/>
+        </p:nvSpPr>
+        <p:spPr>
+          <a:xfrm>
+            <a:off x="245745" y="951230"/>
+            <a:ext cx="11730355" cy="5504815"/>
+          </a:xfrm>
+          <a:prstGeom prst="rect">
+            <a:avLst/>
+          </a:prstGeom>
+          <a:noFill/>
+        </p:spPr>
+        <p:txBody>
+          <a:bodyPr wrap="square" rtlCol="0">
+            <a:noAutofit/>
+          </a:bodyPr>
+          <a:p>
+            <a:pPr marL="285750" indent="-285750">
+              <a:buFont typeface="Arial" panose="020B0604020202020204" pitchFamily="34" charset="0"/>
+              <a:buChar char="•"/>
+            </a:pPr>
+            <a:r>
+              <a:rPr lang="zh-CN" altLang="en-US" b="1"/>
+              <a:t>背景</a:t>
+            </a:r>
+            <a:endParaRPr lang="zh-CN" altLang="en-US"/>
+          </a:p>
+          <a:p>
+            <a:pPr marL="285750" indent="-285750">
+              <a:buFont typeface="Arial" panose="020B0604020202020204" pitchFamily="34" charset="0"/>
+              <a:buChar char="•"/>
+            </a:pPr>
+            <a:endParaRPr lang="zh-CN" altLang="en-US"/>
+          </a:p>
+          <a:p>
+            <a:pPr marL="342900" indent="-342900">
+              <a:buFont typeface="Arial" panose="020B0604020202020204" pitchFamily="34" charset="0"/>
+              <a:buAutoNum type="arabicPeriod"/>
+            </a:pPr>
+            <a:r>
+              <a:rPr lang="zh-CN" altLang="en-US">
+                <a:sym typeface="+mn-ea"/>
+              </a:rPr>
+              <a:t>物流作为中国经济发展迅速的代表行业之一。</a:t>
+            </a:r>
+            <a:endParaRPr lang="zh-CN" altLang="en-US">
+              <a:sym typeface="+mn-ea"/>
+            </a:endParaRPr>
+          </a:p>
+          <a:p>
+            <a:pPr marL="342900" indent="-342900">
+              <a:buFont typeface="Arial" panose="020B0604020202020204" pitchFamily="34" charset="0"/>
+              <a:buAutoNum type="arabicPeriod"/>
+            </a:pPr>
+            <a:endParaRPr lang="zh-CN" altLang="en-US">
+              <a:sym typeface="+mn-ea"/>
+            </a:endParaRPr>
+          </a:p>
+          <a:p>
+            <a:pPr marL="342900" indent="-342900">
+              <a:buFont typeface="Arial" panose="020B0604020202020204" pitchFamily="34" charset="0"/>
+              <a:buAutoNum type="arabicPeriod"/>
+            </a:pPr>
+            <a:r>
+              <a:rPr lang="zh-CN" altLang="en-US"/>
+              <a:t>随着科技的发展生活质量的提高，</a:t>
+            </a:r>
+            <a:r>
+              <a:rPr lang="zh-CN" altLang="en-US">
+                <a:sym typeface="+mn-ea"/>
+              </a:rPr>
+              <a:t>我们的购买能力的提升，会有数不胜数的物流信息。</a:t>
+            </a:r>
+            <a:endParaRPr lang="zh-CN" altLang="en-US">
+              <a:sym typeface="+mn-ea"/>
+            </a:endParaRPr>
+          </a:p>
+          <a:p>
+            <a:pPr marL="342900" indent="-342900">
+              <a:buFont typeface="Arial" panose="020B0604020202020204" pitchFamily="34" charset="0"/>
+              <a:buAutoNum type="arabicPeriod"/>
+            </a:pPr>
+            <a:endParaRPr lang="zh-CN" altLang="en-US">
+              <a:sym typeface="+mn-ea"/>
+            </a:endParaRPr>
+          </a:p>
+          <a:p>
+            <a:pPr marL="342900" indent="-342900">
+              <a:buFont typeface="Arial" panose="020B0604020202020204" pitchFamily="34" charset="0"/>
+              <a:buAutoNum type="arabicPeriod"/>
+            </a:pPr>
+            <a:r>
+              <a:rPr lang="zh-CN" altLang="en-US"/>
+              <a:t>物流可视化追踪系统是商城企业</a:t>
+            </a:r>
+            <a:r>
+              <a:rPr lang="en-US" altLang="zh-CN"/>
+              <a:t>/</a:t>
+            </a:r>
+            <a:r>
+              <a:rPr lang="zh-CN" altLang="en-US"/>
+              <a:t>项目对物流进行集中管理中不可缺少的一部分。</a:t>
+            </a:r>
+            <a:endParaRPr lang="zh-CN" altLang="en-US"/>
+          </a:p>
+          <a:p>
+            <a:pPr marL="285750" indent="-285750">
+              <a:buFont typeface="Arial" panose="020B0604020202020204" pitchFamily="34" charset="0"/>
+              <a:buChar char="•"/>
+            </a:pPr>
+            <a:endParaRPr lang="zh-CN" altLang="en-US"/>
+          </a:p>
+          <a:p>
+            <a:pPr marL="285750" indent="-285750">
+              <a:buFont typeface="Arial" panose="020B0604020202020204" pitchFamily="34" charset="0"/>
+              <a:buChar char="•"/>
+            </a:pPr>
+            <a:endParaRPr lang="zh-CN" altLang="en-US"/>
+          </a:p>
+          <a:p>
+            <a:pPr marL="285750" indent="-285750">
+              <a:buFont typeface="Arial" panose="020B0604020202020204" pitchFamily="34" charset="0"/>
+              <a:buChar char="•"/>
+            </a:pPr>
+            <a:r>
+              <a:rPr lang="zh-CN" altLang="en-US" b="1"/>
+              <a:t>目的和意义</a:t>
+            </a:r>
+            <a:endParaRPr lang="zh-CN" altLang="en-US" b="1"/>
+          </a:p>
+          <a:p>
+            <a:pPr marL="285750" indent="-285750">
+              <a:buFont typeface="Arial" panose="020B0604020202020204" pitchFamily="34" charset="0"/>
+              <a:buChar char="•"/>
+            </a:pPr>
+            <a:endParaRPr lang="zh-CN" altLang="en-US"/>
+          </a:p>
+          <a:p>
+            <a:pPr marL="342900" indent="-342900">
+              <a:buFont typeface="Arial" panose="020B0604020202020204" pitchFamily="34" charset="0"/>
+              <a:buAutoNum type="arabicPeriod"/>
+            </a:pPr>
+            <a:r>
+              <a:rPr lang="zh-CN" altLang="en-US">
+                <a:sym typeface="+mn-ea"/>
+              </a:rPr>
+              <a:t>通过该毕业设计课题训练和规范的毕业设计说明书撰写。</a:t>
+            </a:r>
+            <a:endParaRPr lang="zh-CN" altLang="en-US">
+              <a:sym typeface="+mn-ea"/>
+            </a:endParaRPr>
+          </a:p>
+          <a:p>
+            <a:pPr marL="342900" indent="-342900">
+              <a:buFont typeface="Arial" panose="020B0604020202020204" pitchFamily="34" charset="0"/>
+              <a:buAutoNum type="arabicPeriod"/>
+            </a:pPr>
+            <a:endParaRPr lang="zh-CN" altLang="en-US"/>
+          </a:p>
+          <a:p>
+            <a:pPr marL="342900" indent="-342900">
+              <a:buFont typeface="Arial" panose="020B0604020202020204" pitchFamily="34" charset="0"/>
+              <a:buAutoNum type="arabicPeriod"/>
+            </a:pPr>
+            <a:r>
+              <a:rPr lang="zh-CN" altLang="en-US">
+                <a:sym typeface="+mn-ea"/>
+              </a:rPr>
+              <a:t>试图掌握计算机科学与技术专业的基本知识和基本技能。</a:t>
+            </a:r>
+            <a:endParaRPr lang="zh-CN" altLang="en-US"/>
+          </a:p>
+          <a:p>
+            <a:pPr marL="342900" indent="-342900">
+              <a:buFont typeface="Arial" panose="020B0604020202020204" pitchFamily="34" charset="0"/>
+              <a:buAutoNum type="arabicPeriod"/>
+            </a:pPr>
+            <a:endParaRPr lang="zh-CN" altLang="en-US"/>
+          </a:p>
+          <a:p>
+            <a:pPr marL="342900" indent="-342900">
+              <a:buFont typeface="Arial" panose="020B0604020202020204" pitchFamily="34" charset="0"/>
+              <a:buAutoNum type="arabicPeriod"/>
+            </a:pPr>
+            <a:r>
+              <a:rPr lang="zh-CN" altLang="en-US"/>
+              <a:t>研究了WEB GIS技术和车辆路径规划相关技术。</a:t>
+            </a:r>
+            <a:endParaRPr lang="zh-CN" altLang="en-US"/>
+          </a:p>
+          <a:p>
+            <a:pPr marL="342900" indent="-342900">
+              <a:buFont typeface="Arial" panose="020B0604020202020204" pitchFamily="34" charset="0"/>
+              <a:buAutoNum type="arabicPeriod"/>
+            </a:pPr>
+            <a:endParaRPr lang="zh-CN" altLang="en-US"/>
+          </a:p>
+          <a:p>
+            <a:pPr marL="342900" indent="-342900">
+              <a:buFont typeface="Arial" panose="020B0604020202020204" pitchFamily="34" charset="0"/>
+              <a:buAutoNum type="arabicPeriod"/>
+            </a:pPr>
+            <a:r>
+              <a:rPr lang="zh-CN" altLang="en-US"/>
+              <a:t>有效的优化了物流资源配置,提高了物流配送可视化管理水平、物流配送效率和服务质量,具有一定的研究意义和实用价值。</a:t>
+            </a:r>
+            <a:endParaRPr lang="zh-CN" altLang="en-US"/>
+          </a:p>
+        </p:txBody>
+      </p:sp>
     </p:spTree>
     <p:custDataLst>
-      <p:tags r:id="rId1"/>
+      <p:tags r:id="rId3"/>
     </p:custDataLst>
   </p:cSld>
   <p:clrMapOvr>
     <a:masterClrMapping/>
   </p:clrMapOvr>
+  <p:timing>
+    <p:tnLst>
+      <p:par>
+        <p:cTn id="1" dur="indefinite" restart="never" nodeType="tmRoot">
+          <p:childTnLst>
+            <p:seq concurrent="1" nextAc="seek">
+              <p:cTn id="2" dur="indefinite" nodeType="mainSeq">
+                <p:childTnLst>
+                  <p:par>
+                    <p:cTn id="3" fill="hold">
+                      <p:stCondLst>
+                        <p:cond delay="indefinite"/>
+                        <p:cond evt="onBegin" delay="0">
+                          <p:tn val="2"/>
+                        </p:cond>
+                      </p:stCondLst>
+                      <p:childTnLst>
+                        <p:par>
+                          <p:cTn id="4" fill="hold">
+                            <p:stCondLst>
+                              <p:cond delay="0"/>
+                            </p:stCondLst>
+                            <p:childTnLst>
+                              <p:par>
+                                <p:cTn id="5" presetID="2" presetClass="entr" presetSubtype="4" fill="hold" grpId="0" nodeType="withEffect">
+                                  <p:stCondLst>
+                                    <p:cond delay="0"/>
+                                  </p:stCondLst>
+                                  <p:childTnLst>
+                                    <p:set>
+                                      <p:cBhvr>
+                                        <p:cTn id="6" dur="1" fill="hold">
+                                          <p:stCondLst>
+                                            <p:cond delay="0"/>
+                                          </p:stCondLst>
+                                        </p:cTn>
+                                        <p:tgtEl>
+                                          <p:spTgt spid="3"/>
+                                        </p:tgtEl>
+                                        <p:attrNameLst>
+                                          <p:attrName>style.visibility</p:attrName>
+                                        </p:attrNameLst>
+                                      </p:cBhvr>
+                                      <p:to>
+                                        <p:strVal val="visible"/>
+                                      </p:to>
+                                    </p:set>
+                                    <p:anim calcmode="lin" valueType="num">
+                                      <p:cBhvr additive="base">
+                                        <p:cTn id="7" dur="500" fill="hold"/>
+                                        <p:tgtEl>
+                                          <p:spTgt spid="3"/>
+                                        </p:tgtEl>
+                                        <p:attrNameLst>
+                                          <p:attrName>ppt_x</p:attrName>
+                                        </p:attrNameLst>
+                                      </p:cBhvr>
+                                      <p:tavLst>
+                                        <p:tav tm="0">
+                                          <p:val>
+                                            <p:strVal val="#ppt_x"/>
+                                          </p:val>
+                                        </p:tav>
+                                        <p:tav tm="100000">
+                                          <p:val>
+                                            <p:strVal val="#ppt_x"/>
+                                          </p:val>
+                                        </p:tav>
+                                      </p:tavLst>
+                                    </p:anim>
+                                    <p:anim calcmode="lin" valueType="num">
+                                      <p:cBhvr additive="base">
+                                        <p:cTn id="8" dur="500" fill="hold"/>
+                                        <p:tgtEl>
+                                          <p:spTgt spid="3"/>
+                                        </p:tgtEl>
+                                        <p:attrNameLst>
+                                          <p:attrName>ppt_y</p:attrName>
+                                        </p:attrNameLst>
+                                      </p:cBhvr>
+                                      <p:tavLst>
+                                        <p:tav tm="0">
+                                          <p:val>
+                                            <p:strVal val="1+#ppt_h/2"/>
+                                          </p:val>
+                                        </p:tav>
+                                        <p:tav tm="100000">
+                                          <p:val>
+                                            <p:strVal val="#ppt_y"/>
+                                          </p:val>
+                                        </p:tav>
+                                      </p:tavLst>
+                                    </p:anim>
+                                  </p:childTnLst>
+                                </p:cTn>
+                              </p:par>
+                            </p:childTnLst>
+                          </p:cTn>
+                        </p:par>
+                      </p:childTnLst>
+                    </p:cTn>
+                  </p:par>
+                  <p:par>
+                    <p:cTn id="9" fill="hold">
+                      <p:stCondLst>
+                        <p:cond delay="indefinite"/>
+                      </p:stCondLst>
+                      <p:childTnLst>
+                        <p:par>
+                          <p:cTn id="10" fill="hold">
+                            <p:stCondLst>
+                              <p:cond delay="0"/>
+                            </p:stCondLst>
+                            <p:childTnLst>
+                              <p:par>
+                                <p:cTn id="11" presetID="2" presetClass="entr" presetSubtype="4" fill="hold" nodeType="clickEffect">
+                                  <p:stCondLst>
+                                    <p:cond delay="0"/>
+                                  </p:stCondLst>
+                                  <p:childTnLst>
+                                    <p:set>
+                                      <p:cBhvr>
+                                        <p:cTn id="12" dur="1" fill="hold">
+                                          <p:stCondLst>
+                                            <p:cond delay="0"/>
+                                          </p:stCondLst>
+                                        </p:cTn>
+                                        <p:tgtEl>
+                                          <p:spTgt spid="3">
+                                            <p:txEl>
+                                              <p:pRg st="0" end="0"/>
+                                            </p:txEl>
+                                          </p:spTgt>
+                                        </p:tgtEl>
+                                        <p:attrNameLst>
+                                          <p:attrName>style.visibility</p:attrName>
+                                        </p:attrNameLst>
+                                      </p:cBhvr>
+                                      <p:to>
+                                        <p:strVal val="visible"/>
+                                      </p:to>
+                                    </p:set>
+                                    <p:anim calcmode="lin" valueType="num">
+                                      <p:cBhvr additive="base">
+                                        <p:cTn id="13" dur="500" fill="hold"/>
+                                        <p:tgtEl>
+                                          <p:spTgt spid="3">
+                                            <p:txEl>
+                                              <p:pRg st="0" end="0"/>
+                                            </p:txEl>
+                                          </p:spTgt>
+                                        </p:tgtEl>
+                                        <p:attrNameLst>
+                                          <p:attrName>ppt_x</p:attrName>
+                                        </p:attrNameLst>
+                                      </p:cBhvr>
+                                      <p:tavLst>
+                                        <p:tav tm="0">
+                                          <p:val>
+                                            <p:strVal val="#ppt_x"/>
+                                          </p:val>
+                                        </p:tav>
+                                        <p:tav tm="100000">
+                                          <p:val>
+                                            <p:strVal val="#ppt_x"/>
+                                          </p:val>
+                                        </p:tav>
+                                      </p:tavLst>
+                                    </p:anim>
+                                    <p:anim calcmode="lin" valueType="num">
+                                      <p:cBhvr additive="base">
+                                        <p:cTn id="14" dur="500" fill="hold"/>
+                                        <p:tgtEl>
+                                          <p:spTgt spid="3">
+                                            <p:txEl>
+                                              <p:pRg st="0" end="0"/>
+                                            </p:txEl>
+                                          </p:spTgt>
+                                        </p:tgtEl>
+                                        <p:attrNameLst>
+                                          <p:attrName>ppt_y</p:attrName>
+                                        </p:attrNameLst>
+                                      </p:cBhvr>
+                                      <p:tavLst>
+                                        <p:tav tm="0">
+                                          <p:val>
+                                            <p:strVal val="1+#ppt_h/2"/>
+                                          </p:val>
+                                        </p:tav>
+                                        <p:tav tm="100000">
+                                          <p:val>
+                                            <p:strVal val="#ppt_y"/>
+                                          </p:val>
+                                        </p:tav>
+                                      </p:tavLst>
+                                    </p:anim>
+                                  </p:childTnLst>
+                                </p:cTn>
+                              </p:par>
+                              <p:par>
+                                <p:cTn id="15" presetID="2" presetClass="entr" presetSubtype="4" fill="hold" nodeType="withEffect">
+                                  <p:stCondLst>
+                                    <p:cond delay="0"/>
+                                  </p:stCondLst>
+                                  <p:childTnLst>
+                                    <p:set>
+                                      <p:cBhvr>
+                                        <p:cTn id="16" dur="1" fill="hold">
+                                          <p:stCondLst>
+                                            <p:cond delay="0"/>
+                                          </p:stCondLst>
+                                        </p:cTn>
+                                        <p:tgtEl>
+                                          <p:spTgt spid="3">
+                                            <p:txEl>
+                                              <p:pRg st="2" end="2"/>
+                                            </p:txEl>
+                                          </p:spTgt>
+                                        </p:tgtEl>
+                                        <p:attrNameLst>
+                                          <p:attrName>style.visibility</p:attrName>
+                                        </p:attrNameLst>
+                                      </p:cBhvr>
+                                      <p:to>
+                                        <p:strVal val="visible"/>
+                                      </p:to>
+                                    </p:set>
+                                    <p:anim calcmode="lin" valueType="num">
+                                      <p:cBhvr additive="base">
+                                        <p:cTn id="17" dur="500" fill="hold"/>
+                                        <p:tgtEl>
+                                          <p:spTgt spid="3">
+                                            <p:txEl>
+                                              <p:pRg st="2" end="2"/>
+                                            </p:txEl>
+                                          </p:spTgt>
+                                        </p:tgtEl>
+                                        <p:attrNameLst>
+                                          <p:attrName>ppt_x</p:attrName>
+                                        </p:attrNameLst>
+                                      </p:cBhvr>
+                                      <p:tavLst>
+                                        <p:tav tm="0">
+                                          <p:val>
+                                            <p:strVal val="#ppt_x"/>
+                                          </p:val>
+                                        </p:tav>
+                                        <p:tav tm="100000">
+                                          <p:val>
+                                            <p:strVal val="#ppt_x"/>
+                                          </p:val>
+                                        </p:tav>
+                                      </p:tavLst>
+                                    </p:anim>
+                                    <p:anim calcmode="lin" valueType="num">
+                                      <p:cBhvr additive="base">
+                                        <p:cTn id="18" dur="500" fill="hold"/>
+                                        <p:tgtEl>
+                                          <p:spTgt spid="3">
+                                            <p:txEl>
+                                              <p:pRg st="2" end="2"/>
+                                            </p:txEl>
+                                          </p:spTgt>
+                                        </p:tgtEl>
+                                        <p:attrNameLst>
+                                          <p:attrName>ppt_y</p:attrName>
+                                        </p:attrNameLst>
+                                      </p:cBhvr>
+                                      <p:tavLst>
+                                        <p:tav tm="0">
+                                          <p:val>
+                                            <p:strVal val="1+#ppt_h/2"/>
+                                          </p:val>
+                                        </p:tav>
+                                        <p:tav tm="100000">
+                                          <p:val>
+                                            <p:strVal val="#ppt_y"/>
+                                          </p:val>
+                                        </p:tav>
+                                      </p:tavLst>
+                                    </p:anim>
+                                  </p:childTnLst>
+                                </p:cTn>
+                              </p:par>
+                              <p:par>
+                                <p:cTn id="19" presetID="2" presetClass="entr" presetSubtype="4" fill="hold" nodeType="withEffect">
+                                  <p:stCondLst>
+                                    <p:cond delay="0"/>
+                                  </p:stCondLst>
+                                  <p:childTnLst>
+                                    <p:set>
+                                      <p:cBhvr>
+                                        <p:cTn id="20" dur="1" fill="hold">
+                                          <p:stCondLst>
+                                            <p:cond delay="0"/>
+                                          </p:stCondLst>
+                                        </p:cTn>
+                                        <p:tgtEl>
+                                          <p:spTgt spid="3">
+                                            <p:txEl>
+                                              <p:pRg st="4" end="4"/>
+                                            </p:txEl>
+                                          </p:spTgt>
+                                        </p:tgtEl>
+                                        <p:attrNameLst>
+                                          <p:attrName>style.visibility</p:attrName>
+                                        </p:attrNameLst>
+                                      </p:cBhvr>
+                                      <p:to>
+                                        <p:strVal val="visible"/>
+                                      </p:to>
+                                    </p:set>
+                                    <p:anim calcmode="lin" valueType="num">
+                                      <p:cBhvr additive="base">
+                                        <p:cTn id="21" dur="500" fill="hold"/>
+                                        <p:tgtEl>
+                                          <p:spTgt spid="3">
+                                            <p:txEl>
+                                              <p:pRg st="4" end="4"/>
+                                            </p:txEl>
+                                          </p:spTgt>
+                                        </p:tgtEl>
+                                        <p:attrNameLst>
+                                          <p:attrName>ppt_x</p:attrName>
+                                        </p:attrNameLst>
+                                      </p:cBhvr>
+                                      <p:tavLst>
+                                        <p:tav tm="0">
+                                          <p:val>
+                                            <p:strVal val="#ppt_x"/>
+                                          </p:val>
+                                        </p:tav>
+                                        <p:tav tm="100000">
+                                          <p:val>
+                                            <p:strVal val="#ppt_x"/>
+                                          </p:val>
+                                        </p:tav>
+                                      </p:tavLst>
+                                    </p:anim>
+                                    <p:anim calcmode="lin" valueType="num">
+                                      <p:cBhvr additive="base">
+                                        <p:cTn id="22" dur="500" fill="hold"/>
+                                        <p:tgtEl>
+                                          <p:spTgt spid="3">
+                                            <p:txEl>
+                                              <p:pRg st="4" end="4"/>
+                                            </p:txEl>
+                                          </p:spTgt>
+                                        </p:tgtEl>
+                                        <p:attrNameLst>
+                                          <p:attrName>ppt_y</p:attrName>
+                                        </p:attrNameLst>
+                                      </p:cBhvr>
+                                      <p:tavLst>
+                                        <p:tav tm="0">
+                                          <p:val>
+                                            <p:strVal val="1+#ppt_h/2"/>
+                                          </p:val>
+                                        </p:tav>
+                                        <p:tav tm="100000">
+                                          <p:val>
+                                            <p:strVal val="#ppt_y"/>
+                                          </p:val>
+                                        </p:tav>
+                                      </p:tavLst>
+                                    </p:anim>
+                                  </p:childTnLst>
+                                </p:cTn>
+                              </p:par>
+                              <p:par>
+                                <p:cTn id="23" presetID="2" presetClass="entr" presetSubtype="4" fill="hold" nodeType="withEffect">
+                                  <p:stCondLst>
+                                    <p:cond delay="0"/>
+                                  </p:stCondLst>
+                                  <p:childTnLst>
+                                    <p:set>
+                                      <p:cBhvr>
+                                        <p:cTn id="24" dur="1" fill="hold">
+                                          <p:stCondLst>
+                                            <p:cond delay="0"/>
+                                          </p:stCondLst>
+                                        </p:cTn>
+                                        <p:tgtEl>
+                                          <p:spTgt spid="3">
+                                            <p:txEl>
+                                              <p:pRg st="6" end="6"/>
+                                            </p:txEl>
+                                          </p:spTgt>
+                                        </p:tgtEl>
+                                        <p:attrNameLst>
+                                          <p:attrName>style.visibility</p:attrName>
+                                        </p:attrNameLst>
+                                      </p:cBhvr>
+                                      <p:to>
+                                        <p:strVal val="visible"/>
+                                      </p:to>
+                                    </p:set>
+                                    <p:anim calcmode="lin" valueType="num">
+                                      <p:cBhvr additive="base">
+                                        <p:cTn id="25" dur="500" fill="hold"/>
+                                        <p:tgtEl>
+                                          <p:spTgt spid="3">
+                                            <p:txEl>
+                                              <p:pRg st="6" end="6"/>
+                                            </p:txEl>
+                                          </p:spTgt>
+                                        </p:tgtEl>
+                                        <p:attrNameLst>
+                                          <p:attrName>ppt_x</p:attrName>
+                                        </p:attrNameLst>
+                                      </p:cBhvr>
+                                      <p:tavLst>
+                                        <p:tav tm="0">
+                                          <p:val>
+                                            <p:strVal val="#ppt_x"/>
+                                          </p:val>
+                                        </p:tav>
+                                        <p:tav tm="100000">
+                                          <p:val>
+                                            <p:strVal val="#ppt_x"/>
+                                          </p:val>
+                                        </p:tav>
+                                      </p:tavLst>
+                                    </p:anim>
+                                    <p:anim calcmode="lin" valueType="num">
+                                      <p:cBhvr additive="base">
+                                        <p:cTn id="26" dur="500" fill="hold"/>
+                                        <p:tgtEl>
+                                          <p:spTgt spid="3">
+                                            <p:txEl>
+                                              <p:pRg st="6" end="6"/>
+                                            </p:txEl>
+                                          </p:spTgt>
+                                        </p:tgtEl>
+                                        <p:attrNameLst>
+                                          <p:attrName>ppt_y</p:attrName>
+                                        </p:attrNameLst>
+                                      </p:cBhvr>
+                                      <p:tavLst>
+                                        <p:tav tm="0">
+                                          <p:val>
+                                            <p:strVal val="1+#ppt_h/2"/>
+                                          </p:val>
+                                        </p:tav>
+                                        <p:tav tm="100000">
+                                          <p:val>
+                                            <p:strVal val="#ppt_y"/>
+                                          </p:val>
+                                        </p:tav>
+                                      </p:tavLst>
+                                    </p:anim>
+                                  </p:childTnLst>
+                                </p:cTn>
+                              </p:par>
+                              <p:par>
+                                <p:cTn id="27" presetID="2" presetClass="entr" presetSubtype="4" fill="hold" nodeType="withEffect">
+                                  <p:stCondLst>
+                                    <p:cond delay="0"/>
+                                  </p:stCondLst>
+                                  <p:childTnLst>
+                                    <p:set>
+                                      <p:cBhvr>
+                                        <p:cTn id="28" dur="1" fill="hold">
+                                          <p:stCondLst>
+                                            <p:cond delay="0"/>
+                                          </p:stCondLst>
+                                        </p:cTn>
+                                        <p:tgtEl>
+                                          <p:spTgt spid="3">
+                                            <p:txEl>
+                                              <p:pRg st="9" end="9"/>
+                                            </p:txEl>
+                                          </p:spTgt>
+                                        </p:tgtEl>
+                                        <p:attrNameLst>
+                                          <p:attrName>style.visibility</p:attrName>
+                                        </p:attrNameLst>
+                                      </p:cBhvr>
+                                      <p:to>
+                                        <p:strVal val="visible"/>
+                                      </p:to>
+                                    </p:set>
+                                    <p:anim calcmode="lin" valueType="num">
+                                      <p:cBhvr additive="base">
+                                        <p:cTn id="29" dur="500" fill="hold"/>
+                                        <p:tgtEl>
+                                          <p:spTgt spid="3">
+                                            <p:txEl>
+                                              <p:pRg st="9" end="9"/>
+                                            </p:txEl>
+                                          </p:spTgt>
+                                        </p:tgtEl>
+                                        <p:attrNameLst>
+                                          <p:attrName>ppt_x</p:attrName>
+                                        </p:attrNameLst>
+                                      </p:cBhvr>
+                                      <p:tavLst>
+                                        <p:tav tm="0">
+                                          <p:val>
+                                            <p:strVal val="#ppt_x"/>
+                                          </p:val>
+                                        </p:tav>
+                                        <p:tav tm="100000">
+                                          <p:val>
+                                            <p:strVal val="#ppt_x"/>
+                                          </p:val>
+                                        </p:tav>
+                                      </p:tavLst>
+                                    </p:anim>
+                                    <p:anim calcmode="lin" valueType="num">
+                                      <p:cBhvr additive="base">
+                                        <p:cTn id="30" dur="500" fill="hold"/>
+                                        <p:tgtEl>
+                                          <p:spTgt spid="3">
+                                            <p:txEl>
+                                              <p:pRg st="9" end="9"/>
+                                            </p:txEl>
+                                          </p:spTgt>
+                                        </p:tgtEl>
+                                        <p:attrNameLst>
+                                          <p:attrName>ppt_y</p:attrName>
+                                        </p:attrNameLst>
+                                      </p:cBhvr>
+                                      <p:tavLst>
+                                        <p:tav tm="0">
+                                          <p:val>
+                                            <p:strVal val="1+#ppt_h/2"/>
+                                          </p:val>
+                                        </p:tav>
+                                        <p:tav tm="100000">
+                                          <p:val>
+                                            <p:strVal val="#ppt_y"/>
+                                          </p:val>
+                                        </p:tav>
+                                      </p:tavLst>
+                                    </p:anim>
+                                  </p:childTnLst>
+                                </p:cTn>
+                              </p:par>
+                              <p:par>
+                                <p:cTn id="31" presetID="2" presetClass="entr" presetSubtype="4" fill="hold" nodeType="withEffect">
+                                  <p:stCondLst>
+                                    <p:cond delay="0"/>
+                                  </p:stCondLst>
+                                  <p:childTnLst>
+                                    <p:set>
+                                      <p:cBhvr>
+                                        <p:cTn id="32" dur="1" fill="hold">
+                                          <p:stCondLst>
+                                            <p:cond delay="0"/>
+                                          </p:stCondLst>
+                                        </p:cTn>
+                                        <p:tgtEl>
+                                          <p:spTgt spid="3">
+                                            <p:txEl>
+                                              <p:pRg st="11" end="11"/>
+                                            </p:txEl>
+                                          </p:spTgt>
+                                        </p:tgtEl>
+                                        <p:attrNameLst>
+                                          <p:attrName>style.visibility</p:attrName>
+                                        </p:attrNameLst>
+                                      </p:cBhvr>
+                                      <p:to>
+                                        <p:strVal val="visible"/>
+                                      </p:to>
+                                    </p:set>
+                                    <p:anim calcmode="lin" valueType="num">
+                                      <p:cBhvr additive="base">
+                                        <p:cTn id="33" dur="500" fill="hold"/>
+                                        <p:tgtEl>
+                                          <p:spTgt spid="3">
+                                            <p:txEl>
+                                              <p:pRg st="11" end="11"/>
+                                            </p:txEl>
+                                          </p:spTgt>
+                                        </p:tgtEl>
+                                        <p:attrNameLst>
+                                          <p:attrName>ppt_x</p:attrName>
+                                        </p:attrNameLst>
+                                      </p:cBhvr>
+                                      <p:tavLst>
+                                        <p:tav tm="0">
+                                          <p:val>
+                                            <p:strVal val="#ppt_x"/>
+                                          </p:val>
+                                        </p:tav>
+                                        <p:tav tm="100000">
+                                          <p:val>
+                                            <p:strVal val="#ppt_x"/>
+                                          </p:val>
+                                        </p:tav>
+                                      </p:tavLst>
+                                    </p:anim>
+                                    <p:anim calcmode="lin" valueType="num">
+                                      <p:cBhvr additive="base">
+                                        <p:cTn id="34" dur="500" fill="hold"/>
+                                        <p:tgtEl>
+                                          <p:spTgt spid="3">
+                                            <p:txEl>
+                                              <p:pRg st="11" end="11"/>
+                                            </p:txEl>
+                                          </p:spTgt>
+                                        </p:tgtEl>
+                                        <p:attrNameLst>
+                                          <p:attrName>ppt_y</p:attrName>
+                                        </p:attrNameLst>
+                                      </p:cBhvr>
+                                      <p:tavLst>
+                                        <p:tav tm="0">
+                                          <p:val>
+                                            <p:strVal val="1+#ppt_h/2"/>
+                                          </p:val>
+                                        </p:tav>
+                                        <p:tav tm="100000">
+                                          <p:val>
+                                            <p:strVal val="#ppt_y"/>
+                                          </p:val>
+                                        </p:tav>
+                                      </p:tavLst>
+                                    </p:anim>
+                                  </p:childTnLst>
+                                </p:cTn>
+                              </p:par>
+                              <p:par>
+                                <p:cTn id="35" presetID="2" presetClass="entr" presetSubtype="4" fill="hold" nodeType="withEffect">
+                                  <p:stCondLst>
+                                    <p:cond delay="0"/>
+                                  </p:stCondLst>
+                                  <p:childTnLst>
+                                    <p:set>
+                                      <p:cBhvr>
+                                        <p:cTn id="36" dur="1" fill="hold">
+                                          <p:stCondLst>
+                                            <p:cond delay="0"/>
+                                          </p:stCondLst>
+                                        </p:cTn>
+                                        <p:tgtEl>
+                                          <p:spTgt spid="3">
+                                            <p:txEl>
+                                              <p:pRg st="13" end="13"/>
+                                            </p:txEl>
+                                          </p:spTgt>
+                                        </p:tgtEl>
+                                        <p:attrNameLst>
+                                          <p:attrName>style.visibility</p:attrName>
+                                        </p:attrNameLst>
+                                      </p:cBhvr>
+                                      <p:to>
+                                        <p:strVal val="visible"/>
+                                      </p:to>
+                                    </p:set>
+                                    <p:anim calcmode="lin" valueType="num">
+                                      <p:cBhvr additive="base">
+                                        <p:cTn id="37" dur="500" fill="hold"/>
+                                        <p:tgtEl>
+                                          <p:spTgt spid="3">
+                                            <p:txEl>
+                                              <p:pRg st="13" end="13"/>
+                                            </p:txEl>
+                                          </p:spTgt>
+                                        </p:tgtEl>
+                                        <p:attrNameLst>
+                                          <p:attrName>ppt_x</p:attrName>
+                                        </p:attrNameLst>
+                                      </p:cBhvr>
+                                      <p:tavLst>
+                                        <p:tav tm="0">
+                                          <p:val>
+                                            <p:strVal val="#ppt_x"/>
+                                          </p:val>
+                                        </p:tav>
+                                        <p:tav tm="100000">
+                                          <p:val>
+                                            <p:strVal val="#ppt_x"/>
+                                          </p:val>
+                                        </p:tav>
+                                      </p:tavLst>
+                                    </p:anim>
+                                    <p:anim calcmode="lin" valueType="num">
+                                      <p:cBhvr additive="base">
+                                        <p:cTn id="38" dur="500" fill="hold"/>
+                                        <p:tgtEl>
+                                          <p:spTgt spid="3">
+                                            <p:txEl>
+                                              <p:pRg st="13" end="13"/>
+                                            </p:txEl>
+                                          </p:spTgt>
+                                        </p:tgtEl>
+                                        <p:attrNameLst>
+                                          <p:attrName>ppt_y</p:attrName>
+                                        </p:attrNameLst>
+                                      </p:cBhvr>
+                                      <p:tavLst>
+                                        <p:tav tm="0">
+                                          <p:val>
+                                            <p:strVal val="1+#ppt_h/2"/>
+                                          </p:val>
+                                        </p:tav>
+                                        <p:tav tm="100000">
+                                          <p:val>
+                                            <p:strVal val="#ppt_y"/>
+                                          </p:val>
+                                        </p:tav>
+                                      </p:tavLst>
+                                    </p:anim>
+                                  </p:childTnLst>
+                                </p:cTn>
+                              </p:par>
+                              <p:par>
+                                <p:cTn id="39" presetID="2" presetClass="entr" presetSubtype="4" fill="hold" nodeType="withEffect">
+                                  <p:stCondLst>
+                                    <p:cond delay="0"/>
+                                  </p:stCondLst>
+                                  <p:childTnLst>
+                                    <p:set>
+                                      <p:cBhvr>
+                                        <p:cTn id="40" dur="1" fill="hold">
+                                          <p:stCondLst>
+                                            <p:cond delay="0"/>
+                                          </p:stCondLst>
+                                        </p:cTn>
+                                        <p:tgtEl>
+                                          <p:spTgt spid="3">
+                                            <p:txEl>
+                                              <p:pRg st="15" end="15"/>
+                                            </p:txEl>
+                                          </p:spTgt>
+                                        </p:tgtEl>
+                                        <p:attrNameLst>
+                                          <p:attrName>style.visibility</p:attrName>
+                                        </p:attrNameLst>
+                                      </p:cBhvr>
+                                      <p:to>
+                                        <p:strVal val="visible"/>
+                                      </p:to>
+                                    </p:set>
+                                    <p:anim calcmode="lin" valueType="num">
+                                      <p:cBhvr additive="base">
+                                        <p:cTn id="41" dur="500" fill="hold"/>
+                                        <p:tgtEl>
+                                          <p:spTgt spid="3">
+                                            <p:txEl>
+                                              <p:pRg st="15" end="15"/>
+                                            </p:txEl>
+                                          </p:spTgt>
+                                        </p:tgtEl>
+                                        <p:attrNameLst>
+                                          <p:attrName>ppt_x</p:attrName>
+                                        </p:attrNameLst>
+                                      </p:cBhvr>
+                                      <p:tavLst>
+                                        <p:tav tm="0">
+                                          <p:val>
+                                            <p:strVal val="#ppt_x"/>
+                                          </p:val>
+                                        </p:tav>
+                                        <p:tav tm="100000">
+                                          <p:val>
+                                            <p:strVal val="#ppt_x"/>
+                                          </p:val>
+                                        </p:tav>
+                                      </p:tavLst>
+                                    </p:anim>
+                                    <p:anim calcmode="lin" valueType="num">
+                                      <p:cBhvr additive="base">
+                                        <p:cTn id="42" dur="500" fill="hold"/>
+                                        <p:tgtEl>
+                                          <p:spTgt spid="3">
+                                            <p:txEl>
+                                              <p:pRg st="15" end="15"/>
+                                            </p:txEl>
+                                          </p:spTgt>
+                                        </p:tgtEl>
+                                        <p:attrNameLst>
+                                          <p:attrName>ppt_y</p:attrName>
+                                        </p:attrNameLst>
+                                      </p:cBhvr>
+                                      <p:tavLst>
+                                        <p:tav tm="0">
+                                          <p:val>
+                                            <p:strVal val="1+#ppt_h/2"/>
+                                          </p:val>
+                                        </p:tav>
+                                        <p:tav tm="100000">
+                                          <p:val>
+                                            <p:strVal val="#ppt_y"/>
+                                          </p:val>
+                                        </p:tav>
+                                      </p:tavLst>
+                                    </p:anim>
+                                  </p:childTnLst>
+                                </p:cTn>
+                              </p:par>
+                              <p:par>
+                                <p:cTn id="43" presetID="2" presetClass="entr" presetSubtype="4" fill="hold" nodeType="withEffect">
+                                  <p:stCondLst>
+                                    <p:cond delay="0"/>
+                                  </p:stCondLst>
+                                  <p:childTnLst>
+                                    <p:set>
+                                      <p:cBhvr>
+                                        <p:cTn id="44" dur="1" fill="hold">
+                                          <p:stCondLst>
+                                            <p:cond delay="0"/>
+                                          </p:stCondLst>
+                                        </p:cTn>
+                                        <p:tgtEl>
+                                          <p:spTgt spid="3">
+                                            <p:txEl>
+                                              <p:pRg st="17" end="17"/>
+                                            </p:txEl>
+                                          </p:spTgt>
+                                        </p:tgtEl>
+                                        <p:attrNameLst>
+                                          <p:attrName>style.visibility</p:attrName>
+                                        </p:attrNameLst>
+                                      </p:cBhvr>
+                                      <p:to>
+                                        <p:strVal val="visible"/>
+                                      </p:to>
+                                    </p:set>
+                                    <p:anim calcmode="lin" valueType="num">
+                                      <p:cBhvr additive="base">
+                                        <p:cTn id="45" dur="500" fill="hold"/>
+                                        <p:tgtEl>
+                                          <p:spTgt spid="3">
+                                            <p:txEl>
+                                              <p:pRg st="17" end="17"/>
+                                            </p:txEl>
+                                          </p:spTgt>
+                                        </p:tgtEl>
+                                        <p:attrNameLst>
+                                          <p:attrName>ppt_x</p:attrName>
+                                        </p:attrNameLst>
+                                      </p:cBhvr>
+                                      <p:tavLst>
+                                        <p:tav tm="0">
+                                          <p:val>
+                                            <p:strVal val="#ppt_x"/>
+                                          </p:val>
+                                        </p:tav>
+                                        <p:tav tm="100000">
+                                          <p:val>
+                                            <p:strVal val="#ppt_x"/>
+                                          </p:val>
+                                        </p:tav>
+                                      </p:tavLst>
+                                    </p:anim>
+                                    <p:anim calcmode="lin" valueType="num">
+                                      <p:cBhvr additive="base">
+                                        <p:cTn id="46" dur="500" fill="hold"/>
+                                        <p:tgtEl>
+                                          <p:spTgt spid="3">
+                                            <p:txEl>
+                                              <p:pRg st="17" end="17"/>
+                                            </p:txEl>
+                                          </p:spTgt>
+                                        </p:tgtEl>
+                                        <p:attrNameLst>
+                                          <p:attrName>ppt_y</p:attrName>
+                                        </p:attrNameLst>
+                                      </p:cBhvr>
+                                      <p:tavLst>
+                                        <p:tav tm="0">
+                                          <p:val>
+                                            <p:strVal val="1+#ppt_h/2"/>
+                                          </p:val>
+                                        </p:tav>
+                                        <p:tav tm="100000">
+                                          <p:val>
+                                            <p:strVal val="#ppt_y"/>
+                                          </p:val>
+                                        </p:tav>
+                                      </p:tavLst>
+                                    </p:anim>
+                                  </p:childTnLst>
+                                </p:cTn>
+                              </p:par>
+                            </p:childTnLst>
+                          </p:cTn>
+                        </p:par>
+                      </p:childTnLst>
+                    </p:cTn>
+                  </p:par>
+                </p:childTnLst>
+              </p:cTn>
+              <p:prevCondLst>
+                <p:cond evt="onPrev" delay="0">
+                  <p:tgtEl>
+                    <p:sldTgt/>
+                  </p:tgtEl>
+                </p:cond>
+              </p:prevCondLst>
+              <p:nextCondLst>
+                <p:cond evt="onNext" delay="0">
+                  <p:tgtEl>
+                    <p:sldTgt/>
+                  </p:tgtEl>
+                </p:cond>
+              </p:nextCondLst>
+            </p:seq>
+          </p:childTnLst>
+        </p:cTn>
+      </p:par>
+    </p:tnLst>
+    <p:bldLst>
+      <p:bldP spid="3" grpId="0"/>
+      <p:bldP spid="3" grpId="1"/>
+    </p:bldLst>
+  </p:timing>
 </p:sld>
 </file>
 
@@ -4107,7 +6078,7 @@
         </p:nvCxnSpPr>
         <p:spPr>
           <a:xfrm flipV="1">
-            <a:off x="245745" y="561975"/>
+            <a:off x="321945" y="600075"/>
             <a:ext cx="11729720" cy="3810"/>
           </a:xfrm>
           <a:prstGeom prst="line">
@@ -4142,7 +6113,7 @@
         </p:nvSpPr>
         <p:spPr>
           <a:xfrm rot="19500000">
-            <a:off x="51435" y="107950"/>
+            <a:off x="127635" y="146050"/>
             <a:ext cx="480060" cy="332105"/>
           </a:xfrm>
           <a:prstGeom prst="roundRect">
@@ -4189,7 +6160,7 @@
         </p:nvSpPr>
         <p:spPr>
           <a:xfrm>
-            <a:off x="584200" y="90170"/>
+            <a:off x="660400" y="128270"/>
             <a:ext cx="4239260" cy="368300"/>
           </a:xfrm>
           <a:prstGeom prst="rect">
@@ -4232,7 +6203,22 @@
               </a:rPr>
               <a:t>.</a:t>
             </a:r>
-            <a:endParaRPr lang="en-US" altLang="zh-CN">
+            <a:r>
+              <a:rPr lang="zh-CN" altLang="en-US">
+                <a:solidFill>
+                  <a:srgbClr val="FFBA55"/>
+                </a:solidFill>
+                <a:effectLst>
+                  <a:outerShdw blurRad="38100" dist="19050" dir="2700000" algn="tl" rotWithShape="0">
+                    <a:schemeClr val="dk1">
+                      <a:alpha val="40000"/>
+                    </a:schemeClr>
+                  </a:outerShdw>
+                </a:effectLst>
+              </a:rPr>
+              <a:t>课题研究现状及分析</a:t>
+            </a:r>
+            <a:endParaRPr lang="zh-CN" altLang="en-US">
               <a:solidFill>
                 <a:srgbClr val="FFBA55"/>
               </a:solidFill>
@@ -4247,14 +6233,1240 @@
           </a:p>
         </p:txBody>
       </p:sp>
+      <p:sp>
+        <p:nvSpPr>
+          <p:cNvPr id="16" name="圆角矩形 15"/>
+          <p:cNvSpPr/>
+          <p:nvPr>
+            <p:custDataLst>
+              <p:tags r:id="rId1"/>
+            </p:custDataLst>
+          </p:nvPr>
+        </p:nvSpPr>
+        <p:spPr>
+          <a:xfrm>
+            <a:off x="11040745" y="5195570"/>
+            <a:ext cx="860425" cy="871220"/>
+          </a:xfrm>
+          <a:prstGeom prst="roundRect">
+            <a:avLst/>
+          </a:prstGeom>
+          <a:ln>
+            <a:noFill/>
+          </a:ln>
+          <a:effectLst>
+            <a:outerShdw blurRad="152400" dist="76200" dir="8040000" algn="ctr" rotWithShape="0">
+              <a:srgbClr val="C8C8C8">
+                <a:alpha val="58000"/>
+              </a:srgbClr>
+            </a:outerShdw>
+          </a:effectLst>
+        </p:spPr>
+        <p:style>
+          <a:lnRef idx="2">
+            <a:schemeClr val="accent4">
+              <a:shade val="50000"/>
+            </a:schemeClr>
+          </a:lnRef>
+          <a:fillRef idx="1">
+            <a:schemeClr val="accent4"/>
+          </a:fillRef>
+          <a:effectRef idx="0">
+            <a:schemeClr val="accent4"/>
+          </a:effectRef>
+          <a:fontRef idx="minor">
+            <a:schemeClr val="lt1"/>
+          </a:fontRef>
+        </p:style>
+        <p:txBody>
+          <a:bodyPr rtlCol="0" anchor="ctr"/>
+          <a:p>
+            <a:pPr algn="ctr"/>
+            <a:endParaRPr lang="zh-CN" altLang="en-US"/>
+          </a:p>
+        </p:txBody>
+      </p:sp>
+      <p:sp>
+        <p:nvSpPr>
+          <p:cNvPr id="17" name="圆角矩形 16"/>
+          <p:cNvSpPr/>
+          <p:nvPr>
+            <p:custDataLst>
+              <p:tags r:id="rId2"/>
+            </p:custDataLst>
+          </p:nvPr>
+        </p:nvSpPr>
+        <p:spPr>
+          <a:xfrm>
+            <a:off x="10287000" y="6149975"/>
+            <a:ext cx="481965" cy="463550"/>
+          </a:xfrm>
+          <a:prstGeom prst="roundRect">
+            <a:avLst/>
+          </a:prstGeom>
+          <a:ln>
+            <a:noFill/>
+          </a:ln>
+          <a:effectLst>
+            <a:outerShdw blurRad="152400" dist="76200" dir="8040000" algn="ctr" rotWithShape="0">
+              <a:srgbClr val="C8C8C8">
+                <a:alpha val="58000"/>
+              </a:srgbClr>
+            </a:outerShdw>
+          </a:effectLst>
+        </p:spPr>
+        <p:style>
+          <a:lnRef idx="2">
+            <a:schemeClr val="accent4">
+              <a:shade val="50000"/>
+            </a:schemeClr>
+          </a:lnRef>
+          <a:fillRef idx="1">
+            <a:schemeClr val="accent4"/>
+          </a:fillRef>
+          <a:effectRef idx="0">
+            <a:schemeClr val="accent4"/>
+          </a:effectRef>
+          <a:fontRef idx="minor">
+            <a:schemeClr val="lt1"/>
+          </a:fontRef>
+        </p:style>
+        <p:txBody>
+          <a:bodyPr rtlCol="0" anchor="ctr"/>
+          <a:p>
+            <a:pPr algn="ctr"/>
+            <a:endParaRPr lang="zh-CN" altLang="en-US"/>
+          </a:p>
+        </p:txBody>
+      </p:sp>
+      <p:sp>
+        <p:nvSpPr>
+          <p:cNvPr id="5" name="文本框 4"/>
+          <p:cNvSpPr txBox="1"/>
+          <p:nvPr>
+            <p:custDataLst>
+              <p:tags r:id="rId3"/>
+            </p:custDataLst>
+          </p:nvPr>
+        </p:nvSpPr>
+        <p:spPr>
+          <a:xfrm>
+            <a:off x="245745" y="951230"/>
+            <a:ext cx="11730355" cy="5504815"/>
+          </a:xfrm>
+          <a:prstGeom prst="rect">
+            <a:avLst/>
+          </a:prstGeom>
+          <a:noFill/>
+        </p:spPr>
+        <p:txBody>
+          <a:bodyPr wrap="square" rtlCol="0">
+            <a:noAutofit/>
+          </a:bodyPr>
+          <a:p>
+            <a:pPr marL="285750" indent="-285750">
+              <a:buFont typeface="Arial" panose="020B0604020202020204" pitchFamily="34" charset="0"/>
+              <a:buChar char="•"/>
+            </a:pPr>
+            <a:r>
+              <a:rPr lang="zh-CN" altLang="en-US" b="1"/>
+              <a:t>国内发展状况</a:t>
+            </a:r>
+            <a:endParaRPr lang="zh-CN" altLang="en-US" b="1"/>
+          </a:p>
+          <a:p>
+            <a:pPr marL="285750" indent="-285750">
+              <a:buFont typeface="Arial" panose="020B0604020202020204" pitchFamily="34" charset="0"/>
+              <a:buChar char="•"/>
+            </a:pPr>
+            <a:endParaRPr lang="zh-CN" altLang="en-US"/>
+          </a:p>
+          <a:p>
+            <a:pPr marL="342900" indent="-342900">
+              <a:buFont typeface="Arial" panose="020B0604020202020204" pitchFamily="34" charset="0"/>
+              <a:buAutoNum type="arabicPeriod"/>
+            </a:pPr>
+            <a:r>
+              <a:rPr lang="zh-CN" altLang="en-US">
+                <a:sym typeface="+mn-ea"/>
+              </a:rPr>
+              <a:t>我国物流业快速发展，企业信息化正快速推动着企业竞争力。</a:t>
+            </a:r>
+            <a:endParaRPr lang="zh-CN" altLang="en-US">
+              <a:sym typeface="+mn-ea"/>
+            </a:endParaRPr>
+          </a:p>
+          <a:p>
+            <a:pPr marL="342900" indent="-342900">
+              <a:buFont typeface="Arial" panose="020B0604020202020204" pitchFamily="34" charset="0"/>
+              <a:buAutoNum type="arabicPeriod"/>
+            </a:pPr>
+            <a:endParaRPr lang="zh-CN" altLang="en-US">
+              <a:sym typeface="+mn-ea"/>
+            </a:endParaRPr>
+          </a:p>
+          <a:p>
+            <a:pPr marL="342900" indent="-342900">
+              <a:buFont typeface="Arial" panose="020B0604020202020204" pitchFamily="34" charset="0"/>
+              <a:buAutoNum type="arabicPeriod"/>
+            </a:pPr>
+            <a:r>
+              <a:rPr lang="zh-CN" altLang="en-US">
+                <a:sym typeface="+mn-ea"/>
+              </a:rPr>
+              <a:t>现代物流业融合了信息技术的成果，先进的高科技手段和科学完善的组织管理已经成为企业物流管理过程中的一个重要组成部分。</a:t>
+            </a:r>
+            <a:endParaRPr lang="zh-CN" altLang="en-US">
+              <a:sym typeface="+mn-ea"/>
+            </a:endParaRPr>
+          </a:p>
+          <a:p>
+            <a:pPr marL="342900" indent="-342900">
+              <a:buFont typeface="Arial" panose="020B0604020202020204" pitchFamily="34" charset="0"/>
+              <a:buAutoNum type="arabicPeriod"/>
+            </a:pPr>
+            <a:endParaRPr lang="zh-CN" altLang="en-US">
+              <a:sym typeface="+mn-ea"/>
+            </a:endParaRPr>
+          </a:p>
+          <a:p>
+            <a:pPr marL="342900" indent="-342900">
+              <a:buFont typeface="Arial" panose="020B0604020202020204" pitchFamily="34" charset="0"/>
+              <a:buAutoNum type="arabicPeriod"/>
+            </a:pPr>
+            <a:r>
+              <a:rPr lang="zh-CN" altLang="en-US">
+                <a:sym typeface="+mn-ea"/>
+              </a:rPr>
+              <a:t>信息化决策主要靠企业最高管理层。这表明中国企业信息化己经发展到战略层面和市场层面。</a:t>
+            </a:r>
+            <a:endParaRPr lang="zh-CN" altLang="en-US">
+              <a:sym typeface="+mn-ea"/>
+            </a:endParaRPr>
+          </a:p>
+          <a:p>
+            <a:pPr marL="342900" indent="-342900">
+              <a:buFont typeface="Arial" panose="020B0604020202020204" pitchFamily="34" charset="0"/>
+              <a:buAutoNum type="arabicPeriod"/>
+            </a:pPr>
+            <a:endParaRPr lang="zh-CN" altLang="en-US">
+              <a:sym typeface="+mn-ea"/>
+            </a:endParaRPr>
+          </a:p>
+          <a:p>
+            <a:pPr marL="342900" indent="-342900">
+              <a:buFont typeface="Arial" panose="020B0604020202020204" pitchFamily="34" charset="0"/>
+              <a:buAutoNum type="arabicPeriod"/>
+            </a:pPr>
+            <a:r>
+              <a:rPr lang="zh-CN" altLang="en-US">
+                <a:sym typeface="+mn-ea"/>
+              </a:rPr>
+              <a:t>物流管理系统整体还存在功能单一、技术落后等是我国目前存在的主要问题。</a:t>
+            </a:r>
+            <a:endParaRPr lang="zh-CN" altLang="en-US">
+              <a:sym typeface="+mn-ea"/>
+            </a:endParaRPr>
+          </a:p>
+          <a:p>
+            <a:pPr marL="342900" indent="-342900">
+              <a:buFont typeface="Arial" panose="020B0604020202020204" pitchFamily="34" charset="0"/>
+              <a:buAutoNum type="arabicPeriod"/>
+            </a:pPr>
+            <a:endParaRPr lang="zh-CN" altLang="en-US">
+              <a:sym typeface="+mn-ea"/>
+            </a:endParaRPr>
+          </a:p>
+          <a:p>
+            <a:pPr marL="342900" indent="-342900">
+              <a:buFont typeface="Arial" panose="020B0604020202020204" pitchFamily="34" charset="0"/>
+              <a:buAutoNum type="arabicPeriod"/>
+            </a:pPr>
+            <a:r>
+              <a:rPr lang="zh-CN" altLang="en-US">
+                <a:sym typeface="+mn-ea"/>
+              </a:rPr>
+              <a:t>物流信息资源整合能力成为需求企业考查物流软件的主要因素，物流管理系统也正日益成为物流企业发展的“瓶颈”。</a:t>
+            </a:r>
+            <a:endParaRPr lang="zh-CN" altLang="en-US">
+              <a:sym typeface="+mn-ea"/>
+            </a:endParaRPr>
+          </a:p>
+          <a:p>
+            <a:pPr marL="285750" indent="-285750">
+              <a:buFont typeface="Arial" panose="020B0604020202020204" pitchFamily="34" charset="0"/>
+              <a:buChar char="•"/>
+            </a:pPr>
+            <a:endParaRPr lang="zh-CN" altLang="en-US"/>
+          </a:p>
+          <a:p>
+            <a:pPr marL="285750" indent="-285750">
+              <a:buFont typeface="Arial" panose="020B0604020202020204" pitchFamily="34" charset="0"/>
+              <a:buChar char="•"/>
+            </a:pPr>
+            <a:r>
+              <a:rPr lang="zh-CN" altLang="en-US" b="1">
+                <a:sym typeface="+mn-ea"/>
+              </a:rPr>
+              <a:t>国外发展状况</a:t>
+            </a:r>
+            <a:endParaRPr lang="zh-CN" altLang="en-US" b="1">
+              <a:sym typeface="+mn-ea"/>
+            </a:endParaRPr>
+          </a:p>
+          <a:p>
+            <a:pPr marL="285750" indent="-285750">
+              <a:buFont typeface="Arial" panose="020B0604020202020204" pitchFamily="34" charset="0"/>
+              <a:buChar char="•"/>
+            </a:pPr>
+            <a:endParaRPr lang="zh-CN" altLang="en-US"/>
+          </a:p>
+          <a:p>
+            <a:pPr marL="342900" indent="-342900">
+              <a:buFont typeface="Arial" panose="020B0604020202020204" pitchFamily="34" charset="0"/>
+              <a:buAutoNum type="arabicPeriod"/>
+            </a:pPr>
+            <a:r>
+              <a:rPr lang="zh-CN" altLang="en-US"/>
+              <a:t>美国和日本已经走在物流系统发展领域的前列。</a:t>
+            </a:r>
+            <a:endParaRPr lang="zh-CN" altLang="en-US"/>
+          </a:p>
+          <a:p>
+            <a:pPr marL="342900" indent="-342900">
+              <a:buFont typeface="Arial" panose="020B0604020202020204" pitchFamily="34" charset="0"/>
+              <a:buAutoNum type="arabicPeriod"/>
+            </a:pPr>
+            <a:endParaRPr lang="zh-CN" altLang="en-US"/>
+          </a:p>
+          <a:p>
+            <a:pPr marL="342900" indent="-342900">
+              <a:buFont typeface="Arial" panose="020B0604020202020204" pitchFamily="34" charset="0"/>
+              <a:buAutoNum type="arabicPeriod"/>
+            </a:pPr>
+            <a:r>
+              <a:rPr lang="zh-CN" altLang="en-US"/>
+              <a:t>欧洲州怕的现代流起步稍晚，但最近在政府部门与企业的重视下也得到了较大发展。</a:t>
+            </a:r>
+            <a:endParaRPr lang="zh-CN" altLang="en-US"/>
+          </a:p>
+          <a:p>
+            <a:pPr marL="342900" indent="-342900">
+              <a:buFont typeface="Arial" panose="020B0604020202020204" pitchFamily="34" charset="0"/>
+              <a:buAutoNum type="arabicPeriod"/>
+            </a:pPr>
+            <a:endParaRPr lang="zh-CN" altLang="en-US"/>
+          </a:p>
+          <a:p>
+            <a:pPr marL="342900" indent="-342900">
+              <a:buFont typeface="Arial" panose="020B0604020202020204" pitchFamily="34" charset="0"/>
+              <a:buAutoNum type="arabicPeriod"/>
+            </a:pPr>
+            <a:endParaRPr lang="zh-CN" altLang="en-US"/>
+          </a:p>
+        </p:txBody>
+      </p:sp>
     </p:spTree>
     <p:custDataLst>
-      <p:tags r:id="rId1"/>
+      <p:tags r:id="rId4"/>
     </p:custDataLst>
   </p:cSld>
   <p:clrMapOvr>
     <a:masterClrMapping/>
   </p:clrMapOvr>
+  <p:timing>
+    <p:tnLst>
+      <p:par>
+        <p:cTn id="1" dur="indefinite" restart="never" nodeType="tmRoot">
+          <p:childTnLst>
+            <p:seq concurrent="1" nextAc="seek">
+              <p:cTn id="2" dur="indefinite" nodeType="mainSeq">
+                <p:childTnLst>
+                  <p:par>
+                    <p:cTn id="3" fill="hold">
+                      <p:stCondLst>
+                        <p:cond delay="indefinite"/>
+                        <p:cond evt="onBegin" delay="0">
+                          <p:tn val="2"/>
+                        </p:cond>
+                      </p:stCondLst>
+                      <p:childTnLst>
+                        <p:par>
+                          <p:cTn id="4" fill="hold">
+                            <p:stCondLst>
+                              <p:cond delay="0"/>
+                            </p:stCondLst>
+                            <p:childTnLst>
+                              <p:par>
+                                <p:cTn id="5" presetID="2" presetClass="entr" presetSubtype="4" fill="hold" grpId="0" nodeType="withEffect">
+                                  <p:stCondLst>
+                                    <p:cond delay="0"/>
+                                  </p:stCondLst>
+                                  <p:childTnLst>
+                                    <p:set>
+                                      <p:cBhvr>
+                                        <p:cTn id="6" dur="1" fill="hold">
+                                          <p:stCondLst>
+                                            <p:cond delay="0"/>
+                                          </p:stCondLst>
+                                        </p:cTn>
+                                        <p:tgtEl>
+                                          <p:spTgt spid="5"/>
+                                        </p:tgtEl>
+                                        <p:attrNameLst>
+                                          <p:attrName>style.visibility</p:attrName>
+                                        </p:attrNameLst>
+                                      </p:cBhvr>
+                                      <p:to>
+                                        <p:strVal val="visible"/>
+                                      </p:to>
+                                    </p:set>
+                                    <p:anim calcmode="lin" valueType="num">
+                                      <p:cBhvr additive="base">
+                                        <p:cTn id="7" dur="500" fill="hold"/>
+                                        <p:tgtEl>
+                                          <p:spTgt spid="5"/>
+                                        </p:tgtEl>
+                                        <p:attrNameLst>
+                                          <p:attrName>ppt_x</p:attrName>
+                                        </p:attrNameLst>
+                                      </p:cBhvr>
+                                      <p:tavLst>
+                                        <p:tav tm="0">
+                                          <p:val>
+                                            <p:strVal val="#ppt_x"/>
+                                          </p:val>
+                                        </p:tav>
+                                        <p:tav tm="100000">
+                                          <p:val>
+                                            <p:strVal val="#ppt_x"/>
+                                          </p:val>
+                                        </p:tav>
+                                      </p:tavLst>
+                                    </p:anim>
+                                    <p:anim calcmode="lin" valueType="num">
+                                      <p:cBhvr additive="base">
+                                        <p:cTn id="8" dur="500" fill="hold"/>
+                                        <p:tgtEl>
+                                          <p:spTgt spid="5"/>
+                                        </p:tgtEl>
+                                        <p:attrNameLst>
+                                          <p:attrName>ppt_y</p:attrName>
+                                        </p:attrNameLst>
+                                      </p:cBhvr>
+                                      <p:tavLst>
+                                        <p:tav tm="0">
+                                          <p:val>
+                                            <p:strVal val="1+#ppt_h/2"/>
+                                          </p:val>
+                                        </p:tav>
+                                        <p:tav tm="100000">
+                                          <p:val>
+                                            <p:strVal val="#ppt_y"/>
+                                          </p:val>
+                                        </p:tav>
+                                      </p:tavLst>
+                                    </p:anim>
+                                  </p:childTnLst>
+                                </p:cTn>
+                              </p:par>
+                              <p:par>
+                                <p:cTn id="9" presetID="2" presetClass="entr" presetSubtype="4" fill="hold" nodeType="withEffect">
+                                  <p:stCondLst>
+                                    <p:cond delay="0"/>
+                                  </p:stCondLst>
+                                  <p:childTnLst>
+                                    <p:set>
+                                      <p:cBhvr>
+                                        <p:cTn id="10" dur="1" fill="hold">
+                                          <p:stCondLst>
+                                            <p:cond delay="0"/>
+                                          </p:stCondLst>
+                                        </p:cTn>
+                                        <p:tgtEl>
+                                          <p:spTgt spid="5">
+                                            <p:txEl>
+                                              <p:pRg st="0" end="0"/>
+                                            </p:txEl>
+                                          </p:spTgt>
+                                        </p:tgtEl>
+                                        <p:attrNameLst>
+                                          <p:attrName>style.visibility</p:attrName>
+                                        </p:attrNameLst>
+                                      </p:cBhvr>
+                                      <p:to>
+                                        <p:strVal val="visible"/>
+                                      </p:to>
+                                    </p:set>
+                                    <p:anim calcmode="lin" valueType="num">
+                                      <p:cBhvr additive="base">
+                                        <p:cTn id="11" dur="500" fill="hold"/>
+                                        <p:tgtEl>
+                                          <p:spTgt spid="5">
+                                            <p:txEl>
+                                              <p:pRg st="0" end="0"/>
+                                            </p:txEl>
+                                          </p:spTgt>
+                                        </p:tgtEl>
+                                        <p:attrNameLst>
+                                          <p:attrName>ppt_x</p:attrName>
+                                        </p:attrNameLst>
+                                      </p:cBhvr>
+                                      <p:tavLst>
+                                        <p:tav tm="0">
+                                          <p:val>
+                                            <p:strVal val="#ppt_x"/>
+                                          </p:val>
+                                        </p:tav>
+                                        <p:tav tm="100000">
+                                          <p:val>
+                                            <p:strVal val="#ppt_x"/>
+                                          </p:val>
+                                        </p:tav>
+                                      </p:tavLst>
+                                    </p:anim>
+                                    <p:anim calcmode="lin" valueType="num">
+                                      <p:cBhvr additive="base">
+                                        <p:cTn id="12" dur="500" fill="hold"/>
+                                        <p:tgtEl>
+                                          <p:spTgt spid="5">
+                                            <p:txEl>
+                                              <p:pRg st="0" end="0"/>
+                                            </p:txEl>
+                                          </p:spTgt>
+                                        </p:tgtEl>
+                                        <p:attrNameLst>
+                                          <p:attrName>ppt_y</p:attrName>
+                                        </p:attrNameLst>
+                                      </p:cBhvr>
+                                      <p:tavLst>
+                                        <p:tav tm="0">
+                                          <p:val>
+                                            <p:strVal val="1+#ppt_h/2"/>
+                                          </p:val>
+                                        </p:tav>
+                                        <p:tav tm="100000">
+                                          <p:val>
+                                            <p:strVal val="#ppt_y"/>
+                                          </p:val>
+                                        </p:tav>
+                                      </p:tavLst>
+                                    </p:anim>
+                                  </p:childTnLst>
+                                </p:cTn>
+                              </p:par>
+                              <p:par>
+                                <p:cTn id="13" presetID="2" presetClass="entr" presetSubtype="4" fill="hold" nodeType="withEffect">
+                                  <p:stCondLst>
+                                    <p:cond delay="0"/>
+                                  </p:stCondLst>
+                                  <p:childTnLst>
+                                    <p:set>
+                                      <p:cBhvr>
+                                        <p:cTn id="14" dur="1" fill="hold">
+                                          <p:stCondLst>
+                                            <p:cond delay="0"/>
+                                          </p:stCondLst>
+                                        </p:cTn>
+                                        <p:tgtEl>
+                                          <p:spTgt spid="5">
+                                            <p:txEl>
+                                              <p:pRg st="2" end="2"/>
+                                            </p:txEl>
+                                          </p:spTgt>
+                                        </p:tgtEl>
+                                        <p:attrNameLst>
+                                          <p:attrName>style.visibility</p:attrName>
+                                        </p:attrNameLst>
+                                      </p:cBhvr>
+                                      <p:to>
+                                        <p:strVal val="visible"/>
+                                      </p:to>
+                                    </p:set>
+                                    <p:anim calcmode="lin" valueType="num">
+                                      <p:cBhvr additive="base">
+                                        <p:cTn id="15" dur="500" fill="hold"/>
+                                        <p:tgtEl>
+                                          <p:spTgt spid="5">
+                                            <p:txEl>
+                                              <p:pRg st="2" end="2"/>
+                                            </p:txEl>
+                                          </p:spTgt>
+                                        </p:tgtEl>
+                                        <p:attrNameLst>
+                                          <p:attrName>ppt_x</p:attrName>
+                                        </p:attrNameLst>
+                                      </p:cBhvr>
+                                      <p:tavLst>
+                                        <p:tav tm="0">
+                                          <p:val>
+                                            <p:strVal val="#ppt_x"/>
+                                          </p:val>
+                                        </p:tav>
+                                        <p:tav tm="100000">
+                                          <p:val>
+                                            <p:strVal val="#ppt_x"/>
+                                          </p:val>
+                                        </p:tav>
+                                      </p:tavLst>
+                                    </p:anim>
+                                    <p:anim calcmode="lin" valueType="num">
+                                      <p:cBhvr additive="base">
+                                        <p:cTn id="16" dur="500" fill="hold"/>
+                                        <p:tgtEl>
+                                          <p:spTgt spid="5">
+                                            <p:txEl>
+                                              <p:pRg st="2" end="2"/>
+                                            </p:txEl>
+                                          </p:spTgt>
+                                        </p:tgtEl>
+                                        <p:attrNameLst>
+                                          <p:attrName>ppt_y</p:attrName>
+                                        </p:attrNameLst>
+                                      </p:cBhvr>
+                                      <p:tavLst>
+                                        <p:tav tm="0">
+                                          <p:val>
+                                            <p:strVal val="1+#ppt_h/2"/>
+                                          </p:val>
+                                        </p:tav>
+                                        <p:tav tm="100000">
+                                          <p:val>
+                                            <p:strVal val="#ppt_y"/>
+                                          </p:val>
+                                        </p:tav>
+                                      </p:tavLst>
+                                    </p:anim>
+                                  </p:childTnLst>
+                                </p:cTn>
+                              </p:par>
+                              <p:par>
+                                <p:cTn id="17" presetID="2" presetClass="entr" presetSubtype="4" fill="hold" nodeType="withEffect">
+                                  <p:stCondLst>
+                                    <p:cond delay="0"/>
+                                  </p:stCondLst>
+                                  <p:childTnLst>
+                                    <p:set>
+                                      <p:cBhvr>
+                                        <p:cTn id="18" dur="1" fill="hold">
+                                          <p:stCondLst>
+                                            <p:cond delay="0"/>
+                                          </p:stCondLst>
+                                        </p:cTn>
+                                        <p:tgtEl>
+                                          <p:spTgt spid="5">
+                                            <p:txEl>
+                                              <p:pRg st="4" end="4"/>
+                                            </p:txEl>
+                                          </p:spTgt>
+                                        </p:tgtEl>
+                                        <p:attrNameLst>
+                                          <p:attrName>style.visibility</p:attrName>
+                                        </p:attrNameLst>
+                                      </p:cBhvr>
+                                      <p:to>
+                                        <p:strVal val="visible"/>
+                                      </p:to>
+                                    </p:set>
+                                    <p:anim calcmode="lin" valueType="num">
+                                      <p:cBhvr additive="base">
+                                        <p:cTn id="19" dur="500" fill="hold"/>
+                                        <p:tgtEl>
+                                          <p:spTgt spid="5">
+                                            <p:txEl>
+                                              <p:pRg st="4" end="4"/>
+                                            </p:txEl>
+                                          </p:spTgt>
+                                        </p:tgtEl>
+                                        <p:attrNameLst>
+                                          <p:attrName>ppt_x</p:attrName>
+                                        </p:attrNameLst>
+                                      </p:cBhvr>
+                                      <p:tavLst>
+                                        <p:tav tm="0">
+                                          <p:val>
+                                            <p:strVal val="#ppt_x"/>
+                                          </p:val>
+                                        </p:tav>
+                                        <p:tav tm="100000">
+                                          <p:val>
+                                            <p:strVal val="#ppt_x"/>
+                                          </p:val>
+                                        </p:tav>
+                                      </p:tavLst>
+                                    </p:anim>
+                                    <p:anim calcmode="lin" valueType="num">
+                                      <p:cBhvr additive="base">
+                                        <p:cTn id="20" dur="500" fill="hold"/>
+                                        <p:tgtEl>
+                                          <p:spTgt spid="5">
+                                            <p:txEl>
+                                              <p:pRg st="4" end="4"/>
+                                            </p:txEl>
+                                          </p:spTgt>
+                                        </p:tgtEl>
+                                        <p:attrNameLst>
+                                          <p:attrName>ppt_y</p:attrName>
+                                        </p:attrNameLst>
+                                      </p:cBhvr>
+                                      <p:tavLst>
+                                        <p:tav tm="0">
+                                          <p:val>
+                                            <p:strVal val="1+#ppt_h/2"/>
+                                          </p:val>
+                                        </p:tav>
+                                        <p:tav tm="100000">
+                                          <p:val>
+                                            <p:strVal val="#ppt_y"/>
+                                          </p:val>
+                                        </p:tav>
+                                      </p:tavLst>
+                                    </p:anim>
+                                  </p:childTnLst>
+                                </p:cTn>
+                              </p:par>
+                              <p:par>
+                                <p:cTn id="21" presetID="2" presetClass="entr" presetSubtype="4" fill="hold" nodeType="withEffect">
+                                  <p:stCondLst>
+                                    <p:cond delay="0"/>
+                                  </p:stCondLst>
+                                  <p:childTnLst>
+                                    <p:set>
+                                      <p:cBhvr>
+                                        <p:cTn id="22" dur="1" fill="hold">
+                                          <p:stCondLst>
+                                            <p:cond delay="0"/>
+                                          </p:stCondLst>
+                                        </p:cTn>
+                                        <p:tgtEl>
+                                          <p:spTgt spid="5">
+                                            <p:txEl>
+                                              <p:pRg st="6" end="6"/>
+                                            </p:txEl>
+                                          </p:spTgt>
+                                        </p:tgtEl>
+                                        <p:attrNameLst>
+                                          <p:attrName>style.visibility</p:attrName>
+                                        </p:attrNameLst>
+                                      </p:cBhvr>
+                                      <p:to>
+                                        <p:strVal val="visible"/>
+                                      </p:to>
+                                    </p:set>
+                                    <p:anim calcmode="lin" valueType="num">
+                                      <p:cBhvr additive="base">
+                                        <p:cTn id="23" dur="500" fill="hold"/>
+                                        <p:tgtEl>
+                                          <p:spTgt spid="5">
+                                            <p:txEl>
+                                              <p:pRg st="6" end="6"/>
+                                            </p:txEl>
+                                          </p:spTgt>
+                                        </p:tgtEl>
+                                        <p:attrNameLst>
+                                          <p:attrName>ppt_x</p:attrName>
+                                        </p:attrNameLst>
+                                      </p:cBhvr>
+                                      <p:tavLst>
+                                        <p:tav tm="0">
+                                          <p:val>
+                                            <p:strVal val="#ppt_x"/>
+                                          </p:val>
+                                        </p:tav>
+                                        <p:tav tm="100000">
+                                          <p:val>
+                                            <p:strVal val="#ppt_x"/>
+                                          </p:val>
+                                        </p:tav>
+                                      </p:tavLst>
+                                    </p:anim>
+                                    <p:anim calcmode="lin" valueType="num">
+                                      <p:cBhvr additive="base">
+                                        <p:cTn id="24" dur="500" fill="hold"/>
+                                        <p:tgtEl>
+                                          <p:spTgt spid="5">
+                                            <p:txEl>
+                                              <p:pRg st="6" end="6"/>
+                                            </p:txEl>
+                                          </p:spTgt>
+                                        </p:tgtEl>
+                                        <p:attrNameLst>
+                                          <p:attrName>ppt_y</p:attrName>
+                                        </p:attrNameLst>
+                                      </p:cBhvr>
+                                      <p:tavLst>
+                                        <p:tav tm="0">
+                                          <p:val>
+                                            <p:strVal val="1+#ppt_h/2"/>
+                                          </p:val>
+                                        </p:tav>
+                                        <p:tav tm="100000">
+                                          <p:val>
+                                            <p:strVal val="#ppt_y"/>
+                                          </p:val>
+                                        </p:tav>
+                                      </p:tavLst>
+                                    </p:anim>
+                                  </p:childTnLst>
+                                </p:cTn>
+                              </p:par>
+                              <p:par>
+                                <p:cTn id="25" presetID="2" presetClass="entr" presetSubtype="4" fill="hold" nodeType="withEffect">
+                                  <p:stCondLst>
+                                    <p:cond delay="0"/>
+                                  </p:stCondLst>
+                                  <p:childTnLst>
+                                    <p:set>
+                                      <p:cBhvr>
+                                        <p:cTn id="26" dur="1" fill="hold">
+                                          <p:stCondLst>
+                                            <p:cond delay="0"/>
+                                          </p:stCondLst>
+                                        </p:cTn>
+                                        <p:tgtEl>
+                                          <p:spTgt spid="5">
+                                            <p:txEl>
+                                              <p:pRg st="8" end="8"/>
+                                            </p:txEl>
+                                          </p:spTgt>
+                                        </p:tgtEl>
+                                        <p:attrNameLst>
+                                          <p:attrName>style.visibility</p:attrName>
+                                        </p:attrNameLst>
+                                      </p:cBhvr>
+                                      <p:to>
+                                        <p:strVal val="visible"/>
+                                      </p:to>
+                                    </p:set>
+                                    <p:anim calcmode="lin" valueType="num">
+                                      <p:cBhvr additive="base">
+                                        <p:cTn id="27" dur="500" fill="hold"/>
+                                        <p:tgtEl>
+                                          <p:spTgt spid="5">
+                                            <p:txEl>
+                                              <p:pRg st="8" end="8"/>
+                                            </p:txEl>
+                                          </p:spTgt>
+                                        </p:tgtEl>
+                                        <p:attrNameLst>
+                                          <p:attrName>ppt_x</p:attrName>
+                                        </p:attrNameLst>
+                                      </p:cBhvr>
+                                      <p:tavLst>
+                                        <p:tav tm="0">
+                                          <p:val>
+                                            <p:strVal val="#ppt_x"/>
+                                          </p:val>
+                                        </p:tav>
+                                        <p:tav tm="100000">
+                                          <p:val>
+                                            <p:strVal val="#ppt_x"/>
+                                          </p:val>
+                                        </p:tav>
+                                      </p:tavLst>
+                                    </p:anim>
+                                    <p:anim calcmode="lin" valueType="num">
+                                      <p:cBhvr additive="base">
+                                        <p:cTn id="28" dur="500" fill="hold"/>
+                                        <p:tgtEl>
+                                          <p:spTgt spid="5">
+                                            <p:txEl>
+                                              <p:pRg st="8" end="8"/>
+                                            </p:txEl>
+                                          </p:spTgt>
+                                        </p:tgtEl>
+                                        <p:attrNameLst>
+                                          <p:attrName>ppt_y</p:attrName>
+                                        </p:attrNameLst>
+                                      </p:cBhvr>
+                                      <p:tavLst>
+                                        <p:tav tm="0">
+                                          <p:val>
+                                            <p:strVal val="1+#ppt_h/2"/>
+                                          </p:val>
+                                        </p:tav>
+                                        <p:tav tm="100000">
+                                          <p:val>
+                                            <p:strVal val="#ppt_y"/>
+                                          </p:val>
+                                        </p:tav>
+                                      </p:tavLst>
+                                    </p:anim>
+                                  </p:childTnLst>
+                                </p:cTn>
+                              </p:par>
+                              <p:par>
+                                <p:cTn id="29" presetID="2" presetClass="entr" presetSubtype="4" fill="hold" nodeType="withEffect">
+                                  <p:stCondLst>
+                                    <p:cond delay="0"/>
+                                  </p:stCondLst>
+                                  <p:childTnLst>
+                                    <p:set>
+                                      <p:cBhvr>
+                                        <p:cTn id="30" dur="1" fill="hold">
+                                          <p:stCondLst>
+                                            <p:cond delay="0"/>
+                                          </p:stCondLst>
+                                        </p:cTn>
+                                        <p:tgtEl>
+                                          <p:spTgt spid="5">
+                                            <p:txEl>
+                                              <p:pRg st="10" end="10"/>
+                                            </p:txEl>
+                                          </p:spTgt>
+                                        </p:tgtEl>
+                                        <p:attrNameLst>
+                                          <p:attrName>style.visibility</p:attrName>
+                                        </p:attrNameLst>
+                                      </p:cBhvr>
+                                      <p:to>
+                                        <p:strVal val="visible"/>
+                                      </p:to>
+                                    </p:set>
+                                    <p:anim calcmode="lin" valueType="num">
+                                      <p:cBhvr additive="base">
+                                        <p:cTn id="31" dur="500" fill="hold"/>
+                                        <p:tgtEl>
+                                          <p:spTgt spid="5">
+                                            <p:txEl>
+                                              <p:pRg st="10" end="10"/>
+                                            </p:txEl>
+                                          </p:spTgt>
+                                        </p:tgtEl>
+                                        <p:attrNameLst>
+                                          <p:attrName>ppt_x</p:attrName>
+                                        </p:attrNameLst>
+                                      </p:cBhvr>
+                                      <p:tavLst>
+                                        <p:tav tm="0">
+                                          <p:val>
+                                            <p:strVal val="#ppt_x"/>
+                                          </p:val>
+                                        </p:tav>
+                                        <p:tav tm="100000">
+                                          <p:val>
+                                            <p:strVal val="#ppt_x"/>
+                                          </p:val>
+                                        </p:tav>
+                                      </p:tavLst>
+                                    </p:anim>
+                                    <p:anim calcmode="lin" valueType="num">
+                                      <p:cBhvr additive="base">
+                                        <p:cTn id="32" dur="500" fill="hold"/>
+                                        <p:tgtEl>
+                                          <p:spTgt spid="5">
+                                            <p:txEl>
+                                              <p:pRg st="10" end="10"/>
+                                            </p:txEl>
+                                          </p:spTgt>
+                                        </p:tgtEl>
+                                        <p:attrNameLst>
+                                          <p:attrName>ppt_y</p:attrName>
+                                        </p:attrNameLst>
+                                      </p:cBhvr>
+                                      <p:tavLst>
+                                        <p:tav tm="0">
+                                          <p:val>
+                                            <p:strVal val="1+#ppt_h/2"/>
+                                          </p:val>
+                                        </p:tav>
+                                        <p:tav tm="100000">
+                                          <p:val>
+                                            <p:strVal val="#ppt_y"/>
+                                          </p:val>
+                                        </p:tav>
+                                      </p:tavLst>
+                                    </p:anim>
+                                  </p:childTnLst>
+                                </p:cTn>
+                              </p:par>
+                              <p:par>
+                                <p:cTn id="33" presetID="2" presetClass="entr" presetSubtype="4" fill="hold" nodeType="withEffect">
+                                  <p:stCondLst>
+                                    <p:cond delay="0"/>
+                                  </p:stCondLst>
+                                  <p:childTnLst>
+                                    <p:set>
+                                      <p:cBhvr>
+                                        <p:cTn id="34" dur="1" fill="hold">
+                                          <p:stCondLst>
+                                            <p:cond delay="0"/>
+                                          </p:stCondLst>
+                                        </p:cTn>
+                                        <p:tgtEl>
+                                          <p:spTgt spid="5">
+                                            <p:txEl>
+                                              <p:pRg st="12" end="12"/>
+                                            </p:txEl>
+                                          </p:spTgt>
+                                        </p:tgtEl>
+                                        <p:attrNameLst>
+                                          <p:attrName>style.visibility</p:attrName>
+                                        </p:attrNameLst>
+                                      </p:cBhvr>
+                                      <p:to>
+                                        <p:strVal val="visible"/>
+                                      </p:to>
+                                    </p:set>
+                                    <p:anim calcmode="lin" valueType="num">
+                                      <p:cBhvr additive="base">
+                                        <p:cTn id="35" dur="500" fill="hold"/>
+                                        <p:tgtEl>
+                                          <p:spTgt spid="5">
+                                            <p:txEl>
+                                              <p:pRg st="12" end="12"/>
+                                            </p:txEl>
+                                          </p:spTgt>
+                                        </p:tgtEl>
+                                        <p:attrNameLst>
+                                          <p:attrName>ppt_x</p:attrName>
+                                        </p:attrNameLst>
+                                      </p:cBhvr>
+                                      <p:tavLst>
+                                        <p:tav tm="0">
+                                          <p:val>
+                                            <p:strVal val="#ppt_x"/>
+                                          </p:val>
+                                        </p:tav>
+                                        <p:tav tm="100000">
+                                          <p:val>
+                                            <p:strVal val="#ppt_x"/>
+                                          </p:val>
+                                        </p:tav>
+                                      </p:tavLst>
+                                    </p:anim>
+                                    <p:anim calcmode="lin" valueType="num">
+                                      <p:cBhvr additive="base">
+                                        <p:cTn id="36" dur="500" fill="hold"/>
+                                        <p:tgtEl>
+                                          <p:spTgt spid="5">
+                                            <p:txEl>
+                                              <p:pRg st="12" end="12"/>
+                                            </p:txEl>
+                                          </p:spTgt>
+                                        </p:tgtEl>
+                                        <p:attrNameLst>
+                                          <p:attrName>ppt_y</p:attrName>
+                                        </p:attrNameLst>
+                                      </p:cBhvr>
+                                      <p:tavLst>
+                                        <p:tav tm="0">
+                                          <p:val>
+                                            <p:strVal val="1+#ppt_h/2"/>
+                                          </p:val>
+                                        </p:tav>
+                                        <p:tav tm="100000">
+                                          <p:val>
+                                            <p:strVal val="#ppt_y"/>
+                                          </p:val>
+                                        </p:tav>
+                                      </p:tavLst>
+                                    </p:anim>
+                                  </p:childTnLst>
+                                </p:cTn>
+                              </p:par>
+                              <p:par>
+                                <p:cTn id="37" presetID="2" presetClass="entr" presetSubtype="4" fill="hold" nodeType="withEffect">
+                                  <p:stCondLst>
+                                    <p:cond delay="0"/>
+                                  </p:stCondLst>
+                                  <p:childTnLst>
+                                    <p:set>
+                                      <p:cBhvr>
+                                        <p:cTn id="38" dur="1" fill="hold">
+                                          <p:stCondLst>
+                                            <p:cond delay="0"/>
+                                          </p:stCondLst>
+                                        </p:cTn>
+                                        <p:tgtEl>
+                                          <p:spTgt spid="5">
+                                            <p:txEl>
+                                              <p:pRg st="14" end="14"/>
+                                            </p:txEl>
+                                          </p:spTgt>
+                                        </p:tgtEl>
+                                        <p:attrNameLst>
+                                          <p:attrName>style.visibility</p:attrName>
+                                        </p:attrNameLst>
+                                      </p:cBhvr>
+                                      <p:to>
+                                        <p:strVal val="visible"/>
+                                      </p:to>
+                                    </p:set>
+                                    <p:anim calcmode="lin" valueType="num">
+                                      <p:cBhvr additive="base">
+                                        <p:cTn id="39" dur="500" fill="hold"/>
+                                        <p:tgtEl>
+                                          <p:spTgt spid="5">
+                                            <p:txEl>
+                                              <p:pRg st="14" end="14"/>
+                                            </p:txEl>
+                                          </p:spTgt>
+                                        </p:tgtEl>
+                                        <p:attrNameLst>
+                                          <p:attrName>ppt_x</p:attrName>
+                                        </p:attrNameLst>
+                                      </p:cBhvr>
+                                      <p:tavLst>
+                                        <p:tav tm="0">
+                                          <p:val>
+                                            <p:strVal val="#ppt_x"/>
+                                          </p:val>
+                                        </p:tav>
+                                        <p:tav tm="100000">
+                                          <p:val>
+                                            <p:strVal val="#ppt_x"/>
+                                          </p:val>
+                                        </p:tav>
+                                      </p:tavLst>
+                                    </p:anim>
+                                    <p:anim calcmode="lin" valueType="num">
+                                      <p:cBhvr additive="base">
+                                        <p:cTn id="40" dur="500" fill="hold"/>
+                                        <p:tgtEl>
+                                          <p:spTgt spid="5">
+                                            <p:txEl>
+                                              <p:pRg st="14" end="14"/>
+                                            </p:txEl>
+                                          </p:spTgt>
+                                        </p:tgtEl>
+                                        <p:attrNameLst>
+                                          <p:attrName>ppt_y</p:attrName>
+                                        </p:attrNameLst>
+                                      </p:cBhvr>
+                                      <p:tavLst>
+                                        <p:tav tm="0">
+                                          <p:val>
+                                            <p:strVal val="1+#ppt_h/2"/>
+                                          </p:val>
+                                        </p:tav>
+                                        <p:tav tm="100000">
+                                          <p:val>
+                                            <p:strVal val="#ppt_y"/>
+                                          </p:val>
+                                        </p:tav>
+                                      </p:tavLst>
+                                    </p:anim>
+                                  </p:childTnLst>
+                                </p:cTn>
+                              </p:par>
+                              <p:par>
+                                <p:cTn id="41" presetID="2" presetClass="entr" presetSubtype="4" fill="hold" nodeType="withEffect">
+                                  <p:stCondLst>
+                                    <p:cond delay="0"/>
+                                  </p:stCondLst>
+                                  <p:childTnLst>
+                                    <p:set>
+                                      <p:cBhvr>
+                                        <p:cTn id="42" dur="1" fill="hold">
+                                          <p:stCondLst>
+                                            <p:cond delay="0"/>
+                                          </p:stCondLst>
+                                        </p:cTn>
+                                        <p:tgtEl>
+                                          <p:spTgt spid="5">
+                                            <p:txEl>
+                                              <p:pRg st="16" end="16"/>
+                                            </p:txEl>
+                                          </p:spTgt>
+                                        </p:tgtEl>
+                                        <p:attrNameLst>
+                                          <p:attrName>style.visibility</p:attrName>
+                                        </p:attrNameLst>
+                                      </p:cBhvr>
+                                      <p:to>
+                                        <p:strVal val="visible"/>
+                                      </p:to>
+                                    </p:set>
+                                    <p:anim calcmode="lin" valueType="num">
+                                      <p:cBhvr additive="base">
+                                        <p:cTn id="43" dur="500" fill="hold"/>
+                                        <p:tgtEl>
+                                          <p:spTgt spid="5">
+                                            <p:txEl>
+                                              <p:pRg st="16" end="16"/>
+                                            </p:txEl>
+                                          </p:spTgt>
+                                        </p:tgtEl>
+                                        <p:attrNameLst>
+                                          <p:attrName>ppt_x</p:attrName>
+                                        </p:attrNameLst>
+                                      </p:cBhvr>
+                                      <p:tavLst>
+                                        <p:tav tm="0">
+                                          <p:val>
+                                            <p:strVal val="#ppt_x"/>
+                                          </p:val>
+                                        </p:tav>
+                                        <p:tav tm="100000">
+                                          <p:val>
+                                            <p:strVal val="#ppt_x"/>
+                                          </p:val>
+                                        </p:tav>
+                                      </p:tavLst>
+                                    </p:anim>
+                                    <p:anim calcmode="lin" valueType="num">
+                                      <p:cBhvr additive="base">
+                                        <p:cTn id="44" dur="500" fill="hold"/>
+                                        <p:tgtEl>
+                                          <p:spTgt spid="5">
+                                            <p:txEl>
+                                              <p:pRg st="16" end="16"/>
+                                            </p:txEl>
+                                          </p:spTgt>
+                                        </p:tgtEl>
+                                        <p:attrNameLst>
+                                          <p:attrName>ppt_y</p:attrName>
+                                        </p:attrNameLst>
+                                      </p:cBhvr>
+                                      <p:tavLst>
+                                        <p:tav tm="0">
+                                          <p:val>
+                                            <p:strVal val="1+#ppt_h/2"/>
+                                          </p:val>
+                                        </p:tav>
+                                        <p:tav tm="100000">
+                                          <p:val>
+                                            <p:strVal val="#ppt_y"/>
+                                          </p:val>
+                                        </p:tav>
+                                      </p:tavLst>
+                                    </p:anim>
+                                  </p:childTnLst>
+                                </p:cTn>
+                              </p:par>
+                            </p:childTnLst>
+                          </p:cTn>
+                        </p:par>
+                      </p:childTnLst>
+                    </p:cTn>
+                  </p:par>
+                </p:childTnLst>
+              </p:cTn>
+              <p:prevCondLst>
+                <p:cond evt="onPrev" delay="0">
+                  <p:tgtEl>
+                    <p:sldTgt/>
+                  </p:tgtEl>
+                </p:cond>
+              </p:prevCondLst>
+              <p:nextCondLst>
+                <p:cond evt="onNext" delay="0">
+                  <p:tgtEl>
+                    <p:sldTgt/>
+                  </p:tgtEl>
+                </p:cond>
+              </p:nextCondLst>
+            </p:seq>
+          </p:childTnLst>
+        </p:cTn>
+      </p:par>
+    </p:tnLst>
+    <p:bldLst>
+      <p:bldP spid="5" grpId="0"/>
+      <p:bldP spid="5" grpId="1"/>
+    </p:bldLst>
+  </p:timing>
 </p:sld>
 </file>
 
@@ -4283,7 +7495,7 @@
         </p:nvCxnSpPr>
         <p:spPr>
           <a:xfrm flipV="1">
-            <a:off x="245745" y="561975"/>
+            <a:off x="283845" y="600075"/>
             <a:ext cx="11729720" cy="3810"/>
           </a:xfrm>
           <a:prstGeom prst="line">
@@ -4318,7 +7530,7 @@
         </p:nvSpPr>
         <p:spPr>
           <a:xfrm rot="19500000">
-            <a:off x="51435" y="107950"/>
+            <a:off x="89535" y="146050"/>
             <a:ext cx="480060" cy="332105"/>
           </a:xfrm>
           <a:prstGeom prst="roundRect">
@@ -4365,7 +7577,7 @@
         </p:nvSpPr>
         <p:spPr>
           <a:xfrm>
-            <a:off x="584200" y="90170"/>
+            <a:off x="622300" y="128270"/>
             <a:ext cx="4239260" cy="368300"/>
           </a:xfrm>
           <a:prstGeom prst="rect">
@@ -4406,9 +7618,24 @@
                   </a:outerShdw>
                 </a:effectLst>
               </a:rPr>
-              <a:t>.</a:t>
+              <a:t>.研究</a:t>
             </a:r>
-            <a:endParaRPr lang="en-US" altLang="zh-CN">
+            <a:r>
+              <a:rPr lang="zh-CN" altLang="en-US">
+                <a:solidFill>
+                  <a:srgbClr val="FFBA55"/>
+                </a:solidFill>
+                <a:effectLst>
+                  <a:outerShdw blurRad="38100" dist="19050" dir="2700000" algn="tl" rotWithShape="0">
+                    <a:schemeClr val="dk1">
+                      <a:alpha val="40000"/>
+                    </a:schemeClr>
+                  </a:outerShdw>
+                </a:effectLst>
+              </a:rPr>
+              <a:t>内容</a:t>
+            </a:r>
+            <a:endParaRPr lang="zh-CN" altLang="en-US">
               <a:solidFill>
                 <a:srgbClr val="FFBA55"/>
               </a:solidFill>
@@ -4423,14 +7650,614 @@
           </a:p>
         </p:txBody>
       </p:sp>
+      <p:sp>
+        <p:nvSpPr>
+          <p:cNvPr id="16" name="圆角矩形 15"/>
+          <p:cNvSpPr/>
+          <p:nvPr>
+            <p:custDataLst>
+              <p:tags r:id="rId1"/>
+            </p:custDataLst>
+          </p:nvPr>
+        </p:nvSpPr>
+        <p:spPr>
+          <a:xfrm>
+            <a:off x="11040745" y="5195570"/>
+            <a:ext cx="860425" cy="871220"/>
+          </a:xfrm>
+          <a:prstGeom prst="roundRect">
+            <a:avLst/>
+          </a:prstGeom>
+          <a:ln>
+            <a:noFill/>
+          </a:ln>
+          <a:effectLst>
+            <a:outerShdw blurRad="152400" dist="76200" dir="8040000" algn="ctr" rotWithShape="0">
+              <a:srgbClr val="C8C8C8">
+                <a:alpha val="58000"/>
+              </a:srgbClr>
+            </a:outerShdw>
+          </a:effectLst>
+        </p:spPr>
+        <p:style>
+          <a:lnRef idx="2">
+            <a:schemeClr val="accent4">
+              <a:shade val="50000"/>
+            </a:schemeClr>
+          </a:lnRef>
+          <a:fillRef idx="1">
+            <a:schemeClr val="accent4"/>
+          </a:fillRef>
+          <a:effectRef idx="0">
+            <a:schemeClr val="accent4"/>
+          </a:effectRef>
+          <a:fontRef idx="minor">
+            <a:schemeClr val="lt1"/>
+          </a:fontRef>
+        </p:style>
+        <p:txBody>
+          <a:bodyPr rtlCol="0" anchor="ctr"/>
+          <a:p>
+            <a:pPr algn="ctr"/>
+            <a:endParaRPr lang="zh-CN" altLang="en-US"/>
+          </a:p>
+        </p:txBody>
+      </p:sp>
+      <p:sp>
+        <p:nvSpPr>
+          <p:cNvPr id="17" name="圆角矩形 16"/>
+          <p:cNvSpPr/>
+          <p:nvPr>
+            <p:custDataLst>
+              <p:tags r:id="rId2"/>
+            </p:custDataLst>
+          </p:nvPr>
+        </p:nvSpPr>
+        <p:spPr>
+          <a:xfrm>
+            <a:off x="10287000" y="6149975"/>
+            <a:ext cx="481965" cy="463550"/>
+          </a:xfrm>
+          <a:prstGeom prst="roundRect">
+            <a:avLst/>
+          </a:prstGeom>
+          <a:ln>
+            <a:noFill/>
+          </a:ln>
+          <a:effectLst>
+            <a:outerShdw blurRad="152400" dist="76200" dir="8040000" algn="ctr" rotWithShape="0">
+              <a:srgbClr val="C8C8C8">
+                <a:alpha val="58000"/>
+              </a:srgbClr>
+            </a:outerShdw>
+          </a:effectLst>
+        </p:spPr>
+        <p:style>
+          <a:lnRef idx="2">
+            <a:schemeClr val="accent4">
+              <a:shade val="50000"/>
+            </a:schemeClr>
+          </a:lnRef>
+          <a:fillRef idx="1">
+            <a:schemeClr val="accent4"/>
+          </a:fillRef>
+          <a:effectRef idx="0">
+            <a:schemeClr val="accent4"/>
+          </a:effectRef>
+          <a:fontRef idx="minor">
+            <a:schemeClr val="lt1"/>
+          </a:fontRef>
+        </p:style>
+        <p:txBody>
+          <a:bodyPr rtlCol="0" anchor="ctr"/>
+          <a:p>
+            <a:pPr algn="ctr"/>
+            <a:endParaRPr lang="zh-CN" altLang="en-US"/>
+          </a:p>
+        </p:txBody>
+      </p:sp>
+      <p:sp>
+        <p:nvSpPr>
+          <p:cNvPr id="5" name="文本框 4"/>
+          <p:cNvSpPr txBox="1"/>
+          <p:nvPr>
+            <p:custDataLst>
+              <p:tags r:id="rId3"/>
+            </p:custDataLst>
+          </p:nvPr>
+        </p:nvSpPr>
+        <p:spPr>
+          <a:xfrm>
+            <a:off x="245745" y="951230"/>
+            <a:ext cx="11730355" cy="5504815"/>
+          </a:xfrm>
+          <a:prstGeom prst="rect">
+            <a:avLst/>
+          </a:prstGeom>
+          <a:noFill/>
+        </p:spPr>
+        <p:txBody>
+          <a:bodyPr wrap="square" rtlCol="0">
+            <a:noAutofit/>
+          </a:bodyPr>
+          <a:p>
+            <a:pPr marL="342900" indent="-342900">
+              <a:buFont typeface="Arial" panose="020B0604020202020204" pitchFamily="34" charset="0"/>
+              <a:buAutoNum type="arabicPeriod"/>
+            </a:pPr>
+            <a:r>
+              <a:rPr lang="zh-CN" altLang="en-US"/>
+              <a:t>研究实现物流在</a:t>
+            </a:r>
+            <a:r>
+              <a:rPr lang="en-US" altLang="zh-CN"/>
+              <a:t>GIS</a:t>
+            </a:r>
+            <a:r>
+              <a:rPr lang="zh-CN" altLang="en-US"/>
+              <a:t>地图上的可视化追踪</a:t>
+            </a:r>
+            <a:endParaRPr lang="zh-CN" altLang="en-US"/>
+          </a:p>
+          <a:p>
+            <a:pPr marL="342900" indent="-342900">
+              <a:buFont typeface="Arial" panose="020B0604020202020204" pitchFamily="34" charset="0"/>
+              <a:buAutoNum type="arabicPeriod"/>
+            </a:pPr>
+            <a:endParaRPr lang="en-US" altLang="zh-CN"/>
+          </a:p>
+          <a:p>
+            <a:pPr marL="342900" indent="-342900">
+              <a:buFont typeface="Arial" panose="020B0604020202020204" pitchFamily="34" charset="0"/>
+              <a:buAutoNum type="arabicPeriod"/>
+            </a:pPr>
+            <a:endParaRPr lang="en-US" altLang="zh-CN"/>
+          </a:p>
+          <a:p>
+            <a:pPr marL="342900" indent="-342900">
+              <a:buFont typeface="Arial" panose="020B0604020202020204" pitchFamily="34" charset="0"/>
+              <a:buAutoNum type="arabicPeriod"/>
+            </a:pPr>
+            <a:r>
+              <a:rPr lang="zh-CN" altLang="en-US"/>
+              <a:t>研究分析</a:t>
+            </a:r>
+            <a:r>
+              <a:rPr lang="en-US" altLang="zh-CN"/>
+              <a:t>GIS</a:t>
+            </a:r>
+            <a:r>
+              <a:rPr lang="zh-CN" altLang="en-US"/>
+              <a:t>地图数据结构</a:t>
+            </a:r>
+            <a:endParaRPr lang="zh-CN" altLang="en-US"/>
+          </a:p>
+          <a:p>
+            <a:pPr marL="342900" indent="-342900">
+              <a:buFont typeface="Arial" panose="020B0604020202020204" pitchFamily="34" charset="0"/>
+              <a:buAutoNum type="arabicPeriod"/>
+            </a:pPr>
+            <a:endParaRPr lang="zh-CN" altLang="en-US"/>
+          </a:p>
+          <a:p>
+            <a:pPr marL="342900" indent="-342900">
+              <a:buFont typeface="Arial" panose="020B0604020202020204" pitchFamily="34" charset="0"/>
+              <a:buAutoNum type="arabicPeriod"/>
+            </a:pPr>
+            <a:endParaRPr lang="zh-CN" altLang="en-US"/>
+          </a:p>
+          <a:p>
+            <a:pPr marL="342900" indent="-342900">
+              <a:buFont typeface="Arial" panose="020B0604020202020204" pitchFamily="34" charset="0"/>
+              <a:buAutoNum type="arabicPeriod"/>
+            </a:pPr>
+            <a:r>
+              <a:rPr lang="zh-CN" altLang="en-US"/>
+              <a:t>研究</a:t>
+            </a:r>
+            <a:r>
+              <a:rPr lang="en-US" altLang="zh-CN"/>
+              <a:t>GIS</a:t>
+            </a:r>
+            <a:r>
+              <a:rPr lang="zh-CN" altLang="en-US"/>
+              <a:t>地图数据的储存和操作</a:t>
+            </a:r>
+            <a:endParaRPr lang="zh-CN" altLang="en-US"/>
+          </a:p>
+        </p:txBody>
+      </p:sp>
     </p:spTree>
     <p:custDataLst>
-      <p:tags r:id="rId1"/>
+      <p:tags r:id="rId4"/>
     </p:custDataLst>
   </p:cSld>
   <p:clrMapOvr>
     <a:masterClrMapping/>
   </p:clrMapOvr>
+  <p:timing>
+    <p:tnLst>
+      <p:par>
+        <p:cTn id="1" dur="indefinite" restart="never" nodeType="tmRoot">
+          <p:childTnLst>
+            <p:seq concurrent="1" nextAc="seek">
+              <p:cTn id="2" dur="indefinite" nodeType="mainSeq">
+                <p:childTnLst>
+                  <p:par>
+                    <p:cTn id="3" fill="hold">
+                      <p:stCondLst>
+                        <p:cond delay="indefinite"/>
+                        <p:cond evt="onBegin" delay="0">
+                          <p:tn val="2"/>
+                        </p:cond>
+                      </p:stCondLst>
+                      <p:childTnLst>
+                        <p:par>
+                          <p:cTn id="4" fill="hold">
+                            <p:stCondLst>
+                              <p:cond delay="0"/>
+                            </p:stCondLst>
+                            <p:childTnLst>
+                              <p:par>
+                                <p:cTn id="5" presetID="2" presetClass="entr" presetSubtype="4" fill="hold" grpId="0" nodeType="withEffect">
+                                  <p:stCondLst>
+                                    <p:cond delay="0"/>
+                                  </p:stCondLst>
+                                  <p:childTnLst>
+                                    <p:set>
+                                      <p:cBhvr>
+                                        <p:cTn id="6" dur="1" fill="hold">
+                                          <p:stCondLst>
+                                            <p:cond delay="0"/>
+                                          </p:stCondLst>
+                                        </p:cTn>
+                                        <p:tgtEl>
+                                          <p:spTgt spid="5"/>
+                                        </p:tgtEl>
+                                        <p:attrNameLst>
+                                          <p:attrName>style.visibility</p:attrName>
+                                        </p:attrNameLst>
+                                      </p:cBhvr>
+                                      <p:to>
+                                        <p:strVal val="visible"/>
+                                      </p:to>
+                                    </p:set>
+                                    <p:anim calcmode="lin" valueType="num">
+                                      <p:cBhvr additive="base">
+                                        <p:cTn id="7" dur="500" fill="hold"/>
+                                        <p:tgtEl>
+                                          <p:spTgt spid="5"/>
+                                        </p:tgtEl>
+                                        <p:attrNameLst>
+                                          <p:attrName>ppt_x</p:attrName>
+                                        </p:attrNameLst>
+                                      </p:cBhvr>
+                                      <p:tavLst>
+                                        <p:tav tm="0">
+                                          <p:val>
+                                            <p:strVal val="#ppt_x"/>
+                                          </p:val>
+                                        </p:tav>
+                                        <p:tav tm="100000">
+                                          <p:val>
+                                            <p:strVal val="#ppt_x"/>
+                                          </p:val>
+                                        </p:tav>
+                                      </p:tavLst>
+                                    </p:anim>
+                                    <p:anim calcmode="lin" valueType="num">
+                                      <p:cBhvr additive="base">
+                                        <p:cTn id="8" dur="500" fill="hold"/>
+                                        <p:tgtEl>
+                                          <p:spTgt spid="5"/>
+                                        </p:tgtEl>
+                                        <p:attrNameLst>
+                                          <p:attrName>ppt_y</p:attrName>
+                                        </p:attrNameLst>
+                                      </p:cBhvr>
+                                      <p:tavLst>
+                                        <p:tav tm="0">
+                                          <p:val>
+                                            <p:strVal val="1+#ppt_h/2"/>
+                                          </p:val>
+                                        </p:tav>
+                                        <p:tav tm="100000">
+                                          <p:val>
+                                            <p:strVal val="#ppt_y"/>
+                                          </p:val>
+                                        </p:tav>
+                                      </p:tavLst>
+                                    </p:anim>
+                                  </p:childTnLst>
+                                </p:cTn>
+                              </p:par>
+                              <p:par>
+                                <p:cTn id="9" presetID="2" presetClass="entr" presetSubtype="4" fill="hold" nodeType="withEffect">
+                                  <p:stCondLst>
+                                    <p:cond delay="0"/>
+                                  </p:stCondLst>
+                                  <p:childTnLst>
+                                    <p:set>
+                                      <p:cBhvr>
+                                        <p:cTn id="10" dur="1" fill="hold">
+                                          <p:stCondLst>
+                                            <p:cond delay="0"/>
+                                          </p:stCondLst>
+                                        </p:cTn>
+                                        <p:tgtEl>
+                                          <p:spTgt spid="5">
+                                            <p:txEl>
+                                              <p:pRg st="0" end="0"/>
+                                            </p:txEl>
+                                          </p:spTgt>
+                                        </p:tgtEl>
+                                        <p:attrNameLst>
+                                          <p:attrName>style.visibility</p:attrName>
+                                        </p:attrNameLst>
+                                      </p:cBhvr>
+                                      <p:to>
+                                        <p:strVal val="visible"/>
+                                      </p:to>
+                                    </p:set>
+                                    <p:anim calcmode="lin" valueType="num">
+                                      <p:cBhvr additive="base">
+                                        <p:cTn id="11" dur="500" fill="hold"/>
+                                        <p:tgtEl>
+                                          <p:spTgt spid="5">
+                                            <p:txEl>
+                                              <p:pRg st="0" end="0"/>
+                                            </p:txEl>
+                                          </p:spTgt>
+                                        </p:tgtEl>
+                                        <p:attrNameLst>
+                                          <p:attrName>ppt_x</p:attrName>
+                                        </p:attrNameLst>
+                                      </p:cBhvr>
+                                      <p:tavLst>
+                                        <p:tav tm="0">
+                                          <p:val>
+                                            <p:strVal val="#ppt_x"/>
+                                          </p:val>
+                                        </p:tav>
+                                        <p:tav tm="100000">
+                                          <p:val>
+                                            <p:strVal val="#ppt_x"/>
+                                          </p:val>
+                                        </p:tav>
+                                      </p:tavLst>
+                                    </p:anim>
+                                    <p:anim calcmode="lin" valueType="num">
+                                      <p:cBhvr additive="base">
+                                        <p:cTn id="12" dur="500" fill="hold"/>
+                                        <p:tgtEl>
+                                          <p:spTgt spid="5">
+                                            <p:txEl>
+                                              <p:pRg st="0" end="0"/>
+                                            </p:txEl>
+                                          </p:spTgt>
+                                        </p:tgtEl>
+                                        <p:attrNameLst>
+                                          <p:attrName>ppt_y</p:attrName>
+                                        </p:attrNameLst>
+                                      </p:cBhvr>
+                                      <p:tavLst>
+                                        <p:tav tm="0">
+                                          <p:val>
+                                            <p:strVal val="1+#ppt_h/2"/>
+                                          </p:val>
+                                        </p:tav>
+                                        <p:tav tm="100000">
+                                          <p:val>
+                                            <p:strVal val="#ppt_y"/>
+                                          </p:val>
+                                        </p:tav>
+                                      </p:tavLst>
+                                    </p:anim>
+                                  </p:childTnLst>
+                                </p:cTn>
+                              </p:par>
+                              <p:par>
+                                <p:cTn id="13" presetID="2" presetClass="entr" presetSubtype="4" fill="hold" nodeType="withEffect">
+                                  <p:stCondLst>
+                                    <p:cond delay="0"/>
+                                  </p:stCondLst>
+                                  <p:childTnLst>
+                                    <p:set>
+                                      <p:cBhvr>
+                                        <p:cTn id="14" dur="1" fill="hold">
+                                          <p:stCondLst>
+                                            <p:cond delay="0"/>
+                                          </p:stCondLst>
+                                        </p:cTn>
+                                        <p:tgtEl>
+                                          <p:spTgt spid="5">
+                                            <p:txEl>
+                                              <p:pRg st="3" end="3"/>
+                                            </p:txEl>
+                                          </p:spTgt>
+                                        </p:tgtEl>
+                                        <p:attrNameLst>
+                                          <p:attrName>style.visibility</p:attrName>
+                                        </p:attrNameLst>
+                                      </p:cBhvr>
+                                      <p:to>
+                                        <p:strVal val="visible"/>
+                                      </p:to>
+                                    </p:set>
+                                    <p:anim calcmode="lin" valueType="num">
+                                      <p:cBhvr additive="base">
+                                        <p:cTn id="15" dur="500" fill="hold"/>
+                                        <p:tgtEl>
+                                          <p:spTgt spid="5">
+                                            <p:txEl>
+                                              <p:pRg st="3" end="3"/>
+                                            </p:txEl>
+                                          </p:spTgt>
+                                        </p:tgtEl>
+                                        <p:attrNameLst>
+                                          <p:attrName>ppt_x</p:attrName>
+                                        </p:attrNameLst>
+                                      </p:cBhvr>
+                                      <p:tavLst>
+                                        <p:tav tm="0">
+                                          <p:val>
+                                            <p:strVal val="#ppt_x"/>
+                                          </p:val>
+                                        </p:tav>
+                                        <p:tav tm="100000">
+                                          <p:val>
+                                            <p:strVal val="#ppt_x"/>
+                                          </p:val>
+                                        </p:tav>
+                                      </p:tavLst>
+                                    </p:anim>
+                                    <p:anim calcmode="lin" valueType="num">
+                                      <p:cBhvr additive="base">
+                                        <p:cTn id="16" dur="500" fill="hold"/>
+                                        <p:tgtEl>
+                                          <p:spTgt spid="5">
+                                            <p:txEl>
+                                              <p:pRg st="3" end="3"/>
+                                            </p:txEl>
+                                          </p:spTgt>
+                                        </p:tgtEl>
+                                        <p:attrNameLst>
+                                          <p:attrName>ppt_y</p:attrName>
+                                        </p:attrNameLst>
+                                      </p:cBhvr>
+                                      <p:tavLst>
+                                        <p:tav tm="0">
+                                          <p:val>
+                                            <p:strVal val="1+#ppt_h/2"/>
+                                          </p:val>
+                                        </p:tav>
+                                        <p:tav tm="100000">
+                                          <p:val>
+                                            <p:strVal val="#ppt_y"/>
+                                          </p:val>
+                                        </p:tav>
+                                      </p:tavLst>
+                                    </p:anim>
+                                  </p:childTnLst>
+                                </p:cTn>
+                              </p:par>
+                              <p:par>
+                                <p:cTn id="17" presetID="2" presetClass="entr" presetSubtype="4" fill="hold" nodeType="withEffect">
+                                  <p:stCondLst>
+                                    <p:cond delay="0"/>
+                                  </p:stCondLst>
+                                  <p:childTnLst>
+                                    <p:set>
+                                      <p:cBhvr>
+                                        <p:cTn id="18" dur="1" fill="hold">
+                                          <p:stCondLst>
+                                            <p:cond delay="0"/>
+                                          </p:stCondLst>
+                                        </p:cTn>
+                                        <p:tgtEl>
+                                          <p:spTgt spid="5">
+                                            <p:txEl>
+                                              <p:pRg st="6" end="6"/>
+                                            </p:txEl>
+                                          </p:spTgt>
+                                        </p:tgtEl>
+                                        <p:attrNameLst>
+                                          <p:attrName>style.visibility</p:attrName>
+                                        </p:attrNameLst>
+                                      </p:cBhvr>
+                                      <p:to>
+                                        <p:strVal val="visible"/>
+                                      </p:to>
+                                    </p:set>
+                                    <p:anim calcmode="lin" valueType="num">
+                                      <p:cBhvr additive="base">
+                                        <p:cTn id="19" dur="500" fill="hold"/>
+                                        <p:tgtEl>
+                                          <p:spTgt spid="5">
+                                            <p:txEl>
+                                              <p:pRg st="6" end="6"/>
+                                            </p:txEl>
+                                          </p:spTgt>
+                                        </p:tgtEl>
+                                        <p:attrNameLst>
+                                          <p:attrName>ppt_x</p:attrName>
+                                        </p:attrNameLst>
+                                      </p:cBhvr>
+                                      <p:tavLst>
+                                        <p:tav tm="0">
+                                          <p:val>
+                                            <p:strVal val="#ppt_x"/>
+                                          </p:val>
+                                        </p:tav>
+                                        <p:tav tm="100000">
+                                          <p:val>
+                                            <p:strVal val="#ppt_x"/>
+                                          </p:val>
+                                        </p:tav>
+                                      </p:tavLst>
+                                    </p:anim>
+                                    <p:anim calcmode="lin" valueType="num">
+                                      <p:cBhvr additive="base">
+                                        <p:cTn id="20" dur="500" fill="hold"/>
+                                        <p:tgtEl>
+                                          <p:spTgt spid="5">
+                                            <p:txEl>
+                                              <p:pRg st="6" end="6"/>
+                                            </p:txEl>
+                                          </p:spTgt>
+                                        </p:tgtEl>
+                                        <p:attrNameLst>
+                                          <p:attrName>ppt_y</p:attrName>
+                                        </p:attrNameLst>
+                                      </p:cBhvr>
+                                      <p:tavLst>
+                                        <p:tav tm="0">
+                                          <p:val>
+                                            <p:strVal val="1+#ppt_h/2"/>
+                                          </p:val>
+                                        </p:tav>
+                                        <p:tav tm="100000">
+                                          <p:val>
+                                            <p:strVal val="#ppt_y"/>
+                                          </p:val>
+                                        </p:tav>
+                                      </p:tavLst>
+                                    </p:anim>
+                                  </p:childTnLst>
+                                </p:cTn>
+                              </p:par>
+                            </p:childTnLst>
+                          </p:cTn>
+                        </p:par>
+                      </p:childTnLst>
+                    </p:cTn>
+                  </p:par>
+                </p:childTnLst>
+              </p:cTn>
+              <p:prevCondLst>
+                <p:cond evt="onPrev" delay="0">
+                  <p:tgtEl>
+                    <p:sldTgt/>
+                  </p:tgtEl>
+                </p:cond>
+              </p:prevCondLst>
+              <p:nextCondLst>
+                <p:cond evt="onNext" delay="0">
+                  <p:tgtEl>
+                    <p:sldTgt/>
+                  </p:tgtEl>
+                </p:cond>
+              </p:nextCondLst>
+            </p:seq>
+          </p:childTnLst>
+        </p:cTn>
+      </p:par>
+    </p:tnLst>
+    <p:bldLst>
+      <p:bldP spid="5" grpId="0"/>
+      <p:bldP spid="5" grpId="1"/>
+    </p:bldLst>
+  </p:timing>
 </p:sld>
 </file>
 
@@ -4459,7 +8286,7 @@
         </p:nvCxnSpPr>
         <p:spPr>
           <a:xfrm flipV="1">
-            <a:off x="245745" y="561975"/>
+            <a:off x="283845" y="600075"/>
             <a:ext cx="11729720" cy="3810"/>
           </a:xfrm>
           <a:prstGeom prst="line">
@@ -4494,7 +8321,7 @@
         </p:nvSpPr>
         <p:spPr>
           <a:xfrm rot="19500000">
-            <a:off x="51435" y="107950"/>
+            <a:off x="89535" y="146050"/>
             <a:ext cx="480060" cy="332105"/>
           </a:xfrm>
           <a:prstGeom prst="roundRect">
@@ -4541,7 +8368,7 @@
         </p:nvSpPr>
         <p:spPr>
           <a:xfrm>
-            <a:off x="583565" y="90170"/>
+            <a:off x="621665" y="128270"/>
             <a:ext cx="4239895" cy="368300"/>
           </a:xfrm>
           <a:prstGeom prst="rect">
@@ -4582,7 +8409,7 @@
                   </a:outerShdw>
                 </a:effectLst>
               </a:rPr>
-              <a:t>.</a:t>
+              <a:t>.研究内容与方法</a:t>
             </a:r>
             <a:endParaRPr lang="en-US" altLang="zh-CN">
               <a:solidFill>
@@ -4599,9 +8426,115 @@
           </a:p>
         </p:txBody>
       </p:sp>
+      <p:sp>
+        <p:nvSpPr>
+          <p:cNvPr id="16" name="圆角矩形 15"/>
+          <p:cNvSpPr/>
+          <p:nvPr>
+            <p:custDataLst>
+              <p:tags r:id="rId1"/>
+            </p:custDataLst>
+          </p:nvPr>
+        </p:nvSpPr>
+        <p:spPr>
+          <a:xfrm>
+            <a:off x="11040745" y="5195570"/>
+            <a:ext cx="860425" cy="871220"/>
+          </a:xfrm>
+          <a:prstGeom prst="roundRect">
+            <a:avLst/>
+          </a:prstGeom>
+          <a:ln>
+            <a:noFill/>
+          </a:ln>
+          <a:effectLst>
+            <a:outerShdw blurRad="152400" dist="76200" dir="8040000" algn="ctr" rotWithShape="0">
+              <a:srgbClr val="C8C8C8">
+                <a:alpha val="58000"/>
+              </a:srgbClr>
+            </a:outerShdw>
+          </a:effectLst>
+        </p:spPr>
+        <p:style>
+          <a:lnRef idx="2">
+            <a:schemeClr val="accent4">
+              <a:shade val="50000"/>
+            </a:schemeClr>
+          </a:lnRef>
+          <a:fillRef idx="1">
+            <a:schemeClr val="accent4"/>
+          </a:fillRef>
+          <a:effectRef idx="0">
+            <a:schemeClr val="accent4"/>
+          </a:effectRef>
+          <a:fontRef idx="minor">
+            <a:schemeClr val="lt1"/>
+          </a:fontRef>
+        </p:style>
+        <p:txBody>
+          <a:bodyPr rtlCol="0" anchor="ctr"/>
+          <a:p>
+            <a:pPr algn="ctr"/>
+            <a:endParaRPr lang="zh-CN" altLang="en-US"/>
+          </a:p>
+        </p:txBody>
+      </p:sp>
+      <p:sp>
+        <p:nvSpPr>
+          <p:cNvPr id="17" name="圆角矩形 16"/>
+          <p:cNvSpPr/>
+          <p:nvPr>
+            <p:custDataLst>
+              <p:tags r:id="rId2"/>
+            </p:custDataLst>
+          </p:nvPr>
+        </p:nvSpPr>
+        <p:spPr>
+          <a:xfrm>
+            <a:off x="10287000" y="6149975"/>
+            <a:ext cx="481965" cy="463550"/>
+          </a:xfrm>
+          <a:prstGeom prst="roundRect">
+            <a:avLst/>
+          </a:prstGeom>
+          <a:ln>
+            <a:noFill/>
+          </a:ln>
+          <a:effectLst>
+            <a:outerShdw blurRad="152400" dist="76200" dir="8040000" algn="ctr" rotWithShape="0">
+              <a:srgbClr val="C8C8C8">
+                <a:alpha val="58000"/>
+              </a:srgbClr>
+            </a:outerShdw>
+          </a:effectLst>
+        </p:spPr>
+        <p:style>
+          <a:lnRef idx="2">
+            <a:schemeClr val="accent4">
+              <a:shade val="50000"/>
+            </a:schemeClr>
+          </a:lnRef>
+          <a:fillRef idx="1">
+            <a:schemeClr val="accent4"/>
+          </a:fillRef>
+          <a:effectRef idx="0">
+            <a:schemeClr val="accent4"/>
+          </a:effectRef>
+          <a:fontRef idx="minor">
+            <a:schemeClr val="lt1"/>
+          </a:fontRef>
+        </p:style>
+        <p:txBody>
+          <a:bodyPr rtlCol="0" anchor="ctr"/>
+          <a:p>
+            <a:pPr algn="ctr"/>
+            <a:endParaRPr lang="zh-CN" altLang="en-US"/>
+          </a:p>
+        </p:txBody>
+      </p:sp>
     </p:spTree>
     <p:custDataLst>
-      <p:tags r:id="rId1"/>
+      <p:tags r:id="rId3"/>
     </p:custDataLst>
   </p:cSld>
   <p:clrMapOvr>
@@ -4635,7 +8568,7 @@
         </p:nvCxnSpPr>
         <p:spPr>
           <a:xfrm flipV="1">
-            <a:off x="245745" y="561975"/>
+            <a:off x="283845" y="600075"/>
             <a:ext cx="11729720" cy="3810"/>
           </a:xfrm>
           <a:prstGeom prst="line">
@@ -4670,7 +8603,7 @@
         </p:nvSpPr>
         <p:spPr>
           <a:xfrm rot="19500000">
-            <a:off x="51435" y="107950"/>
+            <a:off x="89535" y="146050"/>
             <a:ext cx="480060" cy="332105"/>
           </a:xfrm>
           <a:prstGeom prst="roundRect">
@@ -4717,7 +8650,7 @@
         </p:nvSpPr>
         <p:spPr>
           <a:xfrm>
-            <a:off x="583565" y="90170"/>
+            <a:off x="621665" y="128270"/>
             <a:ext cx="4239895" cy="368300"/>
           </a:xfrm>
           <a:prstGeom prst="rect">
@@ -4760,7 +8693,22 @@
               </a:rPr>
               <a:t>.</a:t>
             </a:r>
-            <a:endParaRPr lang="en-US" altLang="zh-CN">
+            <a:r>
+              <a:rPr lang="zh-CN" altLang="en-US">
+                <a:solidFill>
+                  <a:srgbClr val="FFBA55"/>
+                </a:solidFill>
+                <a:effectLst>
+                  <a:outerShdw blurRad="38100" dist="19050" dir="2700000" algn="tl" rotWithShape="0">
+                    <a:schemeClr val="dk1">
+                      <a:alpha val="40000"/>
+                    </a:schemeClr>
+                  </a:outerShdw>
+                </a:effectLst>
+              </a:rPr>
+              <a:t>关键技术</a:t>
+            </a:r>
+            <a:endParaRPr lang="zh-CN" altLang="en-US">
               <a:solidFill>
                 <a:srgbClr val="FFBA55"/>
               </a:solidFill>
@@ -4775,9 +8723,115 @@
           </a:p>
         </p:txBody>
       </p:sp>
+      <p:sp>
+        <p:nvSpPr>
+          <p:cNvPr id="16" name="圆角矩形 15"/>
+          <p:cNvSpPr/>
+          <p:nvPr>
+            <p:custDataLst>
+              <p:tags r:id="rId1"/>
+            </p:custDataLst>
+          </p:nvPr>
+        </p:nvSpPr>
+        <p:spPr>
+          <a:xfrm>
+            <a:off x="11040745" y="5195570"/>
+            <a:ext cx="860425" cy="871220"/>
+          </a:xfrm>
+          <a:prstGeom prst="roundRect">
+            <a:avLst/>
+          </a:prstGeom>
+          <a:ln>
+            <a:noFill/>
+          </a:ln>
+          <a:effectLst>
+            <a:outerShdw blurRad="152400" dist="76200" dir="8040000" algn="ctr" rotWithShape="0">
+              <a:srgbClr val="C8C8C8">
+                <a:alpha val="58000"/>
+              </a:srgbClr>
+            </a:outerShdw>
+          </a:effectLst>
+        </p:spPr>
+        <p:style>
+          <a:lnRef idx="2">
+            <a:schemeClr val="accent4">
+              <a:shade val="50000"/>
+            </a:schemeClr>
+          </a:lnRef>
+          <a:fillRef idx="1">
+            <a:schemeClr val="accent4"/>
+          </a:fillRef>
+          <a:effectRef idx="0">
+            <a:schemeClr val="accent4"/>
+          </a:effectRef>
+          <a:fontRef idx="minor">
+            <a:schemeClr val="lt1"/>
+          </a:fontRef>
+        </p:style>
+        <p:txBody>
+          <a:bodyPr rtlCol="0" anchor="ctr"/>
+          <a:p>
+            <a:pPr algn="ctr"/>
+            <a:endParaRPr lang="zh-CN" altLang="en-US"/>
+          </a:p>
+        </p:txBody>
+      </p:sp>
+      <p:sp>
+        <p:nvSpPr>
+          <p:cNvPr id="17" name="圆角矩形 16"/>
+          <p:cNvSpPr/>
+          <p:nvPr>
+            <p:custDataLst>
+              <p:tags r:id="rId2"/>
+            </p:custDataLst>
+          </p:nvPr>
+        </p:nvSpPr>
+        <p:spPr>
+          <a:xfrm>
+            <a:off x="10287000" y="6149975"/>
+            <a:ext cx="481965" cy="463550"/>
+          </a:xfrm>
+          <a:prstGeom prst="roundRect">
+            <a:avLst/>
+          </a:prstGeom>
+          <a:ln>
+            <a:noFill/>
+          </a:ln>
+          <a:effectLst>
+            <a:outerShdw blurRad="152400" dist="76200" dir="8040000" algn="ctr" rotWithShape="0">
+              <a:srgbClr val="C8C8C8">
+                <a:alpha val="58000"/>
+              </a:srgbClr>
+            </a:outerShdw>
+          </a:effectLst>
+        </p:spPr>
+        <p:style>
+          <a:lnRef idx="2">
+            <a:schemeClr val="accent4">
+              <a:shade val="50000"/>
+            </a:schemeClr>
+          </a:lnRef>
+          <a:fillRef idx="1">
+            <a:schemeClr val="accent4"/>
+          </a:fillRef>
+          <a:effectRef idx="0">
+            <a:schemeClr val="accent4"/>
+          </a:effectRef>
+          <a:fontRef idx="minor">
+            <a:schemeClr val="lt1"/>
+          </a:fontRef>
+        </p:style>
+        <p:txBody>
+          <a:bodyPr rtlCol="0" anchor="ctr"/>
+          <a:p>
+            <a:pPr algn="ctr"/>
+            <a:endParaRPr lang="zh-CN" altLang="en-US"/>
+          </a:p>
+        </p:txBody>
+      </p:sp>
     </p:spTree>
     <p:custDataLst>
-      <p:tags r:id="rId1"/>
+      <p:tags r:id="rId3"/>
     </p:custDataLst>
   </p:cSld>
   <p:clrMapOvr>
@@ -4811,7 +8865,7 @@
         </p:nvCxnSpPr>
         <p:spPr>
           <a:xfrm flipV="1">
-            <a:off x="245745" y="561975"/>
+            <a:off x="283845" y="600075"/>
             <a:ext cx="11729720" cy="3810"/>
           </a:xfrm>
           <a:prstGeom prst="line">
@@ -4846,7 +8900,7 @@
         </p:nvSpPr>
         <p:spPr>
           <a:xfrm rot="19500000">
-            <a:off x="51435" y="107950"/>
+            <a:off x="89535" y="146050"/>
             <a:ext cx="480060" cy="332105"/>
           </a:xfrm>
           <a:prstGeom prst="roundRect">
@@ -4893,7 +8947,7 @@
         </p:nvSpPr>
         <p:spPr>
           <a:xfrm>
-            <a:off x="584200" y="90170"/>
+            <a:off x="622300" y="128270"/>
             <a:ext cx="4239260" cy="368300"/>
           </a:xfrm>
           <a:prstGeom prst="rect">
@@ -4951,9 +9005,115 @@
           </a:p>
         </p:txBody>
       </p:sp>
+      <p:sp>
+        <p:nvSpPr>
+          <p:cNvPr id="16" name="圆角矩形 15"/>
+          <p:cNvSpPr/>
+          <p:nvPr>
+            <p:custDataLst>
+              <p:tags r:id="rId1"/>
+            </p:custDataLst>
+          </p:nvPr>
+        </p:nvSpPr>
+        <p:spPr>
+          <a:xfrm>
+            <a:off x="11040745" y="5195570"/>
+            <a:ext cx="860425" cy="871220"/>
+          </a:xfrm>
+          <a:prstGeom prst="roundRect">
+            <a:avLst/>
+          </a:prstGeom>
+          <a:ln>
+            <a:noFill/>
+          </a:ln>
+          <a:effectLst>
+            <a:outerShdw blurRad="152400" dist="76200" dir="8040000" algn="ctr" rotWithShape="0">
+              <a:srgbClr val="C8C8C8">
+                <a:alpha val="58000"/>
+              </a:srgbClr>
+            </a:outerShdw>
+          </a:effectLst>
+        </p:spPr>
+        <p:style>
+          <a:lnRef idx="2">
+            <a:schemeClr val="accent4">
+              <a:shade val="50000"/>
+            </a:schemeClr>
+          </a:lnRef>
+          <a:fillRef idx="1">
+            <a:schemeClr val="accent4"/>
+          </a:fillRef>
+          <a:effectRef idx="0">
+            <a:schemeClr val="accent4"/>
+          </a:effectRef>
+          <a:fontRef idx="minor">
+            <a:schemeClr val="lt1"/>
+          </a:fontRef>
+        </p:style>
+        <p:txBody>
+          <a:bodyPr rtlCol="0" anchor="ctr"/>
+          <a:p>
+            <a:pPr algn="ctr"/>
+            <a:endParaRPr lang="zh-CN" altLang="en-US"/>
+          </a:p>
+        </p:txBody>
+      </p:sp>
+      <p:sp>
+        <p:nvSpPr>
+          <p:cNvPr id="17" name="圆角矩形 16"/>
+          <p:cNvSpPr/>
+          <p:nvPr>
+            <p:custDataLst>
+              <p:tags r:id="rId2"/>
+            </p:custDataLst>
+          </p:nvPr>
+        </p:nvSpPr>
+        <p:spPr>
+          <a:xfrm>
+            <a:off x="10287000" y="6149975"/>
+            <a:ext cx="481965" cy="463550"/>
+          </a:xfrm>
+          <a:prstGeom prst="roundRect">
+            <a:avLst/>
+          </a:prstGeom>
+          <a:ln>
+            <a:noFill/>
+          </a:ln>
+          <a:effectLst>
+            <a:outerShdw blurRad="152400" dist="76200" dir="8040000" algn="ctr" rotWithShape="0">
+              <a:srgbClr val="C8C8C8">
+                <a:alpha val="58000"/>
+              </a:srgbClr>
+            </a:outerShdw>
+          </a:effectLst>
+        </p:spPr>
+        <p:style>
+          <a:lnRef idx="2">
+            <a:schemeClr val="accent4">
+              <a:shade val="50000"/>
+            </a:schemeClr>
+          </a:lnRef>
+          <a:fillRef idx="1">
+            <a:schemeClr val="accent4"/>
+          </a:fillRef>
+          <a:effectRef idx="0">
+            <a:schemeClr val="accent4"/>
+          </a:effectRef>
+          <a:fontRef idx="minor">
+            <a:schemeClr val="lt1"/>
+          </a:fontRef>
+        </p:style>
+        <p:txBody>
+          <a:bodyPr rtlCol="0" anchor="ctr"/>
+          <a:p>
+            <a:pPr algn="ctr"/>
+            <a:endParaRPr lang="zh-CN" altLang="en-US"/>
+          </a:p>
+        </p:txBody>
+      </p:sp>
     </p:spTree>
     <p:custDataLst>
-      <p:tags r:id="rId1"/>
+      <p:tags r:id="rId3"/>
     </p:custDataLst>
   </p:cSld>
   <p:clrMapOvr>
@@ -8985,43 +13145,13 @@
 
 <file path=ppt/tags/tag67.xml><?xml version="1.0" encoding="utf-8"?>
 <p:tagLst xmlns:p="http://schemas.openxmlformats.org/presentationml/2006/main">
-  <p:tag name="KSO_WM_SLIDE_ID" val="custom20205081_1"/>
-  <p:tag name="KSO_WM_TEMPLATE_SUBCATEGORY" val="19"/>
-  <p:tag name="KSO_WM_TEMPLATE_MASTER_TYPE" val="0"/>
-  <p:tag name="KSO_WM_TEMPLATE_COLOR_TYPE" val="1"/>
-  <p:tag name="KSO_WM_SLIDE_TYPE" val="title"/>
-  <p:tag name="KSO_WM_SLIDE_SUBTYPE" val="defaultBlank"/>
-  <p:tag name="KSO_WM_SLIDE_ITEM_CNT" val="0"/>
-  <p:tag name="KSO_WM_SLIDE_INDEX" val="1"/>
-  <p:tag name="KSO_WM_TAG_VERSION" val="1.0"/>
-  <p:tag name="KSO_WM_BEAUTIFY_FLAG" val="#wm#"/>
-  <p:tag name="KSO_WM_TEMPLATE_CATEGORY" val="custom"/>
-  <p:tag name="KSO_WM_TEMPLATE_INDEX" val="20205081"/>
-  <p:tag name="KSO_WM_SLIDE_LAYOUT" val="a_b"/>
-  <p:tag name="KSO_WM_SLIDE_LAYOUT_CNT" val="1_1"/>
-  <p:tag name="KSO_WM_UNIT_SHOW_EDIT_AREA_INDICATION" val="1"/>
-  <p:tag name="KSO_WM_TEMPLATE_THUMBS_INDEX" val="1、4、7、12、13、14、15、16、17、18、20、24、25、28、33、36、40、43、44"/>
+  <p:tag name="KSO_WM_BEAUTIFY_FLAG" val=""/>
 </p:tagLst>
 </file>
 
 <file path=ppt/tags/tag68.xml><?xml version="1.0" encoding="utf-8"?>
 <p:tagLst xmlns:p="http://schemas.openxmlformats.org/presentationml/2006/main">
-  <p:tag name="KSO_WM_SLIDE_ID" val="custom20205081_1"/>
-  <p:tag name="KSO_WM_TEMPLATE_SUBCATEGORY" val="19"/>
-  <p:tag name="KSO_WM_TEMPLATE_MASTER_TYPE" val="0"/>
-  <p:tag name="KSO_WM_TEMPLATE_COLOR_TYPE" val="1"/>
-  <p:tag name="KSO_WM_SLIDE_TYPE" val="title"/>
-  <p:tag name="KSO_WM_SLIDE_SUBTYPE" val="defaultBlank"/>
-  <p:tag name="KSO_WM_SLIDE_ITEM_CNT" val="0"/>
-  <p:tag name="KSO_WM_SLIDE_INDEX" val="1"/>
-  <p:tag name="KSO_WM_TAG_VERSION" val="1.0"/>
-  <p:tag name="KSO_WM_BEAUTIFY_FLAG" val="#wm#"/>
-  <p:tag name="KSO_WM_TEMPLATE_CATEGORY" val="custom"/>
-  <p:tag name="KSO_WM_TEMPLATE_INDEX" val="20205081"/>
-  <p:tag name="KSO_WM_SLIDE_LAYOUT" val="a_b"/>
-  <p:tag name="KSO_WM_SLIDE_LAYOUT_CNT" val="1_1"/>
-  <p:tag name="KSO_WM_UNIT_SHOW_EDIT_AREA_INDICATION" val="1"/>
-  <p:tag name="KSO_WM_TEMPLATE_THUMBS_INDEX" val="1、4、7、12、13、14、15、16、17、18、20、24、25、28、33、36、40、43、44"/>
+  <p:tag name="KSO_WM_BEAUTIFY_FLAG" val=""/>
 </p:tagLst>
 </file>
 
@@ -9061,26 +13191,23 @@
 
 <file path=ppt/tags/tag70.xml><?xml version="1.0" encoding="utf-8"?>
 <p:tagLst xmlns:p="http://schemas.openxmlformats.org/presentationml/2006/main">
-  <p:tag name="KSO_WM_SLIDE_ID" val="custom20205081_1"/>
-  <p:tag name="KSO_WM_TEMPLATE_SUBCATEGORY" val="19"/>
-  <p:tag name="KSO_WM_TEMPLATE_MASTER_TYPE" val="0"/>
-  <p:tag name="KSO_WM_TEMPLATE_COLOR_TYPE" val="1"/>
-  <p:tag name="KSO_WM_SLIDE_TYPE" val="title"/>
-  <p:tag name="KSO_WM_SLIDE_SUBTYPE" val="defaultBlank"/>
-  <p:tag name="KSO_WM_SLIDE_ITEM_CNT" val="0"/>
-  <p:tag name="KSO_WM_SLIDE_INDEX" val="1"/>
-  <p:tag name="KSO_WM_TAG_VERSION" val="1.0"/>
-  <p:tag name="KSO_WM_BEAUTIFY_FLAG" val="#wm#"/>
-  <p:tag name="KSO_WM_TEMPLATE_CATEGORY" val="custom"/>
-  <p:tag name="KSO_WM_TEMPLATE_INDEX" val="20205081"/>
-  <p:tag name="KSO_WM_SLIDE_LAYOUT" val="a_b"/>
-  <p:tag name="KSO_WM_SLIDE_LAYOUT_CNT" val="1_1"/>
-  <p:tag name="KSO_WM_UNIT_SHOW_EDIT_AREA_INDICATION" val="1"/>
-  <p:tag name="KSO_WM_TEMPLATE_THUMBS_INDEX" val="1、4、7、12、13、14、15、16、17、18、20、24、25、28、33、36、40、43、44"/>
+  <p:tag name="KSO_WM_BEAUTIFY_FLAG" val=""/>
 </p:tagLst>
 </file>
 
 <file path=ppt/tags/tag71.xml><?xml version="1.0" encoding="utf-8"?>
+<p:tagLst xmlns:p="http://schemas.openxmlformats.org/presentationml/2006/main">
+  <p:tag name="KSO_WM_BEAUTIFY_FLAG" val=""/>
+</p:tagLst>
+</file>
+
+<file path=ppt/tags/tag72.xml><?xml version="1.0" encoding="utf-8"?>
+<p:tagLst xmlns:p="http://schemas.openxmlformats.org/presentationml/2006/main">
+  <p:tag name="KSO_WM_BEAUTIFY_FLAG" val=""/>
+</p:tagLst>
+</file>
+
+<file path=ppt/tags/tag73.xml><?xml version="1.0" encoding="utf-8"?>
 <p:tagLst xmlns:p="http://schemas.openxmlformats.org/presentationml/2006/main">
   <p:tag name="KSO_WM_SLIDE_ID" val="custom20205081_1"/>
   <p:tag name="KSO_WM_TEMPLATE_SUBCATEGORY" val="19"/>
@@ -9101,7 +13228,25 @@
 </p:tagLst>
 </file>
 
-<file path=ppt/tags/tag72.xml><?xml version="1.0" encoding="utf-8"?>
+<file path=ppt/tags/tag74.xml><?xml version="1.0" encoding="utf-8"?>
+<p:tagLst xmlns:p="http://schemas.openxmlformats.org/presentationml/2006/main">
+  <p:tag name="KSO_WM_BEAUTIFY_FLAG" val=""/>
+</p:tagLst>
+</file>
+
+<file path=ppt/tags/tag75.xml><?xml version="1.0" encoding="utf-8"?>
+<p:tagLst xmlns:p="http://schemas.openxmlformats.org/presentationml/2006/main">
+  <p:tag name="KSO_WM_BEAUTIFY_FLAG" val=""/>
+</p:tagLst>
+</file>
+
+<file path=ppt/tags/tag76.xml><?xml version="1.0" encoding="utf-8"?>
+<p:tagLst xmlns:p="http://schemas.openxmlformats.org/presentationml/2006/main">
+  <p:tag name="KSO_WM_BEAUTIFY_FLAG" val=""/>
+</p:tagLst>
+</file>
+
+<file path=ppt/tags/tag77.xml><?xml version="1.0" encoding="utf-8"?>
 <p:tagLst xmlns:p="http://schemas.openxmlformats.org/presentationml/2006/main">
   <p:tag name="KSO_WM_SLIDE_ID" val="custom20205081_1"/>
   <p:tag name="KSO_WM_TEMPLATE_SUBCATEGORY" val="19"/>
@@ -9122,9 +13267,15 @@
 </p:tagLst>
 </file>
 
-<file path=ppt/tags/tag73.xml><?xml version="1.0" encoding="utf-8"?>
+<file path=ppt/tags/tag78.xml><?xml version="1.0" encoding="utf-8"?>
 <p:tagLst xmlns:p="http://schemas.openxmlformats.org/presentationml/2006/main">
-  <p:tag name="COMMONDATA" val="eyJoZGlkIjoiY2NhYWU4ODljMTE5NjFlNDE0MWMzOWY2ZDJjOWUyYTYifQ=="/>
+  <p:tag name="KSO_WM_BEAUTIFY_FLAG" val=""/>
+</p:tagLst>
+</file>
+
+<file path=ppt/tags/tag79.xml><?xml version="1.0" encoding="utf-8"?>
+<p:tagLst xmlns:p="http://schemas.openxmlformats.org/presentationml/2006/main">
+  <p:tag name="KSO_WM_BEAUTIFY_FLAG" val=""/>
 </p:tagLst>
 </file>
 
@@ -9138,6 +13289,100 @@
   <p:tag name="KSO_WM_UNIT_LAYERLEVEL" val="1"/>
   <p:tag name="KSO_WM_TAG_VERSION" val="1.0"/>
   <p:tag name="KSO_WM_BEAUTIFY_FLAG" val="#wm#"/>
+</p:tagLst>
+</file>
+
+<file path=ppt/tags/tag80.xml><?xml version="1.0" encoding="utf-8"?>
+<p:tagLst xmlns:p="http://schemas.openxmlformats.org/presentationml/2006/main">
+  <p:tag name="KSO_WM_SLIDE_ID" val="custom20205081_1"/>
+  <p:tag name="KSO_WM_TEMPLATE_SUBCATEGORY" val="19"/>
+  <p:tag name="KSO_WM_TEMPLATE_MASTER_TYPE" val="0"/>
+  <p:tag name="KSO_WM_TEMPLATE_COLOR_TYPE" val="1"/>
+  <p:tag name="KSO_WM_SLIDE_TYPE" val="title"/>
+  <p:tag name="KSO_WM_SLIDE_SUBTYPE" val="defaultBlank"/>
+  <p:tag name="KSO_WM_SLIDE_ITEM_CNT" val="0"/>
+  <p:tag name="KSO_WM_SLIDE_INDEX" val="1"/>
+  <p:tag name="KSO_WM_TAG_VERSION" val="1.0"/>
+  <p:tag name="KSO_WM_BEAUTIFY_FLAG" val="#wm#"/>
+  <p:tag name="KSO_WM_TEMPLATE_CATEGORY" val="custom"/>
+  <p:tag name="KSO_WM_TEMPLATE_INDEX" val="20205081"/>
+  <p:tag name="KSO_WM_SLIDE_LAYOUT" val="a_b"/>
+  <p:tag name="KSO_WM_SLIDE_LAYOUT_CNT" val="1_1"/>
+  <p:tag name="KSO_WM_UNIT_SHOW_EDIT_AREA_INDICATION" val="1"/>
+  <p:tag name="KSO_WM_TEMPLATE_THUMBS_INDEX" val="1、4、7、12、13、14、15、16、17、18、20、24、25、28、33、36、40、43、44"/>
+</p:tagLst>
+</file>
+
+<file path=ppt/tags/tag81.xml><?xml version="1.0" encoding="utf-8"?>
+<p:tagLst xmlns:p="http://schemas.openxmlformats.org/presentationml/2006/main">
+  <p:tag name="KSO_WM_BEAUTIFY_FLAG" val=""/>
+</p:tagLst>
+</file>
+
+<file path=ppt/tags/tag82.xml><?xml version="1.0" encoding="utf-8"?>
+<p:tagLst xmlns:p="http://schemas.openxmlformats.org/presentationml/2006/main">
+  <p:tag name="KSO_WM_BEAUTIFY_FLAG" val=""/>
+</p:tagLst>
+</file>
+
+<file path=ppt/tags/tag83.xml><?xml version="1.0" encoding="utf-8"?>
+<p:tagLst xmlns:p="http://schemas.openxmlformats.org/presentationml/2006/main">
+  <p:tag name="KSO_WM_SLIDE_ID" val="custom20205081_1"/>
+  <p:tag name="KSO_WM_TEMPLATE_SUBCATEGORY" val="19"/>
+  <p:tag name="KSO_WM_TEMPLATE_MASTER_TYPE" val="0"/>
+  <p:tag name="KSO_WM_TEMPLATE_COLOR_TYPE" val="1"/>
+  <p:tag name="KSO_WM_SLIDE_TYPE" val="title"/>
+  <p:tag name="KSO_WM_SLIDE_SUBTYPE" val="defaultBlank"/>
+  <p:tag name="KSO_WM_SLIDE_ITEM_CNT" val="0"/>
+  <p:tag name="KSO_WM_SLIDE_INDEX" val="1"/>
+  <p:tag name="KSO_WM_TAG_VERSION" val="1.0"/>
+  <p:tag name="KSO_WM_BEAUTIFY_FLAG" val="#wm#"/>
+  <p:tag name="KSO_WM_TEMPLATE_CATEGORY" val="custom"/>
+  <p:tag name="KSO_WM_TEMPLATE_INDEX" val="20205081"/>
+  <p:tag name="KSO_WM_SLIDE_LAYOUT" val="a_b"/>
+  <p:tag name="KSO_WM_SLIDE_LAYOUT_CNT" val="1_1"/>
+  <p:tag name="KSO_WM_UNIT_SHOW_EDIT_AREA_INDICATION" val="1"/>
+  <p:tag name="KSO_WM_TEMPLATE_THUMBS_INDEX" val="1、4、7、12、13、14、15、16、17、18、20、24、25、28、33、36、40、43、44"/>
+</p:tagLst>
+</file>
+
+<file path=ppt/tags/tag84.xml><?xml version="1.0" encoding="utf-8"?>
+<p:tagLst xmlns:p="http://schemas.openxmlformats.org/presentationml/2006/main">
+  <p:tag name="KSO_WM_BEAUTIFY_FLAG" val=""/>
+</p:tagLst>
+</file>
+
+<file path=ppt/tags/tag85.xml><?xml version="1.0" encoding="utf-8"?>
+<p:tagLst xmlns:p="http://schemas.openxmlformats.org/presentationml/2006/main">
+  <p:tag name="KSO_WM_BEAUTIFY_FLAG" val=""/>
+</p:tagLst>
+</file>
+
+<file path=ppt/tags/tag86.xml><?xml version="1.0" encoding="utf-8"?>
+<p:tagLst xmlns:p="http://schemas.openxmlformats.org/presentationml/2006/main">
+  <p:tag name="KSO_WM_SLIDE_ID" val="custom20205081_1"/>
+  <p:tag name="KSO_WM_TEMPLATE_SUBCATEGORY" val="19"/>
+  <p:tag name="KSO_WM_TEMPLATE_MASTER_TYPE" val="0"/>
+  <p:tag name="KSO_WM_TEMPLATE_COLOR_TYPE" val="1"/>
+  <p:tag name="KSO_WM_SLIDE_TYPE" val="title"/>
+  <p:tag name="KSO_WM_SLIDE_SUBTYPE" val="defaultBlank"/>
+  <p:tag name="KSO_WM_SLIDE_ITEM_CNT" val="0"/>
+  <p:tag name="KSO_WM_SLIDE_INDEX" val="1"/>
+  <p:tag name="KSO_WM_TAG_VERSION" val="1.0"/>
+  <p:tag name="KSO_WM_BEAUTIFY_FLAG" val="#wm#"/>
+  <p:tag name="KSO_WM_TEMPLATE_CATEGORY" val="custom"/>
+  <p:tag name="KSO_WM_TEMPLATE_INDEX" val="20205081"/>
+  <p:tag name="KSO_WM_SLIDE_LAYOUT" val="a_b"/>
+  <p:tag name="KSO_WM_SLIDE_LAYOUT_CNT" val="1_1"/>
+  <p:tag name="KSO_WM_UNIT_SHOW_EDIT_AREA_INDICATION" val="1"/>
+  <p:tag name="KSO_WM_TEMPLATE_THUMBS_INDEX" val="1、4、7、12、13、14、15、16、17、18、20、24、25、28、33、36、40、43、44"/>
+</p:tagLst>
+</file>
+
+<file path=ppt/tags/tag87.xml><?xml version="1.0" encoding="utf-8"?>
+<p:tagLst xmlns:p="http://schemas.openxmlformats.org/presentationml/2006/main">
+  <p:tag name="COMMONDATA" val="eyJoZGlkIjoiY2NhYWU4ODljMTE5NjFlNDE0MWMzOWY2ZDJjOWUyYTYifQ=="/>
+  <p:tag name="KSO_WPP_MARK_KEY" val="5f705d26-d263-4979-a5b8-d57acbb2fc9a"/>
 </p:tagLst>
 </file>
 

--- a/开题报告演讲PPT.pptx
+++ b/开题报告演讲PPT.pptx
@@ -3912,7 +3912,6 @@
             <a:pPr algn="ctr"/>
             <a:r>
               <a:rPr lang="zh-CN" altLang="en-US" sz="2400" b="1">
-                <a:ln/>
                 <a:solidFill>
                   <a:srgbClr val="FFBA55"/>
                 </a:solidFill>
@@ -3928,7 +3927,6 @@
             </a:r>
             <a:r>
               <a:rPr lang="en-US" altLang="zh-CN" sz="2400" b="1">
-                <a:ln/>
                 <a:solidFill>
                   <a:srgbClr val="FFBA55"/>
                 </a:solidFill>
@@ -3944,7 +3942,6 @@
             </a:r>
             <a:r>
               <a:rPr lang="zh-CN" altLang="en-US" sz="2400" b="1">
-                <a:ln/>
                 <a:solidFill>
                   <a:srgbClr val="FFBA55"/>
                 </a:solidFill>
@@ -3960,7 +3957,6 @@
             </a:r>
             <a:r>
               <a:rPr lang="en-US" altLang="zh-CN" sz="2400" b="1">
-                <a:ln/>
                 <a:solidFill>
                   <a:srgbClr val="FFBA55"/>
                 </a:solidFill>
@@ -3976,7 +3972,6 @@
             </a:r>
             <a:r>
               <a:rPr lang="zh-CN" altLang="en-US" sz="2400" b="1">
-                <a:ln/>
                 <a:solidFill>
                   <a:srgbClr val="FFBA55"/>
                 </a:solidFill>
@@ -3992,7 +3987,6 @@
             </a:r>
             <a:r>
               <a:rPr lang="en-US" altLang="zh-CN" sz="2400" b="1">
-                <a:ln/>
                 <a:solidFill>
                   <a:srgbClr val="FFBA55"/>
                 </a:solidFill>
@@ -4008,7 +4002,6 @@
             </a:r>
             <a:r>
               <a:rPr lang="zh-CN" altLang="en-US" sz="2400" b="1">
-                <a:ln/>
                 <a:solidFill>
                   <a:srgbClr val="FFBA55"/>
                 </a:solidFill>
@@ -4023,7 +4016,6 @@
               <a:t>告</a:t>
             </a:r>
             <a:endParaRPr lang="zh-CN" altLang="en-US" sz="2400" b="1">
-              <a:ln/>
               <a:solidFill>
                 <a:srgbClr val="FFBA55"/>
               </a:solidFill>
@@ -4148,7 +4140,67 @@
                   </a:outerShdw>
                 </a:effectLst>
               </a:rPr>
-              <a:t>吴玉配</a:t>
+              <a:t>吴</a:t>
+            </a:r>
+            <a:r>
+              <a:rPr lang="en-US" altLang="zh-CN">
+                <a:solidFill>
+                  <a:schemeClr val="tx1"/>
+                </a:solidFill>
+                <a:effectLst>
+                  <a:outerShdw blurRad="38100" dist="19050" dir="2700000" algn="tl" rotWithShape="0">
+                    <a:schemeClr val="dk1">
+                      <a:alpha val="40000"/>
+                    </a:schemeClr>
+                  </a:outerShdw>
+                </a:effectLst>
+              </a:rPr>
+              <a:t> </a:t>
+            </a:r>
+            <a:r>
+              <a:rPr lang="zh-CN" altLang="en-US">
+                <a:solidFill>
+                  <a:schemeClr val="tx1"/>
+                </a:solidFill>
+                <a:effectLst>
+                  <a:outerShdw blurRad="38100" dist="19050" dir="2700000" algn="tl" rotWithShape="0">
+                    <a:schemeClr val="dk1">
+                      <a:alpha val="40000"/>
+                    </a:schemeClr>
+                  </a:outerShdw>
+                </a:effectLst>
+              </a:rPr>
+              <a:t>玉</a:t>
+            </a:r>
+            <a:r>
+              <a:rPr lang="en-US" altLang="zh-CN">
+                <a:solidFill>
+                  <a:schemeClr val="tx1"/>
+                </a:solidFill>
+                <a:effectLst>
+                  <a:outerShdw blurRad="38100" dist="19050" dir="2700000" algn="tl" rotWithShape="0">
+                    <a:schemeClr val="dk1">
+                      <a:alpha val="40000"/>
+                    </a:schemeClr>
+                  </a:outerShdw>
+                </a:effectLst>
+              </a:rPr>
+              <a:t> </a:t>
+            </a:r>
+            <a:r>
+              <a:rPr lang="zh-CN" altLang="en-US">
+                <a:solidFill>
+                  <a:schemeClr val="tx1"/>
+                </a:solidFill>
+                <a:effectLst>
+                  <a:outerShdw blurRad="38100" dist="19050" dir="2700000" algn="tl" rotWithShape="0">
+                    <a:schemeClr val="dk1">
+                      <a:alpha val="40000"/>
+                    </a:schemeClr>
+                  </a:outerShdw>
+                </a:effectLst>
+              </a:rPr>
+              <a:t>配</a:t>
             </a:r>
             <a:r>
               <a:rPr lang="en-US" altLang="zh-CN">
@@ -4328,7 +4380,7 @@
                   </a:outerShdw>
                 </a:effectLst>
               </a:rPr>
-              <a:t>2023/02/21</a:t>
+              <a:t>2023 / 02 / 21</a:t>
             </a:r>
             <a:endParaRPr lang="zh-CN" altLang="en-US">
               <a:solidFill>
@@ -7768,7 +7820,7 @@
         </p:nvSpPr>
         <p:spPr>
           <a:xfrm>
-            <a:off x="245745" y="951230"/>
+            <a:off x="245745" y="855980"/>
             <a:ext cx="11730355" cy="5504815"/>
           </a:xfrm>
           <a:prstGeom prst="rect">
@@ -7781,13 +7833,28 @@
             <a:noAutofit/>
           </a:bodyPr>
           <a:p>
-            <a:pPr marL="342900" indent="-342900">
+            <a:pPr indent="457200">
+              <a:lnSpc>
+                <a:spcPct val="150000"/>
+              </a:lnSpc>
               <a:buFont typeface="Arial" panose="020B0604020202020204" pitchFamily="34" charset="0"/>
-              <a:buAutoNum type="arabicPeriod"/>
+              <a:buNone/>
             </a:pPr>
             <a:r>
               <a:rPr lang="zh-CN" altLang="en-US"/>
-              <a:t>研究实现物流在</a:t>
+              <a:t>物流追踪系统旨在设计一个</a:t>
+            </a:r>
+            <a:r>
+              <a:rPr lang="zh-CN" altLang="en-US">
+                <a:solidFill>
+                  <a:srgbClr val="FFBA55"/>
+                </a:solidFill>
+              </a:rPr>
+              <a:t>可视化</a:t>
+            </a:r>
+            <a:r>
+              <a:rPr lang="zh-CN" altLang="en-US"/>
+              <a:t>的物流管理及追踪平台，需要完成对物流的可视化追踪，拦截，查找，分布状况，运输路线，物流管理等功能，它涉及到物流的基本信息与物流地理信息等数据的关联和数据分析。可视化技术还需要对接专业的</a:t>
             </a:r>
             <a:r>
               <a:rPr lang="en-US" altLang="zh-CN"/>
@@ -7795,74 +7862,15 @@
             </a:r>
             <a:r>
               <a:rPr lang="zh-CN" altLang="en-US"/>
-              <a:t>地图上的可视化追踪</a:t>
+              <a:t>地图服务。</a:t>
             </a:r>
             <a:endParaRPr lang="zh-CN" altLang="en-US"/>
           </a:p>
           <a:p>
-            <a:pPr marL="342900" indent="-342900">
+            <a:pPr indent="0">
               <a:buFont typeface="Arial" panose="020B0604020202020204" pitchFamily="34" charset="0"/>
-              <a:buAutoNum type="arabicPeriod"/>
+              <a:buNone/>
             </a:pPr>
-            <a:endParaRPr lang="en-US" altLang="zh-CN"/>
-          </a:p>
-          <a:p>
-            <a:pPr marL="342900" indent="-342900">
-              <a:buFont typeface="Arial" panose="020B0604020202020204" pitchFamily="34" charset="0"/>
-              <a:buAutoNum type="arabicPeriod"/>
-            </a:pPr>
-            <a:endParaRPr lang="en-US" altLang="zh-CN"/>
-          </a:p>
-          <a:p>
-            <a:pPr marL="342900" indent="-342900">
-              <a:buFont typeface="Arial" panose="020B0604020202020204" pitchFamily="34" charset="0"/>
-              <a:buAutoNum type="arabicPeriod"/>
-            </a:pPr>
-            <a:r>
-              <a:rPr lang="zh-CN" altLang="en-US"/>
-              <a:t>研究分析</a:t>
-            </a:r>
-            <a:r>
-              <a:rPr lang="en-US" altLang="zh-CN"/>
-              <a:t>GIS</a:t>
-            </a:r>
-            <a:r>
-              <a:rPr lang="zh-CN" altLang="en-US"/>
-              <a:t>地图数据结构</a:t>
-            </a:r>
-            <a:endParaRPr lang="zh-CN" altLang="en-US"/>
-          </a:p>
-          <a:p>
-            <a:pPr marL="342900" indent="-342900">
-              <a:buFont typeface="Arial" panose="020B0604020202020204" pitchFamily="34" charset="0"/>
-              <a:buAutoNum type="arabicPeriod"/>
-            </a:pPr>
-            <a:endParaRPr lang="zh-CN" altLang="en-US"/>
-          </a:p>
-          <a:p>
-            <a:pPr marL="342900" indent="-342900">
-              <a:buFont typeface="Arial" panose="020B0604020202020204" pitchFamily="34" charset="0"/>
-              <a:buAutoNum type="arabicPeriod"/>
-            </a:pPr>
-            <a:endParaRPr lang="zh-CN" altLang="en-US"/>
-          </a:p>
-          <a:p>
-            <a:pPr marL="342900" indent="-342900">
-              <a:buFont typeface="Arial" panose="020B0604020202020204" pitchFamily="34" charset="0"/>
-              <a:buAutoNum type="arabicPeriod"/>
-            </a:pPr>
-            <a:r>
-              <a:rPr lang="zh-CN" altLang="en-US"/>
-              <a:t>研究</a:t>
-            </a:r>
-            <a:r>
-              <a:rPr lang="en-US" altLang="zh-CN"/>
-              <a:t>GIS</a:t>
-            </a:r>
-            <a:r>
-              <a:rPr lang="zh-CN" altLang="en-US"/>
-              <a:t>地图数据的储存和操作</a:t>
-            </a:r>
             <a:endParaRPr lang="zh-CN" altLang="en-US"/>
           </a:p>
         </p:txBody>
@@ -8033,176 +8041,6 @@
                                           <p:spTgt spid="5">
                                             <p:txEl>
                                               <p:pRg st="0" end="0"/>
-                                            </p:txEl>
-                                          </p:spTgt>
-                                        </p:tgtEl>
-                                        <p:attrNameLst>
-                                          <p:attrName>ppt_y</p:attrName>
-                                        </p:attrNameLst>
-                                      </p:cBhvr>
-                                      <p:tavLst>
-                                        <p:tav tm="0">
-                                          <p:val>
-                                            <p:strVal val="1+#ppt_h/2"/>
-                                          </p:val>
-                                        </p:tav>
-                                        <p:tav tm="100000">
-                                          <p:val>
-                                            <p:strVal val="#ppt_y"/>
-                                          </p:val>
-                                        </p:tav>
-                                      </p:tavLst>
-                                    </p:anim>
-                                  </p:childTnLst>
-                                </p:cTn>
-                              </p:par>
-                              <p:par>
-                                <p:cTn id="13" presetID="2" presetClass="entr" presetSubtype="4" fill="hold" nodeType="withEffect">
-                                  <p:stCondLst>
-                                    <p:cond delay="0"/>
-                                  </p:stCondLst>
-                                  <p:childTnLst>
-                                    <p:set>
-                                      <p:cBhvr>
-                                        <p:cTn id="14" dur="1" fill="hold">
-                                          <p:stCondLst>
-                                            <p:cond delay="0"/>
-                                          </p:stCondLst>
-                                        </p:cTn>
-                                        <p:tgtEl>
-                                          <p:spTgt spid="5">
-                                            <p:txEl>
-                                              <p:pRg st="3" end="3"/>
-                                            </p:txEl>
-                                          </p:spTgt>
-                                        </p:tgtEl>
-                                        <p:attrNameLst>
-                                          <p:attrName>style.visibility</p:attrName>
-                                        </p:attrNameLst>
-                                      </p:cBhvr>
-                                      <p:to>
-                                        <p:strVal val="visible"/>
-                                      </p:to>
-                                    </p:set>
-                                    <p:anim calcmode="lin" valueType="num">
-                                      <p:cBhvr additive="base">
-                                        <p:cTn id="15" dur="500" fill="hold"/>
-                                        <p:tgtEl>
-                                          <p:spTgt spid="5">
-                                            <p:txEl>
-                                              <p:pRg st="3" end="3"/>
-                                            </p:txEl>
-                                          </p:spTgt>
-                                        </p:tgtEl>
-                                        <p:attrNameLst>
-                                          <p:attrName>ppt_x</p:attrName>
-                                        </p:attrNameLst>
-                                      </p:cBhvr>
-                                      <p:tavLst>
-                                        <p:tav tm="0">
-                                          <p:val>
-                                            <p:strVal val="#ppt_x"/>
-                                          </p:val>
-                                        </p:tav>
-                                        <p:tav tm="100000">
-                                          <p:val>
-                                            <p:strVal val="#ppt_x"/>
-                                          </p:val>
-                                        </p:tav>
-                                      </p:tavLst>
-                                    </p:anim>
-                                    <p:anim calcmode="lin" valueType="num">
-                                      <p:cBhvr additive="base">
-                                        <p:cTn id="16" dur="500" fill="hold"/>
-                                        <p:tgtEl>
-                                          <p:spTgt spid="5">
-                                            <p:txEl>
-                                              <p:pRg st="3" end="3"/>
-                                            </p:txEl>
-                                          </p:spTgt>
-                                        </p:tgtEl>
-                                        <p:attrNameLst>
-                                          <p:attrName>ppt_y</p:attrName>
-                                        </p:attrNameLst>
-                                      </p:cBhvr>
-                                      <p:tavLst>
-                                        <p:tav tm="0">
-                                          <p:val>
-                                            <p:strVal val="1+#ppt_h/2"/>
-                                          </p:val>
-                                        </p:tav>
-                                        <p:tav tm="100000">
-                                          <p:val>
-                                            <p:strVal val="#ppt_y"/>
-                                          </p:val>
-                                        </p:tav>
-                                      </p:tavLst>
-                                    </p:anim>
-                                  </p:childTnLst>
-                                </p:cTn>
-                              </p:par>
-                              <p:par>
-                                <p:cTn id="17" presetID="2" presetClass="entr" presetSubtype="4" fill="hold" nodeType="withEffect">
-                                  <p:stCondLst>
-                                    <p:cond delay="0"/>
-                                  </p:stCondLst>
-                                  <p:childTnLst>
-                                    <p:set>
-                                      <p:cBhvr>
-                                        <p:cTn id="18" dur="1" fill="hold">
-                                          <p:stCondLst>
-                                            <p:cond delay="0"/>
-                                          </p:stCondLst>
-                                        </p:cTn>
-                                        <p:tgtEl>
-                                          <p:spTgt spid="5">
-                                            <p:txEl>
-                                              <p:pRg st="6" end="6"/>
-                                            </p:txEl>
-                                          </p:spTgt>
-                                        </p:tgtEl>
-                                        <p:attrNameLst>
-                                          <p:attrName>style.visibility</p:attrName>
-                                        </p:attrNameLst>
-                                      </p:cBhvr>
-                                      <p:to>
-                                        <p:strVal val="visible"/>
-                                      </p:to>
-                                    </p:set>
-                                    <p:anim calcmode="lin" valueType="num">
-                                      <p:cBhvr additive="base">
-                                        <p:cTn id="19" dur="500" fill="hold"/>
-                                        <p:tgtEl>
-                                          <p:spTgt spid="5">
-                                            <p:txEl>
-                                              <p:pRg st="6" end="6"/>
-                                            </p:txEl>
-                                          </p:spTgt>
-                                        </p:tgtEl>
-                                        <p:attrNameLst>
-                                          <p:attrName>ppt_x</p:attrName>
-                                        </p:attrNameLst>
-                                      </p:cBhvr>
-                                      <p:tavLst>
-                                        <p:tav tm="0">
-                                          <p:val>
-                                            <p:strVal val="#ppt_x"/>
-                                          </p:val>
-                                        </p:tav>
-                                        <p:tav tm="100000">
-                                          <p:val>
-                                            <p:strVal val="#ppt_x"/>
-                                          </p:val>
-                                        </p:tav>
-                                      </p:tavLst>
-                                    </p:anim>
-                                    <p:anim calcmode="lin" valueType="num">
-                                      <p:cBhvr additive="base">
-                                        <p:cTn id="20" dur="500" fill="hold"/>
-                                        <p:tgtEl>
-                                          <p:spTgt spid="5">
-                                            <p:txEl>
-                                              <p:pRg st="6" end="6"/>
                                             </p:txEl>
                                           </p:spTgt>
                                         </p:tgtEl>
@@ -8409,7 +8247,7 @@
                   </a:outerShdw>
                 </a:effectLst>
               </a:rPr>
-              <a:t>.研究内容与方法</a:t>
+              <a:t>.研究方法</a:t>
             </a:r>
             <a:endParaRPr lang="en-US" altLang="zh-CN">
               <a:solidFill>
@@ -8532,14 +8370,753 @@
           </a:p>
         </p:txBody>
       </p:sp>
+      <p:sp>
+        <p:nvSpPr>
+          <p:cNvPr id="3" name="文本框 2"/>
+          <p:cNvSpPr txBox="1"/>
+          <p:nvPr/>
+        </p:nvSpPr>
+        <p:spPr>
+          <a:xfrm>
+            <a:off x="842645" y="1087755"/>
+            <a:ext cx="4064000" cy="368300"/>
+          </a:xfrm>
+          <a:prstGeom prst="rect">
+            <a:avLst/>
+          </a:prstGeom>
+          <a:noFill/>
+        </p:spPr>
+        <p:txBody>
+          <a:bodyPr wrap="square" rtlCol="0">
+            <a:spAutoFit/>
+          </a:bodyPr>
+          <a:p>
+            <a:endParaRPr lang="zh-CN" altLang="en-US"/>
+          </a:p>
+        </p:txBody>
+      </p:sp>
+      <p:sp>
+        <p:nvSpPr>
+          <p:cNvPr id="5" name="文本框 4"/>
+          <p:cNvSpPr txBox="1"/>
+          <p:nvPr>
+            <p:custDataLst>
+              <p:tags r:id="rId3"/>
+            </p:custDataLst>
+          </p:nvPr>
+        </p:nvSpPr>
+        <p:spPr>
+          <a:xfrm>
+            <a:off x="245745" y="951230"/>
+            <a:ext cx="11730355" cy="5504815"/>
+          </a:xfrm>
+          <a:prstGeom prst="rect">
+            <a:avLst/>
+          </a:prstGeom>
+          <a:noFill/>
+        </p:spPr>
+        <p:txBody>
+          <a:bodyPr wrap="square" rtlCol="0">
+            <a:noAutofit/>
+          </a:bodyPr>
+          <a:p>
+            <a:pPr marL="285750" indent="-285750">
+              <a:buFont typeface="Arial" panose="020B0604020202020204" pitchFamily="34" charset="0"/>
+              <a:buChar char="•"/>
+            </a:pPr>
+            <a:r>
+              <a:rPr lang="zh-CN" altLang="en-US" b="1"/>
+              <a:t>系统开发方法（</a:t>
+            </a:r>
+            <a:r>
+              <a:rPr lang="zh-CN" altLang="en-US" b="1">
+                <a:sym typeface="+mn-ea"/>
+              </a:rPr>
+              <a:t>原型法</a:t>
+            </a:r>
+            <a:r>
+              <a:rPr lang="zh-CN" altLang="en-US" b="1"/>
+              <a:t>）</a:t>
+            </a:r>
+            <a:endParaRPr lang="zh-CN" altLang="en-US"/>
+          </a:p>
+          <a:p>
+            <a:pPr marL="342900" indent="-342900">
+              <a:buFont typeface="Arial" panose="020B0604020202020204" pitchFamily="34" charset="0"/>
+              <a:buAutoNum type="arabicPeriod"/>
+            </a:pPr>
+            <a:endParaRPr lang="zh-CN" altLang="en-US"/>
+          </a:p>
+          <a:p>
+            <a:pPr marL="342900" indent="-342900">
+              <a:buFont typeface="Arial" panose="020B0604020202020204" pitchFamily="34" charset="0"/>
+              <a:buAutoNum type="arabicPeriod"/>
+            </a:pPr>
+            <a:r>
+              <a:rPr lang="zh-CN" altLang="en-US"/>
+              <a:t>首先对系统进行功能分析和原型设计</a:t>
+            </a:r>
+            <a:endParaRPr lang="zh-CN" altLang="en-US"/>
+          </a:p>
+          <a:p>
+            <a:pPr marL="342900" indent="-342900">
+              <a:buFont typeface="Arial" panose="020B0604020202020204" pitchFamily="34" charset="0"/>
+              <a:buAutoNum type="arabicPeriod"/>
+            </a:pPr>
+            <a:endParaRPr lang="zh-CN" altLang="en-US"/>
+          </a:p>
+          <a:p>
+            <a:pPr marL="342900" indent="-342900">
+              <a:buFont typeface="Arial" panose="020B0604020202020204" pitchFamily="34" charset="0"/>
+              <a:buAutoNum type="arabicPeriod"/>
+            </a:pPr>
+            <a:r>
+              <a:rPr lang="zh-CN" altLang="en-US"/>
+              <a:t>开发过程中随着</a:t>
+            </a:r>
+            <a:endParaRPr lang="en-US" altLang="zh-CN"/>
+          </a:p>
+          <a:p>
+            <a:pPr marL="342900" indent="-342900">
+              <a:buFont typeface="Arial" panose="020B0604020202020204" pitchFamily="34" charset="0"/>
+              <a:buAutoNum type="arabicPeriod"/>
+            </a:pPr>
+            <a:endParaRPr lang="zh-CN" altLang="en-US"/>
+          </a:p>
+          <a:p>
+            <a:pPr marL="342900" indent="-342900">
+              <a:buFont typeface="Arial" panose="020B0604020202020204" pitchFamily="34" charset="0"/>
+              <a:buAutoNum type="arabicPeriod"/>
+            </a:pPr>
+            <a:endParaRPr lang="zh-CN" altLang="en-US"/>
+          </a:p>
+          <a:p>
+            <a:pPr marL="285750" indent="-285750">
+              <a:buFont typeface="Arial" panose="020B0604020202020204" pitchFamily="34" charset="0"/>
+              <a:buChar char="•"/>
+            </a:pPr>
+            <a:endParaRPr lang="zh-CN" altLang="en-US"/>
+          </a:p>
+          <a:p>
+            <a:pPr marL="285750" indent="-285750">
+              <a:buFont typeface="Arial" panose="020B0604020202020204" pitchFamily="34" charset="0"/>
+              <a:buChar char="•"/>
+            </a:pPr>
+            <a:endParaRPr lang="zh-CN" altLang="en-US"/>
+          </a:p>
+          <a:p>
+            <a:pPr marL="285750" indent="-285750">
+              <a:buFont typeface="Arial" panose="020B0604020202020204" pitchFamily="34" charset="0"/>
+              <a:buChar char="•"/>
+            </a:pPr>
+            <a:endParaRPr lang="zh-CN" altLang="en-US"/>
+          </a:p>
+          <a:p>
+            <a:pPr marL="285750" indent="-285750">
+              <a:buFont typeface="Arial" panose="020B0604020202020204" pitchFamily="34" charset="0"/>
+              <a:buChar char="•"/>
+            </a:pPr>
+            <a:r>
+              <a:rPr lang="zh-CN" altLang="en-US" b="1"/>
+              <a:t>系统开发模型（瀑布模型）</a:t>
+            </a:r>
+            <a:endParaRPr lang="zh-CN" altLang="en-US"/>
+          </a:p>
+          <a:p>
+            <a:pPr marL="285750" indent="-285750">
+              <a:buFont typeface="Arial" panose="020B0604020202020204" pitchFamily="34" charset="0"/>
+              <a:buChar char="•"/>
+            </a:pPr>
+            <a:endParaRPr lang="zh-CN" altLang="en-US"/>
+          </a:p>
+          <a:p>
+            <a:pPr marL="342900" indent="-342900">
+              <a:buFont typeface="Arial" panose="020B0604020202020204" pitchFamily="34" charset="0"/>
+              <a:buAutoNum type="arabicPeriod"/>
+            </a:pPr>
+            <a:r>
+              <a:rPr lang="zh-CN" altLang="en-US"/>
+              <a:t>根据事先设计的原型图进行开发</a:t>
+            </a:r>
+            <a:endParaRPr lang="zh-CN" altLang="en-US"/>
+          </a:p>
+          <a:p>
+            <a:pPr marL="342900" indent="-342900">
+              <a:buFont typeface="Arial" panose="020B0604020202020204" pitchFamily="34" charset="0"/>
+              <a:buAutoNum type="arabicPeriod"/>
+            </a:pPr>
+            <a:endParaRPr lang="en-US" altLang="zh-CN"/>
+          </a:p>
+          <a:p>
+            <a:pPr marL="342900" indent="-342900">
+              <a:buFont typeface="Arial" panose="020B0604020202020204" pitchFamily="34" charset="0"/>
+              <a:buAutoNum type="arabicPeriod"/>
+            </a:pPr>
+            <a:endParaRPr lang="en-US" altLang="zh-CN"/>
+          </a:p>
+        </p:txBody>
+      </p:sp>
     </p:spTree>
     <p:custDataLst>
-      <p:tags r:id="rId3"/>
+      <p:tags r:id="rId4"/>
     </p:custDataLst>
   </p:cSld>
   <p:clrMapOvr>
     <a:masterClrMapping/>
   </p:clrMapOvr>
+  <p:timing>
+    <p:tnLst>
+      <p:par>
+        <p:cTn id="1" dur="indefinite" restart="never" nodeType="tmRoot">
+          <p:childTnLst>
+            <p:seq concurrent="1" nextAc="seek">
+              <p:cTn id="2" dur="indefinite" nodeType="mainSeq">
+                <p:childTnLst>
+                  <p:par>
+                    <p:cTn id="3" fill="hold">
+                      <p:stCondLst>
+                        <p:cond delay="indefinite"/>
+                        <p:cond evt="onBegin" delay="0">
+                          <p:tn val="2"/>
+                        </p:cond>
+                      </p:stCondLst>
+                      <p:childTnLst>
+                        <p:par>
+                          <p:cTn id="4" fill="hold">
+                            <p:stCondLst>
+                              <p:cond delay="0"/>
+                            </p:stCondLst>
+                            <p:childTnLst>
+                              <p:par>
+                                <p:cTn id="5" presetID="2" presetClass="entr" presetSubtype="4" fill="hold" grpId="0" nodeType="withEffect">
+                                  <p:stCondLst>
+                                    <p:cond delay="0"/>
+                                  </p:stCondLst>
+                                  <p:childTnLst>
+                                    <p:set>
+                                      <p:cBhvr>
+                                        <p:cTn id="6" dur="1" fill="hold">
+                                          <p:stCondLst>
+                                            <p:cond delay="0"/>
+                                          </p:stCondLst>
+                                        </p:cTn>
+                                        <p:tgtEl>
+                                          <p:spTgt spid="5"/>
+                                        </p:tgtEl>
+                                        <p:attrNameLst>
+                                          <p:attrName>style.visibility</p:attrName>
+                                        </p:attrNameLst>
+                                      </p:cBhvr>
+                                      <p:to>
+                                        <p:strVal val="visible"/>
+                                      </p:to>
+                                    </p:set>
+                                    <p:anim calcmode="lin" valueType="num">
+                                      <p:cBhvr additive="base">
+                                        <p:cTn id="7" dur="500" fill="hold"/>
+                                        <p:tgtEl>
+                                          <p:spTgt spid="5"/>
+                                        </p:tgtEl>
+                                        <p:attrNameLst>
+                                          <p:attrName>ppt_x</p:attrName>
+                                        </p:attrNameLst>
+                                      </p:cBhvr>
+                                      <p:tavLst>
+                                        <p:tav tm="0">
+                                          <p:val>
+                                            <p:strVal val="#ppt_x"/>
+                                          </p:val>
+                                        </p:tav>
+                                        <p:tav tm="100000">
+                                          <p:val>
+                                            <p:strVal val="#ppt_x"/>
+                                          </p:val>
+                                        </p:tav>
+                                      </p:tavLst>
+                                    </p:anim>
+                                    <p:anim calcmode="lin" valueType="num">
+                                      <p:cBhvr additive="base">
+                                        <p:cTn id="8" dur="500" fill="hold"/>
+                                        <p:tgtEl>
+                                          <p:spTgt spid="5"/>
+                                        </p:tgtEl>
+                                        <p:attrNameLst>
+                                          <p:attrName>ppt_y</p:attrName>
+                                        </p:attrNameLst>
+                                      </p:cBhvr>
+                                      <p:tavLst>
+                                        <p:tav tm="0">
+                                          <p:val>
+                                            <p:strVal val="1+#ppt_h/2"/>
+                                          </p:val>
+                                        </p:tav>
+                                        <p:tav tm="100000">
+                                          <p:val>
+                                            <p:strVal val="#ppt_y"/>
+                                          </p:val>
+                                        </p:tav>
+                                      </p:tavLst>
+                                    </p:anim>
+                                  </p:childTnLst>
+                                </p:cTn>
+                              </p:par>
+                              <p:par>
+                                <p:cTn id="9" presetID="2" presetClass="entr" presetSubtype="4" fill="hold" nodeType="withEffect">
+                                  <p:stCondLst>
+                                    <p:cond delay="0"/>
+                                  </p:stCondLst>
+                                  <p:childTnLst>
+                                    <p:set>
+                                      <p:cBhvr>
+                                        <p:cTn id="10" dur="1" fill="hold">
+                                          <p:stCondLst>
+                                            <p:cond delay="0"/>
+                                          </p:stCondLst>
+                                        </p:cTn>
+                                        <p:tgtEl>
+                                          <p:spTgt spid="5">
+                                            <p:txEl>
+                                              <p:pRg st="0" end="0"/>
+                                            </p:txEl>
+                                          </p:spTgt>
+                                        </p:tgtEl>
+                                        <p:attrNameLst>
+                                          <p:attrName>style.visibility</p:attrName>
+                                        </p:attrNameLst>
+                                      </p:cBhvr>
+                                      <p:to>
+                                        <p:strVal val="visible"/>
+                                      </p:to>
+                                    </p:set>
+                                    <p:anim calcmode="lin" valueType="num">
+                                      <p:cBhvr additive="base">
+                                        <p:cTn id="11" dur="500" fill="hold"/>
+                                        <p:tgtEl>
+                                          <p:spTgt spid="5">
+                                            <p:txEl>
+                                              <p:pRg st="0" end="0"/>
+                                            </p:txEl>
+                                          </p:spTgt>
+                                        </p:tgtEl>
+                                        <p:attrNameLst>
+                                          <p:attrName>ppt_x</p:attrName>
+                                        </p:attrNameLst>
+                                      </p:cBhvr>
+                                      <p:tavLst>
+                                        <p:tav tm="0">
+                                          <p:val>
+                                            <p:strVal val="#ppt_x"/>
+                                          </p:val>
+                                        </p:tav>
+                                        <p:tav tm="100000">
+                                          <p:val>
+                                            <p:strVal val="#ppt_x"/>
+                                          </p:val>
+                                        </p:tav>
+                                      </p:tavLst>
+                                    </p:anim>
+                                    <p:anim calcmode="lin" valueType="num">
+                                      <p:cBhvr additive="base">
+                                        <p:cTn id="12" dur="500" fill="hold"/>
+                                        <p:tgtEl>
+                                          <p:spTgt spid="5">
+                                            <p:txEl>
+                                              <p:pRg st="0" end="0"/>
+                                            </p:txEl>
+                                          </p:spTgt>
+                                        </p:tgtEl>
+                                        <p:attrNameLst>
+                                          <p:attrName>ppt_y</p:attrName>
+                                        </p:attrNameLst>
+                                      </p:cBhvr>
+                                      <p:tavLst>
+                                        <p:tav tm="0">
+                                          <p:val>
+                                            <p:strVal val="1+#ppt_h/2"/>
+                                          </p:val>
+                                        </p:tav>
+                                        <p:tav tm="100000">
+                                          <p:val>
+                                            <p:strVal val="#ppt_y"/>
+                                          </p:val>
+                                        </p:tav>
+                                      </p:tavLst>
+                                    </p:anim>
+                                  </p:childTnLst>
+                                </p:cTn>
+                              </p:par>
+                              <p:par>
+                                <p:cTn id="13" presetID="2" presetClass="entr" presetSubtype="4" fill="hold" nodeType="withEffect">
+                                  <p:stCondLst>
+                                    <p:cond delay="0"/>
+                                  </p:stCondLst>
+                                  <p:childTnLst>
+                                    <p:set>
+                                      <p:cBhvr>
+                                        <p:cTn id="14" dur="1" fill="hold">
+                                          <p:stCondLst>
+                                            <p:cond delay="0"/>
+                                          </p:stCondLst>
+                                        </p:cTn>
+                                        <p:tgtEl>
+                                          <p:spTgt spid="5">
+                                            <p:txEl>
+                                              <p:pRg st="2" end="2"/>
+                                            </p:txEl>
+                                          </p:spTgt>
+                                        </p:tgtEl>
+                                        <p:attrNameLst>
+                                          <p:attrName>style.visibility</p:attrName>
+                                        </p:attrNameLst>
+                                      </p:cBhvr>
+                                      <p:to>
+                                        <p:strVal val="visible"/>
+                                      </p:to>
+                                    </p:set>
+                                    <p:anim calcmode="lin" valueType="num">
+                                      <p:cBhvr additive="base">
+                                        <p:cTn id="15" dur="500" fill="hold"/>
+                                        <p:tgtEl>
+                                          <p:spTgt spid="5">
+                                            <p:txEl>
+                                              <p:pRg st="2" end="2"/>
+                                            </p:txEl>
+                                          </p:spTgt>
+                                        </p:tgtEl>
+                                        <p:attrNameLst>
+                                          <p:attrName>ppt_x</p:attrName>
+                                        </p:attrNameLst>
+                                      </p:cBhvr>
+                                      <p:tavLst>
+                                        <p:tav tm="0">
+                                          <p:val>
+                                            <p:strVal val="#ppt_x"/>
+                                          </p:val>
+                                        </p:tav>
+                                        <p:tav tm="100000">
+                                          <p:val>
+                                            <p:strVal val="#ppt_x"/>
+                                          </p:val>
+                                        </p:tav>
+                                      </p:tavLst>
+                                    </p:anim>
+                                    <p:anim calcmode="lin" valueType="num">
+                                      <p:cBhvr additive="base">
+                                        <p:cTn id="16" dur="500" fill="hold"/>
+                                        <p:tgtEl>
+                                          <p:spTgt spid="5">
+                                            <p:txEl>
+                                              <p:pRg st="2" end="2"/>
+                                            </p:txEl>
+                                          </p:spTgt>
+                                        </p:tgtEl>
+                                        <p:attrNameLst>
+                                          <p:attrName>ppt_y</p:attrName>
+                                        </p:attrNameLst>
+                                      </p:cBhvr>
+                                      <p:tavLst>
+                                        <p:tav tm="0">
+                                          <p:val>
+                                            <p:strVal val="1+#ppt_h/2"/>
+                                          </p:val>
+                                        </p:tav>
+                                        <p:tav tm="100000">
+                                          <p:val>
+                                            <p:strVal val="#ppt_y"/>
+                                          </p:val>
+                                        </p:tav>
+                                      </p:tavLst>
+                                    </p:anim>
+                                  </p:childTnLst>
+                                </p:cTn>
+                              </p:par>
+                              <p:par>
+                                <p:cTn id="17" presetID="2" presetClass="entr" presetSubtype="4" fill="hold" nodeType="withEffect">
+                                  <p:stCondLst>
+                                    <p:cond delay="0"/>
+                                  </p:stCondLst>
+                                  <p:childTnLst>
+                                    <p:set>
+                                      <p:cBhvr>
+                                        <p:cTn id="18" dur="1" fill="hold">
+                                          <p:stCondLst>
+                                            <p:cond delay="0"/>
+                                          </p:stCondLst>
+                                        </p:cTn>
+                                        <p:tgtEl>
+                                          <p:spTgt spid="5">
+                                            <p:txEl>
+                                              <p:pRg st="4" end="4"/>
+                                            </p:txEl>
+                                          </p:spTgt>
+                                        </p:tgtEl>
+                                        <p:attrNameLst>
+                                          <p:attrName>style.visibility</p:attrName>
+                                        </p:attrNameLst>
+                                      </p:cBhvr>
+                                      <p:to>
+                                        <p:strVal val="visible"/>
+                                      </p:to>
+                                    </p:set>
+                                    <p:anim calcmode="lin" valueType="num">
+                                      <p:cBhvr additive="base">
+                                        <p:cTn id="19" dur="500" fill="hold"/>
+                                        <p:tgtEl>
+                                          <p:spTgt spid="5">
+                                            <p:txEl>
+                                              <p:pRg st="4" end="4"/>
+                                            </p:txEl>
+                                          </p:spTgt>
+                                        </p:tgtEl>
+                                        <p:attrNameLst>
+                                          <p:attrName>ppt_x</p:attrName>
+                                        </p:attrNameLst>
+                                      </p:cBhvr>
+                                      <p:tavLst>
+                                        <p:tav tm="0">
+                                          <p:val>
+                                            <p:strVal val="#ppt_x"/>
+                                          </p:val>
+                                        </p:tav>
+                                        <p:tav tm="100000">
+                                          <p:val>
+                                            <p:strVal val="#ppt_x"/>
+                                          </p:val>
+                                        </p:tav>
+                                      </p:tavLst>
+                                    </p:anim>
+                                    <p:anim calcmode="lin" valueType="num">
+                                      <p:cBhvr additive="base">
+                                        <p:cTn id="20" dur="500" fill="hold"/>
+                                        <p:tgtEl>
+                                          <p:spTgt spid="5">
+                                            <p:txEl>
+                                              <p:pRg st="4" end="4"/>
+                                            </p:txEl>
+                                          </p:spTgt>
+                                        </p:tgtEl>
+                                        <p:attrNameLst>
+                                          <p:attrName>ppt_y</p:attrName>
+                                        </p:attrNameLst>
+                                      </p:cBhvr>
+                                      <p:tavLst>
+                                        <p:tav tm="0">
+                                          <p:val>
+                                            <p:strVal val="1+#ppt_h/2"/>
+                                          </p:val>
+                                        </p:tav>
+                                        <p:tav tm="100000">
+                                          <p:val>
+                                            <p:strVal val="#ppt_y"/>
+                                          </p:val>
+                                        </p:tav>
+                                      </p:tavLst>
+                                    </p:anim>
+                                  </p:childTnLst>
+                                </p:cTn>
+                              </p:par>
+                              <p:par>
+                                <p:cTn id="21" presetID="2" presetClass="entr" presetSubtype="4" fill="hold" nodeType="withEffect">
+                                  <p:stCondLst>
+                                    <p:cond delay="0"/>
+                                  </p:stCondLst>
+                                  <p:childTnLst>
+                                    <p:set>
+                                      <p:cBhvr>
+                                        <p:cTn id="22" dur="1" fill="hold">
+                                          <p:stCondLst>
+                                            <p:cond delay="0"/>
+                                          </p:stCondLst>
+                                        </p:cTn>
+                                        <p:tgtEl>
+                                          <p:spTgt spid="5">
+                                            <p:txEl>
+                                              <p:pRg st="10" end="10"/>
+                                            </p:txEl>
+                                          </p:spTgt>
+                                        </p:tgtEl>
+                                        <p:attrNameLst>
+                                          <p:attrName>style.visibility</p:attrName>
+                                        </p:attrNameLst>
+                                      </p:cBhvr>
+                                      <p:to>
+                                        <p:strVal val="visible"/>
+                                      </p:to>
+                                    </p:set>
+                                    <p:anim calcmode="lin" valueType="num">
+                                      <p:cBhvr additive="base">
+                                        <p:cTn id="23" dur="500" fill="hold"/>
+                                        <p:tgtEl>
+                                          <p:spTgt spid="5">
+                                            <p:txEl>
+                                              <p:pRg st="10" end="10"/>
+                                            </p:txEl>
+                                          </p:spTgt>
+                                        </p:tgtEl>
+                                        <p:attrNameLst>
+                                          <p:attrName>ppt_x</p:attrName>
+                                        </p:attrNameLst>
+                                      </p:cBhvr>
+                                      <p:tavLst>
+                                        <p:tav tm="0">
+                                          <p:val>
+                                            <p:strVal val="#ppt_x"/>
+                                          </p:val>
+                                        </p:tav>
+                                        <p:tav tm="100000">
+                                          <p:val>
+                                            <p:strVal val="#ppt_x"/>
+                                          </p:val>
+                                        </p:tav>
+                                      </p:tavLst>
+                                    </p:anim>
+                                    <p:anim calcmode="lin" valueType="num">
+                                      <p:cBhvr additive="base">
+                                        <p:cTn id="24" dur="500" fill="hold"/>
+                                        <p:tgtEl>
+                                          <p:spTgt spid="5">
+                                            <p:txEl>
+                                              <p:pRg st="10" end="10"/>
+                                            </p:txEl>
+                                          </p:spTgt>
+                                        </p:tgtEl>
+                                        <p:attrNameLst>
+                                          <p:attrName>ppt_y</p:attrName>
+                                        </p:attrNameLst>
+                                      </p:cBhvr>
+                                      <p:tavLst>
+                                        <p:tav tm="0">
+                                          <p:val>
+                                            <p:strVal val="1+#ppt_h/2"/>
+                                          </p:val>
+                                        </p:tav>
+                                        <p:tav tm="100000">
+                                          <p:val>
+                                            <p:strVal val="#ppt_y"/>
+                                          </p:val>
+                                        </p:tav>
+                                      </p:tavLst>
+                                    </p:anim>
+                                  </p:childTnLst>
+                                </p:cTn>
+                              </p:par>
+                              <p:par>
+                                <p:cTn id="25" presetID="2" presetClass="entr" presetSubtype="4" fill="hold" nodeType="withEffect">
+                                  <p:stCondLst>
+                                    <p:cond delay="0"/>
+                                  </p:stCondLst>
+                                  <p:childTnLst>
+                                    <p:set>
+                                      <p:cBhvr>
+                                        <p:cTn id="26" dur="1" fill="hold">
+                                          <p:stCondLst>
+                                            <p:cond delay="0"/>
+                                          </p:stCondLst>
+                                        </p:cTn>
+                                        <p:tgtEl>
+                                          <p:spTgt spid="5">
+                                            <p:txEl>
+                                              <p:pRg st="12" end="12"/>
+                                            </p:txEl>
+                                          </p:spTgt>
+                                        </p:tgtEl>
+                                        <p:attrNameLst>
+                                          <p:attrName>style.visibility</p:attrName>
+                                        </p:attrNameLst>
+                                      </p:cBhvr>
+                                      <p:to>
+                                        <p:strVal val="visible"/>
+                                      </p:to>
+                                    </p:set>
+                                    <p:anim calcmode="lin" valueType="num">
+                                      <p:cBhvr additive="base">
+                                        <p:cTn id="27" dur="500" fill="hold"/>
+                                        <p:tgtEl>
+                                          <p:spTgt spid="5">
+                                            <p:txEl>
+                                              <p:pRg st="12" end="12"/>
+                                            </p:txEl>
+                                          </p:spTgt>
+                                        </p:tgtEl>
+                                        <p:attrNameLst>
+                                          <p:attrName>ppt_x</p:attrName>
+                                        </p:attrNameLst>
+                                      </p:cBhvr>
+                                      <p:tavLst>
+                                        <p:tav tm="0">
+                                          <p:val>
+                                            <p:strVal val="#ppt_x"/>
+                                          </p:val>
+                                        </p:tav>
+                                        <p:tav tm="100000">
+                                          <p:val>
+                                            <p:strVal val="#ppt_x"/>
+                                          </p:val>
+                                        </p:tav>
+                                      </p:tavLst>
+                                    </p:anim>
+                                    <p:anim calcmode="lin" valueType="num">
+                                      <p:cBhvr additive="base">
+                                        <p:cTn id="28" dur="500" fill="hold"/>
+                                        <p:tgtEl>
+                                          <p:spTgt spid="5">
+                                            <p:txEl>
+                                              <p:pRg st="12" end="12"/>
+                                            </p:txEl>
+                                          </p:spTgt>
+                                        </p:tgtEl>
+                                        <p:attrNameLst>
+                                          <p:attrName>ppt_y</p:attrName>
+                                        </p:attrNameLst>
+                                      </p:cBhvr>
+                                      <p:tavLst>
+                                        <p:tav tm="0">
+                                          <p:val>
+                                            <p:strVal val="1+#ppt_h/2"/>
+                                          </p:val>
+                                        </p:tav>
+                                        <p:tav tm="100000">
+                                          <p:val>
+                                            <p:strVal val="#ppt_y"/>
+                                          </p:val>
+                                        </p:tav>
+                                      </p:tavLst>
+                                    </p:anim>
+                                  </p:childTnLst>
+                                </p:cTn>
+                              </p:par>
+                            </p:childTnLst>
+                          </p:cTn>
+                        </p:par>
+                      </p:childTnLst>
+                    </p:cTn>
+                  </p:par>
+                </p:childTnLst>
+              </p:cTn>
+              <p:prevCondLst>
+                <p:cond evt="onPrev" delay="0">
+                  <p:tgtEl>
+                    <p:sldTgt/>
+                  </p:tgtEl>
+                </p:cond>
+              </p:prevCondLst>
+              <p:nextCondLst>
+                <p:cond evt="onNext" delay="0">
+                  <p:tgtEl>
+                    <p:sldTgt/>
+                  </p:tgtEl>
+                </p:cond>
+              </p:nextCondLst>
+            </p:seq>
+          </p:childTnLst>
+        </p:cTn>
+      </p:par>
+    </p:tnLst>
+    <p:bldLst>
+      <p:bldP spid="5" grpId="0"/>
+      <p:bldP spid="5" grpId="1"/>
+    </p:bldLst>
+  </p:timing>
 </p:sld>
 </file>
 
@@ -8706,7 +9283,7 @@
                   </a:outerShdw>
                 </a:effectLst>
               </a:rPr>
-              <a:t>关键技术</a:t>
+              <a:t>研究进度安排</a:t>
             </a:r>
             <a:endParaRPr lang="zh-CN" altLang="en-US">
               <a:solidFill>
@@ -8829,14 +9406,932 @@
           </a:p>
         </p:txBody>
       </p:sp>
+      <p:sp>
+        <p:nvSpPr>
+          <p:cNvPr id="5" name="文本框 4"/>
+          <p:cNvSpPr txBox="1"/>
+          <p:nvPr>
+            <p:custDataLst>
+              <p:tags r:id="rId3"/>
+            </p:custDataLst>
+          </p:nvPr>
+        </p:nvSpPr>
+        <p:spPr>
+          <a:xfrm>
+            <a:off x="245745" y="843915"/>
+            <a:ext cx="11730355" cy="5504815"/>
+          </a:xfrm>
+          <a:prstGeom prst="rect">
+            <a:avLst/>
+          </a:prstGeom>
+          <a:noFill/>
+        </p:spPr>
+        <p:txBody>
+          <a:bodyPr wrap="square" rtlCol="0">
+            <a:noAutofit/>
+          </a:bodyPr>
+          <a:p>
+            <a:pPr indent="0">
+              <a:buFont typeface="Arial" panose="020B0604020202020204" pitchFamily="34" charset="0"/>
+              <a:buNone/>
+            </a:pPr>
+            <a:endParaRPr lang="zh-CN" altLang="en-US"/>
+          </a:p>
+          <a:p>
+            <a:pPr marL="342900" indent="-342900">
+              <a:buFont typeface="Arial" panose="020B0604020202020204" pitchFamily="34" charset="0"/>
+              <a:buAutoNum type="arabicPeriod"/>
+            </a:pPr>
+            <a:r>
+              <a:rPr lang="zh-CN" altLang="en-US"/>
+              <a:t>2022-12-20之前：下达毕业论文（设计）任务书。</a:t>
+            </a:r>
+            <a:endParaRPr lang="zh-CN" altLang="en-US"/>
+          </a:p>
+          <a:p>
+            <a:pPr marL="342900" indent="-342900">
+              <a:buFont typeface="Arial" panose="020B0604020202020204" pitchFamily="34" charset="0"/>
+              <a:buAutoNum type="arabicPeriod"/>
+            </a:pPr>
+            <a:endParaRPr lang="zh-CN" altLang="en-US"/>
+          </a:p>
+          <a:p>
+            <a:pPr marL="342900" indent="-342900">
+              <a:buFont typeface="Arial" panose="020B0604020202020204" pitchFamily="34" charset="0"/>
+              <a:buAutoNum type="arabicPeriod"/>
+            </a:pPr>
+            <a:r>
+              <a:rPr lang="zh-CN" altLang="en-US">
+                <a:sym typeface="+mn-ea"/>
+              </a:rPr>
+              <a:t>2023-02-28之前：撰写开题报告，进行开题答辩，开题报告定稿。</a:t>
+            </a:r>
+            <a:endParaRPr lang="zh-CN" altLang="en-US">
+              <a:sym typeface="+mn-ea"/>
+            </a:endParaRPr>
+          </a:p>
+          <a:p>
+            <a:pPr marL="342900" indent="-342900">
+              <a:buFont typeface="Arial" panose="020B0604020202020204" pitchFamily="34" charset="0"/>
+              <a:buAutoNum type="arabicPeriod"/>
+            </a:pPr>
+            <a:endParaRPr lang="zh-CN" altLang="en-US"/>
+          </a:p>
+          <a:p>
+            <a:pPr marL="342900" indent="-342900">
+              <a:buFont typeface="Arial" panose="020B0604020202020204" pitchFamily="34" charset="0"/>
+              <a:buAutoNum type="arabicPeriod"/>
+            </a:pPr>
+            <a:r>
+              <a:rPr lang="zh-CN" altLang="en-US">
+                <a:sym typeface="+mn-ea"/>
+              </a:rPr>
+              <a:t>2023-04-28之前：在教师指导下，进行学习、调研、实验、设计等。</a:t>
+            </a:r>
+            <a:endParaRPr lang="zh-CN" altLang="en-US">
+              <a:sym typeface="+mn-ea"/>
+            </a:endParaRPr>
+          </a:p>
+          <a:p>
+            <a:pPr marL="342900" indent="-342900">
+              <a:buFont typeface="Arial" panose="020B0604020202020204" pitchFamily="34" charset="0"/>
+              <a:buAutoNum type="arabicPeriod"/>
+            </a:pPr>
+            <a:endParaRPr lang="zh-CN" altLang="en-US"/>
+          </a:p>
+          <a:p>
+            <a:pPr marL="342900" indent="-342900">
+              <a:buFont typeface="Arial" panose="020B0604020202020204" pitchFamily="34" charset="0"/>
+              <a:buAutoNum type="arabicPeriod"/>
+            </a:pPr>
+            <a:r>
+              <a:rPr lang="zh-CN" altLang="en-US">
+                <a:sym typeface="+mn-ea"/>
+              </a:rPr>
+              <a:t>2023-05-05之前：完成毕业设计初稿，呈指导教师检查。</a:t>
+            </a:r>
+            <a:endParaRPr lang="zh-CN" altLang="en-US">
+              <a:sym typeface="+mn-ea"/>
+            </a:endParaRPr>
+          </a:p>
+          <a:p>
+            <a:pPr marL="342900" indent="-342900">
+              <a:buFont typeface="Arial" panose="020B0604020202020204" pitchFamily="34" charset="0"/>
+              <a:buAutoNum type="arabicPeriod"/>
+            </a:pPr>
+            <a:endParaRPr lang="zh-CN" altLang="en-US"/>
+          </a:p>
+          <a:p>
+            <a:pPr marL="342900" indent="-342900">
+              <a:buFont typeface="Arial" panose="020B0604020202020204" pitchFamily="34" charset="0"/>
+              <a:buAutoNum type="arabicPeriod"/>
+            </a:pPr>
+            <a:r>
+              <a:rPr lang="zh-CN" altLang="en-US">
+                <a:sym typeface="+mn-ea"/>
+              </a:rPr>
+              <a:t>2023-05-10之前：完成毕业设计终稿，呈院（系）检测。</a:t>
+            </a:r>
+            <a:endParaRPr lang="zh-CN" altLang="en-US">
+              <a:sym typeface="+mn-ea"/>
+            </a:endParaRPr>
+          </a:p>
+          <a:p>
+            <a:pPr marL="342900" indent="-342900">
+              <a:buFont typeface="Arial" panose="020B0604020202020204" pitchFamily="34" charset="0"/>
+              <a:buAutoNum type="arabicPeriod"/>
+            </a:pPr>
+            <a:endParaRPr lang="zh-CN" altLang="en-US"/>
+          </a:p>
+          <a:p>
+            <a:pPr marL="342900" indent="-342900">
+              <a:buFont typeface="Arial" panose="020B0604020202020204" pitchFamily="34" charset="0"/>
+              <a:buAutoNum type="arabicPeriod"/>
+            </a:pPr>
+            <a:r>
+              <a:rPr lang="zh-CN" altLang="en-US">
+                <a:sym typeface="+mn-ea"/>
+              </a:rPr>
+              <a:t>2023-05-19之前：完成毕业设计定稿，呈指导教师和评阅教师评阅。</a:t>
+            </a:r>
+            <a:endParaRPr lang="zh-CN" altLang="en-US">
+              <a:sym typeface="+mn-ea"/>
+            </a:endParaRPr>
+          </a:p>
+          <a:p>
+            <a:pPr marL="342900" indent="-342900">
+              <a:buFont typeface="Arial" panose="020B0604020202020204" pitchFamily="34" charset="0"/>
+              <a:buAutoNum type="arabicPeriod"/>
+            </a:pPr>
+            <a:endParaRPr lang="zh-CN" altLang="en-US"/>
+          </a:p>
+          <a:p>
+            <a:pPr marL="342900" indent="-342900">
+              <a:buFont typeface="Arial" panose="020B0604020202020204" pitchFamily="34" charset="0"/>
+              <a:buAutoNum type="arabicPeriod"/>
+            </a:pPr>
+            <a:r>
+              <a:rPr lang="zh-CN" altLang="en-US">
+                <a:sym typeface="+mn-ea"/>
+              </a:rPr>
+              <a:t>2023-05-31之前：毕业设计答辩。</a:t>
+            </a:r>
+            <a:endParaRPr lang="zh-CN" altLang="en-US"/>
+          </a:p>
+          <a:p>
+            <a:pPr marL="342900" indent="-342900">
+              <a:buFont typeface="Arial" panose="020B0604020202020204" pitchFamily="34" charset="0"/>
+              <a:buAutoNum type="arabicPeriod"/>
+            </a:pPr>
+            <a:endParaRPr lang="zh-CN" altLang="en-US"/>
+          </a:p>
+          <a:p>
+            <a:pPr indent="0">
+              <a:buFont typeface="Arial" panose="020B0604020202020204" pitchFamily="34" charset="0"/>
+              <a:buNone/>
+            </a:pPr>
+            <a:endParaRPr lang="en-US" altLang="zh-CN"/>
+          </a:p>
+          <a:p>
+            <a:pPr marL="342900" indent="-342900">
+              <a:buFont typeface="Arial" panose="020B0604020202020204" pitchFamily="34" charset="0"/>
+              <a:buAutoNum type="arabicPeriod"/>
+            </a:pPr>
+            <a:endParaRPr lang="en-US" altLang="zh-CN"/>
+          </a:p>
+        </p:txBody>
+      </p:sp>
     </p:spTree>
     <p:custDataLst>
-      <p:tags r:id="rId3"/>
+      <p:tags r:id="rId4"/>
     </p:custDataLst>
   </p:cSld>
   <p:clrMapOvr>
     <a:masterClrMapping/>
   </p:clrMapOvr>
+  <p:timing>
+    <p:tnLst>
+      <p:par>
+        <p:cTn id="1" dur="indefinite" restart="never" nodeType="tmRoot">
+          <p:childTnLst>
+            <p:seq concurrent="1" nextAc="seek">
+              <p:cTn id="2" dur="indefinite" nodeType="mainSeq">
+                <p:childTnLst>
+                  <p:par>
+                    <p:cTn id="3" fill="hold">
+                      <p:stCondLst>
+                        <p:cond delay="indefinite"/>
+                        <p:cond evt="onBegin" delay="0">
+                          <p:tn val="2"/>
+                        </p:cond>
+                      </p:stCondLst>
+                      <p:childTnLst>
+                        <p:par>
+                          <p:cTn id="4" fill="hold">
+                            <p:stCondLst>
+                              <p:cond delay="0"/>
+                            </p:stCondLst>
+                            <p:childTnLst>
+                              <p:par>
+                                <p:cTn id="5" presetID="2" presetClass="entr" presetSubtype="4" fill="hold" grpId="0" nodeType="withEffect">
+                                  <p:stCondLst>
+                                    <p:cond delay="0"/>
+                                  </p:stCondLst>
+                                  <p:childTnLst>
+                                    <p:set>
+                                      <p:cBhvr>
+                                        <p:cTn id="6" dur="1" fill="hold">
+                                          <p:stCondLst>
+                                            <p:cond delay="0"/>
+                                          </p:stCondLst>
+                                        </p:cTn>
+                                        <p:tgtEl>
+                                          <p:spTgt spid="5"/>
+                                        </p:tgtEl>
+                                        <p:attrNameLst>
+                                          <p:attrName>style.visibility</p:attrName>
+                                        </p:attrNameLst>
+                                      </p:cBhvr>
+                                      <p:to>
+                                        <p:strVal val="visible"/>
+                                      </p:to>
+                                    </p:set>
+                                    <p:anim calcmode="lin" valueType="num">
+                                      <p:cBhvr additive="base">
+                                        <p:cTn id="7" dur="500" fill="hold"/>
+                                        <p:tgtEl>
+                                          <p:spTgt spid="5"/>
+                                        </p:tgtEl>
+                                        <p:attrNameLst>
+                                          <p:attrName>ppt_x</p:attrName>
+                                        </p:attrNameLst>
+                                      </p:cBhvr>
+                                      <p:tavLst>
+                                        <p:tav tm="0">
+                                          <p:val>
+                                            <p:strVal val="#ppt_x"/>
+                                          </p:val>
+                                        </p:tav>
+                                        <p:tav tm="100000">
+                                          <p:val>
+                                            <p:strVal val="#ppt_x"/>
+                                          </p:val>
+                                        </p:tav>
+                                      </p:tavLst>
+                                    </p:anim>
+                                    <p:anim calcmode="lin" valueType="num">
+                                      <p:cBhvr additive="base">
+                                        <p:cTn id="8" dur="500" fill="hold"/>
+                                        <p:tgtEl>
+                                          <p:spTgt spid="5"/>
+                                        </p:tgtEl>
+                                        <p:attrNameLst>
+                                          <p:attrName>ppt_y</p:attrName>
+                                        </p:attrNameLst>
+                                      </p:cBhvr>
+                                      <p:tavLst>
+                                        <p:tav tm="0">
+                                          <p:val>
+                                            <p:strVal val="1+#ppt_h/2"/>
+                                          </p:val>
+                                        </p:tav>
+                                        <p:tav tm="100000">
+                                          <p:val>
+                                            <p:strVal val="#ppt_y"/>
+                                          </p:val>
+                                        </p:tav>
+                                      </p:tavLst>
+                                    </p:anim>
+                                  </p:childTnLst>
+                                </p:cTn>
+                              </p:par>
+                              <p:par>
+                                <p:cTn id="9" presetID="2" presetClass="entr" presetSubtype="4" fill="hold" nodeType="withEffect">
+                                  <p:stCondLst>
+                                    <p:cond delay="0"/>
+                                  </p:stCondLst>
+                                  <p:childTnLst>
+                                    <p:set>
+                                      <p:cBhvr>
+                                        <p:cTn id="10" dur="1" fill="hold">
+                                          <p:stCondLst>
+                                            <p:cond delay="0"/>
+                                          </p:stCondLst>
+                                        </p:cTn>
+                                        <p:tgtEl>
+                                          <p:spTgt spid="5">
+                                            <p:txEl>
+                                              <p:pRg st="1" end="1"/>
+                                            </p:txEl>
+                                          </p:spTgt>
+                                        </p:tgtEl>
+                                        <p:attrNameLst>
+                                          <p:attrName>style.visibility</p:attrName>
+                                        </p:attrNameLst>
+                                      </p:cBhvr>
+                                      <p:to>
+                                        <p:strVal val="visible"/>
+                                      </p:to>
+                                    </p:set>
+                                    <p:anim calcmode="lin" valueType="num">
+                                      <p:cBhvr additive="base">
+                                        <p:cTn id="11" dur="500" fill="hold"/>
+                                        <p:tgtEl>
+                                          <p:spTgt spid="5">
+                                            <p:txEl>
+                                              <p:pRg st="1" end="1"/>
+                                            </p:txEl>
+                                          </p:spTgt>
+                                        </p:tgtEl>
+                                        <p:attrNameLst>
+                                          <p:attrName>ppt_x</p:attrName>
+                                        </p:attrNameLst>
+                                      </p:cBhvr>
+                                      <p:tavLst>
+                                        <p:tav tm="0">
+                                          <p:val>
+                                            <p:strVal val="#ppt_x"/>
+                                          </p:val>
+                                        </p:tav>
+                                        <p:tav tm="100000">
+                                          <p:val>
+                                            <p:strVal val="#ppt_x"/>
+                                          </p:val>
+                                        </p:tav>
+                                      </p:tavLst>
+                                    </p:anim>
+                                    <p:anim calcmode="lin" valueType="num">
+                                      <p:cBhvr additive="base">
+                                        <p:cTn id="12" dur="500" fill="hold"/>
+                                        <p:tgtEl>
+                                          <p:spTgt spid="5">
+                                            <p:txEl>
+                                              <p:pRg st="1" end="1"/>
+                                            </p:txEl>
+                                          </p:spTgt>
+                                        </p:tgtEl>
+                                        <p:attrNameLst>
+                                          <p:attrName>ppt_y</p:attrName>
+                                        </p:attrNameLst>
+                                      </p:cBhvr>
+                                      <p:tavLst>
+                                        <p:tav tm="0">
+                                          <p:val>
+                                            <p:strVal val="1+#ppt_h/2"/>
+                                          </p:val>
+                                        </p:tav>
+                                        <p:tav tm="100000">
+                                          <p:val>
+                                            <p:strVal val="#ppt_y"/>
+                                          </p:val>
+                                        </p:tav>
+                                      </p:tavLst>
+                                    </p:anim>
+                                  </p:childTnLst>
+                                </p:cTn>
+                              </p:par>
+                              <p:par>
+                                <p:cTn id="13" presetID="2" presetClass="entr" presetSubtype="4" fill="hold" nodeType="withEffect">
+                                  <p:stCondLst>
+                                    <p:cond delay="0"/>
+                                  </p:stCondLst>
+                                  <p:childTnLst>
+                                    <p:set>
+                                      <p:cBhvr>
+                                        <p:cTn id="14" dur="1" fill="hold">
+                                          <p:stCondLst>
+                                            <p:cond delay="0"/>
+                                          </p:stCondLst>
+                                        </p:cTn>
+                                        <p:tgtEl>
+                                          <p:spTgt spid="5">
+                                            <p:txEl>
+                                              <p:pRg st="3" end="3"/>
+                                            </p:txEl>
+                                          </p:spTgt>
+                                        </p:tgtEl>
+                                        <p:attrNameLst>
+                                          <p:attrName>style.visibility</p:attrName>
+                                        </p:attrNameLst>
+                                      </p:cBhvr>
+                                      <p:to>
+                                        <p:strVal val="visible"/>
+                                      </p:to>
+                                    </p:set>
+                                    <p:anim calcmode="lin" valueType="num">
+                                      <p:cBhvr additive="base">
+                                        <p:cTn id="15" dur="500" fill="hold"/>
+                                        <p:tgtEl>
+                                          <p:spTgt spid="5">
+                                            <p:txEl>
+                                              <p:pRg st="3" end="3"/>
+                                            </p:txEl>
+                                          </p:spTgt>
+                                        </p:tgtEl>
+                                        <p:attrNameLst>
+                                          <p:attrName>ppt_x</p:attrName>
+                                        </p:attrNameLst>
+                                      </p:cBhvr>
+                                      <p:tavLst>
+                                        <p:tav tm="0">
+                                          <p:val>
+                                            <p:strVal val="#ppt_x"/>
+                                          </p:val>
+                                        </p:tav>
+                                        <p:tav tm="100000">
+                                          <p:val>
+                                            <p:strVal val="#ppt_x"/>
+                                          </p:val>
+                                        </p:tav>
+                                      </p:tavLst>
+                                    </p:anim>
+                                    <p:anim calcmode="lin" valueType="num">
+                                      <p:cBhvr additive="base">
+                                        <p:cTn id="16" dur="500" fill="hold"/>
+                                        <p:tgtEl>
+                                          <p:spTgt spid="5">
+                                            <p:txEl>
+                                              <p:pRg st="3" end="3"/>
+                                            </p:txEl>
+                                          </p:spTgt>
+                                        </p:tgtEl>
+                                        <p:attrNameLst>
+                                          <p:attrName>ppt_y</p:attrName>
+                                        </p:attrNameLst>
+                                      </p:cBhvr>
+                                      <p:tavLst>
+                                        <p:tav tm="0">
+                                          <p:val>
+                                            <p:strVal val="1+#ppt_h/2"/>
+                                          </p:val>
+                                        </p:tav>
+                                        <p:tav tm="100000">
+                                          <p:val>
+                                            <p:strVal val="#ppt_y"/>
+                                          </p:val>
+                                        </p:tav>
+                                      </p:tavLst>
+                                    </p:anim>
+                                  </p:childTnLst>
+                                </p:cTn>
+                              </p:par>
+                              <p:par>
+                                <p:cTn id="17" presetID="2" presetClass="entr" presetSubtype="4" fill="hold" nodeType="withEffect">
+                                  <p:stCondLst>
+                                    <p:cond delay="0"/>
+                                  </p:stCondLst>
+                                  <p:childTnLst>
+                                    <p:set>
+                                      <p:cBhvr>
+                                        <p:cTn id="18" dur="1" fill="hold">
+                                          <p:stCondLst>
+                                            <p:cond delay="0"/>
+                                          </p:stCondLst>
+                                        </p:cTn>
+                                        <p:tgtEl>
+                                          <p:spTgt spid="5">
+                                            <p:txEl>
+                                              <p:pRg st="5" end="5"/>
+                                            </p:txEl>
+                                          </p:spTgt>
+                                        </p:tgtEl>
+                                        <p:attrNameLst>
+                                          <p:attrName>style.visibility</p:attrName>
+                                        </p:attrNameLst>
+                                      </p:cBhvr>
+                                      <p:to>
+                                        <p:strVal val="visible"/>
+                                      </p:to>
+                                    </p:set>
+                                    <p:anim calcmode="lin" valueType="num">
+                                      <p:cBhvr additive="base">
+                                        <p:cTn id="19" dur="500" fill="hold"/>
+                                        <p:tgtEl>
+                                          <p:spTgt spid="5">
+                                            <p:txEl>
+                                              <p:pRg st="5" end="5"/>
+                                            </p:txEl>
+                                          </p:spTgt>
+                                        </p:tgtEl>
+                                        <p:attrNameLst>
+                                          <p:attrName>ppt_x</p:attrName>
+                                        </p:attrNameLst>
+                                      </p:cBhvr>
+                                      <p:tavLst>
+                                        <p:tav tm="0">
+                                          <p:val>
+                                            <p:strVal val="#ppt_x"/>
+                                          </p:val>
+                                        </p:tav>
+                                        <p:tav tm="100000">
+                                          <p:val>
+                                            <p:strVal val="#ppt_x"/>
+                                          </p:val>
+                                        </p:tav>
+                                      </p:tavLst>
+                                    </p:anim>
+                                    <p:anim calcmode="lin" valueType="num">
+                                      <p:cBhvr additive="base">
+                                        <p:cTn id="20" dur="500" fill="hold"/>
+                                        <p:tgtEl>
+                                          <p:spTgt spid="5">
+                                            <p:txEl>
+                                              <p:pRg st="5" end="5"/>
+                                            </p:txEl>
+                                          </p:spTgt>
+                                        </p:tgtEl>
+                                        <p:attrNameLst>
+                                          <p:attrName>ppt_y</p:attrName>
+                                        </p:attrNameLst>
+                                      </p:cBhvr>
+                                      <p:tavLst>
+                                        <p:tav tm="0">
+                                          <p:val>
+                                            <p:strVal val="1+#ppt_h/2"/>
+                                          </p:val>
+                                        </p:tav>
+                                        <p:tav tm="100000">
+                                          <p:val>
+                                            <p:strVal val="#ppt_y"/>
+                                          </p:val>
+                                        </p:tav>
+                                      </p:tavLst>
+                                    </p:anim>
+                                  </p:childTnLst>
+                                </p:cTn>
+                              </p:par>
+                              <p:par>
+                                <p:cTn id="21" presetID="2" presetClass="entr" presetSubtype="4" fill="hold" nodeType="withEffect">
+                                  <p:stCondLst>
+                                    <p:cond delay="0"/>
+                                  </p:stCondLst>
+                                  <p:childTnLst>
+                                    <p:set>
+                                      <p:cBhvr>
+                                        <p:cTn id="22" dur="1" fill="hold">
+                                          <p:stCondLst>
+                                            <p:cond delay="0"/>
+                                          </p:stCondLst>
+                                        </p:cTn>
+                                        <p:tgtEl>
+                                          <p:spTgt spid="5">
+                                            <p:txEl>
+                                              <p:pRg st="7" end="7"/>
+                                            </p:txEl>
+                                          </p:spTgt>
+                                        </p:tgtEl>
+                                        <p:attrNameLst>
+                                          <p:attrName>style.visibility</p:attrName>
+                                        </p:attrNameLst>
+                                      </p:cBhvr>
+                                      <p:to>
+                                        <p:strVal val="visible"/>
+                                      </p:to>
+                                    </p:set>
+                                    <p:anim calcmode="lin" valueType="num">
+                                      <p:cBhvr additive="base">
+                                        <p:cTn id="23" dur="500" fill="hold"/>
+                                        <p:tgtEl>
+                                          <p:spTgt spid="5">
+                                            <p:txEl>
+                                              <p:pRg st="7" end="7"/>
+                                            </p:txEl>
+                                          </p:spTgt>
+                                        </p:tgtEl>
+                                        <p:attrNameLst>
+                                          <p:attrName>ppt_x</p:attrName>
+                                        </p:attrNameLst>
+                                      </p:cBhvr>
+                                      <p:tavLst>
+                                        <p:tav tm="0">
+                                          <p:val>
+                                            <p:strVal val="#ppt_x"/>
+                                          </p:val>
+                                        </p:tav>
+                                        <p:tav tm="100000">
+                                          <p:val>
+                                            <p:strVal val="#ppt_x"/>
+                                          </p:val>
+                                        </p:tav>
+                                      </p:tavLst>
+                                    </p:anim>
+                                    <p:anim calcmode="lin" valueType="num">
+                                      <p:cBhvr additive="base">
+                                        <p:cTn id="24" dur="500" fill="hold"/>
+                                        <p:tgtEl>
+                                          <p:spTgt spid="5">
+                                            <p:txEl>
+                                              <p:pRg st="7" end="7"/>
+                                            </p:txEl>
+                                          </p:spTgt>
+                                        </p:tgtEl>
+                                        <p:attrNameLst>
+                                          <p:attrName>ppt_y</p:attrName>
+                                        </p:attrNameLst>
+                                      </p:cBhvr>
+                                      <p:tavLst>
+                                        <p:tav tm="0">
+                                          <p:val>
+                                            <p:strVal val="1+#ppt_h/2"/>
+                                          </p:val>
+                                        </p:tav>
+                                        <p:tav tm="100000">
+                                          <p:val>
+                                            <p:strVal val="#ppt_y"/>
+                                          </p:val>
+                                        </p:tav>
+                                      </p:tavLst>
+                                    </p:anim>
+                                  </p:childTnLst>
+                                </p:cTn>
+                              </p:par>
+                              <p:par>
+                                <p:cTn id="25" presetID="2" presetClass="entr" presetSubtype="4" fill="hold" nodeType="withEffect">
+                                  <p:stCondLst>
+                                    <p:cond delay="0"/>
+                                  </p:stCondLst>
+                                  <p:childTnLst>
+                                    <p:set>
+                                      <p:cBhvr>
+                                        <p:cTn id="26" dur="1" fill="hold">
+                                          <p:stCondLst>
+                                            <p:cond delay="0"/>
+                                          </p:stCondLst>
+                                        </p:cTn>
+                                        <p:tgtEl>
+                                          <p:spTgt spid="5">
+                                            <p:txEl>
+                                              <p:pRg st="9" end="9"/>
+                                            </p:txEl>
+                                          </p:spTgt>
+                                        </p:tgtEl>
+                                        <p:attrNameLst>
+                                          <p:attrName>style.visibility</p:attrName>
+                                        </p:attrNameLst>
+                                      </p:cBhvr>
+                                      <p:to>
+                                        <p:strVal val="visible"/>
+                                      </p:to>
+                                    </p:set>
+                                    <p:anim calcmode="lin" valueType="num">
+                                      <p:cBhvr additive="base">
+                                        <p:cTn id="27" dur="500" fill="hold"/>
+                                        <p:tgtEl>
+                                          <p:spTgt spid="5">
+                                            <p:txEl>
+                                              <p:pRg st="9" end="9"/>
+                                            </p:txEl>
+                                          </p:spTgt>
+                                        </p:tgtEl>
+                                        <p:attrNameLst>
+                                          <p:attrName>ppt_x</p:attrName>
+                                        </p:attrNameLst>
+                                      </p:cBhvr>
+                                      <p:tavLst>
+                                        <p:tav tm="0">
+                                          <p:val>
+                                            <p:strVal val="#ppt_x"/>
+                                          </p:val>
+                                        </p:tav>
+                                        <p:tav tm="100000">
+                                          <p:val>
+                                            <p:strVal val="#ppt_x"/>
+                                          </p:val>
+                                        </p:tav>
+                                      </p:tavLst>
+                                    </p:anim>
+                                    <p:anim calcmode="lin" valueType="num">
+                                      <p:cBhvr additive="base">
+                                        <p:cTn id="28" dur="500" fill="hold"/>
+                                        <p:tgtEl>
+                                          <p:spTgt spid="5">
+                                            <p:txEl>
+                                              <p:pRg st="9" end="9"/>
+                                            </p:txEl>
+                                          </p:spTgt>
+                                        </p:tgtEl>
+                                        <p:attrNameLst>
+                                          <p:attrName>ppt_y</p:attrName>
+                                        </p:attrNameLst>
+                                      </p:cBhvr>
+                                      <p:tavLst>
+                                        <p:tav tm="0">
+                                          <p:val>
+                                            <p:strVal val="1+#ppt_h/2"/>
+                                          </p:val>
+                                        </p:tav>
+                                        <p:tav tm="100000">
+                                          <p:val>
+                                            <p:strVal val="#ppt_y"/>
+                                          </p:val>
+                                        </p:tav>
+                                      </p:tavLst>
+                                    </p:anim>
+                                  </p:childTnLst>
+                                </p:cTn>
+                              </p:par>
+                              <p:par>
+                                <p:cTn id="29" presetID="2" presetClass="entr" presetSubtype="4" fill="hold" nodeType="withEffect">
+                                  <p:stCondLst>
+                                    <p:cond delay="0"/>
+                                  </p:stCondLst>
+                                  <p:childTnLst>
+                                    <p:set>
+                                      <p:cBhvr>
+                                        <p:cTn id="30" dur="1" fill="hold">
+                                          <p:stCondLst>
+                                            <p:cond delay="0"/>
+                                          </p:stCondLst>
+                                        </p:cTn>
+                                        <p:tgtEl>
+                                          <p:spTgt spid="5">
+                                            <p:txEl>
+                                              <p:pRg st="11" end="11"/>
+                                            </p:txEl>
+                                          </p:spTgt>
+                                        </p:tgtEl>
+                                        <p:attrNameLst>
+                                          <p:attrName>style.visibility</p:attrName>
+                                        </p:attrNameLst>
+                                      </p:cBhvr>
+                                      <p:to>
+                                        <p:strVal val="visible"/>
+                                      </p:to>
+                                    </p:set>
+                                    <p:anim calcmode="lin" valueType="num">
+                                      <p:cBhvr additive="base">
+                                        <p:cTn id="31" dur="500" fill="hold"/>
+                                        <p:tgtEl>
+                                          <p:spTgt spid="5">
+                                            <p:txEl>
+                                              <p:pRg st="11" end="11"/>
+                                            </p:txEl>
+                                          </p:spTgt>
+                                        </p:tgtEl>
+                                        <p:attrNameLst>
+                                          <p:attrName>ppt_x</p:attrName>
+                                        </p:attrNameLst>
+                                      </p:cBhvr>
+                                      <p:tavLst>
+                                        <p:tav tm="0">
+                                          <p:val>
+                                            <p:strVal val="#ppt_x"/>
+                                          </p:val>
+                                        </p:tav>
+                                        <p:tav tm="100000">
+                                          <p:val>
+                                            <p:strVal val="#ppt_x"/>
+                                          </p:val>
+                                        </p:tav>
+                                      </p:tavLst>
+                                    </p:anim>
+                                    <p:anim calcmode="lin" valueType="num">
+                                      <p:cBhvr additive="base">
+                                        <p:cTn id="32" dur="500" fill="hold"/>
+                                        <p:tgtEl>
+                                          <p:spTgt spid="5">
+                                            <p:txEl>
+                                              <p:pRg st="11" end="11"/>
+                                            </p:txEl>
+                                          </p:spTgt>
+                                        </p:tgtEl>
+                                        <p:attrNameLst>
+                                          <p:attrName>ppt_y</p:attrName>
+                                        </p:attrNameLst>
+                                      </p:cBhvr>
+                                      <p:tavLst>
+                                        <p:tav tm="0">
+                                          <p:val>
+                                            <p:strVal val="1+#ppt_h/2"/>
+                                          </p:val>
+                                        </p:tav>
+                                        <p:tav tm="100000">
+                                          <p:val>
+                                            <p:strVal val="#ppt_y"/>
+                                          </p:val>
+                                        </p:tav>
+                                      </p:tavLst>
+                                    </p:anim>
+                                  </p:childTnLst>
+                                </p:cTn>
+                              </p:par>
+                              <p:par>
+                                <p:cTn id="33" presetID="2" presetClass="entr" presetSubtype="4" fill="hold" nodeType="withEffect">
+                                  <p:stCondLst>
+                                    <p:cond delay="0"/>
+                                  </p:stCondLst>
+                                  <p:childTnLst>
+                                    <p:set>
+                                      <p:cBhvr>
+                                        <p:cTn id="34" dur="1" fill="hold">
+                                          <p:stCondLst>
+                                            <p:cond delay="0"/>
+                                          </p:stCondLst>
+                                        </p:cTn>
+                                        <p:tgtEl>
+                                          <p:spTgt spid="5">
+                                            <p:txEl>
+                                              <p:pRg st="13" end="13"/>
+                                            </p:txEl>
+                                          </p:spTgt>
+                                        </p:tgtEl>
+                                        <p:attrNameLst>
+                                          <p:attrName>style.visibility</p:attrName>
+                                        </p:attrNameLst>
+                                      </p:cBhvr>
+                                      <p:to>
+                                        <p:strVal val="visible"/>
+                                      </p:to>
+                                    </p:set>
+                                    <p:anim calcmode="lin" valueType="num">
+                                      <p:cBhvr additive="base">
+                                        <p:cTn id="35" dur="500" fill="hold"/>
+                                        <p:tgtEl>
+                                          <p:spTgt spid="5">
+                                            <p:txEl>
+                                              <p:pRg st="13" end="13"/>
+                                            </p:txEl>
+                                          </p:spTgt>
+                                        </p:tgtEl>
+                                        <p:attrNameLst>
+                                          <p:attrName>ppt_x</p:attrName>
+                                        </p:attrNameLst>
+                                      </p:cBhvr>
+                                      <p:tavLst>
+                                        <p:tav tm="0">
+                                          <p:val>
+                                            <p:strVal val="#ppt_x"/>
+                                          </p:val>
+                                        </p:tav>
+                                        <p:tav tm="100000">
+                                          <p:val>
+                                            <p:strVal val="#ppt_x"/>
+                                          </p:val>
+                                        </p:tav>
+                                      </p:tavLst>
+                                    </p:anim>
+                                    <p:anim calcmode="lin" valueType="num">
+                                      <p:cBhvr additive="base">
+                                        <p:cTn id="36" dur="500" fill="hold"/>
+                                        <p:tgtEl>
+                                          <p:spTgt spid="5">
+                                            <p:txEl>
+                                              <p:pRg st="13" end="13"/>
+                                            </p:txEl>
+                                          </p:spTgt>
+                                        </p:tgtEl>
+                                        <p:attrNameLst>
+                                          <p:attrName>ppt_y</p:attrName>
+                                        </p:attrNameLst>
+                                      </p:cBhvr>
+                                      <p:tavLst>
+                                        <p:tav tm="0">
+                                          <p:val>
+                                            <p:strVal val="1+#ppt_h/2"/>
+                                          </p:val>
+                                        </p:tav>
+                                        <p:tav tm="100000">
+                                          <p:val>
+                                            <p:strVal val="#ppt_y"/>
+                                          </p:val>
+                                        </p:tav>
+                                      </p:tavLst>
+                                    </p:anim>
+                                  </p:childTnLst>
+                                </p:cTn>
+                              </p:par>
+                            </p:childTnLst>
+                          </p:cTn>
+                        </p:par>
+                      </p:childTnLst>
+                    </p:cTn>
+                  </p:par>
+                </p:childTnLst>
+              </p:cTn>
+              <p:prevCondLst>
+                <p:cond evt="onPrev" delay="0">
+                  <p:tgtEl>
+                    <p:sldTgt/>
+                  </p:tgtEl>
+                </p:cond>
+              </p:prevCondLst>
+              <p:nextCondLst>
+                <p:cond evt="onNext" delay="0">
+                  <p:tgtEl>
+                    <p:sldTgt/>
+                  </p:tgtEl>
+                </p:cond>
+              </p:nextCondLst>
+            </p:seq>
+          </p:childTnLst>
+        </p:cTn>
+      </p:par>
+    </p:tnLst>
+    <p:bldLst>
+      <p:bldP spid="5" grpId="0"/>
+      <p:bldP spid="5" grpId="1"/>
+    </p:bldLst>
+  </p:timing>
 </p:sld>
 </file>
 
@@ -13294,38 +14789,11 @@
 
 <file path=ppt/tags/tag80.xml><?xml version="1.0" encoding="utf-8"?>
 <p:tagLst xmlns:p="http://schemas.openxmlformats.org/presentationml/2006/main">
-  <p:tag name="KSO_WM_SLIDE_ID" val="custom20205081_1"/>
-  <p:tag name="KSO_WM_TEMPLATE_SUBCATEGORY" val="19"/>
-  <p:tag name="KSO_WM_TEMPLATE_MASTER_TYPE" val="0"/>
-  <p:tag name="KSO_WM_TEMPLATE_COLOR_TYPE" val="1"/>
-  <p:tag name="KSO_WM_SLIDE_TYPE" val="title"/>
-  <p:tag name="KSO_WM_SLIDE_SUBTYPE" val="defaultBlank"/>
-  <p:tag name="KSO_WM_SLIDE_ITEM_CNT" val="0"/>
-  <p:tag name="KSO_WM_SLIDE_INDEX" val="1"/>
-  <p:tag name="KSO_WM_TAG_VERSION" val="1.0"/>
-  <p:tag name="KSO_WM_BEAUTIFY_FLAG" val="#wm#"/>
-  <p:tag name="KSO_WM_TEMPLATE_CATEGORY" val="custom"/>
-  <p:tag name="KSO_WM_TEMPLATE_INDEX" val="20205081"/>
-  <p:tag name="KSO_WM_SLIDE_LAYOUT" val="a_b"/>
-  <p:tag name="KSO_WM_SLIDE_LAYOUT_CNT" val="1_1"/>
-  <p:tag name="KSO_WM_UNIT_SHOW_EDIT_AREA_INDICATION" val="1"/>
-  <p:tag name="KSO_WM_TEMPLATE_THUMBS_INDEX" val="1、4、7、12、13、14、15、16、17、18、20、24、25、28、33、36、40、43、44"/>
+  <p:tag name="KSO_WM_BEAUTIFY_FLAG" val=""/>
 </p:tagLst>
 </file>
 
 <file path=ppt/tags/tag81.xml><?xml version="1.0" encoding="utf-8"?>
-<p:tagLst xmlns:p="http://schemas.openxmlformats.org/presentationml/2006/main">
-  <p:tag name="KSO_WM_BEAUTIFY_FLAG" val=""/>
-</p:tagLst>
-</file>
-
-<file path=ppt/tags/tag82.xml><?xml version="1.0" encoding="utf-8"?>
-<p:tagLst xmlns:p="http://schemas.openxmlformats.org/presentationml/2006/main">
-  <p:tag name="KSO_WM_BEAUTIFY_FLAG" val=""/>
-</p:tagLst>
-</file>
-
-<file path=ppt/tags/tag83.xml><?xml version="1.0" encoding="utf-8"?>
 <p:tagLst xmlns:p="http://schemas.openxmlformats.org/presentationml/2006/main">
   <p:tag name="KSO_WM_SLIDE_ID" val="custom20205081_1"/>
   <p:tag name="KSO_WM_TEMPLATE_SUBCATEGORY" val="19"/>
@@ -13346,6 +14814,18 @@
 </p:tagLst>
 </file>
 
+<file path=ppt/tags/tag82.xml><?xml version="1.0" encoding="utf-8"?>
+<p:tagLst xmlns:p="http://schemas.openxmlformats.org/presentationml/2006/main">
+  <p:tag name="KSO_WM_BEAUTIFY_FLAG" val=""/>
+</p:tagLst>
+</file>
+
+<file path=ppt/tags/tag83.xml><?xml version="1.0" encoding="utf-8"?>
+<p:tagLst xmlns:p="http://schemas.openxmlformats.org/presentationml/2006/main">
+  <p:tag name="KSO_WM_BEAUTIFY_FLAG" val=""/>
+</p:tagLst>
+</file>
+
 <file path=ppt/tags/tag84.xml><?xml version="1.0" encoding="utf-8"?>
 <p:tagLst xmlns:p="http://schemas.openxmlformats.org/presentationml/2006/main">
   <p:tag name="KSO_WM_BEAUTIFY_FLAG" val=""/>
@@ -13353,12 +14833,6 @@
 </file>
 
 <file path=ppt/tags/tag85.xml><?xml version="1.0" encoding="utf-8"?>
-<p:tagLst xmlns:p="http://schemas.openxmlformats.org/presentationml/2006/main">
-  <p:tag name="KSO_WM_BEAUTIFY_FLAG" val=""/>
-</p:tagLst>
-</file>
-
-<file path=ppt/tags/tag86.xml><?xml version="1.0" encoding="utf-8"?>
 <p:tagLst xmlns:p="http://schemas.openxmlformats.org/presentationml/2006/main">
   <p:tag name="KSO_WM_SLIDE_ID" val="custom20205081_1"/>
   <p:tag name="KSO_WM_TEMPLATE_SUBCATEGORY" val="19"/>
@@ -13379,7 +14853,40 @@
 </p:tagLst>
 </file>
 
+<file path=ppt/tags/tag86.xml><?xml version="1.0" encoding="utf-8"?>
+<p:tagLst xmlns:p="http://schemas.openxmlformats.org/presentationml/2006/main">
+  <p:tag name="KSO_WM_BEAUTIFY_FLAG" val=""/>
+</p:tagLst>
+</file>
+
 <file path=ppt/tags/tag87.xml><?xml version="1.0" encoding="utf-8"?>
+<p:tagLst xmlns:p="http://schemas.openxmlformats.org/presentationml/2006/main">
+  <p:tag name="KSO_WM_BEAUTIFY_FLAG" val=""/>
+</p:tagLst>
+</file>
+
+<file path=ppt/tags/tag88.xml><?xml version="1.0" encoding="utf-8"?>
+<p:tagLst xmlns:p="http://schemas.openxmlformats.org/presentationml/2006/main">
+  <p:tag name="KSO_WM_SLIDE_ID" val="custom20205081_1"/>
+  <p:tag name="KSO_WM_TEMPLATE_SUBCATEGORY" val="19"/>
+  <p:tag name="KSO_WM_TEMPLATE_MASTER_TYPE" val="0"/>
+  <p:tag name="KSO_WM_TEMPLATE_COLOR_TYPE" val="1"/>
+  <p:tag name="KSO_WM_SLIDE_TYPE" val="title"/>
+  <p:tag name="KSO_WM_SLIDE_SUBTYPE" val="defaultBlank"/>
+  <p:tag name="KSO_WM_SLIDE_ITEM_CNT" val="0"/>
+  <p:tag name="KSO_WM_SLIDE_INDEX" val="1"/>
+  <p:tag name="KSO_WM_TAG_VERSION" val="1.0"/>
+  <p:tag name="KSO_WM_BEAUTIFY_FLAG" val="#wm#"/>
+  <p:tag name="KSO_WM_TEMPLATE_CATEGORY" val="custom"/>
+  <p:tag name="KSO_WM_TEMPLATE_INDEX" val="20205081"/>
+  <p:tag name="KSO_WM_SLIDE_LAYOUT" val="a_b"/>
+  <p:tag name="KSO_WM_SLIDE_LAYOUT_CNT" val="1_1"/>
+  <p:tag name="KSO_WM_UNIT_SHOW_EDIT_AREA_INDICATION" val="1"/>
+  <p:tag name="KSO_WM_TEMPLATE_THUMBS_INDEX" val="1、4、7、12、13、14、15、16、17、18、20、24、25、28、33、36、40、43、44"/>
+</p:tagLst>
+</file>
+
+<file path=ppt/tags/tag89.xml><?xml version="1.0" encoding="utf-8"?>
 <p:tagLst xmlns:p="http://schemas.openxmlformats.org/presentationml/2006/main">
   <p:tag name="COMMONDATA" val="eyJoZGlkIjoiY2NhYWU4ODljMTE5NjFlNDE0MWMzOWY2ZDJjOWUyYTYifQ=="/>
   <p:tag name="KSO_WPP_MARK_KEY" val="5f705d26-d263-4979-a5b8-d57acbb2fc9a"/>

--- a/开题报告演讲PPT.pptx
+++ b/开题报告演讲PPT.pptx
@@ -4426,14 +4426,208 @@
                             </p:stCondLst>
                             <p:childTnLst>
                               <p:par>
-                                <p:cTn id="5" presetID="2" presetClass="entr" presetSubtype="4" fill="hold" grpId="0" nodeType="clickEffect">
+                                <p:cTn id="5" presetID="7" presetClass="exit" presetSubtype="4" fill="hold" grpId="0" nodeType="clickEffect">
+                                  <p:stCondLst>
+                                    <p:cond delay="0"/>
+                                  </p:stCondLst>
+                                  <p:childTnLst>
+                                    <p:anim calcmode="lin" valueType="num">
+                                      <p:cBhvr additive="base">
+                                        <p:cTn id="6" dur="5000"/>
+                                        <p:tgtEl>
+                                          <p:spTgt spid="4"/>
+                                        </p:tgtEl>
+                                        <p:attrNameLst>
+                                          <p:attrName>ppt_x</p:attrName>
+                                        </p:attrNameLst>
+                                      </p:cBhvr>
+                                      <p:tavLst>
+                                        <p:tav tm="0">
+                                          <p:val>
+                                            <p:strVal val="ppt_x"/>
+                                          </p:val>
+                                        </p:tav>
+                                        <p:tav tm="100000">
+                                          <p:val>
+                                            <p:strVal val="ppt_x"/>
+                                          </p:val>
+                                        </p:tav>
+                                      </p:tavLst>
+                                    </p:anim>
+                                    <p:anim calcmode="lin" valueType="num">
+                                      <p:cBhvr additive="base">
+                                        <p:cTn id="7" dur="5000"/>
+                                        <p:tgtEl>
+                                          <p:spTgt spid="4"/>
+                                        </p:tgtEl>
+                                        <p:attrNameLst>
+                                          <p:attrName>ppt_y</p:attrName>
+                                        </p:attrNameLst>
+                                      </p:cBhvr>
+                                      <p:tavLst>
+                                        <p:tav tm="0">
+                                          <p:val>
+                                            <p:strVal val="ppt_y"/>
+                                          </p:val>
+                                        </p:tav>
+                                        <p:tav tm="100000">
+                                          <p:val>
+                                            <p:strVal val="1+ppt_h/2"/>
+                                          </p:val>
+                                        </p:tav>
+                                      </p:tavLst>
+                                    </p:anim>
+                                    <p:set>
+                                      <p:cBhvr>
+                                        <p:cTn id="8" dur="1" fill="hold">
+                                          <p:stCondLst>
+                                            <p:cond delay="4999"/>
+                                          </p:stCondLst>
+                                        </p:cTn>
+                                        <p:tgtEl>
+                                          <p:spTgt spid="4"/>
+                                        </p:tgtEl>
+                                        <p:attrNameLst>
+                                          <p:attrName>style.visibility</p:attrName>
+                                        </p:attrNameLst>
+                                      </p:cBhvr>
+                                      <p:to>
+                                        <p:strVal val="hidden"/>
+                                      </p:to>
+                                    </p:set>
+                                  </p:childTnLst>
+                                </p:cTn>
+                              </p:par>
+                            </p:childTnLst>
+                          </p:cTn>
+                        </p:par>
+                      </p:childTnLst>
+                    </p:cTn>
+                  </p:par>
+                  <p:par>
+                    <p:cTn id="9" fill="hold">
+                      <p:stCondLst>
+                        <p:cond delay="indefinite"/>
+                      </p:stCondLst>
+                      <p:childTnLst>
+                        <p:par>
+                          <p:cTn id="10" fill="hold">
+                            <p:stCondLst>
+                              <p:cond delay="0"/>
+                            </p:stCondLst>
+                            <p:childTnLst>
+                              <p:par>
+                                <p:cTn id="11" presetID="2" presetClass="entr" presetSubtype="4" fill="hold" nodeType="clickEffect">
                                   <p:stCondLst>
                                     <p:cond delay="0"/>
                                   </p:stCondLst>
                                   <p:childTnLst>
                                     <p:set>
                                       <p:cBhvr>
-                                        <p:cTn id="6" dur="1" fill="hold">
+                                        <p:cTn id="12" dur="1" fill="hold">
+                                          <p:stCondLst>
+                                            <p:cond delay="0"/>
+                                          </p:stCondLst>
+                                        </p:cTn>
+                                        <p:tgtEl>
+                                          <p:spTgt spid="4">
+                                            <p:txEl>
+                                              <p:pRg st="0" end="0"/>
+                                            </p:txEl>
+                                          </p:spTgt>
+                                        </p:tgtEl>
+                                        <p:attrNameLst>
+                                          <p:attrName>style.visibility</p:attrName>
+                                        </p:attrNameLst>
+                                      </p:cBhvr>
+                                      <p:to>
+                                        <p:strVal val="visible"/>
+                                      </p:to>
+                                    </p:set>
+                                    <p:anim calcmode="lin" valueType="num">
+                                      <p:cBhvr additive="base">
+                                        <p:cTn id="13" dur="500" fill="hold"/>
+                                        <p:tgtEl>
+                                          <p:spTgt spid="4">
+                                            <p:txEl>
+                                              <p:pRg st="0" end="0"/>
+                                            </p:txEl>
+                                          </p:spTgt>
+                                        </p:tgtEl>
+                                        <p:attrNameLst>
+                                          <p:attrName>ppt_x</p:attrName>
+                                        </p:attrNameLst>
+                                      </p:cBhvr>
+                                      <p:tavLst>
+                                        <p:tav tm="0">
+                                          <p:val>
+                                            <p:strVal val="#ppt_x"/>
+                                          </p:val>
+                                        </p:tav>
+                                        <p:tav tm="100000">
+                                          <p:val>
+                                            <p:strVal val="#ppt_x"/>
+                                          </p:val>
+                                        </p:tav>
+                                      </p:tavLst>
+                                    </p:anim>
+                                    <p:anim calcmode="lin" valueType="num">
+                                      <p:cBhvr additive="base">
+                                        <p:cTn id="14" dur="500" fill="hold"/>
+                                        <p:tgtEl>
+                                          <p:spTgt spid="4">
+                                            <p:txEl>
+                                              <p:pRg st="0" end="0"/>
+                                            </p:txEl>
+                                          </p:spTgt>
+                                        </p:tgtEl>
+                                        <p:attrNameLst>
+                                          <p:attrName>ppt_y</p:attrName>
+                                        </p:attrNameLst>
+                                      </p:cBhvr>
+                                      <p:tavLst>
+                                        <p:tav tm="0">
+                                          <p:val>
+                                            <p:strVal val="1+#ppt_h/2"/>
+                                          </p:val>
+                                        </p:tav>
+                                        <p:tav tm="100000">
+                                          <p:val>
+                                            <p:strVal val="#ppt_y"/>
+                                          </p:val>
+                                        </p:tav>
+                                      </p:tavLst>
+                                    </p:anim>
+                                  </p:childTnLst>
+                                </p:cTn>
+                              </p:par>
+                            </p:childTnLst>
+                          </p:cTn>
+                        </p:par>
+                      </p:childTnLst>
+                    </p:cTn>
+                  </p:par>
+                  <p:par>
+                    <p:cTn id="15" fill="hold">
+                      <p:stCondLst>
+                        <p:cond delay="indefinite"/>
+                      </p:stCondLst>
+                      <p:childTnLst>
+                        <p:par>
+                          <p:cTn id="16" fill="hold">
+                            <p:stCondLst>
+                              <p:cond delay="0"/>
+                            </p:stCondLst>
+                            <p:childTnLst>
+                              <p:par>
+                                <p:cTn id="17" presetID="2" presetClass="entr" presetSubtype="4" fill="hold" grpId="0" nodeType="clickEffect">
+                                  <p:stCondLst>
+                                    <p:cond delay="0"/>
+                                  </p:stCondLst>
+                                  <p:childTnLst>
+                                    <p:set>
+                                      <p:cBhvr>
+                                        <p:cTn id="18" dur="1" fill="hold">
                                           <p:stCondLst>
                                             <p:cond delay="0"/>
                                           </p:stCondLst>
@@ -4451,7 +4645,7 @@
                                     </p:set>
                                     <p:anim calcmode="lin" valueType="num">
                                       <p:cBhvr additive="base">
-                                        <p:cTn id="7" dur="500" fill="hold"/>
+                                        <p:cTn id="19" dur="500" fill="hold"/>
                                         <p:tgtEl>
                                           <p:spTgt spid="12"/>
                                         </p:tgtEl>
@@ -4474,155 +4668,9 @@
                                     </p:anim>
                                     <p:anim calcmode="lin" valueType="num">
                                       <p:cBhvr additive="base">
-                                        <p:cTn id="8" dur="500" fill="hold"/>
+                                        <p:cTn id="20" dur="500" fill="hold"/>
                                         <p:tgtEl>
                                           <p:spTgt spid="12"/>
-                                        </p:tgtEl>
-                                        <p:attrNameLst>
-                                          <p:attrName>ppt_y</p:attrName>
-                                        </p:attrNameLst>
-                                      </p:cBhvr>
-                                      <p:tavLst>
-                                        <p:tav tm="0">
-                                          <p:val>
-                                            <p:strVal val="1+#ppt_h/2"/>
-                                          </p:val>
-                                        </p:tav>
-                                        <p:tav tm="100000">
-                                          <p:val>
-                                            <p:strVal val="#ppt_y"/>
-                                          </p:val>
-                                        </p:tav>
-                                      </p:tavLst>
-                                    </p:anim>
-                                  </p:childTnLst>
-                                </p:cTn>
-                              </p:par>
-                              <p:par>
-                                <p:cTn id="9" presetID="2" presetClass="entr" presetSubtype="4" fill="hold" grpId="0" nodeType="withEffect">
-                                  <p:stCondLst>
-                                    <p:cond delay="0"/>
-                                  </p:stCondLst>
-                                  <p:childTnLst>
-                                    <p:set>
-                                      <p:cBhvr>
-                                        <p:cTn id="10" dur="1" fill="hold">
-                                          <p:stCondLst>
-                                            <p:cond delay="0"/>
-                                          </p:stCondLst>
-                                        </p:cTn>
-                                        <p:tgtEl>
-                                          <p:spTgt spid="4"/>
-                                        </p:tgtEl>
-                                        <p:attrNameLst>
-                                          <p:attrName>style.visibility</p:attrName>
-                                        </p:attrNameLst>
-                                      </p:cBhvr>
-                                      <p:to>
-                                        <p:strVal val="visible"/>
-                                      </p:to>
-                                    </p:set>
-                                    <p:anim calcmode="lin" valueType="num">
-                                      <p:cBhvr additive="base">
-                                        <p:cTn id="11" dur="500" fill="hold"/>
-                                        <p:tgtEl>
-                                          <p:spTgt spid="4"/>
-                                        </p:tgtEl>
-                                        <p:attrNameLst>
-                                          <p:attrName>ppt_x</p:attrName>
-                                        </p:attrNameLst>
-                                      </p:cBhvr>
-                                      <p:tavLst>
-                                        <p:tav tm="0">
-                                          <p:val>
-                                            <p:strVal val="#ppt_x"/>
-                                          </p:val>
-                                        </p:tav>
-                                        <p:tav tm="100000">
-                                          <p:val>
-                                            <p:strVal val="#ppt_x"/>
-                                          </p:val>
-                                        </p:tav>
-                                      </p:tavLst>
-                                    </p:anim>
-                                    <p:anim calcmode="lin" valueType="num">
-                                      <p:cBhvr additive="base">
-                                        <p:cTn id="12" dur="500" fill="hold"/>
-                                        <p:tgtEl>
-                                          <p:spTgt spid="4"/>
-                                        </p:tgtEl>
-                                        <p:attrNameLst>
-                                          <p:attrName>ppt_y</p:attrName>
-                                        </p:attrNameLst>
-                                      </p:cBhvr>
-                                      <p:tavLst>
-                                        <p:tav tm="0">
-                                          <p:val>
-                                            <p:strVal val="1+#ppt_h/2"/>
-                                          </p:val>
-                                        </p:tav>
-                                        <p:tav tm="100000">
-                                          <p:val>
-                                            <p:strVal val="#ppt_y"/>
-                                          </p:val>
-                                        </p:tav>
-                                      </p:tavLst>
-                                    </p:anim>
-                                  </p:childTnLst>
-                                </p:cTn>
-                              </p:par>
-                              <p:par>
-                                <p:cTn id="13" presetID="2" presetClass="entr" presetSubtype="4" fill="hold" grpId="0" nodeType="withEffect">
-                                  <p:stCondLst>
-                                    <p:cond delay="0"/>
-                                  </p:stCondLst>
-                                  <p:childTnLst>
-                                    <p:set>
-                                      <p:cBhvr>
-                                        <p:cTn id="14" dur="1" fill="hold">
-                                          <p:stCondLst>
-                                            <p:cond delay="0"/>
-                                          </p:stCondLst>
-                                        </p:cTn>
-                                        <p:tgtEl>
-                                          <p:spTgt spid="7"/>
-                                        </p:tgtEl>
-                                        <p:attrNameLst>
-                                          <p:attrName>style.visibility</p:attrName>
-                                        </p:attrNameLst>
-                                      </p:cBhvr>
-                                      <p:to>
-                                        <p:strVal val="visible"/>
-                                      </p:to>
-                                    </p:set>
-                                    <p:anim calcmode="lin" valueType="num">
-                                      <p:cBhvr additive="base">
-                                        <p:cTn id="15" dur="500" fill="hold"/>
-                                        <p:tgtEl>
-                                          <p:spTgt spid="7"/>
-                                        </p:tgtEl>
-                                        <p:attrNameLst>
-                                          <p:attrName>ppt_x</p:attrName>
-                                        </p:attrNameLst>
-                                      </p:cBhvr>
-                                      <p:tavLst>
-                                        <p:tav tm="0">
-                                          <p:val>
-                                            <p:strVal val="#ppt_x"/>
-                                          </p:val>
-                                        </p:tav>
-                                        <p:tav tm="100000">
-                                          <p:val>
-                                            <p:strVal val="#ppt_x"/>
-                                          </p:val>
-                                        </p:tav>
-                                      </p:tavLst>
-                                    </p:anim>
-                                    <p:anim calcmode="lin" valueType="num">
-                                      <p:cBhvr additive="base">
-                                        <p:cTn id="16" dur="500" fill="hold"/>
-                                        <p:tgtEl>
-                                          <p:spTgt spid="7"/>
                                         </p:tgtEl>
                                         <p:attrNameLst>
                                           <p:attrName>ppt_y</p:attrName>
@@ -4672,12 +4720,12 @@
       </p:par>
     </p:tnLst>
     <p:bldLst>
+      <p:bldP spid="7" grpId="0"/>
+      <p:bldP spid="7" grpId="1"/>
+      <p:bldP spid="4" grpId="0"/>
+      <p:bldP spid="4" grpId="1"/>
       <p:bldP spid="12" grpId="0"/>
-      <p:bldP spid="4" grpId="0"/>
-      <p:bldP spid="7" grpId="0"/>
       <p:bldP spid="12" grpId="1"/>
-      <p:bldP spid="4" grpId="1"/>
-      <p:bldP spid="7" grpId="1"/>
     </p:bldLst>
   </p:timing>
 </p:sld>
@@ -5044,7 +5092,7 @@
               <a:rPr lang="zh-CN" altLang="en-US">
                 <a:sym typeface="+mn-ea"/>
               </a:rPr>
-              <a:t>我们的购买能力的提升，会有数不胜数的物流信息。</a:t>
+              <a:t>我们的购买能力的提升，会有数不胜数的物流信息需要被管理和追踪。</a:t>
             </a:r>
             <a:endParaRPr lang="zh-CN" altLang="en-US">
               <a:sym typeface="+mn-ea"/>
@@ -5203,9 +5251,6 @@
                     <p:cTn id="3" fill="hold">
                       <p:stCondLst>
                         <p:cond delay="indefinite"/>
-                        <p:cond evt="onBegin" delay="0">
-                          <p:tn val="2"/>
-                        </p:cond>
                       </p:stCondLst>
                       <p:childTnLst>
                         <p:par>
@@ -5215,7 +5260,7 @@
                             </p:stCondLst>
                             <p:childTnLst>
                               <p:par>
-                                <p:cTn id="5" presetID="2" presetClass="entr" presetSubtype="4" fill="hold" grpId="0" nodeType="withEffect">
+                                <p:cTn id="5" presetID="2" presetClass="entr" presetSubtype="4" fill="hold" nodeType="clickEffect">
                                   <p:stCondLst>
                                     <p:cond delay="0"/>
                                   </p:stCondLst>
@@ -5223,97 +5268,6 @@
                                     <p:set>
                                       <p:cBhvr>
                                         <p:cTn id="6" dur="1" fill="hold">
-                                          <p:stCondLst>
-                                            <p:cond delay="0"/>
-                                          </p:stCondLst>
-                                        </p:cTn>
-                                        <p:tgtEl>
-                                          <p:spTgt spid="3"/>
-                                        </p:tgtEl>
-                                        <p:attrNameLst>
-                                          <p:attrName>style.visibility</p:attrName>
-                                        </p:attrNameLst>
-                                      </p:cBhvr>
-                                      <p:to>
-                                        <p:strVal val="visible"/>
-                                      </p:to>
-                                    </p:set>
-                                    <p:anim calcmode="lin" valueType="num">
-                                      <p:cBhvr additive="base">
-                                        <p:cTn id="7" dur="500" fill="hold"/>
-                                        <p:tgtEl>
-                                          <p:spTgt spid="3"/>
-                                        </p:tgtEl>
-                                        <p:attrNameLst>
-                                          <p:attrName>ppt_x</p:attrName>
-                                        </p:attrNameLst>
-                                      </p:cBhvr>
-                                      <p:tavLst>
-                                        <p:tav tm="0">
-                                          <p:val>
-                                            <p:strVal val="#ppt_x"/>
-                                          </p:val>
-                                        </p:tav>
-                                        <p:tav tm="100000">
-                                          <p:val>
-                                            <p:strVal val="#ppt_x"/>
-                                          </p:val>
-                                        </p:tav>
-                                      </p:tavLst>
-                                    </p:anim>
-                                    <p:anim calcmode="lin" valueType="num">
-                                      <p:cBhvr additive="base">
-                                        <p:cTn id="8" dur="500" fill="hold"/>
-                                        <p:tgtEl>
-                                          <p:spTgt spid="3"/>
-                                        </p:tgtEl>
-                                        <p:attrNameLst>
-                                          <p:attrName>ppt_y</p:attrName>
-                                        </p:attrNameLst>
-                                      </p:cBhvr>
-                                      <p:tavLst>
-                                        <p:tav tm="0">
-                                          <p:val>
-                                            <p:strVal val="1+#ppt_h/2"/>
-                                          </p:val>
-                                        </p:tav>
-                                        <p:tav tm="100000">
-                                          <p:val>
-                                            <p:strVal val="#ppt_y"/>
-                                          </p:val>
-                                        </p:tav>
-                                      </p:tavLst>
-                                    </p:anim>
-                                  </p:childTnLst>
-                                </p:cTn>
-                              </p:par>
-                            </p:childTnLst>
-                          </p:cTn>
-                        </p:par>
-                      </p:childTnLst>
-                    </p:cTn>
-                  </p:par>
-                  <p:par>
-                    <p:cTn id="9" fill="hold">
-                      <p:stCondLst>
-                        <p:cond delay="indefinite"/>
-                      </p:stCondLst>
-                      <p:childTnLst>
-                        <p:par>
-                          <p:cTn id="10" fill="hold">
-                            <p:stCondLst>
-                              <p:cond delay="0"/>
-                            </p:stCondLst>
-                            <p:childTnLst>
-                              <p:par>
-                                <p:cTn id="11" presetID="2" presetClass="entr" presetSubtype="4" fill="hold" nodeType="clickEffect">
-                                  <p:stCondLst>
-                                    <p:cond delay="0"/>
-                                  </p:stCondLst>
-                                  <p:childTnLst>
-                                    <p:set>
-                                      <p:cBhvr>
-                                        <p:cTn id="12" dur="1" fill="hold">
                                           <p:stCondLst>
                                             <p:cond delay="0"/>
                                           </p:stCondLst>
@@ -5335,7 +5289,7 @@
                                     </p:set>
                                     <p:anim calcmode="lin" valueType="num">
                                       <p:cBhvr additive="base">
-                                        <p:cTn id="13" dur="500" fill="hold"/>
+                                        <p:cTn id="7" dur="500" fill="hold"/>
                                         <p:tgtEl>
                                           <p:spTgt spid="3">
                                             <p:txEl>
@@ -5362,7 +5316,7 @@
                                     </p:anim>
                                     <p:anim calcmode="lin" valueType="num">
                                       <p:cBhvr additive="base">
-                                        <p:cTn id="14" dur="500" fill="hold"/>
+                                        <p:cTn id="8" dur="500" fill="hold"/>
                                         <p:tgtEl>
                                           <p:spTgt spid="3">
                                             <p:txEl>
@@ -5391,14 +5345,14 @@
                                 </p:cTn>
                               </p:par>
                               <p:par>
-                                <p:cTn id="15" presetID="2" presetClass="entr" presetSubtype="4" fill="hold" nodeType="withEffect">
+                                <p:cTn id="9" presetID="2" presetClass="entr" presetSubtype="4" fill="hold" nodeType="withEffect">
                                   <p:stCondLst>
                                     <p:cond delay="0"/>
                                   </p:stCondLst>
                                   <p:childTnLst>
                                     <p:set>
                                       <p:cBhvr>
-                                        <p:cTn id="16" dur="1" fill="hold">
+                                        <p:cTn id="10" dur="1" fill="hold">
                                           <p:stCondLst>
                                             <p:cond delay="0"/>
                                           </p:stCondLst>
@@ -5420,7 +5374,7 @@
                                     </p:set>
                                     <p:anim calcmode="lin" valueType="num">
                                       <p:cBhvr additive="base">
-                                        <p:cTn id="17" dur="500" fill="hold"/>
+                                        <p:cTn id="11" dur="500" fill="hold"/>
                                         <p:tgtEl>
                                           <p:spTgt spid="3">
                                             <p:txEl>
@@ -5447,7 +5401,7 @@
                                     </p:anim>
                                     <p:anim calcmode="lin" valueType="num">
                                       <p:cBhvr additive="base">
-                                        <p:cTn id="18" dur="500" fill="hold"/>
+                                        <p:cTn id="12" dur="500" fill="hold"/>
                                         <p:tgtEl>
                                           <p:spTgt spid="3">
                                             <p:txEl>
@@ -5476,14 +5430,14 @@
                                 </p:cTn>
                               </p:par>
                               <p:par>
-                                <p:cTn id="19" presetID="2" presetClass="entr" presetSubtype="4" fill="hold" nodeType="withEffect">
+                                <p:cTn id="13" presetID="2" presetClass="entr" presetSubtype="4" fill="hold" nodeType="withEffect">
                                   <p:stCondLst>
                                     <p:cond delay="0"/>
                                   </p:stCondLst>
                                   <p:childTnLst>
                                     <p:set>
                                       <p:cBhvr>
-                                        <p:cTn id="20" dur="1" fill="hold">
+                                        <p:cTn id="14" dur="1" fill="hold">
                                           <p:stCondLst>
                                             <p:cond delay="0"/>
                                           </p:stCondLst>
@@ -5505,7 +5459,7 @@
                                     </p:set>
                                     <p:anim calcmode="lin" valueType="num">
                                       <p:cBhvr additive="base">
-                                        <p:cTn id="21" dur="500" fill="hold"/>
+                                        <p:cTn id="15" dur="500" fill="hold"/>
                                         <p:tgtEl>
                                           <p:spTgt spid="3">
                                             <p:txEl>
@@ -5532,7 +5486,7 @@
                                     </p:anim>
                                     <p:anim calcmode="lin" valueType="num">
                                       <p:cBhvr additive="base">
-                                        <p:cTn id="22" dur="500" fill="hold"/>
+                                        <p:cTn id="16" dur="500" fill="hold"/>
                                         <p:tgtEl>
                                           <p:spTgt spid="3">
                                             <p:txEl>
@@ -5561,14 +5515,14 @@
                                 </p:cTn>
                               </p:par>
                               <p:par>
-                                <p:cTn id="23" presetID="2" presetClass="entr" presetSubtype="4" fill="hold" nodeType="withEffect">
+                                <p:cTn id="17" presetID="2" presetClass="entr" presetSubtype="4" fill="hold" nodeType="withEffect">
                                   <p:stCondLst>
                                     <p:cond delay="0"/>
                                   </p:stCondLst>
                                   <p:childTnLst>
                                     <p:set>
                                       <p:cBhvr>
-                                        <p:cTn id="24" dur="1" fill="hold">
+                                        <p:cTn id="18" dur="1" fill="hold">
                                           <p:stCondLst>
                                             <p:cond delay="0"/>
                                           </p:stCondLst>
@@ -5590,7 +5544,7 @@
                                     </p:set>
                                     <p:anim calcmode="lin" valueType="num">
                                       <p:cBhvr additive="base">
-                                        <p:cTn id="25" dur="500" fill="hold"/>
+                                        <p:cTn id="19" dur="500" fill="hold"/>
                                         <p:tgtEl>
                                           <p:spTgt spid="3">
                                             <p:txEl>
@@ -5617,11 +5571,114 @@
                                     </p:anim>
                                     <p:anim calcmode="lin" valueType="num">
                                       <p:cBhvr additive="base">
+                                        <p:cTn id="20" dur="500" fill="hold"/>
+                                        <p:tgtEl>
+                                          <p:spTgt spid="3">
+                                            <p:txEl>
+                                              <p:pRg st="6" end="6"/>
+                                            </p:txEl>
+                                          </p:spTgt>
+                                        </p:tgtEl>
+                                        <p:attrNameLst>
+                                          <p:attrName>ppt_y</p:attrName>
+                                        </p:attrNameLst>
+                                      </p:cBhvr>
+                                      <p:tavLst>
+                                        <p:tav tm="0">
+                                          <p:val>
+                                            <p:strVal val="1+#ppt_h/2"/>
+                                          </p:val>
+                                        </p:tav>
+                                        <p:tav tm="100000">
+                                          <p:val>
+                                            <p:strVal val="#ppt_y"/>
+                                          </p:val>
+                                        </p:tav>
+                                      </p:tavLst>
+                                    </p:anim>
+                                  </p:childTnLst>
+                                </p:cTn>
+                              </p:par>
+                            </p:childTnLst>
+                          </p:cTn>
+                        </p:par>
+                      </p:childTnLst>
+                    </p:cTn>
+                  </p:par>
+                  <p:par>
+                    <p:cTn id="21" fill="hold">
+                      <p:stCondLst>
+                        <p:cond delay="indefinite"/>
+                      </p:stCondLst>
+                      <p:childTnLst>
+                        <p:par>
+                          <p:cTn id="22" fill="hold">
+                            <p:stCondLst>
+                              <p:cond delay="0"/>
+                            </p:stCondLst>
+                            <p:childTnLst>
+                              <p:par>
+                                <p:cTn id="23" presetID="2" presetClass="entr" presetSubtype="4" fill="hold" nodeType="clickEffect">
+                                  <p:stCondLst>
+                                    <p:cond delay="0"/>
+                                  </p:stCondLst>
+                                  <p:childTnLst>
+                                    <p:set>
+                                      <p:cBhvr>
+                                        <p:cTn id="24" dur="1" fill="hold">
+                                          <p:stCondLst>
+                                            <p:cond delay="0"/>
+                                          </p:stCondLst>
+                                        </p:cTn>
+                                        <p:tgtEl>
+                                          <p:spTgt spid="3">
+                                            <p:txEl>
+                                              <p:pRg st="9" end="9"/>
+                                            </p:txEl>
+                                          </p:spTgt>
+                                        </p:tgtEl>
+                                        <p:attrNameLst>
+                                          <p:attrName>style.visibility</p:attrName>
+                                        </p:attrNameLst>
+                                      </p:cBhvr>
+                                      <p:to>
+                                        <p:strVal val="visible"/>
+                                      </p:to>
+                                    </p:set>
+                                    <p:anim calcmode="lin" valueType="num">
+                                      <p:cBhvr additive="base">
+                                        <p:cTn id="25" dur="500" fill="hold"/>
+                                        <p:tgtEl>
+                                          <p:spTgt spid="3">
+                                            <p:txEl>
+                                              <p:pRg st="9" end="9"/>
+                                            </p:txEl>
+                                          </p:spTgt>
+                                        </p:tgtEl>
+                                        <p:attrNameLst>
+                                          <p:attrName>ppt_x</p:attrName>
+                                        </p:attrNameLst>
+                                      </p:cBhvr>
+                                      <p:tavLst>
+                                        <p:tav tm="0">
+                                          <p:val>
+                                            <p:strVal val="#ppt_x"/>
+                                          </p:val>
+                                        </p:tav>
+                                        <p:tav tm="100000">
+                                          <p:val>
+                                            <p:strVal val="#ppt_x"/>
+                                          </p:val>
+                                        </p:tav>
+                                      </p:tavLst>
+                                    </p:anim>
+                                    <p:anim calcmode="lin" valueType="num">
+                                      <p:cBhvr additive="base">
                                         <p:cTn id="26" dur="500" fill="hold"/>
                                         <p:tgtEl>
                                           <p:spTgt spid="3">
                                             <p:txEl>
-                                              <p:pRg st="6" end="6"/>
+                                              <p:pRg st="9" end="9"/>
                                             </p:txEl>
                                           </p:spTgt>
                                         </p:tgtEl>
@@ -5661,7 +5718,7 @@
                                         <p:tgtEl>
                                           <p:spTgt spid="3">
                                             <p:txEl>
-                                              <p:pRg st="9" end="9"/>
+                                              <p:pRg st="11" end="11"/>
                                             </p:txEl>
                                           </p:spTgt>
                                         </p:tgtEl>
@@ -5679,7 +5736,7 @@
                                         <p:tgtEl>
                                           <p:spTgt spid="3">
                                             <p:txEl>
-                                              <p:pRg st="9" end="9"/>
+                                              <p:pRg st="11" end="11"/>
                                             </p:txEl>
                                           </p:spTgt>
                                         </p:tgtEl>
@@ -5706,7 +5763,7 @@
                                         <p:tgtEl>
                                           <p:spTgt spid="3">
                                             <p:txEl>
-                                              <p:pRg st="9" end="9"/>
+                                              <p:pRg st="11" end="11"/>
                                             </p:txEl>
                                           </p:spTgt>
                                         </p:tgtEl>
@@ -5746,7 +5803,7 @@
                                         <p:tgtEl>
                                           <p:spTgt spid="3">
                                             <p:txEl>
-                                              <p:pRg st="11" end="11"/>
+                                              <p:pRg st="13" end="13"/>
                                             </p:txEl>
                                           </p:spTgt>
                                         </p:tgtEl>
@@ -5764,7 +5821,7 @@
                                         <p:tgtEl>
                                           <p:spTgt spid="3">
                                             <p:txEl>
-                                              <p:pRg st="11" end="11"/>
+                                              <p:pRg st="13" end="13"/>
                                             </p:txEl>
                                           </p:spTgt>
                                         </p:tgtEl>
@@ -5791,7 +5848,7 @@
                                         <p:tgtEl>
                                           <p:spTgt spid="3">
                                             <p:txEl>
-                                              <p:pRg st="11" end="11"/>
+                                              <p:pRg st="13" end="13"/>
                                             </p:txEl>
                                           </p:spTgt>
                                         </p:tgtEl>
@@ -5831,7 +5888,7 @@
                                         <p:tgtEl>
                                           <p:spTgt spid="3">
                                             <p:txEl>
-                                              <p:pRg st="13" end="13"/>
+                                              <p:pRg st="15" end="15"/>
                                             </p:txEl>
                                           </p:spTgt>
                                         </p:tgtEl>
@@ -5849,7 +5906,7 @@
                                         <p:tgtEl>
                                           <p:spTgt spid="3">
                                             <p:txEl>
-                                              <p:pRg st="13" end="13"/>
+                                              <p:pRg st="15" end="15"/>
                                             </p:txEl>
                                           </p:spTgt>
                                         </p:tgtEl>
@@ -5876,7 +5933,7 @@
                                         <p:tgtEl>
                                           <p:spTgt spid="3">
                                             <p:txEl>
-                                              <p:pRg st="13" end="13"/>
+                                              <p:pRg st="15" end="15"/>
                                             </p:txEl>
                                           </p:spTgt>
                                         </p:tgtEl>
@@ -5916,7 +5973,7 @@
                                         <p:tgtEl>
                                           <p:spTgt spid="3">
                                             <p:txEl>
-                                              <p:pRg st="15" end="15"/>
+                                              <p:pRg st="17" end="17"/>
                                             </p:txEl>
                                           </p:spTgt>
                                         </p:tgtEl>
@@ -5934,91 +5991,6 @@
                                         <p:tgtEl>
                                           <p:spTgt spid="3">
                                             <p:txEl>
-                                              <p:pRg st="15" end="15"/>
-                                            </p:txEl>
-                                          </p:spTgt>
-                                        </p:tgtEl>
-                                        <p:attrNameLst>
-                                          <p:attrName>ppt_x</p:attrName>
-                                        </p:attrNameLst>
-                                      </p:cBhvr>
-                                      <p:tavLst>
-                                        <p:tav tm="0">
-                                          <p:val>
-                                            <p:strVal val="#ppt_x"/>
-                                          </p:val>
-                                        </p:tav>
-                                        <p:tav tm="100000">
-                                          <p:val>
-                                            <p:strVal val="#ppt_x"/>
-                                          </p:val>
-                                        </p:tav>
-                                      </p:tavLst>
-                                    </p:anim>
-                                    <p:anim calcmode="lin" valueType="num">
-                                      <p:cBhvr additive="base">
-                                        <p:cTn id="42" dur="500" fill="hold"/>
-                                        <p:tgtEl>
-                                          <p:spTgt spid="3">
-                                            <p:txEl>
-                                              <p:pRg st="15" end="15"/>
-                                            </p:txEl>
-                                          </p:spTgt>
-                                        </p:tgtEl>
-                                        <p:attrNameLst>
-                                          <p:attrName>ppt_y</p:attrName>
-                                        </p:attrNameLst>
-                                      </p:cBhvr>
-                                      <p:tavLst>
-                                        <p:tav tm="0">
-                                          <p:val>
-                                            <p:strVal val="1+#ppt_h/2"/>
-                                          </p:val>
-                                        </p:tav>
-                                        <p:tav tm="100000">
-                                          <p:val>
-                                            <p:strVal val="#ppt_y"/>
-                                          </p:val>
-                                        </p:tav>
-                                      </p:tavLst>
-                                    </p:anim>
-                                  </p:childTnLst>
-                                </p:cTn>
-                              </p:par>
-                              <p:par>
-                                <p:cTn id="43" presetID="2" presetClass="entr" presetSubtype="4" fill="hold" nodeType="withEffect">
-                                  <p:stCondLst>
-                                    <p:cond delay="0"/>
-                                  </p:stCondLst>
-                                  <p:childTnLst>
-                                    <p:set>
-                                      <p:cBhvr>
-                                        <p:cTn id="44" dur="1" fill="hold">
-                                          <p:stCondLst>
-                                            <p:cond delay="0"/>
-                                          </p:stCondLst>
-                                        </p:cTn>
-                                        <p:tgtEl>
-                                          <p:spTgt spid="3">
-                                            <p:txEl>
-                                              <p:pRg st="17" end="17"/>
-                                            </p:txEl>
-                                          </p:spTgt>
-                                        </p:tgtEl>
-                                        <p:attrNameLst>
-                                          <p:attrName>style.visibility</p:attrName>
-                                        </p:attrNameLst>
-                                      </p:cBhvr>
-                                      <p:to>
-                                        <p:strVal val="visible"/>
-                                      </p:to>
-                                    </p:set>
-                                    <p:anim calcmode="lin" valueType="num">
-                                      <p:cBhvr additive="base">
-                                        <p:cTn id="45" dur="500" fill="hold"/>
-                                        <p:tgtEl>
-                                          <p:spTgt spid="3">
-                                            <p:txEl>
                                               <p:pRg st="17" end="17"/>
                                             </p:txEl>
                                           </p:spTgt>
@@ -6042,7 +6014,7 @@
                                     </p:anim>
                                     <p:anim calcmode="lin" valueType="num">
                                       <p:cBhvr additive="base">
-                                        <p:cTn id="46" dur="500" fill="hold"/>
+                                        <p:cTn id="42" dur="500" fill="hold"/>
                                         <p:tgtEl>
                                           <p:spTgt spid="3">
                                             <p:txEl>
@@ -6395,11 +6367,7 @@
         <p:nvSpPr>
           <p:cNvPr id="5" name="文本框 4"/>
           <p:cNvSpPr txBox="1"/>
-          <p:nvPr>
-            <p:custDataLst>
-              <p:tags r:id="rId3"/>
-            </p:custDataLst>
-          </p:nvPr>
+          <p:nvPr/>
         </p:nvSpPr>
         <p:spPr>
           <a:xfrm>
@@ -6598,7 +6566,7 @@
             </a:pPr>
             <a:r>
               <a:rPr lang="zh-CN" altLang="en-US"/>
-              <a:t>欧洲州怕的现代流起步稍晚，但最近在政府部门与企业的重视下也得到了较大发展。</a:t>
+              <a:t>欧洲的现代物流起步稍晚，但最近在政府部门与企业的重视下也得到了较大发展。</a:t>
             </a:r>
             <a:endParaRPr lang="zh-CN" altLang="en-US"/>
           </a:p>
@@ -6609,18 +6577,11 @@
             </a:pPr>
             <a:endParaRPr lang="zh-CN" altLang="en-US"/>
           </a:p>
-          <a:p>
-            <a:pPr marL="342900" indent="-342900">
-              <a:buFont typeface="Arial" panose="020B0604020202020204" pitchFamily="34" charset="0"/>
-              <a:buAutoNum type="arabicPeriod"/>
-            </a:pPr>
-            <a:endParaRPr lang="zh-CN" altLang="en-US"/>
-          </a:p>
         </p:txBody>
       </p:sp>
     </p:spTree>
     <p:custDataLst>
-      <p:tags r:id="rId4"/>
+      <p:tags r:id="rId3"/>
     </p:custDataLst>
   </p:cSld>
   <p:clrMapOvr>
@@ -6638,9 +6599,6 @@
                     <p:cTn id="3" fill="hold">
                       <p:stCondLst>
                         <p:cond delay="indefinite"/>
-                        <p:cond evt="onBegin" delay="0">
-                          <p:tn val="2"/>
-                        </p:cond>
                       </p:stCondLst>
                       <p:childTnLst>
                         <p:par>
@@ -6650,7 +6608,7 @@
                             </p:stCondLst>
                             <p:childTnLst>
                               <p:par>
-                                <p:cTn id="5" presetID="2" presetClass="entr" presetSubtype="4" fill="hold" grpId="0" nodeType="withEffect">
+                                <p:cTn id="5" presetID="2" presetClass="entr" presetSubtype="4" fill="hold" nodeType="clickEffect">
                                   <p:stCondLst>
                                     <p:cond delay="0"/>
                                   </p:stCondLst>
@@ -6663,7 +6621,11 @@
                                           </p:stCondLst>
                                         </p:cTn>
                                         <p:tgtEl>
-                                          <p:spTgt spid="5"/>
+                                          <p:spTgt spid="5">
+                                            <p:txEl>
+                                              <p:pRg st="0" end="0"/>
+                                            </p:txEl>
+                                          </p:spTgt>
                                         </p:tgtEl>
                                         <p:attrNameLst>
                                           <p:attrName>style.visibility</p:attrName>
@@ -6677,7 +6639,11 @@
                                       <p:cBhvr additive="base">
                                         <p:cTn id="7" dur="500" fill="hold"/>
                                         <p:tgtEl>
-                                          <p:spTgt spid="5"/>
+                                          <p:spTgt spid="5">
+                                            <p:txEl>
+                                              <p:pRg st="0" end="0"/>
+                                            </p:txEl>
+                                          </p:spTgt>
                                         </p:tgtEl>
                                         <p:attrNameLst>
                                           <p:attrName>ppt_x</p:attrName>
@@ -6700,7 +6666,11 @@
                                       <p:cBhvr additive="base">
                                         <p:cTn id="8" dur="500" fill="hold"/>
                                         <p:tgtEl>
-                                          <p:spTgt spid="5"/>
+                                          <p:spTgt spid="5">
+                                            <p:txEl>
+                                              <p:pRg st="0" end="0"/>
+                                            </p:txEl>
+                                          </p:spTgt>
                                         </p:tgtEl>
                                         <p:attrNameLst>
                                           <p:attrName>ppt_y</p:attrName>
@@ -6738,7 +6708,7 @@
                                         <p:tgtEl>
                                           <p:spTgt spid="5">
                                             <p:txEl>
-                                              <p:pRg st="0" end="0"/>
+                                              <p:pRg st="2" end="2"/>
                                             </p:txEl>
                                           </p:spTgt>
                                         </p:tgtEl>
@@ -6756,7 +6726,7 @@
                                         <p:tgtEl>
                                           <p:spTgt spid="5">
                                             <p:txEl>
-                                              <p:pRg st="0" end="0"/>
+                                              <p:pRg st="2" end="2"/>
                                             </p:txEl>
                                           </p:spTgt>
                                         </p:tgtEl>
@@ -6783,7 +6753,7 @@
                                         <p:tgtEl>
                                           <p:spTgt spid="5">
                                             <p:txEl>
-                                              <p:pRg st="0" end="0"/>
+                                              <p:pRg st="2" end="2"/>
                                             </p:txEl>
                                           </p:spTgt>
                                         </p:tgtEl>
@@ -6823,7 +6793,7 @@
                                         <p:tgtEl>
                                           <p:spTgt spid="5">
                                             <p:txEl>
-                                              <p:pRg st="2" end="2"/>
+                                              <p:pRg st="4" end="4"/>
                                             </p:txEl>
                                           </p:spTgt>
                                         </p:tgtEl>
@@ -6841,7 +6811,7 @@
                                         <p:tgtEl>
                                           <p:spTgt spid="5">
                                             <p:txEl>
-                                              <p:pRg st="2" end="2"/>
+                                              <p:pRg st="4" end="4"/>
                                             </p:txEl>
                                           </p:spTgt>
                                         </p:tgtEl>
@@ -6868,7 +6838,7 @@
                                         <p:tgtEl>
                                           <p:spTgt spid="5">
                                             <p:txEl>
-                                              <p:pRg st="2" end="2"/>
+                                              <p:pRg st="4" end="4"/>
                                             </p:txEl>
                                           </p:spTgt>
                                         </p:tgtEl>
@@ -6908,7 +6878,7 @@
                                         <p:tgtEl>
                                           <p:spTgt spid="5">
                                             <p:txEl>
-                                              <p:pRg st="4" end="4"/>
+                                              <p:pRg st="6" end="6"/>
                                             </p:txEl>
                                           </p:spTgt>
                                         </p:tgtEl>
@@ -6926,7 +6896,7 @@
                                         <p:tgtEl>
                                           <p:spTgt spid="5">
                                             <p:txEl>
-                                              <p:pRg st="4" end="4"/>
+                                              <p:pRg st="6" end="6"/>
                                             </p:txEl>
                                           </p:spTgt>
                                         </p:tgtEl>
@@ -6953,7 +6923,7 @@
                                         <p:tgtEl>
                                           <p:spTgt spid="5">
                                             <p:txEl>
-                                              <p:pRg st="4" end="4"/>
+                                              <p:pRg st="6" end="6"/>
                                             </p:txEl>
                                           </p:spTgt>
                                         </p:tgtEl>
@@ -6993,7 +6963,7 @@
                                         <p:tgtEl>
                                           <p:spTgt spid="5">
                                             <p:txEl>
-                                              <p:pRg st="6" end="6"/>
+                                              <p:pRg st="8" end="8"/>
                                             </p:txEl>
                                           </p:spTgt>
                                         </p:tgtEl>
@@ -7011,7 +6981,7 @@
                                         <p:tgtEl>
                                           <p:spTgt spid="5">
                                             <p:txEl>
-                                              <p:pRg st="6" end="6"/>
+                                              <p:pRg st="8" end="8"/>
                                             </p:txEl>
                                           </p:spTgt>
                                         </p:tgtEl>
@@ -7038,7 +7008,7 @@
                                         <p:tgtEl>
                                           <p:spTgt spid="5">
                                             <p:txEl>
-                                              <p:pRg st="6" end="6"/>
+                                              <p:pRg st="8" end="8"/>
                                             </p:txEl>
                                           </p:spTgt>
                                         </p:tgtEl>
@@ -7078,7 +7048,7 @@
                                         <p:tgtEl>
                                           <p:spTgt spid="5">
                                             <p:txEl>
-                                              <p:pRg st="8" end="8"/>
+                                              <p:pRg st="10" end="10"/>
                                             </p:txEl>
                                           </p:spTgt>
                                         </p:tgtEl>
@@ -7096,91 +7066,6 @@
                                         <p:tgtEl>
                                           <p:spTgt spid="5">
                                             <p:txEl>
-                                              <p:pRg st="8" end="8"/>
-                                            </p:txEl>
-                                          </p:spTgt>
-                                        </p:tgtEl>
-                                        <p:attrNameLst>
-                                          <p:attrName>ppt_x</p:attrName>
-                                        </p:attrNameLst>
-                                      </p:cBhvr>
-                                      <p:tavLst>
-                                        <p:tav tm="0">
-                                          <p:val>
-                                            <p:strVal val="#ppt_x"/>
-                                          </p:val>
-                                        </p:tav>
-                                        <p:tav tm="100000">
-                                          <p:val>
-                                            <p:strVal val="#ppt_x"/>
-                                          </p:val>
-                                        </p:tav>
-                                      </p:tavLst>
-                                    </p:anim>
-                                    <p:anim calcmode="lin" valueType="num">
-                                      <p:cBhvr additive="base">
-                                        <p:cTn id="28" dur="500" fill="hold"/>
-                                        <p:tgtEl>
-                                          <p:spTgt spid="5">
-                                            <p:txEl>
-                                              <p:pRg st="8" end="8"/>
-                                            </p:txEl>
-                                          </p:spTgt>
-                                        </p:tgtEl>
-                                        <p:attrNameLst>
-                                          <p:attrName>ppt_y</p:attrName>
-                                        </p:attrNameLst>
-                                      </p:cBhvr>
-                                      <p:tavLst>
-                                        <p:tav tm="0">
-                                          <p:val>
-                                            <p:strVal val="1+#ppt_h/2"/>
-                                          </p:val>
-                                        </p:tav>
-                                        <p:tav tm="100000">
-                                          <p:val>
-                                            <p:strVal val="#ppt_y"/>
-                                          </p:val>
-                                        </p:tav>
-                                      </p:tavLst>
-                                    </p:anim>
-                                  </p:childTnLst>
-                                </p:cTn>
-                              </p:par>
-                              <p:par>
-                                <p:cTn id="29" presetID="2" presetClass="entr" presetSubtype="4" fill="hold" nodeType="withEffect">
-                                  <p:stCondLst>
-                                    <p:cond delay="0"/>
-                                  </p:stCondLst>
-                                  <p:childTnLst>
-                                    <p:set>
-                                      <p:cBhvr>
-                                        <p:cTn id="30" dur="1" fill="hold">
-                                          <p:stCondLst>
-                                            <p:cond delay="0"/>
-                                          </p:stCondLst>
-                                        </p:cTn>
-                                        <p:tgtEl>
-                                          <p:spTgt spid="5">
-                                            <p:txEl>
-                                              <p:pRg st="10" end="10"/>
-                                            </p:txEl>
-                                          </p:spTgt>
-                                        </p:tgtEl>
-                                        <p:attrNameLst>
-                                          <p:attrName>style.visibility</p:attrName>
-                                        </p:attrNameLst>
-                                      </p:cBhvr>
-                                      <p:to>
-                                        <p:strVal val="visible"/>
-                                      </p:to>
-                                    </p:set>
-                                    <p:anim calcmode="lin" valueType="num">
-                                      <p:cBhvr additive="base">
-                                        <p:cTn id="31" dur="500" fill="hold"/>
-                                        <p:tgtEl>
-                                          <p:spTgt spid="5">
-                                            <p:txEl>
                                               <p:pRg st="10" end="10"/>
                                             </p:txEl>
                                           </p:spTgt>
@@ -7204,7 +7089,7 @@
                                     </p:anim>
                                     <p:anim calcmode="lin" valueType="num">
                                       <p:cBhvr additive="base">
-                                        <p:cTn id="32" dur="500" fill="hold"/>
+                                        <p:cTn id="28" dur="500" fill="hold"/>
                                         <p:tgtEl>
                                           <p:spTgt spid="5">
                                             <p:txEl>
@@ -7232,15 +7117,33 @@
                                   </p:childTnLst>
                                 </p:cTn>
                               </p:par>
+                            </p:childTnLst>
+                          </p:cTn>
+                        </p:par>
+                      </p:childTnLst>
+                    </p:cTn>
+                  </p:par>
+                  <p:par>
+                    <p:cTn id="29" fill="hold">
+                      <p:stCondLst>
+                        <p:cond delay="indefinite"/>
+                      </p:stCondLst>
+                      <p:childTnLst>
+                        <p:par>
+                          <p:cTn id="30" fill="hold">
+                            <p:stCondLst>
+                              <p:cond delay="0"/>
+                            </p:stCondLst>
+                            <p:childTnLst>
                               <p:par>
-                                <p:cTn id="33" presetID="2" presetClass="entr" presetSubtype="4" fill="hold" nodeType="withEffect">
+                                <p:cTn id="31" presetID="2" presetClass="entr" presetSubtype="4" fill="hold" nodeType="clickEffect">
                                   <p:stCondLst>
                                     <p:cond delay="0"/>
                                   </p:stCondLst>
                                   <p:childTnLst>
                                     <p:set>
                                       <p:cBhvr>
-                                        <p:cTn id="34" dur="1" fill="hold">
+                                        <p:cTn id="32" dur="1" fill="hold">
                                           <p:stCondLst>
                                             <p:cond delay="0"/>
                                           </p:stCondLst>
@@ -7262,7 +7165,7 @@
                                     </p:set>
                                     <p:anim calcmode="lin" valueType="num">
                                       <p:cBhvr additive="base">
-                                        <p:cTn id="35" dur="500" fill="hold"/>
+                                        <p:cTn id="33" dur="500" fill="hold"/>
                                         <p:tgtEl>
                                           <p:spTgt spid="5">
                                             <p:txEl>
@@ -7289,7 +7192,7 @@
                                     </p:anim>
                                     <p:anim calcmode="lin" valueType="num">
                                       <p:cBhvr additive="base">
-                                        <p:cTn id="36" dur="500" fill="hold"/>
+                                        <p:cTn id="34" dur="500" fill="hold"/>
                                         <p:tgtEl>
                                           <p:spTgt spid="5">
                                             <p:txEl>
@@ -7318,14 +7221,14 @@
                                 </p:cTn>
                               </p:par>
                               <p:par>
-                                <p:cTn id="37" presetID="2" presetClass="entr" presetSubtype="4" fill="hold" nodeType="withEffect">
+                                <p:cTn id="35" presetID="2" presetClass="entr" presetSubtype="4" fill="hold" nodeType="withEffect">
                                   <p:stCondLst>
                                     <p:cond delay="0"/>
                                   </p:stCondLst>
                                   <p:childTnLst>
                                     <p:set>
                                       <p:cBhvr>
-                                        <p:cTn id="38" dur="1" fill="hold">
+                                        <p:cTn id="36" dur="1" fill="hold">
                                           <p:stCondLst>
                                             <p:cond delay="0"/>
                                           </p:stCondLst>
@@ -7347,7 +7250,7 @@
                                     </p:set>
                                     <p:anim calcmode="lin" valueType="num">
                                       <p:cBhvr additive="base">
-                                        <p:cTn id="39" dur="500" fill="hold"/>
+                                        <p:cTn id="37" dur="500" fill="hold"/>
                                         <p:tgtEl>
                                           <p:spTgt spid="5">
                                             <p:txEl>
@@ -7374,7 +7277,7 @@
                                     </p:anim>
                                     <p:anim calcmode="lin" valueType="num">
                                       <p:cBhvr additive="base">
-                                        <p:cTn id="40" dur="500" fill="hold"/>
+                                        <p:cTn id="38" dur="500" fill="hold"/>
                                         <p:tgtEl>
                                           <p:spTgt spid="5">
                                             <p:txEl>
@@ -7403,14 +7306,14 @@
                                 </p:cTn>
                               </p:par>
                               <p:par>
-                                <p:cTn id="41" presetID="2" presetClass="entr" presetSubtype="4" fill="hold" nodeType="withEffect">
+                                <p:cTn id="39" presetID="2" presetClass="entr" presetSubtype="4" fill="hold" nodeType="withEffect">
                                   <p:stCondLst>
                                     <p:cond delay="0"/>
                                   </p:stCondLst>
                                   <p:childTnLst>
                                     <p:set>
                                       <p:cBhvr>
-                                        <p:cTn id="42" dur="1" fill="hold">
+                                        <p:cTn id="40" dur="1" fill="hold">
                                           <p:stCondLst>
                                             <p:cond delay="0"/>
                                           </p:stCondLst>
@@ -7432,7 +7335,7 @@
                                     </p:set>
                                     <p:anim calcmode="lin" valueType="num">
                                       <p:cBhvr additive="base">
-                                        <p:cTn id="43" dur="500" fill="hold"/>
+                                        <p:cTn id="41" dur="500" fill="hold"/>
                                         <p:tgtEl>
                                           <p:spTgt spid="5">
                                             <p:txEl>
@@ -7459,7 +7362,7 @@
                                     </p:anim>
                                     <p:anim calcmode="lin" valueType="num">
                                       <p:cBhvr additive="base">
-                                        <p:cTn id="44" dur="500" fill="hold"/>
+                                        <p:cTn id="42" dur="500" fill="hold"/>
                                         <p:tgtEl>
                                           <p:spTgt spid="5">
                                             <p:txEl>
@@ -7812,11 +7715,7 @@
         <p:nvSpPr>
           <p:cNvPr id="5" name="文本框 4"/>
           <p:cNvSpPr txBox="1"/>
-          <p:nvPr>
-            <p:custDataLst>
-              <p:tags r:id="rId3"/>
-            </p:custDataLst>
-          </p:nvPr>
+          <p:nvPr/>
         </p:nvSpPr>
         <p:spPr>
           <a:xfrm>
@@ -7866,18 +7765,11 @@
             </a:r>
             <a:endParaRPr lang="zh-CN" altLang="en-US"/>
           </a:p>
-          <a:p>
-            <a:pPr indent="0">
-              <a:buFont typeface="Arial" panose="020B0604020202020204" pitchFamily="34" charset="0"/>
-              <a:buNone/>
-            </a:pPr>
-            <a:endParaRPr lang="zh-CN" altLang="en-US"/>
-          </a:p>
         </p:txBody>
       </p:sp>
     </p:spTree>
     <p:custDataLst>
-      <p:tags r:id="rId4"/>
+      <p:tags r:id="rId3"/>
     </p:custDataLst>
   </p:cSld>
   <p:clrMapOvr>
@@ -7895,9 +7787,6 @@
                     <p:cTn id="3" fill="hold">
                       <p:stCondLst>
                         <p:cond delay="indefinite"/>
-                        <p:cond evt="onBegin" delay="0">
-                          <p:tn val="2"/>
-                        </p:cond>
                       </p:stCondLst>
                       <p:childTnLst>
                         <p:par>
@@ -7907,7 +7796,7 @@
                             </p:stCondLst>
                             <p:childTnLst>
                               <p:par>
-                                <p:cTn id="5" presetID="2" presetClass="entr" presetSubtype="4" fill="hold" grpId="0" nodeType="withEffect">
+                                <p:cTn id="5" presetID="2" presetClass="entr" presetSubtype="4" fill="hold" nodeType="clickEffect">
                                   <p:stCondLst>
                                     <p:cond delay="0"/>
                                   </p:stCondLst>
@@ -7915,79 +7804,6 @@
                                     <p:set>
                                       <p:cBhvr>
                                         <p:cTn id="6" dur="1" fill="hold">
-                                          <p:stCondLst>
-                                            <p:cond delay="0"/>
-                                          </p:stCondLst>
-                                        </p:cTn>
-                                        <p:tgtEl>
-                                          <p:spTgt spid="5"/>
-                                        </p:tgtEl>
-                                        <p:attrNameLst>
-                                          <p:attrName>style.visibility</p:attrName>
-                                        </p:attrNameLst>
-                                      </p:cBhvr>
-                                      <p:to>
-                                        <p:strVal val="visible"/>
-                                      </p:to>
-                                    </p:set>
-                                    <p:anim calcmode="lin" valueType="num">
-                                      <p:cBhvr additive="base">
-                                        <p:cTn id="7" dur="500" fill="hold"/>
-                                        <p:tgtEl>
-                                          <p:spTgt spid="5"/>
-                                        </p:tgtEl>
-                                        <p:attrNameLst>
-                                          <p:attrName>ppt_x</p:attrName>
-                                        </p:attrNameLst>
-                                      </p:cBhvr>
-                                      <p:tavLst>
-                                        <p:tav tm="0">
-                                          <p:val>
-                                            <p:strVal val="#ppt_x"/>
-                                          </p:val>
-                                        </p:tav>
-                                        <p:tav tm="100000">
-                                          <p:val>
-                                            <p:strVal val="#ppt_x"/>
-                                          </p:val>
-                                        </p:tav>
-                                      </p:tavLst>
-                                    </p:anim>
-                                    <p:anim calcmode="lin" valueType="num">
-                                      <p:cBhvr additive="base">
-                                        <p:cTn id="8" dur="500" fill="hold"/>
-                                        <p:tgtEl>
-                                          <p:spTgt spid="5"/>
-                                        </p:tgtEl>
-                                        <p:attrNameLst>
-                                          <p:attrName>ppt_y</p:attrName>
-                                        </p:attrNameLst>
-                                      </p:cBhvr>
-                                      <p:tavLst>
-                                        <p:tav tm="0">
-                                          <p:val>
-                                            <p:strVal val="1+#ppt_h/2"/>
-                                          </p:val>
-                                        </p:tav>
-                                        <p:tav tm="100000">
-                                          <p:val>
-                                            <p:strVal val="#ppt_y"/>
-                                          </p:val>
-                                        </p:tav>
-                                      </p:tavLst>
-                                    </p:anim>
-                                  </p:childTnLst>
-                                </p:cTn>
-                              </p:par>
-                              <p:par>
-                                <p:cTn id="9" presetID="2" presetClass="entr" presetSubtype="4" fill="hold" nodeType="withEffect">
-                                  <p:stCondLst>
-                                    <p:cond delay="0"/>
-                                  </p:stCondLst>
-                                  <p:childTnLst>
-                                    <p:set>
-                                      <p:cBhvr>
-                                        <p:cTn id="10" dur="1" fill="hold">
                                           <p:stCondLst>
                                             <p:cond delay="0"/>
                                           </p:stCondLst>
@@ -8009,7 +7825,7 @@
                                     </p:set>
                                     <p:anim calcmode="lin" valueType="num">
                                       <p:cBhvr additive="base">
-                                        <p:cTn id="11" dur="500" fill="hold"/>
+                                        <p:cTn id="7" dur="500" fill="hold"/>
                                         <p:tgtEl>
                                           <p:spTgt spid="5">
                                             <p:txEl>
@@ -8036,7 +7852,7 @@
                                     </p:anim>
                                     <p:anim calcmode="lin" valueType="num">
                                       <p:cBhvr additive="base">
-                                        <p:cTn id="12" dur="500" fill="hold"/>
+                                        <p:cTn id="8" dur="500" fill="hold"/>
                                         <p:tgtEl>
                                           <p:spTgt spid="5">
                                             <p:txEl>
@@ -8399,11 +8215,7 @@
         <p:nvSpPr>
           <p:cNvPr id="5" name="文本框 4"/>
           <p:cNvSpPr txBox="1"/>
-          <p:nvPr>
-            <p:custDataLst>
-              <p:tags r:id="rId3"/>
-            </p:custDataLst>
-          </p:nvPr>
+          <p:nvPr/>
         </p:nvSpPr>
         <p:spPr>
           <a:xfrm>
@@ -8426,17 +8238,49 @@
             </a:pPr>
             <a:r>
               <a:rPr lang="zh-CN" altLang="en-US" b="1"/>
-              <a:t>系统开发方法（</a:t>
+              <a:t>按照软件工程中的软件开发模型</a:t>
+            </a:r>
+            <a:r>
+              <a:rPr lang="en-US" altLang="zh-CN" b="1"/>
+              <a:t>——</a:t>
             </a:r>
             <a:r>
               <a:rPr lang="zh-CN" altLang="en-US" b="1">
-                <a:sym typeface="+mn-ea"/>
+                <a:solidFill>
+                  <a:srgbClr val="FFBA55"/>
+                </a:solidFill>
               </a:rPr>
-              <a:t>原型法</a:t>
+              <a:t>瀑布模型法</a:t>
             </a:r>
             <a:r>
               <a:rPr lang="zh-CN" altLang="en-US" b="1"/>
-              <a:t>）</a:t>
+              <a:t>进行研究开发</a:t>
+            </a:r>
+            <a:endParaRPr lang="zh-CN" altLang="en-US"/>
+          </a:p>
+          <a:p>
+            <a:pPr marL="285750" indent="-285750">
+              <a:buFont typeface="Arial" panose="020B0604020202020204" pitchFamily="34" charset="0"/>
+              <a:buChar char="•"/>
+            </a:pPr>
+            <a:endParaRPr lang="zh-CN" altLang="en-US"/>
+          </a:p>
+          <a:p>
+            <a:pPr marL="342900" indent="-342900">
+              <a:buFont typeface="Arial" panose="020B0604020202020204" pitchFamily="34" charset="0"/>
+              <a:buAutoNum type="arabicPeriod"/>
+            </a:pPr>
+            <a:r>
+              <a:rPr lang="zh-CN" altLang="en-US"/>
+              <a:t>前期根据课题大纲内容进行</a:t>
+            </a:r>
+            <a:r>
+              <a:rPr lang="zh-CN" altLang="en-US">
+                <a:solidFill>
+                  <a:srgbClr val="FFBA55"/>
+                </a:solidFill>
+              </a:rPr>
+              <a:t>需求分析。</a:t>
             </a:r>
             <a:endParaRPr lang="zh-CN" altLang="en-US"/>
           </a:p>
@@ -8454,7 +8298,27 @@
             </a:pPr>
             <a:r>
               <a:rPr lang="zh-CN" altLang="en-US"/>
-              <a:t>首先对系统进行功能分析和原型设计</a:t>
+              <a:t>根据需求开始</a:t>
+            </a:r>
+            <a:r>
+              <a:rPr lang="zh-CN" altLang="en-US">
+                <a:solidFill>
+                  <a:srgbClr val="FFBA55"/>
+                </a:solidFill>
+              </a:rPr>
+              <a:t>软件设计</a:t>
+            </a:r>
+            <a:r>
+              <a:rPr lang="zh-CN" altLang="en-US"/>
+              <a:t>（原型图，</a:t>
+            </a:r>
+            <a:r>
+              <a:rPr lang="en-US" altLang="zh-CN"/>
+              <a:t>UI</a:t>
+            </a:r>
+            <a:r>
+              <a:rPr lang="zh-CN" altLang="en-US"/>
+              <a:t>效果图，数据库设计等）。</a:t>
             </a:r>
             <a:endParaRPr lang="zh-CN" altLang="en-US"/>
           </a:p>
@@ -8472,9 +8336,9 @@
             </a:pPr>
             <a:r>
               <a:rPr lang="zh-CN" altLang="en-US"/>
-              <a:t>开发过程中随着</a:t>
-            </a:r>
-            <a:endParaRPr lang="en-US" altLang="zh-CN"/>
+              <a:t>程序编码和开发。</a:t>
+            </a:r>
+            <a:endParaRPr lang="zh-CN" altLang="en-US"/>
           </a:p>
           <a:p>
             <a:pPr marL="342900" indent="-342900">
@@ -8488,45 +8352,10 @@
               <a:buFont typeface="Arial" panose="020B0604020202020204" pitchFamily="34" charset="0"/>
               <a:buAutoNum type="arabicPeriod"/>
             </a:pPr>
-            <a:endParaRPr lang="zh-CN" altLang="en-US"/>
-          </a:p>
-          <a:p>
-            <a:pPr marL="285750" indent="-285750">
-              <a:buFont typeface="Arial" panose="020B0604020202020204" pitchFamily="34" charset="0"/>
-              <a:buChar char="•"/>
-            </a:pPr>
-            <a:endParaRPr lang="zh-CN" altLang="en-US"/>
-          </a:p>
-          <a:p>
-            <a:pPr marL="285750" indent="-285750">
-              <a:buFont typeface="Arial" panose="020B0604020202020204" pitchFamily="34" charset="0"/>
-              <a:buChar char="•"/>
-            </a:pPr>
-            <a:endParaRPr lang="zh-CN" altLang="en-US"/>
-          </a:p>
-          <a:p>
-            <a:pPr marL="285750" indent="-285750">
-              <a:buFont typeface="Arial" panose="020B0604020202020204" pitchFamily="34" charset="0"/>
-              <a:buChar char="•"/>
-            </a:pPr>
-            <a:endParaRPr lang="zh-CN" altLang="en-US"/>
-          </a:p>
-          <a:p>
-            <a:pPr marL="285750" indent="-285750">
-              <a:buFont typeface="Arial" panose="020B0604020202020204" pitchFamily="34" charset="0"/>
-              <a:buChar char="•"/>
-            </a:pPr>
-            <a:r>
-              <a:rPr lang="zh-CN" altLang="en-US" b="1"/>
-              <a:t>系统开发模型（瀑布模型）</a:t>
-            </a:r>
-            <a:endParaRPr lang="zh-CN" altLang="en-US"/>
-          </a:p>
-          <a:p>
-            <a:pPr marL="285750" indent="-285750">
-              <a:buFont typeface="Arial" panose="020B0604020202020204" pitchFamily="34" charset="0"/>
-              <a:buChar char="•"/>
-            </a:pPr>
+            <a:r>
+              <a:rPr lang="zh-CN" altLang="en-US"/>
+              <a:t>软件测试。</a:t>
+            </a:r>
             <a:endParaRPr lang="zh-CN" altLang="en-US"/>
           </a:p>
           <a:p>
@@ -8534,11 +8363,18 @@
               <a:buFont typeface="Arial" panose="020B0604020202020204" pitchFamily="34" charset="0"/>
               <a:buAutoNum type="arabicPeriod"/>
             </a:pPr>
+            <a:endParaRPr lang="zh-CN" altLang="en-US"/>
+          </a:p>
+          <a:p>
+            <a:pPr marL="342900" indent="-342900">
+              <a:buFont typeface="Arial" panose="020B0604020202020204" pitchFamily="34" charset="0"/>
+              <a:buAutoNum type="arabicPeriod"/>
+            </a:pPr>
             <a:r>
               <a:rPr lang="zh-CN" altLang="en-US"/>
-              <a:t>根据事先设计的原型图进行开发</a:t>
-            </a:r>
-            <a:endParaRPr lang="zh-CN" altLang="en-US"/>
+              <a:t>运行维护。</a:t>
+            </a:r>
+            <a:endParaRPr lang="en-US" altLang="zh-CN"/>
           </a:p>
           <a:p>
             <a:pPr marL="342900" indent="-342900">
@@ -8547,18 +8383,11 @@
             </a:pPr>
             <a:endParaRPr lang="en-US" altLang="zh-CN"/>
           </a:p>
-          <a:p>
-            <a:pPr marL="342900" indent="-342900">
-              <a:buFont typeface="Arial" panose="020B0604020202020204" pitchFamily="34" charset="0"/>
-              <a:buAutoNum type="arabicPeriod"/>
-            </a:pPr>
-            <a:endParaRPr lang="en-US" altLang="zh-CN"/>
-          </a:p>
         </p:txBody>
       </p:sp>
     </p:spTree>
     <p:custDataLst>
-      <p:tags r:id="rId4"/>
+      <p:tags r:id="rId3"/>
     </p:custDataLst>
   </p:cSld>
   <p:clrMapOvr>
@@ -8576,9 +8405,6 @@
                     <p:cTn id="3" fill="hold">
                       <p:stCondLst>
                         <p:cond delay="indefinite"/>
-                        <p:cond evt="onBegin" delay="0">
-                          <p:tn val="2"/>
-                        </p:cond>
                       </p:stCondLst>
                       <p:childTnLst>
                         <p:par>
@@ -8588,7 +8414,7 @@
                             </p:stCondLst>
                             <p:childTnLst>
                               <p:par>
-                                <p:cTn id="5" presetID="2" presetClass="entr" presetSubtype="4" fill="hold" grpId="0" nodeType="withEffect">
+                                <p:cTn id="5" presetID="2" presetClass="entr" presetSubtype="4" fill="hold" nodeType="clickEffect">
                                   <p:stCondLst>
                                     <p:cond delay="0"/>
                                   </p:stCondLst>
@@ -8601,7 +8427,11 @@
                                           </p:stCondLst>
                                         </p:cTn>
                                         <p:tgtEl>
-                                          <p:spTgt spid="5"/>
+                                          <p:spTgt spid="5">
+                                            <p:txEl>
+                                              <p:pRg st="0" end="0"/>
+                                            </p:txEl>
+                                          </p:spTgt>
                                         </p:tgtEl>
                                         <p:attrNameLst>
                                           <p:attrName>style.visibility</p:attrName>
@@ -8615,7 +8445,11 @@
                                       <p:cBhvr additive="base">
                                         <p:cTn id="7" dur="500" fill="hold"/>
                                         <p:tgtEl>
-                                          <p:spTgt spid="5"/>
+                                          <p:spTgt spid="5">
+                                            <p:txEl>
+                                              <p:pRg st="0" end="0"/>
+                                            </p:txEl>
+                                          </p:spTgt>
                                         </p:tgtEl>
                                         <p:attrNameLst>
                                           <p:attrName>ppt_x</p:attrName>
@@ -8638,7 +8472,11 @@
                                       <p:cBhvr additive="base">
                                         <p:cTn id="8" dur="500" fill="hold"/>
                                         <p:tgtEl>
-                                          <p:spTgt spid="5"/>
+                                          <p:spTgt spid="5">
+                                            <p:txEl>
+                                              <p:pRg st="0" end="0"/>
+                                            </p:txEl>
+                                          </p:spTgt>
                                         </p:tgtEl>
                                         <p:attrNameLst>
                                           <p:attrName>ppt_y</p:attrName>
@@ -8676,7 +8514,7 @@
                                         <p:tgtEl>
                                           <p:spTgt spid="5">
                                             <p:txEl>
-                                              <p:pRg st="0" end="0"/>
+                                              <p:pRg st="2" end="2"/>
                                             </p:txEl>
                                           </p:spTgt>
                                         </p:tgtEl>
@@ -8694,7 +8532,7 @@
                                         <p:tgtEl>
                                           <p:spTgt spid="5">
                                             <p:txEl>
-                                              <p:pRg st="0" end="0"/>
+                                              <p:pRg st="2" end="2"/>
                                             </p:txEl>
                                           </p:spTgt>
                                         </p:tgtEl>
@@ -8721,7 +8559,7 @@
                                         <p:tgtEl>
                                           <p:spTgt spid="5">
                                             <p:txEl>
-                                              <p:pRg st="0" end="0"/>
+                                              <p:pRg st="2" end="2"/>
                                             </p:txEl>
                                           </p:spTgt>
                                         </p:tgtEl>
@@ -8761,7 +8599,7 @@
                                         <p:tgtEl>
                                           <p:spTgt spid="5">
                                             <p:txEl>
-                                              <p:pRg st="2" end="2"/>
+                                              <p:pRg st="4" end="4"/>
                                             </p:txEl>
                                           </p:spTgt>
                                         </p:tgtEl>
@@ -8779,7 +8617,7 @@
                                         <p:tgtEl>
                                           <p:spTgt spid="5">
                                             <p:txEl>
-                                              <p:pRg st="2" end="2"/>
+                                              <p:pRg st="4" end="4"/>
                                             </p:txEl>
                                           </p:spTgt>
                                         </p:tgtEl>
@@ -8806,7 +8644,7 @@
                                         <p:tgtEl>
                                           <p:spTgt spid="5">
                                             <p:txEl>
-                                              <p:pRg st="2" end="2"/>
+                                              <p:pRg st="4" end="4"/>
                                             </p:txEl>
                                           </p:spTgt>
                                         </p:tgtEl>
@@ -8846,7 +8684,7 @@
                                         <p:tgtEl>
                                           <p:spTgt spid="5">
                                             <p:txEl>
-                                              <p:pRg st="4" end="4"/>
+                                              <p:pRg st="6" end="6"/>
                                             </p:txEl>
                                           </p:spTgt>
                                         </p:tgtEl>
@@ -8864,7 +8702,7 @@
                                         <p:tgtEl>
                                           <p:spTgt spid="5">
                                             <p:txEl>
-                                              <p:pRg st="4" end="4"/>
+                                              <p:pRg st="6" end="6"/>
                                             </p:txEl>
                                           </p:spTgt>
                                         </p:tgtEl>
@@ -8891,7 +8729,7 @@
                                         <p:tgtEl>
                                           <p:spTgt spid="5">
                                             <p:txEl>
-                                              <p:pRg st="4" end="4"/>
+                                              <p:pRg st="6" end="6"/>
                                             </p:txEl>
                                           </p:spTgt>
                                         </p:tgtEl>
@@ -8931,7 +8769,7 @@
                                         <p:tgtEl>
                                           <p:spTgt spid="5">
                                             <p:txEl>
-                                              <p:pRg st="10" end="10"/>
+                                              <p:pRg st="8" end="8"/>
                                             </p:txEl>
                                           </p:spTgt>
                                         </p:tgtEl>
@@ -8949,7 +8787,7 @@
                                         <p:tgtEl>
                                           <p:spTgt spid="5">
                                             <p:txEl>
-                                              <p:pRg st="10" end="10"/>
+                                              <p:pRg st="8" end="8"/>
                                             </p:txEl>
                                           </p:spTgt>
                                         </p:tgtEl>
@@ -8976,7 +8814,7 @@
                                         <p:tgtEl>
                                           <p:spTgt spid="5">
                                             <p:txEl>
-                                              <p:pRg st="10" end="10"/>
+                                              <p:pRg st="8" end="8"/>
                                             </p:txEl>
                                           </p:spTgt>
                                         </p:tgtEl>
@@ -9016,7 +8854,7 @@
                                         <p:tgtEl>
                                           <p:spTgt spid="5">
                                             <p:txEl>
-                                              <p:pRg st="12" end="12"/>
+                                              <p:pRg st="10" end="10"/>
                                             </p:txEl>
                                           </p:spTgt>
                                         </p:tgtEl>
@@ -9034,7 +8872,7 @@
                                         <p:tgtEl>
                                           <p:spTgt spid="5">
                                             <p:txEl>
-                                              <p:pRg st="12" end="12"/>
+                                              <p:pRg st="10" end="10"/>
                                             </p:txEl>
                                           </p:spTgt>
                                         </p:tgtEl>
@@ -9061,7 +8899,7 @@
                                         <p:tgtEl>
                                           <p:spTgt spid="5">
                                             <p:txEl>
-                                              <p:pRg st="12" end="12"/>
+                                              <p:pRg st="10" end="10"/>
                                             </p:txEl>
                                           </p:spTgt>
                                         </p:tgtEl>
@@ -9410,11 +9248,7 @@
         <p:nvSpPr>
           <p:cNvPr id="5" name="文本框 4"/>
           <p:cNvSpPr txBox="1"/>
-          <p:nvPr>
-            <p:custDataLst>
-              <p:tags r:id="rId3"/>
-            </p:custDataLst>
-          </p:nvPr>
+          <p:nvPr/>
         </p:nvSpPr>
         <p:spPr>
           <a:xfrm>
@@ -9603,7 +9437,7 @@
       </p:sp>
     </p:spTree>
     <p:custDataLst>
-      <p:tags r:id="rId4"/>
+      <p:tags r:id="rId3"/>
     </p:custDataLst>
   </p:cSld>
   <p:clrMapOvr>
@@ -9621,9 +9455,6 @@
                     <p:cTn id="3" fill="hold">
                       <p:stCondLst>
                         <p:cond delay="indefinite"/>
-                        <p:cond evt="onBegin" delay="0">
-                          <p:tn val="2"/>
-                        </p:cond>
                       </p:stCondLst>
                       <p:childTnLst>
                         <p:par>
@@ -9633,7 +9464,7 @@
                             </p:stCondLst>
                             <p:childTnLst>
                               <p:par>
-                                <p:cTn id="5" presetID="2" presetClass="entr" presetSubtype="4" fill="hold" grpId="0" nodeType="withEffect">
+                                <p:cTn id="5" presetID="2" presetClass="entr" presetSubtype="4" fill="hold" nodeType="clickEffect">
                                   <p:stCondLst>
                                     <p:cond delay="0"/>
                                   </p:stCondLst>
@@ -9646,7 +9477,11 @@
                                           </p:stCondLst>
                                         </p:cTn>
                                         <p:tgtEl>
-                                          <p:spTgt spid="5"/>
+                                          <p:spTgt spid="5">
+                                            <p:txEl>
+                                              <p:pRg st="1" end="1"/>
+                                            </p:txEl>
+                                          </p:spTgt>
                                         </p:tgtEl>
                                         <p:attrNameLst>
                                           <p:attrName>style.visibility</p:attrName>
@@ -9660,7 +9495,11 @@
                                       <p:cBhvr additive="base">
                                         <p:cTn id="7" dur="500" fill="hold"/>
                                         <p:tgtEl>
-                                          <p:spTgt spid="5"/>
+                                          <p:spTgt spid="5">
+                                            <p:txEl>
+                                              <p:pRg st="1" end="1"/>
+                                            </p:txEl>
+                                          </p:spTgt>
                                         </p:tgtEl>
                                         <p:attrNameLst>
                                           <p:attrName>ppt_x</p:attrName>
@@ -9683,7 +9522,11 @@
                                       <p:cBhvr additive="base">
                                         <p:cTn id="8" dur="500" fill="hold"/>
                                         <p:tgtEl>
-                                          <p:spTgt spid="5"/>
+                                          <p:spTgt spid="5">
+                                            <p:txEl>
+                                              <p:pRg st="1" end="1"/>
+                                            </p:txEl>
+                                          </p:spTgt>
                                         </p:tgtEl>
                                         <p:attrNameLst>
                                           <p:attrName>ppt_y</p:attrName>
@@ -9721,7 +9564,7 @@
                                         <p:tgtEl>
                                           <p:spTgt spid="5">
                                             <p:txEl>
-                                              <p:pRg st="1" end="1"/>
+                                              <p:pRg st="3" end="3"/>
                                             </p:txEl>
                                           </p:spTgt>
                                         </p:tgtEl>
@@ -9739,7 +9582,7 @@
                                         <p:tgtEl>
                                           <p:spTgt spid="5">
                                             <p:txEl>
-                                              <p:pRg st="1" end="1"/>
+                                              <p:pRg st="3" end="3"/>
                                             </p:txEl>
                                           </p:spTgt>
                                         </p:tgtEl>
@@ -9766,7 +9609,7 @@
                                         <p:tgtEl>
                                           <p:spTgt spid="5">
                                             <p:txEl>
-                                              <p:pRg st="1" end="1"/>
+                                              <p:pRg st="3" end="3"/>
                                             </p:txEl>
                                           </p:spTgt>
                                         </p:tgtEl>
@@ -9806,7 +9649,7 @@
                                         <p:tgtEl>
                                           <p:spTgt spid="5">
                                             <p:txEl>
-                                              <p:pRg st="3" end="3"/>
+                                              <p:pRg st="5" end="5"/>
                                             </p:txEl>
                                           </p:spTgt>
                                         </p:tgtEl>
@@ -9824,7 +9667,7 @@
                                         <p:tgtEl>
                                           <p:spTgt spid="5">
                                             <p:txEl>
-                                              <p:pRg st="3" end="3"/>
+                                              <p:pRg st="5" end="5"/>
                                             </p:txEl>
                                           </p:spTgt>
                                         </p:tgtEl>
@@ -9851,7 +9694,7 @@
                                         <p:tgtEl>
                                           <p:spTgt spid="5">
                                             <p:txEl>
-                                              <p:pRg st="3" end="3"/>
+                                              <p:pRg st="5" end="5"/>
                                             </p:txEl>
                                           </p:spTgt>
                                         </p:tgtEl>
@@ -9891,7 +9734,7 @@
                                         <p:tgtEl>
                                           <p:spTgt spid="5">
                                             <p:txEl>
-                                              <p:pRg st="5" end="5"/>
+                                              <p:pRg st="7" end="7"/>
                                             </p:txEl>
                                           </p:spTgt>
                                         </p:tgtEl>
@@ -9909,7 +9752,7 @@
                                         <p:tgtEl>
                                           <p:spTgt spid="5">
                                             <p:txEl>
-                                              <p:pRg st="5" end="5"/>
+                                              <p:pRg st="7" end="7"/>
                                             </p:txEl>
                                           </p:spTgt>
                                         </p:tgtEl>
@@ -9936,7 +9779,7 @@
                                         <p:tgtEl>
                                           <p:spTgt spid="5">
                                             <p:txEl>
-                                              <p:pRg st="5" end="5"/>
+                                              <p:pRg st="7" end="7"/>
                                             </p:txEl>
                                           </p:spTgt>
                                         </p:tgtEl>
@@ -9976,7 +9819,7 @@
                                         <p:tgtEl>
                                           <p:spTgt spid="5">
                                             <p:txEl>
-                                              <p:pRg st="7" end="7"/>
+                                              <p:pRg st="9" end="9"/>
                                             </p:txEl>
                                           </p:spTgt>
                                         </p:tgtEl>
@@ -9994,7 +9837,7 @@
                                         <p:tgtEl>
                                           <p:spTgt spid="5">
                                             <p:txEl>
-                                              <p:pRg st="7" end="7"/>
+                                              <p:pRg st="9" end="9"/>
                                             </p:txEl>
                                           </p:spTgt>
                                         </p:tgtEl>
@@ -10021,7 +9864,7 @@
                                         <p:tgtEl>
                                           <p:spTgt spid="5">
                                             <p:txEl>
-                                              <p:pRg st="7" end="7"/>
+                                              <p:pRg st="9" end="9"/>
                                             </p:txEl>
                                           </p:spTgt>
                                         </p:tgtEl>
@@ -10061,7 +9904,7 @@
                                         <p:tgtEl>
                                           <p:spTgt spid="5">
                                             <p:txEl>
-                                              <p:pRg st="9" end="9"/>
+                                              <p:pRg st="11" end="11"/>
                                             </p:txEl>
                                           </p:spTgt>
                                         </p:tgtEl>
@@ -10079,7 +9922,7 @@
                                         <p:tgtEl>
                                           <p:spTgt spid="5">
                                             <p:txEl>
-                                              <p:pRg st="9" end="9"/>
+                                              <p:pRg st="11" end="11"/>
                                             </p:txEl>
                                           </p:spTgt>
                                         </p:tgtEl>
@@ -10106,7 +9949,7 @@
                                         <p:tgtEl>
                                           <p:spTgt spid="5">
                                             <p:txEl>
-                                              <p:pRg st="9" end="9"/>
+                                              <p:pRg st="11" end="11"/>
                                             </p:txEl>
                                           </p:spTgt>
                                         </p:tgtEl>
@@ -10146,7 +9989,7 @@
                                         <p:tgtEl>
                                           <p:spTgt spid="5">
                                             <p:txEl>
-                                              <p:pRg st="11" end="11"/>
+                                              <p:pRg st="13" end="13"/>
                                             </p:txEl>
                                           </p:spTgt>
                                         </p:tgtEl>
@@ -10164,91 +10007,6 @@
                                         <p:tgtEl>
                                           <p:spTgt spid="5">
                                             <p:txEl>
-                                              <p:pRg st="11" end="11"/>
-                                            </p:txEl>
-                                          </p:spTgt>
-                                        </p:tgtEl>
-                                        <p:attrNameLst>
-                                          <p:attrName>ppt_x</p:attrName>
-                                        </p:attrNameLst>
-                                      </p:cBhvr>
-                                      <p:tavLst>
-                                        <p:tav tm="0">
-                                          <p:val>
-                                            <p:strVal val="#ppt_x"/>
-                                          </p:val>
-                                        </p:tav>
-                                        <p:tav tm="100000">
-                                          <p:val>
-                                            <p:strVal val="#ppt_x"/>
-                                          </p:val>
-                                        </p:tav>
-                                      </p:tavLst>
-                                    </p:anim>
-                                    <p:anim calcmode="lin" valueType="num">
-                                      <p:cBhvr additive="base">
-                                        <p:cTn id="32" dur="500" fill="hold"/>
-                                        <p:tgtEl>
-                                          <p:spTgt spid="5">
-                                            <p:txEl>
-                                              <p:pRg st="11" end="11"/>
-                                            </p:txEl>
-                                          </p:spTgt>
-                                        </p:tgtEl>
-                                        <p:attrNameLst>
-                                          <p:attrName>ppt_y</p:attrName>
-                                        </p:attrNameLst>
-                                      </p:cBhvr>
-                                      <p:tavLst>
-                                        <p:tav tm="0">
-                                          <p:val>
-                                            <p:strVal val="1+#ppt_h/2"/>
-                                          </p:val>
-                                        </p:tav>
-                                        <p:tav tm="100000">
-                                          <p:val>
-                                            <p:strVal val="#ppt_y"/>
-                                          </p:val>
-                                        </p:tav>
-                                      </p:tavLst>
-                                    </p:anim>
-                                  </p:childTnLst>
-                                </p:cTn>
-                              </p:par>
-                              <p:par>
-                                <p:cTn id="33" presetID="2" presetClass="entr" presetSubtype="4" fill="hold" nodeType="withEffect">
-                                  <p:stCondLst>
-                                    <p:cond delay="0"/>
-                                  </p:stCondLst>
-                                  <p:childTnLst>
-                                    <p:set>
-                                      <p:cBhvr>
-                                        <p:cTn id="34" dur="1" fill="hold">
-                                          <p:stCondLst>
-                                            <p:cond delay="0"/>
-                                          </p:stCondLst>
-                                        </p:cTn>
-                                        <p:tgtEl>
-                                          <p:spTgt spid="5">
-                                            <p:txEl>
-                                              <p:pRg st="13" end="13"/>
-                                            </p:txEl>
-                                          </p:spTgt>
-                                        </p:tgtEl>
-                                        <p:attrNameLst>
-                                          <p:attrName>style.visibility</p:attrName>
-                                        </p:attrNameLst>
-                                      </p:cBhvr>
-                                      <p:to>
-                                        <p:strVal val="visible"/>
-                                      </p:to>
-                                    </p:set>
-                                    <p:anim calcmode="lin" valueType="num">
-                                      <p:cBhvr additive="base">
-                                        <p:cTn id="35" dur="500" fill="hold"/>
-                                        <p:tgtEl>
-                                          <p:spTgt spid="5">
-                                            <p:txEl>
                                               <p:pRg st="13" end="13"/>
                                             </p:txEl>
                                           </p:spTgt>
@@ -10272,7 +10030,7 @@
                                     </p:anim>
                                     <p:anim calcmode="lin" valueType="num">
                                       <p:cBhvr additive="base">
-                                        <p:cTn id="36" dur="500" fill="hold"/>
+                                        <p:cTn id="32" dur="500" fill="hold"/>
                                         <p:tgtEl>
                                           <p:spTgt spid="5">
                                             <p:txEl>
@@ -10485,7 +10243,22 @@
               </a:rPr>
               <a:t>.</a:t>
             </a:r>
-            <a:endParaRPr lang="en-US" altLang="zh-CN">
+            <a:r>
+              <a:rPr lang="zh-CN" altLang="en-US">
+                <a:solidFill>
+                  <a:srgbClr val="FFBA55"/>
+                </a:solidFill>
+                <a:effectLst>
+                  <a:outerShdw blurRad="38100" dist="19050" dir="2700000" algn="tl" rotWithShape="0">
+                    <a:schemeClr val="dk1">
+                      <a:alpha val="40000"/>
+                    </a:schemeClr>
+                  </a:outerShdw>
+                </a:effectLst>
+              </a:rPr>
+              <a:t>主要技术</a:t>
+            </a:r>
+            <a:endParaRPr lang="zh-CN" altLang="en-US">
               <a:solidFill>
                 <a:srgbClr val="FFBA55"/>
               </a:solidFill>
@@ -10606,6 +10379,243 @@
           </a:p>
         </p:txBody>
       </p:sp>
+      <p:sp>
+        <p:nvSpPr>
+          <p:cNvPr id="5" name="文本框 4"/>
+          <p:cNvSpPr txBox="1"/>
+          <p:nvPr/>
+        </p:nvSpPr>
+        <p:spPr>
+          <a:xfrm>
+            <a:off x="245745" y="951230"/>
+            <a:ext cx="11730355" cy="5504815"/>
+          </a:xfrm>
+          <a:prstGeom prst="rect">
+            <a:avLst/>
+          </a:prstGeom>
+          <a:noFill/>
+        </p:spPr>
+        <p:txBody>
+          <a:bodyPr wrap="square" rtlCol="0">
+            <a:noAutofit/>
+          </a:bodyPr>
+          <a:p>
+            <a:pPr marL="285750" indent="-285750">
+              <a:buFont typeface="Arial" panose="020B0604020202020204" pitchFamily="34" charset="0"/>
+              <a:buChar char="•"/>
+            </a:pPr>
+            <a:r>
+              <a:rPr lang="zh-CN" altLang="en-US"/>
+              <a:t>前端</a:t>
+            </a:r>
+            <a:endParaRPr lang="zh-CN" altLang="en-US"/>
+          </a:p>
+          <a:p>
+            <a:pPr marL="285750" indent="-285750">
+              <a:buFont typeface="Arial" panose="020B0604020202020204" pitchFamily="34" charset="0"/>
+              <a:buChar char="•"/>
+            </a:pPr>
+            <a:endParaRPr lang="zh-CN" altLang="en-US"/>
+          </a:p>
+          <a:p>
+            <a:pPr marL="742950" lvl="1" indent="-285750">
+              <a:buFont typeface="Arial" panose="020B0604020202020204" pitchFamily="34" charset="0"/>
+              <a:buChar char="•"/>
+            </a:pPr>
+            <a:r>
+              <a:rPr lang="en-US" altLang="zh-CN"/>
+              <a:t>Vue + </a:t>
+            </a:r>
+            <a:r>
+              <a:rPr lang="zh-CN" altLang="en-US"/>
+              <a:t>高德地图</a:t>
+            </a:r>
+            <a:r>
+              <a:rPr lang="en-US" altLang="zh-CN"/>
+              <a:t>GL API</a:t>
+            </a:r>
+            <a:endParaRPr lang="en-US" altLang="zh-CN"/>
+          </a:p>
+          <a:p>
+            <a:pPr marL="742950" lvl="1" indent="-285750">
+              <a:buFont typeface="Arial" panose="020B0604020202020204" pitchFamily="34" charset="0"/>
+              <a:buChar char="•"/>
+            </a:pPr>
+            <a:endParaRPr lang="en-US" altLang="zh-CN"/>
+          </a:p>
+          <a:p>
+            <a:pPr marL="742950" lvl="1" indent="-285750">
+              <a:buFont typeface="Arial" panose="020B0604020202020204" pitchFamily="34" charset="0"/>
+              <a:buChar char="•"/>
+            </a:pPr>
+            <a:endParaRPr lang="en-US" altLang="zh-CN"/>
+          </a:p>
+          <a:p>
+            <a:pPr marL="285750" indent="-285750">
+              <a:buFont typeface="Arial" panose="020B0604020202020204" pitchFamily="34" charset="0"/>
+              <a:buChar char="•"/>
+            </a:pPr>
+            <a:endParaRPr lang="en-US" altLang="zh-CN"/>
+          </a:p>
+          <a:p>
+            <a:pPr marL="285750" indent="-285750">
+              <a:buFont typeface="Arial" panose="020B0604020202020204" pitchFamily="34" charset="0"/>
+              <a:buChar char="•"/>
+            </a:pPr>
+            <a:endParaRPr lang="en-US" altLang="zh-CN"/>
+          </a:p>
+          <a:p>
+            <a:pPr marL="285750" indent="-285750">
+              <a:buFont typeface="Arial" panose="020B0604020202020204" pitchFamily="34" charset="0"/>
+              <a:buChar char="•"/>
+            </a:pPr>
+            <a:r>
+              <a:rPr lang="zh-CN" altLang="en-US"/>
+              <a:t>后端</a:t>
+            </a:r>
+            <a:endParaRPr lang="zh-CN" altLang="en-US"/>
+          </a:p>
+          <a:p>
+            <a:pPr marL="742950" lvl="1" indent="-285750">
+              <a:buFont typeface="Arial" panose="020B0604020202020204" pitchFamily="34" charset="0"/>
+              <a:buChar char="•"/>
+            </a:pPr>
+            <a:endParaRPr lang="zh-CN" altLang="en-US"/>
+          </a:p>
+          <a:p>
+            <a:pPr marL="742950" lvl="1" indent="-285750">
+              <a:buFont typeface="Arial" panose="020B0604020202020204" pitchFamily="34" charset="0"/>
+              <a:buChar char="•"/>
+            </a:pPr>
+            <a:r>
+              <a:rPr lang="en-US" altLang="zh-CN"/>
+              <a:t>Node.js + Mysql</a:t>
+            </a:r>
+            <a:endParaRPr lang="en-US" altLang="zh-CN"/>
+          </a:p>
+          <a:p>
+            <a:pPr marL="742950" lvl="1" indent="-285750">
+              <a:buFont typeface="Arial" panose="020B0604020202020204" pitchFamily="34" charset="0"/>
+              <a:buChar char="•"/>
+            </a:pPr>
+            <a:endParaRPr lang="en-US" altLang="zh-CN"/>
+          </a:p>
+          <a:p>
+            <a:pPr marL="742950" lvl="1" indent="-285750">
+              <a:buFont typeface="Arial" panose="020B0604020202020204" pitchFamily="34" charset="0"/>
+              <a:buChar char="•"/>
+            </a:pPr>
+            <a:endParaRPr lang="en-US" altLang="zh-CN"/>
+          </a:p>
+          <a:p>
+            <a:pPr marL="742950" lvl="1" indent="-285750">
+              <a:buFont typeface="Arial" panose="020B0604020202020204" pitchFamily="34" charset="0"/>
+              <a:buChar char="•"/>
+            </a:pPr>
+            <a:endParaRPr lang="en-US" altLang="zh-CN"/>
+          </a:p>
+          <a:p>
+            <a:pPr marL="742950" lvl="1" indent="-285750">
+              <a:buFont typeface="Arial" panose="020B0604020202020204" pitchFamily="34" charset="0"/>
+              <a:buChar char="•"/>
+            </a:pPr>
+            <a:endParaRPr lang="en-US" altLang="zh-CN"/>
+          </a:p>
+          <a:p>
+            <a:pPr marL="285750" lvl="0" indent="-285750">
+              <a:buFont typeface="Arial" panose="020B0604020202020204" pitchFamily="34" charset="0"/>
+              <a:buChar char="•"/>
+            </a:pPr>
+            <a:r>
+              <a:rPr lang="zh-CN" altLang="en-US">
+                <a:solidFill>
+                  <a:schemeClr val="tx1"/>
+                </a:solidFill>
+              </a:rPr>
+              <a:t>运维</a:t>
+            </a:r>
+            <a:r>
+              <a:rPr lang="en-US" altLang="zh-CN">
+                <a:solidFill>
+                  <a:schemeClr val="tx1"/>
+                </a:solidFill>
+              </a:rPr>
+              <a:t>/</a:t>
+            </a:r>
+            <a:r>
+              <a:rPr lang="zh-CN" altLang="en-US">
+                <a:solidFill>
+                  <a:schemeClr val="tx1"/>
+                </a:solidFill>
+              </a:rPr>
+              <a:t>部署</a:t>
+            </a:r>
+            <a:endParaRPr lang="zh-CN" altLang="en-US">
+              <a:solidFill>
+                <a:schemeClr val="tx1"/>
+              </a:solidFill>
+            </a:endParaRPr>
+          </a:p>
+          <a:p>
+            <a:pPr marL="285750" lvl="0" indent="-285750">
+              <a:buFont typeface="Arial" panose="020B0604020202020204" pitchFamily="34" charset="0"/>
+              <a:buChar char="•"/>
+            </a:pPr>
+            <a:endParaRPr lang="zh-CN" altLang="en-US">
+              <a:solidFill>
+                <a:schemeClr val="tx1"/>
+              </a:solidFill>
+            </a:endParaRPr>
+          </a:p>
+          <a:p>
+            <a:pPr marL="742950" lvl="1" indent="-285750">
+              <a:buFont typeface="Arial" panose="020B0604020202020204" pitchFamily="34" charset="0"/>
+              <a:buChar char="•"/>
+            </a:pPr>
+            <a:r>
+              <a:rPr lang="en-US" altLang="zh-CN">
+                <a:solidFill>
+                  <a:schemeClr val="tx1"/>
+                </a:solidFill>
+              </a:rPr>
+              <a:t>Linux + Nginx</a:t>
+            </a:r>
+            <a:endParaRPr lang="en-US" altLang="zh-CN">
+              <a:solidFill>
+                <a:schemeClr val="tx1"/>
+              </a:solidFill>
+            </a:endParaRPr>
+          </a:p>
+          <a:p>
+            <a:pPr marL="742950" lvl="1" indent="-285750">
+              <a:buFont typeface="Arial" panose="020B0604020202020204" pitchFamily="34" charset="0"/>
+              <a:buChar char="•"/>
+            </a:pPr>
+            <a:endParaRPr lang="en-US" altLang="zh-CN"/>
+          </a:p>
+          <a:p>
+            <a:pPr marL="742950" lvl="1" indent="-285750">
+              <a:buFont typeface="Arial" panose="020B0604020202020204" pitchFamily="34" charset="0"/>
+              <a:buChar char="•"/>
+            </a:pPr>
+            <a:endParaRPr lang="en-US" altLang="zh-CN"/>
+          </a:p>
+          <a:p>
+            <a:pPr marL="742950" lvl="1" indent="-285750">
+              <a:buFont typeface="Arial" panose="020B0604020202020204" pitchFamily="34" charset="0"/>
+              <a:buChar char="•"/>
+            </a:pPr>
+            <a:endParaRPr lang="en-US" altLang="zh-CN"/>
+          </a:p>
+          <a:p>
+            <a:pPr marL="800100" lvl="1" indent="-342900">
+              <a:buFont typeface="Arial" panose="020B0604020202020204" pitchFamily="34" charset="0"/>
+              <a:buChar char="•"/>
+            </a:pPr>
+            <a:endParaRPr lang="en-US" altLang="zh-CN"/>
+          </a:p>
+        </p:txBody>
+      </p:sp>
     </p:spTree>
     <p:custDataLst>
       <p:tags r:id="rId3"/>
@@ -10614,6 +10624,604 @@
   <p:clrMapOvr>
     <a:masterClrMapping/>
   </p:clrMapOvr>
+  <p:timing>
+    <p:tnLst>
+      <p:par>
+        <p:cTn id="1" dur="indefinite" restart="never" nodeType="tmRoot">
+          <p:childTnLst>
+            <p:seq concurrent="1" nextAc="seek">
+              <p:cTn id="2" dur="indefinite" nodeType="mainSeq">
+                <p:childTnLst>
+                  <p:par>
+                    <p:cTn id="3" fill="hold">
+                      <p:stCondLst>
+                        <p:cond delay="indefinite"/>
+                      </p:stCondLst>
+                      <p:childTnLst>
+                        <p:par>
+                          <p:cTn id="4" fill="hold">
+                            <p:stCondLst>
+                              <p:cond delay="0"/>
+                            </p:stCondLst>
+                            <p:childTnLst>
+                              <p:par>
+                                <p:cTn id="5" presetID="2" presetClass="entr" presetSubtype="4" fill="hold" nodeType="clickEffect">
+                                  <p:stCondLst>
+                                    <p:cond delay="0"/>
+                                  </p:stCondLst>
+                                  <p:childTnLst>
+                                    <p:set>
+                                      <p:cBhvr>
+                                        <p:cTn id="6" dur="1" fill="hold">
+                                          <p:stCondLst>
+                                            <p:cond delay="0"/>
+                                          </p:stCondLst>
+                                        </p:cTn>
+                                        <p:tgtEl>
+                                          <p:spTgt spid="5">
+                                            <p:txEl>
+                                              <p:pRg st="0" end="0"/>
+                                            </p:txEl>
+                                          </p:spTgt>
+                                        </p:tgtEl>
+                                        <p:attrNameLst>
+                                          <p:attrName>style.visibility</p:attrName>
+                                        </p:attrNameLst>
+                                      </p:cBhvr>
+                                      <p:to>
+                                        <p:strVal val="visible"/>
+                                      </p:to>
+                                    </p:set>
+                                    <p:anim calcmode="lin" valueType="num">
+                                      <p:cBhvr additive="base">
+                                        <p:cTn id="7" dur="500" fill="hold"/>
+                                        <p:tgtEl>
+                                          <p:spTgt spid="5">
+                                            <p:txEl>
+                                              <p:pRg st="0" end="0"/>
+                                            </p:txEl>
+                                          </p:spTgt>
+                                        </p:tgtEl>
+                                        <p:attrNameLst>
+                                          <p:attrName>ppt_x</p:attrName>
+                                        </p:attrNameLst>
+                                      </p:cBhvr>
+                                      <p:tavLst>
+                                        <p:tav tm="0">
+                                          <p:val>
+                                            <p:strVal val="#ppt_x"/>
+                                          </p:val>
+                                        </p:tav>
+                                        <p:tav tm="100000">
+                                          <p:val>
+                                            <p:strVal val="#ppt_x"/>
+                                          </p:val>
+                                        </p:tav>
+                                      </p:tavLst>
+                                    </p:anim>
+                                    <p:anim calcmode="lin" valueType="num">
+                                      <p:cBhvr additive="base">
+                                        <p:cTn id="8" dur="500" fill="hold"/>
+                                        <p:tgtEl>
+                                          <p:spTgt spid="5">
+                                            <p:txEl>
+                                              <p:pRg st="0" end="0"/>
+                                            </p:txEl>
+                                          </p:spTgt>
+                                        </p:tgtEl>
+                                        <p:attrNameLst>
+                                          <p:attrName>ppt_y</p:attrName>
+                                        </p:attrNameLst>
+                                      </p:cBhvr>
+                                      <p:tavLst>
+                                        <p:tav tm="0">
+                                          <p:val>
+                                            <p:strVal val="1+#ppt_h/2"/>
+                                          </p:val>
+                                        </p:tav>
+                                        <p:tav tm="100000">
+                                          <p:val>
+                                            <p:strVal val="#ppt_y"/>
+                                          </p:val>
+                                        </p:tav>
+                                      </p:tavLst>
+                                    </p:anim>
+                                  </p:childTnLst>
+                                </p:cTn>
+                              </p:par>
+                              <p:par>
+                                <p:cTn id="9" presetID="2" presetClass="entr" presetSubtype="4" fill="hold" nodeType="withEffect">
+                                  <p:stCondLst>
+                                    <p:cond delay="0"/>
+                                  </p:stCondLst>
+                                  <p:childTnLst>
+                                    <p:set>
+                                      <p:cBhvr>
+                                        <p:cTn id="10" dur="1" fill="hold">
+                                          <p:stCondLst>
+                                            <p:cond delay="0"/>
+                                          </p:stCondLst>
+                                        </p:cTn>
+                                        <p:tgtEl>
+                                          <p:spTgt spid="5">
+                                            <p:txEl>
+                                              <p:pRg st="2" end="2"/>
+                                            </p:txEl>
+                                          </p:spTgt>
+                                        </p:tgtEl>
+                                        <p:attrNameLst>
+                                          <p:attrName>style.visibility</p:attrName>
+                                        </p:attrNameLst>
+                                      </p:cBhvr>
+                                      <p:to>
+                                        <p:strVal val="visible"/>
+                                      </p:to>
+                                    </p:set>
+                                    <p:anim calcmode="lin" valueType="num">
+                                      <p:cBhvr additive="base">
+                                        <p:cTn id="11" dur="500" fill="hold"/>
+                                        <p:tgtEl>
+                                          <p:spTgt spid="5">
+                                            <p:txEl>
+                                              <p:pRg st="2" end="2"/>
+                                            </p:txEl>
+                                          </p:spTgt>
+                                        </p:tgtEl>
+                                        <p:attrNameLst>
+                                          <p:attrName>ppt_x</p:attrName>
+                                        </p:attrNameLst>
+                                      </p:cBhvr>
+                                      <p:tavLst>
+                                        <p:tav tm="0">
+                                          <p:val>
+                                            <p:strVal val="#ppt_x"/>
+                                          </p:val>
+                                        </p:tav>
+                                        <p:tav tm="100000">
+                                          <p:val>
+                                            <p:strVal val="#ppt_x"/>
+                                          </p:val>
+                                        </p:tav>
+                                      </p:tavLst>
+                                    </p:anim>
+                                    <p:anim calcmode="lin" valueType="num">
+                                      <p:cBhvr additive="base">
+                                        <p:cTn id="12" dur="500" fill="hold"/>
+                                        <p:tgtEl>
+                                          <p:spTgt spid="5">
+                                            <p:txEl>
+                                              <p:pRg st="2" end="2"/>
+                                            </p:txEl>
+                                          </p:spTgt>
+                                        </p:tgtEl>
+                                        <p:attrNameLst>
+                                          <p:attrName>ppt_y</p:attrName>
+                                        </p:attrNameLst>
+                                      </p:cBhvr>
+                                      <p:tavLst>
+                                        <p:tav tm="0">
+                                          <p:val>
+                                            <p:strVal val="1+#ppt_h/2"/>
+                                          </p:val>
+                                        </p:tav>
+                                        <p:tav tm="100000">
+                                          <p:val>
+                                            <p:strVal val="#ppt_y"/>
+                                          </p:val>
+                                        </p:tav>
+                                      </p:tavLst>
+                                    </p:anim>
+                                  </p:childTnLst>
+                                </p:cTn>
+                              </p:par>
+                            </p:childTnLst>
+                          </p:cTn>
+                        </p:par>
+                      </p:childTnLst>
+                    </p:cTn>
+                  </p:par>
+                  <p:par>
+                    <p:cTn id="13" fill="hold">
+                      <p:stCondLst>
+                        <p:cond delay="indefinite"/>
+                      </p:stCondLst>
+                      <p:childTnLst>
+                        <p:par>
+                          <p:cTn id="14" fill="hold">
+                            <p:stCondLst>
+                              <p:cond delay="0"/>
+                            </p:stCondLst>
+                            <p:childTnLst>
+                              <p:par>
+                                <p:cTn id="15" presetID="2" presetClass="entr" presetSubtype="4" fill="hold" nodeType="clickEffect">
+                                  <p:stCondLst>
+                                    <p:cond delay="0"/>
+                                  </p:stCondLst>
+                                  <p:childTnLst>
+                                    <p:set>
+                                      <p:cBhvr>
+                                        <p:cTn id="16" dur="1" fill="hold">
+                                          <p:stCondLst>
+                                            <p:cond delay="0"/>
+                                          </p:stCondLst>
+                                        </p:cTn>
+                                        <p:tgtEl>
+                                          <p:spTgt spid="5">
+                                            <p:txEl>
+                                              <p:pRg st="7" end="7"/>
+                                            </p:txEl>
+                                          </p:spTgt>
+                                        </p:tgtEl>
+                                        <p:attrNameLst>
+                                          <p:attrName>style.visibility</p:attrName>
+                                        </p:attrNameLst>
+                                      </p:cBhvr>
+                                      <p:to>
+                                        <p:strVal val="visible"/>
+                                      </p:to>
+                                    </p:set>
+                                    <p:anim calcmode="lin" valueType="num">
+                                      <p:cBhvr additive="base">
+                                        <p:cTn id="17" dur="500" fill="hold"/>
+                                        <p:tgtEl>
+                                          <p:spTgt spid="5">
+                                            <p:txEl>
+                                              <p:pRg st="7" end="7"/>
+                                            </p:txEl>
+                                          </p:spTgt>
+                                        </p:tgtEl>
+                                        <p:attrNameLst>
+                                          <p:attrName>ppt_x</p:attrName>
+                                        </p:attrNameLst>
+                                      </p:cBhvr>
+                                      <p:tavLst>
+                                        <p:tav tm="0">
+                                          <p:val>
+                                            <p:strVal val="#ppt_x"/>
+                                          </p:val>
+                                        </p:tav>
+                                        <p:tav tm="100000">
+                                          <p:val>
+                                            <p:strVal val="#ppt_x"/>
+                                          </p:val>
+                                        </p:tav>
+                                      </p:tavLst>
+                                    </p:anim>
+                                    <p:anim calcmode="lin" valueType="num">
+                                      <p:cBhvr additive="base">
+                                        <p:cTn id="18" dur="500" fill="hold"/>
+                                        <p:tgtEl>
+                                          <p:spTgt spid="5">
+                                            <p:txEl>
+                                              <p:pRg st="7" end="7"/>
+                                            </p:txEl>
+                                          </p:spTgt>
+                                        </p:tgtEl>
+                                        <p:attrNameLst>
+                                          <p:attrName>ppt_y</p:attrName>
+                                        </p:attrNameLst>
+                                      </p:cBhvr>
+                                      <p:tavLst>
+                                        <p:tav tm="0">
+                                          <p:val>
+                                            <p:strVal val="1+#ppt_h/2"/>
+                                          </p:val>
+                                        </p:tav>
+                                        <p:tav tm="100000">
+                                          <p:val>
+                                            <p:strVal val="#ppt_y"/>
+                                          </p:val>
+                                        </p:tav>
+                                      </p:tavLst>
+                                    </p:anim>
+                                  </p:childTnLst>
+                                </p:cTn>
+                              </p:par>
+                              <p:par>
+                                <p:cTn id="19" presetID="2" presetClass="entr" presetSubtype="4" fill="hold" nodeType="withEffect">
+                                  <p:stCondLst>
+                                    <p:cond delay="0"/>
+                                  </p:stCondLst>
+                                  <p:childTnLst>
+                                    <p:set>
+                                      <p:cBhvr>
+                                        <p:cTn id="20" dur="1" fill="hold">
+                                          <p:stCondLst>
+                                            <p:cond delay="0"/>
+                                          </p:stCondLst>
+                                        </p:cTn>
+                                        <p:tgtEl>
+                                          <p:spTgt spid="5">
+                                            <p:txEl>
+                                              <p:pRg st="9" end="9"/>
+                                            </p:txEl>
+                                          </p:spTgt>
+                                        </p:tgtEl>
+                                        <p:attrNameLst>
+                                          <p:attrName>style.visibility</p:attrName>
+                                        </p:attrNameLst>
+                                      </p:cBhvr>
+                                      <p:to>
+                                        <p:strVal val="visible"/>
+                                      </p:to>
+                                    </p:set>
+                                    <p:anim calcmode="lin" valueType="num">
+                                      <p:cBhvr additive="base">
+                                        <p:cTn id="21" dur="500" fill="hold"/>
+                                        <p:tgtEl>
+                                          <p:spTgt spid="5">
+                                            <p:txEl>
+                                              <p:pRg st="9" end="9"/>
+                                            </p:txEl>
+                                          </p:spTgt>
+                                        </p:tgtEl>
+                                        <p:attrNameLst>
+                                          <p:attrName>ppt_x</p:attrName>
+                                        </p:attrNameLst>
+                                      </p:cBhvr>
+                                      <p:tavLst>
+                                        <p:tav tm="0">
+                                          <p:val>
+                                            <p:strVal val="#ppt_x"/>
+                                          </p:val>
+                                        </p:tav>
+                                        <p:tav tm="100000">
+                                          <p:val>
+                                            <p:strVal val="#ppt_x"/>
+                                          </p:val>
+                                        </p:tav>
+                                      </p:tavLst>
+                                    </p:anim>
+                                    <p:anim calcmode="lin" valueType="num">
+                                      <p:cBhvr additive="base">
+                                        <p:cTn id="22" dur="500" fill="hold"/>
+                                        <p:tgtEl>
+                                          <p:spTgt spid="5">
+                                            <p:txEl>
+                                              <p:pRg st="9" end="9"/>
+                                            </p:txEl>
+                                          </p:spTgt>
+                                        </p:tgtEl>
+                                        <p:attrNameLst>
+                                          <p:attrName>ppt_y</p:attrName>
+                                        </p:attrNameLst>
+                                      </p:cBhvr>
+                                      <p:tavLst>
+                                        <p:tav tm="0">
+                                          <p:val>
+                                            <p:strVal val="1+#ppt_h/2"/>
+                                          </p:val>
+                                        </p:tav>
+                                        <p:tav tm="100000">
+                                          <p:val>
+                                            <p:strVal val="#ppt_y"/>
+                                          </p:val>
+                                        </p:tav>
+                                      </p:tavLst>
+                                    </p:anim>
+                                  </p:childTnLst>
+                                </p:cTn>
+                              </p:par>
+                            </p:childTnLst>
+                          </p:cTn>
+                        </p:par>
+                      </p:childTnLst>
+                    </p:cTn>
+                  </p:par>
+                  <p:par>
+                    <p:cTn id="23" fill="hold">
+                      <p:stCondLst>
+                        <p:cond delay="indefinite"/>
+                      </p:stCondLst>
+                      <p:childTnLst>
+                        <p:par>
+                          <p:cTn id="24" fill="hold">
+                            <p:stCondLst>
+                              <p:cond delay="0"/>
+                            </p:stCondLst>
+                            <p:childTnLst>
+                              <p:par>
+                                <p:cTn id="25" presetID="2" presetClass="entr" presetSubtype="4" fill="hold" nodeType="clickEffect">
+                                  <p:stCondLst>
+                                    <p:cond delay="0"/>
+                                  </p:stCondLst>
+                                  <p:childTnLst>
+                                    <p:set>
+                                      <p:cBhvr>
+                                        <p:cTn id="26" dur="1" fill="hold">
+                                          <p:stCondLst>
+                                            <p:cond delay="0"/>
+                                          </p:stCondLst>
+                                        </p:cTn>
+                                        <p:tgtEl>
+                                          <p:spTgt spid="5">
+                                            <p:txEl>
+                                              <p:pRg st="14" end="14"/>
+                                            </p:txEl>
+                                          </p:spTgt>
+                                        </p:tgtEl>
+                                        <p:attrNameLst>
+                                          <p:attrName>style.visibility</p:attrName>
+                                        </p:attrNameLst>
+                                      </p:cBhvr>
+                                      <p:to>
+                                        <p:strVal val="visible"/>
+                                      </p:to>
+                                    </p:set>
+                                    <p:anim calcmode="lin" valueType="num">
+                                      <p:cBhvr additive="base">
+                                        <p:cTn id="27" dur="500" fill="hold"/>
+                                        <p:tgtEl>
+                                          <p:spTgt spid="5">
+                                            <p:txEl>
+                                              <p:pRg st="14" end="14"/>
+                                            </p:txEl>
+                                          </p:spTgt>
+                                        </p:tgtEl>
+                                        <p:attrNameLst>
+                                          <p:attrName>ppt_x</p:attrName>
+                                        </p:attrNameLst>
+                                      </p:cBhvr>
+                                      <p:tavLst>
+                                        <p:tav tm="0">
+                                          <p:val>
+                                            <p:strVal val="#ppt_x"/>
+                                          </p:val>
+                                        </p:tav>
+                                        <p:tav tm="100000">
+                                          <p:val>
+                                            <p:strVal val="#ppt_x"/>
+                                          </p:val>
+                                        </p:tav>
+                                      </p:tavLst>
+                                    </p:anim>
+                                    <p:anim calcmode="lin" valueType="num">
+                                      <p:cBhvr additive="base">
+                                        <p:cTn id="28" dur="500" fill="hold"/>
+                                        <p:tgtEl>
+                                          <p:spTgt spid="5">
+                                            <p:txEl>
+                                              <p:pRg st="14" end="14"/>
+                                            </p:txEl>
+                                          </p:spTgt>
+                                        </p:tgtEl>
+                                        <p:attrNameLst>
+                                          <p:attrName>ppt_y</p:attrName>
+                                        </p:attrNameLst>
+                                      </p:cBhvr>
+                                      <p:tavLst>
+                                        <p:tav tm="0">
+                                          <p:val>
+                                            <p:strVal val="1+#ppt_h/2"/>
+                                          </p:val>
+                                        </p:tav>
+                                        <p:tav tm="100000">
+                                          <p:val>
+                                            <p:strVal val="#ppt_y"/>
+                                          </p:val>
+                                        </p:tav>
+                                      </p:tavLst>
+                                    </p:anim>
+                                  </p:childTnLst>
+                                </p:cTn>
+                              </p:par>
+                              <p:par>
+                                <p:cTn id="29" presetID="2" presetClass="entr" presetSubtype="4" fill="hold" nodeType="withEffect">
+                                  <p:stCondLst>
+                                    <p:cond delay="0"/>
+                                  </p:stCondLst>
+                                  <p:childTnLst>
+                                    <p:set>
+                                      <p:cBhvr>
+                                        <p:cTn id="30" dur="1" fill="hold">
+                                          <p:stCondLst>
+                                            <p:cond delay="0"/>
+                                          </p:stCondLst>
+                                        </p:cTn>
+                                        <p:tgtEl>
+                                          <p:spTgt spid="5">
+                                            <p:txEl>
+                                              <p:pRg st="16" end="16"/>
+                                            </p:txEl>
+                                          </p:spTgt>
+                                        </p:tgtEl>
+                                        <p:attrNameLst>
+                                          <p:attrName>style.visibility</p:attrName>
+                                        </p:attrNameLst>
+                                      </p:cBhvr>
+                                      <p:to>
+                                        <p:strVal val="visible"/>
+                                      </p:to>
+                                    </p:set>
+                                    <p:anim calcmode="lin" valueType="num">
+                                      <p:cBhvr additive="base">
+                                        <p:cTn id="31" dur="500" fill="hold"/>
+                                        <p:tgtEl>
+                                          <p:spTgt spid="5">
+                                            <p:txEl>
+                                              <p:pRg st="16" end="16"/>
+                                            </p:txEl>
+                                          </p:spTgt>
+                                        </p:tgtEl>
+                                        <p:attrNameLst>
+                                          <p:attrName>ppt_x</p:attrName>
+                                        </p:attrNameLst>
+                                      </p:cBhvr>
+                                      <p:tavLst>
+                                        <p:tav tm="0">
+                                          <p:val>
+                                            <p:strVal val="#ppt_x"/>
+                                          </p:val>
+                                        </p:tav>
+                                        <p:tav tm="100000">
+                                          <p:val>
+                                            <p:strVal val="#ppt_x"/>
+                                          </p:val>
+                                        </p:tav>
+                                      </p:tavLst>
+                                    </p:anim>
+                                    <p:anim calcmode="lin" valueType="num">
+                                      <p:cBhvr additive="base">
+                                        <p:cTn id="32" dur="500" fill="hold"/>
+                                        <p:tgtEl>
+                                          <p:spTgt spid="5">
+                                            <p:txEl>
+                                              <p:pRg st="16" end="16"/>
+                                            </p:txEl>
+                                          </p:spTgt>
+                                        </p:tgtEl>
+                                        <p:attrNameLst>
+                                          <p:attrName>ppt_y</p:attrName>
+                                        </p:attrNameLst>
+                                      </p:cBhvr>
+                                      <p:tavLst>
+                                        <p:tav tm="0">
+                                          <p:val>
+                                            <p:strVal val="1+#ppt_h/2"/>
+                                          </p:val>
+                                        </p:tav>
+                                        <p:tav tm="100000">
+                                          <p:val>
+                                            <p:strVal val="#ppt_y"/>
+                                          </p:val>
+                                        </p:tav>
+                                      </p:tavLst>
+                                    </p:anim>
+                                  </p:childTnLst>
+                                </p:cTn>
+                              </p:par>
+                            </p:childTnLst>
+                          </p:cTn>
+                        </p:par>
+                      </p:childTnLst>
+                    </p:cTn>
+                  </p:par>
+                </p:childTnLst>
+              </p:cTn>
+              <p:prevCondLst>
+                <p:cond evt="onPrev" delay="0">
+                  <p:tgtEl>
+                    <p:sldTgt/>
+                  </p:tgtEl>
+                </p:cond>
+              </p:prevCondLst>
+              <p:nextCondLst>
+                <p:cond evt="onNext" delay="0">
+                  <p:tgtEl>
+                    <p:sldTgt/>
+                  </p:tgtEl>
+                </p:cond>
+              </p:nextCondLst>
+            </p:seq>
+          </p:childTnLst>
+        </p:cTn>
+      </p:par>
+    </p:tnLst>
+    <p:bldLst>
+      <p:bldP spid="5" grpId="0"/>
+      <p:bldP spid="5" grpId="1"/>
+    </p:bldLst>
+  </p:timing>
 </p:sld>
 </file>
 
@@ -11806,1995 +12414,7 @@
   <p:timing>
     <p:tnLst>
       <p:par>
-        <p:cTn id="1" dur="indefinite" restart="never" nodeType="tmRoot">
-          <p:childTnLst>
-            <p:seq concurrent="1" nextAc="seek">
-              <p:cTn id="2" dur="indefinite" nodeType="mainSeq">
-                <p:childTnLst>
-                  <p:par>
-                    <p:cTn id="3" fill="hold">
-                      <p:stCondLst>
-                        <p:cond delay="indefinite"/>
-                        <p:cond evt="onBegin" delay="0">
-                          <p:tn val="2"/>
-                        </p:cond>
-                      </p:stCondLst>
-                      <p:childTnLst>
-                        <p:par>
-                          <p:cTn id="4" fill="hold">
-                            <p:stCondLst>
-                              <p:cond delay="0"/>
-                            </p:stCondLst>
-                            <p:childTnLst>
-                              <p:par>
-                                <p:cTn id="5" presetID="53" presetClass="entr" presetSubtype="16" fill="hold" grpId="0" nodeType="withEffect">
-                                  <p:stCondLst>
-                                    <p:cond delay="100"/>
-                                  </p:stCondLst>
-                                  <p:childTnLst>
-                                    <p:set>
-                                      <p:cBhvr>
-                                        <p:cTn id="6" dur="1" fill="hold">
-                                          <p:stCondLst>
-                                            <p:cond delay="0"/>
-                                          </p:stCondLst>
-                                        </p:cTn>
-                                        <p:tgtEl>
-                                          <p:spTgt spid="53"/>
-                                        </p:tgtEl>
-                                        <p:attrNameLst>
-                                          <p:attrName>style.visibility</p:attrName>
-                                        </p:attrNameLst>
-                                      </p:cBhvr>
-                                      <p:to>
-                                        <p:strVal val="visible"/>
-                                      </p:to>
-                                    </p:set>
-                                    <p:anim calcmode="lin" valueType="num">
-                                      <p:cBhvr>
-                                        <p:cTn id="7" dur="1000" fill="hold"/>
-                                        <p:tgtEl>
-                                          <p:spTgt spid="53"/>
-                                        </p:tgtEl>
-                                        <p:attrNameLst>
-                                          <p:attrName>ppt_w</p:attrName>
-                                        </p:attrNameLst>
-                                      </p:cBhvr>
-                                      <p:tavLst>
-                                        <p:tav tm="0">
-                                          <p:val>
-                                            <p:fltVal val="0"/>
-                                          </p:val>
-                                        </p:tav>
-                                        <p:tav tm="100000">
-                                          <p:val>
-                                            <p:strVal val="#ppt_w"/>
-                                          </p:val>
-                                        </p:tav>
-                                      </p:tavLst>
-                                    </p:anim>
-                                    <p:anim calcmode="lin" valueType="num">
-                                      <p:cBhvr>
-                                        <p:cTn id="8" dur="1000" fill="hold"/>
-                                        <p:tgtEl>
-                                          <p:spTgt spid="53"/>
-                                        </p:tgtEl>
-                                        <p:attrNameLst>
-                                          <p:attrName>ppt_h</p:attrName>
-                                        </p:attrNameLst>
-                                      </p:cBhvr>
-                                      <p:tavLst>
-                                        <p:tav tm="0">
-                                          <p:val>
-                                            <p:fltVal val="0"/>
-                                          </p:val>
-                                        </p:tav>
-                                        <p:tav tm="100000">
-                                          <p:val>
-                                            <p:strVal val="#ppt_h"/>
-                                          </p:val>
-                                        </p:tav>
-                                      </p:tavLst>
-                                    </p:anim>
-                                    <p:animEffect transition="in" filter="fade">
-                                      <p:cBhvr>
-                                        <p:cTn id="9" dur="1000"/>
-                                        <p:tgtEl>
-                                          <p:spTgt spid="53"/>
-                                        </p:tgtEl>
-                                      </p:cBhvr>
-                                    </p:animEffect>
-                                  </p:childTnLst>
-                                </p:cTn>
-                              </p:par>
-                              <p:par>
-                                <p:cTn id="10" presetID="53" presetClass="entr" presetSubtype="16" fill="hold" grpId="0" nodeType="withEffect">
-                                  <p:stCondLst>
-                                    <p:cond delay="200"/>
-                                  </p:stCondLst>
-                                  <p:childTnLst>
-                                    <p:set>
-                                      <p:cBhvr>
-                                        <p:cTn id="11" dur="1" fill="hold">
-                                          <p:stCondLst>
-                                            <p:cond delay="0"/>
-                                          </p:stCondLst>
-                                        </p:cTn>
-                                        <p:tgtEl>
-                                          <p:spTgt spid="16"/>
-                                        </p:tgtEl>
-                                        <p:attrNameLst>
-                                          <p:attrName>style.visibility</p:attrName>
-                                        </p:attrNameLst>
-                                      </p:cBhvr>
-                                      <p:to>
-                                        <p:strVal val="visible"/>
-                                      </p:to>
-                                    </p:set>
-                                    <p:anim calcmode="lin" valueType="num">
-                                      <p:cBhvr>
-                                        <p:cTn id="12" dur="1000" fill="hold"/>
-                                        <p:tgtEl>
-                                          <p:spTgt spid="16"/>
-                                        </p:tgtEl>
-                                        <p:attrNameLst>
-                                          <p:attrName>ppt_w</p:attrName>
-                                        </p:attrNameLst>
-                                      </p:cBhvr>
-                                      <p:tavLst>
-                                        <p:tav tm="0">
-                                          <p:val>
-                                            <p:fltVal val="0"/>
-                                          </p:val>
-                                        </p:tav>
-                                        <p:tav tm="100000">
-                                          <p:val>
-                                            <p:strVal val="#ppt_w"/>
-                                          </p:val>
-                                        </p:tav>
-                                      </p:tavLst>
-                                    </p:anim>
-                                    <p:anim calcmode="lin" valueType="num">
-                                      <p:cBhvr>
-                                        <p:cTn id="13" dur="1000" fill="hold"/>
-                                        <p:tgtEl>
-                                          <p:spTgt spid="16"/>
-                                        </p:tgtEl>
-                                        <p:attrNameLst>
-                                          <p:attrName>ppt_h</p:attrName>
-                                        </p:attrNameLst>
-                                      </p:cBhvr>
-                                      <p:tavLst>
-                                        <p:tav tm="0">
-                                          <p:val>
-                                            <p:fltVal val="0"/>
-                                          </p:val>
-                                        </p:tav>
-                                        <p:tav tm="100000">
-                                          <p:val>
-                                            <p:strVal val="#ppt_h"/>
-                                          </p:val>
-                                        </p:tav>
-                                      </p:tavLst>
-                                    </p:anim>
-                                    <p:animEffect transition="in" filter="fade">
-                                      <p:cBhvr>
-                                        <p:cTn id="14" dur="1000"/>
-                                        <p:tgtEl>
-                                          <p:spTgt spid="16"/>
-                                        </p:tgtEl>
-                                      </p:cBhvr>
-                                    </p:animEffect>
-                                  </p:childTnLst>
-                                </p:cTn>
-                              </p:par>
-                              <p:par>
-                                <p:cTn id="15" presetID="53" presetClass="entr" presetSubtype="16" fill="hold" grpId="0" nodeType="withEffect">
-                                  <p:stCondLst>
-                                    <p:cond delay="200"/>
-                                  </p:stCondLst>
-                                  <p:childTnLst>
-                                    <p:set>
-                                      <p:cBhvr>
-                                        <p:cTn id="16" dur="1" fill="hold">
-                                          <p:stCondLst>
-                                            <p:cond delay="0"/>
-                                          </p:stCondLst>
-                                        </p:cTn>
-                                        <p:tgtEl>
-                                          <p:spTgt spid="17"/>
-                                        </p:tgtEl>
-                                        <p:attrNameLst>
-                                          <p:attrName>style.visibility</p:attrName>
-                                        </p:attrNameLst>
-                                      </p:cBhvr>
-                                      <p:to>
-                                        <p:strVal val="visible"/>
-                                      </p:to>
-                                    </p:set>
-                                    <p:anim calcmode="lin" valueType="num">
-                                      <p:cBhvr>
-                                        <p:cTn id="17" dur="1000" fill="hold"/>
-                                        <p:tgtEl>
-                                          <p:spTgt spid="17"/>
-                                        </p:tgtEl>
-                                        <p:attrNameLst>
-                                          <p:attrName>ppt_w</p:attrName>
-                                        </p:attrNameLst>
-                                      </p:cBhvr>
-                                      <p:tavLst>
-                                        <p:tav tm="0">
-                                          <p:val>
-                                            <p:fltVal val="0"/>
-                                          </p:val>
-                                        </p:tav>
-                                        <p:tav tm="100000">
-                                          <p:val>
-                                            <p:strVal val="#ppt_w"/>
-                                          </p:val>
-                                        </p:tav>
-                                      </p:tavLst>
-                                    </p:anim>
-                                    <p:anim calcmode="lin" valueType="num">
-                                      <p:cBhvr>
-                                        <p:cTn id="18" dur="1000" fill="hold"/>
-                                        <p:tgtEl>
-                                          <p:spTgt spid="17"/>
-                                        </p:tgtEl>
-                                        <p:attrNameLst>
-                                          <p:attrName>ppt_h</p:attrName>
-                                        </p:attrNameLst>
-                                      </p:cBhvr>
-                                      <p:tavLst>
-                                        <p:tav tm="0">
-                                          <p:val>
-                                            <p:fltVal val="0"/>
-                                          </p:val>
-                                        </p:tav>
-                                        <p:tav tm="100000">
-                                          <p:val>
-                                            <p:strVal val="#ppt_h"/>
-                                          </p:val>
-                                        </p:tav>
-                                      </p:tavLst>
-                                    </p:anim>
-                                    <p:animEffect transition="in" filter="fade">
-                                      <p:cBhvr>
-                                        <p:cTn id="19" dur="1000"/>
-                                        <p:tgtEl>
-                                          <p:spTgt spid="17"/>
-                                        </p:tgtEl>
-                                      </p:cBhvr>
-                                    </p:animEffect>
-                                  </p:childTnLst>
-                                </p:cTn>
-                              </p:par>
-                              <p:par>
-                                <p:cTn id="20" presetID="53" presetClass="entr" presetSubtype="16" fill="hold" grpId="0" nodeType="withEffect">
-                                  <p:stCondLst>
-                                    <p:cond delay="100"/>
-                                  </p:stCondLst>
-                                  <p:childTnLst>
-                                    <p:set>
-                                      <p:cBhvr>
-                                        <p:cTn id="21" dur="1" fill="hold">
-                                          <p:stCondLst>
-                                            <p:cond delay="0"/>
-                                          </p:stCondLst>
-                                        </p:cTn>
-                                        <p:tgtEl>
-                                          <p:spTgt spid="19"/>
-                                        </p:tgtEl>
-                                        <p:attrNameLst>
-                                          <p:attrName>style.visibility</p:attrName>
-                                        </p:attrNameLst>
-                                      </p:cBhvr>
-                                      <p:to>
-                                        <p:strVal val="visible"/>
-                                      </p:to>
-                                    </p:set>
-                                    <p:anim calcmode="lin" valueType="num">
-                                      <p:cBhvr>
-                                        <p:cTn id="22" dur="1000" fill="hold"/>
-                                        <p:tgtEl>
-                                          <p:spTgt spid="19"/>
-                                        </p:tgtEl>
-                                        <p:attrNameLst>
-                                          <p:attrName>ppt_w</p:attrName>
-                                        </p:attrNameLst>
-                                      </p:cBhvr>
-                                      <p:tavLst>
-                                        <p:tav tm="0">
-                                          <p:val>
-                                            <p:fltVal val="0"/>
-                                          </p:val>
-                                        </p:tav>
-                                        <p:tav tm="100000">
-                                          <p:val>
-                                            <p:strVal val="#ppt_w"/>
-                                          </p:val>
-                                        </p:tav>
-                                      </p:tavLst>
-                                    </p:anim>
-                                    <p:anim calcmode="lin" valueType="num">
-                                      <p:cBhvr>
-                                        <p:cTn id="23" dur="1000" fill="hold"/>
-                                        <p:tgtEl>
-                                          <p:spTgt spid="19"/>
-                                        </p:tgtEl>
-                                        <p:attrNameLst>
-                                          <p:attrName>ppt_h</p:attrName>
-                                        </p:attrNameLst>
-                                      </p:cBhvr>
-                                      <p:tavLst>
-                                        <p:tav tm="0">
-                                          <p:val>
-                                            <p:fltVal val="0"/>
-                                          </p:val>
-                                        </p:tav>
-                                        <p:tav tm="100000">
-                                          <p:val>
-                                            <p:strVal val="#ppt_h"/>
-                                          </p:val>
-                                        </p:tav>
-                                      </p:tavLst>
-                                    </p:anim>
-                                    <p:animEffect transition="in" filter="fade">
-                                      <p:cBhvr>
-                                        <p:cTn id="24" dur="1000"/>
-                                        <p:tgtEl>
-                                          <p:spTgt spid="19"/>
-                                        </p:tgtEl>
-                                      </p:cBhvr>
-                                    </p:animEffect>
-                                  </p:childTnLst>
-                                </p:cTn>
-                              </p:par>
-                              <p:par>
-                                <p:cTn id="25" presetID="53" presetClass="entr" presetSubtype="16" fill="hold" grpId="0" nodeType="withEffect">
-                                  <p:stCondLst>
-                                    <p:cond delay="200"/>
-                                  </p:stCondLst>
-                                  <p:childTnLst>
-                                    <p:set>
-                                      <p:cBhvr>
-                                        <p:cTn id="26" dur="1" fill="hold">
-                                          <p:stCondLst>
-                                            <p:cond delay="0"/>
-                                          </p:stCondLst>
-                                        </p:cTn>
-                                        <p:tgtEl>
-                                          <p:spTgt spid="20"/>
-                                        </p:tgtEl>
-                                        <p:attrNameLst>
-                                          <p:attrName>style.visibility</p:attrName>
-                                        </p:attrNameLst>
-                                      </p:cBhvr>
-                                      <p:to>
-                                        <p:strVal val="visible"/>
-                                      </p:to>
-                                    </p:set>
-                                    <p:anim calcmode="lin" valueType="num">
-                                      <p:cBhvr>
-                                        <p:cTn id="27" dur="1000" fill="hold"/>
-                                        <p:tgtEl>
-                                          <p:spTgt spid="20"/>
-                                        </p:tgtEl>
-                                        <p:attrNameLst>
-                                          <p:attrName>ppt_w</p:attrName>
-                                        </p:attrNameLst>
-                                      </p:cBhvr>
-                                      <p:tavLst>
-                                        <p:tav tm="0">
-                                          <p:val>
-                                            <p:fltVal val="0"/>
-                                          </p:val>
-                                        </p:tav>
-                                        <p:tav tm="100000">
-                                          <p:val>
-                                            <p:strVal val="#ppt_w"/>
-                                          </p:val>
-                                        </p:tav>
-                                      </p:tavLst>
-                                    </p:anim>
-                                    <p:anim calcmode="lin" valueType="num">
-                                      <p:cBhvr>
-                                        <p:cTn id="28" dur="1000" fill="hold"/>
-                                        <p:tgtEl>
-                                          <p:spTgt spid="20"/>
-                                        </p:tgtEl>
-                                        <p:attrNameLst>
-                                          <p:attrName>ppt_h</p:attrName>
-                                        </p:attrNameLst>
-                                      </p:cBhvr>
-                                      <p:tavLst>
-                                        <p:tav tm="0">
-                                          <p:val>
-                                            <p:fltVal val="0"/>
-                                          </p:val>
-                                        </p:tav>
-                                        <p:tav tm="100000">
-                                          <p:val>
-                                            <p:strVal val="#ppt_h"/>
-                                          </p:val>
-                                        </p:tav>
-                                      </p:tavLst>
-                                    </p:anim>
-                                    <p:animEffect transition="in" filter="fade">
-                                      <p:cBhvr>
-                                        <p:cTn id="29" dur="1000"/>
-                                        <p:tgtEl>
-                                          <p:spTgt spid="20"/>
-                                        </p:tgtEl>
-                                      </p:cBhvr>
-                                    </p:animEffect>
-                                  </p:childTnLst>
-                                </p:cTn>
-                              </p:par>
-                              <p:par>
-                                <p:cTn id="30" presetID="53" presetClass="entr" presetSubtype="16" fill="hold" grpId="0" nodeType="withEffect">
-                                  <p:stCondLst>
-                                    <p:cond delay="100"/>
-                                  </p:stCondLst>
-                                  <p:childTnLst>
-                                    <p:set>
-                                      <p:cBhvr>
-                                        <p:cTn id="31" dur="1" fill="hold">
-                                          <p:stCondLst>
-                                            <p:cond delay="0"/>
-                                          </p:stCondLst>
-                                        </p:cTn>
-                                        <p:tgtEl>
-                                          <p:spTgt spid="21"/>
-                                        </p:tgtEl>
-                                        <p:attrNameLst>
-                                          <p:attrName>style.visibility</p:attrName>
-                                        </p:attrNameLst>
-                                      </p:cBhvr>
-                                      <p:to>
-                                        <p:strVal val="visible"/>
-                                      </p:to>
-                                    </p:set>
-                                    <p:anim calcmode="lin" valueType="num">
-                                      <p:cBhvr>
-                                        <p:cTn id="32" dur="1000" fill="hold"/>
-                                        <p:tgtEl>
-                                          <p:spTgt spid="21"/>
-                                        </p:tgtEl>
-                                        <p:attrNameLst>
-                                          <p:attrName>ppt_w</p:attrName>
-                                        </p:attrNameLst>
-                                      </p:cBhvr>
-                                      <p:tavLst>
-                                        <p:tav tm="0">
-                                          <p:val>
-                                            <p:fltVal val="0"/>
-                                          </p:val>
-                                        </p:tav>
-                                        <p:tav tm="100000">
-                                          <p:val>
-                                            <p:strVal val="#ppt_w"/>
-                                          </p:val>
-                                        </p:tav>
-                                      </p:tavLst>
-                                    </p:anim>
-                                    <p:anim calcmode="lin" valueType="num">
-                                      <p:cBhvr>
-                                        <p:cTn id="33" dur="1000" fill="hold"/>
-                                        <p:tgtEl>
-                                          <p:spTgt spid="21"/>
-                                        </p:tgtEl>
-                                        <p:attrNameLst>
-                                          <p:attrName>ppt_h</p:attrName>
-                                        </p:attrNameLst>
-                                      </p:cBhvr>
-                                      <p:tavLst>
-                                        <p:tav tm="0">
-                                          <p:val>
-                                            <p:fltVal val="0"/>
-                                          </p:val>
-                                        </p:tav>
-                                        <p:tav tm="100000">
-                                          <p:val>
-                                            <p:strVal val="#ppt_h"/>
-                                          </p:val>
-                                        </p:tav>
-                                      </p:tavLst>
-                                    </p:anim>
-                                    <p:animEffect transition="in" filter="fade">
-                                      <p:cBhvr>
-                                        <p:cTn id="34" dur="1000"/>
-                                        <p:tgtEl>
-                                          <p:spTgt spid="21"/>
-                                        </p:tgtEl>
-                                      </p:cBhvr>
-                                    </p:animEffect>
-                                  </p:childTnLst>
-                                </p:cTn>
-                              </p:par>
-                              <p:par>
-                                <p:cTn id="35" presetID="53" presetClass="entr" presetSubtype="16" fill="hold" grpId="0" nodeType="withEffect">
-                                  <p:stCondLst>
-                                    <p:cond delay="0"/>
-                                  </p:stCondLst>
-                                  <p:childTnLst>
-                                    <p:set>
-                                      <p:cBhvr>
-                                        <p:cTn id="36" dur="1" fill="hold">
-                                          <p:stCondLst>
-                                            <p:cond delay="0"/>
-                                          </p:stCondLst>
-                                        </p:cTn>
-                                        <p:tgtEl>
-                                          <p:spTgt spid="22"/>
-                                        </p:tgtEl>
-                                        <p:attrNameLst>
-                                          <p:attrName>style.visibility</p:attrName>
-                                        </p:attrNameLst>
-                                      </p:cBhvr>
-                                      <p:to>
-                                        <p:strVal val="visible"/>
-                                      </p:to>
-                                    </p:set>
-                                    <p:anim calcmode="lin" valueType="num">
-                                      <p:cBhvr>
-                                        <p:cTn id="37" dur="1000" fill="hold"/>
-                                        <p:tgtEl>
-                                          <p:spTgt spid="22"/>
-                                        </p:tgtEl>
-                                        <p:attrNameLst>
-                                          <p:attrName>ppt_w</p:attrName>
-                                        </p:attrNameLst>
-                                      </p:cBhvr>
-                                      <p:tavLst>
-                                        <p:tav tm="0">
-                                          <p:val>
-                                            <p:fltVal val="0"/>
-                                          </p:val>
-                                        </p:tav>
-                                        <p:tav tm="100000">
-                                          <p:val>
-                                            <p:strVal val="#ppt_w"/>
-                                          </p:val>
-                                        </p:tav>
-                                      </p:tavLst>
-                                    </p:anim>
-                                    <p:anim calcmode="lin" valueType="num">
-                                      <p:cBhvr>
-                                        <p:cTn id="38" dur="1000" fill="hold"/>
-                                        <p:tgtEl>
-                                          <p:spTgt spid="22"/>
-                                        </p:tgtEl>
-                                        <p:attrNameLst>
-                                          <p:attrName>ppt_h</p:attrName>
-                                        </p:attrNameLst>
-                                      </p:cBhvr>
-                                      <p:tavLst>
-                                        <p:tav tm="0">
-                                          <p:val>
-                                            <p:fltVal val="0"/>
-                                          </p:val>
-                                        </p:tav>
-                                        <p:tav tm="100000">
-                                          <p:val>
-                                            <p:strVal val="#ppt_h"/>
-                                          </p:val>
-                                        </p:tav>
-                                      </p:tavLst>
-                                    </p:anim>
-                                    <p:animEffect transition="in" filter="fade">
-                                      <p:cBhvr>
-                                        <p:cTn id="39" dur="1000"/>
-                                        <p:tgtEl>
-                                          <p:spTgt spid="22"/>
-                                        </p:tgtEl>
-                                      </p:cBhvr>
-                                    </p:animEffect>
-                                  </p:childTnLst>
-                                </p:cTn>
-                              </p:par>
-                              <p:par>
-                                <p:cTn id="40" presetID="53" presetClass="entr" presetSubtype="16" fill="hold" grpId="0" nodeType="withEffect">
-                                  <p:stCondLst>
-                                    <p:cond delay="200"/>
-                                  </p:stCondLst>
-                                  <p:childTnLst>
-                                    <p:set>
-                                      <p:cBhvr>
-                                        <p:cTn id="41" dur="1" fill="hold">
-                                          <p:stCondLst>
-                                            <p:cond delay="0"/>
-                                          </p:stCondLst>
-                                        </p:cTn>
-                                        <p:tgtEl>
-                                          <p:spTgt spid="23"/>
-                                        </p:tgtEl>
-                                        <p:attrNameLst>
-                                          <p:attrName>style.visibility</p:attrName>
-                                        </p:attrNameLst>
-                                      </p:cBhvr>
-                                      <p:to>
-                                        <p:strVal val="visible"/>
-                                      </p:to>
-                                    </p:set>
-                                    <p:anim calcmode="lin" valueType="num">
-                                      <p:cBhvr>
-                                        <p:cTn id="42" dur="1000" fill="hold"/>
-                                        <p:tgtEl>
-                                          <p:spTgt spid="23"/>
-                                        </p:tgtEl>
-                                        <p:attrNameLst>
-                                          <p:attrName>ppt_w</p:attrName>
-                                        </p:attrNameLst>
-                                      </p:cBhvr>
-                                      <p:tavLst>
-                                        <p:tav tm="0">
-                                          <p:val>
-                                            <p:fltVal val="0"/>
-                                          </p:val>
-                                        </p:tav>
-                                        <p:tav tm="100000">
-                                          <p:val>
-                                            <p:strVal val="#ppt_w"/>
-                                          </p:val>
-                                        </p:tav>
-                                      </p:tavLst>
-                                    </p:anim>
-                                    <p:anim calcmode="lin" valueType="num">
-                                      <p:cBhvr>
-                                        <p:cTn id="43" dur="1000" fill="hold"/>
-                                        <p:tgtEl>
-                                          <p:spTgt spid="23"/>
-                                        </p:tgtEl>
-                                        <p:attrNameLst>
-                                          <p:attrName>ppt_h</p:attrName>
-                                        </p:attrNameLst>
-                                      </p:cBhvr>
-                                      <p:tavLst>
-                                        <p:tav tm="0">
-                                          <p:val>
-                                            <p:fltVal val="0"/>
-                                          </p:val>
-                                        </p:tav>
-                                        <p:tav tm="100000">
-                                          <p:val>
-                                            <p:strVal val="#ppt_h"/>
-                                          </p:val>
-                                        </p:tav>
-                                      </p:tavLst>
-                                    </p:anim>
-                                    <p:animEffect transition="in" filter="fade">
-                                      <p:cBhvr>
-                                        <p:cTn id="44" dur="1000"/>
-                                        <p:tgtEl>
-                                          <p:spTgt spid="23"/>
-                                        </p:tgtEl>
-                                      </p:cBhvr>
-                                    </p:animEffect>
-                                  </p:childTnLst>
-                                </p:cTn>
-                              </p:par>
-                              <p:par>
-                                <p:cTn id="45" presetID="53" presetClass="entr" presetSubtype="16" fill="hold" grpId="0" nodeType="withEffect">
-                                  <p:stCondLst>
-                                    <p:cond delay="0"/>
-                                  </p:stCondLst>
-                                  <p:childTnLst>
-                                    <p:set>
-                                      <p:cBhvr>
-                                        <p:cTn id="46" dur="1" fill="hold">
-                                          <p:stCondLst>
-                                            <p:cond delay="0"/>
-                                          </p:stCondLst>
-                                        </p:cTn>
-                                        <p:tgtEl>
-                                          <p:spTgt spid="25"/>
-                                        </p:tgtEl>
-                                        <p:attrNameLst>
-                                          <p:attrName>style.visibility</p:attrName>
-                                        </p:attrNameLst>
-                                      </p:cBhvr>
-                                      <p:to>
-                                        <p:strVal val="visible"/>
-                                      </p:to>
-                                    </p:set>
-                                    <p:anim calcmode="lin" valueType="num">
-                                      <p:cBhvr>
-                                        <p:cTn id="47" dur="1000" fill="hold"/>
-                                        <p:tgtEl>
-                                          <p:spTgt spid="25"/>
-                                        </p:tgtEl>
-                                        <p:attrNameLst>
-                                          <p:attrName>ppt_w</p:attrName>
-                                        </p:attrNameLst>
-                                      </p:cBhvr>
-                                      <p:tavLst>
-                                        <p:tav tm="0">
-                                          <p:val>
-                                            <p:fltVal val="0"/>
-                                          </p:val>
-                                        </p:tav>
-                                        <p:tav tm="100000">
-                                          <p:val>
-                                            <p:strVal val="#ppt_w"/>
-                                          </p:val>
-                                        </p:tav>
-                                      </p:tavLst>
-                                    </p:anim>
-                                    <p:anim calcmode="lin" valueType="num">
-                                      <p:cBhvr>
-                                        <p:cTn id="48" dur="1000" fill="hold"/>
-                                        <p:tgtEl>
-                                          <p:spTgt spid="25"/>
-                                        </p:tgtEl>
-                                        <p:attrNameLst>
-                                          <p:attrName>ppt_h</p:attrName>
-                                        </p:attrNameLst>
-                                      </p:cBhvr>
-                                      <p:tavLst>
-                                        <p:tav tm="0">
-                                          <p:val>
-                                            <p:fltVal val="0"/>
-                                          </p:val>
-                                        </p:tav>
-                                        <p:tav tm="100000">
-                                          <p:val>
-                                            <p:strVal val="#ppt_h"/>
-                                          </p:val>
-                                        </p:tav>
-                                      </p:tavLst>
-                                    </p:anim>
-                                    <p:animEffect transition="in" filter="fade">
-                                      <p:cBhvr>
-                                        <p:cTn id="49" dur="1000"/>
-                                        <p:tgtEl>
-                                          <p:spTgt spid="25"/>
-                                        </p:tgtEl>
-                                      </p:cBhvr>
-                                    </p:animEffect>
-                                  </p:childTnLst>
-                                </p:cTn>
-                              </p:par>
-                              <p:par>
-                                <p:cTn id="50" presetID="53" presetClass="entr" presetSubtype="16" fill="hold" grpId="0" nodeType="withEffect">
-                                  <p:stCondLst>
-                                    <p:cond delay="200"/>
-                                  </p:stCondLst>
-                                  <p:childTnLst>
-                                    <p:set>
-                                      <p:cBhvr>
-                                        <p:cTn id="51" dur="1" fill="hold">
-                                          <p:stCondLst>
-                                            <p:cond delay="0"/>
-                                          </p:stCondLst>
-                                        </p:cTn>
-                                        <p:tgtEl>
-                                          <p:spTgt spid="26"/>
-                                        </p:tgtEl>
-                                        <p:attrNameLst>
-                                          <p:attrName>style.visibility</p:attrName>
-                                        </p:attrNameLst>
-                                      </p:cBhvr>
-                                      <p:to>
-                                        <p:strVal val="visible"/>
-                                      </p:to>
-                                    </p:set>
-                                    <p:anim calcmode="lin" valueType="num">
-                                      <p:cBhvr>
-                                        <p:cTn id="52" dur="1000" fill="hold"/>
-                                        <p:tgtEl>
-                                          <p:spTgt spid="26"/>
-                                        </p:tgtEl>
-                                        <p:attrNameLst>
-                                          <p:attrName>ppt_w</p:attrName>
-                                        </p:attrNameLst>
-                                      </p:cBhvr>
-                                      <p:tavLst>
-                                        <p:tav tm="0">
-                                          <p:val>
-                                            <p:fltVal val="0"/>
-                                          </p:val>
-                                        </p:tav>
-                                        <p:tav tm="100000">
-                                          <p:val>
-                                            <p:strVal val="#ppt_w"/>
-                                          </p:val>
-                                        </p:tav>
-                                      </p:tavLst>
-                                    </p:anim>
-                                    <p:anim calcmode="lin" valueType="num">
-                                      <p:cBhvr>
-                                        <p:cTn id="53" dur="1000" fill="hold"/>
-                                        <p:tgtEl>
-                                          <p:spTgt spid="26"/>
-                                        </p:tgtEl>
-                                        <p:attrNameLst>
-                                          <p:attrName>ppt_h</p:attrName>
-                                        </p:attrNameLst>
-                                      </p:cBhvr>
-                                      <p:tavLst>
-                                        <p:tav tm="0">
-                                          <p:val>
-                                            <p:fltVal val="0"/>
-                                          </p:val>
-                                        </p:tav>
-                                        <p:tav tm="100000">
-                                          <p:val>
-                                            <p:strVal val="#ppt_h"/>
-                                          </p:val>
-                                        </p:tav>
-                                      </p:tavLst>
-                                    </p:anim>
-                                    <p:animEffect transition="in" filter="fade">
-                                      <p:cBhvr>
-                                        <p:cTn id="54" dur="1000"/>
-                                        <p:tgtEl>
-                                          <p:spTgt spid="26"/>
-                                        </p:tgtEl>
-                                      </p:cBhvr>
-                                    </p:animEffect>
-                                  </p:childTnLst>
-                                </p:cTn>
-                              </p:par>
-                              <p:par>
-                                <p:cTn id="55" presetID="53" presetClass="entr" presetSubtype="16" fill="hold" grpId="0" nodeType="withEffect">
-                                  <p:stCondLst>
-                                    <p:cond delay="0"/>
-                                  </p:stCondLst>
-                                  <p:childTnLst>
-                                    <p:set>
-                                      <p:cBhvr>
-                                        <p:cTn id="56" dur="1" fill="hold">
-                                          <p:stCondLst>
-                                            <p:cond delay="0"/>
-                                          </p:stCondLst>
-                                        </p:cTn>
-                                        <p:tgtEl>
-                                          <p:spTgt spid="27"/>
-                                        </p:tgtEl>
-                                        <p:attrNameLst>
-                                          <p:attrName>style.visibility</p:attrName>
-                                        </p:attrNameLst>
-                                      </p:cBhvr>
-                                      <p:to>
-                                        <p:strVal val="visible"/>
-                                      </p:to>
-                                    </p:set>
-                                    <p:anim calcmode="lin" valueType="num">
-                                      <p:cBhvr>
-                                        <p:cTn id="57" dur="1000" fill="hold"/>
-                                        <p:tgtEl>
-                                          <p:spTgt spid="27"/>
-                                        </p:tgtEl>
-                                        <p:attrNameLst>
-                                          <p:attrName>ppt_w</p:attrName>
-                                        </p:attrNameLst>
-                                      </p:cBhvr>
-                                      <p:tavLst>
-                                        <p:tav tm="0">
-                                          <p:val>
-                                            <p:fltVal val="0"/>
-                                          </p:val>
-                                        </p:tav>
-                                        <p:tav tm="100000">
-                                          <p:val>
-                                            <p:strVal val="#ppt_w"/>
-                                          </p:val>
-                                        </p:tav>
-                                      </p:tavLst>
-                                    </p:anim>
-                                    <p:anim calcmode="lin" valueType="num">
-                                      <p:cBhvr>
-                                        <p:cTn id="58" dur="1000" fill="hold"/>
-                                        <p:tgtEl>
-                                          <p:spTgt spid="27"/>
-                                        </p:tgtEl>
-                                        <p:attrNameLst>
-                                          <p:attrName>ppt_h</p:attrName>
-                                        </p:attrNameLst>
-                                      </p:cBhvr>
-                                      <p:tavLst>
-                                        <p:tav tm="0">
-                                          <p:val>
-                                            <p:fltVal val="0"/>
-                                          </p:val>
-                                        </p:tav>
-                                        <p:tav tm="100000">
-                                          <p:val>
-                                            <p:strVal val="#ppt_h"/>
-                                          </p:val>
-                                        </p:tav>
-                                      </p:tavLst>
-                                    </p:anim>
-                                    <p:animEffect transition="in" filter="fade">
-                                      <p:cBhvr>
-                                        <p:cTn id="59" dur="1000"/>
-                                        <p:tgtEl>
-                                          <p:spTgt spid="27"/>
-                                        </p:tgtEl>
-                                      </p:cBhvr>
-                                    </p:animEffect>
-                                  </p:childTnLst>
-                                </p:cTn>
-                              </p:par>
-                              <p:par>
-                                <p:cTn id="60" presetID="53" presetClass="entr" presetSubtype="16" fill="hold" grpId="0" nodeType="withEffect">
-                                  <p:stCondLst>
-                                    <p:cond delay="100"/>
-                                  </p:stCondLst>
-                                  <p:childTnLst>
-                                    <p:set>
-                                      <p:cBhvr>
-                                        <p:cTn id="61" dur="1" fill="hold">
-                                          <p:stCondLst>
-                                            <p:cond delay="0"/>
-                                          </p:stCondLst>
-                                        </p:cTn>
-                                        <p:tgtEl>
-                                          <p:spTgt spid="28"/>
-                                        </p:tgtEl>
-                                        <p:attrNameLst>
-                                          <p:attrName>style.visibility</p:attrName>
-                                        </p:attrNameLst>
-                                      </p:cBhvr>
-                                      <p:to>
-                                        <p:strVal val="visible"/>
-                                      </p:to>
-                                    </p:set>
-                                    <p:anim calcmode="lin" valueType="num">
-                                      <p:cBhvr>
-                                        <p:cTn id="62" dur="1000" fill="hold"/>
-                                        <p:tgtEl>
-                                          <p:spTgt spid="28"/>
-                                        </p:tgtEl>
-                                        <p:attrNameLst>
-                                          <p:attrName>ppt_w</p:attrName>
-                                        </p:attrNameLst>
-                                      </p:cBhvr>
-                                      <p:tavLst>
-                                        <p:tav tm="0">
-                                          <p:val>
-                                            <p:fltVal val="0"/>
-                                          </p:val>
-                                        </p:tav>
-                                        <p:tav tm="100000">
-                                          <p:val>
-                                            <p:strVal val="#ppt_w"/>
-                                          </p:val>
-                                        </p:tav>
-                                      </p:tavLst>
-                                    </p:anim>
-                                    <p:anim calcmode="lin" valueType="num">
-                                      <p:cBhvr>
-                                        <p:cTn id="63" dur="1000" fill="hold"/>
-                                        <p:tgtEl>
-                                          <p:spTgt spid="28"/>
-                                        </p:tgtEl>
-                                        <p:attrNameLst>
-                                          <p:attrName>ppt_h</p:attrName>
-                                        </p:attrNameLst>
-                                      </p:cBhvr>
-                                      <p:tavLst>
-                                        <p:tav tm="0">
-                                          <p:val>
-                                            <p:fltVal val="0"/>
-                                          </p:val>
-                                        </p:tav>
-                                        <p:tav tm="100000">
-                                          <p:val>
-                                            <p:strVal val="#ppt_h"/>
-                                          </p:val>
-                                        </p:tav>
-                                      </p:tavLst>
-                                    </p:anim>
-                                    <p:animEffect transition="in" filter="fade">
-                                      <p:cBhvr>
-                                        <p:cTn id="64" dur="1000"/>
-                                        <p:tgtEl>
-                                          <p:spTgt spid="28"/>
-                                        </p:tgtEl>
-                                      </p:cBhvr>
-                                    </p:animEffect>
-                                  </p:childTnLst>
-                                </p:cTn>
-                              </p:par>
-                              <p:par>
-                                <p:cTn id="65" presetID="53" presetClass="entr" presetSubtype="16" fill="hold" grpId="0" nodeType="withEffect">
-                                  <p:stCondLst>
-                                    <p:cond delay="0"/>
-                                  </p:stCondLst>
-                                  <p:childTnLst>
-                                    <p:set>
-                                      <p:cBhvr>
-                                        <p:cTn id="66" dur="1" fill="hold">
-                                          <p:stCondLst>
-                                            <p:cond delay="0"/>
-                                          </p:stCondLst>
-                                        </p:cTn>
-                                        <p:tgtEl>
-                                          <p:spTgt spid="29"/>
-                                        </p:tgtEl>
-                                        <p:attrNameLst>
-                                          <p:attrName>style.visibility</p:attrName>
-                                        </p:attrNameLst>
-                                      </p:cBhvr>
-                                      <p:to>
-                                        <p:strVal val="visible"/>
-                                      </p:to>
-                                    </p:set>
-                                    <p:anim calcmode="lin" valueType="num">
-                                      <p:cBhvr>
-                                        <p:cTn id="67" dur="1000" fill="hold"/>
-                                        <p:tgtEl>
-                                          <p:spTgt spid="29"/>
-                                        </p:tgtEl>
-                                        <p:attrNameLst>
-                                          <p:attrName>ppt_w</p:attrName>
-                                        </p:attrNameLst>
-                                      </p:cBhvr>
-                                      <p:tavLst>
-                                        <p:tav tm="0">
-                                          <p:val>
-                                            <p:fltVal val="0"/>
-                                          </p:val>
-                                        </p:tav>
-                                        <p:tav tm="100000">
-                                          <p:val>
-                                            <p:strVal val="#ppt_w"/>
-                                          </p:val>
-                                        </p:tav>
-                                      </p:tavLst>
-                                    </p:anim>
-                                    <p:anim calcmode="lin" valueType="num">
-                                      <p:cBhvr>
-                                        <p:cTn id="68" dur="1000" fill="hold"/>
-                                        <p:tgtEl>
-                                          <p:spTgt spid="29"/>
-                                        </p:tgtEl>
-                                        <p:attrNameLst>
-                                          <p:attrName>ppt_h</p:attrName>
-                                        </p:attrNameLst>
-                                      </p:cBhvr>
-                                      <p:tavLst>
-                                        <p:tav tm="0">
-                                          <p:val>
-                                            <p:fltVal val="0"/>
-                                          </p:val>
-                                        </p:tav>
-                                        <p:tav tm="100000">
-                                          <p:val>
-                                            <p:strVal val="#ppt_h"/>
-                                          </p:val>
-                                        </p:tav>
-                                      </p:tavLst>
-                                    </p:anim>
-                                    <p:animEffect transition="in" filter="fade">
-                                      <p:cBhvr>
-                                        <p:cTn id="69" dur="1000"/>
-                                        <p:tgtEl>
-                                          <p:spTgt spid="29"/>
-                                        </p:tgtEl>
-                                      </p:cBhvr>
-                                    </p:animEffect>
-                                  </p:childTnLst>
-                                </p:cTn>
-                              </p:par>
-                              <p:par>
-                                <p:cTn id="70" presetID="53" presetClass="entr" presetSubtype="16" fill="hold" grpId="0" nodeType="withEffect">
-                                  <p:stCondLst>
-                                    <p:cond delay="200"/>
-                                  </p:stCondLst>
-                                  <p:childTnLst>
-                                    <p:set>
-                                      <p:cBhvr>
-                                        <p:cTn id="71" dur="1" fill="hold">
-                                          <p:stCondLst>
-                                            <p:cond delay="0"/>
-                                          </p:stCondLst>
-                                        </p:cTn>
-                                        <p:tgtEl>
-                                          <p:spTgt spid="42"/>
-                                        </p:tgtEl>
-                                        <p:attrNameLst>
-                                          <p:attrName>style.visibility</p:attrName>
-                                        </p:attrNameLst>
-                                      </p:cBhvr>
-                                      <p:to>
-                                        <p:strVal val="visible"/>
-                                      </p:to>
-                                    </p:set>
-                                    <p:anim calcmode="lin" valueType="num">
-                                      <p:cBhvr>
-                                        <p:cTn id="72" dur="1000" fill="hold"/>
-                                        <p:tgtEl>
-                                          <p:spTgt spid="42"/>
-                                        </p:tgtEl>
-                                        <p:attrNameLst>
-                                          <p:attrName>ppt_w</p:attrName>
-                                        </p:attrNameLst>
-                                      </p:cBhvr>
-                                      <p:tavLst>
-                                        <p:tav tm="0">
-                                          <p:val>
-                                            <p:fltVal val="0"/>
-                                          </p:val>
-                                        </p:tav>
-                                        <p:tav tm="100000">
-                                          <p:val>
-                                            <p:strVal val="#ppt_w"/>
-                                          </p:val>
-                                        </p:tav>
-                                      </p:tavLst>
-                                    </p:anim>
-                                    <p:anim calcmode="lin" valueType="num">
-                                      <p:cBhvr>
-                                        <p:cTn id="73" dur="1000" fill="hold"/>
-                                        <p:tgtEl>
-                                          <p:spTgt spid="42"/>
-                                        </p:tgtEl>
-                                        <p:attrNameLst>
-                                          <p:attrName>ppt_h</p:attrName>
-                                        </p:attrNameLst>
-                                      </p:cBhvr>
-                                      <p:tavLst>
-                                        <p:tav tm="0">
-                                          <p:val>
-                                            <p:fltVal val="0"/>
-                                          </p:val>
-                                        </p:tav>
-                                        <p:tav tm="100000">
-                                          <p:val>
-                                            <p:strVal val="#ppt_h"/>
-                                          </p:val>
-                                        </p:tav>
-                                      </p:tavLst>
-                                    </p:anim>
-                                    <p:animEffect transition="in" filter="fade">
-                                      <p:cBhvr>
-                                        <p:cTn id="74" dur="1000"/>
-                                        <p:tgtEl>
-                                          <p:spTgt spid="42"/>
-                                        </p:tgtEl>
-                                      </p:cBhvr>
-                                    </p:animEffect>
-                                  </p:childTnLst>
-                                </p:cTn>
-                              </p:par>
-                              <p:par>
-                                <p:cTn id="75" presetID="53" presetClass="entr" presetSubtype="16" fill="hold" grpId="0" nodeType="withEffect">
-                                  <p:stCondLst>
-                                    <p:cond delay="200"/>
-                                  </p:stCondLst>
-                                  <p:childTnLst>
-                                    <p:set>
-                                      <p:cBhvr>
-                                        <p:cTn id="76" dur="1" fill="hold">
-                                          <p:stCondLst>
-                                            <p:cond delay="0"/>
-                                          </p:stCondLst>
-                                        </p:cTn>
-                                        <p:tgtEl>
-                                          <p:spTgt spid="43"/>
-                                        </p:tgtEl>
-                                        <p:attrNameLst>
-                                          <p:attrName>style.visibility</p:attrName>
-                                        </p:attrNameLst>
-                                      </p:cBhvr>
-                                      <p:to>
-                                        <p:strVal val="visible"/>
-                                      </p:to>
-                                    </p:set>
-                                    <p:anim calcmode="lin" valueType="num">
-                                      <p:cBhvr>
-                                        <p:cTn id="77" dur="1000" fill="hold"/>
-                                        <p:tgtEl>
-                                          <p:spTgt spid="43"/>
-                                        </p:tgtEl>
-                                        <p:attrNameLst>
-                                          <p:attrName>ppt_w</p:attrName>
-                                        </p:attrNameLst>
-                                      </p:cBhvr>
-                                      <p:tavLst>
-                                        <p:tav tm="0">
-                                          <p:val>
-                                            <p:fltVal val="0"/>
-                                          </p:val>
-                                        </p:tav>
-                                        <p:tav tm="100000">
-                                          <p:val>
-                                            <p:strVal val="#ppt_w"/>
-                                          </p:val>
-                                        </p:tav>
-                                      </p:tavLst>
-                                    </p:anim>
-                                    <p:anim calcmode="lin" valueType="num">
-                                      <p:cBhvr>
-                                        <p:cTn id="78" dur="1000" fill="hold"/>
-                                        <p:tgtEl>
-                                          <p:spTgt spid="43"/>
-                                        </p:tgtEl>
-                                        <p:attrNameLst>
-                                          <p:attrName>ppt_h</p:attrName>
-                                        </p:attrNameLst>
-                                      </p:cBhvr>
-                                      <p:tavLst>
-                                        <p:tav tm="0">
-                                          <p:val>
-                                            <p:fltVal val="0"/>
-                                          </p:val>
-                                        </p:tav>
-                                        <p:tav tm="100000">
-                                          <p:val>
-                                            <p:strVal val="#ppt_h"/>
-                                          </p:val>
-                                        </p:tav>
-                                      </p:tavLst>
-                                    </p:anim>
-                                    <p:animEffect transition="in" filter="fade">
-                                      <p:cBhvr>
-                                        <p:cTn id="79" dur="1000"/>
-                                        <p:tgtEl>
-                                          <p:spTgt spid="43"/>
-                                        </p:tgtEl>
-                                      </p:cBhvr>
-                                    </p:animEffect>
-                                  </p:childTnLst>
-                                </p:cTn>
-                              </p:par>
-                              <p:par>
-                                <p:cTn id="80" presetID="53" presetClass="entr" presetSubtype="16" fill="hold" grpId="0" nodeType="withEffect">
-                                  <p:stCondLst>
-                                    <p:cond delay="300"/>
-                                  </p:stCondLst>
-                                  <p:childTnLst>
-                                    <p:set>
-                                      <p:cBhvr>
-                                        <p:cTn id="81" dur="1" fill="hold">
-                                          <p:stCondLst>
-                                            <p:cond delay="0"/>
-                                          </p:stCondLst>
-                                        </p:cTn>
-                                        <p:tgtEl>
-                                          <p:spTgt spid="44"/>
-                                        </p:tgtEl>
-                                        <p:attrNameLst>
-                                          <p:attrName>style.visibility</p:attrName>
-                                        </p:attrNameLst>
-                                      </p:cBhvr>
-                                      <p:to>
-                                        <p:strVal val="visible"/>
-                                      </p:to>
-                                    </p:set>
-                                    <p:anim calcmode="lin" valueType="num">
-                                      <p:cBhvr>
-                                        <p:cTn id="82" dur="1000" fill="hold"/>
-                                        <p:tgtEl>
-                                          <p:spTgt spid="44"/>
-                                        </p:tgtEl>
-                                        <p:attrNameLst>
-                                          <p:attrName>ppt_w</p:attrName>
-                                        </p:attrNameLst>
-                                      </p:cBhvr>
-                                      <p:tavLst>
-                                        <p:tav tm="0">
-                                          <p:val>
-                                            <p:fltVal val="0"/>
-                                          </p:val>
-                                        </p:tav>
-                                        <p:tav tm="100000">
-                                          <p:val>
-                                            <p:strVal val="#ppt_w"/>
-                                          </p:val>
-                                        </p:tav>
-                                      </p:tavLst>
-                                    </p:anim>
-                                    <p:anim calcmode="lin" valueType="num">
-                                      <p:cBhvr>
-                                        <p:cTn id="83" dur="1000" fill="hold"/>
-                                        <p:tgtEl>
-                                          <p:spTgt spid="44"/>
-                                        </p:tgtEl>
-                                        <p:attrNameLst>
-                                          <p:attrName>ppt_h</p:attrName>
-                                        </p:attrNameLst>
-                                      </p:cBhvr>
-                                      <p:tavLst>
-                                        <p:tav tm="0">
-                                          <p:val>
-                                            <p:fltVal val="0"/>
-                                          </p:val>
-                                        </p:tav>
-                                        <p:tav tm="100000">
-                                          <p:val>
-                                            <p:strVal val="#ppt_h"/>
-                                          </p:val>
-                                        </p:tav>
-                                      </p:tavLst>
-                                    </p:anim>
-                                    <p:animEffect transition="in" filter="fade">
-                                      <p:cBhvr>
-                                        <p:cTn id="84" dur="1000"/>
-                                        <p:tgtEl>
-                                          <p:spTgt spid="44"/>
-                                        </p:tgtEl>
-                                      </p:cBhvr>
-                                    </p:animEffect>
-                                  </p:childTnLst>
-                                </p:cTn>
-                              </p:par>
-                              <p:par>
-                                <p:cTn id="85" presetID="53" presetClass="entr" presetSubtype="16" fill="hold" grpId="0" nodeType="withEffect">
-                                  <p:stCondLst>
-                                    <p:cond delay="100"/>
-                                  </p:stCondLst>
-                                  <p:childTnLst>
-                                    <p:set>
-                                      <p:cBhvr>
-                                        <p:cTn id="86" dur="1" fill="hold">
-                                          <p:stCondLst>
-                                            <p:cond delay="0"/>
-                                          </p:stCondLst>
-                                        </p:cTn>
-                                        <p:tgtEl>
-                                          <p:spTgt spid="45"/>
-                                        </p:tgtEl>
-                                        <p:attrNameLst>
-                                          <p:attrName>style.visibility</p:attrName>
-                                        </p:attrNameLst>
-                                      </p:cBhvr>
-                                      <p:to>
-                                        <p:strVal val="visible"/>
-                                      </p:to>
-                                    </p:set>
-                                    <p:anim calcmode="lin" valueType="num">
-                                      <p:cBhvr>
-                                        <p:cTn id="87" dur="1000" fill="hold"/>
-                                        <p:tgtEl>
-                                          <p:spTgt spid="45"/>
-                                        </p:tgtEl>
-                                        <p:attrNameLst>
-                                          <p:attrName>ppt_w</p:attrName>
-                                        </p:attrNameLst>
-                                      </p:cBhvr>
-                                      <p:tavLst>
-                                        <p:tav tm="0">
-                                          <p:val>
-                                            <p:fltVal val="0"/>
-                                          </p:val>
-                                        </p:tav>
-                                        <p:tav tm="100000">
-                                          <p:val>
-                                            <p:strVal val="#ppt_w"/>
-                                          </p:val>
-                                        </p:tav>
-                                      </p:tavLst>
-                                    </p:anim>
-                                    <p:anim calcmode="lin" valueType="num">
-                                      <p:cBhvr>
-                                        <p:cTn id="88" dur="1000" fill="hold"/>
-                                        <p:tgtEl>
-                                          <p:spTgt spid="45"/>
-                                        </p:tgtEl>
-                                        <p:attrNameLst>
-                                          <p:attrName>ppt_h</p:attrName>
-                                        </p:attrNameLst>
-                                      </p:cBhvr>
-                                      <p:tavLst>
-                                        <p:tav tm="0">
-                                          <p:val>
-                                            <p:fltVal val="0"/>
-                                          </p:val>
-                                        </p:tav>
-                                        <p:tav tm="100000">
-                                          <p:val>
-                                            <p:strVal val="#ppt_h"/>
-                                          </p:val>
-                                        </p:tav>
-                                      </p:tavLst>
-                                    </p:anim>
-                                    <p:animEffect transition="in" filter="fade">
-                                      <p:cBhvr>
-                                        <p:cTn id="89" dur="1000"/>
-                                        <p:tgtEl>
-                                          <p:spTgt spid="45"/>
-                                        </p:tgtEl>
-                                      </p:cBhvr>
-                                    </p:animEffect>
-                                  </p:childTnLst>
-                                </p:cTn>
-                              </p:par>
-                              <p:par>
-                                <p:cTn id="90" presetID="53" presetClass="entr" presetSubtype="16" fill="hold" grpId="0" nodeType="withEffect">
-                                  <p:stCondLst>
-                                    <p:cond delay="200"/>
-                                  </p:stCondLst>
-                                  <p:childTnLst>
-                                    <p:set>
-                                      <p:cBhvr>
-                                        <p:cTn id="91" dur="1" fill="hold">
-                                          <p:stCondLst>
-                                            <p:cond delay="0"/>
-                                          </p:stCondLst>
-                                        </p:cTn>
-                                        <p:tgtEl>
-                                          <p:spTgt spid="46"/>
-                                        </p:tgtEl>
-                                        <p:attrNameLst>
-                                          <p:attrName>style.visibility</p:attrName>
-                                        </p:attrNameLst>
-                                      </p:cBhvr>
-                                      <p:to>
-                                        <p:strVal val="visible"/>
-                                      </p:to>
-                                    </p:set>
-                                    <p:anim calcmode="lin" valueType="num">
-                                      <p:cBhvr>
-                                        <p:cTn id="92" dur="1000" fill="hold"/>
-                                        <p:tgtEl>
-                                          <p:spTgt spid="46"/>
-                                        </p:tgtEl>
-                                        <p:attrNameLst>
-                                          <p:attrName>ppt_w</p:attrName>
-                                        </p:attrNameLst>
-                                      </p:cBhvr>
-                                      <p:tavLst>
-                                        <p:tav tm="0">
-                                          <p:val>
-                                            <p:fltVal val="0"/>
-                                          </p:val>
-                                        </p:tav>
-                                        <p:tav tm="100000">
-                                          <p:val>
-                                            <p:strVal val="#ppt_w"/>
-                                          </p:val>
-                                        </p:tav>
-                                      </p:tavLst>
-                                    </p:anim>
-                                    <p:anim calcmode="lin" valueType="num">
-                                      <p:cBhvr>
-                                        <p:cTn id="93" dur="1000" fill="hold"/>
-                                        <p:tgtEl>
-                                          <p:spTgt spid="46"/>
-                                        </p:tgtEl>
-                                        <p:attrNameLst>
-                                          <p:attrName>ppt_h</p:attrName>
-                                        </p:attrNameLst>
-                                      </p:cBhvr>
-                                      <p:tavLst>
-                                        <p:tav tm="0">
-                                          <p:val>
-                                            <p:fltVal val="0"/>
-                                          </p:val>
-                                        </p:tav>
-                                        <p:tav tm="100000">
-                                          <p:val>
-                                            <p:strVal val="#ppt_h"/>
-                                          </p:val>
-                                        </p:tav>
-                                      </p:tavLst>
-                                    </p:anim>
-                                    <p:animEffect transition="in" filter="fade">
-                                      <p:cBhvr>
-                                        <p:cTn id="94" dur="1000"/>
-                                        <p:tgtEl>
-                                          <p:spTgt spid="46"/>
-                                        </p:tgtEl>
-                                      </p:cBhvr>
-                                    </p:animEffect>
-                                  </p:childTnLst>
-                                </p:cTn>
-                              </p:par>
-                              <p:par>
-                                <p:cTn id="95" presetID="53" presetClass="entr" presetSubtype="16" fill="hold" grpId="0" nodeType="withEffect">
-                                  <p:stCondLst>
-                                    <p:cond delay="0"/>
-                                  </p:stCondLst>
-                                  <p:childTnLst>
-                                    <p:set>
-                                      <p:cBhvr>
-                                        <p:cTn id="96" dur="1" fill="hold">
-                                          <p:stCondLst>
-                                            <p:cond delay="0"/>
-                                          </p:stCondLst>
-                                        </p:cTn>
-                                        <p:tgtEl>
-                                          <p:spTgt spid="47"/>
-                                        </p:tgtEl>
-                                        <p:attrNameLst>
-                                          <p:attrName>style.visibility</p:attrName>
-                                        </p:attrNameLst>
-                                      </p:cBhvr>
-                                      <p:to>
-                                        <p:strVal val="visible"/>
-                                      </p:to>
-                                    </p:set>
-                                    <p:anim calcmode="lin" valueType="num">
-                                      <p:cBhvr>
-                                        <p:cTn id="97" dur="1000" fill="hold"/>
-                                        <p:tgtEl>
-                                          <p:spTgt spid="47"/>
-                                        </p:tgtEl>
-                                        <p:attrNameLst>
-                                          <p:attrName>ppt_w</p:attrName>
-                                        </p:attrNameLst>
-                                      </p:cBhvr>
-                                      <p:tavLst>
-                                        <p:tav tm="0">
-                                          <p:val>
-                                            <p:fltVal val="0"/>
-                                          </p:val>
-                                        </p:tav>
-                                        <p:tav tm="100000">
-                                          <p:val>
-                                            <p:strVal val="#ppt_w"/>
-                                          </p:val>
-                                        </p:tav>
-                                      </p:tavLst>
-                                    </p:anim>
-                                    <p:anim calcmode="lin" valueType="num">
-                                      <p:cBhvr>
-                                        <p:cTn id="98" dur="1000" fill="hold"/>
-                                        <p:tgtEl>
-                                          <p:spTgt spid="47"/>
-                                        </p:tgtEl>
-                                        <p:attrNameLst>
-                                          <p:attrName>ppt_h</p:attrName>
-                                        </p:attrNameLst>
-                                      </p:cBhvr>
-                                      <p:tavLst>
-                                        <p:tav tm="0">
-                                          <p:val>
-                                            <p:fltVal val="0"/>
-                                          </p:val>
-                                        </p:tav>
-                                        <p:tav tm="100000">
-                                          <p:val>
-                                            <p:strVal val="#ppt_h"/>
-                                          </p:val>
-                                        </p:tav>
-                                      </p:tavLst>
-                                    </p:anim>
-                                    <p:animEffect transition="in" filter="fade">
-                                      <p:cBhvr>
-                                        <p:cTn id="99" dur="1000"/>
-                                        <p:tgtEl>
-                                          <p:spTgt spid="47"/>
-                                        </p:tgtEl>
-                                      </p:cBhvr>
-                                    </p:animEffect>
-                                  </p:childTnLst>
-                                </p:cTn>
-                              </p:par>
-                              <p:par>
-                                <p:cTn id="100" presetID="53" presetClass="entr" presetSubtype="16" fill="hold" grpId="0" nodeType="withEffect">
-                                  <p:stCondLst>
-                                    <p:cond delay="300"/>
-                                  </p:stCondLst>
-                                  <p:childTnLst>
-                                    <p:set>
-                                      <p:cBhvr>
-                                        <p:cTn id="101" dur="1" fill="hold">
-                                          <p:stCondLst>
-                                            <p:cond delay="0"/>
-                                          </p:stCondLst>
-                                        </p:cTn>
-                                        <p:tgtEl>
-                                          <p:spTgt spid="48"/>
-                                        </p:tgtEl>
-                                        <p:attrNameLst>
-                                          <p:attrName>style.visibility</p:attrName>
-                                        </p:attrNameLst>
-                                      </p:cBhvr>
-                                      <p:to>
-                                        <p:strVal val="visible"/>
-                                      </p:to>
-                                    </p:set>
-                                    <p:anim calcmode="lin" valueType="num">
-                                      <p:cBhvr>
-                                        <p:cTn id="102" dur="1000" fill="hold"/>
-                                        <p:tgtEl>
-                                          <p:spTgt spid="48"/>
-                                        </p:tgtEl>
-                                        <p:attrNameLst>
-                                          <p:attrName>ppt_w</p:attrName>
-                                        </p:attrNameLst>
-                                      </p:cBhvr>
-                                      <p:tavLst>
-                                        <p:tav tm="0">
-                                          <p:val>
-                                            <p:fltVal val="0"/>
-                                          </p:val>
-                                        </p:tav>
-                                        <p:tav tm="100000">
-                                          <p:val>
-                                            <p:strVal val="#ppt_w"/>
-                                          </p:val>
-                                        </p:tav>
-                                      </p:tavLst>
-                                    </p:anim>
-                                    <p:anim calcmode="lin" valueType="num">
-                                      <p:cBhvr>
-                                        <p:cTn id="103" dur="1000" fill="hold"/>
-                                        <p:tgtEl>
-                                          <p:spTgt spid="48"/>
-                                        </p:tgtEl>
-                                        <p:attrNameLst>
-                                          <p:attrName>ppt_h</p:attrName>
-                                        </p:attrNameLst>
-                                      </p:cBhvr>
-                                      <p:tavLst>
-                                        <p:tav tm="0">
-                                          <p:val>
-                                            <p:fltVal val="0"/>
-                                          </p:val>
-                                        </p:tav>
-                                        <p:tav tm="100000">
-                                          <p:val>
-                                            <p:strVal val="#ppt_h"/>
-                                          </p:val>
-                                        </p:tav>
-                                      </p:tavLst>
-                                    </p:anim>
-                                    <p:animEffect transition="in" filter="fade">
-                                      <p:cBhvr>
-                                        <p:cTn id="104" dur="1000"/>
-                                        <p:tgtEl>
-                                          <p:spTgt spid="48"/>
-                                        </p:tgtEl>
-                                      </p:cBhvr>
-                                    </p:animEffect>
-                                  </p:childTnLst>
-                                </p:cTn>
-                              </p:par>
-                              <p:par>
-                                <p:cTn id="105" presetID="53" presetClass="entr" presetSubtype="16" fill="hold" grpId="0" nodeType="withEffect">
-                                  <p:stCondLst>
-                                    <p:cond delay="100"/>
-                                  </p:stCondLst>
-                                  <p:childTnLst>
-                                    <p:set>
-                                      <p:cBhvr>
-                                        <p:cTn id="106" dur="1" fill="hold">
-                                          <p:stCondLst>
-                                            <p:cond delay="0"/>
-                                          </p:stCondLst>
-                                        </p:cTn>
-                                        <p:tgtEl>
-                                          <p:spTgt spid="49"/>
-                                        </p:tgtEl>
-                                        <p:attrNameLst>
-                                          <p:attrName>style.visibility</p:attrName>
-                                        </p:attrNameLst>
-                                      </p:cBhvr>
-                                      <p:to>
-                                        <p:strVal val="visible"/>
-                                      </p:to>
-                                    </p:set>
-                                    <p:anim calcmode="lin" valueType="num">
-                                      <p:cBhvr>
-                                        <p:cTn id="107" dur="1000" fill="hold"/>
-                                        <p:tgtEl>
-                                          <p:spTgt spid="49"/>
-                                        </p:tgtEl>
-                                        <p:attrNameLst>
-                                          <p:attrName>ppt_w</p:attrName>
-                                        </p:attrNameLst>
-                                      </p:cBhvr>
-                                      <p:tavLst>
-                                        <p:tav tm="0">
-                                          <p:val>
-                                            <p:fltVal val="0"/>
-                                          </p:val>
-                                        </p:tav>
-                                        <p:tav tm="100000">
-                                          <p:val>
-                                            <p:strVal val="#ppt_w"/>
-                                          </p:val>
-                                        </p:tav>
-                                      </p:tavLst>
-                                    </p:anim>
-                                    <p:anim calcmode="lin" valueType="num">
-                                      <p:cBhvr>
-                                        <p:cTn id="108" dur="1000" fill="hold"/>
-                                        <p:tgtEl>
-                                          <p:spTgt spid="49"/>
-                                        </p:tgtEl>
-                                        <p:attrNameLst>
-                                          <p:attrName>ppt_h</p:attrName>
-                                        </p:attrNameLst>
-                                      </p:cBhvr>
-                                      <p:tavLst>
-                                        <p:tav tm="0">
-                                          <p:val>
-                                            <p:fltVal val="0"/>
-                                          </p:val>
-                                        </p:tav>
-                                        <p:tav tm="100000">
-                                          <p:val>
-                                            <p:strVal val="#ppt_h"/>
-                                          </p:val>
-                                        </p:tav>
-                                      </p:tavLst>
-                                    </p:anim>
-                                    <p:animEffect transition="in" filter="fade">
-                                      <p:cBhvr>
-                                        <p:cTn id="109" dur="1000"/>
-                                        <p:tgtEl>
-                                          <p:spTgt spid="49"/>
-                                        </p:tgtEl>
-                                      </p:cBhvr>
-                                    </p:animEffect>
-                                  </p:childTnLst>
-                                </p:cTn>
-                              </p:par>
-                              <p:par>
-                                <p:cTn id="110" presetID="53" presetClass="entr" presetSubtype="16" fill="hold" grpId="0" nodeType="withEffect">
-                                  <p:stCondLst>
-                                    <p:cond delay="0"/>
-                                  </p:stCondLst>
-                                  <p:childTnLst>
-                                    <p:set>
-                                      <p:cBhvr>
-                                        <p:cTn id="111" dur="1" fill="hold">
-                                          <p:stCondLst>
-                                            <p:cond delay="0"/>
-                                          </p:stCondLst>
-                                        </p:cTn>
-                                        <p:tgtEl>
-                                          <p:spTgt spid="50"/>
-                                        </p:tgtEl>
-                                        <p:attrNameLst>
-                                          <p:attrName>style.visibility</p:attrName>
-                                        </p:attrNameLst>
-                                      </p:cBhvr>
-                                      <p:to>
-                                        <p:strVal val="visible"/>
-                                      </p:to>
-                                    </p:set>
-                                    <p:anim calcmode="lin" valueType="num">
-                                      <p:cBhvr>
-                                        <p:cTn id="112" dur="1000" fill="hold"/>
-                                        <p:tgtEl>
-                                          <p:spTgt spid="50"/>
-                                        </p:tgtEl>
-                                        <p:attrNameLst>
-                                          <p:attrName>ppt_w</p:attrName>
-                                        </p:attrNameLst>
-                                      </p:cBhvr>
-                                      <p:tavLst>
-                                        <p:tav tm="0">
-                                          <p:val>
-                                            <p:fltVal val="0"/>
-                                          </p:val>
-                                        </p:tav>
-                                        <p:tav tm="100000">
-                                          <p:val>
-                                            <p:strVal val="#ppt_w"/>
-                                          </p:val>
-                                        </p:tav>
-                                      </p:tavLst>
-                                    </p:anim>
-                                    <p:anim calcmode="lin" valueType="num">
-                                      <p:cBhvr>
-                                        <p:cTn id="113" dur="1000" fill="hold"/>
-                                        <p:tgtEl>
-                                          <p:spTgt spid="50"/>
-                                        </p:tgtEl>
-                                        <p:attrNameLst>
-                                          <p:attrName>ppt_h</p:attrName>
-                                        </p:attrNameLst>
-                                      </p:cBhvr>
-                                      <p:tavLst>
-                                        <p:tav tm="0">
-                                          <p:val>
-                                            <p:fltVal val="0"/>
-                                          </p:val>
-                                        </p:tav>
-                                        <p:tav tm="100000">
-                                          <p:val>
-                                            <p:strVal val="#ppt_h"/>
-                                          </p:val>
-                                        </p:tav>
-                                      </p:tavLst>
-                                    </p:anim>
-                                    <p:animEffect transition="in" filter="fade">
-                                      <p:cBhvr>
-                                        <p:cTn id="114" dur="1000"/>
-                                        <p:tgtEl>
-                                          <p:spTgt spid="50"/>
-                                        </p:tgtEl>
-                                      </p:cBhvr>
-                                    </p:animEffect>
-                                  </p:childTnLst>
-                                </p:cTn>
-                              </p:par>
-                              <p:par>
-                                <p:cTn id="115" presetID="53" presetClass="entr" presetSubtype="16" fill="hold" grpId="0" nodeType="withEffect">
-                                  <p:stCondLst>
-                                    <p:cond delay="200"/>
-                                  </p:stCondLst>
-                                  <p:childTnLst>
-                                    <p:set>
-                                      <p:cBhvr>
-                                        <p:cTn id="116" dur="1" fill="hold">
-                                          <p:stCondLst>
-                                            <p:cond delay="0"/>
-                                          </p:stCondLst>
-                                        </p:cTn>
-                                        <p:tgtEl>
-                                          <p:spTgt spid="51"/>
-                                        </p:tgtEl>
-                                        <p:attrNameLst>
-                                          <p:attrName>style.visibility</p:attrName>
-                                        </p:attrNameLst>
-                                      </p:cBhvr>
-                                      <p:to>
-                                        <p:strVal val="visible"/>
-                                      </p:to>
-                                    </p:set>
-                                    <p:anim calcmode="lin" valueType="num">
-                                      <p:cBhvr>
-                                        <p:cTn id="117" dur="1000" fill="hold"/>
-                                        <p:tgtEl>
-                                          <p:spTgt spid="51"/>
-                                        </p:tgtEl>
-                                        <p:attrNameLst>
-                                          <p:attrName>ppt_w</p:attrName>
-                                        </p:attrNameLst>
-                                      </p:cBhvr>
-                                      <p:tavLst>
-                                        <p:tav tm="0">
-                                          <p:val>
-                                            <p:fltVal val="0"/>
-                                          </p:val>
-                                        </p:tav>
-                                        <p:tav tm="100000">
-                                          <p:val>
-                                            <p:strVal val="#ppt_w"/>
-                                          </p:val>
-                                        </p:tav>
-                                      </p:tavLst>
-                                    </p:anim>
-                                    <p:anim calcmode="lin" valueType="num">
-                                      <p:cBhvr>
-                                        <p:cTn id="118" dur="1000" fill="hold"/>
-                                        <p:tgtEl>
-                                          <p:spTgt spid="51"/>
-                                        </p:tgtEl>
-                                        <p:attrNameLst>
-                                          <p:attrName>ppt_h</p:attrName>
-                                        </p:attrNameLst>
-                                      </p:cBhvr>
-                                      <p:tavLst>
-                                        <p:tav tm="0">
-                                          <p:val>
-                                            <p:fltVal val="0"/>
-                                          </p:val>
-                                        </p:tav>
-                                        <p:tav tm="100000">
-                                          <p:val>
-                                            <p:strVal val="#ppt_h"/>
-                                          </p:val>
-                                        </p:tav>
-                                      </p:tavLst>
-                                    </p:anim>
-                                    <p:animEffect transition="in" filter="fade">
-                                      <p:cBhvr>
-                                        <p:cTn id="119" dur="1000"/>
-                                        <p:tgtEl>
-                                          <p:spTgt spid="51"/>
-                                        </p:tgtEl>
-                                      </p:cBhvr>
-                                    </p:animEffect>
-                                  </p:childTnLst>
-                                </p:cTn>
-                              </p:par>
-                              <p:par>
-                                <p:cTn id="120" presetID="53" presetClass="entr" presetSubtype="16" fill="hold" grpId="0" nodeType="withEffect">
-                                  <p:stCondLst>
-                                    <p:cond delay="100"/>
-                                  </p:stCondLst>
-                                  <p:childTnLst>
-                                    <p:set>
-                                      <p:cBhvr>
-                                        <p:cTn id="121" dur="1" fill="hold">
-                                          <p:stCondLst>
-                                            <p:cond delay="0"/>
-                                          </p:stCondLst>
-                                        </p:cTn>
-                                        <p:tgtEl>
-                                          <p:spTgt spid="52"/>
-                                        </p:tgtEl>
-                                        <p:attrNameLst>
-                                          <p:attrName>style.visibility</p:attrName>
-                                        </p:attrNameLst>
-                                      </p:cBhvr>
-                                      <p:to>
-                                        <p:strVal val="visible"/>
-                                      </p:to>
-                                    </p:set>
-                                    <p:anim calcmode="lin" valueType="num">
-                                      <p:cBhvr>
-                                        <p:cTn id="122" dur="1000" fill="hold"/>
-                                        <p:tgtEl>
-                                          <p:spTgt spid="52"/>
-                                        </p:tgtEl>
-                                        <p:attrNameLst>
-                                          <p:attrName>ppt_w</p:attrName>
-                                        </p:attrNameLst>
-                                      </p:cBhvr>
-                                      <p:tavLst>
-                                        <p:tav tm="0">
-                                          <p:val>
-                                            <p:fltVal val="0"/>
-                                          </p:val>
-                                        </p:tav>
-                                        <p:tav tm="100000">
-                                          <p:val>
-                                            <p:strVal val="#ppt_w"/>
-                                          </p:val>
-                                        </p:tav>
-                                      </p:tavLst>
-                                    </p:anim>
-                                    <p:anim calcmode="lin" valueType="num">
-                                      <p:cBhvr>
-                                        <p:cTn id="123" dur="1000" fill="hold"/>
-                                        <p:tgtEl>
-                                          <p:spTgt spid="52"/>
-                                        </p:tgtEl>
-                                        <p:attrNameLst>
-                                          <p:attrName>ppt_h</p:attrName>
-                                        </p:attrNameLst>
-                                      </p:cBhvr>
-                                      <p:tavLst>
-                                        <p:tav tm="0">
-                                          <p:val>
-                                            <p:fltVal val="0"/>
-                                          </p:val>
-                                        </p:tav>
-                                        <p:tav tm="100000">
-                                          <p:val>
-                                            <p:strVal val="#ppt_h"/>
-                                          </p:val>
-                                        </p:tav>
-                                      </p:tavLst>
-                                    </p:anim>
-                                    <p:animEffect transition="in" filter="fade">
-                                      <p:cBhvr>
-                                        <p:cTn id="124" dur="1000"/>
-                                        <p:tgtEl>
-                                          <p:spTgt spid="52"/>
-                                        </p:tgtEl>
-                                      </p:cBhvr>
-                                    </p:animEffect>
-                                  </p:childTnLst>
-                                </p:cTn>
-                              </p:par>
-                            </p:childTnLst>
-                          </p:cTn>
-                        </p:par>
-                      </p:childTnLst>
-                    </p:cTn>
-                  </p:par>
-                </p:childTnLst>
-              </p:cTn>
-              <p:prevCondLst>
-                <p:cond evt="onPrev" delay="0">
-                  <p:tgtEl>
-                    <p:sldTgt/>
-                  </p:tgtEl>
-                </p:cond>
-              </p:prevCondLst>
-              <p:nextCondLst>
-                <p:cond evt="onNext" delay="0">
-                  <p:tgtEl>
-                    <p:sldTgt/>
-                  </p:tgtEl>
-                </p:cond>
-              </p:nextCondLst>
-            </p:seq>
-          </p:childTnLst>
-        </p:cTn>
+        <p:cTn id="1" dur="indefinite" restart="never" nodeType="tmRoot"/>
       </p:par>
     </p:tnLst>
     <p:bldLst>
@@ -14698,11 +13318,38 @@
 
 <file path=ppt/tags/tag72.xml><?xml version="1.0" encoding="utf-8"?>
 <p:tagLst xmlns:p="http://schemas.openxmlformats.org/presentationml/2006/main">
+  <p:tag name="KSO_WM_SLIDE_ID" val="custom20205081_1"/>
+  <p:tag name="KSO_WM_TEMPLATE_SUBCATEGORY" val="19"/>
+  <p:tag name="KSO_WM_TEMPLATE_MASTER_TYPE" val="0"/>
+  <p:tag name="KSO_WM_TEMPLATE_COLOR_TYPE" val="1"/>
+  <p:tag name="KSO_WM_SLIDE_TYPE" val="title"/>
+  <p:tag name="KSO_WM_SLIDE_SUBTYPE" val="defaultBlank"/>
+  <p:tag name="KSO_WM_SLIDE_ITEM_CNT" val="0"/>
+  <p:tag name="KSO_WM_SLIDE_INDEX" val="1"/>
+  <p:tag name="KSO_WM_TAG_VERSION" val="1.0"/>
+  <p:tag name="KSO_WM_BEAUTIFY_FLAG" val="#wm#"/>
+  <p:tag name="KSO_WM_TEMPLATE_CATEGORY" val="custom"/>
+  <p:tag name="KSO_WM_TEMPLATE_INDEX" val="20205081"/>
+  <p:tag name="KSO_WM_SLIDE_LAYOUT" val="a_b"/>
+  <p:tag name="KSO_WM_SLIDE_LAYOUT_CNT" val="1_1"/>
+  <p:tag name="KSO_WM_UNIT_SHOW_EDIT_AREA_INDICATION" val="1"/>
+  <p:tag name="KSO_WM_TEMPLATE_THUMBS_INDEX" val="1、4、7、12、13、14、15、16、17、18、20、24、25、28、33、36、40、43、44"/>
+</p:tagLst>
+</file>
+
+<file path=ppt/tags/tag73.xml><?xml version="1.0" encoding="utf-8"?>
+<p:tagLst xmlns:p="http://schemas.openxmlformats.org/presentationml/2006/main">
   <p:tag name="KSO_WM_BEAUTIFY_FLAG" val=""/>
 </p:tagLst>
 </file>
 
-<file path=ppt/tags/tag73.xml><?xml version="1.0" encoding="utf-8"?>
+<file path=ppt/tags/tag74.xml><?xml version="1.0" encoding="utf-8"?>
+<p:tagLst xmlns:p="http://schemas.openxmlformats.org/presentationml/2006/main">
+  <p:tag name="KSO_WM_BEAUTIFY_FLAG" val=""/>
+</p:tagLst>
+</file>
+
+<file path=ppt/tags/tag75.xml><?xml version="1.0" encoding="utf-8"?>
 <p:tagLst xmlns:p="http://schemas.openxmlformats.org/presentationml/2006/main">
   <p:tag name="KSO_WM_SLIDE_ID" val="custom20205081_1"/>
   <p:tag name="KSO_WM_TEMPLATE_SUBCATEGORY" val="19"/>
@@ -14723,18 +13370,6 @@
 </p:tagLst>
 </file>
 
-<file path=ppt/tags/tag74.xml><?xml version="1.0" encoding="utf-8"?>
-<p:tagLst xmlns:p="http://schemas.openxmlformats.org/presentationml/2006/main">
-  <p:tag name="KSO_WM_BEAUTIFY_FLAG" val=""/>
-</p:tagLst>
-</file>
-
-<file path=ppt/tags/tag75.xml><?xml version="1.0" encoding="utf-8"?>
-<p:tagLst xmlns:p="http://schemas.openxmlformats.org/presentationml/2006/main">
-  <p:tag name="KSO_WM_BEAUTIFY_FLAG" val=""/>
-</p:tagLst>
-</file>
-
 <file path=ppt/tags/tag76.xml><?xml version="1.0" encoding="utf-8"?>
 <p:tagLst xmlns:p="http://schemas.openxmlformats.org/presentationml/2006/main">
   <p:tag name="KSO_WM_BEAUTIFY_FLAG" val=""/>
@@ -14742,6 +13377,12 @@
 </file>
 
 <file path=ppt/tags/tag77.xml><?xml version="1.0" encoding="utf-8"?>
+<p:tagLst xmlns:p="http://schemas.openxmlformats.org/presentationml/2006/main">
+  <p:tag name="KSO_WM_BEAUTIFY_FLAG" val=""/>
+</p:tagLst>
+</file>
+
+<file path=ppt/tags/tag78.xml><?xml version="1.0" encoding="utf-8"?>
 <p:tagLst xmlns:p="http://schemas.openxmlformats.org/presentationml/2006/main">
   <p:tag name="KSO_WM_SLIDE_ID" val="custom20205081_1"/>
   <p:tag name="KSO_WM_TEMPLATE_SUBCATEGORY" val="19"/>
@@ -14759,12 +13400,6 @@
   <p:tag name="KSO_WM_SLIDE_LAYOUT_CNT" val="1_1"/>
   <p:tag name="KSO_WM_UNIT_SHOW_EDIT_AREA_INDICATION" val="1"/>
   <p:tag name="KSO_WM_TEMPLATE_THUMBS_INDEX" val="1、4、7、12、13、14、15、16、17、18、20、24、25、28、33、36、40、43、44"/>
-</p:tagLst>
-</file>
-
-<file path=ppt/tags/tag78.xml><?xml version="1.0" encoding="utf-8"?>
-<p:tagLst xmlns:p="http://schemas.openxmlformats.org/presentationml/2006/main">
-  <p:tag name="KSO_WM_BEAUTIFY_FLAG" val=""/>
 </p:tagLst>
 </file>
 
@@ -14828,12 +13463,6 @@
 
 <file path=ppt/tags/tag84.xml><?xml version="1.0" encoding="utf-8"?>
 <p:tagLst xmlns:p="http://schemas.openxmlformats.org/presentationml/2006/main">
-  <p:tag name="KSO_WM_BEAUTIFY_FLAG" val=""/>
-</p:tagLst>
-</file>
-
-<file path=ppt/tags/tag85.xml><?xml version="1.0" encoding="utf-8"?>
-<p:tagLst xmlns:p="http://schemas.openxmlformats.org/presentationml/2006/main">
   <p:tag name="KSO_WM_SLIDE_ID" val="custom20205081_1"/>
   <p:tag name="KSO_WM_TEMPLATE_SUBCATEGORY" val="19"/>
   <p:tag name="KSO_WM_TEMPLATE_MASTER_TYPE" val="0"/>
@@ -14853,40 +13482,7 @@
 </p:tagLst>
 </file>
 
-<file path=ppt/tags/tag86.xml><?xml version="1.0" encoding="utf-8"?>
-<p:tagLst xmlns:p="http://schemas.openxmlformats.org/presentationml/2006/main">
-  <p:tag name="KSO_WM_BEAUTIFY_FLAG" val=""/>
-</p:tagLst>
-</file>
-
-<file path=ppt/tags/tag87.xml><?xml version="1.0" encoding="utf-8"?>
-<p:tagLst xmlns:p="http://schemas.openxmlformats.org/presentationml/2006/main">
-  <p:tag name="KSO_WM_BEAUTIFY_FLAG" val=""/>
-</p:tagLst>
-</file>
-
-<file path=ppt/tags/tag88.xml><?xml version="1.0" encoding="utf-8"?>
-<p:tagLst xmlns:p="http://schemas.openxmlformats.org/presentationml/2006/main">
-  <p:tag name="KSO_WM_SLIDE_ID" val="custom20205081_1"/>
-  <p:tag name="KSO_WM_TEMPLATE_SUBCATEGORY" val="19"/>
-  <p:tag name="KSO_WM_TEMPLATE_MASTER_TYPE" val="0"/>
-  <p:tag name="KSO_WM_TEMPLATE_COLOR_TYPE" val="1"/>
-  <p:tag name="KSO_WM_SLIDE_TYPE" val="title"/>
-  <p:tag name="KSO_WM_SLIDE_SUBTYPE" val="defaultBlank"/>
-  <p:tag name="KSO_WM_SLIDE_ITEM_CNT" val="0"/>
-  <p:tag name="KSO_WM_SLIDE_INDEX" val="1"/>
-  <p:tag name="KSO_WM_TAG_VERSION" val="1.0"/>
-  <p:tag name="KSO_WM_BEAUTIFY_FLAG" val="#wm#"/>
-  <p:tag name="KSO_WM_TEMPLATE_CATEGORY" val="custom"/>
-  <p:tag name="KSO_WM_TEMPLATE_INDEX" val="20205081"/>
-  <p:tag name="KSO_WM_SLIDE_LAYOUT" val="a_b"/>
-  <p:tag name="KSO_WM_SLIDE_LAYOUT_CNT" val="1_1"/>
-  <p:tag name="KSO_WM_UNIT_SHOW_EDIT_AREA_INDICATION" val="1"/>
-  <p:tag name="KSO_WM_TEMPLATE_THUMBS_INDEX" val="1、4、7、12、13、14、15、16、17、18、20、24、25、28、33、36、40、43、44"/>
-</p:tagLst>
-</file>
-
-<file path=ppt/tags/tag89.xml><?xml version="1.0" encoding="utf-8"?>
+<file path=ppt/tags/tag85.xml><?xml version="1.0" encoding="utf-8"?>
 <p:tagLst xmlns:p="http://schemas.openxmlformats.org/presentationml/2006/main">
   <p:tag name="COMMONDATA" val="eyJoZGlkIjoiY2NhYWU4ODljMTE5NjFlNDE0MWMzOWY2ZDJjOWUyYTYifQ=="/>
   <p:tag name="KSO_WPP_MARK_KEY" val="5f705d26-d263-4979-a5b8-d57acbb2fc9a"/>

--- a/开题报告演讲PPT.pptx
+++ b/开题报告演讲PPT.pptx
@@ -7753,7 +7753,11 @@
             </a:r>
             <a:r>
               <a:rPr lang="zh-CN" altLang="en-US"/>
-              <a:t>的物流管理及追踪平台，需要完成对物流的可视化追踪，拦截，查找，分布状况，运输路线，物流管理等功能，它涉及到物流的基本信息与物流地理信息等数据的关联和数据分析。可视化技术还需要对接专业的</a:t>
+              <a:t>的物流管理及追踪平台，需要完成对物流的可视化追踪，拦截，查找，</a:t>
+            </a:r>
+            <a:r>
+              <a:rPr lang="zh-CN" altLang="en-US"/>
+              <a:t>物流分布状况，运输路线，物流管理等功能，它涉及到物流的基本信息与物流地理信息等数据的关联和数据分析。可视化技术还需要对接专业的</a:t>
             </a:r>
             <a:r>
               <a:rPr lang="en-US" altLang="zh-CN"/>
@@ -7764,12 +7768,66 @@
               <a:t>地图服务。</a:t>
             </a:r>
             <a:endParaRPr lang="zh-CN" altLang="en-US"/>
+          </a:p>
+        </p:txBody>
+      </p:sp>
+      <p:pic>
+        <p:nvPicPr>
+          <p:cNvPr id="3" name="图片 2" descr="2"/>
+          <p:cNvPicPr>
+            <a:picLocks noChangeAspect="1"/>
+          </p:cNvPicPr>
+          <p:nvPr/>
+        </p:nvPicPr>
+        <p:blipFill>
+          <a:blip r:embed="rId3"/>
+          <a:stretch>
+            <a:fillRect/>
+          </a:stretch>
+        </p:blipFill>
+        <p:spPr>
+          <a:xfrm>
+            <a:off x="2320925" y="3429000"/>
+            <a:ext cx="7429500" cy="2286000"/>
+          </a:xfrm>
+          <a:prstGeom prst="rect">
+            <a:avLst/>
+          </a:prstGeom>
+        </p:spPr>
+      </p:pic>
+      <p:sp>
+        <p:nvSpPr>
+          <p:cNvPr id="4" name="文本框 3"/>
+          <p:cNvSpPr txBox="1"/>
+          <p:nvPr/>
+        </p:nvSpPr>
+        <p:spPr>
+          <a:xfrm>
+            <a:off x="4003675" y="2898140"/>
+            <a:ext cx="4064000" cy="368300"/>
+          </a:xfrm>
+          <a:prstGeom prst="rect">
+            <a:avLst/>
+          </a:prstGeom>
+          <a:noFill/>
+        </p:spPr>
+        <p:txBody>
+          <a:bodyPr wrap="square" rtlCol="0">
+            <a:spAutoFit/>
+          </a:bodyPr>
+          <a:p>
+            <a:pPr algn="ctr"/>
+            <a:r>
+              <a:rPr lang="zh-CN" altLang="en-US" b="1"/>
+              <a:t>系统模块图</a:t>
+            </a:r>
+            <a:endParaRPr lang="zh-CN" altLang="en-US" b="1"/>
           </a:p>
         </p:txBody>
       </p:sp>
     </p:spTree>
     <p:custDataLst>
-      <p:tags r:id="rId3"/>
+      <p:tags r:id="rId4"/>
     </p:custDataLst>
   </p:cSld>
   <p:clrMapOvr>
@@ -13484,7 +13542,7 @@
 
 <file path=ppt/tags/tag85.xml><?xml version="1.0" encoding="utf-8"?>
 <p:tagLst xmlns:p="http://schemas.openxmlformats.org/presentationml/2006/main">
-  <p:tag name="COMMONDATA" val="eyJoZGlkIjoiY2NhYWU4ODljMTE5NjFlNDE0MWMzOWY2ZDJjOWUyYTYifQ=="/>
+  <p:tag name="COMMONDATA" val="eyJoZGlkIjoiZmU4Zjg0N2NlMjlhNWE0OWFlZGNmNDBmMjQ5MjE1ZjMifQ=="/>
   <p:tag name="KSO_WPP_MARK_KEY" val="5f705d26-d263-4979-a5b8-d57acbb2fc9a"/>
 </p:tagLst>
 </file>

--- a/开题报告演讲PPT.pptx
+++ b/开题报告演讲PPT.pptx
@@ -120,7 +120,7 @@
   <p:extLst>
     <p:ext uri="{EFAFB233-063F-42B5-8137-9DF3F51BA10A}">
       <p15:sldGuideLst xmlns:p15="http://schemas.microsoft.com/office/powerpoint/2012/main">
-        <p15:guide id="1" orient="horz" pos="2188" userDrawn="1">
+        <p15:guide id="1" orient="horz" pos="2160" userDrawn="1">
           <p15:clr>
             <a:srgbClr val="A4A3A4"/>
           </p15:clr>
@@ -7854,7 +7854,7 @@
                             </p:stCondLst>
                             <p:childTnLst>
                               <p:par>
-                                <p:cTn id="5" presetID="2" presetClass="entr" presetSubtype="4" fill="hold" nodeType="clickEffect">
+                                <p:cTn id="5" presetID="2" presetClass="entr" presetSubtype="4" fill="hold" grpId="0" nodeType="clickEffect">
                                   <p:stCondLst>
                                     <p:cond delay="0"/>
                                   </p:stCondLst>
@@ -7867,11 +7867,7 @@
                                           </p:stCondLst>
                                         </p:cTn>
                                         <p:tgtEl>
-                                          <p:spTgt spid="5">
-                                            <p:txEl>
-                                              <p:pRg st="0" end="0"/>
-                                            </p:txEl>
-                                          </p:spTgt>
+                                          <p:spTgt spid="5"/>
                                         </p:tgtEl>
                                         <p:attrNameLst>
                                           <p:attrName>style.visibility</p:attrName>
@@ -7885,11 +7881,7 @@
                                       <p:cBhvr additive="base">
                                         <p:cTn id="7" dur="500" fill="hold"/>
                                         <p:tgtEl>
-                                          <p:spTgt spid="5">
-                                            <p:txEl>
-                                              <p:pRg st="0" end="0"/>
-                                            </p:txEl>
-                                          </p:spTgt>
+                                          <p:spTgt spid="5"/>
                                         </p:tgtEl>
                                         <p:attrNameLst>
                                           <p:attrName>ppt_x</p:attrName>
@@ -7912,11 +7904,189 @@
                                       <p:cBhvr additive="base">
                                         <p:cTn id="8" dur="500" fill="hold"/>
                                         <p:tgtEl>
-                                          <p:spTgt spid="5">
-                                            <p:txEl>
-                                              <p:pRg st="0" end="0"/>
-                                            </p:txEl>
-                                          </p:spTgt>
+                                          <p:spTgt spid="5"/>
+                                        </p:tgtEl>
+                                        <p:attrNameLst>
+                                          <p:attrName>ppt_y</p:attrName>
+                                        </p:attrNameLst>
+                                      </p:cBhvr>
+                                      <p:tavLst>
+                                        <p:tav tm="0">
+                                          <p:val>
+                                            <p:strVal val="1+#ppt_h/2"/>
+                                          </p:val>
+                                        </p:tav>
+                                        <p:tav tm="100000">
+                                          <p:val>
+                                            <p:strVal val="#ppt_y"/>
+                                          </p:val>
+                                        </p:tav>
+                                      </p:tavLst>
+                                    </p:anim>
+                                  </p:childTnLst>
+                                </p:cTn>
+                              </p:par>
+                            </p:childTnLst>
+                          </p:cTn>
+                        </p:par>
+                      </p:childTnLst>
+                    </p:cTn>
+                  </p:par>
+                  <p:par>
+                    <p:cTn id="9" fill="hold">
+                      <p:stCondLst>
+                        <p:cond delay="indefinite"/>
+                      </p:stCondLst>
+                      <p:childTnLst>
+                        <p:par>
+                          <p:cTn id="10" fill="hold">
+                            <p:stCondLst>
+                              <p:cond delay="0"/>
+                            </p:stCondLst>
+                            <p:childTnLst>
+                              <p:par>
+                                <p:cTn id="11" presetID="2" presetClass="entr" presetSubtype="4" fill="hold" grpId="0" nodeType="clickEffect">
+                                  <p:stCondLst>
+                                    <p:cond delay="0"/>
+                                  </p:stCondLst>
+                                  <p:childTnLst>
+                                    <p:set>
+                                      <p:cBhvr>
+                                        <p:cTn id="12" dur="1" fill="hold">
+                                          <p:stCondLst>
+                                            <p:cond delay="0"/>
+                                          </p:stCondLst>
+                                        </p:cTn>
+                                        <p:tgtEl>
+                                          <p:spTgt spid="4"/>
+                                        </p:tgtEl>
+                                        <p:attrNameLst>
+                                          <p:attrName>style.visibility</p:attrName>
+                                        </p:attrNameLst>
+                                      </p:cBhvr>
+                                      <p:to>
+                                        <p:strVal val="visible"/>
+                                      </p:to>
+                                    </p:set>
+                                    <p:anim calcmode="lin" valueType="num">
+                                      <p:cBhvr additive="base">
+                                        <p:cTn id="13" dur="500" fill="hold"/>
+                                        <p:tgtEl>
+                                          <p:spTgt spid="4"/>
+                                        </p:tgtEl>
+                                        <p:attrNameLst>
+                                          <p:attrName>ppt_x</p:attrName>
+                                        </p:attrNameLst>
+                                      </p:cBhvr>
+                                      <p:tavLst>
+                                        <p:tav tm="0">
+                                          <p:val>
+                                            <p:strVal val="#ppt_x"/>
+                                          </p:val>
+                                        </p:tav>
+                                        <p:tav tm="100000">
+                                          <p:val>
+                                            <p:strVal val="#ppt_x"/>
+                                          </p:val>
+                                        </p:tav>
+                                      </p:tavLst>
+                                    </p:anim>
+                                    <p:anim calcmode="lin" valueType="num">
+                                      <p:cBhvr additive="base">
+                                        <p:cTn id="14" dur="500" fill="hold"/>
+                                        <p:tgtEl>
+                                          <p:spTgt spid="4"/>
+                                        </p:tgtEl>
+                                        <p:attrNameLst>
+                                          <p:attrName>ppt_y</p:attrName>
+                                        </p:attrNameLst>
+                                      </p:cBhvr>
+                                      <p:tavLst>
+                                        <p:tav tm="0">
+                                          <p:val>
+                                            <p:strVal val="1+#ppt_h/2"/>
+                                          </p:val>
+                                        </p:tav>
+                                        <p:tav tm="100000">
+                                          <p:val>
+                                            <p:strVal val="#ppt_y"/>
+                                          </p:val>
+                                        </p:tav>
+                                      </p:tavLst>
+                                    </p:anim>
+                                  </p:childTnLst>
+                                </p:cTn>
+                              </p:par>
+                            </p:childTnLst>
+                          </p:cTn>
+                        </p:par>
+                      </p:childTnLst>
+                    </p:cTn>
+                  </p:par>
+                  <p:par>
+                    <p:cTn id="15" fill="hold">
+                      <p:stCondLst>
+                        <p:cond delay="indefinite"/>
+                      </p:stCondLst>
+                      <p:childTnLst>
+                        <p:par>
+                          <p:cTn id="16" fill="hold">
+                            <p:stCondLst>
+                              <p:cond delay="0"/>
+                            </p:stCondLst>
+                            <p:childTnLst>
+                              <p:par>
+                                <p:cTn id="17" presetID="2" presetClass="entr" presetSubtype="4" fill="hold" nodeType="clickEffect">
+                                  <p:stCondLst>
+                                    <p:cond delay="0"/>
+                                  </p:stCondLst>
+                                  <p:childTnLst>
+                                    <p:set>
+                                      <p:cBhvr>
+                                        <p:cTn id="18" dur="1" fill="hold">
+                                          <p:stCondLst>
+                                            <p:cond delay="0"/>
+                                          </p:stCondLst>
+                                        </p:cTn>
+                                        <p:tgtEl>
+                                          <p:spTgt spid="3"/>
+                                        </p:tgtEl>
+                                        <p:attrNameLst>
+                                          <p:attrName>style.visibility</p:attrName>
+                                        </p:attrNameLst>
+                                      </p:cBhvr>
+                                      <p:to>
+                                        <p:strVal val="visible"/>
+                                      </p:to>
+                                    </p:set>
+                                    <p:anim calcmode="lin" valueType="num">
+                                      <p:cBhvr additive="base">
+                                        <p:cTn id="19" dur="500" fill="hold"/>
+                                        <p:tgtEl>
+                                          <p:spTgt spid="3"/>
+                                        </p:tgtEl>
+                                        <p:attrNameLst>
+                                          <p:attrName>ppt_x</p:attrName>
+                                        </p:attrNameLst>
+                                      </p:cBhvr>
+                                      <p:tavLst>
+                                        <p:tav tm="0">
+                                          <p:val>
+                                            <p:strVal val="#ppt_x"/>
+                                          </p:val>
+                                        </p:tav>
+                                        <p:tav tm="100000">
+                                          <p:val>
+                                            <p:strVal val="#ppt_x"/>
+                                          </p:val>
+                                        </p:tav>
+                                      </p:tavLst>
+                                    </p:anim>
+                                    <p:anim calcmode="lin" valueType="num">
+                                      <p:cBhvr additive="base">
+                                        <p:cTn id="20" dur="500" fill="hold"/>
+                                        <p:tgtEl>
+                                          <p:spTgt spid="3"/>
                                         </p:tgtEl>
                                         <p:attrNameLst>
                                           <p:attrName>ppt_y</p:attrName>
@@ -7968,6 +8138,8 @@
     <p:bldLst>
       <p:bldP spid="5" grpId="0"/>
       <p:bldP spid="5" grpId="1"/>
+      <p:bldP spid="4" grpId="0"/>
+      <p:bldP spid="4" grpId="1"/>
     </p:bldLst>
   </p:timing>
 </p:sld>
@@ -13542,7 +13714,7 @@
 
 <file path=ppt/tags/tag85.xml><?xml version="1.0" encoding="utf-8"?>
 <p:tagLst xmlns:p="http://schemas.openxmlformats.org/presentationml/2006/main">
-  <p:tag name="COMMONDATA" val="eyJoZGlkIjoiZmU4Zjg0N2NlMjlhNWE0OWFlZGNmNDBmMjQ5MjE1ZjMifQ=="/>
+  <p:tag name="COMMONDATA" val="eyJoZGlkIjoiY2NhYWU4ODljMTE5NjFlNDE0MWMzOWY2ZDJjOWUyYTYifQ=="/>
   <p:tag name="KSO_WPP_MARK_KEY" val="5f705d26-d263-4979-a5b8-d57acbb2fc9a"/>
 </p:tagLst>
 </file>

--- a/开题报告演讲PPT.pptx
+++ b/开题报告演讲PPT.pptx
@@ -4039,7 +4039,7 @@
         <p:spPr>
           <a:xfrm>
             <a:off x="8046720" y="4273550"/>
-            <a:ext cx="6626225" cy="922020"/>
+            <a:ext cx="6626225" cy="1476375"/>
           </a:xfrm>
           <a:prstGeom prst="rect">
             <a:avLst/>
@@ -4232,6 +4232,201 @@
           </a:p>
           <a:p>
             <a:pPr indent="0" algn="l" fontAlgn="auto"/>
+            <a:endParaRPr lang="en-US" altLang="zh-CN">
+              <a:solidFill>
+                <a:schemeClr val="tx1"/>
+              </a:solidFill>
+              <a:effectLst>
+                <a:outerShdw blurRad="38100" dist="19050" dir="2700000" algn="tl" rotWithShape="0">
+                  <a:schemeClr val="dk1">
+                    <a:alpha val="40000"/>
+                  </a:schemeClr>
+                </a:outerShdw>
+              </a:effectLst>
+            </a:endParaRPr>
+          </a:p>
+          <a:p>
+            <a:pPr indent="0" algn="l" fontAlgn="auto"/>
+            <a:r>
+              <a:rPr lang="zh-CN" altLang="en-US">
+                <a:solidFill>
+                  <a:schemeClr val="tx1"/>
+                </a:solidFill>
+                <a:effectLst>
+                  <a:outerShdw blurRad="38100" dist="19050" dir="2700000" algn="tl" rotWithShape="0">
+                    <a:schemeClr val="dk1">
+                      <a:alpha val="40000"/>
+                    </a:schemeClr>
+                  </a:outerShdw>
+                </a:effectLst>
+              </a:rPr>
+              <a:t>指</a:t>
+            </a:r>
+            <a:r>
+              <a:rPr lang="en-US" altLang="zh-CN">
+                <a:solidFill>
+                  <a:schemeClr val="tx1"/>
+                </a:solidFill>
+                <a:effectLst>
+                  <a:outerShdw blurRad="38100" dist="19050" dir="2700000" algn="tl" rotWithShape="0">
+                    <a:schemeClr val="dk1">
+                      <a:alpha val="40000"/>
+                    </a:schemeClr>
+                  </a:outerShdw>
+                </a:effectLst>
+              </a:rPr>
+              <a:t> </a:t>
+            </a:r>
+            <a:r>
+              <a:rPr lang="zh-CN" altLang="en-US">
+                <a:solidFill>
+                  <a:schemeClr val="tx1"/>
+                </a:solidFill>
+                <a:effectLst>
+                  <a:outerShdw blurRad="38100" dist="19050" dir="2700000" algn="tl" rotWithShape="0">
+                    <a:schemeClr val="dk1">
+                      <a:alpha val="40000"/>
+                    </a:schemeClr>
+                  </a:outerShdw>
+                </a:effectLst>
+              </a:rPr>
+              <a:t>导</a:t>
+            </a:r>
+            <a:r>
+              <a:rPr lang="en-US" altLang="zh-CN">
+                <a:solidFill>
+                  <a:schemeClr val="tx1"/>
+                </a:solidFill>
+                <a:effectLst>
+                  <a:outerShdw blurRad="38100" dist="19050" dir="2700000" algn="tl" rotWithShape="0">
+                    <a:schemeClr val="dk1">
+                      <a:alpha val="40000"/>
+                    </a:schemeClr>
+                  </a:outerShdw>
+                </a:effectLst>
+              </a:rPr>
+              <a:t> </a:t>
+            </a:r>
+            <a:r>
+              <a:rPr lang="zh-CN" altLang="en-US">
+                <a:solidFill>
+                  <a:schemeClr val="tx1"/>
+                </a:solidFill>
+                <a:effectLst>
+                  <a:outerShdw blurRad="38100" dist="19050" dir="2700000" algn="tl" rotWithShape="0">
+                    <a:schemeClr val="dk1">
+                      <a:alpha val="40000"/>
+                    </a:schemeClr>
+                  </a:outerShdw>
+                </a:effectLst>
+              </a:rPr>
+              <a:t>老</a:t>
+            </a:r>
+            <a:r>
+              <a:rPr lang="en-US" altLang="zh-CN">
+                <a:solidFill>
+                  <a:schemeClr val="tx1"/>
+                </a:solidFill>
+                <a:effectLst>
+                  <a:outerShdw blurRad="38100" dist="19050" dir="2700000" algn="tl" rotWithShape="0">
+                    <a:schemeClr val="dk1">
+                      <a:alpha val="40000"/>
+                    </a:schemeClr>
+                  </a:outerShdw>
+                </a:effectLst>
+              </a:rPr>
+              <a:t> </a:t>
+            </a:r>
+            <a:r>
+              <a:rPr lang="zh-CN" altLang="en-US">
+                <a:solidFill>
+                  <a:schemeClr val="tx1"/>
+                </a:solidFill>
+                <a:effectLst>
+                  <a:outerShdw blurRad="38100" dist="19050" dir="2700000" algn="tl" rotWithShape="0">
+                    <a:schemeClr val="dk1">
+                      <a:alpha val="40000"/>
+                    </a:schemeClr>
+                  </a:outerShdw>
+                </a:effectLst>
+              </a:rPr>
+              <a:t>师：赵</a:t>
+            </a:r>
+            <a:r>
+              <a:rPr lang="en-US" altLang="zh-CN">
+                <a:solidFill>
+                  <a:schemeClr val="tx1"/>
+                </a:solidFill>
+                <a:effectLst>
+                  <a:outerShdw blurRad="38100" dist="19050" dir="2700000" algn="tl" rotWithShape="0">
+                    <a:schemeClr val="dk1">
+                      <a:alpha val="40000"/>
+                    </a:schemeClr>
+                  </a:outerShdw>
+                </a:effectLst>
+              </a:rPr>
+              <a:t> </a:t>
+            </a:r>
+            <a:r>
+              <a:rPr lang="zh-CN" altLang="en-US">
+                <a:solidFill>
+                  <a:schemeClr val="tx1"/>
+                </a:solidFill>
+                <a:effectLst>
+                  <a:outerShdw blurRad="38100" dist="19050" dir="2700000" algn="tl" rotWithShape="0">
+                    <a:schemeClr val="dk1">
+                      <a:alpha val="40000"/>
+                    </a:schemeClr>
+                  </a:outerShdw>
+                </a:effectLst>
+              </a:rPr>
+              <a:t>景</a:t>
+            </a:r>
+            <a:r>
+              <a:rPr lang="en-US" altLang="zh-CN">
+                <a:solidFill>
+                  <a:schemeClr val="tx1"/>
+                </a:solidFill>
+                <a:effectLst>
+                  <a:outerShdw blurRad="38100" dist="19050" dir="2700000" algn="tl" rotWithShape="0">
+                    <a:schemeClr val="dk1">
+                      <a:alpha val="40000"/>
+                    </a:schemeClr>
+                  </a:outerShdw>
+                </a:effectLst>
+              </a:rPr>
+              <a:t> </a:t>
+            </a:r>
+            <a:r>
+              <a:rPr lang="zh-CN" altLang="en-US">
+                <a:solidFill>
+                  <a:schemeClr val="tx1"/>
+                </a:solidFill>
+                <a:effectLst>
+                  <a:outerShdw blurRad="38100" dist="19050" dir="2700000" algn="tl" rotWithShape="0">
+                    <a:schemeClr val="dk1">
+                      <a:alpha val="40000"/>
+                    </a:schemeClr>
+                  </a:outerShdw>
+                </a:effectLst>
+              </a:rPr>
+              <a:t>海</a:t>
+            </a:r>
+            <a:endParaRPr lang="en-US" altLang="zh-CN">
+              <a:solidFill>
+                <a:schemeClr val="tx1"/>
+              </a:solidFill>
+              <a:effectLst>
+                <a:outerShdw blurRad="38100" dist="19050" dir="2700000" algn="tl" rotWithShape="0">
+                  <a:schemeClr val="dk1">
+                    <a:alpha val="40000"/>
+                  </a:schemeClr>
+                </a:outerShdw>
+              </a:effectLst>
+            </a:endParaRPr>
+          </a:p>
+          <a:p>
+            <a:pPr indent="0" algn="l" fontAlgn="auto"/>
             <a:r>
               <a:rPr lang="en-US" altLang="zh-CN">
                 <a:solidFill>
@@ -4380,7 +4575,7 @@
                   </a:outerShdw>
                 </a:effectLst>
               </a:rPr>
-              <a:t>2023 / 02 / 21</a:t>
+              <a:t>2023 / 02 / 28</a:t>
             </a:r>
             <a:endParaRPr lang="zh-CN" altLang="en-US">
               <a:solidFill>
@@ -7753,11 +7948,31 @@
             </a:r>
             <a:r>
               <a:rPr lang="zh-CN" altLang="en-US"/>
-              <a:t>的物流管理及追踪平台，需要完成对物流的可视化追踪，拦截，查找，</a:t>
+              <a:t>的物流</a:t>
+            </a:r>
+            <a:r>
+              <a:rPr lang="zh-CN" altLang="en-US">
+                <a:sym typeface="+mn-ea"/>
+              </a:rPr>
+              <a:t>追踪</a:t>
             </a:r>
             <a:r>
               <a:rPr lang="zh-CN" altLang="en-US"/>
-              <a:t>物流分布状况，运输路线，物流管理等功能，它涉及到物流的基本信息与物流地理信息等数据的关联和数据分析。可视化技术还需要对接专业的</a:t>
+              <a:t>及</a:t>
+            </a:r>
+            <a:r>
+              <a:rPr lang="zh-CN" altLang="en-US">
+                <a:sym typeface="+mn-ea"/>
+              </a:rPr>
+              <a:t>管理</a:t>
+            </a:r>
+            <a:r>
+              <a:rPr lang="zh-CN" altLang="en-US"/>
+              <a:t>平台，需要完成对物流的可视化追踪，拦截，查找，</a:t>
+            </a:r>
+            <a:r>
+              <a:rPr lang="zh-CN" altLang="en-US"/>
+              <a:t>物流分布状况，运输路线，物流管理等功能，它涉及到物流的基本信息与物流地理信息等数据的关联和数据分析。可视化技术还需要对接</a:t>
             </a:r>
             <a:r>
               <a:rPr lang="en-US" altLang="zh-CN"/>

--- a/开题报告演讲PPT.pptx
+++ b/开题报告演讲PPT.pptx
@@ -5,7 +5,7 @@
     <p:sldMasterId id="2147483648" r:id="rId1"/>
   </p:sldMasterIdLst>
   <p:notesMasterIdLst>
-    <p:notesMasterId r:id="rId11"/>
+    <p:notesMasterId r:id="rId13"/>
   </p:notesMasterIdLst>
   <p:sldIdLst>
     <p:sldId id="256" r:id="rId3"/>
@@ -14,13 +14,15 @@
     <p:sldId id="260" r:id="rId6"/>
     <p:sldId id="261" r:id="rId7"/>
     <p:sldId id="262" r:id="rId8"/>
-    <p:sldId id="263" r:id="rId9"/>
-    <p:sldId id="258" r:id="rId10"/>
+    <p:sldId id="265" r:id="rId9"/>
+    <p:sldId id="263" r:id="rId10"/>
+    <p:sldId id="266" r:id="rId11"/>
+    <p:sldId id="258" r:id="rId12"/>
   </p:sldIdLst>
   <p:sldSz cx="12192000" cy="6858000"/>
   <p:notesSz cx="6858000" cy="9144000"/>
   <p:custDataLst>
-    <p:tags r:id="rId15"/>
+    <p:tags r:id="rId17"/>
   </p:custDataLst>
   <p:defaultTextStyle>
     <a:defPPr>
@@ -125,7 +127,7 @@
             <a:srgbClr val="A4A3A4"/>
           </p15:clr>
         </p15:guide>
-        <p15:guide id="2" pos="3849" userDrawn="1">
+        <p15:guide id="2" pos="3873" userDrawn="1">
           <p15:clr>
             <a:srgbClr val="A4A3A4"/>
           </p15:clr>
@@ -4926,6 +4928,1228 @@
 </p:sld>
 </file>
 
+<file path=ppt/slides/slide10.xml><?xml version="1.0" encoding="utf-8"?>
+<p:sld xmlns:a="http://schemas.openxmlformats.org/drawingml/2006/main" xmlns:r="http://schemas.openxmlformats.org/officeDocument/2006/relationships" xmlns:p="http://schemas.openxmlformats.org/presentationml/2006/main">
+  <p:cSld>
+    <p:spTree>
+      <p:nvGrpSpPr>
+        <p:cNvPr id="1" name=""/>
+        <p:cNvGrpSpPr/>
+        <p:nvPr/>
+      </p:nvGrpSpPr>
+      <p:grpSpPr>
+        <a:xfrm>
+          <a:off x="0" y="0"/>
+          <a:ext cx="0" cy="0"/>
+          <a:chOff x="0" y="0"/>
+          <a:chExt cx="0" cy="0"/>
+        </a:xfrm>
+      </p:grpSpPr>
+      <p:sp>
+        <p:nvSpPr>
+          <p:cNvPr id="53" name="椭圆 52"/>
+          <p:cNvSpPr/>
+          <p:nvPr/>
+        </p:nvSpPr>
+        <p:spPr>
+          <a:xfrm>
+            <a:off x="4227878" y="2021890"/>
+            <a:ext cx="1875489" cy="1875489"/>
+          </a:xfrm>
+          <a:prstGeom prst="ellipse">
+            <a:avLst/>
+          </a:prstGeom>
+          <a:solidFill>
+            <a:srgbClr val="F3C301">
+              <a:alpha val="48000"/>
+            </a:srgbClr>
+          </a:solidFill>
+          <a:ln>
+            <a:noFill/>
+          </a:ln>
+        </p:spPr>
+        <p:style>
+          <a:lnRef idx="2">
+            <a:schemeClr val="accent1">
+              <a:shade val="50000"/>
+            </a:schemeClr>
+          </a:lnRef>
+          <a:fillRef idx="1">
+            <a:schemeClr val="accent1"/>
+          </a:fillRef>
+          <a:effectRef idx="0">
+            <a:schemeClr val="accent1"/>
+          </a:effectRef>
+          <a:fontRef idx="minor">
+            <a:schemeClr val="lt1"/>
+          </a:fontRef>
+        </p:style>
+        <p:txBody>
+          <a:bodyPr rtlCol="0" anchor="ctr"/>
+          <a:lstStyle/>
+          <a:p>
+            <a:pPr algn="ctr"/>
+            <a:endParaRPr lang="zh-CN" altLang="en-US"/>
+          </a:p>
+        </p:txBody>
+      </p:sp>
+      <p:sp>
+        <p:nvSpPr>
+          <p:cNvPr id="16" name="椭圆 15"/>
+          <p:cNvSpPr/>
+          <p:nvPr/>
+        </p:nvSpPr>
+        <p:spPr>
+          <a:xfrm>
+            <a:off x="5838697" y="2326291"/>
+            <a:ext cx="1875489" cy="1875489"/>
+          </a:xfrm>
+          <a:prstGeom prst="ellipse">
+            <a:avLst/>
+          </a:prstGeom>
+          <a:solidFill>
+            <a:srgbClr val="F3C301">
+              <a:alpha val="48000"/>
+            </a:srgbClr>
+          </a:solidFill>
+          <a:ln>
+            <a:noFill/>
+          </a:ln>
+        </p:spPr>
+        <p:style>
+          <a:lnRef idx="2">
+            <a:schemeClr val="accent1">
+              <a:shade val="50000"/>
+            </a:schemeClr>
+          </a:lnRef>
+          <a:fillRef idx="1">
+            <a:schemeClr val="accent1"/>
+          </a:fillRef>
+          <a:effectRef idx="0">
+            <a:schemeClr val="accent1"/>
+          </a:effectRef>
+          <a:fontRef idx="minor">
+            <a:schemeClr val="lt1"/>
+          </a:fontRef>
+        </p:style>
+        <p:txBody>
+          <a:bodyPr rtlCol="0" anchor="ctr"/>
+          <a:lstStyle/>
+          <a:p>
+            <a:pPr algn="ctr"/>
+            <a:endParaRPr lang="zh-CN" altLang="en-US"/>
+          </a:p>
+        </p:txBody>
+      </p:sp>
+      <p:sp>
+        <p:nvSpPr>
+          <p:cNvPr id="17" name="椭圆 16"/>
+          <p:cNvSpPr/>
+          <p:nvPr/>
+        </p:nvSpPr>
+        <p:spPr>
+          <a:xfrm>
+            <a:off x="3144759" y="2235030"/>
+            <a:ext cx="1919912" cy="1919912"/>
+          </a:xfrm>
+          <a:prstGeom prst="ellipse">
+            <a:avLst/>
+          </a:prstGeom>
+          <a:solidFill>
+            <a:srgbClr val="00C3D9">
+              <a:alpha val="48000"/>
+            </a:srgbClr>
+          </a:solidFill>
+          <a:ln>
+            <a:noFill/>
+          </a:ln>
+        </p:spPr>
+        <p:style>
+          <a:lnRef idx="2">
+            <a:schemeClr val="accent1">
+              <a:shade val="50000"/>
+            </a:schemeClr>
+          </a:lnRef>
+          <a:fillRef idx="1">
+            <a:schemeClr val="accent1"/>
+          </a:fillRef>
+          <a:effectRef idx="0">
+            <a:schemeClr val="accent1"/>
+          </a:effectRef>
+          <a:fontRef idx="minor">
+            <a:schemeClr val="lt1"/>
+          </a:fontRef>
+        </p:style>
+        <p:txBody>
+          <a:bodyPr rtlCol="0" anchor="ctr"/>
+          <a:lstStyle/>
+          <a:p>
+            <a:pPr algn="ctr"/>
+            <a:r>
+              <a:rPr lang="zh-CN" altLang="en-US" sz="8800" b="1" dirty="0" smtClean="0">
+                <a:latin typeface="微软雅黑" panose="020B0503020204020204" charset="-122"/>
+                <a:ea typeface="微软雅黑" panose="020B0503020204020204" charset="-122"/>
+              </a:rPr>
+              <a:t>谢</a:t>
+            </a:r>
+            <a:endParaRPr lang="zh-CN" altLang="en-US" sz="8800" b="1" dirty="0">
+              <a:latin typeface="微软雅黑" panose="020B0503020204020204" charset="-122"/>
+              <a:ea typeface="微软雅黑" panose="020B0503020204020204" charset="-122"/>
+            </a:endParaRPr>
+          </a:p>
+        </p:txBody>
+      </p:sp>
+      <p:sp>
+        <p:nvSpPr>
+          <p:cNvPr id="19" name="椭圆 18"/>
+          <p:cNvSpPr/>
+          <p:nvPr/>
+        </p:nvSpPr>
+        <p:spPr>
+          <a:xfrm>
+            <a:off x="4609528" y="1470703"/>
+            <a:ext cx="1919912" cy="1919912"/>
+          </a:xfrm>
+          <a:prstGeom prst="ellipse">
+            <a:avLst/>
+          </a:prstGeom>
+          <a:solidFill>
+            <a:srgbClr val="028985">
+              <a:alpha val="48000"/>
+            </a:srgbClr>
+          </a:solidFill>
+          <a:ln>
+            <a:noFill/>
+          </a:ln>
+        </p:spPr>
+        <p:style>
+          <a:lnRef idx="2">
+            <a:schemeClr val="accent1">
+              <a:shade val="50000"/>
+            </a:schemeClr>
+          </a:lnRef>
+          <a:fillRef idx="1">
+            <a:schemeClr val="accent1"/>
+          </a:fillRef>
+          <a:effectRef idx="0">
+            <a:schemeClr val="accent1"/>
+          </a:effectRef>
+          <a:fontRef idx="minor">
+            <a:schemeClr val="lt1"/>
+          </a:fontRef>
+        </p:style>
+        <p:txBody>
+          <a:bodyPr rtlCol="0" anchor="ctr"/>
+          <a:lstStyle/>
+          <a:p>
+            <a:pPr algn="ctr"/>
+            <a:r>
+              <a:rPr lang="zh-CN" altLang="en-US" sz="8800" b="1" dirty="0" smtClean="0">
+                <a:latin typeface="微软雅黑" panose="020B0503020204020204" charset="-122"/>
+                <a:ea typeface="微软雅黑" panose="020B0503020204020204" charset="-122"/>
+              </a:rPr>
+              <a:t>谢</a:t>
+            </a:r>
+            <a:endParaRPr lang="zh-CN" altLang="en-US" sz="8800" b="1" dirty="0">
+              <a:latin typeface="微软雅黑" panose="020B0503020204020204" charset="-122"/>
+              <a:ea typeface="微软雅黑" panose="020B0503020204020204" charset="-122"/>
+            </a:endParaRPr>
+          </a:p>
+        </p:txBody>
+      </p:sp>
+      <p:sp>
+        <p:nvSpPr>
+          <p:cNvPr id="20" name="椭圆 19"/>
+          <p:cNvSpPr/>
+          <p:nvPr/>
+        </p:nvSpPr>
+        <p:spPr>
+          <a:xfrm>
+            <a:off x="5697137" y="2813727"/>
+            <a:ext cx="1919912" cy="1919912"/>
+          </a:xfrm>
+          <a:prstGeom prst="ellipse">
+            <a:avLst/>
+          </a:prstGeom>
+          <a:solidFill>
+            <a:srgbClr val="E94E60">
+              <a:alpha val="48000"/>
+            </a:srgbClr>
+          </a:solidFill>
+          <a:ln>
+            <a:noFill/>
+          </a:ln>
+        </p:spPr>
+        <p:style>
+          <a:lnRef idx="2">
+            <a:schemeClr val="accent1">
+              <a:shade val="50000"/>
+            </a:schemeClr>
+          </a:lnRef>
+          <a:fillRef idx="1">
+            <a:schemeClr val="accent1"/>
+          </a:fillRef>
+          <a:effectRef idx="0">
+            <a:schemeClr val="accent1"/>
+          </a:effectRef>
+          <a:fontRef idx="minor">
+            <a:schemeClr val="lt1"/>
+          </a:fontRef>
+        </p:style>
+        <p:txBody>
+          <a:bodyPr rtlCol="0" anchor="ctr"/>
+          <a:lstStyle/>
+          <a:p>
+            <a:pPr algn="ctr"/>
+            <a:r>
+              <a:rPr lang="zh-CN" altLang="en-US" sz="8800" b="1" dirty="0" smtClean="0">
+                <a:latin typeface="微软雅黑" panose="020B0503020204020204" charset="-122"/>
+                <a:ea typeface="微软雅黑" panose="020B0503020204020204" charset="-122"/>
+              </a:rPr>
+              <a:t>观</a:t>
+            </a:r>
+            <a:endParaRPr lang="zh-CN" altLang="en-US" sz="8800" b="1" dirty="0">
+              <a:latin typeface="微软雅黑" panose="020B0503020204020204" charset="-122"/>
+              <a:ea typeface="微软雅黑" panose="020B0503020204020204" charset="-122"/>
+            </a:endParaRPr>
+          </a:p>
+        </p:txBody>
+      </p:sp>
+      <p:sp>
+        <p:nvSpPr>
+          <p:cNvPr id="21" name="椭圆 20"/>
+          <p:cNvSpPr/>
+          <p:nvPr/>
+        </p:nvSpPr>
+        <p:spPr>
+          <a:xfrm>
+            <a:off x="7083441" y="1939396"/>
+            <a:ext cx="1919912" cy="1919912"/>
+          </a:xfrm>
+          <a:prstGeom prst="ellipse">
+            <a:avLst/>
+          </a:prstGeom>
+          <a:solidFill>
+            <a:srgbClr val="DE6E00">
+              <a:alpha val="48000"/>
+            </a:srgbClr>
+          </a:solidFill>
+          <a:ln>
+            <a:noFill/>
+          </a:ln>
+        </p:spPr>
+        <p:style>
+          <a:lnRef idx="2">
+            <a:schemeClr val="accent1">
+              <a:shade val="50000"/>
+            </a:schemeClr>
+          </a:lnRef>
+          <a:fillRef idx="1">
+            <a:schemeClr val="accent1"/>
+          </a:fillRef>
+          <a:effectRef idx="0">
+            <a:schemeClr val="accent1"/>
+          </a:effectRef>
+          <a:fontRef idx="minor">
+            <a:schemeClr val="lt1"/>
+          </a:fontRef>
+        </p:style>
+        <p:txBody>
+          <a:bodyPr rtlCol="0" anchor="ctr"/>
+          <a:lstStyle/>
+          <a:p>
+            <a:pPr algn="ctr"/>
+            <a:r>
+              <a:rPr lang="zh-CN" altLang="en-US" sz="8800" b="1" dirty="0" smtClean="0">
+                <a:latin typeface="微软雅黑" panose="020B0503020204020204" charset="-122"/>
+                <a:ea typeface="微软雅黑" panose="020B0503020204020204" charset="-122"/>
+              </a:rPr>
+              <a:t>看</a:t>
+            </a:r>
+            <a:endParaRPr lang="zh-CN" altLang="en-US" sz="8800" b="1" dirty="0">
+              <a:latin typeface="微软雅黑" panose="020B0503020204020204" charset="-122"/>
+              <a:ea typeface="微软雅黑" panose="020B0503020204020204" charset="-122"/>
+            </a:endParaRPr>
+          </a:p>
+        </p:txBody>
+      </p:sp>
+      <p:sp>
+        <p:nvSpPr>
+          <p:cNvPr id="22" name="椭圆 21"/>
+          <p:cNvSpPr/>
+          <p:nvPr/>
+        </p:nvSpPr>
+        <p:spPr>
+          <a:xfrm>
+            <a:off x="7302808" y="1368313"/>
+            <a:ext cx="330367" cy="330367"/>
+          </a:xfrm>
+          <a:prstGeom prst="ellipse">
+            <a:avLst/>
+          </a:prstGeom>
+          <a:solidFill>
+            <a:srgbClr val="4CC7AA"/>
+          </a:solidFill>
+          <a:ln>
+            <a:noFill/>
+          </a:ln>
+        </p:spPr>
+        <p:style>
+          <a:lnRef idx="2">
+            <a:schemeClr val="accent1">
+              <a:shade val="50000"/>
+            </a:schemeClr>
+          </a:lnRef>
+          <a:fillRef idx="1">
+            <a:schemeClr val="accent1"/>
+          </a:fillRef>
+          <a:effectRef idx="0">
+            <a:schemeClr val="accent1"/>
+          </a:effectRef>
+          <a:fontRef idx="minor">
+            <a:schemeClr val="lt1"/>
+          </a:fontRef>
+        </p:style>
+        <p:txBody>
+          <a:bodyPr rtlCol="0" anchor="ctr"/>
+          <a:lstStyle/>
+          <a:p>
+            <a:pPr algn="ctr"/>
+            <a:endParaRPr lang="zh-CN" altLang="en-US"/>
+          </a:p>
+        </p:txBody>
+      </p:sp>
+      <p:sp>
+        <p:nvSpPr>
+          <p:cNvPr id="23" name="椭圆 22"/>
+          <p:cNvSpPr/>
+          <p:nvPr/>
+        </p:nvSpPr>
+        <p:spPr>
+          <a:xfrm>
+            <a:off x="7360118" y="4600046"/>
+            <a:ext cx="546113" cy="546113"/>
+          </a:xfrm>
+          <a:prstGeom prst="ellipse">
+            <a:avLst/>
+          </a:prstGeom>
+          <a:solidFill>
+            <a:srgbClr val="01D48F"/>
+          </a:solidFill>
+          <a:ln>
+            <a:noFill/>
+          </a:ln>
+        </p:spPr>
+        <p:style>
+          <a:lnRef idx="2">
+            <a:schemeClr val="accent1">
+              <a:shade val="50000"/>
+            </a:schemeClr>
+          </a:lnRef>
+          <a:fillRef idx="1">
+            <a:schemeClr val="accent1"/>
+          </a:fillRef>
+          <a:effectRef idx="0">
+            <a:schemeClr val="accent1"/>
+          </a:effectRef>
+          <a:fontRef idx="minor">
+            <a:schemeClr val="lt1"/>
+          </a:fontRef>
+        </p:style>
+        <p:txBody>
+          <a:bodyPr rtlCol="0" anchor="ctr"/>
+          <a:lstStyle/>
+          <a:p>
+            <a:pPr algn="ctr"/>
+            <a:endParaRPr lang="zh-CN" altLang="en-US"/>
+          </a:p>
+        </p:txBody>
+      </p:sp>
+      <p:sp>
+        <p:nvSpPr>
+          <p:cNvPr id="25" name="椭圆 24"/>
+          <p:cNvSpPr/>
+          <p:nvPr/>
+        </p:nvSpPr>
+        <p:spPr>
+          <a:xfrm>
+            <a:off x="3777930" y="1398820"/>
+            <a:ext cx="394083" cy="394083"/>
+          </a:xfrm>
+          <a:prstGeom prst="ellipse">
+            <a:avLst/>
+          </a:prstGeom>
+          <a:solidFill>
+            <a:srgbClr val="E94E60"/>
+          </a:solidFill>
+          <a:ln>
+            <a:noFill/>
+          </a:ln>
+        </p:spPr>
+        <p:style>
+          <a:lnRef idx="2">
+            <a:schemeClr val="accent1">
+              <a:shade val="50000"/>
+            </a:schemeClr>
+          </a:lnRef>
+          <a:fillRef idx="1">
+            <a:schemeClr val="accent1"/>
+          </a:fillRef>
+          <a:effectRef idx="0">
+            <a:schemeClr val="accent1"/>
+          </a:effectRef>
+          <a:fontRef idx="minor">
+            <a:schemeClr val="lt1"/>
+          </a:fontRef>
+        </p:style>
+        <p:txBody>
+          <a:bodyPr rtlCol="0" anchor="ctr"/>
+          <a:lstStyle/>
+          <a:p>
+            <a:pPr algn="ctr"/>
+            <a:endParaRPr lang="zh-CN" altLang="en-US"/>
+          </a:p>
+        </p:txBody>
+      </p:sp>
+      <p:sp>
+        <p:nvSpPr>
+          <p:cNvPr id="26" name="椭圆 25"/>
+          <p:cNvSpPr/>
+          <p:nvPr/>
+        </p:nvSpPr>
+        <p:spPr>
+          <a:xfrm>
+            <a:off x="4848584" y="4524297"/>
+            <a:ext cx="432176" cy="432176"/>
+          </a:xfrm>
+          <a:prstGeom prst="ellipse">
+            <a:avLst/>
+          </a:prstGeom>
+          <a:solidFill>
+            <a:srgbClr val="DE6E00"/>
+          </a:solidFill>
+          <a:ln>
+            <a:noFill/>
+          </a:ln>
+        </p:spPr>
+        <p:style>
+          <a:lnRef idx="2">
+            <a:schemeClr val="accent1">
+              <a:shade val="50000"/>
+            </a:schemeClr>
+          </a:lnRef>
+          <a:fillRef idx="1">
+            <a:schemeClr val="accent1"/>
+          </a:fillRef>
+          <a:effectRef idx="0">
+            <a:schemeClr val="accent1"/>
+          </a:effectRef>
+          <a:fontRef idx="minor">
+            <a:schemeClr val="lt1"/>
+          </a:fontRef>
+        </p:style>
+        <p:txBody>
+          <a:bodyPr rtlCol="0" anchor="ctr"/>
+          <a:lstStyle/>
+          <a:p>
+            <a:pPr algn="ctr"/>
+            <a:endParaRPr lang="zh-CN" altLang="en-US"/>
+          </a:p>
+        </p:txBody>
+      </p:sp>
+      <p:sp>
+        <p:nvSpPr>
+          <p:cNvPr id="27" name="椭圆 26"/>
+          <p:cNvSpPr/>
+          <p:nvPr/>
+        </p:nvSpPr>
+        <p:spPr>
+          <a:xfrm flipH="1">
+            <a:off x="2600370" y="2399897"/>
+            <a:ext cx="228203" cy="228203"/>
+          </a:xfrm>
+          <a:prstGeom prst="ellipse">
+            <a:avLst/>
+          </a:prstGeom>
+          <a:solidFill>
+            <a:srgbClr val="DE6E00"/>
+          </a:solidFill>
+          <a:ln>
+            <a:noFill/>
+          </a:ln>
+        </p:spPr>
+        <p:style>
+          <a:lnRef idx="2">
+            <a:schemeClr val="accent1">
+              <a:shade val="50000"/>
+            </a:schemeClr>
+          </a:lnRef>
+          <a:fillRef idx="1">
+            <a:schemeClr val="accent1"/>
+          </a:fillRef>
+          <a:effectRef idx="0">
+            <a:schemeClr val="accent1"/>
+          </a:effectRef>
+          <a:fontRef idx="minor">
+            <a:schemeClr val="lt1"/>
+          </a:fontRef>
+        </p:style>
+        <p:txBody>
+          <a:bodyPr rtlCol="0" anchor="ctr"/>
+          <a:lstStyle/>
+          <a:p>
+            <a:pPr algn="ctr"/>
+            <a:endParaRPr lang="zh-CN" altLang="en-US"/>
+          </a:p>
+        </p:txBody>
+      </p:sp>
+      <p:sp>
+        <p:nvSpPr>
+          <p:cNvPr id="28" name="椭圆 27"/>
+          <p:cNvSpPr/>
+          <p:nvPr/>
+        </p:nvSpPr>
+        <p:spPr>
+          <a:xfrm flipH="1">
+            <a:off x="2280929" y="1532974"/>
+            <a:ext cx="93215" cy="93215"/>
+          </a:xfrm>
+          <a:prstGeom prst="ellipse">
+            <a:avLst/>
+          </a:prstGeom>
+          <a:solidFill>
+            <a:srgbClr val="028985"/>
+          </a:solidFill>
+          <a:ln>
+            <a:noFill/>
+          </a:ln>
+        </p:spPr>
+        <p:style>
+          <a:lnRef idx="2">
+            <a:schemeClr val="accent1">
+              <a:shade val="50000"/>
+            </a:schemeClr>
+          </a:lnRef>
+          <a:fillRef idx="1">
+            <a:schemeClr val="accent1"/>
+          </a:fillRef>
+          <a:effectRef idx="0">
+            <a:schemeClr val="accent1"/>
+          </a:effectRef>
+          <a:fontRef idx="minor">
+            <a:schemeClr val="lt1"/>
+          </a:fontRef>
+        </p:style>
+        <p:txBody>
+          <a:bodyPr rtlCol="0" anchor="ctr"/>
+          <a:lstStyle/>
+          <a:p>
+            <a:pPr algn="ctr"/>
+            <a:endParaRPr lang="zh-CN" altLang="en-US"/>
+          </a:p>
+        </p:txBody>
+      </p:sp>
+      <p:sp>
+        <p:nvSpPr>
+          <p:cNvPr id="29" name="椭圆 28"/>
+          <p:cNvSpPr/>
+          <p:nvPr/>
+        </p:nvSpPr>
+        <p:spPr>
+          <a:xfrm flipH="1">
+            <a:off x="1753507" y="2285592"/>
+            <a:ext cx="93215" cy="93215"/>
+          </a:xfrm>
+          <a:prstGeom prst="ellipse">
+            <a:avLst/>
+          </a:prstGeom>
+          <a:solidFill>
+            <a:srgbClr val="F3C301"/>
+          </a:solidFill>
+          <a:ln>
+            <a:noFill/>
+          </a:ln>
+        </p:spPr>
+        <p:style>
+          <a:lnRef idx="2">
+            <a:schemeClr val="accent1">
+              <a:shade val="50000"/>
+            </a:schemeClr>
+          </a:lnRef>
+          <a:fillRef idx="1">
+            <a:schemeClr val="accent1"/>
+          </a:fillRef>
+          <a:effectRef idx="0">
+            <a:schemeClr val="accent1"/>
+          </a:effectRef>
+          <a:fontRef idx="minor">
+            <a:schemeClr val="lt1"/>
+          </a:fontRef>
+        </p:style>
+        <p:txBody>
+          <a:bodyPr rtlCol="0" anchor="ctr"/>
+          <a:lstStyle/>
+          <a:p>
+            <a:pPr algn="ctr"/>
+            <a:endParaRPr lang="zh-CN" altLang="en-US"/>
+          </a:p>
+        </p:txBody>
+      </p:sp>
+      <p:sp>
+        <p:nvSpPr>
+          <p:cNvPr id="42" name="椭圆 41"/>
+          <p:cNvSpPr/>
+          <p:nvPr/>
+        </p:nvSpPr>
+        <p:spPr>
+          <a:xfrm>
+            <a:off x="3472322" y="4457367"/>
+            <a:ext cx="394083" cy="394083"/>
+          </a:xfrm>
+          <a:prstGeom prst="ellipse">
+            <a:avLst/>
+          </a:prstGeom>
+          <a:solidFill>
+            <a:srgbClr val="F3C301"/>
+          </a:solidFill>
+          <a:ln>
+            <a:noFill/>
+          </a:ln>
+        </p:spPr>
+        <p:style>
+          <a:lnRef idx="2">
+            <a:schemeClr val="accent1">
+              <a:shade val="50000"/>
+            </a:schemeClr>
+          </a:lnRef>
+          <a:fillRef idx="1">
+            <a:schemeClr val="accent1"/>
+          </a:fillRef>
+          <a:effectRef idx="0">
+            <a:schemeClr val="accent1"/>
+          </a:effectRef>
+          <a:fontRef idx="minor">
+            <a:schemeClr val="lt1"/>
+          </a:fontRef>
+        </p:style>
+        <p:txBody>
+          <a:bodyPr rtlCol="0" anchor="ctr"/>
+          <a:lstStyle/>
+          <a:p>
+            <a:pPr algn="ctr"/>
+            <a:endParaRPr lang="zh-CN" altLang="en-US"/>
+          </a:p>
+        </p:txBody>
+      </p:sp>
+      <p:sp>
+        <p:nvSpPr>
+          <p:cNvPr id="43" name="椭圆 42"/>
+          <p:cNvSpPr/>
+          <p:nvPr/>
+        </p:nvSpPr>
+        <p:spPr>
+          <a:xfrm flipH="1">
+            <a:off x="2452501" y="3798892"/>
+            <a:ext cx="228203" cy="228203"/>
+          </a:xfrm>
+          <a:prstGeom prst="ellipse">
+            <a:avLst/>
+          </a:prstGeom>
+          <a:solidFill>
+            <a:srgbClr val="E94E60"/>
+          </a:solidFill>
+          <a:ln>
+            <a:noFill/>
+          </a:ln>
+        </p:spPr>
+        <p:style>
+          <a:lnRef idx="2">
+            <a:schemeClr val="accent1">
+              <a:shade val="50000"/>
+            </a:schemeClr>
+          </a:lnRef>
+          <a:fillRef idx="1">
+            <a:schemeClr val="accent1"/>
+          </a:fillRef>
+          <a:effectRef idx="0">
+            <a:schemeClr val="accent1"/>
+          </a:effectRef>
+          <a:fontRef idx="minor">
+            <a:schemeClr val="lt1"/>
+          </a:fontRef>
+        </p:style>
+        <p:txBody>
+          <a:bodyPr rtlCol="0" anchor="ctr"/>
+          <a:lstStyle/>
+          <a:p>
+            <a:pPr algn="ctr"/>
+            <a:endParaRPr lang="zh-CN" altLang="en-US"/>
+          </a:p>
+        </p:txBody>
+      </p:sp>
+      <p:sp>
+        <p:nvSpPr>
+          <p:cNvPr id="44" name="椭圆 43"/>
+          <p:cNvSpPr/>
+          <p:nvPr/>
+        </p:nvSpPr>
+        <p:spPr>
+          <a:xfrm flipH="1">
+            <a:off x="1647862" y="3254348"/>
+            <a:ext cx="93215" cy="93215"/>
+          </a:xfrm>
+          <a:prstGeom prst="ellipse">
+            <a:avLst/>
+          </a:prstGeom>
+          <a:solidFill>
+            <a:srgbClr val="01D48F"/>
+          </a:solidFill>
+          <a:ln>
+            <a:noFill/>
+          </a:ln>
+        </p:spPr>
+        <p:style>
+          <a:lnRef idx="2">
+            <a:schemeClr val="accent1">
+              <a:shade val="50000"/>
+            </a:schemeClr>
+          </a:lnRef>
+          <a:fillRef idx="1">
+            <a:schemeClr val="accent1"/>
+          </a:fillRef>
+          <a:effectRef idx="0">
+            <a:schemeClr val="accent1"/>
+          </a:effectRef>
+          <a:fontRef idx="minor">
+            <a:schemeClr val="lt1"/>
+          </a:fontRef>
+        </p:style>
+        <p:txBody>
+          <a:bodyPr rtlCol="0" anchor="ctr"/>
+          <a:lstStyle/>
+          <a:p>
+            <a:pPr algn="ctr"/>
+            <a:endParaRPr lang="zh-CN" altLang="en-US"/>
+          </a:p>
+        </p:txBody>
+      </p:sp>
+      <p:sp>
+        <p:nvSpPr>
+          <p:cNvPr id="45" name="椭圆 44"/>
+          <p:cNvSpPr/>
+          <p:nvPr/>
+        </p:nvSpPr>
+        <p:spPr>
+          <a:xfrm flipH="1">
+            <a:off x="1894657" y="4400316"/>
+            <a:ext cx="93215" cy="93215"/>
+          </a:xfrm>
+          <a:prstGeom prst="ellipse">
+            <a:avLst/>
+          </a:prstGeom>
+          <a:solidFill>
+            <a:srgbClr val="028985"/>
+          </a:solidFill>
+          <a:ln>
+            <a:noFill/>
+          </a:ln>
+        </p:spPr>
+        <p:style>
+          <a:lnRef idx="2">
+            <a:schemeClr val="accent1">
+              <a:shade val="50000"/>
+            </a:schemeClr>
+          </a:lnRef>
+          <a:fillRef idx="1">
+            <a:schemeClr val="accent1"/>
+          </a:fillRef>
+          <a:effectRef idx="0">
+            <a:schemeClr val="accent1"/>
+          </a:effectRef>
+          <a:fontRef idx="minor">
+            <a:schemeClr val="lt1"/>
+          </a:fontRef>
+        </p:style>
+        <p:txBody>
+          <a:bodyPr rtlCol="0" anchor="ctr"/>
+          <a:lstStyle/>
+          <a:p>
+            <a:pPr algn="ctr"/>
+            <a:endParaRPr lang="zh-CN" altLang="en-US"/>
+          </a:p>
+        </p:txBody>
+      </p:sp>
+      <p:sp>
+        <p:nvSpPr>
+          <p:cNvPr id="46" name="椭圆 45"/>
+          <p:cNvSpPr/>
+          <p:nvPr/>
+        </p:nvSpPr>
+        <p:spPr>
+          <a:xfrm flipH="1">
+            <a:off x="9482661" y="2765865"/>
+            <a:ext cx="228203" cy="228203"/>
+          </a:xfrm>
+          <a:prstGeom prst="ellipse">
+            <a:avLst/>
+          </a:prstGeom>
+          <a:solidFill>
+            <a:srgbClr val="F3C301"/>
+          </a:solidFill>
+          <a:ln>
+            <a:noFill/>
+          </a:ln>
+        </p:spPr>
+        <p:style>
+          <a:lnRef idx="2">
+            <a:schemeClr val="accent1">
+              <a:shade val="50000"/>
+            </a:schemeClr>
+          </a:lnRef>
+          <a:fillRef idx="1">
+            <a:schemeClr val="accent1"/>
+          </a:fillRef>
+          <a:effectRef idx="0">
+            <a:schemeClr val="accent1"/>
+          </a:effectRef>
+          <a:fontRef idx="minor">
+            <a:schemeClr val="lt1"/>
+          </a:fontRef>
+        </p:style>
+        <p:txBody>
+          <a:bodyPr rtlCol="0" anchor="ctr"/>
+          <a:lstStyle/>
+          <a:p>
+            <a:pPr algn="ctr"/>
+            <a:endParaRPr lang="zh-CN" altLang="en-US"/>
+          </a:p>
+        </p:txBody>
+      </p:sp>
+      <p:sp>
+        <p:nvSpPr>
+          <p:cNvPr id="47" name="椭圆 46"/>
+          <p:cNvSpPr/>
+          <p:nvPr/>
+        </p:nvSpPr>
+        <p:spPr>
+          <a:xfrm flipH="1">
+            <a:off x="9600184" y="1609493"/>
+            <a:ext cx="93215" cy="93215"/>
+          </a:xfrm>
+          <a:prstGeom prst="ellipse">
+            <a:avLst/>
+          </a:prstGeom>
+          <a:solidFill>
+            <a:srgbClr val="DE6E00"/>
+          </a:solidFill>
+          <a:ln>
+            <a:noFill/>
+          </a:ln>
+        </p:spPr>
+        <p:style>
+          <a:lnRef idx="2">
+            <a:schemeClr val="accent1">
+              <a:shade val="50000"/>
+            </a:schemeClr>
+          </a:lnRef>
+          <a:fillRef idx="1">
+            <a:schemeClr val="accent1"/>
+          </a:fillRef>
+          <a:effectRef idx="0">
+            <a:schemeClr val="accent1"/>
+          </a:effectRef>
+          <a:fontRef idx="minor">
+            <a:schemeClr val="lt1"/>
+          </a:fontRef>
+        </p:style>
+        <p:txBody>
+          <a:bodyPr rtlCol="0" anchor="ctr"/>
+          <a:lstStyle/>
+          <a:p>
+            <a:pPr algn="ctr"/>
+            <a:endParaRPr lang="zh-CN" altLang="en-US"/>
+          </a:p>
+        </p:txBody>
+      </p:sp>
+      <p:sp>
+        <p:nvSpPr>
+          <p:cNvPr id="48" name="椭圆 47"/>
+          <p:cNvSpPr/>
+          <p:nvPr/>
+        </p:nvSpPr>
+        <p:spPr>
+          <a:xfrm flipH="1">
+            <a:off x="10265188" y="2526187"/>
+            <a:ext cx="93215" cy="93215"/>
+          </a:xfrm>
+          <a:prstGeom prst="ellipse">
+            <a:avLst/>
+          </a:prstGeom>
+          <a:solidFill>
+            <a:srgbClr val="028985"/>
+          </a:solidFill>
+          <a:ln>
+            <a:noFill/>
+          </a:ln>
+        </p:spPr>
+        <p:style>
+          <a:lnRef idx="2">
+            <a:schemeClr val="accent1">
+              <a:shade val="50000"/>
+            </a:schemeClr>
+          </a:lnRef>
+          <a:fillRef idx="1">
+            <a:schemeClr val="accent1"/>
+          </a:fillRef>
+          <a:effectRef idx="0">
+            <a:schemeClr val="accent1"/>
+          </a:effectRef>
+          <a:fontRef idx="minor">
+            <a:schemeClr val="lt1"/>
+          </a:fontRef>
+        </p:style>
+        <p:txBody>
+          <a:bodyPr rtlCol="0" anchor="ctr"/>
+          <a:lstStyle/>
+          <a:p>
+            <a:pPr algn="ctr"/>
+            <a:endParaRPr lang="zh-CN" altLang="en-US"/>
+          </a:p>
+        </p:txBody>
+      </p:sp>
+      <p:sp>
+        <p:nvSpPr>
+          <p:cNvPr id="49" name="椭圆 48"/>
+          <p:cNvSpPr/>
+          <p:nvPr/>
+        </p:nvSpPr>
+        <p:spPr>
+          <a:xfrm>
+            <a:off x="8664169" y="4382785"/>
+            <a:ext cx="394083" cy="394083"/>
+          </a:xfrm>
+          <a:prstGeom prst="ellipse">
+            <a:avLst/>
+          </a:prstGeom>
+          <a:solidFill>
+            <a:srgbClr val="E94E60"/>
+          </a:solidFill>
+          <a:ln>
+            <a:noFill/>
+          </a:ln>
+        </p:spPr>
+        <p:style>
+          <a:lnRef idx="2">
+            <a:schemeClr val="accent1">
+              <a:shade val="50000"/>
+            </a:schemeClr>
+          </a:lnRef>
+          <a:fillRef idx="1">
+            <a:schemeClr val="accent1"/>
+          </a:fillRef>
+          <a:effectRef idx="0">
+            <a:schemeClr val="accent1"/>
+          </a:effectRef>
+          <a:fontRef idx="minor">
+            <a:schemeClr val="lt1"/>
+          </a:fontRef>
+        </p:style>
+        <p:txBody>
+          <a:bodyPr rtlCol="0" anchor="ctr"/>
+          <a:lstStyle/>
+          <a:p>
+            <a:pPr algn="ctr"/>
+            <a:endParaRPr lang="zh-CN" altLang="en-US"/>
+          </a:p>
+        </p:txBody>
+      </p:sp>
+      <p:sp>
+        <p:nvSpPr>
+          <p:cNvPr id="50" name="椭圆 49"/>
+          <p:cNvSpPr/>
+          <p:nvPr/>
+        </p:nvSpPr>
+        <p:spPr>
+          <a:xfrm flipH="1">
+            <a:off x="9405130" y="3749035"/>
+            <a:ext cx="228203" cy="228203"/>
+          </a:xfrm>
+          <a:prstGeom prst="ellipse">
+            <a:avLst/>
+          </a:prstGeom>
+          <a:solidFill>
+            <a:srgbClr val="028985"/>
+          </a:solidFill>
+          <a:ln>
+            <a:noFill/>
+          </a:ln>
+        </p:spPr>
+        <p:style>
+          <a:lnRef idx="2">
+            <a:schemeClr val="accent1">
+              <a:shade val="50000"/>
+            </a:schemeClr>
+          </a:lnRef>
+          <a:fillRef idx="1">
+            <a:schemeClr val="accent1"/>
+          </a:fillRef>
+          <a:effectRef idx="0">
+            <a:schemeClr val="accent1"/>
+          </a:effectRef>
+          <a:fontRef idx="minor">
+            <a:schemeClr val="lt1"/>
+          </a:fontRef>
+        </p:style>
+        <p:txBody>
+          <a:bodyPr rtlCol="0" anchor="ctr"/>
+          <a:lstStyle/>
+          <a:p>
+            <a:pPr algn="ctr"/>
+            <a:endParaRPr lang="zh-CN" altLang="en-US"/>
+          </a:p>
+        </p:txBody>
+      </p:sp>
+      <p:sp>
+        <p:nvSpPr>
+          <p:cNvPr id="51" name="椭圆 50"/>
+          <p:cNvSpPr/>
+          <p:nvPr/>
+        </p:nvSpPr>
+        <p:spPr>
+          <a:xfrm flipH="1">
+            <a:off x="10432377" y="3466074"/>
+            <a:ext cx="93215" cy="93215"/>
+          </a:xfrm>
+          <a:prstGeom prst="ellipse">
+            <a:avLst/>
+          </a:prstGeom>
+          <a:solidFill>
+            <a:srgbClr val="E94E60"/>
+          </a:solidFill>
+          <a:ln>
+            <a:noFill/>
+          </a:ln>
+        </p:spPr>
+        <p:style>
+          <a:lnRef idx="2">
+            <a:schemeClr val="accent1">
+              <a:shade val="50000"/>
+            </a:schemeClr>
+          </a:lnRef>
+          <a:fillRef idx="1">
+            <a:schemeClr val="accent1"/>
+          </a:fillRef>
+          <a:effectRef idx="0">
+            <a:schemeClr val="accent1"/>
+          </a:effectRef>
+          <a:fontRef idx="minor">
+            <a:schemeClr val="lt1"/>
+          </a:fontRef>
+        </p:style>
+        <p:txBody>
+          <a:bodyPr rtlCol="0" anchor="ctr"/>
+          <a:lstStyle/>
+          <a:p>
+            <a:pPr algn="ctr"/>
+            <a:endParaRPr lang="zh-CN" altLang="en-US"/>
+          </a:p>
+        </p:txBody>
+      </p:sp>
+      <p:sp>
+        <p:nvSpPr>
+          <p:cNvPr id="52" name="椭圆 51"/>
+          <p:cNvSpPr/>
+          <p:nvPr/>
+        </p:nvSpPr>
+        <p:spPr>
+          <a:xfrm flipH="1">
+            <a:off x="10053547" y="4318768"/>
+            <a:ext cx="128156" cy="128156"/>
+          </a:xfrm>
+          <a:prstGeom prst="ellipse">
+            <a:avLst/>
+          </a:prstGeom>
+          <a:solidFill>
+            <a:srgbClr val="F3C301"/>
+          </a:solidFill>
+          <a:ln>
+            <a:noFill/>
+          </a:ln>
+        </p:spPr>
+        <p:style>
+          <a:lnRef idx="2">
+            <a:schemeClr val="accent1">
+              <a:shade val="50000"/>
+            </a:schemeClr>
+          </a:lnRef>
+          <a:fillRef idx="1">
+            <a:schemeClr val="accent1"/>
+          </a:fillRef>
+          <a:effectRef idx="0">
+            <a:schemeClr val="accent1"/>
+          </a:effectRef>
+          <a:fontRef idx="minor">
+            <a:schemeClr val="lt1"/>
+          </a:fontRef>
+        </p:style>
+        <p:txBody>
+          <a:bodyPr rtlCol="0" anchor="ctr"/>
+          <a:lstStyle/>
+          <a:p>
+            <a:pPr algn="ctr"/>
+            <a:endParaRPr lang="zh-CN" altLang="en-US"/>
+          </a:p>
+        </p:txBody>
+      </p:sp>
+    </p:spTree>
+  </p:cSld>
+  <p:clrMapOvr>
+    <a:masterClrMapping/>
+  </p:clrMapOvr>
+  <mc:AlternateContent xmlns:mc="http://schemas.openxmlformats.org/markup-compatibility/2006">
+    <mc:Choice xmlns:p14="http://schemas.microsoft.com/office/powerpoint/2010/main" Requires="p14">
+      <p:transition p14:dur="0"/>
+    </mc:Choice>
+    <mc:Fallback>
+      <p:transition/>
+    </mc:Fallback>
+  </mc:AlternateContent>
+  <p:timing>
+    <p:tnLst>
+      <p:par>
+        <p:cTn id="1" dur="indefinite" restart="never" nodeType="tmRoot"/>
+      </p:par>
+    </p:tnLst>
+    <p:bldLst>
+      <p:bldP spid="53" grpId="0" bldLvl="0" animBg="1"/>
+      <p:bldP spid="16" grpId="0" bldLvl="0" animBg="1"/>
+      <p:bldP spid="17" grpId="0" bldLvl="0" animBg="1"/>
+      <p:bldP spid="19" grpId="0" bldLvl="0" animBg="1"/>
+      <p:bldP spid="20" grpId="0" bldLvl="0" animBg="1"/>
+      <p:bldP spid="21" grpId="0" bldLvl="0" animBg="1"/>
+      <p:bldP spid="22" grpId="0" bldLvl="0" animBg="1"/>
+      <p:bldP spid="23" grpId="0" bldLvl="0" animBg="1"/>
+      <p:bldP spid="25" grpId="0" bldLvl="0" animBg="1"/>
+      <p:bldP spid="26" grpId="0" bldLvl="0" animBg="1"/>
+      <p:bldP spid="27" grpId="0" bldLvl="0" animBg="1"/>
+      <p:bldP spid="28" grpId="0" bldLvl="0" animBg="1"/>
+      <p:bldP spid="29" grpId="0" bldLvl="0" animBg="1"/>
+      <p:bldP spid="42" grpId="0" bldLvl="0" animBg="1"/>
+      <p:bldP spid="43" grpId="0" bldLvl="0" animBg="1"/>
+      <p:bldP spid="44" grpId="0" bldLvl="0" animBg="1"/>
+      <p:bldP spid="45" grpId="0" bldLvl="0" animBg="1"/>
+      <p:bldP spid="46" grpId="0" bldLvl="0" animBg="1"/>
+      <p:bldP spid="47" grpId="0" bldLvl="0" animBg="1"/>
+      <p:bldP spid="48" grpId="0" bldLvl="0" animBg="1"/>
+      <p:bldP spid="49" grpId="0" bldLvl="0" animBg="1"/>
+      <p:bldP spid="50" grpId="0" bldLvl="0" animBg="1"/>
+      <p:bldP spid="51" grpId="0" bldLvl="0" animBg="1"/>
+      <p:bldP spid="52" grpId="0" bldLvl="0" animBg="1"/>
+    </p:bldLst>
+  </p:timing>
+</p:sld>
+</file>
+
 <file path=ppt/slides/slide2.xml><?xml version="1.0" encoding="utf-8"?>
 <p:sld xmlns:a="http://schemas.openxmlformats.org/drawingml/2006/main" xmlns:r="http://schemas.openxmlformats.org/officeDocument/2006/relationships" xmlns:p="http://schemas.openxmlformats.org/presentationml/2006/main">
   <p:cSld>
@@ -10645,8 +11869,8 @@
         </p:nvSpPr>
         <p:spPr>
           <a:xfrm>
-            <a:off x="622300" y="128270"/>
-            <a:ext cx="4239260" cy="368300"/>
+            <a:off x="621665" y="128270"/>
+            <a:ext cx="4239895" cy="368300"/>
           </a:xfrm>
           <a:prstGeom prst="rect">
             <a:avLst/>
@@ -10671,7 +11895,7 @@
                   </a:outerShdw>
                 </a:effectLst>
               </a:rPr>
-              <a:t>六</a:t>
+              <a:t>五</a:t>
             </a:r>
             <a:r>
               <a:rPr lang="en-US" altLang="zh-CN">
@@ -10701,7 +11925,7 @@
                   </a:outerShdw>
                 </a:effectLst>
               </a:rPr>
-              <a:t>主要技术</a:t>
+              <a:t>研究进度安排</a:t>
             </a:r>
             <a:endParaRPr lang="zh-CN" altLang="en-US">
               <a:solidFill>
@@ -10832,6 +12056,1039 @@
         </p:nvSpPr>
         <p:spPr>
           <a:xfrm>
+            <a:off x="245745" y="843915"/>
+            <a:ext cx="11730355" cy="5504815"/>
+          </a:xfrm>
+          <a:prstGeom prst="rect">
+            <a:avLst/>
+          </a:prstGeom>
+          <a:noFill/>
+        </p:spPr>
+        <p:txBody>
+          <a:bodyPr wrap="square" rtlCol="0">
+            <a:noAutofit/>
+          </a:bodyPr>
+          <a:p>
+            <a:pPr indent="0">
+              <a:buFont typeface="Arial" panose="020B0604020202020204" pitchFamily="34" charset="0"/>
+              <a:buNone/>
+            </a:pPr>
+            <a:endParaRPr lang="zh-CN" altLang="en-US"/>
+          </a:p>
+          <a:p>
+            <a:pPr marL="342900" indent="-342900">
+              <a:buFont typeface="Arial" panose="020B0604020202020204" pitchFamily="34" charset="0"/>
+              <a:buAutoNum type="arabicPeriod"/>
+            </a:pPr>
+            <a:r>
+              <a:rPr lang="zh-CN" altLang="en-US"/>
+              <a:t>2022-12-20之前：下达毕业论文（设计）任务书。</a:t>
+            </a:r>
+            <a:endParaRPr lang="zh-CN" altLang="en-US"/>
+          </a:p>
+          <a:p>
+            <a:pPr marL="342900" indent="-342900">
+              <a:buFont typeface="Arial" panose="020B0604020202020204" pitchFamily="34" charset="0"/>
+              <a:buAutoNum type="arabicPeriod"/>
+            </a:pPr>
+            <a:endParaRPr lang="zh-CN" altLang="en-US"/>
+          </a:p>
+          <a:p>
+            <a:pPr marL="342900" indent="-342900">
+              <a:buFont typeface="Arial" panose="020B0604020202020204" pitchFamily="34" charset="0"/>
+              <a:buAutoNum type="arabicPeriod"/>
+            </a:pPr>
+            <a:r>
+              <a:rPr lang="zh-CN" altLang="en-US">
+                <a:sym typeface="+mn-ea"/>
+              </a:rPr>
+              <a:t>2023-02-28之前：撰写开题报告，进行开题答辩，开题报告定稿。</a:t>
+            </a:r>
+            <a:endParaRPr lang="zh-CN" altLang="en-US">
+              <a:sym typeface="+mn-ea"/>
+            </a:endParaRPr>
+          </a:p>
+          <a:p>
+            <a:pPr marL="342900" indent="-342900">
+              <a:buFont typeface="Arial" panose="020B0604020202020204" pitchFamily="34" charset="0"/>
+              <a:buAutoNum type="arabicPeriod"/>
+            </a:pPr>
+            <a:endParaRPr lang="zh-CN" altLang="en-US"/>
+          </a:p>
+          <a:p>
+            <a:pPr marL="342900" indent="-342900">
+              <a:buFont typeface="Arial" panose="020B0604020202020204" pitchFamily="34" charset="0"/>
+              <a:buAutoNum type="arabicPeriod"/>
+            </a:pPr>
+            <a:r>
+              <a:rPr lang="zh-CN" altLang="en-US">
+                <a:sym typeface="+mn-ea"/>
+              </a:rPr>
+              <a:t>2023-04-28之前：在教师指导下，进行学习、调研、实验、设计等。</a:t>
+            </a:r>
+            <a:endParaRPr lang="zh-CN" altLang="en-US">
+              <a:sym typeface="+mn-ea"/>
+            </a:endParaRPr>
+          </a:p>
+          <a:p>
+            <a:pPr marL="342900" indent="-342900">
+              <a:buFont typeface="Arial" panose="020B0604020202020204" pitchFamily="34" charset="0"/>
+              <a:buAutoNum type="arabicPeriod"/>
+            </a:pPr>
+            <a:endParaRPr lang="zh-CN" altLang="en-US"/>
+          </a:p>
+          <a:p>
+            <a:pPr marL="342900" indent="-342900">
+              <a:buFont typeface="Arial" panose="020B0604020202020204" pitchFamily="34" charset="0"/>
+              <a:buAutoNum type="arabicPeriod"/>
+            </a:pPr>
+            <a:r>
+              <a:rPr lang="zh-CN" altLang="en-US">
+                <a:sym typeface="+mn-ea"/>
+              </a:rPr>
+              <a:t>2023-05-05之前：完成毕业设计初稿，呈指导教师检查。</a:t>
+            </a:r>
+            <a:endParaRPr lang="zh-CN" altLang="en-US">
+              <a:sym typeface="+mn-ea"/>
+            </a:endParaRPr>
+          </a:p>
+          <a:p>
+            <a:pPr marL="342900" indent="-342900">
+              <a:buFont typeface="Arial" panose="020B0604020202020204" pitchFamily="34" charset="0"/>
+              <a:buAutoNum type="arabicPeriod"/>
+            </a:pPr>
+            <a:endParaRPr lang="zh-CN" altLang="en-US"/>
+          </a:p>
+          <a:p>
+            <a:pPr marL="342900" indent="-342900">
+              <a:buFont typeface="Arial" panose="020B0604020202020204" pitchFamily="34" charset="0"/>
+              <a:buAutoNum type="arabicPeriod"/>
+            </a:pPr>
+            <a:r>
+              <a:rPr lang="zh-CN" altLang="en-US">
+                <a:sym typeface="+mn-ea"/>
+              </a:rPr>
+              <a:t>2023-05-10之前：完成毕业设计终稿，呈院（系）检测。</a:t>
+            </a:r>
+            <a:endParaRPr lang="zh-CN" altLang="en-US">
+              <a:sym typeface="+mn-ea"/>
+            </a:endParaRPr>
+          </a:p>
+          <a:p>
+            <a:pPr marL="342900" indent="-342900">
+              <a:buFont typeface="Arial" panose="020B0604020202020204" pitchFamily="34" charset="0"/>
+              <a:buAutoNum type="arabicPeriod"/>
+            </a:pPr>
+            <a:endParaRPr lang="zh-CN" altLang="en-US"/>
+          </a:p>
+          <a:p>
+            <a:pPr marL="342900" indent="-342900">
+              <a:buFont typeface="Arial" panose="020B0604020202020204" pitchFamily="34" charset="0"/>
+              <a:buAutoNum type="arabicPeriod"/>
+            </a:pPr>
+            <a:r>
+              <a:rPr lang="zh-CN" altLang="en-US">
+                <a:sym typeface="+mn-ea"/>
+              </a:rPr>
+              <a:t>2023-05-19之前：完成毕业设计定稿，呈指导教师和评阅教师评阅。</a:t>
+            </a:r>
+            <a:endParaRPr lang="zh-CN" altLang="en-US">
+              <a:sym typeface="+mn-ea"/>
+            </a:endParaRPr>
+          </a:p>
+          <a:p>
+            <a:pPr marL="342900" indent="-342900">
+              <a:buFont typeface="Arial" panose="020B0604020202020204" pitchFamily="34" charset="0"/>
+              <a:buAutoNum type="arabicPeriod"/>
+            </a:pPr>
+            <a:endParaRPr lang="zh-CN" altLang="en-US"/>
+          </a:p>
+          <a:p>
+            <a:pPr marL="342900" indent="-342900">
+              <a:buFont typeface="Arial" panose="020B0604020202020204" pitchFamily="34" charset="0"/>
+              <a:buAutoNum type="arabicPeriod"/>
+            </a:pPr>
+            <a:r>
+              <a:rPr lang="zh-CN" altLang="en-US">
+                <a:sym typeface="+mn-ea"/>
+              </a:rPr>
+              <a:t>2023-05-31之前：毕业设计答辩。</a:t>
+            </a:r>
+            <a:endParaRPr lang="zh-CN" altLang="en-US"/>
+          </a:p>
+          <a:p>
+            <a:pPr marL="342900" indent="-342900">
+              <a:buFont typeface="Arial" panose="020B0604020202020204" pitchFamily="34" charset="0"/>
+              <a:buAutoNum type="arabicPeriod"/>
+            </a:pPr>
+            <a:endParaRPr lang="zh-CN" altLang="en-US"/>
+          </a:p>
+          <a:p>
+            <a:pPr indent="0">
+              <a:buFont typeface="Arial" panose="020B0604020202020204" pitchFamily="34" charset="0"/>
+              <a:buNone/>
+            </a:pPr>
+            <a:endParaRPr lang="en-US" altLang="zh-CN"/>
+          </a:p>
+          <a:p>
+            <a:pPr marL="342900" indent="-342900">
+              <a:buFont typeface="Arial" panose="020B0604020202020204" pitchFamily="34" charset="0"/>
+              <a:buAutoNum type="arabicPeriod"/>
+            </a:pPr>
+            <a:endParaRPr lang="en-US" altLang="zh-CN"/>
+          </a:p>
+        </p:txBody>
+      </p:sp>
+    </p:spTree>
+    <p:custDataLst>
+      <p:tags r:id="rId3"/>
+    </p:custDataLst>
+  </p:cSld>
+  <p:clrMapOvr>
+    <a:masterClrMapping/>
+  </p:clrMapOvr>
+  <p:timing>
+    <p:tnLst>
+      <p:par>
+        <p:cTn id="1" dur="indefinite" restart="never" nodeType="tmRoot">
+          <p:childTnLst>
+            <p:seq concurrent="1" nextAc="seek">
+              <p:cTn id="2" dur="indefinite" nodeType="mainSeq">
+                <p:childTnLst>
+                  <p:par>
+                    <p:cTn id="3" fill="hold">
+                      <p:stCondLst>
+                        <p:cond delay="indefinite"/>
+                      </p:stCondLst>
+                      <p:childTnLst>
+                        <p:par>
+                          <p:cTn id="4" fill="hold">
+                            <p:stCondLst>
+                              <p:cond delay="0"/>
+                            </p:stCondLst>
+                            <p:childTnLst>
+                              <p:par>
+                                <p:cTn id="5" presetID="2" presetClass="entr" presetSubtype="4" fill="hold" nodeType="clickEffect">
+                                  <p:stCondLst>
+                                    <p:cond delay="0"/>
+                                  </p:stCondLst>
+                                  <p:childTnLst>
+                                    <p:set>
+                                      <p:cBhvr>
+                                        <p:cTn id="6" dur="1" fill="hold">
+                                          <p:stCondLst>
+                                            <p:cond delay="0"/>
+                                          </p:stCondLst>
+                                        </p:cTn>
+                                        <p:tgtEl>
+                                          <p:spTgt spid="5">
+                                            <p:txEl>
+                                              <p:pRg st="1" end="1"/>
+                                            </p:txEl>
+                                          </p:spTgt>
+                                        </p:tgtEl>
+                                        <p:attrNameLst>
+                                          <p:attrName>style.visibility</p:attrName>
+                                        </p:attrNameLst>
+                                      </p:cBhvr>
+                                      <p:to>
+                                        <p:strVal val="visible"/>
+                                      </p:to>
+                                    </p:set>
+                                    <p:anim calcmode="lin" valueType="num">
+                                      <p:cBhvr additive="base">
+                                        <p:cTn id="7" dur="500" fill="hold"/>
+                                        <p:tgtEl>
+                                          <p:spTgt spid="5">
+                                            <p:txEl>
+                                              <p:pRg st="1" end="1"/>
+                                            </p:txEl>
+                                          </p:spTgt>
+                                        </p:tgtEl>
+                                        <p:attrNameLst>
+                                          <p:attrName>ppt_x</p:attrName>
+                                        </p:attrNameLst>
+                                      </p:cBhvr>
+                                      <p:tavLst>
+                                        <p:tav tm="0">
+                                          <p:val>
+                                            <p:strVal val="#ppt_x"/>
+                                          </p:val>
+                                        </p:tav>
+                                        <p:tav tm="100000">
+                                          <p:val>
+                                            <p:strVal val="#ppt_x"/>
+                                          </p:val>
+                                        </p:tav>
+                                      </p:tavLst>
+                                    </p:anim>
+                                    <p:anim calcmode="lin" valueType="num">
+                                      <p:cBhvr additive="base">
+                                        <p:cTn id="8" dur="500" fill="hold"/>
+                                        <p:tgtEl>
+                                          <p:spTgt spid="5">
+                                            <p:txEl>
+                                              <p:pRg st="1" end="1"/>
+                                            </p:txEl>
+                                          </p:spTgt>
+                                        </p:tgtEl>
+                                        <p:attrNameLst>
+                                          <p:attrName>ppt_y</p:attrName>
+                                        </p:attrNameLst>
+                                      </p:cBhvr>
+                                      <p:tavLst>
+                                        <p:tav tm="0">
+                                          <p:val>
+                                            <p:strVal val="1+#ppt_h/2"/>
+                                          </p:val>
+                                        </p:tav>
+                                        <p:tav tm="100000">
+                                          <p:val>
+                                            <p:strVal val="#ppt_y"/>
+                                          </p:val>
+                                        </p:tav>
+                                      </p:tavLst>
+                                    </p:anim>
+                                  </p:childTnLst>
+                                </p:cTn>
+                              </p:par>
+                              <p:par>
+                                <p:cTn id="9" presetID="2" presetClass="entr" presetSubtype="4" fill="hold" nodeType="withEffect">
+                                  <p:stCondLst>
+                                    <p:cond delay="0"/>
+                                  </p:stCondLst>
+                                  <p:childTnLst>
+                                    <p:set>
+                                      <p:cBhvr>
+                                        <p:cTn id="10" dur="1" fill="hold">
+                                          <p:stCondLst>
+                                            <p:cond delay="0"/>
+                                          </p:stCondLst>
+                                        </p:cTn>
+                                        <p:tgtEl>
+                                          <p:spTgt spid="5">
+                                            <p:txEl>
+                                              <p:pRg st="3" end="3"/>
+                                            </p:txEl>
+                                          </p:spTgt>
+                                        </p:tgtEl>
+                                        <p:attrNameLst>
+                                          <p:attrName>style.visibility</p:attrName>
+                                        </p:attrNameLst>
+                                      </p:cBhvr>
+                                      <p:to>
+                                        <p:strVal val="visible"/>
+                                      </p:to>
+                                    </p:set>
+                                    <p:anim calcmode="lin" valueType="num">
+                                      <p:cBhvr additive="base">
+                                        <p:cTn id="11" dur="500" fill="hold"/>
+                                        <p:tgtEl>
+                                          <p:spTgt spid="5">
+                                            <p:txEl>
+                                              <p:pRg st="3" end="3"/>
+                                            </p:txEl>
+                                          </p:spTgt>
+                                        </p:tgtEl>
+                                        <p:attrNameLst>
+                                          <p:attrName>ppt_x</p:attrName>
+                                        </p:attrNameLst>
+                                      </p:cBhvr>
+                                      <p:tavLst>
+                                        <p:tav tm="0">
+                                          <p:val>
+                                            <p:strVal val="#ppt_x"/>
+                                          </p:val>
+                                        </p:tav>
+                                        <p:tav tm="100000">
+                                          <p:val>
+                                            <p:strVal val="#ppt_x"/>
+                                          </p:val>
+                                        </p:tav>
+                                      </p:tavLst>
+                                    </p:anim>
+                                    <p:anim calcmode="lin" valueType="num">
+                                      <p:cBhvr additive="base">
+                                        <p:cTn id="12" dur="500" fill="hold"/>
+                                        <p:tgtEl>
+                                          <p:spTgt spid="5">
+                                            <p:txEl>
+                                              <p:pRg st="3" end="3"/>
+                                            </p:txEl>
+                                          </p:spTgt>
+                                        </p:tgtEl>
+                                        <p:attrNameLst>
+                                          <p:attrName>ppt_y</p:attrName>
+                                        </p:attrNameLst>
+                                      </p:cBhvr>
+                                      <p:tavLst>
+                                        <p:tav tm="0">
+                                          <p:val>
+                                            <p:strVal val="1+#ppt_h/2"/>
+                                          </p:val>
+                                        </p:tav>
+                                        <p:tav tm="100000">
+                                          <p:val>
+                                            <p:strVal val="#ppt_y"/>
+                                          </p:val>
+                                        </p:tav>
+                                      </p:tavLst>
+                                    </p:anim>
+                                  </p:childTnLst>
+                                </p:cTn>
+                              </p:par>
+                              <p:par>
+                                <p:cTn id="13" presetID="2" presetClass="entr" presetSubtype="4" fill="hold" nodeType="withEffect">
+                                  <p:stCondLst>
+                                    <p:cond delay="0"/>
+                                  </p:stCondLst>
+                                  <p:childTnLst>
+                                    <p:set>
+                                      <p:cBhvr>
+                                        <p:cTn id="14" dur="1" fill="hold">
+                                          <p:stCondLst>
+                                            <p:cond delay="0"/>
+                                          </p:stCondLst>
+                                        </p:cTn>
+                                        <p:tgtEl>
+                                          <p:spTgt spid="5">
+                                            <p:txEl>
+                                              <p:pRg st="5" end="5"/>
+                                            </p:txEl>
+                                          </p:spTgt>
+                                        </p:tgtEl>
+                                        <p:attrNameLst>
+                                          <p:attrName>style.visibility</p:attrName>
+                                        </p:attrNameLst>
+                                      </p:cBhvr>
+                                      <p:to>
+                                        <p:strVal val="visible"/>
+                                      </p:to>
+                                    </p:set>
+                                    <p:anim calcmode="lin" valueType="num">
+                                      <p:cBhvr additive="base">
+                                        <p:cTn id="15" dur="500" fill="hold"/>
+                                        <p:tgtEl>
+                                          <p:spTgt spid="5">
+                                            <p:txEl>
+                                              <p:pRg st="5" end="5"/>
+                                            </p:txEl>
+                                          </p:spTgt>
+                                        </p:tgtEl>
+                                        <p:attrNameLst>
+                                          <p:attrName>ppt_x</p:attrName>
+                                        </p:attrNameLst>
+                                      </p:cBhvr>
+                                      <p:tavLst>
+                                        <p:tav tm="0">
+                                          <p:val>
+                                            <p:strVal val="#ppt_x"/>
+                                          </p:val>
+                                        </p:tav>
+                                        <p:tav tm="100000">
+                                          <p:val>
+                                            <p:strVal val="#ppt_x"/>
+                                          </p:val>
+                                        </p:tav>
+                                      </p:tavLst>
+                                    </p:anim>
+                                    <p:anim calcmode="lin" valueType="num">
+                                      <p:cBhvr additive="base">
+                                        <p:cTn id="16" dur="500" fill="hold"/>
+                                        <p:tgtEl>
+                                          <p:spTgt spid="5">
+                                            <p:txEl>
+                                              <p:pRg st="5" end="5"/>
+                                            </p:txEl>
+                                          </p:spTgt>
+                                        </p:tgtEl>
+                                        <p:attrNameLst>
+                                          <p:attrName>ppt_y</p:attrName>
+                                        </p:attrNameLst>
+                                      </p:cBhvr>
+                                      <p:tavLst>
+                                        <p:tav tm="0">
+                                          <p:val>
+                                            <p:strVal val="1+#ppt_h/2"/>
+                                          </p:val>
+                                        </p:tav>
+                                        <p:tav tm="100000">
+                                          <p:val>
+                                            <p:strVal val="#ppt_y"/>
+                                          </p:val>
+                                        </p:tav>
+                                      </p:tavLst>
+                                    </p:anim>
+                                  </p:childTnLst>
+                                </p:cTn>
+                              </p:par>
+                              <p:par>
+                                <p:cTn id="17" presetID="2" presetClass="entr" presetSubtype="4" fill="hold" nodeType="withEffect">
+                                  <p:stCondLst>
+                                    <p:cond delay="0"/>
+                                  </p:stCondLst>
+                                  <p:childTnLst>
+                                    <p:set>
+                                      <p:cBhvr>
+                                        <p:cTn id="18" dur="1" fill="hold">
+                                          <p:stCondLst>
+                                            <p:cond delay="0"/>
+                                          </p:stCondLst>
+                                        </p:cTn>
+                                        <p:tgtEl>
+                                          <p:spTgt spid="5">
+                                            <p:txEl>
+                                              <p:pRg st="7" end="7"/>
+                                            </p:txEl>
+                                          </p:spTgt>
+                                        </p:tgtEl>
+                                        <p:attrNameLst>
+                                          <p:attrName>style.visibility</p:attrName>
+                                        </p:attrNameLst>
+                                      </p:cBhvr>
+                                      <p:to>
+                                        <p:strVal val="visible"/>
+                                      </p:to>
+                                    </p:set>
+                                    <p:anim calcmode="lin" valueType="num">
+                                      <p:cBhvr additive="base">
+                                        <p:cTn id="19" dur="500" fill="hold"/>
+                                        <p:tgtEl>
+                                          <p:spTgt spid="5">
+                                            <p:txEl>
+                                              <p:pRg st="7" end="7"/>
+                                            </p:txEl>
+                                          </p:spTgt>
+                                        </p:tgtEl>
+                                        <p:attrNameLst>
+                                          <p:attrName>ppt_x</p:attrName>
+                                        </p:attrNameLst>
+                                      </p:cBhvr>
+                                      <p:tavLst>
+                                        <p:tav tm="0">
+                                          <p:val>
+                                            <p:strVal val="#ppt_x"/>
+                                          </p:val>
+                                        </p:tav>
+                                        <p:tav tm="100000">
+                                          <p:val>
+                                            <p:strVal val="#ppt_x"/>
+                                          </p:val>
+                                        </p:tav>
+                                      </p:tavLst>
+                                    </p:anim>
+                                    <p:anim calcmode="lin" valueType="num">
+                                      <p:cBhvr additive="base">
+                                        <p:cTn id="20" dur="500" fill="hold"/>
+                                        <p:tgtEl>
+                                          <p:spTgt spid="5">
+                                            <p:txEl>
+                                              <p:pRg st="7" end="7"/>
+                                            </p:txEl>
+                                          </p:spTgt>
+                                        </p:tgtEl>
+                                        <p:attrNameLst>
+                                          <p:attrName>ppt_y</p:attrName>
+                                        </p:attrNameLst>
+                                      </p:cBhvr>
+                                      <p:tavLst>
+                                        <p:tav tm="0">
+                                          <p:val>
+                                            <p:strVal val="1+#ppt_h/2"/>
+                                          </p:val>
+                                        </p:tav>
+                                        <p:tav tm="100000">
+                                          <p:val>
+                                            <p:strVal val="#ppt_y"/>
+                                          </p:val>
+                                        </p:tav>
+                                      </p:tavLst>
+                                    </p:anim>
+                                  </p:childTnLst>
+                                </p:cTn>
+                              </p:par>
+                              <p:par>
+                                <p:cTn id="21" presetID="2" presetClass="entr" presetSubtype="4" fill="hold" nodeType="withEffect">
+                                  <p:stCondLst>
+                                    <p:cond delay="0"/>
+                                  </p:stCondLst>
+                                  <p:childTnLst>
+                                    <p:set>
+                                      <p:cBhvr>
+                                        <p:cTn id="22" dur="1" fill="hold">
+                                          <p:stCondLst>
+                                            <p:cond delay="0"/>
+                                          </p:stCondLst>
+                                        </p:cTn>
+                                        <p:tgtEl>
+                                          <p:spTgt spid="5">
+                                            <p:txEl>
+                                              <p:pRg st="9" end="9"/>
+                                            </p:txEl>
+                                          </p:spTgt>
+                                        </p:tgtEl>
+                                        <p:attrNameLst>
+                                          <p:attrName>style.visibility</p:attrName>
+                                        </p:attrNameLst>
+                                      </p:cBhvr>
+                                      <p:to>
+                                        <p:strVal val="visible"/>
+                                      </p:to>
+                                    </p:set>
+                                    <p:anim calcmode="lin" valueType="num">
+                                      <p:cBhvr additive="base">
+                                        <p:cTn id="23" dur="500" fill="hold"/>
+                                        <p:tgtEl>
+                                          <p:spTgt spid="5">
+                                            <p:txEl>
+                                              <p:pRg st="9" end="9"/>
+                                            </p:txEl>
+                                          </p:spTgt>
+                                        </p:tgtEl>
+                                        <p:attrNameLst>
+                                          <p:attrName>ppt_x</p:attrName>
+                                        </p:attrNameLst>
+                                      </p:cBhvr>
+                                      <p:tavLst>
+                                        <p:tav tm="0">
+                                          <p:val>
+                                            <p:strVal val="#ppt_x"/>
+                                          </p:val>
+                                        </p:tav>
+                                        <p:tav tm="100000">
+                                          <p:val>
+                                            <p:strVal val="#ppt_x"/>
+                                          </p:val>
+                                        </p:tav>
+                                      </p:tavLst>
+                                    </p:anim>
+                                    <p:anim calcmode="lin" valueType="num">
+                                      <p:cBhvr additive="base">
+                                        <p:cTn id="24" dur="500" fill="hold"/>
+                                        <p:tgtEl>
+                                          <p:spTgt spid="5">
+                                            <p:txEl>
+                                              <p:pRg st="9" end="9"/>
+                                            </p:txEl>
+                                          </p:spTgt>
+                                        </p:tgtEl>
+                                        <p:attrNameLst>
+                                          <p:attrName>ppt_y</p:attrName>
+                                        </p:attrNameLst>
+                                      </p:cBhvr>
+                                      <p:tavLst>
+                                        <p:tav tm="0">
+                                          <p:val>
+                                            <p:strVal val="1+#ppt_h/2"/>
+                                          </p:val>
+                                        </p:tav>
+                                        <p:tav tm="100000">
+                                          <p:val>
+                                            <p:strVal val="#ppt_y"/>
+                                          </p:val>
+                                        </p:tav>
+                                      </p:tavLst>
+                                    </p:anim>
+                                  </p:childTnLst>
+                                </p:cTn>
+                              </p:par>
+                              <p:par>
+                                <p:cTn id="25" presetID="2" presetClass="entr" presetSubtype="4" fill="hold" nodeType="withEffect">
+                                  <p:stCondLst>
+                                    <p:cond delay="0"/>
+                                  </p:stCondLst>
+                                  <p:childTnLst>
+                                    <p:set>
+                                      <p:cBhvr>
+                                        <p:cTn id="26" dur="1" fill="hold">
+                                          <p:stCondLst>
+                                            <p:cond delay="0"/>
+                                          </p:stCondLst>
+                                        </p:cTn>
+                                        <p:tgtEl>
+                                          <p:spTgt spid="5">
+                                            <p:txEl>
+                                              <p:pRg st="11" end="11"/>
+                                            </p:txEl>
+                                          </p:spTgt>
+                                        </p:tgtEl>
+                                        <p:attrNameLst>
+                                          <p:attrName>style.visibility</p:attrName>
+                                        </p:attrNameLst>
+                                      </p:cBhvr>
+                                      <p:to>
+                                        <p:strVal val="visible"/>
+                                      </p:to>
+                                    </p:set>
+                                    <p:anim calcmode="lin" valueType="num">
+                                      <p:cBhvr additive="base">
+                                        <p:cTn id="27" dur="500" fill="hold"/>
+                                        <p:tgtEl>
+                                          <p:spTgt spid="5">
+                                            <p:txEl>
+                                              <p:pRg st="11" end="11"/>
+                                            </p:txEl>
+                                          </p:spTgt>
+                                        </p:tgtEl>
+                                        <p:attrNameLst>
+                                          <p:attrName>ppt_x</p:attrName>
+                                        </p:attrNameLst>
+                                      </p:cBhvr>
+                                      <p:tavLst>
+                                        <p:tav tm="0">
+                                          <p:val>
+                                            <p:strVal val="#ppt_x"/>
+                                          </p:val>
+                                        </p:tav>
+                                        <p:tav tm="100000">
+                                          <p:val>
+                                            <p:strVal val="#ppt_x"/>
+                                          </p:val>
+                                        </p:tav>
+                                      </p:tavLst>
+                                    </p:anim>
+                                    <p:anim calcmode="lin" valueType="num">
+                                      <p:cBhvr additive="base">
+                                        <p:cTn id="28" dur="500" fill="hold"/>
+                                        <p:tgtEl>
+                                          <p:spTgt spid="5">
+                                            <p:txEl>
+                                              <p:pRg st="11" end="11"/>
+                                            </p:txEl>
+                                          </p:spTgt>
+                                        </p:tgtEl>
+                                        <p:attrNameLst>
+                                          <p:attrName>ppt_y</p:attrName>
+                                        </p:attrNameLst>
+                                      </p:cBhvr>
+                                      <p:tavLst>
+                                        <p:tav tm="0">
+                                          <p:val>
+                                            <p:strVal val="1+#ppt_h/2"/>
+                                          </p:val>
+                                        </p:tav>
+                                        <p:tav tm="100000">
+                                          <p:val>
+                                            <p:strVal val="#ppt_y"/>
+                                          </p:val>
+                                        </p:tav>
+                                      </p:tavLst>
+                                    </p:anim>
+                                  </p:childTnLst>
+                                </p:cTn>
+                              </p:par>
+                              <p:par>
+                                <p:cTn id="29" presetID="2" presetClass="entr" presetSubtype="4" fill="hold" nodeType="withEffect">
+                                  <p:stCondLst>
+                                    <p:cond delay="0"/>
+                                  </p:stCondLst>
+                                  <p:childTnLst>
+                                    <p:set>
+                                      <p:cBhvr>
+                                        <p:cTn id="30" dur="1" fill="hold">
+                                          <p:stCondLst>
+                                            <p:cond delay="0"/>
+                                          </p:stCondLst>
+                                        </p:cTn>
+                                        <p:tgtEl>
+                                          <p:spTgt spid="5">
+                                            <p:txEl>
+                                              <p:pRg st="13" end="13"/>
+                                            </p:txEl>
+                                          </p:spTgt>
+                                        </p:tgtEl>
+                                        <p:attrNameLst>
+                                          <p:attrName>style.visibility</p:attrName>
+                                        </p:attrNameLst>
+                                      </p:cBhvr>
+                                      <p:to>
+                                        <p:strVal val="visible"/>
+                                      </p:to>
+                                    </p:set>
+                                    <p:anim calcmode="lin" valueType="num">
+                                      <p:cBhvr additive="base">
+                                        <p:cTn id="31" dur="500" fill="hold"/>
+                                        <p:tgtEl>
+                                          <p:spTgt spid="5">
+                                            <p:txEl>
+                                              <p:pRg st="13" end="13"/>
+                                            </p:txEl>
+                                          </p:spTgt>
+                                        </p:tgtEl>
+                                        <p:attrNameLst>
+                                          <p:attrName>ppt_x</p:attrName>
+                                        </p:attrNameLst>
+                                      </p:cBhvr>
+                                      <p:tavLst>
+                                        <p:tav tm="0">
+                                          <p:val>
+                                            <p:strVal val="#ppt_x"/>
+                                          </p:val>
+                                        </p:tav>
+                                        <p:tav tm="100000">
+                                          <p:val>
+                                            <p:strVal val="#ppt_x"/>
+                                          </p:val>
+                                        </p:tav>
+                                      </p:tavLst>
+                                    </p:anim>
+                                    <p:anim calcmode="lin" valueType="num">
+                                      <p:cBhvr additive="base">
+                                        <p:cTn id="32" dur="500" fill="hold"/>
+                                        <p:tgtEl>
+                                          <p:spTgt spid="5">
+                                            <p:txEl>
+                                              <p:pRg st="13" end="13"/>
+                                            </p:txEl>
+                                          </p:spTgt>
+                                        </p:tgtEl>
+                                        <p:attrNameLst>
+                                          <p:attrName>ppt_y</p:attrName>
+                                        </p:attrNameLst>
+                                      </p:cBhvr>
+                                      <p:tavLst>
+                                        <p:tav tm="0">
+                                          <p:val>
+                                            <p:strVal val="1+#ppt_h/2"/>
+                                          </p:val>
+                                        </p:tav>
+                                        <p:tav tm="100000">
+                                          <p:val>
+                                            <p:strVal val="#ppt_y"/>
+                                          </p:val>
+                                        </p:tav>
+                                      </p:tavLst>
+                                    </p:anim>
+                                  </p:childTnLst>
+                                </p:cTn>
+                              </p:par>
+                            </p:childTnLst>
+                          </p:cTn>
+                        </p:par>
+                      </p:childTnLst>
+                    </p:cTn>
+                  </p:par>
+                </p:childTnLst>
+              </p:cTn>
+              <p:prevCondLst>
+                <p:cond evt="onPrev" delay="0">
+                  <p:tgtEl>
+                    <p:sldTgt/>
+                  </p:tgtEl>
+                </p:cond>
+              </p:prevCondLst>
+              <p:nextCondLst>
+                <p:cond evt="onNext" delay="0">
+                  <p:tgtEl>
+                    <p:sldTgt/>
+                  </p:tgtEl>
+                </p:cond>
+              </p:nextCondLst>
+            </p:seq>
+          </p:childTnLst>
+        </p:cTn>
+      </p:par>
+    </p:tnLst>
+    <p:bldLst>
+      <p:bldP spid="5" grpId="0"/>
+      <p:bldP spid="5" grpId="1"/>
+    </p:bldLst>
+  </p:timing>
+</p:sld>
+</file>
+
+<file path=ppt/slides/slide8.xml><?xml version="1.0" encoding="utf-8"?>
+<p:sld xmlns:a="http://schemas.openxmlformats.org/drawingml/2006/main" xmlns:r="http://schemas.openxmlformats.org/officeDocument/2006/relationships" xmlns:p="http://schemas.openxmlformats.org/presentationml/2006/main">
+  <p:cSld>
+    <p:spTree>
+      <p:nvGrpSpPr>
+        <p:cNvPr id="1" name=""/>
+        <p:cNvGrpSpPr/>
+        <p:nvPr/>
+      </p:nvGrpSpPr>
+      <p:grpSpPr>
+        <a:xfrm>
+          <a:off x="0" y="0"/>
+          <a:ext cx="0" cy="0"/>
+          <a:chOff x="0" y="0"/>
+          <a:chExt cx="0" cy="0"/>
+        </a:xfrm>
+      </p:grpSpPr>
+      <p:cxnSp>
+        <p:nvCxnSpPr>
+          <p:cNvPr id="2" name="直接连接符 1"/>
+          <p:cNvCxnSpPr/>
+          <p:nvPr/>
+        </p:nvCxnSpPr>
+        <p:spPr>
+          <a:xfrm flipV="1">
+            <a:off x="283845" y="600075"/>
+            <a:ext cx="11729720" cy="3810"/>
+          </a:xfrm>
+          <a:prstGeom prst="line">
+            <a:avLst/>
+          </a:prstGeom>
+          <a:ln>
+            <a:solidFill>
+              <a:srgbClr val="FFBA55"/>
+            </a:solidFill>
+          </a:ln>
+        </p:spPr>
+        <p:style>
+          <a:lnRef idx="3">
+            <a:schemeClr val="dk1"/>
+          </a:lnRef>
+          <a:fillRef idx="0">
+            <a:schemeClr val="dk1"/>
+          </a:fillRef>
+          <a:effectRef idx="2">
+            <a:schemeClr val="dk1"/>
+          </a:effectRef>
+          <a:fontRef idx="minor">
+            <a:schemeClr val="tx1"/>
+          </a:fontRef>
+        </p:style>
+      </p:cxnSp>
+      <p:sp>
+        <p:nvSpPr>
+          <p:cNvPr id="8" name="圆角矩形 7"/>
+          <p:cNvSpPr/>
+          <p:nvPr/>
+        </p:nvSpPr>
+        <p:spPr>
+          <a:xfrm rot="19500000">
+            <a:off x="89535" y="146050"/>
+            <a:ext cx="480060" cy="332105"/>
+          </a:xfrm>
+          <a:prstGeom prst="roundRect">
+            <a:avLst/>
+          </a:prstGeom>
+          <a:solidFill>
+            <a:srgbClr val="FFBA55"/>
+          </a:solidFill>
+          <a:ln>
+            <a:solidFill>
+              <a:srgbClr val="FFBA55"/>
+            </a:solidFill>
+          </a:ln>
+        </p:spPr>
+        <p:style>
+          <a:lnRef idx="2">
+            <a:schemeClr val="accent4">
+              <a:shade val="50000"/>
+            </a:schemeClr>
+          </a:lnRef>
+          <a:fillRef idx="1">
+            <a:schemeClr val="accent4"/>
+          </a:fillRef>
+          <a:effectRef idx="0">
+            <a:schemeClr val="accent4"/>
+          </a:effectRef>
+          <a:fontRef idx="minor">
+            <a:schemeClr val="lt1"/>
+          </a:fontRef>
+        </p:style>
+        <p:txBody>
+          <a:bodyPr rtlCol="0" anchor="ctr"/>
+          <a:p>
+            <a:pPr algn="ctr"/>
+            <a:endParaRPr lang="zh-CN" altLang="en-US"/>
+          </a:p>
+        </p:txBody>
+      </p:sp>
+      <p:sp>
+        <p:nvSpPr>
+          <p:cNvPr id="14" name="文本框 13"/>
+          <p:cNvSpPr txBox="1"/>
+          <p:nvPr/>
+        </p:nvSpPr>
+        <p:spPr>
+          <a:xfrm>
+            <a:off x="622300" y="128270"/>
+            <a:ext cx="4239260" cy="368300"/>
+          </a:xfrm>
+          <a:prstGeom prst="rect">
+            <a:avLst/>
+          </a:prstGeom>
+          <a:noFill/>
+        </p:spPr>
+        <p:txBody>
+          <a:bodyPr wrap="square" rtlCol="0">
+            <a:spAutoFit/>
+          </a:bodyPr>
+          <a:p>
+            <a:r>
+              <a:rPr lang="zh-CN" altLang="en-US">
+                <a:solidFill>
+                  <a:srgbClr val="FFBA55"/>
+                </a:solidFill>
+                <a:effectLst>
+                  <a:outerShdw blurRad="38100" dist="19050" dir="2700000" algn="tl" rotWithShape="0">
+                    <a:schemeClr val="dk1">
+                      <a:alpha val="40000"/>
+                    </a:schemeClr>
+                  </a:outerShdw>
+                </a:effectLst>
+              </a:rPr>
+              <a:t>六</a:t>
+            </a:r>
+            <a:r>
+              <a:rPr lang="en-US" altLang="zh-CN">
+                <a:solidFill>
+                  <a:srgbClr val="FFBA55"/>
+                </a:solidFill>
+                <a:effectLst>
+                  <a:outerShdw blurRad="38100" dist="19050" dir="2700000" algn="tl" rotWithShape="0">
+                    <a:schemeClr val="dk1">
+                      <a:alpha val="40000"/>
+                    </a:schemeClr>
+                  </a:outerShdw>
+                </a:effectLst>
+              </a:rPr>
+              <a:t>.</a:t>
+            </a:r>
+            <a:r>
+              <a:rPr lang="zh-CN" altLang="en-US">
+                <a:solidFill>
+                  <a:srgbClr val="FFBA55"/>
+                </a:solidFill>
+                <a:effectLst>
+                  <a:outerShdw blurRad="38100" dist="19050" dir="2700000" algn="tl" rotWithShape="0">
+                    <a:schemeClr val="dk1">
+                      <a:alpha val="40000"/>
+                    </a:schemeClr>
+                  </a:outerShdw>
+                </a:effectLst>
+              </a:rPr>
+              <a:t>主要技术</a:t>
+            </a:r>
+            <a:endParaRPr lang="zh-CN" altLang="en-US">
+              <a:solidFill>
+                <a:srgbClr val="FFBA55"/>
+              </a:solidFill>
+              <a:effectLst>
+                <a:outerShdw blurRad="38100" dist="19050" dir="2700000" algn="tl" rotWithShape="0">
+                  <a:schemeClr val="dk1">
+                    <a:alpha val="40000"/>
+                  </a:schemeClr>
+                </a:outerShdw>
+              </a:effectLst>
+            </a:endParaRPr>
+          </a:p>
+        </p:txBody>
+      </p:sp>
+      <p:sp>
+        <p:nvSpPr>
+          <p:cNvPr id="5" name="文本框 4"/>
+          <p:cNvSpPr txBox="1"/>
+          <p:nvPr>
+            <p:custDataLst>
+              <p:tags r:id="rId1"/>
+            </p:custDataLst>
+          </p:nvPr>
+        </p:nvSpPr>
+        <p:spPr>
+          <a:xfrm>
             <a:off x="245745" y="951230"/>
             <a:ext cx="11730355" cy="5504815"/>
           </a:xfrm>
@@ -11063,7 +13320,7 @@
       </p:sp>
     </p:spTree>
     <p:custDataLst>
-      <p:tags r:id="rId3"/>
+      <p:tags r:id="rId2"/>
     </p:custDataLst>
   </p:cSld>
   <p:clrMapOvr>
@@ -11670,7 +13927,7 @@
 </p:sld>
 </file>
 
-<file path=ppt/slides/slide8.xml><?xml version="1.0" encoding="utf-8"?>
+<file path=ppt/slides/slide9.xml><?xml version="1.0" encoding="utf-8"?>
 <p:sld xmlns:a="http://schemas.openxmlformats.org/drawingml/2006/main" xmlns:r="http://schemas.openxmlformats.org/officeDocument/2006/relationships" xmlns:p="http://schemas.openxmlformats.org/presentationml/2006/main">
   <p:cSld>
     <p:spTree>
@@ -11687,40 +13944,75 @@
           <a:chExt cx="0" cy="0"/>
         </a:xfrm>
       </p:grpSpPr>
+      <p:cxnSp>
+        <p:nvCxnSpPr>
+          <p:cNvPr id="2" name="直接连接符 1"/>
+          <p:cNvCxnSpPr/>
+          <p:nvPr/>
+        </p:nvCxnSpPr>
+        <p:spPr>
+          <a:xfrm flipV="1">
+            <a:off x="283845" y="600075"/>
+            <a:ext cx="11729720" cy="3810"/>
+          </a:xfrm>
+          <a:prstGeom prst="line">
+            <a:avLst/>
+          </a:prstGeom>
+          <a:ln>
+            <a:solidFill>
+              <a:srgbClr val="FFBA55"/>
+            </a:solidFill>
+          </a:ln>
+        </p:spPr>
+        <p:style>
+          <a:lnRef idx="3">
+            <a:schemeClr val="dk1"/>
+          </a:lnRef>
+          <a:fillRef idx="0">
+            <a:schemeClr val="dk1"/>
+          </a:fillRef>
+          <a:effectRef idx="2">
+            <a:schemeClr val="dk1"/>
+          </a:effectRef>
+          <a:fontRef idx="minor">
+            <a:schemeClr val="tx1"/>
+          </a:fontRef>
+        </p:style>
+      </p:cxnSp>
       <p:sp>
         <p:nvSpPr>
-          <p:cNvPr id="53" name="椭圆 52"/>
+          <p:cNvPr id="8" name="圆角矩形 7"/>
           <p:cNvSpPr/>
           <p:nvPr/>
         </p:nvSpPr>
         <p:spPr>
-          <a:xfrm>
-            <a:off x="4227878" y="2021890"/>
-            <a:ext cx="1875489" cy="1875489"/>
+          <a:xfrm rot="19500000">
+            <a:off x="89535" y="146050"/>
+            <a:ext cx="480060" cy="332105"/>
           </a:xfrm>
-          <a:prstGeom prst="ellipse">
+          <a:prstGeom prst="roundRect">
             <a:avLst/>
           </a:prstGeom>
           <a:solidFill>
-            <a:srgbClr val="F3C301">
-              <a:alpha val="48000"/>
-            </a:srgbClr>
+            <a:srgbClr val="FFBA55"/>
           </a:solidFill>
           <a:ln>
-            <a:noFill/>
+            <a:solidFill>
+              <a:srgbClr val="FFBA55"/>
+            </a:solidFill>
           </a:ln>
         </p:spPr>
         <p:style>
           <a:lnRef idx="2">
-            <a:schemeClr val="accent1">
+            <a:schemeClr val="accent4">
               <a:shade val="50000"/>
             </a:schemeClr>
           </a:lnRef>
           <a:fillRef idx="1">
-            <a:schemeClr val="accent1"/>
+            <a:schemeClr val="accent4"/>
           </a:fillRef>
           <a:effectRef idx="0">
-            <a:schemeClr val="accent1"/>
+            <a:schemeClr val="accent4"/>
           </a:effectRef>
           <a:fontRef idx="minor">
             <a:schemeClr val="lt1"/>
@@ -11728,7 +14020,6 @@
         </p:style>
         <p:txBody>
           <a:bodyPr rtlCol="0" anchor="ctr"/>
-          <a:lstStyle/>
           <a:p>
             <a:pPr algn="ctr"/>
             <a:endParaRPr lang="zh-CN" altLang="en-US"/>
@@ -11737,38 +14028,125 @@
       </p:sp>
       <p:sp>
         <p:nvSpPr>
-          <p:cNvPr id="16" name="椭圆 15"/>
-          <p:cNvSpPr/>
+          <p:cNvPr id="14" name="文本框 13"/>
+          <p:cNvSpPr txBox="1"/>
           <p:nvPr/>
         </p:nvSpPr>
         <p:spPr>
           <a:xfrm>
-            <a:off x="5838697" y="2326291"/>
-            <a:ext cx="1875489" cy="1875489"/>
+            <a:off x="622300" y="128270"/>
+            <a:ext cx="4239260" cy="368300"/>
           </a:xfrm>
-          <a:prstGeom prst="ellipse">
+          <a:prstGeom prst="rect">
             <a:avLst/>
           </a:prstGeom>
-          <a:solidFill>
-            <a:srgbClr val="F3C301">
-              <a:alpha val="48000"/>
-            </a:srgbClr>
-          </a:solidFill>
+          <a:noFill/>
+        </p:spPr>
+        <p:txBody>
+          <a:bodyPr wrap="square" rtlCol="0">
+            <a:spAutoFit/>
+          </a:bodyPr>
+          <a:p>
+            <a:r>
+              <a:rPr lang="zh-CN" altLang="en-US">
+                <a:solidFill>
+                  <a:srgbClr val="FFBA55"/>
+                </a:solidFill>
+                <a:effectLst>
+                  <a:outerShdw blurRad="38100" dist="19050" dir="2700000" algn="tl" rotWithShape="0">
+                    <a:schemeClr val="dk1">
+                      <a:alpha val="40000"/>
+                    </a:schemeClr>
+                  </a:outerShdw>
+                </a:effectLst>
+              </a:rPr>
+              <a:t>七</a:t>
+            </a:r>
+            <a:r>
+              <a:rPr lang="en-US" altLang="zh-CN">
+                <a:solidFill>
+                  <a:srgbClr val="FFBA55"/>
+                </a:solidFill>
+                <a:effectLst>
+                  <a:outerShdw blurRad="38100" dist="19050" dir="2700000" algn="tl" rotWithShape="0">
+                    <a:schemeClr val="dk1">
+                      <a:alpha val="40000"/>
+                    </a:schemeClr>
+                  </a:outerShdw>
+                </a:effectLst>
+              </a:rPr>
+              <a:t>.</a:t>
+            </a:r>
+            <a:r>
+              <a:rPr lang="zh-CN" altLang="en-US">
+                <a:solidFill>
+                  <a:srgbClr val="FFBA55"/>
+                </a:solidFill>
+                <a:effectLst>
+                  <a:outerShdw blurRad="38100" dist="19050" dir="2700000" algn="tl" rotWithShape="0">
+                    <a:schemeClr val="dk1">
+                      <a:alpha val="40000"/>
+                    </a:schemeClr>
+                  </a:outerShdw>
+                </a:effectLst>
+              </a:rPr>
+              <a:t>预期效果</a:t>
+            </a:r>
+            <a:endParaRPr lang="zh-CN" altLang="en-US">
+              <a:solidFill>
+                <a:srgbClr val="FFBA55"/>
+              </a:solidFill>
+              <a:effectLst>
+                <a:outerShdw blurRad="38100" dist="19050" dir="2700000" algn="tl" rotWithShape="0">
+                  <a:schemeClr val="dk1">
+                    <a:alpha val="40000"/>
+                  </a:schemeClr>
+                </a:outerShdw>
+              </a:effectLst>
+            </a:endParaRPr>
+          </a:p>
+        </p:txBody>
+      </p:sp>
+      <p:sp>
+        <p:nvSpPr>
+          <p:cNvPr id="16" name="圆角矩形 15"/>
+          <p:cNvSpPr/>
+          <p:nvPr>
+            <p:custDataLst>
+              <p:tags r:id="rId1"/>
+            </p:custDataLst>
+          </p:nvPr>
+        </p:nvSpPr>
+        <p:spPr>
+          <a:xfrm>
+            <a:off x="11040745" y="5195570"/>
+            <a:ext cx="860425" cy="871220"/>
+          </a:xfrm>
+          <a:prstGeom prst="roundRect">
+            <a:avLst/>
+          </a:prstGeom>
           <a:ln>
             <a:noFill/>
           </a:ln>
+          <a:effectLst>
+            <a:outerShdw blurRad="152400" dist="76200" dir="8040000" algn="ctr" rotWithShape="0">
+              <a:srgbClr val="C8C8C8">
+                <a:alpha val="58000"/>
+              </a:srgbClr>
+            </a:outerShdw>
+          </a:effectLst>
         </p:spPr>
         <p:style>
           <a:lnRef idx="2">
-            <a:schemeClr val="accent1">
+            <a:schemeClr val="accent4">
               <a:shade val="50000"/>
             </a:schemeClr>
           </a:lnRef>
           <a:fillRef idx="1">
-            <a:schemeClr val="accent1"/>
+            <a:schemeClr val="accent4"/>
           </a:fillRef>
           <a:effectRef idx="0">
-            <a:schemeClr val="accent1"/>
+            <a:schemeClr val="accent4"/>
           </a:effectRef>
           <a:fontRef idx="minor">
             <a:schemeClr val="lt1"/>
@@ -11776,7 +14154,6 @@
         </p:style>
         <p:txBody>
           <a:bodyPr rtlCol="0" anchor="ctr"/>
-          <a:lstStyle/>
           <a:p>
             <a:pPr algn="ctr"/>
             <a:endParaRPr lang="zh-CN" altLang="en-US"/>
@@ -11785,38 +14162,44 @@
       </p:sp>
       <p:sp>
         <p:nvSpPr>
-          <p:cNvPr id="17" name="椭圆 16"/>
+          <p:cNvPr id="17" name="圆角矩形 16"/>
           <p:cNvSpPr/>
-          <p:nvPr/>
+          <p:nvPr>
+            <p:custDataLst>
+              <p:tags r:id="rId2"/>
+            </p:custDataLst>
+          </p:nvPr>
         </p:nvSpPr>
         <p:spPr>
           <a:xfrm>
-            <a:off x="3144759" y="2235030"/>
-            <a:ext cx="1919912" cy="1919912"/>
+            <a:off x="10287000" y="6149975"/>
+            <a:ext cx="481965" cy="463550"/>
           </a:xfrm>
-          <a:prstGeom prst="ellipse">
+          <a:prstGeom prst="roundRect">
             <a:avLst/>
           </a:prstGeom>
-          <a:solidFill>
-            <a:srgbClr val="00C3D9">
-              <a:alpha val="48000"/>
-            </a:srgbClr>
-          </a:solidFill>
           <a:ln>
             <a:noFill/>
           </a:ln>
+          <a:effectLst>
+            <a:outerShdw blurRad="152400" dist="76200" dir="8040000" algn="ctr" rotWithShape="0">
+              <a:srgbClr val="C8C8C8">
+                <a:alpha val="58000"/>
+              </a:srgbClr>
+            </a:outerShdw>
+          </a:effectLst>
         </p:spPr>
         <p:style>
           <a:lnRef idx="2">
-            <a:schemeClr val="accent1">
+            <a:schemeClr val="accent4">
               <a:shade val="50000"/>
             </a:schemeClr>
           </a:lnRef>
           <a:fillRef idx="1">
-            <a:schemeClr val="accent1"/>
+            <a:schemeClr val="accent4"/>
           </a:fillRef>
           <a:effectRef idx="0">
-            <a:schemeClr val="accent1"/>
+            <a:schemeClr val="accent4"/>
           </a:effectRef>
           <a:fontRef idx="minor">
             <a:schemeClr val="lt1"/>
@@ -11824,57 +14207,52 @@
         </p:style>
         <p:txBody>
           <a:bodyPr rtlCol="0" anchor="ctr"/>
-          <a:lstStyle/>
           <a:p>
             <a:pPr algn="ctr"/>
-            <a:r>
-              <a:rPr lang="zh-CN" altLang="en-US" sz="8800" b="1" dirty="0" smtClean="0">
-                <a:latin typeface="微软雅黑" panose="020B0503020204020204" charset="-122"/>
-                <a:ea typeface="微软雅黑" panose="020B0503020204020204" charset="-122"/>
-              </a:rPr>
-              <a:t>谢</a:t>
-            </a:r>
-            <a:endParaRPr lang="zh-CN" altLang="en-US" sz="8800" b="1" dirty="0">
-              <a:latin typeface="微软雅黑" panose="020B0503020204020204" charset="-122"/>
-              <a:ea typeface="微软雅黑" panose="020B0503020204020204" charset="-122"/>
-            </a:endParaRPr>
+            <a:endParaRPr lang="zh-CN" altLang="en-US"/>
           </a:p>
         </p:txBody>
       </p:sp>
       <p:sp>
         <p:nvSpPr>
-          <p:cNvPr id="19" name="椭圆 18"/>
+          <p:cNvPr id="9" name="圆角矩形 8"/>
           <p:cNvSpPr/>
-          <p:nvPr/>
+          <p:nvPr>
+            <p:custDataLst>
+              <p:tags r:id="rId3"/>
+            </p:custDataLst>
+          </p:nvPr>
         </p:nvSpPr>
         <p:spPr>
           <a:xfrm>
-            <a:off x="4609528" y="1470703"/>
-            <a:ext cx="1919912" cy="1919912"/>
+            <a:off x="11167745" y="5322570"/>
+            <a:ext cx="860425" cy="871220"/>
           </a:xfrm>
-          <a:prstGeom prst="ellipse">
+          <a:prstGeom prst="roundRect">
             <a:avLst/>
           </a:prstGeom>
-          <a:solidFill>
-            <a:srgbClr val="028985">
-              <a:alpha val="48000"/>
-            </a:srgbClr>
-          </a:solidFill>
           <a:ln>
             <a:noFill/>
           </a:ln>
+          <a:effectLst>
+            <a:outerShdw blurRad="152400" dist="76200" dir="8040000" algn="ctr" rotWithShape="0">
+              <a:srgbClr val="C8C8C8">
+                <a:alpha val="58000"/>
+              </a:srgbClr>
+            </a:outerShdw>
+          </a:effectLst>
         </p:spPr>
         <p:style>
           <a:lnRef idx="2">
-            <a:schemeClr val="accent1">
+            <a:schemeClr val="accent4">
               <a:shade val="50000"/>
             </a:schemeClr>
           </a:lnRef>
           <a:fillRef idx="1">
-            <a:schemeClr val="accent1"/>
+            <a:schemeClr val="accent4"/>
           </a:fillRef>
           <a:effectRef idx="0">
-            <a:schemeClr val="accent1"/>
+            <a:schemeClr val="accent4"/>
           </a:effectRef>
           <a:fontRef idx="minor">
             <a:schemeClr val="lt1"/>
@@ -11882,57 +14260,52 @@
         </p:style>
         <p:txBody>
           <a:bodyPr rtlCol="0" anchor="ctr"/>
-          <a:lstStyle/>
           <a:p>
             <a:pPr algn="ctr"/>
-            <a:r>
-              <a:rPr lang="zh-CN" altLang="en-US" sz="8800" b="1" dirty="0" smtClean="0">
-                <a:latin typeface="微软雅黑" panose="020B0503020204020204" charset="-122"/>
-                <a:ea typeface="微软雅黑" panose="020B0503020204020204" charset="-122"/>
-              </a:rPr>
-              <a:t>谢</a:t>
-            </a:r>
-            <a:endParaRPr lang="zh-CN" altLang="en-US" sz="8800" b="1" dirty="0">
-              <a:latin typeface="微软雅黑" panose="020B0503020204020204" charset="-122"/>
-              <a:ea typeface="微软雅黑" panose="020B0503020204020204" charset="-122"/>
-            </a:endParaRPr>
+            <a:endParaRPr lang="zh-CN" altLang="en-US"/>
           </a:p>
         </p:txBody>
       </p:sp>
       <p:sp>
         <p:nvSpPr>
-          <p:cNvPr id="20" name="椭圆 19"/>
+          <p:cNvPr id="10" name="圆角矩形 9"/>
           <p:cNvSpPr/>
-          <p:nvPr/>
+          <p:nvPr>
+            <p:custDataLst>
+              <p:tags r:id="rId4"/>
+            </p:custDataLst>
+          </p:nvPr>
         </p:nvSpPr>
         <p:spPr>
           <a:xfrm>
-            <a:off x="5697137" y="2813727"/>
-            <a:ext cx="1919912" cy="1919912"/>
+            <a:off x="10709275" y="6118860"/>
+            <a:ext cx="481965" cy="463550"/>
           </a:xfrm>
-          <a:prstGeom prst="ellipse">
+          <a:prstGeom prst="roundRect">
             <a:avLst/>
           </a:prstGeom>
-          <a:solidFill>
-            <a:srgbClr val="E94E60">
-              <a:alpha val="48000"/>
-            </a:srgbClr>
-          </a:solidFill>
           <a:ln>
             <a:noFill/>
           </a:ln>
+          <a:effectLst>
+            <a:outerShdw blurRad="152400" dist="76200" dir="8040000" algn="ctr" rotWithShape="0">
+              <a:srgbClr val="C8C8C8">
+                <a:alpha val="58000"/>
+              </a:srgbClr>
+            </a:outerShdw>
+          </a:effectLst>
         </p:spPr>
         <p:style>
           <a:lnRef idx="2">
-            <a:schemeClr val="accent1">
+            <a:schemeClr val="accent4">
               <a:shade val="50000"/>
             </a:schemeClr>
           </a:lnRef>
           <a:fillRef idx="1">
-            <a:schemeClr val="accent1"/>
+            <a:schemeClr val="accent4"/>
           </a:fillRef>
           <a:effectRef idx="0">
-            <a:schemeClr val="accent1"/>
+            <a:schemeClr val="accent4"/>
           </a:effectRef>
           <a:fontRef idx="minor">
             <a:schemeClr val="lt1"/>
@@ -11940,954 +14313,138 @@
         </p:style>
         <p:txBody>
           <a:bodyPr rtlCol="0" anchor="ctr"/>
-          <a:lstStyle/>
           <a:p>
             <a:pPr algn="ctr"/>
-            <a:r>
-              <a:rPr lang="zh-CN" altLang="en-US" sz="8800" b="1" dirty="0" smtClean="0">
-                <a:latin typeface="微软雅黑" panose="020B0503020204020204" charset="-122"/>
-                <a:ea typeface="微软雅黑" panose="020B0503020204020204" charset="-122"/>
-              </a:rPr>
-              <a:t>观</a:t>
-            </a:r>
-            <a:endParaRPr lang="zh-CN" altLang="en-US" sz="8800" b="1" dirty="0">
-              <a:latin typeface="微软雅黑" panose="020B0503020204020204" charset="-122"/>
-              <a:ea typeface="微软雅黑" panose="020B0503020204020204" charset="-122"/>
-            </a:endParaRPr>
+            <a:endParaRPr lang="zh-CN" altLang="en-US"/>
           </a:p>
         </p:txBody>
       </p:sp>
-      <p:sp>
-        <p:nvSpPr>
-          <p:cNvPr id="21" name="椭圆 20"/>
-          <p:cNvSpPr/>
-          <p:nvPr/>
-        </p:nvSpPr>
+      <p:pic>
+        <p:nvPicPr>
+          <p:cNvPr id="11" name="图片 10"/>
+          <p:cNvPicPr>
+            <a:picLocks noChangeAspect="1"/>
+          </p:cNvPicPr>
+          <p:nvPr>
+            <p:custDataLst>
+              <p:tags r:id="rId5"/>
+            </p:custDataLst>
+          </p:nvPr>
+        </p:nvPicPr>
+        <p:blipFill>
+          <a:blip r:embed="rId6"/>
+          <a:stretch>
+            <a:fillRect/>
+          </a:stretch>
+        </p:blipFill>
         <p:spPr>
           <a:xfrm>
-            <a:off x="7083441" y="1939396"/>
-            <a:ext cx="1919912" cy="1919912"/>
+            <a:off x="706120" y="774700"/>
+            <a:ext cx="5052060" cy="2970530"/>
           </a:xfrm>
-          <a:prstGeom prst="ellipse">
+          <a:prstGeom prst="rect">
             <a:avLst/>
           </a:prstGeom>
-          <a:solidFill>
-            <a:srgbClr val="DE6E00">
-              <a:alpha val="48000"/>
-            </a:srgbClr>
-          </a:solidFill>
-          <a:ln>
-            <a:noFill/>
-          </a:ln>
         </p:spPr>
-        <p:style>
-          <a:lnRef idx="2">
-            <a:schemeClr val="accent1">
-              <a:shade val="50000"/>
-            </a:schemeClr>
-          </a:lnRef>
-          <a:fillRef idx="1">
-            <a:schemeClr val="accent1"/>
-          </a:fillRef>
-          <a:effectRef idx="0">
-            <a:schemeClr val="accent1"/>
-          </a:effectRef>
-          <a:fontRef idx="minor">
-            <a:schemeClr val="lt1"/>
-          </a:fontRef>
-        </p:style>
-        <p:txBody>
-          <a:bodyPr rtlCol="0" anchor="ctr"/>
-          <a:lstStyle/>
-          <a:p>
-            <a:pPr algn="ctr"/>
-            <a:r>
-              <a:rPr lang="zh-CN" altLang="en-US" sz="8800" b="1" dirty="0" smtClean="0">
-                <a:latin typeface="微软雅黑" panose="020B0503020204020204" charset="-122"/>
-                <a:ea typeface="微软雅黑" panose="020B0503020204020204" charset="-122"/>
-              </a:rPr>
-              <a:t>看</a:t>
-            </a:r>
-            <a:endParaRPr lang="zh-CN" altLang="en-US" sz="8800" b="1" dirty="0">
-              <a:latin typeface="微软雅黑" panose="020B0503020204020204" charset="-122"/>
-              <a:ea typeface="微软雅黑" panose="020B0503020204020204" charset="-122"/>
-            </a:endParaRPr>
-          </a:p>
-        </p:txBody>
-      </p:sp>
-      <p:sp>
-        <p:nvSpPr>
-          <p:cNvPr id="22" name="椭圆 21"/>
-          <p:cNvSpPr/>
-          <p:nvPr/>
-        </p:nvSpPr>
+      </p:pic>
+      <p:pic>
+        <p:nvPicPr>
+          <p:cNvPr id="12" name="图片 11"/>
+          <p:cNvPicPr>
+            <a:picLocks noChangeAspect="1"/>
+          </p:cNvPicPr>
+          <p:nvPr>
+            <p:custDataLst>
+              <p:tags r:id="rId7"/>
+            </p:custDataLst>
+          </p:nvPr>
+        </p:nvPicPr>
+        <p:blipFill>
+          <a:blip r:embed="rId8"/>
+          <a:stretch>
+            <a:fillRect/>
+          </a:stretch>
+        </p:blipFill>
         <p:spPr>
           <a:xfrm>
-            <a:off x="7302808" y="1368313"/>
-            <a:ext cx="330367" cy="330367"/>
+            <a:off x="6056630" y="774700"/>
+            <a:ext cx="5406390" cy="2970530"/>
           </a:xfrm>
-          <a:prstGeom prst="ellipse">
+          <a:prstGeom prst="rect">
             <a:avLst/>
           </a:prstGeom>
-          <a:solidFill>
-            <a:srgbClr val="4CC7AA"/>
-          </a:solidFill>
-          <a:ln>
-            <a:noFill/>
-          </a:ln>
         </p:spPr>
-        <p:style>
-          <a:lnRef idx="2">
-            <a:schemeClr val="accent1">
-              <a:shade val="50000"/>
-            </a:schemeClr>
-          </a:lnRef>
-          <a:fillRef idx="1">
-            <a:schemeClr val="accent1"/>
-          </a:fillRef>
-          <a:effectRef idx="0">
-            <a:schemeClr val="accent1"/>
-          </a:effectRef>
-          <a:fontRef idx="minor">
-            <a:schemeClr val="lt1"/>
-          </a:fontRef>
-        </p:style>
-        <p:txBody>
-          <a:bodyPr rtlCol="0" anchor="ctr"/>
-          <a:lstStyle/>
-          <a:p>
-            <a:pPr algn="ctr"/>
-            <a:endParaRPr lang="zh-CN" altLang="en-US"/>
-          </a:p>
-        </p:txBody>
-      </p:sp>
-      <p:sp>
-        <p:nvSpPr>
-          <p:cNvPr id="23" name="椭圆 22"/>
-          <p:cNvSpPr/>
-          <p:nvPr/>
-        </p:nvSpPr>
+      </p:pic>
+      <p:pic>
+        <p:nvPicPr>
+          <p:cNvPr id="13" name="图片 12"/>
+          <p:cNvPicPr>
+            <a:picLocks noChangeAspect="1"/>
+          </p:cNvPicPr>
+          <p:nvPr>
+            <p:custDataLst>
+              <p:tags r:id="rId9"/>
+            </p:custDataLst>
+          </p:nvPr>
+        </p:nvPicPr>
+        <p:blipFill>
+          <a:blip r:embed="rId10"/>
+          <a:stretch>
+            <a:fillRect/>
+          </a:stretch>
+        </p:blipFill>
         <p:spPr>
           <a:xfrm>
-            <a:off x="7360118" y="4600046"/>
-            <a:ext cx="546113" cy="546113"/>
+            <a:off x="706120" y="3947160"/>
+            <a:ext cx="5052060" cy="2714625"/>
           </a:xfrm>
-          <a:prstGeom prst="ellipse">
+          <a:prstGeom prst="rect">
             <a:avLst/>
           </a:prstGeom>
-          <a:solidFill>
-            <a:srgbClr val="01D48F"/>
-          </a:solidFill>
-          <a:ln>
-            <a:noFill/>
-          </a:ln>
         </p:spPr>
-        <p:style>
-          <a:lnRef idx="2">
-            <a:schemeClr val="accent1">
-              <a:shade val="50000"/>
-            </a:schemeClr>
-          </a:lnRef>
-          <a:fillRef idx="1">
-            <a:schemeClr val="accent1"/>
-          </a:fillRef>
-          <a:effectRef idx="0">
-            <a:schemeClr val="accent1"/>
-          </a:effectRef>
-          <a:fontRef idx="minor">
-            <a:schemeClr val="lt1"/>
-          </a:fontRef>
-        </p:style>
-        <p:txBody>
-          <a:bodyPr rtlCol="0" anchor="ctr"/>
-          <a:lstStyle/>
-          <a:p>
-            <a:pPr algn="ctr"/>
-            <a:endParaRPr lang="zh-CN" altLang="en-US"/>
-          </a:p>
-        </p:txBody>
-      </p:sp>
-      <p:sp>
-        <p:nvSpPr>
-          <p:cNvPr id="25" name="椭圆 24"/>
-          <p:cNvSpPr/>
-          <p:nvPr/>
-        </p:nvSpPr>
+      </p:pic>
+      <p:pic>
+        <p:nvPicPr>
+          <p:cNvPr id="15" name="图片 14"/>
+          <p:cNvPicPr>
+            <a:picLocks noChangeAspect="1"/>
+          </p:cNvPicPr>
+          <p:nvPr>
+            <p:custDataLst>
+              <p:tags r:id="rId11"/>
+            </p:custDataLst>
+          </p:nvPr>
+        </p:nvPicPr>
+        <p:blipFill>
+          <a:blip r:embed="rId12"/>
+          <a:stretch>
+            <a:fillRect/>
+          </a:stretch>
+        </p:blipFill>
         <p:spPr>
           <a:xfrm>
-            <a:off x="3777930" y="1398820"/>
-            <a:ext cx="394083" cy="394083"/>
+            <a:off x="6061075" y="3884295"/>
+            <a:ext cx="5402580" cy="2777490"/>
           </a:xfrm>
-          <a:prstGeom prst="ellipse">
+          <a:prstGeom prst="rect">
             <a:avLst/>
           </a:prstGeom>
-          <a:solidFill>
-            <a:srgbClr val="E94E60"/>
-          </a:solidFill>
-          <a:ln>
-            <a:noFill/>
-          </a:ln>
         </p:spPr>
-        <p:style>
-          <a:lnRef idx="2">
-            <a:schemeClr val="accent1">
-              <a:shade val="50000"/>
-            </a:schemeClr>
-          </a:lnRef>
-          <a:fillRef idx="1">
-            <a:schemeClr val="accent1"/>
-          </a:fillRef>
-          <a:effectRef idx="0">
-            <a:schemeClr val="accent1"/>
-          </a:effectRef>
-          <a:fontRef idx="minor">
-            <a:schemeClr val="lt1"/>
-          </a:fontRef>
-        </p:style>
-        <p:txBody>
-          <a:bodyPr rtlCol="0" anchor="ctr"/>
-          <a:lstStyle/>
-          <a:p>
-            <a:pPr algn="ctr"/>
-            <a:endParaRPr lang="zh-CN" altLang="en-US"/>
-          </a:p>
-        </p:txBody>
-      </p:sp>
-      <p:sp>
-        <p:nvSpPr>
-          <p:cNvPr id="26" name="椭圆 25"/>
-          <p:cNvSpPr/>
-          <p:nvPr/>
-        </p:nvSpPr>
-        <p:spPr>
-          <a:xfrm>
-            <a:off x="4848584" y="4524297"/>
-            <a:ext cx="432176" cy="432176"/>
-          </a:xfrm>
-          <a:prstGeom prst="ellipse">
-            <a:avLst/>
-          </a:prstGeom>
-          <a:solidFill>
-            <a:srgbClr val="DE6E00"/>
-          </a:solidFill>
-          <a:ln>
-            <a:noFill/>
-          </a:ln>
-        </p:spPr>
-        <p:style>
-          <a:lnRef idx="2">
-            <a:schemeClr val="accent1">
-              <a:shade val="50000"/>
-            </a:schemeClr>
-          </a:lnRef>
-          <a:fillRef idx="1">
-            <a:schemeClr val="accent1"/>
-          </a:fillRef>
-          <a:effectRef idx="0">
-            <a:schemeClr val="accent1"/>
-          </a:effectRef>
-          <a:fontRef idx="minor">
-            <a:schemeClr val="lt1"/>
-          </a:fontRef>
-        </p:style>
-        <p:txBody>
-          <a:bodyPr rtlCol="0" anchor="ctr"/>
-          <a:lstStyle/>
-          <a:p>
-            <a:pPr algn="ctr"/>
-            <a:endParaRPr lang="zh-CN" altLang="en-US"/>
-          </a:p>
-        </p:txBody>
-      </p:sp>
-      <p:sp>
-        <p:nvSpPr>
-          <p:cNvPr id="27" name="椭圆 26"/>
-          <p:cNvSpPr/>
-          <p:nvPr/>
-        </p:nvSpPr>
-        <p:spPr>
-          <a:xfrm flipH="1">
-            <a:off x="2600370" y="2399897"/>
-            <a:ext cx="228203" cy="228203"/>
-          </a:xfrm>
-          <a:prstGeom prst="ellipse">
-            <a:avLst/>
-          </a:prstGeom>
-          <a:solidFill>
-            <a:srgbClr val="DE6E00"/>
-          </a:solidFill>
-          <a:ln>
-            <a:noFill/>
-          </a:ln>
-        </p:spPr>
-        <p:style>
-          <a:lnRef idx="2">
-            <a:schemeClr val="accent1">
-              <a:shade val="50000"/>
-            </a:schemeClr>
-          </a:lnRef>
-          <a:fillRef idx="1">
-            <a:schemeClr val="accent1"/>
-          </a:fillRef>
-          <a:effectRef idx="0">
-            <a:schemeClr val="accent1"/>
-          </a:effectRef>
-          <a:fontRef idx="minor">
-            <a:schemeClr val="lt1"/>
-          </a:fontRef>
-        </p:style>
-        <p:txBody>
-          <a:bodyPr rtlCol="0" anchor="ctr"/>
-          <a:lstStyle/>
-          <a:p>
-            <a:pPr algn="ctr"/>
-            <a:endParaRPr lang="zh-CN" altLang="en-US"/>
-          </a:p>
-        </p:txBody>
-      </p:sp>
-      <p:sp>
-        <p:nvSpPr>
-          <p:cNvPr id="28" name="椭圆 27"/>
-          <p:cNvSpPr/>
-          <p:nvPr/>
-        </p:nvSpPr>
-        <p:spPr>
-          <a:xfrm flipH="1">
-            <a:off x="2280929" y="1532974"/>
-            <a:ext cx="93215" cy="93215"/>
-          </a:xfrm>
-          <a:prstGeom prst="ellipse">
-            <a:avLst/>
-          </a:prstGeom>
-          <a:solidFill>
-            <a:srgbClr val="028985"/>
-          </a:solidFill>
-          <a:ln>
-            <a:noFill/>
-          </a:ln>
-        </p:spPr>
-        <p:style>
-          <a:lnRef idx="2">
-            <a:schemeClr val="accent1">
-              <a:shade val="50000"/>
-            </a:schemeClr>
-          </a:lnRef>
-          <a:fillRef idx="1">
-            <a:schemeClr val="accent1"/>
-          </a:fillRef>
-          <a:effectRef idx="0">
-            <a:schemeClr val="accent1"/>
-          </a:effectRef>
-          <a:fontRef idx="minor">
-            <a:schemeClr val="lt1"/>
-          </a:fontRef>
-        </p:style>
-        <p:txBody>
-          <a:bodyPr rtlCol="0" anchor="ctr"/>
-          <a:lstStyle/>
-          <a:p>
-            <a:pPr algn="ctr"/>
-            <a:endParaRPr lang="zh-CN" altLang="en-US"/>
-          </a:p>
-        </p:txBody>
-      </p:sp>
-      <p:sp>
-        <p:nvSpPr>
-          <p:cNvPr id="29" name="椭圆 28"/>
-          <p:cNvSpPr/>
-          <p:nvPr/>
-        </p:nvSpPr>
-        <p:spPr>
-          <a:xfrm flipH="1">
-            <a:off x="1753507" y="2285592"/>
-            <a:ext cx="93215" cy="93215"/>
-          </a:xfrm>
-          <a:prstGeom prst="ellipse">
-            <a:avLst/>
-          </a:prstGeom>
-          <a:solidFill>
-            <a:srgbClr val="F3C301"/>
-          </a:solidFill>
-          <a:ln>
-            <a:noFill/>
-          </a:ln>
-        </p:spPr>
-        <p:style>
-          <a:lnRef idx="2">
-            <a:schemeClr val="accent1">
-              <a:shade val="50000"/>
-            </a:schemeClr>
-          </a:lnRef>
-          <a:fillRef idx="1">
-            <a:schemeClr val="accent1"/>
-          </a:fillRef>
-          <a:effectRef idx="0">
-            <a:schemeClr val="accent1"/>
-          </a:effectRef>
-          <a:fontRef idx="minor">
-            <a:schemeClr val="lt1"/>
-          </a:fontRef>
-        </p:style>
-        <p:txBody>
-          <a:bodyPr rtlCol="0" anchor="ctr"/>
-          <a:lstStyle/>
-          <a:p>
-            <a:pPr algn="ctr"/>
-            <a:endParaRPr lang="zh-CN" altLang="en-US"/>
-          </a:p>
-        </p:txBody>
-      </p:sp>
-      <p:sp>
-        <p:nvSpPr>
-          <p:cNvPr id="42" name="椭圆 41"/>
-          <p:cNvSpPr/>
-          <p:nvPr/>
-        </p:nvSpPr>
-        <p:spPr>
-          <a:xfrm>
-            <a:off x="3472322" y="4457367"/>
-            <a:ext cx="394083" cy="394083"/>
-          </a:xfrm>
-          <a:prstGeom prst="ellipse">
-            <a:avLst/>
-          </a:prstGeom>
-          <a:solidFill>
-            <a:srgbClr val="F3C301"/>
-          </a:solidFill>
-          <a:ln>
-            <a:noFill/>
-          </a:ln>
-        </p:spPr>
-        <p:style>
-          <a:lnRef idx="2">
-            <a:schemeClr val="accent1">
-              <a:shade val="50000"/>
-            </a:schemeClr>
-          </a:lnRef>
-          <a:fillRef idx="1">
-            <a:schemeClr val="accent1"/>
-          </a:fillRef>
-          <a:effectRef idx="0">
-            <a:schemeClr val="accent1"/>
-          </a:effectRef>
-          <a:fontRef idx="minor">
-            <a:schemeClr val="lt1"/>
-          </a:fontRef>
-        </p:style>
-        <p:txBody>
-          <a:bodyPr rtlCol="0" anchor="ctr"/>
-          <a:lstStyle/>
-          <a:p>
-            <a:pPr algn="ctr"/>
-            <a:endParaRPr lang="zh-CN" altLang="en-US"/>
-          </a:p>
-        </p:txBody>
-      </p:sp>
-      <p:sp>
-        <p:nvSpPr>
-          <p:cNvPr id="43" name="椭圆 42"/>
-          <p:cNvSpPr/>
-          <p:nvPr/>
-        </p:nvSpPr>
-        <p:spPr>
-          <a:xfrm flipH="1">
-            <a:off x="2452501" y="3798892"/>
-            <a:ext cx="228203" cy="228203"/>
-          </a:xfrm>
-          <a:prstGeom prst="ellipse">
-            <a:avLst/>
-          </a:prstGeom>
-          <a:solidFill>
-            <a:srgbClr val="E94E60"/>
-          </a:solidFill>
-          <a:ln>
-            <a:noFill/>
-          </a:ln>
-        </p:spPr>
-        <p:style>
-          <a:lnRef idx="2">
-            <a:schemeClr val="accent1">
-              <a:shade val="50000"/>
-            </a:schemeClr>
-          </a:lnRef>
-          <a:fillRef idx="1">
-            <a:schemeClr val="accent1"/>
-          </a:fillRef>
-          <a:effectRef idx="0">
-            <a:schemeClr val="accent1"/>
-          </a:effectRef>
-          <a:fontRef idx="minor">
-            <a:schemeClr val="lt1"/>
-          </a:fontRef>
-        </p:style>
-        <p:txBody>
-          <a:bodyPr rtlCol="0" anchor="ctr"/>
-          <a:lstStyle/>
-          <a:p>
-            <a:pPr algn="ctr"/>
-            <a:endParaRPr lang="zh-CN" altLang="en-US"/>
-          </a:p>
-        </p:txBody>
-      </p:sp>
-      <p:sp>
-        <p:nvSpPr>
-          <p:cNvPr id="44" name="椭圆 43"/>
-          <p:cNvSpPr/>
-          <p:nvPr/>
-        </p:nvSpPr>
-        <p:spPr>
-          <a:xfrm flipH="1">
-            <a:off x="1647862" y="3254348"/>
-            <a:ext cx="93215" cy="93215"/>
-          </a:xfrm>
-          <a:prstGeom prst="ellipse">
-            <a:avLst/>
-          </a:prstGeom>
-          <a:solidFill>
-            <a:srgbClr val="01D48F"/>
-          </a:solidFill>
-          <a:ln>
-            <a:noFill/>
-          </a:ln>
-        </p:spPr>
-        <p:style>
-          <a:lnRef idx="2">
-            <a:schemeClr val="accent1">
-              <a:shade val="50000"/>
-            </a:schemeClr>
-          </a:lnRef>
-          <a:fillRef idx="1">
-            <a:schemeClr val="accent1"/>
-          </a:fillRef>
-          <a:effectRef idx="0">
-            <a:schemeClr val="accent1"/>
-          </a:effectRef>
-          <a:fontRef idx="minor">
-            <a:schemeClr val="lt1"/>
-          </a:fontRef>
-        </p:style>
-        <p:txBody>
-          <a:bodyPr rtlCol="0" anchor="ctr"/>
-          <a:lstStyle/>
-          <a:p>
-            <a:pPr algn="ctr"/>
-            <a:endParaRPr lang="zh-CN" altLang="en-US"/>
-          </a:p>
-        </p:txBody>
-      </p:sp>
-      <p:sp>
-        <p:nvSpPr>
-          <p:cNvPr id="45" name="椭圆 44"/>
-          <p:cNvSpPr/>
-          <p:nvPr/>
-        </p:nvSpPr>
-        <p:spPr>
-          <a:xfrm flipH="1">
-            <a:off x="1894657" y="4400316"/>
-            <a:ext cx="93215" cy="93215"/>
-          </a:xfrm>
-          <a:prstGeom prst="ellipse">
-            <a:avLst/>
-          </a:prstGeom>
-          <a:solidFill>
-            <a:srgbClr val="028985"/>
-          </a:solidFill>
-          <a:ln>
-            <a:noFill/>
-          </a:ln>
-        </p:spPr>
-        <p:style>
-          <a:lnRef idx="2">
-            <a:schemeClr val="accent1">
-              <a:shade val="50000"/>
-            </a:schemeClr>
-          </a:lnRef>
-          <a:fillRef idx="1">
-            <a:schemeClr val="accent1"/>
-          </a:fillRef>
-          <a:effectRef idx="0">
-            <a:schemeClr val="accent1"/>
-          </a:effectRef>
-          <a:fontRef idx="minor">
-            <a:schemeClr val="lt1"/>
-          </a:fontRef>
-        </p:style>
-        <p:txBody>
-          <a:bodyPr rtlCol="0" anchor="ctr"/>
-          <a:lstStyle/>
-          <a:p>
-            <a:pPr algn="ctr"/>
-            <a:endParaRPr lang="zh-CN" altLang="en-US"/>
-          </a:p>
-        </p:txBody>
-      </p:sp>
-      <p:sp>
-        <p:nvSpPr>
-          <p:cNvPr id="46" name="椭圆 45"/>
-          <p:cNvSpPr/>
-          <p:nvPr/>
-        </p:nvSpPr>
-        <p:spPr>
-          <a:xfrm flipH="1">
-            <a:off x="9482661" y="2765865"/>
-            <a:ext cx="228203" cy="228203"/>
-          </a:xfrm>
-          <a:prstGeom prst="ellipse">
-            <a:avLst/>
-          </a:prstGeom>
-          <a:solidFill>
-            <a:srgbClr val="F3C301"/>
-          </a:solidFill>
-          <a:ln>
-            <a:noFill/>
-          </a:ln>
-        </p:spPr>
-        <p:style>
-          <a:lnRef idx="2">
-            <a:schemeClr val="accent1">
-              <a:shade val="50000"/>
-            </a:schemeClr>
-          </a:lnRef>
-          <a:fillRef idx="1">
-            <a:schemeClr val="accent1"/>
-          </a:fillRef>
-          <a:effectRef idx="0">
-            <a:schemeClr val="accent1"/>
-          </a:effectRef>
-          <a:fontRef idx="minor">
-            <a:schemeClr val="lt1"/>
-          </a:fontRef>
-        </p:style>
-        <p:txBody>
-          <a:bodyPr rtlCol="0" anchor="ctr"/>
-          <a:lstStyle/>
-          <a:p>
-            <a:pPr algn="ctr"/>
-            <a:endParaRPr lang="zh-CN" altLang="en-US"/>
-          </a:p>
-        </p:txBody>
-      </p:sp>
-      <p:sp>
-        <p:nvSpPr>
-          <p:cNvPr id="47" name="椭圆 46"/>
-          <p:cNvSpPr/>
-          <p:nvPr/>
-        </p:nvSpPr>
-        <p:spPr>
-          <a:xfrm flipH="1">
-            <a:off x="9600184" y="1609493"/>
-            <a:ext cx="93215" cy="93215"/>
-          </a:xfrm>
-          <a:prstGeom prst="ellipse">
-            <a:avLst/>
-          </a:prstGeom>
-          <a:solidFill>
-            <a:srgbClr val="DE6E00"/>
-          </a:solidFill>
-          <a:ln>
-            <a:noFill/>
-          </a:ln>
-        </p:spPr>
-        <p:style>
-          <a:lnRef idx="2">
-            <a:schemeClr val="accent1">
-              <a:shade val="50000"/>
-            </a:schemeClr>
-          </a:lnRef>
-          <a:fillRef idx="1">
-            <a:schemeClr val="accent1"/>
-          </a:fillRef>
-          <a:effectRef idx="0">
-            <a:schemeClr val="accent1"/>
-          </a:effectRef>
-          <a:fontRef idx="minor">
-            <a:schemeClr val="lt1"/>
-          </a:fontRef>
-        </p:style>
-        <p:txBody>
-          <a:bodyPr rtlCol="0" anchor="ctr"/>
-          <a:lstStyle/>
-          <a:p>
-            <a:pPr algn="ctr"/>
-            <a:endParaRPr lang="zh-CN" altLang="en-US"/>
-          </a:p>
-        </p:txBody>
-      </p:sp>
-      <p:sp>
-        <p:nvSpPr>
-          <p:cNvPr id="48" name="椭圆 47"/>
-          <p:cNvSpPr/>
-          <p:nvPr/>
-        </p:nvSpPr>
-        <p:spPr>
-          <a:xfrm flipH="1">
-            <a:off x="10265188" y="2526187"/>
-            <a:ext cx="93215" cy="93215"/>
-          </a:xfrm>
-          <a:prstGeom prst="ellipse">
-            <a:avLst/>
-          </a:prstGeom>
-          <a:solidFill>
-            <a:srgbClr val="028985"/>
-          </a:solidFill>
-          <a:ln>
-            <a:noFill/>
-          </a:ln>
-        </p:spPr>
-        <p:style>
-          <a:lnRef idx="2">
-            <a:schemeClr val="accent1">
-              <a:shade val="50000"/>
-            </a:schemeClr>
-          </a:lnRef>
-          <a:fillRef idx="1">
-            <a:schemeClr val="accent1"/>
-          </a:fillRef>
-          <a:effectRef idx="0">
-            <a:schemeClr val="accent1"/>
-          </a:effectRef>
-          <a:fontRef idx="minor">
-            <a:schemeClr val="lt1"/>
-          </a:fontRef>
-        </p:style>
-        <p:txBody>
-          <a:bodyPr rtlCol="0" anchor="ctr"/>
-          <a:lstStyle/>
-          <a:p>
-            <a:pPr algn="ctr"/>
-            <a:endParaRPr lang="zh-CN" altLang="en-US"/>
-          </a:p>
-        </p:txBody>
-      </p:sp>
-      <p:sp>
-        <p:nvSpPr>
-          <p:cNvPr id="49" name="椭圆 48"/>
-          <p:cNvSpPr/>
-          <p:nvPr/>
-        </p:nvSpPr>
-        <p:spPr>
-          <a:xfrm>
-            <a:off x="8664169" y="4382785"/>
-            <a:ext cx="394083" cy="394083"/>
-          </a:xfrm>
-          <a:prstGeom prst="ellipse">
-            <a:avLst/>
-          </a:prstGeom>
-          <a:solidFill>
-            <a:srgbClr val="E94E60"/>
-          </a:solidFill>
-          <a:ln>
-            <a:noFill/>
-          </a:ln>
-        </p:spPr>
-        <p:style>
-          <a:lnRef idx="2">
-            <a:schemeClr val="accent1">
-              <a:shade val="50000"/>
-            </a:schemeClr>
-          </a:lnRef>
-          <a:fillRef idx="1">
-            <a:schemeClr val="accent1"/>
-          </a:fillRef>
-          <a:effectRef idx="0">
-            <a:schemeClr val="accent1"/>
-          </a:effectRef>
-          <a:fontRef idx="minor">
-            <a:schemeClr val="lt1"/>
-          </a:fontRef>
-        </p:style>
-        <p:txBody>
-          <a:bodyPr rtlCol="0" anchor="ctr"/>
-          <a:lstStyle/>
-          <a:p>
-            <a:pPr algn="ctr"/>
-            <a:endParaRPr lang="zh-CN" altLang="en-US"/>
-          </a:p>
-        </p:txBody>
-      </p:sp>
-      <p:sp>
-        <p:nvSpPr>
-          <p:cNvPr id="50" name="椭圆 49"/>
-          <p:cNvSpPr/>
-          <p:nvPr/>
-        </p:nvSpPr>
-        <p:spPr>
-          <a:xfrm flipH="1">
-            <a:off x="9405130" y="3749035"/>
-            <a:ext cx="228203" cy="228203"/>
-          </a:xfrm>
-          <a:prstGeom prst="ellipse">
-            <a:avLst/>
-          </a:prstGeom>
-          <a:solidFill>
-            <a:srgbClr val="028985"/>
-          </a:solidFill>
-          <a:ln>
-            <a:noFill/>
-          </a:ln>
-        </p:spPr>
-        <p:style>
-          <a:lnRef idx="2">
-            <a:schemeClr val="accent1">
-              <a:shade val="50000"/>
-            </a:schemeClr>
-          </a:lnRef>
-          <a:fillRef idx="1">
-            <a:schemeClr val="accent1"/>
-          </a:fillRef>
-          <a:effectRef idx="0">
-            <a:schemeClr val="accent1"/>
-          </a:effectRef>
-          <a:fontRef idx="minor">
-            <a:schemeClr val="lt1"/>
-          </a:fontRef>
-        </p:style>
-        <p:txBody>
-          <a:bodyPr rtlCol="0" anchor="ctr"/>
-          <a:lstStyle/>
-          <a:p>
-            <a:pPr algn="ctr"/>
-            <a:endParaRPr lang="zh-CN" altLang="en-US"/>
-          </a:p>
-        </p:txBody>
-      </p:sp>
-      <p:sp>
-        <p:nvSpPr>
-          <p:cNvPr id="51" name="椭圆 50"/>
-          <p:cNvSpPr/>
-          <p:nvPr/>
-        </p:nvSpPr>
-        <p:spPr>
-          <a:xfrm flipH="1">
-            <a:off x="10432377" y="3466074"/>
-            <a:ext cx="93215" cy="93215"/>
-          </a:xfrm>
-          <a:prstGeom prst="ellipse">
-            <a:avLst/>
-          </a:prstGeom>
-          <a:solidFill>
-            <a:srgbClr val="E94E60"/>
-          </a:solidFill>
-          <a:ln>
-            <a:noFill/>
-          </a:ln>
-        </p:spPr>
-        <p:style>
-          <a:lnRef idx="2">
-            <a:schemeClr val="accent1">
-              <a:shade val="50000"/>
-            </a:schemeClr>
-          </a:lnRef>
-          <a:fillRef idx="1">
-            <a:schemeClr val="accent1"/>
-          </a:fillRef>
-          <a:effectRef idx="0">
-            <a:schemeClr val="accent1"/>
-          </a:effectRef>
-          <a:fontRef idx="minor">
-            <a:schemeClr val="lt1"/>
-          </a:fontRef>
-        </p:style>
-        <p:txBody>
-          <a:bodyPr rtlCol="0" anchor="ctr"/>
-          <a:lstStyle/>
-          <a:p>
-            <a:pPr algn="ctr"/>
-            <a:endParaRPr lang="zh-CN" altLang="en-US"/>
-          </a:p>
-        </p:txBody>
-      </p:sp>
-      <p:sp>
-        <p:nvSpPr>
-          <p:cNvPr id="52" name="椭圆 51"/>
-          <p:cNvSpPr/>
-          <p:nvPr/>
-        </p:nvSpPr>
-        <p:spPr>
-          <a:xfrm flipH="1">
-            <a:off x="10053547" y="4318768"/>
-            <a:ext cx="128156" cy="128156"/>
-          </a:xfrm>
-          <a:prstGeom prst="ellipse">
-            <a:avLst/>
-          </a:prstGeom>
-          <a:solidFill>
-            <a:srgbClr val="F3C301"/>
-          </a:solidFill>
-          <a:ln>
-            <a:noFill/>
-          </a:ln>
-        </p:spPr>
-        <p:style>
-          <a:lnRef idx="2">
-            <a:schemeClr val="accent1">
-              <a:shade val="50000"/>
-            </a:schemeClr>
-          </a:lnRef>
-          <a:fillRef idx="1">
-            <a:schemeClr val="accent1"/>
-          </a:fillRef>
-          <a:effectRef idx="0">
-            <a:schemeClr val="accent1"/>
-          </a:effectRef>
-          <a:fontRef idx="minor">
-            <a:schemeClr val="lt1"/>
-          </a:fontRef>
-        </p:style>
-        <p:txBody>
-          <a:bodyPr rtlCol="0" anchor="ctr"/>
-          <a:lstStyle/>
-          <a:p>
-            <a:pPr algn="ctr"/>
-            <a:endParaRPr lang="zh-CN" altLang="en-US"/>
-          </a:p>
-        </p:txBody>
-      </p:sp>
+      </p:pic>
     </p:spTree>
+    <p:custDataLst>
+      <p:tags r:id="rId13"/>
+    </p:custDataLst>
   </p:cSld>
   <p:clrMapOvr>
     <a:masterClrMapping/>
   </p:clrMapOvr>
-  <mc:AlternateContent xmlns:mc="http://schemas.openxmlformats.org/markup-compatibility/2006">
-    <mc:Choice xmlns:p14="http://schemas.microsoft.com/office/powerpoint/2010/main" Requires="p14">
-      <p:transition p14:dur="0"/>
-    </mc:Choice>
-    <mc:Fallback>
-      <p:transition/>
-    </mc:Fallback>
-  </mc:AlternateContent>
   <p:timing>
     <p:tnLst>
       <p:par>
         <p:cTn id="1" dur="indefinite" restart="never" nodeType="tmRoot"/>
       </p:par>
     </p:tnLst>
-    <p:bldLst>
-      <p:bldP spid="53" grpId="0" bldLvl="0" animBg="1"/>
-      <p:bldP spid="16" grpId="0" bldLvl="0" animBg="1"/>
-      <p:bldP spid="17" grpId="0" bldLvl="0" animBg="1"/>
-      <p:bldP spid="19" grpId="0" bldLvl="0" animBg="1"/>
-      <p:bldP spid="20" grpId="0" bldLvl="0" animBg="1"/>
-      <p:bldP spid="21" grpId="0" bldLvl="0" animBg="1"/>
-      <p:bldP spid="22" grpId="0" bldLvl="0" animBg="1"/>
-      <p:bldP spid="23" grpId="0" bldLvl="0" animBg="1"/>
-      <p:bldP spid="25" grpId="0" bldLvl="0" animBg="1"/>
-      <p:bldP spid="26" grpId="0" bldLvl="0" animBg="1"/>
-      <p:bldP spid="27" grpId="0" bldLvl="0" animBg="1"/>
-      <p:bldP spid="28" grpId="0" bldLvl="0" animBg="1"/>
-      <p:bldP spid="29" grpId="0" bldLvl="0" animBg="1"/>
-      <p:bldP spid="42" grpId="0" bldLvl="0" animBg="1"/>
-      <p:bldP spid="43" grpId="0" bldLvl="0" animBg="1"/>
-      <p:bldP spid="44" grpId="0" bldLvl="0" animBg="1"/>
-      <p:bldP spid="45" grpId="0" bldLvl="0" animBg="1"/>
-      <p:bldP spid="46" grpId="0" bldLvl="0" animBg="1"/>
-      <p:bldP spid="47" grpId="0" bldLvl="0" animBg="1"/>
-      <p:bldP spid="48" grpId="0" bldLvl="0" animBg="1"/>
-      <p:bldP spid="49" grpId="0" bldLvl="0" animBg="1"/>
-      <p:bldP spid="50" grpId="0" bldLvl="0" animBg="1"/>
-      <p:bldP spid="51" grpId="0" bldLvl="0" animBg="1"/>
-      <p:bldP spid="52" grpId="0" bldLvl="0" animBg="1"/>
-    </p:bldLst>
   </p:timing>
 </p:sld>
 </file>
@@ -13929,8 +15486,46 @@
 
 <file path=ppt/tags/tag85.xml><?xml version="1.0" encoding="utf-8"?>
 <p:tagLst xmlns:p="http://schemas.openxmlformats.org/presentationml/2006/main">
-  <p:tag name="COMMONDATA" val="eyJoZGlkIjoiY2NhYWU4ODljMTE5NjFlNDE0MWMzOWY2ZDJjOWUyYTYifQ=="/>
-  <p:tag name="KSO_WPP_MARK_KEY" val="5f705d26-d263-4979-a5b8-d57acbb2fc9a"/>
+  <p:tag name="KSO_WM_BEAUTIFY_FLAG" val=""/>
+</p:tagLst>
+</file>
+
+<file path=ppt/tags/tag86.xml><?xml version="1.0" encoding="utf-8"?>
+<p:tagLst xmlns:p="http://schemas.openxmlformats.org/presentationml/2006/main">
+  <p:tag name="KSO_WM_SLIDE_ID" val="custom20205081_1"/>
+  <p:tag name="KSO_WM_TEMPLATE_SUBCATEGORY" val="19"/>
+  <p:tag name="KSO_WM_TEMPLATE_MASTER_TYPE" val="0"/>
+  <p:tag name="KSO_WM_TEMPLATE_COLOR_TYPE" val="1"/>
+  <p:tag name="KSO_WM_SLIDE_TYPE" val="title"/>
+  <p:tag name="KSO_WM_SLIDE_SUBTYPE" val="defaultBlank"/>
+  <p:tag name="KSO_WM_SLIDE_ITEM_CNT" val="0"/>
+  <p:tag name="KSO_WM_SLIDE_INDEX" val="1"/>
+  <p:tag name="KSO_WM_TAG_VERSION" val="1.0"/>
+  <p:tag name="KSO_WM_BEAUTIFY_FLAG" val="#wm#"/>
+  <p:tag name="KSO_WM_TEMPLATE_CATEGORY" val="custom"/>
+  <p:tag name="KSO_WM_TEMPLATE_INDEX" val="20205081"/>
+  <p:tag name="KSO_WM_SLIDE_LAYOUT" val="a_b"/>
+  <p:tag name="KSO_WM_SLIDE_LAYOUT_CNT" val="1_1"/>
+  <p:tag name="KSO_WM_UNIT_SHOW_EDIT_AREA_INDICATION" val="1"/>
+  <p:tag name="KSO_WM_TEMPLATE_THUMBS_INDEX" val="1、4、7、12、13、14、15、16、17、18、20、24、25、28、33、36、40、43、44"/>
+</p:tagLst>
+</file>
+
+<file path=ppt/tags/tag87.xml><?xml version="1.0" encoding="utf-8"?>
+<p:tagLst xmlns:p="http://schemas.openxmlformats.org/presentationml/2006/main">
+  <p:tag name="KSO_WM_BEAUTIFY_FLAG" val=""/>
+</p:tagLst>
+</file>
+
+<file path=ppt/tags/tag88.xml><?xml version="1.0" encoding="utf-8"?>
+<p:tagLst xmlns:p="http://schemas.openxmlformats.org/presentationml/2006/main">
+  <p:tag name="KSO_WM_BEAUTIFY_FLAG" val=""/>
+</p:tagLst>
+</file>
+
+<file path=ppt/tags/tag89.xml><?xml version="1.0" encoding="utf-8"?>
+<p:tagLst xmlns:p="http://schemas.openxmlformats.org/presentationml/2006/main">
+  <p:tag name="KSO_WM_BEAUTIFY_FLAG" val=""/>
 </p:tagLst>
 </file>
 
@@ -13944,6 +15539,64 @@
   <p:tag name="KSO_WM_UNIT_LAYERLEVEL" val="1"/>
   <p:tag name="KSO_WM_TAG_VERSION" val="1.0"/>
   <p:tag name="KSO_WM_BEAUTIFY_FLAG" val="#wm#"/>
+</p:tagLst>
+</file>
+
+<file path=ppt/tags/tag90.xml><?xml version="1.0" encoding="utf-8"?>
+<p:tagLst xmlns:p="http://schemas.openxmlformats.org/presentationml/2006/main">
+  <p:tag name="KSO_WM_BEAUTIFY_FLAG" val=""/>
+</p:tagLst>
+</file>
+
+<file path=ppt/tags/tag91.xml><?xml version="1.0" encoding="utf-8"?>
+<p:tagLst xmlns:p="http://schemas.openxmlformats.org/presentationml/2006/main">
+  <p:tag name="KSO_WM_BEAUTIFY_FLAG" val=""/>
+</p:tagLst>
+</file>
+
+<file path=ppt/tags/tag92.xml><?xml version="1.0" encoding="utf-8"?>
+<p:tagLst xmlns:p="http://schemas.openxmlformats.org/presentationml/2006/main">
+  <p:tag name="KSO_WM_BEAUTIFY_FLAG" val=""/>
+</p:tagLst>
+</file>
+
+<file path=ppt/tags/tag93.xml><?xml version="1.0" encoding="utf-8"?>
+<p:tagLst xmlns:p="http://schemas.openxmlformats.org/presentationml/2006/main">
+  <p:tag name="KSO_WM_BEAUTIFY_FLAG" val=""/>
+</p:tagLst>
+</file>
+
+<file path=ppt/tags/tag94.xml><?xml version="1.0" encoding="utf-8"?>
+<p:tagLst xmlns:p="http://schemas.openxmlformats.org/presentationml/2006/main">
+  <p:tag name="KSO_WM_BEAUTIFY_FLAG" val=""/>
+</p:tagLst>
+</file>
+
+<file path=ppt/tags/tag95.xml><?xml version="1.0" encoding="utf-8"?>
+<p:tagLst xmlns:p="http://schemas.openxmlformats.org/presentationml/2006/main">
+  <p:tag name="KSO_WM_SLIDE_ID" val="custom20205081_1"/>
+  <p:tag name="KSO_WM_TEMPLATE_SUBCATEGORY" val="19"/>
+  <p:tag name="KSO_WM_TEMPLATE_MASTER_TYPE" val="0"/>
+  <p:tag name="KSO_WM_TEMPLATE_COLOR_TYPE" val="1"/>
+  <p:tag name="KSO_WM_SLIDE_TYPE" val="title"/>
+  <p:tag name="KSO_WM_SLIDE_SUBTYPE" val="defaultBlank"/>
+  <p:tag name="KSO_WM_SLIDE_ITEM_CNT" val="0"/>
+  <p:tag name="KSO_WM_SLIDE_INDEX" val="1"/>
+  <p:tag name="KSO_WM_TAG_VERSION" val="1.0"/>
+  <p:tag name="KSO_WM_BEAUTIFY_FLAG" val="#wm#"/>
+  <p:tag name="KSO_WM_TEMPLATE_CATEGORY" val="custom"/>
+  <p:tag name="KSO_WM_TEMPLATE_INDEX" val="20205081"/>
+  <p:tag name="KSO_WM_SLIDE_LAYOUT" val="a_b"/>
+  <p:tag name="KSO_WM_SLIDE_LAYOUT_CNT" val="1_1"/>
+  <p:tag name="KSO_WM_UNIT_SHOW_EDIT_AREA_INDICATION" val="1"/>
+  <p:tag name="KSO_WM_TEMPLATE_THUMBS_INDEX" val="1、4、7、12、13、14、15、16、17、18、20、24、25、28、33、36、40、43、44"/>
+</p:tagLst>
+</file>
+
+<file path=ppt/tags/tag96.xml><?xml version="1.0" encoding="utf-8"?>
+<p:tagLst xmlns:p="http://schemas.openxmlformats.org/presentationml/2006/main">
+  <p:tag name="COMMONDATA" val="eyJoZGlkIjoiY2NhYWU4ODljMTE5NjFlNDE0MWMzOWY2ZDJjOWUyYTYifQ=="/>
+  <p:tag name="KSO_WPP_MARK_KEY" val="5f705d26-d263-4979-a5b8-d57acbb2fc9a"/>
 </p:tagLst>
 </file>
 

--- a/开题报告演讲PPT.pptx
+++ b/开题报告演讲PPT.pptx
@@ -5,7 +5,7 @@
     <p:sldMasterId id="2147483648" r:id="rId1"/>
   </p:sldMasterIdLst>
   <p:notesMasterIdLst>
-    <p:notesMasterId r:id="rId13"/>
+    <p:notesMasterId r:id="rId12"/>
   </p:notesMasterIdLst>
   <p:sldIdLst>
     <p:sldId id="256" r:id="rId3"/>
@@ -13,16 +13,15 @@
     <p:sldId id="259" r:id="rId5"/>
     <p:sldId id="260" r:id="rId6"/>
     <p:sldId id="261" r:id="rId7"/>
-    <p:sldId id="262" r:id="rId8"/>
-    <p:sldId id="265" r:id="rId9"/>
-    <p:sldId id="263" r:id="rId10"/>
-    <p:sldId id="266" r:id="rId11"/>
-    <p:sldId id="258" r:id="rId12"/>
+    <p:sldId id="263" r:id="rId8"/>
+    <p:sldId id="262" r:id="rId9"/>
+    <p:sldId id="266" r:id="rId10"/>
+    <p:sldId id="258" r:id="rId11"/>
   </p:sldIdLst>
   <p:sldSz cx="12192000" cy="6858000"/>
   <p:notesSz cx="6858000" cy="9144000"/>
   <p:custDataLst>
-    <p:tags r:id="rId17"/>
+    <p:tags r:id="rId16"/>
   </p:custDataLst>
   <p:defaultTextStyle>
     <a:defPPr>
@@ -127,7 +126,7 @@
             <a:srgbClr val="A4A3A4"/>
           </p15:clr>
         </p15:guide>
-        <p15:guide id="2" pos="3873" userDrawn="1">
+        <p15:guide id="2" pos="3849" userDrawn="1">
           <p15:clr>
             <a:srgbClr val="A4A3A4"/>
           </p15:clr>
@@ -4928,1228 +4927,6 @@
 </p:sld>
 </file>
 
-<file path=ppt/slides/slide10.xml><?xml version="1.0" encoding="utf-8"?>
-<p:sld xmlns:a="http://schemas.openxmlformats.org/drawingml/2006/main" xmlns:r="http://schemas.openxmlformats.org/officeDocument/2006/relationships" xmlns:p="http://schemas.openxmlformats.org/presentationml/2006/main">
-  <p:cSld>
-    <p:spTree>
-      <p:nvGrpSpPr>
-        <p:cNvPr id="1" name=""/>
-        <p:cNvGrpSpPr/>
-        <p:nvPr/>
-      </p:nvGrpSpPr>
-      <p:grpSpPr>
-        <a:xfrm>
-          <a:off x="0" y="0"/>
-          <a:ext cx="0" cy="0"/>
-          <a:chOff x="0" y="0"/>
-          <a:chExt cx="0" cy="0"/>
-        </a:xfrm>
-      </p:grpSpPr>
-      <p:sp>
-        <p:nvSpPr>
-          <p:cNvPr id="53" name="椭圆 52"/>
-          <p:cNvSpPr/>
-          <p:nvPr/>
-        </p:nvSpPr>
-        <p:spPr>
-          <a:xfrm>
-            <a:off x="4227878" y="2021890"/>
-            <a:ext cx="1875489" cy="1875489"/>
-          </a:xfrm>
-          <a:prstGeom prst="ellipse">
-            <a:avLst/>
-          </a:prstGeom>
-          <a:solidFill>
-            <a:srgbClr val="F3C301">
-              <a:alpha val="48000"/>
-            </a:srgbClr>
-          </a:solidFill>
-          <a:ln>
-            <a:noFill/>
-          </a:ln>
-        </p:spPr>
-        <p:style>
-          <a:lnRef idx="2">
-            <a:schemeClr val="accent1">
-              <a:shade val="50000"/>
-            </a:schemeClr>
-          </a:lnRef>
-          <a:fillRef idx="1">
-            <a:schemeClr val="accent1"/>
-          </a:fillRef>
-          <a:effectRef idx="0">
-            <a:schemeClr val="accent1"/>
-          </a:effectRef>
-          <a:fontRef idx="minor">
-            <a:schemeClr val="lt1"/>
-          </a:fontRef>
-        </p:style>
-        <p:txBody>
-          <a:bodyPr rtlCol="0" anchor="ctr"/>
-          <a:lstStyle/>
-          <a:p>
-            <a:pPr algn="ctr"/>
-            <a:endParaRPr lang="zh-CN" altLang="en-US"/>
-          </a:p>
-        </p:txBody>
-      </p:sp>
-      <p:sp>
-        <p:nvSpPr>
-          <p:cNvPr id="16" name="椭圆 15"/>
-          <p:cNvSpPr/>
-          <p:nvPr/>
-        </p:nvSpPr>
-        <p:spPr>
-          <a:xfrm>
-            <a:off x="5838697" y="2326291"/>
-            <a:ext cx="1875489" cy="1875489"/>
-          </a:xfrm>
-          <a:prstGeom prst="ellipse">
-            <a:avLst/>
-          </a:prstGeom>
-          <a:solidFill>
-            <a:srgbClr val="F3C301">
-              <a:alpha val="48000"/>
-            </a:srgbClr>
-          </a:solidFill>
-          <a:ln>
-            <a:noFill/>
-          </a:ln>
-        </p:spPr>
-        <p:style>
-          <a:lnRef idx="2">
-            <a:schemeClr val="accent1">
-              <a:shade val="50000"/>
-            </a:schemeClr>
-          </a:lnRef>
-          <a:fillRef idx="1">
-            <a:schemeClr val="accent1"/>
-          </a:fillRef>
-          <a:effectRef idx="0">
-            <a:schemeClr val="accent1"/>
-          </a:effectRef>
-          <a:fontRef idx="minor">
-            <a:schemeClr val="lt1"/>
-          </a:fontRef>
-        </p:style>
-        <p:txBody>
-          <a:bodyPr rtlCol="0" anchor="ctr"/>
-          <a:lstStyle/>
-          <a:p>
-            <a:pPr algn="ctr"/>
-            <a:endParaRPr lang="zh-CN" altLang="en-US"/>
-          </a:p>
-        </p:txBody>
-      </p:sp>
-      <p:sp>
-        <p:nvSpPr>
-          <p:cNvPr id="17" name="椭圆 16"/>
-          <p:cNvSpPr/>
-          <p:nvPr/>
-        </p:nvSpPr>
-        <p:spPr>
-          <a:xfrm>
-            <a:off x="3144759" y="2235030"/>
-            <a:ext cx="1919912" cy="1919912"/>
-          </a:xfrm>
-          <a:prstGeom prst="ellipse">
-            <a:avLst/>
-          </a:prstGeom>
-          <a:solidFill>
-            <a:srgbClr val="00C3D9">
-              <a:alpha val="48000"/>
-            </a:srgbClr>
-          </a:solidFill>
-          <a:ln>
-            <a:noFill/>
-          </a:ln>
-        </p:spPr>
-        <p:style>
-          <a:lnRef idx="2">
-            <a:schemeClr val="accent1">
-              <a:shade val="50000"/>
-            </a:schemeClr>
-          </a:lnRef>
-          <a:fillRef idx="1">
-            <a:schemeClr val="accent1"/>
-          </a:fillRef>
-          <a:effectRef idx="0">
-            <a:schemeClr val="accent1"/>
-          </a:effectRef>
-          <a:fontRef idx="minor">
-            <a:schemeClr val="lt1"/>
-          </a:fontRef>
-        </p:style>
-        <p:txBody>
-          <a:bodyPr rtlCol="0" anchor="ctr"/>
-          <a:lstStyle/>
-          <a:p>
-            <a:pPr algn="ctr"/>
-            <a:r>
-              <a:rPr lang="zh-CN" altLang="en-US" sz="8800" b="1" dirty="0" smtClean="0">
-                <a:latin typeface="微软雅黑" panose="020B0503020204020204" charset="-122"/>
-                <a:ea typeface="微软雅黑" panose="020B0503020204020204" charset="-122"/>
-              </a:rPr>
-              <a:t>谢</a:t>
-            </a:r>
-            <a:endParaRPr lang="zh-CN" altLang="en-US" sz="8800" b="1" dirty="0">
-              <a:latin typeface="微软雅黑" panose="020B0503020204020204" charset="-122"/>
-              <a:ea typeface="微软雅黑" panose="020B0503020204020204" charset="-122"/>
-            </a:endParaRPr>
-          </a:p>
-        </p:txBody>
-      </p:sp>
-      <p:sp>
-        <p:nvSpPr>
-          <p:cNvPr id="19" name="椭圆 18"/>
-          <p:cNvSpPr/>
-          <p:nvPr/>
-        </p:nvSpPr>
-        <p:spPr>
-          <a:xfrm>
-            <a:off x="4609528" y="1470703"/>
-            <a:ext cx="1919912" cy="1919912"/>
-          </a:xfrm>
-          <a:prstGeom prst="ellipse">
-            <a:avLst/>
-          </a:prstGeom>
-          <a:solidFill>
-            <a:srgbClr val="028985">
-              <a:alpha val="48000"/>
-            </a:srgbClr>
-          </a:solidFill>
-          <a:ln>
-            <a:noFill/>
-          </a:ln>
-        </p:spPr>
-        <p:style>
-          <a:lnRef idx="2">
-            <a:schemeClr val="accent1">
-              <a:shade val="50000"/>
-            </a:schemeClr>
-          </a:lnRef>
-          <a:fillRef idx="1">
-            <a:schemeClr val="accent1"/>
-          </a:fillRef>
-          <a:effectRef idx="0">
-            <a:schemeClr val="accent1"/>
-          </a:effectRef>
-          <a:fontRef idx="minor">
-            <a:schemeClr val="lt1"/>
-          </a:fontRef>
-        </p:style>
-        <p:txBody>
-          <a:bodyPr rtlCol="0" anchor="ctr"/>
-          <a:lstStyle/>
-          <a:p>
-            <a:pPr algn="ctr"/>
-            <a:r>
-              <a:rPr lang="zh-CN" altLang="en-US" sz="8800" b="1" dirty="0" smtClean="0">
-                <a:latin typeface="微软雅黑" panose="020B0503020204020204" charset="-122"/>
-                <a:ea typeface="微软雅黑" panose="020B0503020204020204" charset="-122"/>
-              </a:rPr>
-              <a:t>谢</a:t>
-            </a:r>
-            <a:endParaRPr lang="zh-CN" altLang="en-US" sz="8800" b="1" dirty="0">
-              <a:latin typeface="微软雅黑" panose="020B0503020204020204" charset="-122"/>
-              <a:ea typeface="微软雅黑" panose="020B0503020204020204" charset="-122"/>
-            </a:endParaRPr>
-          </a:p>
-        </p:txBody>
-      </p:sp>
-      <p:sp>
-        <p:nvSpPr>
-          <p:cNvPr id="20" name="椭圆 19"/>
-          <p:cNvSpPr/>
-          <p:nvPr/>
-        </p:nvSpPr>
-        <p:spPr>
-          <a:xfrm>
-            <a:off x="5697137" y="2813727"/>
-            <a:ext cx="1919912" cy="1919912"/>
-          </a:xfrm>
-          <a:prstGeom prst="ellipse">
-            <a:avLst/>
-          </a:prstGeom>
-          <a:solidFill>
-            <a:srgbClr val="E94E60">
-              <a:alpha val="48000"/>
-            </a:srgbClr>
-          </a:solidFill>
-          <a:ln>
-            <a:noFill/>
-          </a:ln>
-        </p:spPr>
-        <p:style>
-          <a:lnRef idx="2">
-            <a:schemeClr val="accent1">
-              <a:shade val="50000"/>
-            </a:schemeClr>
-          </a:lnRef>
-          <a:fillRef idx="1">
-            <a:schemeClr val="accent1"/>
-          </a:fillRef>
-          <a:effectRef idx="0">
-            <a:schemeClr val="accent1"/>
-          </a:effectRef>
-          <a:fontRef idx="minor">
-            <a:schemeClr val="lt1"/>
-          </a:fontRef>
-        </p:style>
-        <p:txBody>
-          <a:bodyPr rtlCol="0" anchor="ctr"/>
-          <a:lstStyle/>
-          <a:p>
-            <a:pPr algn="ctr"/>
-            <a:r>
-              <a:rPr lang="zh-CN" altLang="en-US" sz="8800" b="1" dirty="0" smtClean="0">
-                <a:latin typeface="微软雅黑" panose="020B0503020204020204" charset="-122"/>
-                <a:ea typeface="微软雅黑" panose="020B0503020204020204" charset="-122"/>
-              </a:rPr>
-              <a:t>观</a:t>
-            </a:r>
-            <a:endParaRPr lang="zh-CN" altLang="en-US" sz="8800" b="1" dirty="0">
-              <a:latin typeface="微软雅黑" panose="020B0503020204020204" charset="-122"/>
-              <a:ea typeface="微软雅黑" panose="020B0503020204020204" charset="-122"/>
-            </a:endParaRPr>
-          </a:p>
-        </p:txBody>
-      </p:sp>
-      <p:sp>
-        <p:nvSpPr>
-          <p:cNvPr id="21" name="椭圆 20"/>
-          <p:cNvSpPr/>
-          <p:nvPr/>
-        </p:nvSpPr>
-        <p:spPr>
-          <a:xfrm>
-            <a:off x="7083441" y="1939396"/>
-            <a:ext cx="1919912" cy="1919912"/>
-          </a:xfrm>
-          <a:prstGeom prst="ellipse">
-            <a:avLst/>
-          </a:prstGeom>
-          <a:solidFill>
-            <a:srgbClr val="DE6E00">
-              <a:alpha val="48000"/>
-            </a:srgbClr>
-          </a:solidFill>
-          <a:ln>
-            <a:noFill/>
-          </a:ln>
-        </p:spPr>
-        <p:style>
-          <a:lnRef idx="2">
-            <a:schemeClr val="accent1">
-              <a:shade val="50000"/>
-            </a:schemeClr>
-          </a:lnRef>
-          <a:fillRef idx="1">
-            <a:schemeClr val="accent1"/>
-          </a:fillRef>
-          <a:effectRef idx="0">
-            <a:schemeClr val="accent1"/>
-          </a:effectRef>
-          <a:fontRef idx="minor">
-            <a:schemeClr val="lt1"/>
-          </a:fontRef>
-        </p:style>
-        <p:txBody>
-          <a:bodyPr rtlCol="0" anchor="ctr"/>
-          <a:lstStyle/>
-          <a:p>
-            <a:pPr algn="ctr"/>
-            <a:r>
-              <a:rPr lang="zh-CN" altLang="en-US" sz="8800" b="1" dirty="0" smtClean="0">
-                <a:latin typeface="微软雅黑" panose="020B0503020204020204" charset="-122"/>
-                <a:ea typeface="微软雅黑" panose="020B0503020204020204" charset="-122"/>
-              </a:rPr>
-              <a:t>看</a:t>
-            </a:r>
-            <a:endParaRPr lang="zh-CN" altLang="en-US" sz="8800" b="1" dirty="0">
-              <a:latin typeface="微软雅黑" panose="020B0503020204020204" charset="-122"/>
-              <a:ea typeface="微软雅黑" panose="020B0503020204020204" charset="-122"/>
-            </a:endParaRPr>
-          </a:p>
-        </p:txBody>
-      </p:sp>
-      <p:sp>
-        <p:nvSpPr>
-          <p:cNvPr id="22" name="椭圆 21"/>
-          <p:cNvSpPr/>
-          <p:nvPr/>
-        </p:nvSpPr>
-        <p:spPr>
-          <a:xfrm>
-            <a:off x="7302808" y="1368313"/>
-            <a:ext cx="330367" cy="330367"/>
-          </a:xfrm>
-          <a:prstGeom prst="ellipse">
-            <a:avLst/>
-          </a:prstGeom>
-          <a:solidFill>
-            <a:srgbClr val="4CC7AA"/>
-          </a:solidFill>
-          <a:ln>
-            <a:noFill/>
-          </a:ln>
-        </p:spPr>
-        <p:style>
-          <a:lnRef idx="2">
-            <a:schemeClr val="accent1">
-              <a:shade val="50000"/>
-            </a:schemeClr>
-          </a:lnRef>
-          <a:fillRef idx="1">
-            <a:schemeClr val="accent1"/>
-          </a:fillRef>
-          <a:effectRef idx="0">
-            <a:schemeClr val="accent1"/>
-          </a:effectRef>
-          <a:fontRef idx="minor">
-            <a:schemeClr val="lt1"/>
-          </a:fontRef>
-        </p:style>
-        <p:txBody>
-          <a:bodyPr rtlCol="0" anchor="ctr"/>
-          <a:lstStyle/>
-          <a:p>
-            <a:pPr algn="ctr"/>
-            <a:endParaRPr lang="zh-CN" altLang="en-US"/>
-          </a:p>
-        </p:txBody>
-      </p:sp>
-      <p:sp>
-        <p:nvSpPr>
-          <p:cNvPr id="23" name="椭圆 22"/>
-          <p:cNvSpPr/>
-          <p:nvPr/>
-        </p:nvSpPr>
-        <p:spPr>
-          <a:xfrm>
-            <a:off x="7360118" y="4600046"/>
-            <a:ext cx="546113" cy="546113"/>
-          </a:xfrm>
-          <a:prstGeom prst="ellipse">
-            <a:avLst/>
-          </a:prstGeom>
-          <a:solidFill>
-            <a:srgbClr val="01D48F"/>
-          </a:solidFill>
-          <a:ln>
-            <a:noFill/>
-          </a:ln>
-        </p:spPr>
-        <p:style>
-          <a:lnRef idx="2">
-            <a:schemeClr val="accent1">
-              <a:shade val="50000"/>
-            </a:schemeClr>
-          </a:lnRef>
-          <a:fillRef idx="1">
-            <a:schemeClr val="accent1"/>
-          </a:fillRef>
-          <a:effectRef idx="0">
-            <a:schemeClr val="accent1"/>
-          </a:effectRef>
-          <a:fontRef idx="minor">
-            <a:schemeClr val="lt1"/>
-          </a:fontRef>
-        </p:style>
-        <p:txBody>
-          <a:bodyPr rtlCol="0" anchor="ctr"/>
-          <a:lstStyle/>
-          <a:p>
-            <a:pPr algn="ctr"/>
-            <a:endParaRPr lang="zh-CN" altLang="en-US"/>
-          </a:p>
-        </p:txBody>
-      </p:sp>
-      <p:sp>
-        <p:nvSpPr>
-          <p:cNvPr id="25" name="椭圆 24"/>
-          <p:cNvSpPr/>
-          <p:nvPr/>
-        </p:nvSpPr>
-        <p:spPr>
-          <a:xfrm>
-            <a:off x="3777930" y="1398820"/>
-            <a:ext cx="394083" cy="394083"/>
-          </a:xfrm>
-          <a:prstGeom prst="ellipse">
-            <a:avLst/>
-          </a:prstGeom>
-          <a:solidFill>
-            <a:srgbClr val="E94E60"/>
-          </a:solidFill>
-          <a:ln>
-            <a:noFill/>
-          </a:ln>
-        </p:spPr>
-        <p:style>
-          <a:lnRef idx="2">
-            <a:schemeClr val="accent1">
-              <a:shade val="50000"/>
-            </a:schemeClr>
-          </a:lnRef>
-          <a:fillRef idx="1">
-            <a:schemeClr val="accent1"/>
-          </a:fillRef>
-          <a:effectRef idx="0">
-            <a:schemeClr val="accent1"/>
-          </a:effectRef>
-          <a:fontRef idx="minor">
-            <a:schemeClr val="lt1"/>
-          </a:fontRef>
-        </p:style>
-        <p:txBody>
-          <a:bodyPr rtlCol="0" anchor="ctr"/>
-          <a:lstStyle/>
-          <a:p>
-            <a:pPr algn="ctr"/>
-            <a:endParaRPr lang="zh-CN" altLang="en-US"/>
-          </a:p>
-        </p:txBody>
-      </p:sp>
-      <p:sp>
-        <p:nvSpPr>
-          <p:cNvPr id="26" name="椭圆 25"/>
-          <p:cNvSpPr/>
-          <p:nvPr/>
-        </p:nvSpPr>
-        <p:spPr>
-          <a:xfrm>
-            <a:off x="4848584" y="4524297"/>
-            <a:ext cx="432176" cy="432176"/>
-          </a:xfrm>
-          <a:prstGeom prst="ellipse">
-            <a:avLst/>
-          </a:prstGeom>
-          <a:solidFill>
-            <a:srgbClr val="DE6E00"/>
-          </a:solidFill>
-          <a:ln>
-            <a:noFill/>
-          </a:ln>
-        </p:spPr>
-        <p:style>
-          <a:lnRef idx="2">
-            <a:schemeClr val="accent1">
-              <a:shade val="50000"/>
-            </a:schemeClr>
-          </a:lnRef>
-          <a:fillRef idx="1">
-            <a:schemeClr val="accent1"/>
-          </a:fillRef>
-          <a:effectRef idx="0">
-            <a:schemeClr val="accent1"/>
-          </a:effectRef>
-          <a:fontRef idx="minor">
-            <a:schemeClr val="lt1"/>
-          </a:fontRef>
-        </p:style>
-        <p:txBody>
-          <a:bodyPr rtlCol="0" anchor="ctr"/>
-          <a:lstStyle/>
-          <a:p>
-            <a:pPr algn="ctr"/>
-            <a:endParaRPr lang="zh-CN" altLang="en-US"/>
-          </a:p>
-        </p:txBody>
-      </p:sp>
-      <p:sp>
-        <p:nvSpPr>
-          <p:cNvPr id="27" name="椭圆 26"/>
-          <p:cNvSpPr/>
-          <p:nvPr/>
-        </p:nvSpPr>
-        <p:spPr>
-          <a:xfrm flipH="1">
-            <a:off x="2600370" y="2399897"/>
-            <a:ext cx="228203" cy="228203"/>
-          </a:xfrm>
-          <a:prstGeom prst="ellipse">
-            <a:avLst/>
-          </a:prstGeom>
-          <a:solidFill>
-            <a:srgbClr val="DE6E00"/>
-          </a:solidFill>
-          <a:ln>
-            <a:noFill/>
-          </a:ln>
-        </p:spPr>
-        <p:style>
-          <a:lnRef idx="2">
-            <a:schemeClr val="accent1">
-              <a:shade val="50000"/>
-            </a:schemeClr>
-          </a:lnRef>
-          <a:fillRef idx="1">
-            <a:schemeClr val="accent1"/>
-          </a:fillRef>
-          <a:effectRef idx="0">
-            <a:schemeClr val="accent1"/>
-          </a:effectRef>
-          <a:fontRef idx="minor">
-            <a:schemeClr val="lt1"/>
-          </a:fontRef>
-        </p:style>
-        <p:txBody>
-          <a:bodyPr rtlCol="0" anchor="ctr"/>
-          <a:lstStyle/>
-          <a:p>
-            <a:pPr algn="ctr"/>
-            <a:endParaRPr lang="zh-CN" altLang="en-US"/>
-          </a:p>
-        </p:txBody>
-      </p:sp>
-      <p:sp>
-        <p:nvSpPr>
-          <p:cNvPr id="28" name="椭圆 27"/>
-          <p:cNvSpPr/>
-          <p:nvPr/>
-        </p:nvSpPr>
-        <p:spPr>
-          <a:xfrm flipH="1">
-            <a:off x="2280929" y="1532974"/>
-            <a:ext cx="93215" cy="93215"/>
-          </a:xfrm>
-          <a:prstGeom prst="ellipse">
-            <a:avLst/>
-          </a:prstGeom>
-          <a:solidFill>
-            <a:srgbClr val="028985"/>
-          </a:solidFill>
-          <a:ln>
-            <a:noFill/>
-          </a:ln>
-        </p:spPr>
-        <p:style>
-          <a:lnRef idx="2">
-            <a:schemeClr val="accent1">
-              <a:shade val="50000"/>
-            </a:schemeClr>
-          </a:lnRef>
-          <a:fillRef idx="1">
-            <a:schemeClr val="accent1"/>
-          </a:fillRef>
-          <a:effectRef idx="0">
-            <a:schemeClr val="accent1"/>
-          </a:effectRef>
-          <a:fontRef idx="minor">
-            <a:schemeClr val="lt1"/>
-          </a:fontRef>
-        </p:style>
-        <p:txBody>
-          <a:bodyPr rtlCol="0" anchor="ctr"/>
-          <a:lstStyle/>
-          <a:p>
-            <a:pPr algn="ctr"/>
-            <a:endParaRPr lang="zh-CN" altLang="en-US"/>
-          </a:p>
-        </p:txBody>
-      </p:sp>
-      <p:sp>
-        <p:nvSpPr>
-          <p:cNvPr id="29" name="椭圆 28"/>
-          <p:cNvSpPr/>
-          <p:nvPr/>
-        </p:nvSpPr>
-        <p:spPr>
-          <a:xfrm flipH="1">
-            <a:off x="1753507" y="2285592"/>
-            <a:ext cx="93215" cy="93215"/>
-          </a:xfrm>
-          <a:prstGeom prst="ellipse">
-            <a:avLst/>
-          </a:prstGeom>
-          <a:solidFill>
-            <a:srgbClr val="F3C301"/>
-          </a:solidFill>
-          <a:ln>
-            <a:noFill/>
-          </a:ln>
-        </p:spPr>
-        <p:style>
-          <a:lnRef idx="2">
-            <a:schemeClr val="accent1">
-              <a:shade val="50000"/>
-            </a:schemeClr>
-          </a:lnRef>
-          <a:fillRef idx="1">
-            <a:schemeClr val="accent1"/>
-          </a:fillRef>
-          <a:effectRef idx="0">
-            <a:schemeClr val="accent1"/>
-          </a:effectRef>
-          <a:fontRef idx="minor">
-            <a:schemeClr val="lt1"/>
-          </a:fontRef>
-        </p:style>
-        <p:txBody>
-          <a:bodyPr rtlCol="0" anchor="ctr"/>
-          <a:lstStyle/>
-          <a:p>
-            <a:pPr algn="ctr"/>
-            <a:endParaRPr lang="zh-CN" altLang="en-US"/>
-          </a:p>
-        </p:txBody>
-      </p:sp>
-      <p:sp>
-        <p:nvSpPr>
-          <p:cNvPr id="42" name="椭圆 41"/>
-          <p:cNvSpPr/>
-          <p:nvPr/>
-        </p:nvSpPr>
-        <p:spPr>
-          <a:xfrm>
-            <a:off x="3472322" y="4457367"/>
-            <a:ext cx="394083" cy="394083"/>
-          </a:xfrm>
-          <a:prstGeom prst="ellipse">
-            <a:avLst/>
-          </a:prstGeom>
-          <a:solidFill>
-            <a:srgbClr val="F3C301"/>
-          </a:solidFill>
-          <a:ln>
-            <a:noFill/>
-          </a:ln>
-        </p:spPr>
-        <p:style>
-          <a:lnRef idx="2">
-            <a:schemeClr val="accent1">
-              <a:shade val="50000"/>
-            </a:schemeClr>
-          </a:lnRef>
-          <a:fillRef idx="1">
-            <a:schemeClr val="accent1"/>
-          </a:fillRef>
-          <a:effectRef idx="0">
-            <a:schemeClr val="accent1"/>
-          </a:effectRef>
-          <a:fontRef idx="minor">
-            <a:schemeClr val="lt1"/>
-          </a:fontRef>
-        </p:style>
-        <p:txBody>
-          <a:bodyPr rtlCol="0" anchor="ctr"/>
-          <a:lstStyle/>
-          <a:p>
-            <a:pPr algn="ctr"/>
-            <a:endParaRPr lang="zh-CN" altLang="en-US"/>
-          </a:p>
-        </p:txBody>
-      </p:sp>
-      <p:sp>
-        <p:nvSpPr>
-          <p:cNvPr id="43" name="椭圆 42"/>
-          <p:cNvSpPr/>
-          <p:nvPr/>
-        </p:nvSpPr>
-        <p:spPr>
-          <a:xfrm flipH="1">
-            <a:off x="2452501" y="3798892"/>
-            <a:ext cx="228203" cy="228203"/>
-          </a:xfrm>
-          <a:prstGeom prst="ellipse">
-            <a:avLst/>
-          </a:prstGeom>
-          <a:solidFill>
-            <a:srgbClr val="E94E60"/>
-          </a:solidFill>
-          <a:ln>
-            <a:noFill/>
-          </a:ln>
-        </p:spPr>
-        <p:style>
-          <a:lnRef idx="2">
-            <a:schemeClr val="accent1">
-              <a:shade val="50000"/>
-            </a:schemeClr>
-          </a:lnRef>
-          <a:fillRef idx="1">
-            <a:schemeClr val="accent1"/>
-          </a:fillRef>
-          <a:effectRef idx="0">
-            <a:schemeClr val="accent1"/>
-          </a:effectRef>
-          <a:fontRef idx="minor">
-            <a:schemeClr val="lt1"/>
-          </a:fontRef>
-        </p:style>
-        <p:txBody>
-          <a:bodyPr rtlCol="0" anchor="ctr"/>
-          <a:lstStyle/>
-          <a:p>
-            <a:pPr algn="ctr"/>
-            <a:endParaRPr lang="zh-CN" altLang="en-US"/>
-          </a:p>
-        </p:txBody>
-      </p:sp>
-      <p:sp>
-        <p:nvSpPr>
-          <p:cNvPr id="44" name="椭圆 43"/>
-          <p:cNvSpPr/>
-          <p:nvPr/>
-        </p:nvSpPr>
-        <p:spPr>
-          <a:xfrm flipH="1">
-            <a:off x="1647862" y="3254348"/>
-            <a:ext cx="93215" cy="93215"/>
-          </a:xfrm>
-          <a:prstGeom prst="ellipse">
-            <a:avLst/>
-          </a:prstGeom>
-          <a:solidFill>
-            <a:srgbClr val="01D48F"/>
-          </a:solidFill>
-          <a:ln>
-            <a:noFill/>
-          </a:ln>
-        </p:spPr>
-        <p:style>
-          <a:lnRef idx="2">
-            <a:schemeClr val="accent1">
-              <a:shade val="50000"/>
-            </a:schemeClr>
-          </a:lnRef>
-          <a:fillRef idx="1">
-            <a:schemeClr val="accent1"/>
-          </a:fillRef>
-          <a:effectRef idx="0">
-            <a:schemeClr val="accent1"/>
-          </a:effectRef>
-          <a:fontRef idx="minor">
-            <a:schemeClr val="lt1"/>
-          </a:fontRef>
-        </p:style>
-        <p:txBody>
-          <a:bodyPr rtlCol="0" anchor="ctr"/>
-          <a:lstStyle/>
-          <a:p>
-            <a:pPr algn="ctr"/>
-            <a:endParaRPr lang="zh-CN" altLang="en-US"/>
-          </a:p>
-        </p:txBody>
-      </p:sp>
-      <p:sp>
-        <p:nvSpPr>
-          <p:cNvPr id="45" name="椭圆 44"/>
-          <p:cNvSpPr/>
-          <p:nvPr/>
-        </p:nvSpPr>
-        <p:spPr>
-          <a:xfrm flipH="1">
-            <a:off x="1894657" y="4400316"/>
-            <a:ext cx="93215" cy="93215"/>
-          </a:xfrm>
-          <a:prstGeom prst="ellipse">
-            <a:avLst/>
-          </a:prstGeom>
-          <a:solidFill>
-            <a:srgbClr val="028985"/>
-          </a:solidFill>
-          <a:ln>
-            <a:noFill/>
-          </a:ln>
-        </p:spPr>
-        <p:style>
-          <a:lnRef idx="2">
-            <a:schemeClr val="accent1">
-              <a:shade val="50000"/>
-            </a:schemeClr>
-          </a:lnRef>
-          <a:fillRef idx="1">
-            <a:schemeClr val="accent1"/>
-          </a:fillRef>
-          <a:effectRef idx="0">
-            <a:schemeClr val="accent1"/>
-          </a:effectRef>
-          <a:fontRef idx="minor">
-            <a:schemeClr val="lt1"/>
-          </a:fontRef>
-        </p:style>
-        <p:txBody>
-          <a:bodyPr rtlCol="0" anchor="ctr"/>
-          <a:lstStyle/>
-          <a:p>
-            <a:pPr algn="ctr"/>
-            <a:endParaRPr lang="zh-CN" altLang="en-US"/>
-          </a:p>
-        </p:txBody>
-      </p:sp>
-      <p:sp>
-        <p:nvSpPr>
-          <p:cNvPr id="46" name="椭圆 45"/>
-          <p:cNvSpPr/>
-          <p:nvPr/>
-        </p:nvSpPr>
-        <p:spPr>
-          <a:xfrm flipH="1">
-            <a:off x="9482661" y="2765865"/>
-            <a:ext cx="228203" cy="228203"/>
-          </a:xfrm>
-          <a:prstGeom prst="ellipse">
-            <a:avLst/>
-          </a:prstGeom>
-          <a:solidFill>
-            <a:srgbClr val="F3C301"/>
-          </a:solidFill>
-          <a:ln>
-            <a:noFill/>
-          </a:ln>
-        </p:spPr>
-        <p:style>
-          <a:lnRef idx="2">
-            <a:schemeClr val="accent1">
-              <a:shade val="50000"/>
-            </a:schemeClr>
-          </a:lnRef>
-          <a:fillRef idx="1">
-            <a:schemeClr val="accent1"/>
-          </a:fillRef>
-          <a:effectRef idx="0">
-            <a:schemeClr val="accent1"/>
-          </a:effectRef>
-          <a:fontRef idx="minor">
-            <a:schemeClr val="lt1"/>
-          </a:fontRef>
-        </p:style>
-        <p:txBody>
-          <a:bodyPr rtlCol="0" anchor="ctr"/>
-          <a:lstStyle/>
-          <a:p>
-            <a:pPr algn="ctr"/>
-            <a:endParaRPr lang="zh-CN" altLang="en-US"/>
-          </a:p>
-        </p:txBody>
-      </p:sp>
-      <p:sp>
-        <p:nvSpPr>
-          <p:cNvPr id="47" name="椭圆 46"/>
-          <p:cNvSpPr/>
-          <p:nvPr/>
-        </p:nvSpPr>
-        <p:spPr>
-          <a:xfrm flipH="1">
-            <a:off x="9600184" y="1609493"/>
-            <a:ext cx="93215" cy="93215"/>
-          </a:xfrm>
-          <a:prstGeom prst="ellipse">
-            <a:avLst/>
-          </a:prstGeom>
-          <a:solidFill>
-            <a:srgbClr val="DE6E00"/>
-          </a:solidFill>
-          <a:ln>
-            <a:noFill/>
-          </a:ln>
-        </p:spPr>
-        <p:style>
-          <a:lnRef idx="2">
-            <a:schemeClr val="accent1">
-              <a:shade val="50000"/>
-            </a:schemeClr>
-          </a:lnRef>
-          <a:fillRef idx="1">
-            <a:schemeClr val="accent1"/>
-          </a:fillRef>
-          <a:effectRef idx="0">
-            <a:schemeClr val="accent1"/>
-          </a:effectRef>
-          <a:fontRef idx="minor">
-            <a:schemeClr val="lt1"/>
-          </a:fontRef>
-        </p:style>
-        <p:txBody>
-          <a:bodyPr rtlCol="0" anchor="ctr"/>
-          <a:lstStyle/>
-          <a:p>
-            <a:pPr algn="ctr"/>
-            <a:endParaRPr lang="zh-CN" altLang="en-US"/>
-          </a:p>
-        </p:txBody>
-      </p:sp>
-      <p:sp>
-        <p:nvSpPr>
-          <p:cNvPr id="48" name="椭圆 47"/>
-          <p:cNvSpPr/>
-          <p:nvPr/>
-        </p:nvSpPr>
-        <p:spPr>
-          <a:xfrm flipH="1">
-            <a:off x="10265188" y="2526187"/>
-            <a:ext cx="93215" cy="93215"/>
-          </a:xfrm>
-          <a:prstGeom prst="ellipse">
-            <a:avLst/>
-          </a:prstGeom>
-          <a:solidFill>
-            <a:srgbClr val="028985"/>
-          </a:solidFill>
-          <a:ln>
-            <a:noFill/>
-          </a:ln>
-        </p:spPr>
-        <p:style>
-          <a:lnRef idx="2">
-            <a:schemeClr val="accent1">
-              <a:shade val="50000"/>
-            </a:schemeClr>
-          </a:lnRef>
-          <a:fillRef idx="1">
-            <a:schemeClr val="accent1"/>
-          </a:fillRef>
-          <a:effectRef idx="0">
-            <a:schemeClr val="accent1"/>
-          </a:effectRef>
-          <a:fontRef idx="minor">
-            <a:schemeClr val="lt1"/>
-          </a:fontRef>
-        </p:style>
-        <p:txBody>
-          <a:bodyPr rtlCol="0" anchor="ctr"/>
-          <a:lstStyle/>
-          <a:p>
-            <a:pPr algn="ctr"/>
-            <a:endParaRPr lang="zh-CN" altLang="en-US"/>
-          </a:p>
-        </p:txBody>
-      </p:sp>
-      <p:sp>
-        <p:nvSpPr>
-          <p:cNvPr id="49" name="椭圆 48"/>
-          <p:cNvSpPr/>
-          <p:nvPr/>
-        </p:nvSpPr>
-        <p:spPr>
-          <a:xfrm>
-            <a:off x="8664169" y="4382785"/>
-            <a:ext cx="394083" cy="394083"/>
-          </a:xfrm>
-          <a:prstGeom prst="ellipse">
-            <a:avLst/>
-          </a:prstGeom>
-          <a:solidFill>
-            <a:srgbClr val="E94E60"/>
-          </a:solidFill>
-          <a:ln>
-            <a:noFill/>
-          </a:ln>
-        </p:spPr>
-        <p:style>
-          <a:lnRef idx="2">
-            <a:schemeClr val="accent1">
-              <a:shade val="50000"/>
-            </a:schemeClr>
-          </a:lnRef>
-          <a:fillRef idx="1">
-            <a:schemeClr val="accent1"/>
-          </a:fillRef>
-          <a:effectRef idx="0">
-            <a:schemeClr val="accent1"/>
-          </a:effectRef>
-          <a:fontRef idx="minor">
-            <a:schemeClr val="lt1"/>
-          </a:fontRef>
-        </p:style>
-        <p:txBody>
-          <a:bodyPr rtlCol="0" anchor="ctr"/>
-          <a:lstStyle/>
-          <a:p>
-            <a:pPr algn="ctr"/>
-            <a:endParaRPr lang="zh-CN" altLang="en-US"/>
-          </a:p>
-        </p:txBody>
-      </p:sp>
-      <p:sp>
-        <p:nvSpPr>
-          <p:cNvPr id="50" name="椭圆 49"/>
-          <p:cNvSpPr/>
-          <p:nvPr/>
-        </p:nvSpPr>
-        <p:spPr>
-          <a:xfrm flipH="1">
-            <a:off x="9405130" y="3749035"/>
-            <a:ext cx="228203" cy="228203"/>
-          </a:xfrm>
-          <a:prstGeom prst="ellipse">
-            <a:avLst/>
-          </a:prstGeom>
-          <a:solidFill>
-            <a:srgbClr val="028985"/>
-          </a:solidFill>
-          <a:ln>
-            <a:noFill/>
-          </a:ln>
-        </p:spPr>
-        <p:style>
-          <a:lnRef idx="2">
-            <a:schemeClr val="accent1">
-              <a:shade val="50000"/>
-            </a:schemeClr>
-          </a:lnRef>
-          <a:fillRef idx="1">
-            <a:schemeClr val="accent1"/>
-          </a:fillRef>
-          <a:effectRef idx="0">
-            <a:schemeClr val="accent1"/>
-          </a:effectRef>
-          <a:fontRef idx="minor">
-            <a:schemeClr val="lt1"/>
-          </a:fontRef>
-        </p:style>
-        <p:txBody>
-          <a:bodyPr rtlCol="0" anchor="ctr"/>
-          <a:lstStyle/>
-          <a:p>
-            <a:pPr algn="ctr"/>
-            <a:endParaRPr lang="zh-CN" altLang="en-US"/>
-          </a:p>
-        </p:txBody>
-      </p:sp>
-      <p:sp>
-        <p:nvSpPr>
-          <p:cNvPr id="51" name="椭圆 50"/>
-          <p:cNvSpPr/>
-          <p:nvPr/>
-        </p:nvSpPr>
-        <p:spPr>
-          <a:xfrm flipH="1">
-            <a:off x="10432377" y="3466074"/>
-            <a:ext cx="93215" cy="93215"/>
-          </a:xfrm>
-          <a:prstGeom prst="ellipse">
-            <a:avLst/>
-          </a:prstGeom>
-          <a:solidFill>
-            <a:srgbClr val="E94E60"/>
-          </a:solidFill>
-          <a:ln>
-            <a:noFill/>
-          </a:ln>
-        </p:spPr>
-        <p:style>
-          <a:lnRef idx="2">
-            <a:schemeClr val="accent1">
-              <a:shade val="50000"/>
-            </a:schemeClr>
-          </a:lnRef>
-          <a:fillRef idx="1">
-            <a:schemeClr val="accent1"/>
-          </a:fillRef>
-          <a:effectRef idx="0">
-            <a:schemeClr val="accent1"/>
-          </a:effectRef>
-          <a:fontRef idx="minor">
-            <a:schemeClr val="lt1"/>
-          </a:fontRef>
-        </p:style>
-        <p:txBody>
-          <a:bodyPr rtlCol="0" anchor="ctr"/>
-          <a:lstStyle/>
-          <a:p>
-            <a:pPr algn="ctr"/>
-            <a:endParaRPr lang="zh-CN" altLang="en-US"/>
-          </a:p>
-        </p:txBody>
-      </p:sp>
-      <p:sp>
-        <p:nvSpPr>
-          <p:cNvPr id="52" name="椭圆 51"/>
-          <p:cNvSpPr/>
-          <p:nvPr/>
-        </p:nvSpPr>
-        <p:spPr>
-          <a:xfrm flipH="1">
-            <a:off x="10053547" y="4318768"/>
-            <a:ext cx="128156" cy="128156"/>
-          </a:xfrm>
-          <a:prstGeom prst="ellipse">
-            <a:avLst/>
-          </a:prstGeom>
-          <a:solidFill>
-            <a:srgbClr val="F3C301"/>
-          </a:solidFill>
-          <a:ln>
-            <a:noFill/>
-          </a:ln>
-        </p:spPr>
-        <p:style>
-          <a:lnRef idx="2">
-            <a:schemeClr val="accent1">
-              <a:shade val="50000"/>
-            </a:schemeClr>
-          </a:lnRef>
-          <a:fillRef idx="1">
-            <a:schemeClr val="accent1"/>
-          </a:fillRef>
-          <a:effectRef idx="0">
-            <a:schemeClr val="accent1"/>
-          </a:effectRef>
-          <a:fontRef idx="minor">
-            <a:schemeClr val="lt1"/>
-          </a:fontRef>
-        </p:style>
-        <p:txBody>
-          <a:bodyPr rtlCol="0" anchor="ctr"/>
-          <a:lstStyle/>
-          <a:p>
-            <a:pPr algn="ctr"/>
-            <a:endParaRPr lang="zh-CN" altLang="en-US"/>
-          </a:p>
-        </p:txBody>
-      </p:sp>
-    </p:spTree>
-  </p:cSld>
-  <p:clrMapOvr>
-    <a:masterClrMapping/>
-  </p:clrMapOvr>
-  <mc:AlternateContent xmlns:mc="http://schemas.openxmlformats.org/markup-compatibility/2006">
-    <mc:Choice xmlns:p14="http://schemas.microsoft.com/office/powerpoint/2010/main" Requires="p14">
-      <p:transition p14:dur="0"/>
-    </mc:Choice>
-    <mc:Fallback>
-      <p:transition/>
-    </mc:Fallback>
-  </mc:AlternateContent>
-  <p:timing>
-    <p:tnLst>
-      <p:par>
-        <p:cTn id="1" dur="indefinite" restart="never" nodeType="tmRoot"/>
-      </p:par>
-    </p:tnLst>
-    <p:bldLst>
-      <p:bldP spid="53" grpId="0" bldLvl="0" animBg="1"/>
-      <p:bldP spid="16" grpId="0" bldLvl="0" animBg="1"/>
-      <p:bldP spid="17" grpId="0" bldLvl="0" animBg="1"/>
-      <p:bldP spid="19" grpId="0" bldLvl="0" animBg="1"/>
-      <p:bldP spid="20" grpId="0" bldLvl="0" animBg="1"/>
-      <p:bldP spid="21" grpId="0" bldLvl="0" animBg="1"/>
-      <p:bldP spid="22" grpId="0" bldLvl="0" animBg="1"/>
-      <p:bldP spid="23" grpId="0" bldLvl="0" animBg="1"/>
-      <p:bldP spid="25" grpId="0" bldLvl="0" animBg="1"/>
-      <p:bldP spid="26" grpId="0" bldLvl="0" animBg="1"/>
-      <p:bldP spid="27" grpId="0" bldLvl="0" animBg="1"/>
-      <p:bldP spid="28" grpId="0" bldLvl="0" animBg="1"/>
-      <p:bldP spid="29" grpId="0" bldLvl="0" animBg="1"/>
-      <p:bldP spid="42" grpId="0" bldLvl="0" animBg="1"/>
-      <p:bldP spid="43" grpId="0" bldLvl="0" animBg="1"/>
-      <p:bldP spid="44" grpId="0" bldLvl="0" animBg="1"/>
-      <p:bldP spid="45" grpId="0" bldLvl="0" animBg="1"/>
-      <p:bldP spid="46" grpId="0" bldLvl="0" animBg="1"/>
-      <p:bldP spid="47" grpId="0" bldLvl="0" animBg="1"/>
-      <p:bldP spid="48" grpId="0" bldLvl="0" animBg="1"/>
-      <p:bldP spid="49" grpId="0" bldLvl="0" animBg="1"/>
-      <p:bldP spid="50" grpId="0" bldLvl="0" animBg="1"/>
-      <p:bldP spid="51" grpId="0" bldLvl="0" animBg="1"/>
-      <p:bldP spid="52" grpId="0" bldLvl="0" animBg="1"/>
-    </p:bldLst>
-  </p:timing>
-</p:sld>
-</file>
-
 <file path=ppt/slides/slide2.xml><?xml version="1.0" encoding="utf-8"?>
 <p:sld xmlns:a="http://schemas.openxmlformats.org/drawingml/2006/main" xmlns:r="http://schemas.openxmlformats.org/officeDocument/2006/relationships" xmlns:p="http://schemas.openxmlformats.org/presentationml/2006/main">
   <p:cSld>
@@ -6568,48 +5345,6 @@
               <a:rPr lang="zh-CN" altLang="en-US" b="1"/>
               <a:t>目的和意义</a:t>
             </a:r>
-            <a:endParaRPr lang="zh-CN" altLang="en-US" b="1"/>
-          </a:p>
-          <a:p>
-            <a:pPr marL="285750" indent="-285750">
-              <a:buFont typeface="Arial" panose="020B0604020202020204" pitchFamily="34" charset="0"/>
-              <a:buChar char="•"/>
-            </a:pPr>
-            <a:endParaRPr lang="zh-CN" altLang="en-US"/>
-          </a:p>
-          <a:p>
-            <a:pPr marL="342900" indent="-342900">
-              <a:buFont typeface="Arial" panose="020B0604020202020204" pitchFamily="34" charset="0"/>
-              <a:buAutoNum type="arabicPeriod"/>
-            </a:pPr>
-            <a:r>
-              <a:rPr lang="zh-CN" altLang="en-US">
-                <a:sym typeface="+mn-ea"/>
-              </a:rPr>
-              <a:t>通过该毕业设计课题训练和规范的毕业设计说明书撰写。</a:t>
-            </a:r>
-            <a:endParaRPr lang="zh-CN" altLang="en-US">
-              <a:sym typeface="+mn-ea"/>
-            </a:endParaRPr>
-          </a:p>
-          <a:p>
-            <a:pPr marL="342900" indent="-342900">
-              <a:buFont typeface="Arial" panose="020B0604020202020204" pitchFamily="34" charset="0"/>
-              <a:buAutoNum type="arabicPeriod"/>
-            </a:pPr>
-            <a:endParaRPr lang="zh-CN" altLang="en-US"/>
-          </a:p>
-          <a:p>
-            <a:pPr marL="342900" indent="-342900">
-              <a:buFont typeface="Arial" panose="020B0604020202020204" pitchFamily="34" charset="0"/>
-              <a:buAutoNum type="arabicPeriod"/>
-            </a:pPr>
-            <a:r>
-              <a:rPr lang="zh-CN" altLang="en-US">
-                <a:sym typeface="+mn-ea"/>
-              </a:rPr>
-              <a:t>试图掌握计算机科学与技术专业的基本知识和基本技能。</a:t>
-            </a:r>
             <a:endParaRPr lang="zh-CN" altLang="en-US"/>
           </a:p>
           <a:p>
@@ -7268,176 +6003,6 @@
                                           <p:spTgt spid="3">
                                             <p:txEl>
                                               <p:pRg st="13" end="13"/>
-                                            </p:txEl>
-                                          </p:spTgt>
-                                        </p:tgtEl>
-                                        <p:attrNameLst>
-                                          <p:attrName>ppt_y</p:attrName>
-                                        </p:attrNameLst>
-                                      </p:cBhvr>
-                                      <p:tavLst>
-                                        <p:tav tm="0">
-                                          <p:val>
-                                            <p:strVal val="1+#ppt_h/2"/>
-                                          </p:val>
-                                        </p:tav>
-                                        <p:tav tm="100000">
-                                          <p:val>
-                                            <p:strVal val="#ppt_y"/>
-                                          </p:val>
-                                        </p:tav>
-                                      </p:tavLst>
-                                    </p:anim>
-                                  </p:childTnLst>
-                                </p:cTn>
-                              </p:par>
-                              <p:par>
-                                <p:cTn id="35" presetID="2" presetClass="entr" presetSubtype="4" fill="hold" nodeType="withEffect">
-                                  <p:stCondLst>
-                                    <p:cond delay="0"/>
-                                  </p:stCondLst>
-                                  <p:childTnLst>
-                                    <p:set>
-                                      <p:cBhvr>
-                                        <p:cTn id="36" dur="1" fill="hold">
-                                          <p:stCondLst>
-                                            <p:cond delay="0"/>
-                                          </p:stCondLst>
-                                        </p:cTn>
-                                        <p:tgtEl>
-                                          <p:spTgt spid="3">
-                                            <p:txEl>
-                                              <p:pRg st="15" end="15"/>
-                                            </p:txEl>
-                                          </p:spTgt>
-                                        </p:tgtEl>
-                                        <p:attrNameLst>
-                                          <p:attrName>style.visibility</p:attrName>
-                                        </p:attrNameLst>
-                                      </p:cBhvr>
-                                      <p:to>
-                                        <p:strVal val="visible"/>
-                                      </p:to>
-                                    </p:set>
-                                    <p:anim calcmode="lin" valueType="num">
-                                      <p:cBhvr additive="base">
-                                        <p:cTn id="37" dur="500" fill="hold"/>
-                                        <p:tgtEl>
-                                          <p:spTgt spid="3">
-                                            <p:txEl>
-                                              <p:pRg st="15" end="15"/>
-                                            </p:txEl>
-                                          </p:spTgt>
-                                        </p:tgtEl>
-                                        <p:attrNameLst>
-                                          <p:attrName>ppt_x</p:attrName>
-                                        </p:attrNameLst>
-                                      </p:cBhvr>
-                                      <p:tavLst>
-                                        <p:tav tm="0">
-                                          <p:val>
-                                            <p:strVal val="#ppt_x"/>
-                                          </p:val>
-                                        </p:tav>
-                                        <p:tav tm="100000">
-                                          <p:val>
-                                            <p:strVal val="#ppt_x"/>
-                                          </p:val>
-                                        </p:tav>
-                                      </p:tavLst>
-                                    </p:anim>
-                                    <p:anim calcmode="lin" valueType="num">
-                                      <p:cBhvr additive="base">
-                                        <p:cTn id="38" dur="500" fill="hold"/>
-                                        <p:tgtEl>
-                                          <p:spTgt spid="3">
-                                            <p:txEl>
-                                              <p:pRg st="15" end="15"/>
-                                            </p:txEl>
-                                          </p:spTgt>
-                                        </p:tgtEl>
-                                        <p:attrNameLst>
-                                          <p:attrName>ppt_y</p:attrName>
-                                        </p:attrNameLst>
-                                      </p:cBhvr>
-                                      <p:tavLst>
-                                        <p:tav tm="0">
-                                          <p:val>
-                                            <p:strVal val="1+#ppt_h/2"/>
-                                          </p:val>
-                                        </p:tav>
-                                        <p:tav tm="100000">
-                                          <p:val>
-                                            <p:strVal val="#ppt_y"/>
-                                          </p:val>
-                                        </p:tav>
-                                      </p:tavLst>
-                                    </p:anim>
-                                  </p:childTnLst>
-                                </p:cTn>
-                              </p:par>
-                              <p:par>
-                                <p:cTn id="39" presetID="2" presetClass="entr" presetSubtype="4" fill="hold" nodeType="withEffect">
-                                  <p:stCondLst>
-                                    <p:cond delay="0"/>
-                                  </p:stCondLst>
-                                  <p:childTnLst>
-                                    <p:set>
-                                      <p:cBhvr>
-                                        <p:cTn id="40" dur="1" fill="hold">
-                                          <p:stCondLst>
-                                            <p:cond delay="0"/>
-                                          </p:stCondLst>
-                                        </p:cTn>
-                                        <p:tgtEl>
-                                          <p:spTgt spid="3">
-                                            <p:txEl>
-                                              <p:pRg st="17" end="17"/>
-                                            </p:txEl>
-                                          </p:spTgt>
-                                        </p:tgtEl>
-                                        <p:attrNameLst>
-                                          <p:attrName>style.visibility</p:attrName>
-                                        </p:attrNameLst>
-                                      </p:cBhvr>
-                                      <p:to>
-                                        <p:strVal val="visible"/>
-                                      </p:to>
-                                    </p:set>
-                                    <p:anim calcmode="lin" valueType="num">
-                                      <p:cBhvr additive="base">
-                                        <p:cTn id="41" dur="500" fill="hold"/>
-                                        <p:tgtEl>
-                                          <p:spTgt spid="3">
-                                            <p:txEl>
-                                              <p:pRg st="17" end="17"/>
-                                            </p:txEl>
-                                          </p:spTgt>
-                                        </p:tgtEl>
-                                        <p:attrNameLst>
-                                          <p:attrName>ppt_x</p:attrName>
-                                        </p:attrNameLst>
-                                      </p:cBhvr>
-                                      <p:tavLst>
-                                        <p:tav tm="0">
-                                          <p:val>
-                                            <p:strVal val="#ppt_x"/>
-                                          </p:val>
-                                        </p:tav>
-                                        <p:tav tm="100000">
-                                          <p:val>
-                                            <p:strVal val="#ppt_x"/>
-                                          </p:val>
-                                        </p:tav>
-                                      </p:tavLst>
-                                    </p:anim>
-                                    <p:anim calcmode="lin" valueType="num">
-                                      <p:cBhvr additive="base">
-                                        <p:cTn id="42" dur="500" fill="hold"/>
-                                        <p:tgtEl>
-                                          <p:spTgt spid="3">
-                                            <p:txEl>
-                                              <p:pRg st="17" end="17"/>
                                             </p:txEl>
                                           </p:spTgt>
                                         </p:tgtEl>
@@ -7818,7 +6383,9 @@
               <a:buFont typeface="Arial" panose="020B0604020202020204" pitchFamily="34" charset="0"/>
               <a:buChar char="•"/>
             </a:pPr>
-            <a:endParaRPr lang="zh-CN" altLang="en-US"/>
+            <a:endParaRPr lang="zh-CN" altLang="en-US">
+              <a:sym typeface="+mn-ea"/>
+            </a:endParaRPr>
           </a:p>
           <a:p>
             <a:pPr marL="342900" indent="-342900">
@@ -7829,7 +6396,19 @@
               <a:rPr lang="zh-CN" altLang="en-US">
                 <a:sym typeface="+mn-ea"/>
               </a:rPr>
-              <a:t>我国物流业快速发展，企业信息化正快速推动着企业竞争力。</a:t>
+              <a:t>物流管理系统平台整体还存在功能单一、没有</a:t>
+            </a:r>
+            <a:r>
+              <a:rPr lang="zh-CN" altLang="en-US">
+                <a:sym typeface="+mn-ea"/>
+              </a:rPr>
+              <a:t>完善可视化</a:t>
+            </a:r>
+            <a:r>
+              <a:rPr lang="zh-CN" altLang="en-US">
+                <a:sym typeface="+mn-ea"/>
+              </a:rPr>
+              <a:t>技术等。</a:t>
             </a:r>
             <a:endParaRPr lang="zh-CN" altLang="en-US">
               <a:sym typeface="+mn-ea"/>
@@ -7853,79 +6432,13 @@
               <a:rPr lang="zh-CN" altLang="en-US">
                 <a:sym typeface="+mn-ea"/>
               </a:rPr>
-              <a:t>现代物流业融合了信息技术的成果，先进的高科技手段和科学完善的组织管理已经成为企业物流管理过程中的一个重要组成部分。</a:t>
-            </a:r>
-            <a:endParaRPr lang="zh-CN" altLang="en-US">
-              <a:sym typeface="+mn-ea"/>
-            </a:endParaRPr>
-          </a:p>
-          <a:p>
-            <a:pPr marL="342900" indent="-342900">
-              <a:buFont typeface="Arial" panose="020B0604020202020204" pitchFamily="34" charset="0"/>
-              <a:buAutoNum type="arabicPeriod"/>
-            </a:pPr>
-            <a:endParaRPr lang="zh-CN" altLang="en-US">
-              <a:sym typeface="+mn-ea"/>
-            </a:endParaRPr>
-          </a:p>
-          <a:p>
-            <a:pPr marL="342900" indent="-342900">
-              <a:buFont typeface="Arial" panose="020B0604020202020204" pitchFamily="34" charset="0"/>
-              <a:buAutoNum type="arabicPeriod"/>
-            </a:pPr>
+              <a:t>物流信息资源整合能力成为需求企业考查物流软件的主要因素，物流管理系统也正日益成为物流企业发展的“瓶颈”。国内物流追踪系统比较臃肿</a:t>
+            </a:r>
             <a:r>
               <a:rPr lang="zh-CN" altLang="en-US">
                 <a:sym typeface="+mn-ea"/>
               </a:rPr>
-              <a:t>信息化决策主要靠企业最高管理层。这表明中国企业信息化己经发展到战略层面和市场层面。</a:t>
-            </a:r>
-            <a:endParaRPr lang="zh-CN" altLang="en-US">
-              <a:sym typeface="+mn-ea"/>
-            </a:endParaRPr>
-          </a:p>
-          <a:p>
-            <a:pPr marL="342900" indent="-342900">
-              <a:buFont typeface="Arial" panose="020B0604020202020204" pitchFamily="34" charset="0"/>
-              <a:buAutoNum type="arabicPeriod"/>
-            </a:pPr>
-            <a:endParaRPr lang="zh-CN" altLang="en-US">
-              <a:sym typeface="+mn-ea"/>
-            </a:endParaRPr>
-          </a:p>
-          <a:p>
-            <a:pPr marL="342900" indent="-342900">
-              <a:buFont typeface="Arial" panose="020B0604020202020204" pitchFamily="34" charset="0"/>
-              <a:buAutoNum type="arabicPeriod"/>
-            </a:pPr>
-            <a:r>
-              <a:rPr lang="zh-CN" altLang="en-US">
-                <a:sym typeface="+mn-ea"/>
-              </a:rPr>
-              <a:t>物流管理系统整体还存在功能单一、技术落后等是我国目前存在的主要问题。</a:t>
-            </a:r>
-            <a:endParaRPr lang="zh-CN" altLang="en-US">
-              <a:sym typeface="+mn-ea"/>
-            </a:endParaRPr>
-          </a:p>
-          <a:p>
-            <a:pPr marL="342900" indent="-342900">
-              <a:buFont typeface="Arial" panose="020B0604020202020204" pitchFamily="34" charset="0"/>
-              <a:buAutoNum type="arabicPeriod"/>
-            </a:pPr>
-            <a:endParaRPr lang="zh-CN" altLang="en-US">
-              <a:sym typeface="+mn-ea"/>
-            </a:endParaRPr>
-          </a:p>
-          <a:p>
-            <a:pPr marL="342900" indent="-342900">
-              <a:buFont typeface="Arial" panose="020B0604020202020204" pitchFamily="34" charset="0"/>
-              <a:buAutoNum type="arabicPeriod"/>
-            </a:pPr>
-            <a:r>
-              <a:rPr lang="zh-CN" altLang="en-US">
-                <a:sym typeface="+mn-ea"/>
-              </a:rPr>
-              <a:t>物流信息资源整合能力成为需求企业考查物流软件的主要因素，物流管理系统也正日益成为物流企业发展的“瓶颈”。</a:t>
+              <a:t>。</a:t>
             </a:r>
             <a:endParaRPr lang="zh-CN" altLang="en-US">
               <a:sym typeface="+mn-ea"/>
@@ -7967,7 +6480,19 @@
             </a:pPr>
             <a:r>
               <a:rPr lang="zh-CN" altLang="en-US"/>
-              <a:t>美国和日本已经走在物流系统发展领域的前列。</a:t>
+              <a:t>美国和日本已经走在物流系统发展领域的前列。如</a:t>
+            </a:r>
+            <a:r>
+              <a:rPr lang="en-US" altLang="zh-CN"/>
+              <a:t>17TRACK</a:t>
+            </a:r>
+            <a:r>
+              <a:rPr lang="zh-CN" altLang="en-US"/>
+              <a:t>平台</a:t>
+            </a:r>
+            <a:r>
+              <a:rPr lang="zh-CN" altLang="en-US"/>
+              <a:t>等</a:t>
             </a:r>
             <a:endParaRPr lang="zh-CN" altLang="en-US"/>
           </a:p>
@@ -8281,15 +6806,33 @@
                                   </p:childTnLst>
                                 </p:cTn>
                               </p:par>
+                            </p:childTnLst>
+                          </p:cTn>
+                        </p:par>
+                      </p:childTnLst>
+                    </p:cTn>
+                  </p:par>
+                  <p:par>
+                    <p:cTn id="17" fill="hold">
+                      <p:stCondLst>
+                        <p:cond delay="indefinite"/>
+                      </p:stCondLst>
+                      <p:childTnLst>
+                        <p:par>
+                          <p:cTn id="18" fill="hold">
+                            <p:stCondLst>
+                              <p:cond delay="0"/>
+                            </p:stCondLst>
+                            <p:childTnLst>
                               <p:par>
-                                <p:cTn id="17" presetID="2" presetClass="entr" presetSubtype="4" fill="hold" nodeType="withEffect">
+                                <p:cTn id="19" presetID="2" presetClass="entr" presetSubtype="4" fill="hold" nodeType="clickEffect">
                                   <p:stCondLst>
                                     <p:cond delay="0"/>
                                   </p:stCondLst>
                                   <p:childTnLst>
                                     <p:set>
                                       <p:cBhvr>
-                                        <p:cTn id="18" dur="1" fill="hold">
+                                        <p:cTn id="20" dur="1" fill="hold">
                                           <p:stCondLst>
                                             <p:cond delay="0"/>
                                           </p:stCondLst>
@@ -8311,7 +6854,7 @@
                                     </p:set>
                                     <p:anim calcmode="lin" valueType="num">
                                       <p:cBhvr additive="base">
-                                        <p:cTn id="19" dur="500" fill="hold"/>
+                                        <p:cTn id="21" dur="500" fill="hold"/>
                                         <p:tgtEl>
                                           <p:spTgt spid="5">
                                             <p:txEl>
@@ -8338,7 +6881,7 @@
                                     </p:anim>
                                     <p:anim calcmode="lin" valueType="num">
                                       <p:cBhvr additive="base">
-                                        <p:cTn id="20" dur="500" fill="hold"/>
+                                        <p:cTn id="22" dur="500" fill="hold"/>
                                         <p:tgtEl>
                                           <p:spTgt spid="5">
                                             <p:txEl>
@@ -8367,14 +6910,14 @@
                                 </p:cTn>
                               </p:par>
                               <p:par>
-                                <p:cTn id="21" presetID="2" presetClass="entr" presetSubtype="4" fill="hold" nodeType="withEffect">
+                                <p:cTn id="23" presetID="2" presetClass="entr" presetSubtype="4" fill="hold" nodeType="withEffect">
                                   <p:stCondLst>
                                     <p:cond delay="0"/>
                                   </p:stCondLst>
                                   <p:childTnLst>
                                     <p:set>
                                       <p:cBhvr>
-                                        <p:cTn id="22" dur="1" fill="hold">
+                                        <p:cTn id="24" dur="1" fill="hold">
                                           <p:stCondLst>
                                             <p:cond delay="0"/>
                                           </p:stCondLst>
@@ -8396,7 +6939,7 @@
                                     </p:set>
                                     <p:anim calcmode="lin" valueType="num">
                                       <p:cBhvr additive="base">
-                                        <p:cTn id="23" dur="500" fill="hold"/>
+                                        <p:cTn id="25" dur="500" fill="hold"/>
                                         <p:tgtEl>
                                           <p:spTgt spid="5">
                                             <p:txEl>
@@ -8423,7 +6966,7 @@
                                     </p:anim>
                                     <p:anim calcmode="lin" valueType="num">
                                       <p:cBhvr additive="base">
-                                        <p:cTn id="24" dur="500" fill="hold"/>
+                                        <p:cTn id="26" dur="500" fill="hold"/>
                                         <p:tgtEl>
                                           <p:spTgt spid="5">
                                             <p:txEl>
@@ -8452,14 +6995,14 @@
                                 </p:cTn>
                               </p:par>
                               <p:par>
-                                <p:cTn id="25" presetID="2" presetClass="entr" presetSubtype="4" fill="hold" nodeType="withEffect">
+                                <p:cTn id="27" presetID="2" presetClass="entr" presetSubtype="4" fill="hold" nodeType="withEffect">
                                   <p:stCondLst>
                                     <p:cond delay="0"/>
                                   </p:stCondLst>
                                   <p:childTnLst>
                                     <p:set>
                                       <p:cBhvr>
-                                        <p:cTn id="26" dur="1" fill="hold">
+                                        <p:cTn id="28" dur="1" fill="hold">
                                           <p:stCondLst>
                                             <p:cond delay="0"/>
                                           </p:stCondLst>
@@ -8481,7 +7024,7 @@
                                     </p:set>
                                     <p:anim calcmode="lin" valueType="num">
                                       <p:cBhvr additive="base">
-                                        <p:cTn id="27" dur="500" fill="hold"/>
+                                        <p:cTn id="29" dur="500" fill="hold"/>
                                         <p:tgtEl>
                                           <p:spTgt spid="5">
                                             <p:txEl>
@@ -8508,284 +7051,11 @@
                                     </p:anim>
                                     <p:anim calcmode="lin" valueType="num">
                                       <p:cBhvr additive="base">
-                                        <p:cTn id="28" dur="500" fill="hold"/>
+                                        <p:cTn id="30" dur="500" fill="hold"/>
                                         <p:tgtEl>
                                           <p:spTgt spid="5">
                                             <p:txEl>
                                               <p:pRg st="10" end="10"/>
-                                            </p:txEl>
-                                          </p:spTgt>
-                                        </p:tgtEl>
-                                        <p:attrNameLst>
-                                          <p:attrName>ppt_y</p:attrName>
-                                        </p:attrNameLst>
-                                      </p:cBhvr>
-                                      <p:tavLst>
-                                        <p:tav tm="0">
-                                          <p:val>
-                                            <p:strVal val="1+#ppt_h/2"/>
-                                          </p:val>
-                                        </p:tav>
-                                        <p:tav tm="100000">
-                                          <p:val>
-                                            <p:strVal val="#ppt_y"/>
-                                          </p:val>
-                                        </p:tav>
-                                      </p:tavLst>
-                                    </p:anim>
-                                  </p:childTnLst>
-                                </p:cTn>
-                              </p:par>
-                            </p:childTnLst>
-                          </p:cTn>
-                        </p:par>
-                      </p:childTnLst>
-                    </p:cTn>
-                  </p:par>
-                  <p:par>
-                    <p:cTn id="29" fill="hold">
-                      <p:stCondLst>
-                        <p:cond delay="indefinite"/>
-                      </p:stCondLst>
-                      <p:childTnLst>
-                        <p:par>
-                          <p:cTn id="30" fill="hold">
-                            <p:stCondLst>
-                              <p:cond delay="0"/>
-                            </p:stCondLst>
-                            <p:childTnLst>
-                              <p:par>
-                                <p:cTn id="31" presetID="2" presetClass="entr" presetSubtype="4" fill="hold" nodeType="clickEffect">
-                                  <p:stCondLst>
-                                    <p:cond delay="0"/>
-                                  </p:stCondLst>
-                                  <p:childTnLst>
-                                    <p:set>
-                                      <p:cBhvr>
-                                        <p:cTn id="32" dur="1" fill="hold">
-                                          <p:stCondLst>
-                                            <p:cond delay="0"/>
-                                          </p:stCondLst>
-                                        </p:cTn>
-                                        <p:tgtEl>
-                                          <p:spTgt spid="5">
-                                            <p:txEl>
-                                              <p:pRg st="12" end="12"/>
-                                            </p:txEl>
-                                          </p:spTgt>
-                                        </p:tgtEl>
-                                        <p:attrNameLst>
-                                          <p:attrName>style.visibility</p:attrName>
-                                        </p:attrNameLst>
-                                      </p:cBhvr>
-                                      <p:to>
-                                        <p:strVal val="visible"/>
-                                      </p:to>
-                                    </p:set>
-                                    <p:anim calcmode="lin" valueType="num">
-                                      <p:cBhvr additive="base">
-                                        <p:cTn id="33" dur="500" fill="hold"/>
-                                        <p:tgtEl>
-                                          <p:spTgt spid="5">
-                                            <p:txEl>
-                                              <p:pRg st="12" end="12"/>
-                                            </p:txEl>
-                                          </p:spTgt>
-                                        </p:tgtEl>
-                                        <p:attrNameLst>
-                                          <p:attrName>ppt_x</p:attrName>
-                                        </p:attrNameLst>
-                                      </p:cBhvr>
-                                      <p:tavLst>
-                                        <p:tav tm="0">
-                                          <p:val>
-                                            <p:strVal val="#ppt_x"/>
-                                          </p:val>
-                                        </p:tav>
-                                        <p:tav tm="100000">
-                                          <p:val>
-                                            <p:strVal val="#ppt_x"/>
-                                          </p:val>
-                                        </p:tav>
-                                      </p:tavLst>
-                                    </p:anim>
-                                    <p:anim calcmode="lin" valueType="num">
-                                      <p:cBhvr additive="base">
-                                        <p:cTn id="34" dur="500" fill="hold"/>
-                                        <p:tgtEl>
-                                          <p:spTgt spid="5">
-                                            <p:txEl>
-                                              <p:pRg st="12" end="12"/>
-                                            </p:txEl>
-                                          </p:spTgt>
-                                        </p:tgtEl>
-                                        <p:attrNameLst>
-                                          <p:attrName>ppt_y</p:attrName>
-                                        </p:attrNameLst>
-                                      </p:cBhvr>
-                                      <p:tavLst>
-                                        <p:tav tm="0">
-                                          <p:val>
-                                            <p:strVal val="1+#ppt_h/2"/>
-                                          </p:val>
-                                        </p:tav>
-                                        <p:tav tm="100000">
-                                          <p:val>
-                                            <p:strVal val="#ppt_y"/>
-                                          </p:val>
-                                        </p:tav>
-                                      </p:tavLst>
-                                    </p:anim>
-                                  </p:childTnLst>
-                                </p:cTn>
-                              </p:par>
-                              <p:par>
-                                <p:cTn id="35" presetID="2" presetClass="entr" presetSubtype="4" fill="hold" nodeType="withEffect">
-                                  <p:stCondLst>
-                                    <p:cond delay="0"/>
-                                  </p:stCondLst>
-                                  <p:childTnLst>
-                                    <p:set>
-                                      <p:cBhvr>
-                                        <p:cTn id="36" dur="1" fill="hold">
-                                          <p:stCondLst>
-                                            <p:cond delay="0"/>
-                                          </p:stCondLst>
-                                        </p:cTn>
-                                        <p:tgtEl>
-                                          <p:spTgt spid="5">
-                                            <p:txEl>
-                                              <p:pRg st="14" end="14"/>
-                                            </p:txEl>
-                                          </p:spTgt>
-                                        </p:tgtEl>
-                                        <p:attrNameLst>
-                                          <p:attrName>style.visibility</p:attrName>
-                                        </p:attrNameLst>
-                                      </p:cBhvr>
-                                      <p:to>
-                                        <p:strVal val="visible"/>
-                                      </p:to>
-                                    </p:set>
-                                    <p:anim calcmode="lin" valueType="num">
-                                      <p:cBhvr additive="base">
-                                        <p:cTn id="37" dur="500" fill="hold"/>
-                                        <p:tgtEl>
-                                          <p:spTgt spid="5">
-                                            <p:txEl>
-                                              <p:pRg st="14" end="14"/>
-                                            </p:txEl>
-                                          </p:spTgt>
-                                        </p:tgtEl>
-                                        <p:attrNameLst>
-                                          <p:attrName>ppt_x</p:attrName>
-                                        </p:attrNameLst>
-                                      </p:cBhvr>
-                                      <p:tavLst>
-                                        <p:tav tm="0">
-                                          <p:val>
-                                            <p:strVal val="#ppt_x"/>
-                                          </p:val>
-                                        </p:tav>
-                                        <p:tav tm="100000">
-                                          <p:val>
-                                            <p:strVal val="#ppt_x"/>
-                                          </p:val>
-                                        </p:tav>
-                                      </p:tavLst>
-                                    </p:anim>
-                                    <p:anim calcmode="lin" valueType="num">
-                                      <p:cBhvr additive="base">
-                                        <p:cTn id="38" dur="500" fill="hold"/>
-                                        <p:tgtEl>
-                                          <p:spTgt spid="5">
-                                            <p:txEl>
-                                              <p:pRg st="14" end="14"/>
-                                            </p:txEl>
-                                          </p:spTgt>
-                                        </p:tgtEl>
-                                        <p:attrNameLst>
-                                          <p:attrName>ppt_y</p:attrName>
-                                        </p:attrNameLst>
-                                      </p:cBhvr>
-                                      <p:tavLst>
-                                        <p:tav tm="0">
-                                          <p:val>
-                                            <p:strVal val="1+#ppt_h/2"/>
-                                          </p:val>
-                                        </p:tav>
-                                        <p:tav tm="100000">
-                                          <p:val>
-                                            <p:strVal val="#ppt_y"/>
-                                          </p:val>
-                                        </p:tav>
-                                      </p:tavLst>
-                                    </p:anim>
-                                  </p:childTnLst>
-                                </p:cTn>
-                              </p:par>
-                              <p:par>
-                                <p:cTn id="39" presetID="2" presetClass="entr" presetSubtype="4" fill="hold" nodeType="withEffect">
-                                  <p:stCondLst>
-                                    <p:cond delay="0"/>
-                                  </p:stCondLst>
-                                  <p:childTnLst>
-                                    <p:set>
-                                      <p:cBhvr>
-                                        <p:cTn id="40" dur="1" fill="hold">
-                                          <p:stCondLst>
-                                            <p:cond delay="0"/>
-                                          </p:stCondLst>
-                                        </p:cTn>
-                                        <p:tgtEl>
-                                          <p:spTgt spid="5">
-                                            <p:txEl>
-                                              <p:pRg st="16" end="16"/>
-                                            </p:txEl>
-                                          </p:spTgt>
-                                        </p:tgtEl>
-                                        <p:attrNameLst>
-                                          <p:attrName>style.visibility</p:attrName>
-                                        </p:attrNameLst>
-                                      </p:cBhvr>
-                                      <p:to>
-                                        <p:strVal val="visible"/>
-                                      </p:to>
-                                    </p:set>
-                                    <p:anim calcmode="lin" valueType="num">
-                                      <p:cBhvr additive="base">
-                                        <p:cTn id="41" dur="500" fill="hold"/>
-                                        <p:tgtEl>
-                                          <p:spTgt spid="5">
-                                            <p:txEl>
-                                              <p:pRg st="16" end="16"/>
-                                            </p:txEl>
-                                          </p:spTgt>
-                                        </p:tgtEl>
-                                        <p:attrNameLst>
-                                          <p:attrName>ppt_x</p:attrName>
-                                        </p:attrNameLst>
-                                      </p:cBhvr>
-                                      <p:tavLst>
-                                        <p:tav tm="0">
-                                          <p:val>
-                                            <p:strVal val="#ppt_x"/>
-                                          </p:val>
-                                        </p:tav>
-                                        <p:tav tm="100000">
-                                          <p:val>
-                                            <p:strVal val="#ppt_x"/>
-                                          </p:val>
-                                        </p:tav>
-                                      </p:tavLst>
-                                    </p:anim>
-                                    <p:anim calcmode="lin" valueType="num">
-                                      <p:cBhvr additive="base">
-                                        <p:cTn id="42" dur="500" fill="hold"/>
-                                        <p:tgtEl>
-                                          <p:spTgt spid="5">
-                                            <p:txEl>
-                                              <p:pRg st="16" end="16"/>
                                             </p:txEl>
                                           </p:spTgt>
                                         </p:tgtEl>
@@ -10734,8 +9004,8 @@
         </p:nvSpPr>
         <p:spPr>
           <a:xfrm>
-            <a:off x="621665" y="128270"/>
-            <a:ext cx="4239895" cy="368300"/>
+            <a:off x="622300" y="128270"/>
+            <a:ext cx="4239260" cy="368300"/>
           </a:xfrm>
           <a:prstGeom prst="rect">
             <a:avLst/>
@@ -10790,7 +9060,7 @@
                   </a:outerShdw>
                 </a:effectLst>
               </a:rPr>
-              <a:t>研究进度安排</a:t>
+              <a:t>主要技术</a:t>
             </a:r>
             <a:endParaRPr lang="zh-CN" altLang="en-US">
               <a:solidFill>
@@ -10809,8 +9079,8 @@
       </p:sp>
       <p:sp>
         <p:nvSpPr>
-          <p:cNvPr id="16" name="圆角矩形 15"/>
-          <p:cNvSpPr/>
+          <p:cNvPr id="5" name="文本框 4"/>
+          <p:cNvSpPr txBox="1"/>
           <p:nvPr>
             <p:custDataLst>
               <p:tags r:id="rId1"/>
@@ -10819,109 +9089,7 @@
         </p:nvSpPr>
         <p:spPr>
           <a:xfrm>
-            <a:off x="11040745" y="5195570"/>
-            <a:ext cx="860425" cy="871220"/>
-          </a:xfrm>
-          <a:prstGeom prst="roundRect">
-            <a:avLst/>
-          </a:prstGeom>
-          <a:ln>
-            <a:noFill/>
-          </a:ln>
-          <a:effectLst>
-            <a:outerShdw blurRad="152400" dist="76200" dir="8040000" algn="ctr" rotWithShape="0">
-              <a:srgbClr val="C8C8C8">
-                <a:alpha val="58000"/>
-              </a:srgbClr>
-            </a:outerShdw>
-          </a:effectLst>
-        </p:spPr>
-        <p:style>
-          <a:lnRef idx="2">
-            <a:schemeClr val="accent4">
-              <a:shade val="50000"/>
-            </a:schemeClr>
-          </a:lnRef>
-          <a:fillRef idx="1">
-            <a:schemeClr val="accent4"/>
-          </a:fillRef>
-          <a:effectRef idx="0">
-            <a:schemeClr val="accent4"/>
-          </a:effectRef>
-          <a:fontRef idx="minor">
-            <a:schemeClr val="lt1"/>
-          </a:fontRef>
-        </p:style>
-        <p:txBody>
-          <a:bodyPr rtlCol="0" anchor="ctr"/>
-          <a:p>
-            <a:pPr algn="ctr"/>
-            <a:endParaRPr lang="zh-CN" altLang="en-US"/>
-          </a:p>
-        </p:txBody>
-      </p:sp>
-      <p:sp>
-        <p:nvSpPr>
-          <p:cNvPr id="17" name="圆角矩形 16"/>
-          <p:cNvSpPr/>
-          <p:nvPr>
-            <p:custDataLst>
-              <p:tags r:id="rId2"/>
-            </p:custDataLst>
-          </p:nvPr>
-        </p:nvSpPr>
-        <p:spPr>
-          <a:xfrm>
-            <a:off x="10287000" y="6149975"/>
-            <a:ext cx="481965" cy="463550"/>
-          </a:xfrm>
-          <a:prstGeom prst="roundRect">
-            <a:avLst/>
-          </a:prstGeom>
-          <a:ln>
-            <a:noFill/>
-          </a:ln>
-          <a:effectLst>
-            <a:outerShdw blurRad="152400" dist="76200" dir="8040000" algn="ctr" rotWithShape="0">
-              <a:srgbClr val="C8C8C8">
-                <a:alpha val="58000"/>
-              </a:srgbClr>
-            </a:outerShdw>
-          </a:effectLst>
-        </p:spPr>
-        <p:style>
-          <a:lnRef idx="2">
-            <a:schemeClr val="accent4">
-              <a:shade val="50000"/>
-            </a:schemeClr>
-          </a:lnRef>
-          <a:fillRef idx="1">
-            <a:schemeClr val="accent4"/>
-          </a:fillRef>
-          <a:effectRef idx="0">
-            <a:schemeClr val="accent4"/>
-          </a:effectRef>
-          <a:fontRef idx="minor">
-            <a:schemeClr val="lt1"/>
-          </a:fontRef>
-        </p:style>
-        <p:txBody>
-          <a:bodyPr rtlCol="0" anchor="ctr"/>
-          <a:p>
-            <a:pPr algn="ctr"/>
-            <a:endParaRPr lang="zh-CN" altLang="en-US"/>
-          </a:p>
-        </p:txBody>
-      </p:sp>
-      <p:sp>
-        <p:nvSpPr>
-          <p:cNvPr id="5" name="文本框 4"/>
-          <p:cNvSpPr txBox="1"/>
-          <p:nvPr/>
-        </p:nvSpPr>
-        <p:spPr>
-          <a:xfrm>
-            <a:off x="245745" y="843915"/>
+            <a:off x="245745" y="951230"/>
             <a:ext cx="11730355" cy="5504815"/>
           </a:xfrm>
           <a:prstGeom prst="rect">
@@ -10934,171 +9102,217 @@
             <a:noAutofit/>
           </a:bodyPr>
           <a:p>
-            <a:pPr indent="0">
+            <a:pPr marL="285750" indent="-285750">
               <a:buFont typeface="Arial" panose="020B0604020202020204" pitchFamily="34" charset="0"/>
-              <a:buNone/>
+              <a:buChar char="•"/>
+            </a:pPr>
+            <a:r>
+              <a:rPr lang="zh-CN" altLang="en-US"/>
+              <a:t>前端</a:t>
+            </a:r>
+            <a:endParaRPr lang="zh-CN" altLang="en-US"/>
+          </a:p>
+          <a:p>
+            <a:pPr marL="285750" indent="-285750">
+              <a:buFont typeface="Arial" panose="020B0604020202020204" pitchFamily="34" charset="0"/>
+              <a:buChar char="•"/>
             </a:pPr>
             <a:endParaRPr lang="zh-CN" altLang="en-US"/>
           </a:p>
           <a:p>
-            <a:pPr marL="342900" indent="-342900">
+            <a:pPr marL="742950" lvl="1" indent="-285750">
               <a:buFont typeface="Arial" panose="020B0604020202020204" pitchFamily="34" charset="0"/>
-              <a:buAutoNum type="arabicPeriod"/>
+              <a:buChar char="•"/>
             </a:pPr>
             <a:r>
+              <a:rPr lang="en-US" altLang="zh-CN"/>
+              <a:t>Vue + </a:t>
+            </a:r>
+            <a:r>
               <a:rPr lang="zh-CN" altLang="en-US"/>
-              <a:t>2022-12-20之前：下达毕业论文（设计）任务书。</a:t>
+              <a:t>高德地图</a:t>
+            </a:r>
+            <a:r>
+              <a:rPr lang="en-US" altLang="zh-CN"/>
+              <a:t>GL API</a:t>
+            </a:r>
+            <a:endParaRPr lang="en-US" altLang="zh-CN"/>
+          </a:p>
+          <a:p>
+            <a:pPr marL="742950" lvl="1" indent="-285750">
+              <a:buFont typeface="Arial" panose="020B0604020202020204" pitchFamily="34" charset="0"/>
+              <a:buChar char="•"/>
+            </a:pPr>
+            <a:endParaRPr lang="en-US" altLang="zh-CN"/>
+          </a:p>
+          <a:p>
+            <a:pPr marL="742950" lvl="1" indent="-285750">
+              <a:buFont typeface="Arial" panose="020B0604020202020204" pitchFamily="34" charset="0"/>
+              <a:buChar char="•"/>
+            </a:pPr>
+            <a:endParaRPr lang="en-US" altLang="zh-CN"/>
+          </a:p>
+          <a:p>
+            <a:pPr marL="285750" indent="-285750">
+              <a:buFont typeface="Arial" panose="020B0604020202020204" pitchFamily="34" charset="0"/>
+              <a:buChar char="•"/>
+            </a:pPr>
+            <a:endParaRPr lang="en-US" altLang="zh-CN"/>
+          </a:p>
+          <a:p>
+            <a:pPr marL="285750" indent="-285750">
+              <a:buFont typeface="Arial" panose="020B0604020202020204" pitchFamily="34" charset="0"/>
+              <a:buChar char="•"/>
+            </a:pPr>
+            <a:endParaRPr lang="en-US" altLang="zh-CN"/>
+          </a:p>
+          <a:p>
+            <a:pPr marL="285750" indent="-285750">
+              <a:buFont typeface="Arial" panose="020B0604020202020204" pitchFamily="34" charset="0"/>
+              <a:buChar char="•"/>
+            </a:pPr>
+            <a:r>
+              <a:rPr lang="zh-CN" altLang="en-US"/>
+              <a:t>后端</a:t>
             </a:r>
             <a:endParaRPr lang="zh-CN" altLang="en-US"/>
           </a:p>
           <a:p>
-            <a:pPr marL="342900" indent="-342900">
+            <a:pPr marL="742950" lvl="1" indent="-285750">
               <a:buFont typeface="Arial" panose="020B0604020202020204" pitchFamily="34" charset="0"/>
-              <a:buAutoNum type="arabicPeriod"/>
+              <a:buChar char="•"/>
             </a:pPr>
             <a:endParaRPr lang="zh-CN" altLang="en-US"/>
           </a:p>
           <a:p>
-            <a:pPr marL="342900" indent="-342900">
+            <a:pPr marL="742950" lvl="1" indent="-285750">
               <a:buFont typeface="Arial" panose="020B0604020202020204" pitchFamily="34" charset="0"/>
-              <a:buAutoNum type="arabicPeriod"/>
+              <a:buChar char="•"/>
             </a:pPr>
             <a:r>
-              <a:rPr lang="zh-CN" altLang="en-US">
-                <a:sym typeface="+mn-ea"/>
-              </a:rPr>
-              <a:t>2023-02-28之前：撰写开题报告，进行开题答辩，开题报告定稿。</a:t>
-            </a:r>
-            <a:endParaRPr lang="zh-CN" altLang="en-US">
-              <a:sym typeface="+mn-ea"/>
-            </a:endParaRPr>
-          </a:p>
-          <a:p>
-            <a:pPr marL="342900" indent="-342900">
+              <a:rPr lang="en-US" altLang="zh-CN"/>
+              <a:t>Node.js + Mysql&amp;Redis</a:t>
+            </a:r>
+            <a:endParaRPr lang="en-US" altLang="zh-CN"/>
+          </a:p>
+          <a:p>
+            <a:pPr marL="742950" lvl="1" indent="-285750">
               <a:buFont typeface="Arial" panose="020B0604020202020204" pitchFamily="34" charset="0"/>
-              <a:buAutoNum type="arabicPeriod"/>
-            </a:pPr>
-            <a:endParaRPr lang="zh-CN" altLang="en-US"/>
-          </a:p>
-          <a:p>
-            <a:pPr marL="342900" indent="-342900">
-              <a:buFont typeface="Arial" panose="020B0604020202020204" pitchFamily="34" charset="0"/>
-              <a:buAutoNum type="arabicPeriod"/>
-            </a:pPr>
-            <a:r>
-              <a:rPr lang="zh-CN" altLang="en-US">
-                <a:sym typeface="+mn-ea"/>
-              </a:rPr>
-              <a:t>2023-04-28之前：在教师指导下，进行学习、调研、实验、设计等。</a:t>
-            </a:r>
-            <a:endParaRPr lang="zh-CN" altLang="en-US">
-              <a:sym typeface="+mn-ea"/>
-            </a:endParaRPr>
-          </a:p>
-          <a:p>
-            <a:pPr marL="342900" indent="-342900">
-              <a:buFont typeface="Arial" panose="020B0604020202020204" pitchFamily="34" charset="0"/>
-              <a:buAutoNum type="arabicPeriod"/>
-            </a:pPr>
-            <a:endParaRPr lang="zh-CN" altLang="en-US"/>
-          </a:p>
-          <a:p>
-            <a:pPr marL="342900" indent="-342900">
-              <a:buFont typeface="Arial" panose="020B0604020202020204" pitchFamily="34" charset="0"/>
-              <a:buAutoNum type="arabicPeriod"/>
-            </a:pPr>
-            <a:r>
-              <a:rPr lang="zh-CN" altLang="en-US">
-                <a:sym typeface="+mn-ea"/>
-              </a:rPr>
-              <a:t>2023-05-05之前：完成毕业设计初稿，呈指导教师检查。</a:t>
-            </a:r>
-            <a:endParaRPr lang="zh-CN" altLang="en-US">
-              <a:sym typeface="+mn-ea"/>
-            </a:endParaRPr>
-          </a:p>
-          <a:p>
-            <a:pPr marL="342900" indent="-342900">
-              <a:buFont typeface="Arial" panose="020B0604020202020204" pitchFamily="34" charset="0"/>
-              <a:buAutoNum type="arabicPeriod"/>
-            </a:pPr>
-            <a:endParaRPr lang="zh-CN" altLang="en-US"/>
-          </a:p>
-          <a:p>
-            <a:pPr marL="342900" indent="-342900">
-              <a:buFont typeface="Arial" panose="020B0604020202020204" pitchFamily="34" charset="0"/>
-              <a:buAutoNum type="arabicPeriod"/>
-            </a:pPr>
-            <a:r>
-              <a:rPr lang="zh-CN" altLang="en-US">
-                <a:sym typeface="+mn-ea"/>
-              </a:rPr>
-              <a:t>2023-05-10之前：完成毕业设计终稿，呈院（系）检测。</a:t>
-            </a:r>
-            <a:endParaRPr lang="zh-CN" altLang="en-US">
-              <a:sym typeface="+mn-ea"/>
-            </a:endParaRPr>
-          </a:p>
-          <a:p>
-            <a:pPr marL="342900" indent="-342900">
-              <a:buFont typeface="Arial" panose="020B0604020202020204" pitchFamily="34" charset="0"/>
-              <a:buAutoNum type="arabicPeriod"/>
-            </a:pPr>
-            <a:endParaRPr lang="zh-CN" altLang="en-US"/>
-          </a:p>
-          <a:p>
-            <a:pPr marL="342900" indent="-342900">
-              <a:buFont typeface="Arial" panose="020B0604020202020204" pitchFamily="34" charset="0"/>
-              <a:buAutoNum type="arabicPeriod"/>
-            </a:pPr>
-            <a:r>
-              <a:rPr lang="zh-CN" altLang="en-US">
-                <a:sym typeface="+mn-ea"/>
-              </a:rPr>
-              <a:t>2023-05-19之前：完成毕业设计定稿，呈指导教师和评阅教师评阅。</a:t>
-            </a:r>
-            <a:endParaRPr lang="zh-CN" altLang="en-US">
-              <a:sym typeface="+mn-ea"/>
-            </a:endParaRPr>
-          </a:p>
-          <a:p>
-            <a:pPr marL="342900" indent="-342900">
-              <a:buFont typeface="Arial" panose="020B0604020202020204" pitchFamily="34" charset="0"/>
-              <a:buAutoNum type="arabicPeriod"/>
-            </a:pPr>
-            <a:endParaRPr lang="zh-CN" altLang="en-US"/>
-          </a:p>
-          <a:p>
-            <a:pPr marL="342900" indent="-342900">
-              <a:buFont typeface="Arial" panose="020B0604020202020204" pitchFamily="34" charset="0"/>
-              <a:buAutoNum type="arabicPeriod"/>
-            </a:pPr>
-            <a:r>
-              <a:rPr lang="zh-CN" altLang="en-US">
-                <a:sym typeface="+mn-ea"/>
-              </a:rPr>
-              <a:t>2023-05-31之前：毕业设计答辩。</a:t>
-            </a:r>
-            <a:endParaRPr lang="zh-CN" altLang="en-US"/>
-          </a:p>
-          <a:p>
-            <a:pPr marL="342900" indent="-342900">
-              <a:buFont typeface="Arial" panose="020B0604020202020204" pitchFamily="34" charset="0"/>
-              <a:buAutoNum type="arabicPeriod"/>
-            </a:pPr>
-            <a:endParaRPr lang="zh-CN" altLang="en-US"/>
-          </a:p>
-          <a:p>
-            <a:pPr indent="0">
-              <a:buFont typeface="Arial" panose="020B0604020202020204" pitchFamily="34" charset="0"/>
-              <a:buNone/>
+              <a:buChar char="•"/>
             </a:pPr>
             <a:endParaRPr lang="en-US" altLang="zh-CN"/>
           </a:p>
           <a:p>
-            <a:pPr marL="342900" indent="-342900">
+            <a:pPr marL="742950" lvl="1" indent="-285750">
               <a:buFont typeface="Arial" panose="020B0604020202020204" pitchFamily="34" charset="0"/>
-              <a:buAutoNum type="arabicPeriod"/>
+              <a:buChar char="•"/>
+            </a:pPr>
+            <a:endParaRPr lang="en-US" altLang="zh-CN"/>
+          </a:p>
+          <a:p>
+            <a:pPr marL="742950" lvl="1" indent="-285750">
+              <a:buFont typeface="Arial" panose="020B0604020202020204" pitchFamily="34" charset="0"/>
+              <a:buChar char="•"/>
+            </a:pPr>
+            <a:endParaRPr lang="en-US" altLang="zh-CN"/>
+          </a:p>
+          <a:p>
+            <a:pPr marL="742950" lvl="1" indent="-285750">
+              <a:buFont typeface="Arial" panose="020B0604020202020204" pitchFamily="34" charset="0"/>
+              <a:buChar char="•"/>
+            </a:pPr>
+            <a:endParaRPr lang="en-US" altLang="zh-CN"/>
+          </a:p>
+          <a:p>
+            <a:pPr marL="285750" lvl="0" indent="-285750">
+              <a:buFont typeface="Arial" panose="020B0604020202020204" pitchFamily="34" charset="0"/>
+              <a:buChar char="•"/>
+            </a:pPr>
+            <a:r>
+              <a:rPr lang="zh-CN" altLang="en-US">
+                <a:solidFill>
+                  <a:schemeClr val="tx1"/>
+                </a:solidFill>
+              </a:rPr>
+              <a:t>运维</a:t>
+            </a:r>
+            <a:r>
+              <a:rPr lang="en-US" altLang="zh-CN">
+                <a:solidFill>
+                  <a:schemeClr val="tx1"/>
+                </a:solidFill>
+              </a:rPr>
+              <a:t>/</a:t>
+            </a:r>
+            <a:r>
+              <a:rPr lang="zh-CN" altLang="en-US">
+                <a:solidFill>
+                  <a:schemeClr val="tx1"/>
+                </a:solidFill>
+              </a:rPr>
+              <a:t>部署</a:t>
+            </a:r>
+            <a:endParaRPr lang="zh-CN" altLang="en-US">
+              <a:solidFill>
+                <a:schemeClr val="tx1"/>
+              </a:solidFill>
+            </a:endParaRPr>
+          </a:p>
+          <a:p>
+            <a:pPr marL="285750" lvl="0" indent="-285750">
+              <a:buFont typeface="Arial" panose="020B0604020202020204" pitchFamily="34" charset="0"/>
+              <a:buChar char="•"/>
+            </a:pPr>
+            <a:endParaRPr lang="zh-CN" altLang="en-US">
+              <a:solidFill>
+                <a:schemeClr val="tx1"/>
+              </a:solidFill>
+            </a:endParaRPr>
+          </a:p>
+          <a:p>
+            <a:pPr marL="742950" lvl="1" indent="-285750">
+              <a:buFont typeface="Arial" panose="020B0604020202020204" pitchFamily="34" charset="0"/>
+              <a:buChar char="•"/>
+            </a:pPr>
+            <a:r>
+              <a:rPr lang="en-US" altLang="zh-CN">
+                <a:solidFill>
+                  <a:schemeClr val="tx1"/>
+                </a:solidFill>
+              </a:rPr>
+              <a:t>Linux + Nginx</a:t>
+            </a:r>
+            <a:endParaRPr lang="en-US" altLang="zh-CN">
+              <a:solidFill>
+                <a:schemeClr val="tx1"/>
+              </a:solidFill>
+            </a:endParaRPr>
+          </a:p>
+          <a:p>
+            <a:pPr marL="742950" lvl="1" indent="-285750">
+              <a:buFont typeface="Arial" panose="020B0604020202020204" pitchFamily="34" charset="0"/>
+              <a:buChar char="•"/>
+            </a:pPr>
+            <a:endParaRPr lang="en-US" altLang="zh-CN"/>
+          </a:p>
+          <a:p>
+            <a:pPr marL="742950" lvl="1" indent="-285750">
+              <a:buFont typeface="Arial" panose="020B0604020202020204" pitchFamily="34" charset="0"/>
+              <a:buChar char="•"/>
+            </a:pPr>
+            <a:endParaRPr lang="en-US" altLang="zh-CN"/>
+          </a:p>
+          <a:p>
+            <a:pPr marL="742950" lvl="1" indent="-285750">
+              <a:buFont typeface="Arial" panose="020B0604020202020204" pitchFamily="34" charset="0"/>
+              <a:buChar char="•"/>
+            </a:pPr>
+            <a:endParaRPr lang="en-US" altLang="zh-CN"/>
+          </a:p>
+          <a:p>
+            <a:pPr marL="800100" lvl="1" indent="-342900">
+              <a:buFont typeface="Arial" panose="020B0604020202020204" pitchFamily="34" charset="0"/>
+              <a:buChar char="•"/>
             </a:pPr>
             <a:endParaRPr lang="en-US" altLang="zh-CN"/>
           </a:p>
@@ -11106,7 +9320,7 @@
       </p:sp>
     </p:spTree>
     <p:custDataLst>
-      <p:tags r:id="rId3"/>
+      <p:tags r:id="rId2"/>
     </p:custDataLst>
   </p:cSld>
   <p:clrMapOvr>
@@ -11148,7 +9362,7 @@
                                         <p:tgtEl>
                                           <p:spTgt spid="5">
                                             <p:txEl>
-                                              <p:pRg st="1" end="1"/>
+                                              <p:pRg st="0" end="0"/>
                                             </p:txEl>
                                           </p:spTgt>
                                         </p:tgtEl>
@@ -11166,7 +9380,7 @@
                                         <p:tgtEl>
                                           <p:spTgt spid="5">
                                             <p:txEl>
-                                              <p:pRg st="1" end="1"/>
+                                              <p:pRg st="0" end="0"/>
                                             </p:txEl>
                                           </p:spTgt>
                                         </p:tgtEl>
@@ -11193,7 +9407,7 @@
                                         <p:tgtEl>
                                           <p:spTgt spid="5">
                                             <p:txEl>
-                                              <p:pRg st="1" end="1"/>
+                                              <p:pRg st="0" end="0"/>
                                             </p:txEl>
                                           </p:spTgt>
                                         </p:tgtEl>
@@ -11233,7 +9447,7 @@
                                         <p:tgtEl>
                                           <p:spTgt spid="5">
                                             <p:txEl>
-                                              <p:pRg st="3" end="3"/>
+                                              <p:pRg st="2" end="2"/>
                                             </p:txEl>
                                           </p:spTgt>
                                         </p:tgtEl>
@@ -11251,7 +9465,7 @@
                                         <p:tgtEl>
                                           <p:spTgt spid="5">
                                             <p:txEl>
-                                              <p:pRg st="3" end="3"/>
+                                              <p:pRg st="2" end="2"/>
                                             </p:txEl>
                                           </p:spTgt>
                                         </p:tgtEl>
@@ -11278,7 +9492,7 @@
                                         <p:tgtEl>
                                           <p:spTgt spid="5">
                                             <p:txEl>
-                                              <p:pRg st="3" end="3"/>
+                                              <p:pRg st="2" end="2"/>
                                             </p:txEl>
                                           </p:spTgt>
                                         </p:tgtEl>
@@ -11302,100 +9516,33 @@
                                   </p:childTnLst>
                                 </p:cTn>
                               </p:par>
+                            </p:childTnLst>
+                          </p:cTn>
+                        </p:par>
+                      </p:childTnLst>
+                    </p:cTn>
+                  </p:par>
+                  <p:par>
+                    <p:cTn id="13" fill="hold">
+                      <p:stCondLst>
+                        <p:cond delay="indefinite"/>
+                      </p:stCondLst>
+                      <p:childTnLst>
+                        <p:par>
+                          <p:cTn id="14" fill="hold">
+                            <p:stCondLst>
+                              <p:cond delay="0"/>
+                            </p:stCondLst>
+                            <p:childTnLst>
                               <p:par>
-                                <p:cTn id="13" presetID="2" presetClass="entr" presetSubtype="4" fill="hold" nodeType="withEffect">
+                                <p:cTn id="15" presetID="2" presetClass="entr" presetSubtype="4" fill="hold" nodeType="clickEffect">
                                   <p:stCondLst>
                                     <p:cond delay="0"/>
                                   </p:stCondLst>
                                   <p:childTnLst>
                                     <p:set>
                                       <p:cBhvr>
-                                        <p:cTn id="14" dur="1" fill="hold">
-                                          <p:stCondLst>
-                                            <p:cond delay="0"/>
-                                          </p:stCondLst>
-                                        </p:cTn>
-                                        <p:tgtEl>
-                                          <p:spTgt spid="5">
-                                            <p:txEl>
-                                              <p:pRg st="5" end="5"/>
-                                            </p:txEl>
-                                          </p:spTgt>
-                                        </p:tgtEl>
-                                        <p:attrNameLst>
-                                          <p:attrName>style.visibility</p:attrName>
-                                        </p:attrNameLst>
-                                      </p:cBhvr>
-                                      <p:to>
-                                        <p:strVal val="visible"/>
-                                      </p:to>
-                                    </p:set>
-                                    <p:anim calcmode="lin" valueType="num">
-                                      <p:cBhvr additive="base">
-                                        <p:cTn id="15" dur="500" fill="hold"/>
-                                        <p:tgtEl>
-                                          <p:spTgt spid="5">
-                                            <p:txEl>
-                                              <p:pRg st="5" end="5"/>
-                                            </p:txEl>
-                                          </p:spTgt>
-                                        </p:tgtEl>
-                                        <p:attrNameLst>
-                                          <p:attrName>ppt_x</p:attrName>
-                                        </p:attrNameLst>
-                                      </p:cBhvr>
-                                      <p:tavLst>
-                                        <p:tav tm="0">
-                                          <p:val>
-                                            <p:strVal val="#ppt_x"/>
-                                          </p:val>
-                                        </p:tav>
-                                        <p:tav tm="100000">
-                                          <p:val>
-                                            <p:strVal val="#ppt_x"/>
-                                          </p:val>
-                                        </p:tav>
-                                      </p:tavLst>
-                                    </p:anim>
-                                    <p:anim calcmode="lin" valueType="num">
-                                      <p:cBhvr additive="base">
-                                        <p:cTn id="16" dur="500" fill="hold"/>
-                                        <p:tgtEl>
-                                          <p:spTgt spid="5">
-                                            <p:txEl>
-                                              <p:pRg st="5" end="5"/>
-                                            </p:txEl>
-                                          </p:spTgt>
-                                        </p:tgtEl>
-                                        <p:attrNameLst>
-                                          <p:attrName>ppt_y</p:attrName>
-                                        </p:attrNameLst>
-                                      </p:cBhvr>
-                                      <p:tavLst>
-                                        <p:tav tm="0">
-                                          <p:val>
-                                            <p:strVal val="1+#ppt_h/2"/>
-                                          </p:val>
-                                        </p:tav>
-                                        <p:tav tm="100000">
-                                          <p:val>
-                                            <p:strVal val="#ppt_y"/>
-                                          </p:val>
-                                        </p:tav>
-                                      </p:tavLst>
-                                    </p:anim>
-                                  </p:childTnLst>
-                                </p:cTn>
-                              </p:par>
-                              <p:par>
-                                <p:cTn id="17" presetID="2" presetClass="entr" presetSubtype="4" fill="hold" nodeType="withEffect">
-                                  <p:stCondLst>
-                                    <p:cond delay="0"/>
-                                  </p:stCondLst>
-                                  <p:childTnLst>
-                                    <p:set>
-                                      <p:cBhvr>
-                                        <p:cTn id="18" dur="1" fill="hold">
+                                        <p:cTn id="16" dur="1" fill="hold">
                                           <p:stCondLst>
                                             <p:cond delay="0"/>
                                           </p:stCondLst>
@@ -11417,7 +9564,7 @@
                                     </p:set>
                                     <p:anim calcmode="lin" valueType="num">
                                       <p:cBhvr additive="base">
-                                        <p:cTn id="19" dur="500" fill="hold"/>
+                                        <p:cTn id="17" dur="500" fill="hold"/>
                                         <p:tgtEl>
                                           <p:spTgt spid="5">
                                             <p:txEl>
@@ -11444,7 +9591,7 @@
                                     </p:anim>
                                     <p:anim calcmode="lin" valueType="num">
                                       <p:cBhvr additive="base">
-                                        <p:cTn id="20" dur="500" fill="hold"/>
+                                        <p:cTn id="18" dur="500" fill="hold"/>
                                         <p:tgtEl>
                                           <p:spTgt spid="5">
                                             <p:txEl>
@@ -11473,14 +9620,14 @@
                                 </p:cTn>
                               </p:par>
                               <p:par>
-                                <p:cTn id="21" presetID="2" presetClass="entr" presetSubtype="4" fill="hold" nodeType="withEffect">
+                                <p:cTn id="19" presetID="2" presetClass="entr" presetSubtype="4" fill="hold" nodeType="withEffect">
                                   <p:stCondLst>
                                     <p:cond delay="0"/>
                                   </p:stCondLst>
                                   <p:childTnLst>
                                     <p:set>
                                       <p:cBhvr>
-                                        <p:cTn id="22" dur="1" fill="hold">
+                                        <p:cTn id="20" dur="1" fill="hold">
                                           <p:stCondLst>
                                             <p:cond delay="0"/>
                                           </p:stCondLst>
@@ -11502,7 +9649,7 @@
                                     </p:set>
                                     <p:anim calcmode="lin" valueType="num">
                                       <p:cBhvr additive="base">
-                                        <p:cTn id="23" dur="500" fill="hold"/>
+                                        <p:cTn id="21" dur="500" fill="hold"/>
                                         <p:tgtEl>
                                           <p:spTgt spid="5">
                                             <p:txEl>
@@ -11529,7 +9676,7 @@
                                     </p:anim>
                                     <p:anim calcmode="lin" valueType="num">
                                       <p:cBhvr additive="base">
-                                        <p:cTn id="24" dur="500" fill="hold"/>
+                                        <p:cTn id="22" dur="500" fill="hold"/>
                                         <p:tgtEl>
                                           <p:spTgt spid="5">
                                             <p:txEl>
@@ -11557,8 +9704,26 @@
                                   </p:childTnLst>
                                 </p:cTn>
                               </p:par>
+                            </p:childTnLst>
+                          </p:cTn>
+                        </p:par>
+                      </p:childTnLst>
+                    </p:cTn>
+                  </p:par>
+                  <p:par>
+                    <p:cTn id="23" fill="hold">
+                      <p:stCondLst>
+                        <p:cond delay="indefinite"/>
+                      </p:stCondLst>
+                      <p:childTnLst>
+                        <p:par>
+                          <p:cTn id="24" fill="hold">
+                            <p:stCondLst>
+                              <p:cond delay="0"/>
+                            </p:stCondLst>
+                            <p:childTnLst>
                               <p:par>
-                                <p:cTn id="25" presetID="2" presetClass="entr" presetSubtype="4" fill="hold" nodeType="withEffect">
+                                <p:cTn id="25" presetID="2" presetClass="entr" presetSubtype="4" fill="hold" nodeType="clickEffect">
                                   <p:stCondLst>
                                     <p:cond delay="0"/>
                                   </p:stCondLst>
@@ -11573,7 +9738,7 @@
                                         <p:tgtEl>
                                           <p:spTgt spid="5">
                                             <p:txEl>
-                                              <p:pRg st="11" end="11"/>
+                                              <p:pRg st="14" end="14"/>
                                             </p:txEl>
                                           </p:spTgt>
                                         </p:tgtEl>
@@ -11591,7 +9756,7 @@
                                         <p:tgtEl>
                                           <p:spTgt spid="5">
                                             <p:txEl>
-                                              <p:pRg st="11" end="11"/>
+                                              <p:pRg st="14" end="14"/>
                                             </p:txEl>
                                           </p:spTgt>
                                         </p:tgtEl>
@@ -11618,7 +9783,7 @@
                                         <p:tgtEl>
                                           <p:spTgt spid="5">
                                             <p:txEl>
-                                              <p:pRg st="11" end="11"/>
+                                              <p:pRg st="14" end="14"/>
                                             </p:txEl>
                                           </p:spTgt>
                                         </p:tgtEl>
@@ -11658,7 +9823,7 @@
                                         <p:tgtEl>
                                           <p:spTgt spid="5">
                                             <p:txEl>
-                                              <p:pRg st="13" end="13"/>
+                                              <p:pRg st="16" end="16"/>
                                             </p:txEl>
                                           </p:spTgt>
                                         </p:tgtEl>
@@ -11676,7 +9841,7 @@
                                         <p:tgtEl>
                                           <p:spTgt spid="5">
                                             <p:txEl>
-                                              <p:pRg st="13" end="13"/>
+                                              <p:pRg st="16" end="16"/>
                                             </p:txEl>
                                           </p:spTgt>
                                         </p:tgtEl>
@@ -11703,7 +9868,7 @@
                                         <p:tgtEl>
                                           <p:spTgt spid="5">
                                             <p:txEl>
-                                              <p:pRg st="13" end="13"/>
+                                              <p:pRg st="16" end="16"/>
                                             </p:txEl>
                                           </p:spTgt>
                                         </p:tgtEl>
@@ -11895,7 +10060,7 @@
                   </a:outerShdw>
                 </a:effectLst>
               </a:rPr>
-              <a:t>五</a:t>
+              <a:t>六</a:t>
             </a:r>
             <a:r>
               <a:rPr lang="en-US" altLang="zh-CN">
@@ -13030,1036 +11195,6 @@
                   </a:outerShdw>
                 </a:effectLst>
               </a:rPr>
-              <a:t>六</a:t>
-            </a:r>
-            <a:r>
-              <a:rPr lang="en-US" altLang="zh-CN">
-                <a:solidFill>
-                  <a:srgbClr val="FFBA55"/>
-                </a:solidFill>
-                <a:effectLst>
-                  <a:outerShdw blurRad="38100" dist="19050" dir="2700000" algn="tl" rotWithShape="0">
-                    <a:schemeClr val="dk1">
-                      <a:alpha val="40000"/>
-                    </a:schemeClr>
-                  </a:outerShdw>
-                </a:effectLst>
-              </a:rPr>
-              <a:t>.</a:t>
-            </a:r>
-            <a:r>
-              <a:rPr lang="zh-CN" altLang="en-US">
-                <a:solidFill>
-                  <a:srgbClr val="FFBA55"/>
-                </a:solidFill>
-                <a:effectLst>
-                  <a:outerShdw blurRad="38100" dist="19050" dir="2700000" algn="tl" rotWithShape="0">
-                    <a:schemeClr val="dk1">
-                      <a:alpha val="40000"/>
-                    </a:schemeClr>
-                  </a:outerShdw>
-                </a:effectLst>
-              </a:rPr>
-              <a:t>主要技术</a:t>
-            </a:r>
-            <a:endParaRPr lang="zh-CN" altLang="en-US">
-              <a:solidFill>
-                <a:srgbClr val="FFBA55"/>
-              </a:solidFill>
-              <a:effectLst>
-                <a:outerShdw blurRad="38100" dist="19050" dir="2700000" algn="tl" rotWithShape="0">
-                  <a:schemeClr val="dk1">
-                    <a:alpha val="40000"/>
-                  </a:schemeClr>
-                </a:outerShdw>
-              </a:effectLst>
-            </a:endParaRPr>
-          </a:p>
-        </p:txBody>
-      </p:sp>
-      <p:sp>
-        <p:nvSpPr>
-          <p:cNvPr id="5" name="文本框 4"/>
-          <p:cNvSpPr txBox="1"/>
-          <p:nvPr>
-            <p:custDataLst>
-              <p:tags r:id="rId1"/>
-            </p:custDataLst>
-          </p:nvPr>
-        </p:nvSpPr>
-        <p:spPr>
-          <a:xfrm>
-            <a:off x="245745" y="951230"/>
-            <a:ext cx="11730355" cy="5504815"/>
-          </a:xfrm>
-          <a:prstGeom prst="rect">
-            <a:avLst/>
-          </a:prstGeom>
-          <a:noFill/>
-        </p:spPr>
-        <p:txBody>
-          <a:bodyPr wrap="square" rtlCol="0">
-            <a:noAutofit/>
-          </a:bodyPr>
-          <a:p>
-            <a:pPr marL="285750" indent="-285750">
-              <a:buFont typeface="Arial" panose="020B0604020202020204" pitchFamily="34" charset="0"/>
-              <a:buChar char="•"/>
-            </a:pPr>
-            <a:r>
-              <a:rPr lang="zh-CN" altLang="en-US"/>
-              <a:t>前端</a:t>
-            </a:r>
-            <a:endParaRPr lang="zh-CN" altLang="en-US"/>
-          </a:p>
-          <a:p>
-            <a:pPr marL="285750" indent="-285750">
-              <a:buFont typeface="Arial" panose="020B0604020202020204" pitchFamily="34" charset="0"/>
-              <a:buChar char="•"/>
-            </a:pPr>
-            <a:endParaRPr lang="zh-CN" altLang="en-US"/>
-          </a:p>
-          <a:p>
-            <a:pPr marL="742950" lvl="1" indent="-285750">
-              <a:buFont typeface="Arial" panose="020B0604020202020204" pitchFamily="34" charset="0"/>
-              <a:buChar char="•"/>
-            </a:pPr>
-            <a:r>
-              <a:rPr lang="en-US" altLang="zh-CN"/>
-              <a:t>Vue + </a:t>
-            </a:r>
-            <a:r>
-              <a:rPr lang="zh-CN" altLang="en-US"/>
-              <a:t>高德地图</a:t>
-            </a:r>
-            <a:r>
-              <a:rPr lang="en-US" altLang="zh-CN"/>
-              <a:t>GL API</a:t>
-            </a:r>
-            <a:endParaRPr lang="en-US" altLang="zh-CN"/>
-          </a:p>
-          <a:p>
-            <a:pPr marL="742950" lvl="1" indent="-285750">
-              <a:buFont typeface="Arial" panose="020B0604020202020204" pitchFamily="34" charset="0"/>
-              <a:buChar char="•"/>
-            </a:pPr>
-            <a:endParaRPr lang="en-US" altLang="zh-CN"/>
-          </a:p>
-          <a:p>
-            <a:pPr marL="742950" lvl="1" indent="-285750">
-              <a:buFont typeface="Arial" panose="020B0604020202020204" pitchFamily="34" charset="0"/>
-              <a:buChar char="•"/>
-            </a:pPr>
-            <a:endParaRPr lang="en-US" altLang="zh-CN"/>
-          </a:p>
-          <a:p>
-            <a:pPr marL="285750" indent="-285750">
-              <a:buFont typeface="Arial" panose="020B0604020202020204" pitchFamily="34" charset="0"/>
-              <a:buChar char="•"/>
-            </a:pPr>
-            <a:endParaRPr lang="en-US" altLang="zh-CN"/>
-          </a:p>
-          <a:p>
-            <a:pPr marL="285750" indent="-285750">
-              <a:buFont typeface="Arial" panose="020B0604020202020204" pitchFamily="34" charset="0"/>
-              <a:buChar char="•"/>
-            </a:pPr>
-            <a:endParaRPr lang="en-US" altLang="zh-CN"/>
-          </a:p>
-          <a:p>
-            <a:pPr marL="285750" indent="-285750">
-              <a:buFont typeface="Arial" panose="020B0604020202020204" pitchFamily="34" charset="0"/>
-              <a:buChar char="•"/>
-            </a:pPr>
-            <a:r>
-              <a:rPr lang="zh-CN" altLang="en-US"/>
-              <a:t>后端</a:t>
-            </a:r>
-            <a:endParaRPr lang="zh-CN" altLang="en-US"/>
-          </a:p>
-          <a:p>
-            <a:pPr marL="742950" lvl="1" indent="-285750">
-              <a:buFont typeface="Arial" panose="020B0604020202020204" pitchFamily="34" charset="0"/>
-              <a:buChar char="•"/>
-            </a:pPr>
-            <a:endParaRPr lang="zh-CN" altLang="en-US"/>
-          </a:p>
-          <a:p>
-            <a:pPr marL="742950" lvl="1" indent="-285750">
-              <a:buFont typeface="Arial" panose="020B0604020202020204" pitchFamily="34" charset="0"/>
-              <a:buChar char="•"/>
-            </a:pPr>
-            <a:r>
-              <a:rPr lang="en-US" altLang="zh-CN"/>
-              <a:t>Node.js + Mysql</a:t>
-            </a:r>
-            <a:endParaRPr lang="en-US" altLang="zh-CN"/>
-          </a:p>
-          <a:p>
-            <a:pPr marL="742950" lvl="1" indent="-285750">
-              <a:buFont typeface="Arial" panose="020B0604020202020204" pitchFamily="34" charset="0"/>
-              <a:buChar char="•"/>
-            </a:pPr>
-            <a:endParaRPr lang="en-US" altLang="zh-CN"/>
-          </a:p>
-          <a:p>
-            <a:pPr marL="742950" lvl="1" indent="-285750">
-              <a:buFont typeface="Arial" panose="020B0604020202020204" pitchFamily="34" charset="0"/>
-              <a:buChar char="•"/>
-            </a:pPr>
-            <a:endParaRPr lang="en-US" altLang="zh-CN"/>
-          </a:p>
-          <a:p>
-            <a:pPr marL="742950" lvl="1" indent="-285750">
-              <a:buFont typeface="Arial" panose="020B0604020202020204" pitchFamily="34" charset="0"/>
-              <a:buChar char="•"/>
-            </a:pPr>
-            <a:endParaRPr lang="en-US" altLang="zh-CN"/>
-          </a:p>
-          <a:p>
-            <a:pPr marL="742950" lvl="1" indent="-285750">
-              <a:buFont typeface="Arial" panose="020B0604020202020204" pitchFamily="34" charset="0"/>
-              <a:buChar char="•"/>
-            </a:pPr>
-            <a:endParaRPr lang="en-US" altLang="zh-CN"/>
-          </a:p>
-          <a:p>
-            <a:pPr marL="285750" lvl="0" indent="-285750">
-              <a:buFont typeface="Arial" panose="020B0604020202020204" pitchFamily="34" charset="0"/>
-              <a:buChar char="•"/>
-            </a:pPr>
-            <a:r>
-              <a:rPr lang="zh-CN" altLang="en-US">
-                <a:solidFill>
-                  <a:schemeClr val="tx1"/>
-                </a:solidFill>
-              </a:rPr>
-              <a:t>运维</a:t>
-            </a:r>
-            <a:r>
-              <a:rPr lang="en-US" altLang="zh-CN">
-                <a:solidFill>
-                  <a:schemeClr val="tx1"/>
-                </a:solidFill>
-              </a:rPr>
-              <a:t>/</a:t>
-            </a:r>
-            <a:r>
-              <a:rPr lang="zh-CN" altLang="en-US">
-                <a:solidFill>
-                  <a:schemeClr val="tx1"/>
-                </a:solidFill>
-              </a:rPr>
-              <a:t>部署</a:t>
-            </a:r>
-            <a:endParaRPr lang="zh-CN" altLang="en-US">
-              <a:solidFill>
-                <a:schemeClr val="tx1"/>
-              </a:solidFill>
-            </a:endParaRPr>
-          </a:p>
-          <a:p>
-            <a:pPr marL="285750" lvl="0" indent="-285750">
-              <a:buFont typeface="Arial" panose="020B0604020202020204" pitchFamily="34" charset="0"/>
-              <a:buChar char="•"/>
-            </a:pPr>
-            <a:endParaRPr lang="zh-CN" altLang="en-US">
-              <a:solidFill>
-                <a:schemeClr val="tx1"/>
-              </a:solidFill>
-            </a:endParaRPr>
-          </a:p>
-          <a:p>
-            <a:pPr marL="742950" lvl="1" indent="-285750">
-              <a:buFont typeface="Arial" panose="020B0604020202020204" pitchFamily="34" charset="0"/>
-              <a:buChar char="•"/>
-            </a:pPr>
-            <a:r>
-              <a:rPr lang="en-US" altLang="zh-CN">
-                <a:solidFill>
-                  <a:schemeClr val="tx1"/>
-                </a:solidFill>
-              </a:rPr>
-              <a:t>Linux + Nginx</a:t>
-            </a:r>
-            <a:endParaRPr lang="en-US" altLang="zh-CN">
-              <a:solidFill>
-                <a:schemeClr val="tx1"/>
-              </a:solidFill>
-            </a:endParaRPr>
-          </a:p>
-          <a:p>
-            <a:pPr marL="742950" lvl="1" indent="-285750">
-              <a:buFont typeface="Arial" panose="020B0604020202020204" pitchFamily="34" charset="0"/>
-              <a:buChar char="•"/>
-            </a:pPr>
-            <a:endParaRPr lang="en-US" altLang="zh-CN"/>
-          </a:p>
-          <a:p>
-            <a:pPr marL="742950" lvl="1" indent="-285750">
-              <a:buFont typeface="Arial" panose="020B0604020202020204" pitchFamily="34" charset="0"/>
-              <a:buChar char="•"/>
-            </a:pPr>
-            <a:endParaRPr lang="en-US" altLang="zh-CN"/>
-          </a:p>
-          <a:p>
-            <a:pPr marL="742950" lvl="1" indent="-285750">
-              <a:buFont typeface="Arial" panose="020B0604020202020204" pitchFamily="34" charset="0"/>
-              <a:buChar char="•"/>
-            </a:pPr>
-            <a:endParaRPr lang="en-US" altLang="zh-CN"/>
-          </a:p>
-          <a:p>
-            <a:pPr marL="800100" lvl="1" indent="-342900">
-              <a:buFont typeface="Arial" panose="020B0604020202020204" pitchFamily="34" charset="0"/>
-              <a:buChar char="•"/>
-            </a:pPr>
-            <a:endParaRPr lang="en-US" altLang="zh-CN"/>
-          </a:p>
-        </p:txBody>
-      </p:sp>
-    </p:spTree>
-    <p:custDataLst>
-      <p:tags r:id="rId2"/>
-    </p:custDataLst>
-  </p:cSld>
-  <p:clrMapOvr>
-    <a:masterClrMapping/>
-  </p:clrMapOvr>
-  <p:timing>
-    <p:tnLst>
-      <p:par>
-        <p:cTn id="1" dur="indefinite" restart="never" nodeType="tmRoot">
-          <p:childTnLst>
-            <p:seq concurrent="1" nextAc="seek">
-              <p:cTn id="2" dur="indefinite" nodeType="mainSeq">
-                <p:childTnLst>
-                  <p:par>
-                    <p:cTn id="3" fill="hold">
-                      <p:stCondLst>
-                        <p:cond delay="indefinite"/>
-                      </p:stCondLst>
-                      <p:childTnLst>
-                        <p:par>
-                          <p:cTn id="4" fill="hold">
-                            <p:stCondLst>
-                              <p:cond delay="0"/>
-                            </p:stCondLst>
-                            <p:childTnLst>
-                              <p:par>
-                                <p:cTn id="5" presetID="2" presetClass="entr" presetSubtype="4" fill="hold" nodeType="clickEffect">
-                                  <p:stCondLst>
-                                    <p:cond delay="0"/>
-                                  </p:stCondLst>
-                                  <p:childTnLst>
-                                    <p:set>
-                                      <p:cBhvr>
-                                        <p:cTn id="6" dur="1" fill="hold">
-                                          <p:stCondLst>
-                                            <p:cond delay="0"/>
-                                          </p:stCondLst>
-                                        </p:cTn>
-                                        <p:tgtEl>
-                                          <p:spTgt spid="5">
-                                            <p:txEl>
-                                              <p:pRg st="0" end="0"/>
-                                            </p:txEl>
-                                          </p:spTgt>
-                                        </p:tgtEl>
-                                        <p:attrNameLst>
-                                          <p:attrName>style.visibility</p:attrName>
-                                        </p:attrNameLst>
-                                      </p:cBhvr>
-                                      <p:to>
-                                        <p:strVal val="visible"/>
-                                      </p:to>
-                                    </p:set>
-                                    <p:anim calcmode="lin" valueType="num">
-                                      <p:cBhvr additive="base">
-                                        <p:cTn id="7" dur="500" fill="hold"/>
-                                        <p:tgtEl>
-                                          <p:spTgt spid="5">
-                                            <p:txEl>
-                                              <p:pRg st="0" end="0"/>
-                                            </p:txEl>
-                                          </p:spTgt>
-                                        </p:tgtEl>
-                                        <p:attrNameLst>
-                                          <p:attrName>ppt_x</p:attrName>
-                                        </p:attrNameLst>
-                                      </p:cBhvr>
-                                      <p:tavLst>
-                                        <p:tav tm="0">
-                                          <p:val>
-                                            <p:strVal val="#ppt_x"/>
-                                          </p:val>
-                                        </p:tav>
-                                        <p:tav tm="100000">
-                                          <p:val>
-                                            <p:strVal val="#ppt_x"/>
-                                          </p:val>
-                                        </p:tav>
-                                      </p:tavLst>
-                                    </p:anim>
-                                    <p:anim calcmode="lin" valueType="num">
-                                      <p:cBhvr additive="base">
-                                        <p:cTn id="8" dur="500" fill="hold"/>
-                                        <p:tgtEl>
-                                          <p:spTgt spid="5">
-                                            <p:txEl>
-                                              <p:pRg st="0" end="0"/>
-                                            </p:txEl>
-                                          </p:spTgt>
-                                        </p:tgtEl>
-                                        <p:attrNameLst>
-                                          <p:attrName>ppt_y</p:attrName>
-                                        </p:attrNameLst>
-                                      </p:cBhvr>
-                                      <p:tavLst>
-                                        <p:tav tm="0">
-                                          <p:val>
-                                            <p:strVal val="1+#ppt_h/2"/>
-                                          </p:val>
-                                        </p:tav>
-                                        <p:tav tm="100000">
-                                          <p:val>
-                                            <p:strVal val="#ppt_y"/>
-                                          </p:val>
-                                        </p:tav>
-                                      </p:tavLst>
-                                    </p:anim>
-                                  </p:childTnLst>
-                                </p:cTn>
-                              </p:par>
-                              <p:par>
-                                <p:cTn id="9" presetID="2" presetClass="entr" presetSubtype="4" fill="hold" nodeType="withEffect">
-                                  <p:stCondLst>
-                                    <p:cond delay="0"/>
-                                  </p:stCondLst>
-                                  <p:childTnLst>
-                                    <p:set>
-                                      <p:cBhvr>
-                                        <p:cTn id="10" dur="1" fill="hold">
-                                          <p:stCondLst>
-                                            <p:cond delay="0"/>
-                                          </p:stCondLst>
-                                        </p:cTn>
-                                        <p:tgtEl>
-                                          <p:spTgt spid="5">
-                                            <p:txEl>
-                                              <p:pRg st="2" end="2"/>
-                                            </p:txEl>
-                                          </p:spTgt>
-                                        </p:tgtEl>
-                                        <p:attrNameLst>
-                                          <p:attrName>style.visibility</p:attrName>
-                                        </p:attrNameLst>
-                                      </p:cBhvr>
-                                      <p:to>
-                                        <p:strVal val="visible"/>
-                                      </p:to>
-                                    </p:set>
-                                    <p:anim calcmode="lin" valueType="num">
-                                      <p:cBhvr additive="base">
-                                        <p:cTn id="11" dur="500" fill="hold"/>
-                                        <p:tgtEl>
-                                          <p:spTgt spid="5">
-                                            <p:txEl>
-                                              <p:pRg st="2" end="2"/>
-                                            </p:txEl>
-                                          </p:spTgt>
-                                        </p:tgtEl>
-                                        <p:attrNameLst>
-                                          <p:attrName>ppt_x</p:attrName>
-                                        </p:attrNameLst>
-                                      </p:cBhvr>
-                                      <p:tavLst>
-                                        <p:tav tm="0">
-                                          <p:val>
-                                            <p:strVal val="#ppt_x"/>
-                                          </p:val>
-                                        </p:tav>
-                                        <p:tav tm="100000">
-                                          <p:val>
-                                            <p:strVal val="#ppt_x"/>
-                                          </p:val>
-                                        </p:tav>
-                                      </p:tavLst>
-                                    </p:anim>
-                                    <p:anim calcmode="lin" valueType="num">
-                                      <p:cBhvr additive="base">
-                                        <p:cTn id="12" dur="500" fill="hold"/>
-                                        <p:tgtEl>
-                                          <p:spTgt spid="5">
-                                            <p:txEl>
-                                              <p:pRg st="2" end="2"/>
-                                            </p:txEl>
-                                          </p:spTgt>
-                                        </p:tgtEl>
-                                        <p:attrNameLst>
-                                          <p:attrName>ppt_y</p:attrName>
-                                        </p:attrNameLst>
-                                      </p:cBhvr>
-                                      <p:tavLst>
-                                        <p:tav tm="0">
-                                          <p:val>
-                                            <p:strVal val="1+#ppt_h/2"/>
-                                          </p:val>
-                                        </p:tav>
-                                        <p:tav tm="100000">
-                                          <p:val>
-                                            <p:strVal val="#ppt_y"/>
-                                          </p:val>
-                                        </p:tav>
-                                      </p:tavLst>
-                                    </p:anim>
-                                  </p:childTnLst>
-                                </p:cTn>
-                              </p:par>
-                            </p:childTnLst>
-                          </p:cTn>
-                        </p:par>
-                      </p:childTnLst>
-                    </p:cTn>
-                  </p:par>
-                  <p:par>
-                    <p:cTn id="13" fill="hold">
-                      <p:stCondLst>
-                        <p:cond delay="indefinite"/>
-                      </p:stCondLst>
-                      <p:childTnLst>
-                        <p:par>
-                          <p:cTn id="14" fill="hold">
-                            <p:stCondLst>
-                              <p:cond delay="0"/>
-                            </p:stCondLst>
-                            <p:childTnLst>
-                              <p:par>
-                                <p:cTn id="15" presetID="2" presetClass="entr" presetSubtype="4" fill="hold" nodeType="clickEffect">
-                                  <p:stCondLst>
-                                    <p:cond delay="0"/>
-                                  </p:stCondLst>
-                                  <p:childTnLst>
-                                    <p:set>
-                                      <p:cBhvr>
-                                        <p:cTn id="16" dur="1" fill="hold">
-                                          <p:stCondLst>
-                                            <p:cond delay="0"/>
-                                          </p:stCondLst>
-                                        </p:cTn>
-                                        <p:tgtEl>
-                                          <p:spTgt spid="5">
-                                            <p:txEl>
-                                              <p:pRg st="7" end="7"/>
-                                            </p:txEl>
-                                          </p:spTgt>
-                                        </p:tgtEl>
-                                        <p:attrNameLst>
-                                          <p:attrName>style.visibility</p:attrName>
-                                        </p:attrNameLst>
-                                      </p:cBhvr>
-                                      <p:to>
-                                        <p:strVal val="visible"/>
-                                      </p:to>
-                                    </p:set>
-                                    <p:anim calcmode="lin" valueType="num">
-                                      <p:cBhvr additive="base">
-                                        <p:cTn id="17" dur="500" fill="hold"/>
-                                        <p:tgtEl>
-                                          <p:spTgt spid="5">
-                                            <p:txEl>
-                                              <p:pRg st="7" end="7"/>
-                                            </p:txEl>
-                                          </p:spTgt>
-                                        </p:tgtEl>
-                                        <p:attrNameLst>
-                                          <p:attrName>ppt_x</p:attrName>
-                                        </p:attrNameLst>
-                                      </p:cBhvr>
-                                      <p:tavLst>
-                                        <p:tav tm="0">
-                                          <p:val>
-                                            <p:strVal val="#ppt_x"/>
-                                          </p:val>
-                                        </p:tav>
-                                        <p:tav tm="100000">
-                                          <p:val>
-                                            <p:strVal val="#ppt_x"/>
-                                          </p:val>
-                                        </p:tav>
-                                      </p:tavLst>
-                                    </p:anim>
-                                    <p:anim calcmode="lin" valueType="num">
-                                      <p:cBhvr additive="base">
-                                        <p:cTn id="18" dur="500" fill="hold"/>
-                                        <p:tgtEl>
-                                          <p:spTgt spid="5">
-                                            <p:txEl>
-                                              <p:pRg st="7" end="7"/>
-                                            </p:txEl>
-                                          </p:spTgt>
-                                        </p:tgtEl>
-                                        <p:attrNameLst>
-                                          <p:attrName>ppt_y</p:attrName>
-                                        </p:attrNameLst>
-                                      </p:cBhvr>
-                                      <p:tavLst>
-                                        <p:tav tm="0">
-                                          <p:val>
-                                            <p:strVal val="1+#ppt_h/2"/>
-                                          </p:val>
-                                        </p:tav>
-                                        <p:tav tm="100000">
-                                          <p:val>
-                                            <p:strVal val="#ppt_y"/>
-                                          </p:val>
-                                        </p:tav>
-                                      </p:tavLst>
-                                    </p:anim>
-                                  </p:childTnLst>
-                                </p:cTn>
-                              </p:par>
-                              <p:par>
-                                <p:cTn id="19" presetID="2" presetClass="entr" presetSubtype="4" fill="hold" nodeType="withEffect">
-                                  <p:stCondLst>
-                                    <p:cond delay="0"/>
-                                  </p:stCondLst>
-                                  <p:childTnLst>
-                                    <p:set>
-                                      <p:cBhvr>
-                                        <p:cTn id="20" dur="1" fill="hold">
-                                          <p:stCondLst>
-                                            <p:cond delay="0"/>
-                                          </p:stCondLst>
-                                        </p:cTn>
-                                        <p:tgtEl>
-                                          <p:spTgt spid="5">
-                                            <p:txEl>
-                                              <p:pRg st="9" end="9"/>
-                                            </p:txEl>
-                                          </p:spTgt>
-                                        </p:tgtEl>
-                                        <p:attrNameLst>
-                                          <p:attrName>style.visibility</p:attrName>
-                                        </p:attrNameLst>
-                                      </p:cBhvr>
-                                      <p:to>
-                                        <p:strVal val="visible"/>
-                                      </p:to>
-                                    </p:set>
-                                    <p:anim calcmode="lin" valueType="num">
-                                      <p:cBhvr additive="base">
-                                        <p:cTn id="21" dur="500" fill="hold"/>
-                                        <p:tgtEl>
-                                          <p:spTgt spid="5">
-                                            <p:txEl>
-                                              <p:pRg st="9" end="9"/>
-                                            </p:txEl>
-                                          </p:spTgt>
-                                        </p:tgtEl>
-                                        <p:attrNameLst>
-                                          <p:attrName>ppt_x</p:attrName>
-                                        </p:attrNameLst>
-                                      </p:cBhvr>
-                                      <p:tavLst>
-                                        <p:tav tm="0">
-                                          <p:val>
-                                            <p:strVal val="#ppt_x"/>
-                                          </p:val>
-                                        </p:tav>
-                                        <p:tav tm="100000">
-                                          <p:val>
-                                            <p:strVal val="#ppt_x"/>
-                                          </p:val>
-                                        </p:tav>
-                                      </p:tavLst>
-                                    </p:anim>
-                                    <p:anim calcmode="lin" valueType="num">
-                                      <p:cBhvr additive="base">
-                                        <p:cTn id="22" dur="500" fill="hold"/>
-                                        <p:tgtEl>
-                                          <p:spTgt spid="5">
-                                            <p:txEl>
-                                              <p:pRg st="9" end="9"/>
-                                            </p:txEl>
-                                          </p:spTgt>
-                                        </p:tgtEl>
-                                        <p:attrNameLst>
-                                          <p:attrName>ppt_y</p:attrName>
-                                        </p:attrNameLst>
-                                      </p:cBhvr>
-                                      <p:tavLst>
-                                        <p:tav tm="0">
-                                          <p:val>
-                                            <p:strVal val="1+#ppt_h/2"/>
-                                          </p:val>
-                                        </p:tav>
-                                        <p:tav tm="100000">
-                                          <p:val>
-                                            <p:strVal val="#ppt_y"/>
-                                          </p:val>
-                                        </p:tav>
-                                      </p:tavLst>
-                                    </p:anim>
-                                  </p:childTnLst>
-                                </p:cTn>
-                              </p:par>
-                            </p:childTnLst>
-                          </p:cTn>
-                        </p:par>
-                      </p:childTnLst>
-                    </p:cTn>
-                  </p:par>
-                  <p:par>
-                    <p:cTn id="23" fill="hold">
-                      <p:stCondLst>
-                        <p:cond delay="indefinite"/>
-                      </p:stCondLst>
-                      <p:childTnLst>
-                        <p:par>
-                          <p:cTn id="24" fill="hold">
-                            <p:stCondLst>
-                              <p:cond delay="0"/>
-                            </p:stCondLst>
-                            <p:childTnLst>
-                              <p:par>
-                                <p:cTn id="25" presetID="2" presetClass="entr" presetSubtype="4" fill="hold" nodeType="clickEffect">
-                                  <p:stCondLst>
-                                    <p:cond delay="0"/>
-                                  </p:stCondLst>
-                                  <p:childTnLst>
-                                    <p:set>
-                                      <p:cBhvr>
-                                        <p:cTn id="26" dur="1" fill="hold">
-                                          <p:stCondLst>
-                                            <p:cond delay="0"/>
-                                          </p:stCondLst>
-                                        </p:cTn>
-                                        <p:tgtEl>
-                                          <p:spTgt spid="5">
-                                            <p:txEl>
-                                              <p:pRg st="14" end="14"/>
-                                            </p:txEl>
-                                          </p:spTgt>
-                                        </p:tgtEl>
-                                        <p:attrNameLst>
-                                          <p:attrName>style.visibility</p:attrName>
-                                        </p:attrNameLst>
-                                      </p:cBhvr>
-                                      <p:to>
-                                        <p:strVal val="visible"/>
-                                      </p:to>
-                                    </p:set>
-                                    <p:anim calcmode="lin" valueType="num">
-                                      <p:cBhvr additive="base">
-                                        <p:cTn id="27" dur="500" fill="hold"/>
-                                        <p:tgtEl>
-                                          <p:spTgt spid="5">
-                                            <p:txEl>
-                                              <p:pRg st="14" end="14"/>
-                                            </p:txEl>
-                                          </p:spTgt>
-                                        </p:tgtEl>
-                                        <p:attrNameLst>
-                                          <p:attrName>ppt_x</p:attrName>
-                                        </p:attrNameLst>
-                                      </p:cBhvr>
-                                      <p:tavLst>
-                                        <p:tav tm="0">
-                                          <p:val>
-                                            <p:strVal val="#ppt_x"/>
-                                          </p:val>
-                                        </p:tav>
-                                        <p:tav tm="100000">
-                                          <p:val>
-                                            <p:strVal val="#ppt_x"/>
-                                          </p:val>
-                                        </p:tav>
-                                      </p:tavLst>
-                                    </p:anim>
-                                    <p:anim calcmode="lin" valueType="num">
-                                      <p:cBhvr additive="base">
-                                        <p:cTn id="28" dur="500" fill="hold"/>
-                                        <p:tgtEl>
-                                          <p:spTgt spid="5">
-                                            <p:txEl>
-                                              <p:pRg st="14" end="14"/>
-                                            </p:txEl>
-                                          </p:spTgt>
-                                        </p:tgtEl>
-                                        <p:attrNameLst>
-                                          <p:attrName>ppt_y</p:attrName>
-                                        </p:attrNameLst>
-                                      </p:cBhvr>
-                                      <p:tavLst>
-                                        <p:tav tm="0">
-                                          <p:val>
-                                            <p:strVal val="1+#ppt_h/2"/>
-                                          </p:val>
-                                        </p:tav>
-                                        <p:tav tm="100000">
-                                          <p:val>
-                                            <p:strVal val="#ppt_y"/>
-                                          </p:val>
-                                        </p:tav>
-                                      </p:tavLst>
-                                    </p:anim>
-                                  </p:childTnLst>
-                                </p:cTn>
-                              </p:par>
-                              <p:par>
-                                <p:cTn id="29" presetID="2" presetClass="entr" presetSubtype="4" fill="hold" nodeType="withEffect">
-                                  <p:stCondLst>
-                                    <p:cond delay="0"/>
-                                  </p:stCondLst>
-                                  <p:childTnLst>
-                                    <p:set>
-                                      <p:cBhvr>
-                                        <p:cTn id="30" dur="1" fill="hold">
-                                          <p:stCondLst>
-                                            <p:cond delay="0"/>
-                                          </p:stCondLst>
-                                        </p:cTn>
-                                        <p:tgtEl>
-                                          <p:spTgt spid="5">
-                                            <p:txEl>
-                                              <p:pRg st="16" end="16"/>
-                                            </p:txEl>
-                                          </p:spTgt>
-                                        </p:tgtEl>
-                                        <p:attrNameLst>
-                                          <p:attrName>style.visibility</p:attrName>
-                                        </p:attrNameLst>
-                                      </p:cBhvr>
-                                      <p:to>
-                                        <p:strVal val="visible"/>
-                                      </p:to>
-                                    </p:set>
-                                    <p:anim calcmode="lin" valueType="num">
-                                      <p:cBhvr additive="base">
-                                        <p:cTn id="31" dur="500" fill="hold"/>
-                                        <p:tgtEl>
-                                          <p:spTgt spid="5">
-                                            <p:txEl>
-                                              <p:pRg st="16" end="16"/>
-                                            </p:txEl>
-                                          </p:spTgt>
-                                        </p:tgtEl>
-                                        <p:attrNameLst>
-                                          <p:attrName>ppt_x</p:attrName>
-                                        </p:attrNameLst>
-                                      </p:cBhvr>
-                                      <p:tavLst>
-                                        <p:tav tm="0">
-                                          <p:val>
-                                            <p:strVal val="#ppt_x"/>
-                                          </p:val>
-                                        </p:tav>
-                                        <p:tav tm="100000">
-                                          <p:val>
-                                            <p:strVal val="#ppt_x"/>
-                                          </p:val>
-                                        </p:tav>
-                                      </p:tavLst>
-                                    </p:anim>
-                                    <p:anim calcmode="lin" valueType="num">
-                                      <p:cBhvr additive="base">
-                                        <p:cTn id="32" dur="500" fill="hold"/>
-                                        <p:tgtEl>
-                                          <p:spTgt spid="5">
-                                            <p:txEl>
-                                              <p:pRg st="16" end="16"/>
-                                            </p:txEl>
-                                          </p:spTgt>
-                                        </p:tgtEl>
-                                        <p:attrNameLst>
-                                          <p:attrName>ppt_y</p:attrName>
-                                        </p:attrNameLst>
-                                      </p:cBhvr>
-                                      <p:tavLst>
-                                        <p:tav tm="0">
-                                          <p:val>
-                                            <p:strVal val="1+#ppt_h/2"/>
-                                          </p:val>
-                                        </p:tav>
-                                        <p:tav tm="100000">
-                                          <p:val>
-                                            <p:strVal val="#ppt_y"/>
-                                          </p:val>
-                                        </p:tav>
-                                      </p:tavLst>
-                                    </p:anim>
-                                  </p:childTnLst>
-                                </p:cTn>
-                              </p:par>
-                            </p:childTnLst>
-                          </p:cTn>
-                        </p:par>
-                      </p:childTnLst>
-                    </p:cTn>
-                  </p:par>
-                </p:childTnLst>
-              </p:cTn>
-              <p:prevCondLst>
-                <p:cond evt="onPrev" delay="0">
-                  <p:tgtEl>
-                    <p:sldTgt/>
-                  </p:tgtEl>
-                </p:cond>
-              </p:prevCondLst>
-              <p:nextCondLst>
-                <p:cond evt="onNext" delay="0">
-                  <p:tgtEl>
-                    <p:sldTgt/>
-                  </p:tgtEl>
-                </p:cond>
-              </p:nextCondLst>
-            </p:seq>
-          </p:childTnLst>
-        </p:cTn>
-      </p:par>
-    </p:tnLst>
-    <p:bldLst>
-      <p:bldP spid="5" grpId="0"/>
-      <p:bldP spid="5" grpId="1"/>
-    </p:bldLst>
-  </p:timing>
-</p:sld>
-</file>
-
-<file path=ppt/slides/slide9.xml><?xml version="1.0" encoding="utf-8"?>
-<p:sld xmlns:a="http://schemas.openxmlformats.org/drawingml/2006/main" xmlns:r="http://schemas.openxmlformats.org/officeDocument/2006/relationships" xmlns:p="http://schemas.openxmlformats.org/presentationml/2006/main">
-  <p:cSld>
-    <p:spTree>
-      <p:nvGrpSpPr>
-        <p:cNvPr id="1" name=""/>
-        <p:cNvGrpSpPr/>
-        <p:nvPr/>
-      </p:nvGrpSpPr>
-      <p:grpSpPr>
-        <a:xfrm>
-          <a:off x="0" y="0"/>
-          <a:ext cx="0" cy="0"/>
-          <a:chOff x="0" y="0"/>
-          <a:chExt cx="0" cy="0"/>
-        </a:xfrm>
-      </p:grpSpPr>
-      <p:cxnSp>
-        <p:nvCxnSpPr>
-          <p:cNvPr id="2" name="直接连接符 1"/>
-          <p:cNvCxnSpPr/>
-          <p:nvPr/>
-        </p:nvCxnSpPr>
-        <p:spPr>
-          <a:xfrm flipV="1">
-            <a:off x="283845" y="600075"/>
-            <a:ext cx="11729720" cy="3810"/>
-          </a:xfrm>
-          <a:prstGeom prst="line">
-            <a:avLst/>
-          </a:prstGeom>
-          <a:ln>
-            <a:solidFill>
-              <a:srgbClr val="FFBA55"/>
-            </a:solidFill>
-          </a:ln>
-        </p:spPr>
-        <p:style>
-          <a:lnRef idx="3">
-            <a:schemeClr val="dk1"/>
-          </a:lnRef>
-          <a:fillRef idx="0">
-            <a:schemeClr val="dk1"/>
-          </a:fillRef>
-          <a:effectRef idx="2">
-            <a:schemeClr val="dk1"/>
-          </a:effectRef>
-          <a:fontRef idx="minor">
-            <a:schemeClr val="tx1"/>
-          </a:fontRef>
-        </p:style>
-      </p:cxnSp>
-      <p:sp>
-        <p:nvSpPr>
-          <p:cNvPr id="8" name="圆角矩形 7"/>
-          <p:cNvSpPr/>
-          <p:nvPr/>
-        </p:nvSpPr>
-        <p:spPr>
-          <a:xfrm rot="19500000">
-            <a:off x="89535" y="146050"/>
-            <a:ext cx="480060" cy="332105"/>
-          </a:xfrm>
-          <a:prstGeom prst="roundRect">
-            <a:avLst/>
-          </a:prstGeom>
-          <a:solidFill>
-            <a:srgbClr val="FFBA55"/>
-          </a:solidFill>
-          <a:ln>
-            <a:solidFill>
-              <a:srgbClr val="FFBA55"/>
-            </a:solidFill>
-          </a:ln>
-        </p:spPr>
-        <p:style>
-          <a:lnRef idx="2">
-            <a:schemeClr val="accent4">
-              <a:shade val="50000"/>
-            </a:schemeClr>
-          </a:lnRef>
-          <a:fillRef idx="1">
-            <a:schemeClr val="accent4"/>
-          </a:fillRef>
-          <a:effectRef idx="0">
-            <a:schemeClr val="accent4"/>
-          </a:effectRef>
-          <a:fontRef idx="minor">
-            <a:schemeClr val="lt1"/>
-          </a:fontRef>
-        </p:style>
-        <p:txBody>
-          <a:bodyPr rtlCol="0" anchor="ctr"/>
-          <a:p>
-            <a:pPr algn="ctr"/>
-            <a:endParaRPr lang="zh-CN" altLang="en-US"/>
-          </a:p>
-        </p:txBody>
-      </p:sp>
-      <p:sp>
-        <p:nvSpPr>
-          <p:cNvPr id="14" name="文本框 13"/>
-          <p:cNvSpPr txBox="1"/>
-          <p:nvPr/>
-        </p:nvSpPr>
-        <p:spPr>
-          <a:xfrm>
-            <a:off x="622300" y="128270"/>
-            <a:ext cx="4239260" cy="368300"/>
-          </a:xfrm>
-          <a:prstGeom prst="rect">
-            <a:avLst/>
-          </a:prstGeom>
-          <a:noFill/>
-        </p:spPr>
-        <p:txBody>
-          <a:bodyPr wrap="square" rtlCol="0">
-            <a:spAutoFit/>
-          </a:bodyPr>
-          <a:p>
-            <a:r>
-              <a:rPr lang="zh-CN" altLang="en-US">
-                <a:solidFill>
-                  <a:srgbClr val="FFBA55"/>
-                </a:solidFill>
-                <a:effectLst>
-                  <a:outerShdw blurRad="38100" dist="19050" dir="2700000" algn="tl" rotWithShape="0">
-                    <a:schemeClr val="dk1">
-                      <a:alpha val="40000"/>
-                    </a:schemeClr>
-                  </a:outerShdw>
-                </a:effectLst>
-              </a:rPr>
               <a:t>七</a:t>
             </a:r>
             <a:r>
@@ -14164,11 +11299,7 @@
         <p:nvSpPr>
           <p:cNvPr id="17" name="圆角矩形 16"/>
           <p:cNvSpPr/>
-          <p:nvPr>
-            <p:custDataLst>
-              <p:tags r:id="rId2"/>
-            </p:custDataLst>
-          </p:nvPr>
+          <p:nvPr/>
         </p:nvSpPr>
         <p:spPr>
           <a:xfrm>
@@ -14219,7 +11350,7 @@
           <p:cNvSpPr/>
           <p:nvPr>
             <p:custDataLst>
-              <p:tags r:id="rId3"/>
+              <p:tags r:id="rId2"/>
             </p:custDataLst>
           </p:nvPr>
         </p:nvSpPr>
@@ -14270,11 +11401,7 @@
         <p:nvSpPr>
           <p:cNvPr id="10" name="圆角矩形 9"/>
           <p:cNvSpPr/>
-          <p:nvPr>
-            <p:custDataLst>
-              <p:tags r:id="rId4"/>
-            </p:custDataLst>
-          </p:nvPr>
+          <p:nvPr/>
         </p:nvSpPr>
         <p:spPr>
           <a:xfrm>
@@ -14325,14 +11452,10 @@
           <p:cNvPicPr>
             <a:picLocks noChangeAspect="1"/>
           </p:cNvPicPr>
-          <p:nvPr>
-            <p:custDataLst>
-              <p:tags r:id="rId5"/>
-            </p:custDataLst>
-          </p:nvPr>
+          <p:nvPr/>
         </p:nvPicPr>
         <p:blipFill>
-          <a:blip r:embed="rId6"/>
+          <a:blip r:embed="rId3"/>
           <a:stretch>
             <a:fillRect/>
           </a:stretch>
@@ -14353,14 +11476,10 @@
           <p:cNvPicPr>
             <a:picLocks noChangeAspect="1"/>
           </p:cNvPicPr>
-          <p:nvPr>
-            <p:custDataLst>
-              <p:tags r:id="rId7"/>
-            </p:custDataLst>
-          </p:nvPr>
+          <p:nvPr/>
         </p:nvPicPr>
         <p:blipFill>
-          <a:blip r:embed="rId8"/>
+          <a:blip r:embed="rId4"/>
           <a:stretch>
             <a:fillRect/>
           </a:stretch>
@@ -14381,14 +11500,10 @@
           <p:cNvPicPr>
             <a:picLocks noChangeAspect="1"/>
           </p:cNvPicPr>
-          <p:nvPr>
-            <p:custDataLst>
-              <p:tags r:id="rId9"/>
-            </p:custDataLst>
-          </p:nvPr>
+          <p:nvPr/>
         </p:nvPicPr>
         <p:blipFill>
-          <a:blip r:embed="rId10"/>
+          <a:blip r:embed="rId5"/>
           <a:stretch>
             <a:fillRect/>
           </a:stretch>
@@ -14409,14 +11524,10 @@
           <p:cNvPicPr>
             <a:picLocks noChangeAspect="1"/>
           </p:cNvPicPr>
-          <p:nvPr>
-            <p:custDataLst>
-              <p:tags r:id="rId11"/>
-            </p:custDataLst>
-          </p:nvPr>
+          <p:nvPr/>
         </p:nvPicPr>
         <p:blipFill>
-          <a:blip r:embed="rId12"/>
+          <a:blip r:embed="rId6"/>
           <a:stretch>
             <a:fillRect/>
           </a:stretch>
@@ -14433,7 +11544,7 @@
       </p:pic>
     </p:spTree>
     <p:custDataLst>
-      <p:tags r:id="rId13"/>
+      <p:tags r:id="rId7"/>
     </p:custDataLst>
   </p:cSld>
   <p:clrMapOvr>
@@ -14442,9 +11553,1716 @@
   <p:timing>
     <p:tnLst>
       <p:par>
+        <p:cTn id="1" dur="indefinite" restart="never" nodeType="tmRoot">
+          <p:childTnLst>
+            <p:seq concurrent="1" nextAc="seek">
+              <p:cTn id="2" dur="indefinite" nodeType="mainSeq">
+                <p:childTnLst>
+                  <p:par>
+                    <p:cTn id="3" fill="hold">
+                      <p:stCondLst>
+                        <p:cond delay="indefinite"/>
+                      </p:stCondLst>
+                      <p:childTnLst>
+                        <p:par>
+                          <p:cTn id="4" fill="hold">
+                            <p:stCondLst>
+                              <p:cond delay="0"/>
+                            </p:stCondLst>
+                            <p:childTnLst>
+                              <p:par>
+                                <p:cTn id="5" presetID="2" presetClass="entr" presetSubtype="4" fill="hold" grpId="0" nodeType="clickEffect">
+                                  <p:stCondLst>
+                                    <p:cond delay="0"/>
+                                  </p:stCondLst>
+                                  <p:childTnLst>
+                                    <p:set>
+                                      <p:cBhvr>
+                                        <p:cTn id="6" dur="1" fill="hold">
+                                          <p:stCondLst>
+                                            <p:cond delay="0"/>
+                                          </p:stCondLst>
+                                        </p:cTn>
+                                        <p:tgtEl>
+                                          <p:spTgt spid="17"/>
+                                        </p:tgtEl>
+                                        <p:attrNameLst>
+                                          <p:attrName>style.visibility</p:attrName>
+                                        </p:attrNameLst>
+                                      </p:cBhvr>
+                                      <p:to>
+                                        <p:strVal val="visible"/>
+                                      </p:to>
+                                    </p:set>
+                                    <p:anim calcmode="lin" valueType="num">
+                                      <p:cBhvr additive="base">
+                                        <p:cTn id="7" dur="500" fill="hold"/>
+                                        <p:tgtEl>
+                                          <p:spTgt spid="17"/>
+                                        </p:tgtEl>
+                                        <p:attrNameLst>
+                                          <p:attrName>ppt_x</p:attrName>
+                                        </p:attrNameLst>
+                                      </p:cBhvr>
+                                      <p:tavLst>
+                                        <p:tav tm="0">
+                                          <p:val>
+                                            <p:strVal val="#ppt_x"/>
+                                          </p:val>
+                                        </p:tav>
+                                        <p:tav tm="100000">
+                                          <p:val>
+                                            <p:strVal val="#ppt_x"/>
+                                          </p:val>
+                                        </p:tav>
+                                      </p:tavLst>
+                                    </p:anim>
+                                    <p:anim calcmode="lin" valueType="num">
+                                      <p:cBhvr additive="base">
+                                        <p:cTn id="8" dur="500" fill="hold"/>
+                                        <p:tgtEl>
+                                          <p:spTgt spid="17"/>
+                                        </p:tgtEl>
+                                        <p:attrNameLst>
+                                          <p:attrName>ppt_y</p:attrName>
+                                        </p:attrNameLst>
+                                      </p:cBhvr>
+                                      <p:tavLst>
+                                        <p:tav tm="0">
+                                          <p:val>
+                                            <p:strVal val="1+#ppt_h/2"/>
+                                          </p:val>
+                                        </p:tav>
+                                        <p:tav tm="100000">
+                                          <p:val>
+                                            <p:strVal val="#ppt_y"/>
+                                          </p:val>
+                                        </p:tav>
+                                      </p:tavLst>
+                                    </p:anim>
+                                  </p:childTnLst>
+                                </p:cTn>
+                              </p:par>
+                              <p:par>
+                                <p:cTn id="9" presetID="2" presetClass="entr" presetSubtype="4" fill="hold" grpId="0" nodeType="withEffect">
+                                  <p:stCondLst>
+                                    <p:cond delay="0"/>
+                                  </p:stCondLst>
+                                  <p:childTnLst>
+                                    <p:set>
+                                      <p:cBhvr>
+                                        <p:cTn id="10" dur="1" fill="hold">
+                                          <p:stCondLst>
+                                            <p:cond delay="0"/>
+                                          </p:stCondLst>
+                                        </p:cTn>
+                                        <p:tgtEl>
+                                          <p:spTgt spid="10"/>
+                                        </p:tgtEl>
+                                        <p:attrNameLst>
+                                          <p:attrName>style.visibility</p:attrName>
+                                        </p:attrNameLst>
+                                      </p:cBhvr>
+                                      <p:to>
+                                        <p:strVal val="visible"/>
+                                      </p:to>
+                                    </p:set>
+                                    <p:anim calcmode="lin" valueType="num">
+                                      <p:cBhvr additive="base">
+                                        <p:cTn id="11" dur="500" fill="hold"/>
+                                        <p:tgtEl>
+                                          <p:spTgt spid="10"/>
+                                        </p:tgtEl>
+                                        <p:attrNameLst>
+                                          <p:attrName>ppt_x</p:attrName>
+                                        </p:attrNameLst>
+                                      </p:cBhvr>
+                                      <p:tavLst>
+                                        <p:tav tm="0">
+                                          <p:val>
+                                            <p:strVal val="#ppt_x"/>
+                                          </p:val>
+                                        </p:tav>
+                                        <p:tav tm="100000">
+                                          <p:val>
+                                            <p:strVal val="#ppt_x"/>
+                                          </p:val>
+                                        </p:tav>
+                                      </p:tavLst>
+                                    </p:anim>
+                                    <p:anim calcmode="lin" valueType="num">
+                                      <p:cBhvr additive="base">
+                                        <p:cTn id="12" dur="500" fill="hold"/>
+                                        <p:tgtEl>
+                                          <p:spTgt spid="10"/>
+                                        </p:tgtEl>
+                                        <p:attrNameLst>
+                                          <p:attrName>ppt_y</p:attrName>
+                                        </p:attrNameLst>
+                                      </p:cBhvr>
+                                      <p:tavLst>
+                                        <p:tav tm="0">
+                                          <p:val>
+                                            <p:strVal val="1+#ppt_h/2"/>
+                                          </p:val>
+                                        </p:tav>
+                                        <p:tav tm="100000">
+                                          <p:val>
+                                            <p:strVal val="#ppt_y"/>
+                                          </p:val>
+                                        </p:tav>
+                                      </p:tavLst>
+                                    </p:anim>
+                                  </p:childTnLst>
+                                </p:cTn>
+                              </p:par>
+                              <p:par>
+                                <p:cTn id="13" presetID="2" presetClass="entr" presetSubtype="4" fill="hold" nodeType="withEffect">
+                                  <p:stCondLst>
+                                    <p:cond delay="0"/>
+                                  </p:stCondLst>
+                                  <p:childTnLst>
+                                    <p:set>
+                                      <p:cBhvr>
+                                        <p:cTn id="14" dur="1" fill="hold">
+                                          <p:stCondLst>
+                                            <p:cond delay="0"/>
+                                          </p:stCondLst>
+                                        </p:cTn>
+                                        <p:tgtEl>
+                                          <p:spTgt spid="11"/>
+                                        </p:tgtEl>
+                                        <p:attrNameLst>
+                                          <p:attrName>style.visibility</p:attrName>
+                                        </p:attrNameLst>
+                                      </p:cBhvr>
+                                      <p:to>
+                                        <p:strVal val="visible"/>
+                                      </p:to>
+                                    </p:set>
+                                    <p:anim calcmode="lin" valueType="num">
+                                      <p:cBhvr additive="base">
+                                        <p:cTn id="15" dur="500" fill="hold"/>
+                                        <p:tgtEl>
+                                          <p:spTgt spid="11"/>
+                                        </p:tgtEl>
+                                        <p:attrNameLst>
+                                          <p:attrName>ppt_x</p:attrName>
+                                        </p:attrNameLst>
+                                      </p:cBhvr>
+                                      <p:tavLst>
+                                        <p:tav tm="0">
+                                          <p:val>
+                                            <p:strVal val="#ppt_x"/>
+                                          </p:val>
+                                        </p:tav>
+                                        <p:tav tm="100000">
+                                          <p:val>
+                                            <p:strVal val="#ppt_x"/>
+                                          </p:val>
+                                        </p:tav>
+                                      </p:tavLst>
+                                    </p:anim>
+                                    <p:anim calcmode="lin" valueType="num">
+                                      <p:cBhvr additive="base">
+                                        <p:cTn id="16" dur="500" fill="hold"/>
+                                        <p:tgtEl>
+                                          <p:spTgt spid="11"/>
+                                        </p:tgtEl>
+                                        <p:attrNameLst>
+                                          <p:attrName>ppt_y</p:attrName>
+                                        </p:attrNameLst>
+                                      </p:cBhvr>
+                                      <p:tavLst>
+                                        <p:tav tm="0">
+                                          <p:val>
+                                            <p:strVal val="1+#ppt_h/2"/>
+                                          </p:val>
+                                        </p:tav>
+                                        <p:tav tm="100000">
+                                          <p:val>
+                                            <p:strVal val="#ppt_y"/>
+                                          </p:val>
+                                        </p:tav>
+                                      </p:tavLst>
+                                    </p:anim>
+                                  </p:childTnLst>
+                                </p:cTn>
+                              </p:par>
+                              <p:par>
+                                <p:cTn id="17" presetID="2" presetClass="entr" presetSubtype="4" fill="hold" nodeType="withEffect">
+                                  <p:stCondLst>
+                                    <p:cond delay="0"/>
+                                  </p:stCondLst>
+                                  <p:childTnLst>
+                                    <p:set>
+                                      <p:cBhvr>
+                                        <p:cTn id="18" dur="1" fill="hold">
+                                          <p:stCondLst>
+                                            <p:cond delay="0"/>
+                                          </p:stCondLst>
+                                        </p:cTn>
+                                        <p:tgtEl>
+                                          <p:spTgt spid="12"/>
+                                        </p:tgtEl>
+                                        <p:attrNameLst>
+                                          <p:attrName>style.visibility</p:attrName>
+                                        </p:attrNameLst>
+                                      </p:cBhvr>
+                                      <p:to>
+                                        <p:strVal val="visible"/>
+                                      </p:to>
+                                    </p:set>
+                                    <p:anim calcmode="lin" valueType="num">
+                                      <p:cBhvr additive="base">
+                                        <p:cTn id="19" dur="500" fill="hold"/>
+                                        <p:tgtEl>
+                                          <p:spTgt spid="12"/>
+                                        </p:tgtEl>
+                                        <p:attrNameLst>
+                                          <p:attrName>ppt_x</p:attrName>
+                                        </p:attrNameLst>
+                                      </p:cBhvr>
+                                      <p:tavLst>
+                                        <p:tav tm="0">
+                                          <p:val>
+                                            <p:strVal val="#ppt_x"/>
+                                          </p:val>
+                                        </p:tav>
+                                        <p:tav tm="100000">
+                                          <p:val>
+                                            <p:strVal val="#ppt_x"/>
+                                          </p:val>
+                                        </p:tav>
+                                      </p:tavLst>
+                                    </p:anim>
+                                    <p:anim calcmode="lin" valueType="num">
+                                      <p:cBhvr additive="base">
+                                        <p:cTn id="20" dur="500" fill="hold"/>
+                                        <p:tgtEl>
+                                          <p:spTgt spid="12"/>
+                                        </p:tgtEl>
+                                        <p:attrNameLst>
+                                          <p:attrName>ppt_y</p:attrName>
+                                        </p:attrNameLst>
+                                      </p:cBhvr>
+                                      <p:tavLst>
+                                        <p:tav tm="0">
+                                          <p:val>
+                                            <p:strVal val="1+#ppt_h/2"/>
+                                          </p:val>
+                                        </p:tav>
+                                        <p:tav tm="100000">
+                                          <p:val>
+                                            <p:strVal val="#ppt_y"/>
+                                          </p:val>
+                                        </p:tav>
+                                      </p:tavLst>
+                                    </p:anim>
+                                  </p:childTnLst>
+                                </p:cTn>
+                              </p:par>
+                              <p:par>
+                                <p:cTn id="21" presetID="2" presetClass="entr" presetSubtype="4" fill="hold" nodeType="withEffect">
+                                  <p:stCondLst>
+                                    <p:cond delay="0"/>
+                                  </p:stCondLst>
+                                  <p:childTnLst>
+                                    <p:set>
+                                      <p:cBhvr>
+                                        <p:cTn id="22" dur="1" fill="hold">
+                                          <p:stCondLst>
+                                            <p:cond delay="0"/>
+                                          </p:stCondLst>
+                                        </p:cTn>
+                                        <p:tgtEl>
+                                          <p:spTgt spid="13"/>
+                                        </p:tgtEl>
+                                        <p:attrNameLst>
+                                          <p:attrName>style.visibility</p:attrName>
+                                        </p:attrNameLst>
+                                      </p:cBhvr>
+                                      <p:to>
+                                        <p:strVal val="visible"/>
+                                      </p:to>
+                                    </p:set>
+                                    <p:anim calcmode="lin" valueType="num">
+                                      <p:cBhvr additive="base">
+                                        <p:cTn id="23" dur="500" fill="hold"/>
+                                        <p:tgtEl>
+                                          <p:spTgt spid="13"/>
+                                        </p:tgtEl>
+                                        <p:attrNameLst>
+                                          <p:attrName>ppt_x</p:attrName>
+                                        </p:attrNameLst>
+                                      </p:cBhvr>
+                                      <p:tavLst>
+                                        <p:tav tm="0">
+                                          <p:val>
+                                            <p:strVal val="#ppt_x"/>
+                                          </p:val>
+                                        </p:tav>
+                                        <p:tav tm="100000">
+                                          <p:val>
+                                            <p:strVal val="#ppt_x"/>
+                                          </p:val>
+                                        </p:tav>
+                                      </p:tavLst>
+                                    </p:anim>
+                                    <p:anim calcmode="lin" valueType="num">
+                                      <p:cBhvr additive="base">
+                                        <p:cTn id="24" dur="500" fill="hold"/>
+                                        <p:tgtEl>
+                                          <p:spTgt spid="13"/>
+                                        </p:tgtEl>
+                                        <p:attrNameLst>
+                                          <p:attrName>ppt_y</p:attrName>
+                                        </p:attrNameLst>
+                                      </p:cBhvr>
+                                      <p:tavLst>
+                                        <p:tav tm="0">
+                                          <p:val>
+                                            <p:strVal val="1+#ppt_h/2"/>
+                                          </p:val>
+                                        </p:tav>
+                                        <p:tav tm="100000">
+                                          <p:val>
+                                            <p:strVal val="#ppt_y"/>
+                                          </p:val>
+                                        </p:tav>
+                                      </p:tavLst>
+                                    </p:anim>
+                                  </p:childTnLst>
+                                </p:cTn>
+                              </p:par>
+                              <p:par>
+                                <p:cTn id="25" presetID="2" presetClass="entr" presetSubtype="4" fill="hold" nodeType="withEffect">
+                                  <p:stCondLst>
+                                    <p:cond delay="0"/>
+                                  </p:stCondLst>
+                                  <p:childTnLst>
+                                    <p:set>
+                                      <p:cBhvr>
+                                        <p:cTn id="26" dur="1" fill="hold">
+                                          <p:stCondLst>
+                                            <p:cond delay="0"/>
+                                          </p:stCondLst>
+                                        </p:cTn>
+                                        <p:tgtEl>
+                                          <p:spTgt spid="15"/>
+                                        </p:tgtEl>
+                                        <p:attrNameLst>
+                                          <p:attrName>style.visibility</p:attrName>
+                                        </p:attrNameLst>
+                                      </p:cBhvr>
+                                      <p:to>
+                                        <p:strVal val="visible"/>
+                                      </p:to>
+                                    </p:set>
+                                    <p:anim calcmode="lin" valueType="num">
+                                      <p:cBhvr additive="base">
+                                        <p:cTn id="27" dur="500" fill="hold"/>
+                                        <p:tgtEl>
+                                          <p:spTgt spid="15"/>
+                                        </p:tgtEl>
+                                        <p:attrNameLst>
+                                          <p:attrName>ppt_x</p:attrName>
+                                        </p:attrNameLst>
+                                      </p:cBhvr>
+                                      <p:tavLst>
+                                        <p:tav tm="0">
+                                          <p:val>
+                                            <p:strVal val="#ppt_x"/>
+                                          </p:val>
+                                        </p:tav>
+                                        <p:tav tm="100000">
+                                          <p:val>
+                                            <p:strVal val="#ppt_x"/>
+                                          </p:val>
+                                        </p:tav>
+                                      </p:tavLst>
+                                    </p:anim>
+                                    <p:anim calcmode="lin" valueType="num">
+                                      <p:cBhvr additive="base">
+                                        <p:cTn id="28" dur="500" fill="hold"/>
+                                        <p:tgtEl>
+                                          <p:spTgt spid="15"/>
+                                        </p:tgtEl>
+                                        <p:attrNameLst>
+                                          <p:attrName>ppt_y</p:attrName>
+                                        </p:attrNameLst>
+                                      </p:cBhvr>
+                                      <p:tavLst>
+                                        <p:tav tm="0">
+                                          <p:val>
+                                            <p:strVal val="1+#ppt_h/2"/>
+                                          </p:val>
+                                        </p:tav>
+                                        <p:tav tm="100000">
+                                          <p:val>
+                                            <p:strVal val="#ppt_y"/>
+                                          </p:val>
+                                        </p:tav>
+                                      </p:tavLst>
+                                    </p:anim>
+                                  </p:childTnLst>
+                                </p:cTn>
+                              </p:par>
+                            </p:childTnLst>
+                          </p:cTn>
+                        </p:par>
+                      </p:childTnLst>
+                    </p:cTn>
+                  </p:par>
+                </p:childTnLst>
+              </p:cTn>
+              <p:prevCondLst>
+                <p:cond evt="onPrev" delay="0">
+                  <p:tgtEl>
+                    <p:sldTgt/>
+                  </p:tgtEl>
+                </p:cond>
+              </p:prevCondLst>
+              <p:nextCondLst>
+                <p:cond evt="onNext" delay="0">
+                  <p:tgtEl>
+                    <p:sldTgt/>
+                  </p:tgtEl>
+                </p:cond>
+              </p:nextCondLst>
+            </p:seq>
+          </p:childTnLst>
+        </p:cTn>
+      </p:par>
+    </p:tnLst>
+    <p:bldLst>
+      <p:bldP spid="17" grpId="0" animBg="1"/>
+      <p:bldP spid="10" grpId="0" animBg="1"/>
+      <p:bldP spid="17" grpId="1" animBg="1"/>
+      <p:bldP spid="10" grpId="1" animBg="1"/>
+    </p:bldLst>
+  </p:timing>
+</p:sld>
+</file>
+
+<file path=ppt/slides/slide9.xml><?xml version="1.0" encoding="utf-8"?>
+<p:sld xmlns:a="http://schemas.openxmlformats.org/drawingml/2006/main" xmlns:r="http://schemas.openxmlformats.org/officeDocument/2006/relationships" xmlns:p="http://schemas.openxmlformats.org/presentationml/2006/main">
+  <p:cSld>
+    <p:spTree>
+      <p:nvGrpSpPr>
+        <p:cNvPr id="1" name=""/>
+        <p:cNvGrpSpPr/>
+        <p:nvPr/>
+      </p:nvGrpSpPr>
+      <p:grpSpPr>
+        <a:xfrm>
+          <a:off x="0" y="0"/>
+          <a:ext cx="0" cy="0"/>
+          <a:chOff x="0" y="0"/>
+          <a:chExt cx="0" cy="0"/>
+        </a:xfrm>
+      </p:grpSpPr>
+      <p:sp>
+        <p:nvSpPr>
+          <p:cNvPr id="53" name="椭圆 52"/>
+          <p:cNvSpPr/>
+          <p:nvPr/>
+        </p:nvSpPr>
+        <p:spPr>
+          <a:xfrm>
+            <a:off x="4227878" y="2021890"/>
+            <a:ext cx="1875489" cy="1875489"/>
+          </a:xfrm>
+          <a:prstGeom prst="ellipse">
+            <a:avLst/>
+          </a:prstGeom>
+          <a:solidFill>
+            <a:srgbClr val="F3C301">
+              <a:alpha val="48000"/>
+            </a:srgbClr>
+          </a:solidFill>
+          <a:ln>
+            <a:noFill/>
+          </a:ln>
+        </p:spPr>
+        <p:style>
+          <a:lnRef idx="2">
+            <a:schemeClr val="accent1">
+              <a:shade val="50000"/>
+            </a:schemeClr>
+          </a:lnRef>
+          <a:fillRef idx="1">
+            <a:schemeClr val="accent1"/>
+          </a:fillRef>
+          <a:effectRef idx="0">
+            <a:schemeClr val="accent1"/>
+          </a:effectRef>
+          <a:fontRef idx="minor">
+            <a:schemeClr val="lt1"/>
+          </a:fontRef>
+        </p:style>
+        <p:txBody>
+          <a:bodyPr rtlCol="0" anchor="ctr"/>
+          <a:lstStyle/>
+          <a:p>
+            <a:pPr algn="ctr"/>
+            <a:endParaRPr lang="zh-CN" altLang="en-US"/>
+          </a:p>
+        </p:txBody>
+      </p:sp>
+      <p:sp>
+        <p:nvSpPr>
+          <p:cNvPr id="16" name="椭圆 15"/>
+          <p:cNvSpPr/>
+          <p:nvPr/>
+        </p:nvSpPr>
+        <p:spPr>
+          <a:xfrm>
+            <a:off x="5838697" y="2326291"/>
+            <a:ext cx="1875489" cy="1875489"/>
+          </a:xfrm>
+          <a:prstGeom prst="ellipse">
+            <a:avLst/>
+          </a:prstGeom>
+          <a:solidFill>
+            <a:srgbClr val="F3C301">
+              <a:alpha val="48000"/>
+            </a:srgbClr>
+          </a:solidFill>
+          <a:ln>
+            <a:noFill/>
+          </a:ln>
+        </p:spPr>
+        <p:style>
+          <a:lnRef idx="2">
+            <a:schemeClr val="accent1">
+              <a:shade val="50000"/>
+            </a:schemeClr>
+          </a:lnRef>
+          <a:fillRef idx="1">
+            <a:schemeClr val="accent1"/>
+          </a:fillRef>
+          <a:effectRef idx="0">
+            <a:schemeClr val="accent1"/>
+          </a:effectRef>
+          <a:fontRef idx="minor">
+            <a:schemeClr val="lt1"/>
+          </a:fontRef>
+        </p:style>
+        <p:txBody>
+          <a:bodyPr rtlCol="0" anchor="ctr"/>
+          <a:lstStyle/>
+          <a:p>
+            <a:pPr algn="ctr"/>
+            <a:endParaRPr lang="zh-CN" altLang="en-US"/>
+          </a:p>
+        </p:txBody>
+      </p:sp>
+      <p:sp>
+        <p:nvSpPr>
+          <p:cNvPr id="17" name="椭圆 16"/>
+          <p:cNvSpPr/>
+          <p:nvPr/>
+        </p:nvSpPr>
+        <p:spPr>
+          <a:xfrm>
+            <a:off x="3144759" y="2235030"/>
+            <a:ext cx="1919912" cy="1919912"/>
+          </a:xfrm>
+          <a:prstGeom prst="ellipse">
+            <a:avLst/>
+          </a:prstGeom>
+          <a:solidFill>
+            <a:srgbClr val="00C3D9">
+              <a:alpha val="48000"/>
+            </a:srgbClr>
+          </a:solidFill>
+          <a:ln>
+            <a:noFill/>
+          </a:ln>
+        </p:spPr>
+        <p:style>
+          <a:lnRef idx="2">
+            <a:schemeClr val="accent1">
+              <a:shade val="50000"/>
+            </a:schemeClr>
+          </a:lnRef>
+          <a:fillRef idx="1">
+            <a:schemeClr val="accent1"/>
+          </a:fillRef>
+          <a:effectRef idx="0">
+            <a:schemeClr val="accent1"/>
+          </a:effectRef>
+          <a:fontRef idx="minor">
+            <a:schemeClr val="lt1"/>
+          </a:fontRef>
+        </p:style>
+        <p:txBody>
+          <a:bodyPr rtlCol="0" anchor="ctr"/>
+          <a:lstStyle/>
+          <a:p>
+            <a:pPr algn="ctr"/>
+            <a:r>
+              <a:rPr lang="zh-CN" altLang="en-US" sz="8800" b="1" dirty="0" smtClean="0">
+                <a:latin typeface="微软雅黑" panose="020B0503020204020204" charset="-122"/>
+                <a:ea typeface="微软雅黑" panose="020B0503020204020204" charset="-122"/>
+              </a:rPr>
+              <a:t>谢</a:t>
+            </a:r>
+            <a:endParaRPr lang="zh-CN" altLang="en-US" sz="8800" b="1" dirty="0">
+              <a:latin typeface="微软雅黑" panose="020B0503020204020204" charset="-122"/>
+              <a:ea typeface="微软雅黑" panose="020B0503020204020204" charset="-122"/>
+            </a:endParaRPr>
+          </a:p>
+        </p:txBody>
+      </p:sp>
+      <p:sp>
+        <p:nvSpPr>
+          <p:cNvPr id="19" name="椭圆 18"/>
+          <p:cNvSpPr/>
+          <p:nvPr/>
+        </p:nvSpPr>
+        <p:spPr>
+          <a:xfrm>
+            <a:off x="4609528" y="1470703"/>
+            <a:ext cx="1919912" cy="1919912"/>
+          </a:xfrm>
+          <a:prstGeom prst="ellipse">
+            <a:avLst/>
+          </a:prstGeom>
+          <a:solidFill>
+            <a:srgbClr val="028985">
+              <a:alpha val="48000"/>
+            </a:srgbClr>
+          </a:solidFill>
+          <a:ln>
+            <a:noFill/>
+          </a:ln>
+        </p:spPr>
+        <p:style>
+          <a:lnRef idx="2">
+            <a:schemeClr val="accent1">
+              <a:shade val="50000"/>
+            </a:schemeClr>
+          </a:lnRef>
+          <a:fillRef idx="1">
+            <a:schemeClr val="accent1"/>
+          </a:fillRef>
+          <a:effectRef idx="0">
+            <a:schemeClr val="accent1"/>
+          </a:effectRef>
+          <a:fontRef idx="minor">
+            <a:schemeClr val="lt1"/>
+          </a:fontRef>
+        </p:style>
+        <p:txBody>
+          <a:bodyPr rtlCol="0" anchor="ctr"/>
+          <a:lstStyle/>
+          <a:p>
+            <a:pPr algn="ctr"/>
+            <a:r>
+              <a:rPr lang="zh-CN" altLang="en-US" sz="8800" b="1" dirty="0" smtClean="0">
+                <a:latin typeface="微软雅黑" panose="020B0503020204020204" charset="-122"/>
+                <a:ea typeface="微软雅黑" panose="020B0503020204020204" charset="-122"/>
+              </a:rPr>
+              <a:t>谢</a:t>
+            </a:r>
+            <a:endParaRPr lang="zh-CN" altLang="en-US" sz="8800" b="1" dirty="0">
+              <a:latin typeface="微软雅黑" panose="020B0503020204020204" charset="-122"/>
+              <a:ea typeface="微软雅黑" panose="020B0503020204020204" charset="-122"/>
+            </a:endParaRPr>
+          </a:p>
+        </p:txBody>
+      </p:sp>
+      <p:sp>
+        <p:nvSpPr>
+          <p:cNvPr id="20" name="椭圆 19"/>
+          <p:cNvSpPr/>
+          <p:nvPr/>
+        </p:nvSpPr>
+        <p:spPr>
+          <a:xfrm>
+            <a:off x="5697137" y="2813727"/>
+            <a:ext cx="1919912" cy="1919912"/>
+          </a:xfrm>
+          <a:prstGeom prst="ellipse">
+            <a:avLst/>
+          </a:prstGeom>
+          <a:solidFill>
+            <a:srgbClr val="E94E60">
+              <a:alpha val="48000"/>
+            </a:srgbClr>
+          </a:solidFill>
+          <a:ln>
+            <a:noFill/>
+          </a:ln>
+        </p:spPr>
+        <p:style>
+          <a:lnRef idx="2">
+            <a:schemeClr val="accent1">
+              <a:shade val="50000"/>
+            </a:schemeClr>
+          </a:lnRef>
+          <a:fillRef idx="1">
+            <a:schemeClr val="accent1"/>
+          </a:fillRef>
+          <a:effectRef idx="0">
+            <a:schemeClr val="accent1"/>
+          </a:effectRef>
+          <a:fontRef idx="minor">
+            <a:schemeClr val="lt1"/>
+          </a:fontRef>
+        </p:style>
+        <p:txBody>
+          <a:bodyPr rtlCol="0" anchor="ctr"/>
+          <a:lstStyle/>
+          <a:p>
+            <a:pPr algn="ctr"/>
+            <a:r>
+              <a:rPr lang="zh-CN" altLang="en-US" sz="8800" b="1" dirty="0" smtClean="0">
+                <a:latin typeface="微软雅黑" panose="020B0503020204020204" charset="-122"/>
+                <a:ea typeface="微软雅黑" panose="020B0503020204020204" charset="-122"/>
+              </a:rPr>
+              <a:t>观</a:t>
+            </a:r>
+            <a:endParaRPr lang="zh-CN" altLang="en-US" sz="8800" b="1" dirty="0">
+              <a:latin typeface="微软雅黑" panose="020B0503020204020204" charset="-122"/>
+              <a:ea typeface="微软雅黑" panose="020B0503020204020204" charset="-122"/>
+            </a:endParaRPr>
+          </a:p>
+        </p:txBody>
+      </p:sp>
+      <p:sp>
+        <p:nvSpPr>
+          <p:cNvPr id="21" name="椭圆 20"/>
+          <p:cNvSpPr/>
+          <p:nvPr/>
+        </p:nvSpPr>
+        <p:spPr>
+          <a:xfrm>
+            <a:off x="7083441" y="1939396"/>
+            <a:ext cx="1919912" cy="1919912"/>
+          </a:xfrm>
+          <a:prstGeom prst="ellipse">
+            <a:avLst/>
+          </a:prstGeom>
+          <a:solidFill>
+            <a:srgbClr val="DE6E00">
+              <a:alpha val="48000"/>
+            </a:srgbClr>
+          </a:solidFill>
+          <a:ln>
+            <a:noFill/>
+          </a:ln>
+        </p:spPr>
+        <p:style>
+          <a:lnRef idx="2">
+            <a:schemeClr val="accent1">
+              <a:shade val="50000"/>
+            </a:schemeClr>
+          </a:lnRef>
+          <a:fillRef idx="1">
+            <a:schemeClr val="accent1"/>
+          </a:fillRef>
+          <a:effectRef idx="0">
+            <a:schemeClr val="accent1"/>
+          </a:effectRef>
+          <a:fontRef idx="minor">
+            <a:schemeClr val="lt1"/>
+          </a:fontRef>
+        </p:style>
+        <p:txBody>
+          <a:bodyPr rtlCol="0" anchor="ctr"/>
+          <a:lstStyle/>
+          <a:p>
+            <a:pPr algn="ctr"/>
+            <a:r>
+              <a:rPr lang="zh-CN" altLang="en-US" sz="8800" b="1" dirty="0" smtClean="0">
+                <a:latin typeface="微软雅黑" panose="020B0503020204020204" charset="-122"/>
+                <a:ea typeface="微软雅黑" panose="020B0503020204020204" charset="-122"/>
+              </a:rPr>
+              <a:t>看</a:t>
+            </a:r>
+            <a:endParaRPr lang="zh-CN" altLang="en-US" sz="8800" b="1" dirty="0">
+              <a:latin typeface="微软雅黑" panose="020B0503020204020204" charset="-122"/>
+              <a:ea typeface="微软雅黑" panose="020B0503020204020204" charset="-122"/>
+            </a:endParaRPr>
+          </a:p>
+        </p:txBody>
+      </p:sp>
+      <p:sp>
+        <p:nvSpPr>
+          <p:cNvPr id="22" name="椭圆 21"/>
+          <p:cNvSpPr/>
+          <p:nvPr/>
+        </p:nvSpPr>
+        <p:spPr>
+          <a:xfrm>
+            <a:off x="7302808" y="1368313"/>
+            <a:ext cx="330367" cy="330367"/>
+          </a:xfrm>
+          <a:prstGeom prst="ellipse">
+            <a:avLst/>
+          </a:prstGeom>
+          <a:solidFill>
+            <a:srgbClr val="4CC7AA"/>
+          </a:solidFill>
+          <a:ln>
+            <a:noFill/>
+          </a:ln>
+        </p:spPr>
+        <p:style>
+          <a:lnRef idx="2">
+            <a:schemeClr val="accent1">
+              <a:shade val="50000"/>
+            </a:schemeClr>
+          </a:lnRef>
+          <a:fillRef idx="1">
+            <a:schemeClr val="accent1"/>
+          </a:fillRef>
+          <a:effectRef idx="0">
+            <a:schemeClr val="accent1"/>
+          </a:effectRef>
+          <a:fontRef idx="minor">
+            <a:schemeClr val="lt1"/>
+          </a:fontRef>
+        </p:style>
+        <p:txBody>
+          <a:bodyPr rtlCol="0" anchor="ctr"/>
+          <a:lstStyle/>
+          <a:p>
+            <a:pPr algn="ctr"/>
+            <a:endParaRPr lang="zh-CN" altLang="en-US"/>
+          </a:p>
+        </p:txBody>
+      </p:sp>
+      <p:sp>
+        <p:nvSpPr>
+          <p:cNvPr id="23" name="椭圆 22"/>
+          <p:cNvSpPr/>
+          <p:nvPr/>
+        </p:nvSpPr>
+        <p:spPr>
+          <a:xfrm>
+            <a:off x="7360118" y="4600046"/>
+            <a:ext cx="546113" cy="546113"/>
+          </a:xfrm>
+          <a:prstGeom prst="ellipse">
+            <a:avLst/>
+          </a:prstGeom>
+          <a:solidFill>
+            <a:srgbClr val="01D48F"/>
+          </a:solidFill>
+          <a:ln>
+            <a:noFill/>
+          </a:ln>
+        </p:spPr>
+        <p:style>
+          <a:lnRef idx="2">
+            <a:schemeClr val="accent1">
+              <a:shade val="50000"/>
+            </a:schemeClr>
+          </a:lnRef>
+          <a:fillRef idx="1">
+            <a:schemeClr val="accent1"/>
+          </a:fillRef>
+          <a:effectRef idx="0">
+            <a:schemeClr val="accent1"/>
+          </a:effectRef>
+          <a:fontRef idx="minor">
+            <a:schemeClr val="lt1"/>
+          </a:fontRef>
+        </p:style>
+        <p:txBody>
+          <a:bodyPr rtlCol="0" anchor="ctr"/>
+          <a:lstStyle/>
+          <a:p>
+            <a:pPr algn="ctr"/>
+            <a:endParaRPr lang="zh-CN" altLang="en-US"/>
+          </a:p>
+        </p:txBody>
+      </p:sp>
+      <p:sp>
+        <p:nvSpPr>
+          <p:cNvPr id="25" name="椭圆 24"/>
+          <p:cNvSpPr/>
+          <p:nvPr/>
+        </p:nvSpPr>
+        <p:spPr>
+          <a:xfrm>
+            <a:off x="3777930" y="1398820"/>
+            <a:ext cx="394083" cy="394083"/>
+          </a:xfrm>
+          <a:prstGeom prst="ellipse">
+            <a:avLst/>
+          </a:prstGeom>
+          <a:solidFill>
+            <a:srgbClr val="E94E60"/>
+          </a:solidFill>
+          <a:ln>
+            <a:noFill/>
+          </a:ln>
+        </p:spPr>
+        <p:style>
+          <a:lnRef idx="2">
+            <a:schemeClr val="accent1">
+              <a:shade val="50000"/>
+            </a:schemeClr>
+          </a:lnRef>
+          <a:fillRef idx="1">
+            <a:schemeClr val="accent1"/>
+          </a:fillRef>
+          <a:effectRef idx="0">
+            <a:schemeClr val="accent1"/>
+          </a:effectRef>
+          <a:fontRef idx="minor">
+            <a:schemeClr val="lt1"/>
+          </a:fontRef>
+        </p:style>
+        <p:txBody>
+          <a:bodyPr rtlCol="0" anchor="ctr"/>
+          <a:lstStyle/>
+          <a:p>
+            <a:pPr algn="ctr"/>
+            <a:endParaRPr lang="zh-CN" altLang="en-US"/>
+          </a:p>
+        </p:txBody>
+      </p:sp>
+      <p:sp>
+        <p:nvSpPr>
+          <p:cNvPr id="26" name="椭圆 25"/>
+          <p:cNvSpPr/>
+          <p:nvPr/>
+        </p:nvSpPr>
+        <p:spPr>
+          <a:xfrm>
+            <a:off x="4848584" y="4524297"/>
+            <a:ext cx="432176" cy="432176"/>
+          </a:xfrm>
+          <a:prstGeom prst="ellipse">
+            <a:avLst/>
+          </a:prstGeom>
+          <a:solidFill>
+            <a:srgbClr val="DE6E00"/>
+          </a:solidFill>
+          <a:ln>
+            <a:noFill/>
+          </a:ln>
+        </p:spPr>
+        <p:style>
+          <a:lnRef idx="2">
+            <a:schemeClr val="accent1">
+              <a:shade val="50000"/>
+            </a:schemeClr>
+          </a:lnRef>
+          <a:fillRef idx="1">
+            <a:schemeClr val="accent1"/>
+          </a:fillRef>
+          <a:effectRef idx="0">
+            <a:schemeClr val="accent1"/>
+          </a:effectRef>
+          <a:fontRef idx="minor">
+            <a:schemeClr val="lt1"/>
+          </a:fontRef>
+        </p:style>
+        <p:txBody>
+          <a:bodyPr rtlCol="0" anchor="ctr"/>
+          <a:lstStyle/>
+          <a:p>
+            <a:pPr algn="ctr"/>
+            <a:endParaRPr lang="zh-CN" altLang="en-US"/>
+          </a:p>
+        </p:txBody>
+      </p:sp>
+      <p:sp>
+        <p:nvSpPr>
+          <p:cNvPr id="27" name="椭圆 26"/>
+          <p:cNvSpPr/>
+          <p:nvPr/>
+        </p:nvSpPr>
+        <p:spPr>
+          <a:xfrm flipH="1">
+            <a:off x="2600370" y="2399897"/>
+            <a:ext cx="228203" cy="228203"/>
+          </a:xfrm>
+          <a:prstGeom prst="ellipse">
+            <a:avLst/>
+          </a:prstGeom>
+          <a:solidFill>
+            <a:srgbClr val="DE6E00"/>
+          </a:solidFill>
+          <a:ln>
+            <a:noFill/>
+          </a:ln>
+        </p:spPr>
+        <p:style>
+          <a:lnRef idx="2">
+            <a:schemeClr val="accent1">
+              <a:shade val="50000"/>
+            </a:schemeClr>
+          </a:lnRef>
+          <a:fillRef idx="1">
+            <a:schemeClr val="accent1"/>
+          </a:fillRef>
+          <a:effectRef idx="0">
+            <a:schemeClr val="accent1"/>
+          </a:effectRef>
+          <a:fontRef idx="minor">
+            <a:schemeClr val="lt1"/>
+          </a:fontRef>
+        </p:style>
+        <p:txBody>
+          <a:bodyPr rtlCol="0" anchor="ctr"/>
+          <a:lstStyle/>
+          <a:p>
+            <a:pPr algn="ctr"/>
+            <a:endParaRPr lang="zh-CN" altLang="en-US"/>
+          </a:p>
+        </p:txBody>
+      </p:sp>
+      <p:sp>
+        <p:nvSpPr>
+          <p:cNvPr id="28" name="椭圆 27"/>
+          <p:cNvSpPr/>
+          <p:nvPr/>
+        </p:nvSpPr>
+        <p:spPr>
+          <a:xfrm flipH="1">
+            <a:off x="2280929" y="1532974"/>
+            <a:ext cx="93215" cy="93215"/>
+          </a:xfrm>
+          <a:prstGeom prst="ellipse">
+            <a:avLst/>
+          </a:prstGeom>
+          <a:solidFill>
+            <a:srgbClr val="028985"/>
+          </a:solidFill>
+          <a:ln>
+            <a:noFill/>
+          </a:ln>
+        </p:spPr>
+        <p:style>
+          <a:lnRef idx="2">
+            <a:schemeClr val="accent1">
+              <a:shade val="50000"/>
+            </a:schemeClr>
+          </a:lnRef>
+          <a:fillRef idx="1">
+            <a:schemeClr val="accent1"/>
+          </a:fillRef>
+          <a:effectRef idx="0">
+            <a:schemeClr val="accent1"/>
+          </a:effectRef>
+          <a:fontRef idx="minor">
+            <a:schemeClr val="lt1"/>
+          </a:fontRef>
+        </p:style>
+        <p:txBody>
+          <a:bodyPr rtlCol="0" anchor="ctr"/>
+          <a:lstStyle/>
+          <a:p>
+            <a:pPr algn="ctr"/>
+            <a:endParaRPr lang="zh-CN" altLang="en-US"/>
+          </a:p>
+        </p:txBody>
+      </p:sp>
+      <p:sp>
+        <p:nvSpPr>
+          <p:cNvPr id="29" name="椭圆 28"/>
+          <p:cNvSpPr/>
+          <p:nvPr/>
+        </p:nvSpPr>
+        <p:spPr>
+          <a:xfrm flipH="1">
+            <a:off x="1753507" y="2285592"/>
+            <a:ext cx="93215" cy="93215"/>
+          </a:xfrm>
+          <a:prstGeom prst="ellipse">
+            <a:avLst/>
+          </a:prstGeom>
+          <a:solidFill>
+            <a:srgbClr val="F3C301"/>
+          </a:solidFill>
+          <a:ln>
+            <a:noFill/>
+          </a:ln>
+        </p:spPr>
+        <p:style>
+          <a:lnRef idx="2">
+            <a:schemeClr val="accent1">
+              <a:shade val="50000"/>
+            </a:schemeClr>
+          </a:lnRef>
+          <a:fillRef idx="1">
+            <a:schemeClr val="accent1"/>
+          </a:fillRef>
+          <a:effectRef idx="0">
+            <a:schemeClr val="accent1"/>
+          </a:effectRef>
+          <a:fontRef idx="minor">
+            <a:schemeClr val="lt1"/>
+          </a:fontRef>
+        </p:style>
+        <p:txBody>
+          <a:bodyPr rtlCol="0" anchor="ctr"/>
+          <a:lstStyle/>
+          <a:p>
+            <a:pPr algn="ctr"/>
+            <a:endParaRPr lang="zh-CN" altLang="en-US"/>
+          </a:p>
+        </p:txBody>
+      </p:sp>
+      <p:sp>
+        <p:nvSpPr>
+          <p:cNvPr id="42" name="椭圆 41"/>
+          <p:cNvSpPr/>
+          <p:nvPr/>
+        </p:nvSpPr>
+        <p:spPr>
+          <a:xfrm>
+            <a:off x="3472322" y="4457367"/>
+            <a:ext cx="394083" cy="394083"/>
+          </a:xfrm>
+          <a:prstGeom prst="ellipse">
+            <a:avLst/>
+          </a:prstGeom>
+          <a:solidFill>
+            <a:srgbClr val="F3C301"/>
+          </a:solidFill>
+          <a:ln>
+            <a:noFill/>
+          </a:ln>
+        </p:spPr>
+        <p:style>
+          <a:lnRef idx="2">
+            <a:schemeClr val="accent1">
+              <a:shade val="50000"/>
+            </a:schemeClr>
+          </a:lnRef>
+          <a:fillRef idx="1">
+            <a:schemeClr val="accent1"/>
+          </a:fillRef>
+          <a:effectRef idx="0">
+            <a:schemeClr val="accent1"/>
+          </a:effectRef>
+          <a:fontRef idx="minor">
+            <a:schemeClr val="lt1"/>
+          </a:fontRef>
+        </p:style>
+        <p:txBody>
+          <a:bodyPr rtlCol="0" anchor="ctr"/>
+          <a:lstStyle/>
+          <a:p>
+            <a:pPr algn="ctr"/>
+            <a:endParaRPr lang="zh-CN" altLang="en-US"/>
+          </a:p>
+        </p:txBody>
+      </p:sp>
+      <p:sp>
+        <p:nvSpPr>
+          <p:cNvPr id="43" name="椭圆 42"/>
+          <p:cNvSpPr/>
+          <p:nvPr/>
+        </p:nvSpPr>
+        <p:spPr>
+          <a:xfrm flipH="1">
+            <a:off x="2452501" y="3798892"/>
+            <a:ext cx="228203" cy="228203"/>
+          </a:xfrm>
+          <a:prstGeom prst="ellipse">
+            <a:avLst/>
+          </a:prstGeom>
+          <a:solidFill>
+            <a:srgbClr val="E94E60"/>
+          </a:solidFill>
+          <a:ln>
+            <a:noFill/>
+          </a:ln>
+        </p:spPr>
+        <p:style>
+          <a:lnRef idx="2">
+            <a:schemeClr val="accent1">
+              <a:shade val="50000"/>
+            </a:schemeClr>
+          </a:lnRef>
+          <a:fillRef idx="1">
+            <a:schemeClr val="accent1"/>
+          </a:fillRef>
+          <a:effectRef idx="0">
+            <a:schemeClr val="accent1"/>
+          </a:effectRef>
+          <a:fontRef idx="minor">
+            <a:schemeClr val="lt1"/>
+          </a:fontRef>
+        </p:style>
+        <p:txBody>
+          <a:bodyPr rtlCol="0" anchor="ctr"/>
+          <a:lstStyle/>
+          <a:p>
+            <a:pPr algn="ctr"/>
+            <a:endParaRPr lang="zh-CN" altLang="en-US"/>
+          </a:p>
+        </p:txBody>
+      </p:sp>
+      <p:sp>
+        <p:nvSpPr>
+          <p:cNvPr id="44" name="椭圆 43"/>
+          <p:cNvSpPr/>
+          <p:nvPr/>
+        </p:nvSpPr>
+        <p:spPr>
+          <a:xfrm flipH="1">
+            <a:off x="1647862" y="3254348"/>
+            <a:ext cx="93215" cy="93215"/>
+          </a:xfrm>
+          <a:prstGeom prst="ellipse">
+            <a:avLst/>
+          </a:prstGeom>
+          <a:solidFill>
+            <a:srgbClr val="01D48F"/>
+          </a:solidFill>
+          <a:ln>
+            <a:noFill/>
+          </a:ln>
+        </p:spPr>
+        <p:style>
+          <a:lnRef idx="2">
+            <a:schemeClr val="accent1">
+              <a:shade val="50000"/>
+            </a:schemeClr>
+          </a:lnRef>
+          <a:fillRef idx="1">
+            <a:schemeClr val="accent1"/>
+          </a:fillRef>
+          <a:effectRef idx="0">
+            <a:schemeClr val="accent1"/>
+          </a:effectRef>
+          <a:fontRef idx="minor">
+            <a:schemeClr val="lt1"/>
+          </a:fontRef>
+        </p:style>
+        <p:txBody>
+          <a:bodyPr rtlCol="0" anchor="ctr"/>
+          <a:lstStyle/>
+          <a:p>
+            <a:pPr algn="ctr"/>
+            <a:endParaRPr lang="zh-CN" altLang="en-US"/>
+          </a:p>
+        </p:txBody>
+      </p:sp>
+      <p:sp>
+        <p:nvSpPr>
+          <p:cNvPr id="45" name="椭圆 44"/>
+          <p:cNvSpPr/>
+          <p:nvPr/>
+        </p:nvSpPr>
+        <p:spPr>
+          <a:xfrm flipH="1">
+            <a:off x="1894657" y="4400316"/>
+            <a:ext cx="93215" cy="93215"/>
+          </a:xfrm>
+          <a:prstGeom prst="ellipse">
+            <a:avLst/>
+          </a:prstGeom>
+          <a:solidFill>
+            <a:srgbClr val="028985"/>
+          </a:solidFill>
+          <a:ln>
+            <a:noFill/>
+          </a:ln>
+        </p:spPr>
+        <p:style>
+          <a:lnRef idx="2">
+            <a:schemeClr val="accent1">
+              <a:shade val="50000"/>
+            </a:schemeClr>
+          </a:lnRef>
+          <a:fillRef idx="1">
+            <a:schemeClr val="accent1"/>
+          </a:fillRef>
+          <a:effectRef idx="0">
+            <a:schemeClr val="accent1"/>
+          </a:effectRef>
+          <a:fontRef idx="minor">
+            <a:schemeClr val="lt1"/>
+          </a:fontRef>
+        </p:style>
+        <p:txBody>
+          <a:bodyPr rtlCol="0" anchor="ctr"/>
+          <a:lstStyle/>
+          <a:p>
+            <a:pPr algn="ctr"/>
+            <a:endParaRPr lang="zh-CN" altLang="en-US"/>
+          </a:p>
+        </p:txBody>
+      </p:sp>
+      <p:sp>
+        <p:nvSpPr>
+          <p:cNvPr id="46" name="椭圆 45"/>
+          <p:cNvSpPr/>
+          <p:nvPr/>
+        </p:nvSpPr>
+        <p:spPr>
+          <a:xfrm flipH="1">
+            <a:off x="9482661" y="2765865"/>
+            <a:ext cx="228203" cy="228203"/>
+          </a:xfrm>
+          <a:prstGeom prst="ellipse">
+            <a:avLst/>
+          </a:prstGeom>
+          <a:solidFill>
+            <a:srgbClr val="F3C301"/>
+          </a:solidFill>
+          <a:ln>
+            <a:noFill/>
+          </a:ln>
+        </p:spPr>
+        <p:style>
+          <a:lnRef idx="2">
+            <a:schemeClr val="accent1">
+              <a:shade val="50000"/>
+            </a:schemeClr>
+          </a:lnRef>
+          <a:fillRef idx="1">
+            <a:schemeClr val="accent1"/>
+          </a:fillRef>
+          <a:effectRef idx="0">
+            <a:schemeClr val="accent1"/>
+          </a:effectRef>
+          <a:fontRef idx="minor">
+            <a:schemeClr val="lt1"/>
+          </a:fontRef>
+        </p:style>
+        <p:txBody>
+          <a:bodyPr rtlCol="0" anchor="ctr"/>
+          <a:lstStyle/>
+          <a:p>
+            <a:pPr algn="ctr"/>
+            <a:endParaRPr lang="zh-CN" altLang="en-US"/>
+          </a:p>
+        </p:txBody>
+      </p:sp>
+      <p:sp>
+        <p:nvSpPr>
+          <p:cNvPr id="47" name="椭圆 46"/>
+          <p:cNvSpPr/>
+          <p:nvPr/>
+        </p:nvSpPr>
+        <p:spPr>
+          <a:xfrm flipH="1">
+            <a:off x="9600184" y="1609493"/>
+            <a:ext cx="93215" cy="93215"/>
+          </a:xfrm>
+          <a:prstGeom prst="ellipse">
+            <a:avLst/>
+          </a:prstGeom>
+          <a:solidFill>
+            <a:srgbClr val="DE6E00"/>
+          </a:solidFill>
+          <a:ln>
+            <a:noFill/>
+          </a:ln>
+        </p:spPr>
+        <p:style>
+          <a:lnRef idx="2">
+            <a:schemeClr val="accent1">
+              <a:shade val="50000"/>
+            </a:schemeClr>
+          </a:lnRef>
+          <a:fillRef idx="1">
+            <a:schemeClr val="accent1"/>
+          </a:fillRef>
+          <a:effectRef idx="0">
+            <a:schemeClr val="accent1"/>
+          </a:effectRef>
+          <a:fontRef idx="minor">
+            <a:schemeClr val="lt1"/>
+          </a:fontRef>
+        </p:style>
+        <p:txBody>
+          <a:bodyPr rtlCol="0" anchor="ctr"/>
+          <a:lstStyle/>
+          <a:p>
+            <a:pPr algn="ctr"/>
+            <a:endParaRPr lang="zh-CN" altLang="en-US"/>
+          </a:p>
+        </p:txBody>
+      </p:sp>
+      <p:sp>
+        <p:nvSpPr>
+          <p:cNvPr id="48" name="椭圆 47"/>
+          <p:cNvSpPr/>
+          <p:nvPr/>
+        </p:nvSpPr>
+        <p:spPr>
+          <a:xfrm flipH="1">
+            <a:off x="10265188" y="2526187"/>
+            <a:ext cx="93215" cy="93215"/>
+          </a:xfrm>
+          <a:prstGeom prst="ellipse">
+            <a:avLst/>
+          </a:prstGeom>
+          <a:solidFill>
+            <a:srgbClr val="028985"/>
+          </a:solidFill>
+          <a:ln>
+            <a:noFill/>
+          </a:ln>
+        </p:spPr>
+        <p:style>
+          <a:lnRef idx="2">
+            <a:schemeClr val="accent1">
+              <a:shade val="50000"/>
+            </a:schemeClr>
+          </a:lnRef>
+          <a:fillRef idx="1">
+            <a:schemeClr val="accent1"/>
+          </a:fillRef>
+          <a:effectRef idx="0">
+            <a:schemeClr val="accent1"/>
+          </a:effectRef>
+          <a:fontRef idx="minor">
+            <a:schemeClr val="lt1"/>
+          </a:fontRef>
+        </p:style>
+        <p:txBody>
+          <a:bodyPr rtlCol="0" anchor="ctr"/>
+          <a:lstStyle/>
+          <a:p>
+            <a:pPr algn="ctr"/>
+            <a:endParaRPr lang="zh-CN" altLang="en-US"/>
+          </a:p>
+        </p:txBody>
+      </p:sp>
+      <p:sp>
+        <p:nvSpPr>
+          <p:cNvPr id="49" name="椭圆 48"/>
+          <p:cNvSpPr/>
+          <p:nvPr/>
+        </p:nvSpPr>
+        <p:spPr>
+          <a:xfrm>
+            <a:off x="8664169" y="4382785"/>
+            <a:ext cx="394083" cy="394083"/>
+          </a:xfrm>
+          <a:prstGeom prst="ellipse">
+            <a:avLst/>
+          </a:prstGeom>
+          <a:solidFill>
+            <a:srgbClr val="E94E60"/>
+          </a:solidFill>
+          <a:ln>
+            <a:noFill/>
+          </a:ln>
+        </p:spPr>
+        <p:style>
+          <a:lnRef idx="2">
+            <a:schemeClr val="accent1">
+              <a:shade val="50000"/>
+            </a:schemeClr>
+          </a:lnRef>
+          <a:fillRef idx="1">
+            <a:schemeClr val="accent1"/>
+          </a:fillRef>
+          <a:effectRef idx="0">
+            <a:schemeClr val="accent1"/>
+          </a:effectRef>
+          <a:fontRef idx="minor">
+            <a:schemeClr val="lt1"/>
+          </a:fontRef>
+        </p:style>
+        <p:txBody>
+          <a:bodyPr rtlCol="0" anchor="ctr"/>
+          <a:lstStyle/>
+          <a:p>
+            <a:pPr algn="ctr"/>
+            <a:endParaRPr lang="zh-CN" altLang="en-US"/>
+          </a:p>
+        </p:txBody>
+      </p:sp>
+      <p:sp>
+        <p:nvSpPr>
+          <p:cNvPr id="50" name="椭圆 49"/>
+          <p:cNvSpPr/>
+          <p:nvPr/>
+        </p:nvSpPr>
+        <p:spPr>
+          <a:xfrm flipH="1">
+            <a:off x="9405130" y="3749035"/>
+            <a:ext cx="228203" cy="228203"/>
+          </a:xfrm>
+          <a:prstGeom prst="ellipse">
+            <a:avLst/>
+          </a:prstGeom>
+          <a:solidFill>
+            <a:srgbClr val="028985"/>
+          </a:solidFill>
+          <a:ln>
+            <a:noFill/>
+          </a:ln>
+        </p:spPr>
+        <p:style>
+          <a:lnRef idx="2">
+            <a:schemeClr val="accent1">
+              <a:shade val="50000"/>
+            </a:schemeClr>
+          </a:lnRef>
+          <a:fillRef idx="1">
+            <a:schemeClr val="accent1"/>
+          </a:fillRef>
+          <a:effectRef idx="0">
+            <a:schemeClr val="accent1"/>
+          </a:effectRef>
+          <a:fontRef idx="minor">
+            <a:schemeClr val="lt1"/>
+          </a:fontRef>
+        </p:style>
+        <p:txBody>
+          <a:bodyPr rtlCol="0" anchor="ctr"/>
+          <a:lstStyle/>
+          <a:p>
+            <a:pPr algn="ctr"/>
+            <a:endParaRPr lang="zh-CN" altLang="en-US"/>
+          </a:p>
+        </p:txBody>
+      </p:sp>
+      <p:sp>
+        <p:nvSpPr>
+          <p:cNvPr id="51" name="椭圆 50"/>
+          <p:cNvSpPr/>
+          <p:nvPr/>
+        </p:nvSpPr>
+        <p:spPr>
+          <a:xfrm flipH="1">
+            <a:off x="10432377" y="3466074"/>
+            <a:ext cx="93215" cy="93215"/>
+          </a:xfrm>
+          <a:prstGeom prst="ellipse">
+            <a:avLst/>
+          </a:prstGeom>
+          <a:solidFill>
+            <a:srgbClr val="E94E60"/>
+          </a:solidFill>
+          <a:ln>
+            <a:noFill/>
+          </a:ln>
+        </p:spPr>
+        <p:style>
+          <a:lnRef idx="2">
+            <a:schemeClr val="accent1">
+              <a:shade val="50000"/>
+            </a:schemeClr>
+          </a:lnRef>
+          <a:fillRef idx="1">
+            <a:schemeClr val="accent1"/>
+          </a:fillRef>
+          <a:effectRef idx="0">
+            <a:schemeClr val="accent1"/>
+          </a:effectRef>
+          <a:fontRef idx="minor">
+            <a:schemeClr val="lt1"/>
+          </a:fontRef>
+        </p:style>
+        <p:txBody>
+          <a:bodyPr rtlCol="0" anchor="ctr"/>
+          <a:lstStyle/>
+          <a:p>
+            <a:pPr algn="ctr"/>
+            <a:endParaRPr lang="zh-CN" altLang="en-US"/>
+          </a:p>
+        </p:txBody>
+      </p:sp>
+      <p:sp>
+        <p:nvSpPr>
+          <p:cNvPr id="52" name="椭圆 51"/>
+          <p:cNvSpPr/>
+          <p:nvPr/>
+        </p:nvSpPr>
+        <p:spPr>
+          <a:xfrm flipH="1">
+            <a:off x="10053547" y="4318768"/>
+            <a:ext cx="128156" cy="128156"/>
+          </a:xfrm>
+          <a:prstGeom prst="ellipse">
+            <a:avLst/>
+          </a:prstGeom>
+          <a:solidFill>
+            <a:srgbClr val="F3C301"/>
+          </a:solidFill>
+          <a:ln>
+            <a:noFill/>
+          </a:ln>
+        </p:spPr>
+        <p:style>
+          <a:lnRef idx="2">
+            <a:schemeClr val="accent1">
+              <a:shade val="50000"/>
+            </a:schemeClr>
+          </a:lnRef>
+          <a:fillRef idx="1">
+            <a:schemeClr val="accent1"/>
+          </a:fillRef>
+          <a:effectRef idx="0">
+            <a:schemeClr val="accent1"/>
+          </a:effectRef>
+          <a:fontRef idx="minor">
+            <a:schemeClr val="lt1"/>
+          </a:fontRef>
+        </p:style>
+        <p:txBody>
+          <a:bodyPr rtlCol="0" anchor="ctr"/>
+          <a:lstStyle/>
+          <a:p>
+            <a:pPr algn="ctr"/>
+            <a:endParaRPr lang="zh-CN" altLang="en-US"/>
+          </a:p>
+        </p:txBody>
+      </p:sp>
+    </p:spTree>
+  </p:cSld>
+  <p:clrMapOvr>
+    <a:masterClrMapping/>
+  </p:clrMapOvr>
+  <mc:AlternateContent xmlns:mc="http://schemas.openxmlformats.org/markup-compatibility/2006">
+    <mc:Choice xmlns:p14="http://schemas.microsoft.com/office/powerpoint/2010/main" Requires="p14">
+      <p:transition p14:dur="0"/>
+    </mc:Choice>
+    <mc:Fallback>
+      <p:transition/>
+    </mc:Fallback>
+  </mc:AlternateContent>
+  <p:timing>
+    <p:tnLst>
+      <p:par>
         <p:cTn id="1" dur="indefinite" restart="never" nodeType="tmRoot"/>
       </p:par>
     </p:tnLst>
+    <p:bldLst>
+      <p:bldP spid="53" grpId="0" bldLvl="0" animBg="1"/>
+      <p:bldP spid="16" grpId="0" bldLvl="0" animBg="1"/>
+      <p:bldP spid="17" grpId="0" bldLvl="0" animBg="1"/>
+      <p:bldP spid="19" grpId="0" bldLvl="0" animBg="1"/>
+      <p:bldP spid="20" grpId="0" bldLvl="0" animBg="1"/>
+      <p:bldP spid="21" grpId="0" bldLvl="0" animBg="1"/>
+      <p:bldP spid="22" grpId="0" bldLvl="0" animBg="1"/>
+      <p:bldP spid="23" grpId="0" bldLvl="0" animBg="1"/>
+      <p:bldP spid="25" grpId="0" bldLvl="0" animBg="1"/>
+      <p:bldP spid="26" grpId="0" bldLvl="0" animBg="1"/>
+      <p:bldP spid="27" grpId="0" bldLvl="0" animBg="1"/>
+      <p:bldP spid="28" grpId="0" bldLvl="0" animBg="1"/>
+      <p:bldP spid="29" grpId="0" bldLvl="0" animBg="1"/>
+      <p:bldP spid="42" grpId="0" bldLvl="0" animBg="1"/>
+      <p:bldP spid="43" grpId="0" bldLvl="0" animBg="1"/>
+      <p:bldP spid="44" grpId="0" bldLvl="0" animBg="1"/>
+      <p:bldP spid="45" grpId="0" bldLvl="0" animBg="1"/>
+      <p:bldP spid="46" grpId="0" bldLvl="0" animBg="1"/>
+      <p:bldP spid="47" grpId="0" bldLvl="0" animBg="1"/>
+      <p:bldP spid="48" grpId="0" bldLvl="0" animBg="1"/>
+      <p:bldP spid="49" grpId="0" bldLvl="0" animBg="1"/>
+      <p:bldP spid="50" grpId="0" bldLvl="0" animBg="1"/>
+      <p:bldP spid="51" grpId="0" bldLvl="0" animBg="1"/>
+      <p:bldP spid="52" grpId="0" bldLvl="0" animBg="1"/>
+    </p:bldLst>
   </p:timing>
 </p:sld>
 </file>
@@ -15426,11 +14244,38 @@
 
 <file path=ppt/tags/tag80.xml><?xml version="1.0" encoding="utf-8"?>
 <p:tagLst xmlns:p="http://schemas.openxmlformats.org/presentationml/2006/main">
+  <p:tag name="KSO_WM_SLIDE_ID" val="custom20205081_1"/>
+  <p:tag name="KSO_WM_TEMPLATE_SUBCATEGORY" val="19"/>
+  <p:tag name="KSO_WM_TEMPLATE_MASTER_TYPE" val="0"/>
+  <p:tag name="KSO_WM_TEMPLATE_COLOR_TYPE" val="1"/>
+  <p:tag name="KSO_WM_SLIDE_TYPE" val="title"/>
+  <p:tag name="KSO_WM_SLIDE_SUBTYPE" val="defaultBlank"/>
+  <p:tag name="KSO_WM_SLIDE_ITEM_CNT" val="0"/>
+  <p:tag name="KSO_WM_SLIDE_INDEX" val="1"/>
+  <p:tag name="KSO_WM_TAG_VERSION" val="1.0"/>
+  <p:tag name="KSO_WM_BEAUTIFY_FLAG" val="#wm#"/>
+  <p:tag name="KSO_WM_TEMPLATE_CATEGORY" val="custom"/>
+  <p:tag name="KSO_WM_TEMPLATE_INDEX" val="20205081"/>
+  <p:tag name="KSO_WM_SLIDE_LAYOUT" val="a_b"/>
+  <p:tag name="KSO_WM_SLIDE_LAYOUT_CNT" val="1_1"/>
+  <p:tag name="KSO_WM_UNIT_SHOW_EDIT_AREA_INDICATION" val="1"/>
+  <p:tag name="KSO_WM_TEMPLATE_THUMBS_INDEX" val="1、4、7、12、13、14、15、16、17、18、20、24、25、28、33、36、40、43、44"/>
+</p:tagLst>
+</file>
+
+<file path=ppt/tags/tag81.xml><?xml version="1.0" encoding="utf-8"?>
+<p:tagLst xmlns:p="http://schemas.openxmlformats.org/presentationml/2006/main">
   <p:tag name="KSO_WM_BEAUTIFY_FLAG" val=""/>
 </p:tagLst>
 </file>
 
-<file path=ppt/tags/tag81.xml><?xml version="1.0" encoding="utf-8"?>
+<file path=ppt/tags/tag82.xml><?xml version="1.0" encoding="utf-8"?>
+<p:tagLst xmlns:p="http://schemas.openxmlformats.org/presentationml/2006/main">
+  <p:tag name="KSO_WM_BEAUTIFY_FLAG" val=""/>
+</p:tagLst>
+</file>
+
+<file path=ppt/tags/tag83.xml><?xml version="1.0" encoding="utf-8"?>
 <p:tagLst xmlns:p="http://schemas.openxmlformats.org/presentationml/2006/main">
   <p:tag name="KSO_WM_SLIDE_ID" val="custom20205081_1"/>
   <p:tag name="KSO_WM_TEMPLATE_SUBCATEGORY" val="19"/>
@@ -15451,36 +14296,9 @@
 </p:tagLst>
 </file>
 
-<file path=ppt/tags/tag82.xml><?xml version="1.0" encoding="utf-8"?>
+<file path=ppt/tags/tag84.xml><?xml version="1.0" encoding="utf-8"?>
 <p:tagLst xmlns:p="http://schemas.openxmlformats.org/presentationml/2006/main">
   <p:tag name="KSO_WM_BEAUTIFY_FLAG" val=""/>
-</p:tagLst>
-</file>
-
-<file path=ppt/tags/tag83.xml><?xml version="1.0" encoding="utf-8"?>
-<p:tagLst xmlns:p="http://schemas.openxmlformats.org/presentationml/2006/main">
-  <p:tag name="KSO_WM_BEAUTIFY_FLAG" val=""/>
-</p:tagLst>
-</file>
-
-<file path=ppt/tags/tag84.xml><?xml version="1.0" encoding="utf-8"?>
-<p:tagLst xmlns:p="http://schemas.openxmlformats.org/presentationml/2006/main">
-  <p:tag name="KSO_WM_SLIDE_ID" val="custom20205081_1"/>
-  <p:tag name="KSO_WM_TEMPLATE_SUBCATEGORY" val="19"/>
-  <p:tag name="KSO_WM_TEMPLATE_MASTER_TYPE" val="0"/>
-  <p:tag name="KSO_WM_TEMPLATE_COLOR_TYPE" val="1"/>
-  <p:tag name="KSO_WM_SLIDE_TYPE" val="title"/>
-  <p:tag name="KSO_WM_SLIDE_SUBTYPE" val="defaultBlank"/>
-  <p:tag name="KSO_WM_SLIDE_ITEM_CNT" val="0"/>
-  <p:tag name="KSO_WM_SLIDE_INDEX" val="1"/>
-  <p:tag name="KSO_WM_TAG_VERSION" val="1.0"/>
-  <p:tag name="KSO_WM_BEAUTIFY_FLAG" val="#wm#"/>
-  <p:tag name="KSO_WM_TEMPLATE_CATEGORY" val="custom"/>
-  <p:tag name="KSO_WM_TEMPLATE_INDEX" val="20205081"/>
-  <p:tag name="KSO_WM_SLIDE_LAYOUT" val="a_b"/>
-  <p:tag name="KSO_WM_SLIDE_LAYOUT_CNT" val="1_1"/>
-  <p:tag name="KSO_WM_UNIT_SHOW_EDIT_AREA_INDICATION" val="1"/>
-  <p:tag name="KSO_WM_TEMPLATE_THUMBS_INDEX" val="1、4、7、12、13、14、15、16、17、18、20、24、25、28、33、36、40、43、44"/>
 </p:tagLst>
 </file>
 
@@ -15513,19 +14331,8 @@
 
 <file path=ppt/tags/tag87.xml><?xml version="1.0" encoding="utf-8"?>
 <p:tagLst xmlns:p="http://schemas.openxmlformats.org/presentationml/2006/main">
-  <p:tag name="KSO_WM_BEAUTIFY_FLAG" val=""/>
-</p:tagLst>
-</file>
-
-<file path=ppt/tags/tag88.xml><?xml version="1.0" encoding="utf-8"?>
-<p:tagLst xmlns:p="http://schemas.openxmlformats.org/presentationml/2006/main">
-  <p:tag name="KSO_WM_BEAUTIFY_FLAG" val=""/>
-</p:tagLst>
-</file>
-
-<file path=ppt/tags/tag89.xml><?xml version="1.0" encoding="utf-8"?>
-<p:tagLst xmlns:p="http://schemas.openxmlformats.org/presentationml/2006/main">
-  <p:tag name="KSO_WM_BEAUTIFY_FLAG" val=""/>
+  <p:tag name="COMMONDATA" val="eyJoZGlkIjoiZmU4Zjg0N2NlMjlhNWE0OWFlZGNmNDBmMjQ5MjE1ZjMifQ=="/>
+  <p:tag name="KSO_WPP_MARK_KEY" val="5f705d26-d263-4979-a5b8-d57acbb2fc9a"/>
 </p:tagLst>
 </file>
 
@@ -15539,64 +14346,6 @@
   <p:tag name="KSO_WM_UNIT_LAYERLEVEL" val="1"/>
   <p:tag name="KSO_WM_TAG_VERSION" val="1.0"/>
   <p:tag name="KSO_WM_BEAUTIFY_FLAG" val="#wm#"/>
-</p:tagLst>
-</file>
-
-<file path=ppt/tags/tag90.xml><?xml version="1.0" encoding="utf-8"?>
-<p:tagLst xmlns:p="http://schemas.openxmlformats.org/presentationml/2006/main">
-  <p:tag name="KSO_WM_BEAUTIFY_FLAG" val=""/>
-</p:tagLst>
-</file>
-
-<file path=ppt/tags/tag91.xml><?xml version="1.0" encoding="utf-8"?>
-<p:tagLst xmlns:p="http://schemas.openxmlformats.org/presentationml/2006/main">
-  <p:tag name="KSO_WM_BEAUTIFY_FLAG" val=""/>
-</p:tagLst>
-</file>
-
-<file path=ppt/tags/tag92.xml><?xml version="1.0" encoding="utf-8"?>
-<p:tagLst xmlns:p="http://schemas.openxmlformats.org/presentationml/2006/main">
-  <p:tag name="KSO_WM_BEAUTIFY_FLAG" val=""/>
-</p:tagLst>
-</file>
-
-<file path=ppt/tags/tag93.xml><?xml version="1.0" encoding="utf-8"?>
-<p:tagLst xmlns:p="http://schemas.openxmlformats.org/presentationml/2006/main">
-  <p:tag name="KSO_WM_BEAUTIFY_FLAG" val=""/>
-</p:tagLst>
-</file>
-
-<file path=ppt/tags/tag94.xml><?xml version="1.0" encoding="utf-8"?>
-<p:tagLst xmlns:p="http://schemas.openxmlformats.org/presentationml/2006/main">
-  <p:tag name="KSO_WM_BEAUTIFY_FLAG" val=""/>
-</p:tagLst>
-</file>
-
-<file path=ppt/tags/tag95.xml><?xml version="1.0" encoding="utf-8"?>
-<p:tagLst xmlns:p="http://schemas.openxmlformats.org/presentationml/2006/main">
-  <p:tag name="KSO_WM_SLIDE_ID" val="custom20205081_1"/>
-  <p:tag name="KSO_WM_TEMPLATE_SUBCATEGORY" val="19"/>
-  <p:tag name="KSO_WM_TEMPLATE_MASTER_TYPE" val="0"/>
-  <p:tag name="KSO_WM_TEMPLATE_COLOR_TYPE" val="1"/>
-  <p:tag name="KSO_WM_SLIDE_TYPE" val="title"/>
-  <p:tag name="KSO_WM_SLIDE_SUBTYPE" val="defaultBlank"/>
-  <p:tag name="KSO_WM_SLIDE_ITEM_CNT" val="0"/>
-  <p:tag name="KSO_WM_SLIDE_INDEX" val="1"/>
-  <p:tag name="KSO_WM_TAG_VERSION" val="1.0"/>
-  <p:tag name="KSO_WM_BEAUTIFY_FLAG" val="#wm#"/>
-  <p:tag name="KSO_WM_TEMPLATE_CATEGORY" val="custom"/>
-  <p:tag name="KSO_WM_TEMPLATE_INDEX" val="20205081"/>
-  <p:tag name="KSO_WM_SLIDE_LAYOUT" val="a_b"/>
-  <p:tag name="KSO_WM_SLIDE_LAYOUT_CNT" val="1_1"/>
-  <p:tag name="KSO_WM_UNIT_SHOW_EDIT_AREA_INDICATION" val="1"/>
-  <p:tag name="KSO_WM_TEMPLATE_THUMBS_INDEX" val="1、4、7、12、13、14、15、16、17、18、20、24、25、28、33、36、40、43、44"/>
-</p:tagLst>
-</file>
-
-<file path=ppt/tags/tag96.xml><?xml version="1.0" encoding="utf-8"?>
-<p:tagLst xmlns:p="http://schemas.openxmlformats.org/presentationml/2006/main">
-  <p:tag name="COMMONDATA" val="eyJoZGlkIjoiY2NhYWU4ODljMTE5NjFlNDE0MWMzOWY2ZDJjOWUyYTYifQ=="/>
-  <p:tag name="KSO_WPP_MARK_KEY" val="5f705d26-d263-4979-a5b8-d57acbb2fc9a"/>
 </p:tagLst>
 </file>
 
